--- a/THESIS/DACN_UD_Hoc_KHo_CTK37_BaoCao_D3.pptx
+++ b/THESIS/DACN_UD_Hoc_KHo_CTK37_BaoCao_D3.pptx
@@ -5,7 +5,7 @@
     <p:sldMasterId id="2147483648" r:id="rId1"/>
   </p:sldMasterIdLst>
   <p:notesMasterIdLst>
-    <p:notesMasterId r:id="rId25"/>
+    <p:notesMasterId r:id="rId27"/>
   </p:notesMasterIdLst>
   <p:sldIdLst>
     <p:sldId id="256" r:id="rId2"/>
@@ -16,21 +16,23 @@
     <p:sldId id="341" r:id="rId7"/>
     <p:sldId id="327" r:id="rId8"/>
     <p:sldId id="336" r:id="rId9"/>
-    <p:sldId id="346" r:id="rId10"/>
-    <p:sldId id="347" r:id="rId11"/>
-    <p:sldId id="348" r:id="rId12"/>
-    <p:sldId id="332" r:id="rId13"/>
-    <p:sldId id="349" r:id="rId14"/>
-    <p:sldId id="343" r:id="rId15"/>
-    <p:sldId id="344" r:id="rId16"/>
-    <p:sldId id="345" r:id="rId17"/>
-    <p:sldId id="309" r:id="rId18"/>
-    <p:sldId id="310" r:id="rId19"/>
-    <p:sldId id="323" r:id="rId20"/>
-    <p:sldId id="311" r:id="rId21"/>
-    <p:sldId id="316" r:id="rId22"/>
-    <p:sldId id="312" r:id="rId23"/>
-    <p:sldId id="320" r:id="rId24"/>
+    <p:sldId id="353" r:id="rId10"/>
+    <p:sldId id="346" r:id="rId11"/>
+    <p:sldId id="347" r:id="rId12"/>
+    <p:sldId id="348" r:id="rId13"/>
+    <p:sldId id="332" r:id="rId14"/>
+    <p:sldId id="349" r:id="rId15"/>
+    <p:sldId id="343" r:id="rId16"/>
+    <p:sldId id="309" r:id="rId17"/>
+    <p:sldId id="310" r:id="rId18"/>
+    <p:sldId id="323" r:id="rId19"/>
+    <p:sldId id="311" r:id="rId20"/>
+    <p:sldId id="316" r:id="rId21"/>
+    <p:sldId id="312" r:id="rId22"/>
+    <p:sldId id="350" r:id="rId23"/>
+    <p:sldId id="351" r:id="rId24"/>
+    <p:sldId id="352" r:id="rId25"/>
+    <p:sldId id="320" r:id="rId26"/>
   </p:sldIdLst>
   <p:sldSz cx="9144000" cy="6858000" type="screen4x3"/>
   <p:notesSz cx="6858000" cy="9144000"/>
@@ -3938,7 +3940,7 @@
           <p:cNvPr id="10" name="Picture 9">
             <a:extLst>
               <a:ext uri="{FF2B5EF4-FFF2-40B4-BE49-F238E27FC236}">
-                <a16:creationId xmlns="" xmlns:a16="http://schemas.microsoft.com/office/drawing/2014/main" id="{8D2D12AD-440E-467D-AB43-0C3F2A1664D6}"/>
+                <a16:creationId xmlns:a16="http://schemas.microsoft.com/office/drawing/2014/main" xmlns="" id="{8D2D12AD-440E-467D-AB43-0C3F2A1664D6}"/>
               </a:ext>
             </a:extLst>
           </p:cNvPr>
@@ -4093,171 +4095,361 @@
       </p:sp>
       <p:sp>
         <p:nvSpPr>
-          <p:cNvPr id="7" name="TextBox 6"/>
-          <p:cNvSpPr txBox="1"/>
+          <p:cNvPr id="6" name="Title 1"/>
+          <p:cNvSpPr txBox="1">
+            <a:spLocks/>
+          </p:cNvSpPr>
           <p:nvPr/>
         </p:nvSpPr>
         <p:spPr>
           <a:xfrm>
-            <a:off x="152400" y="1058386"/>
-            <a:ext cx="6629400" cy="5663089"/>
-          </a:xfrm>
-          <a:prstGeom prst="rect">
-            <a:avLst/>
-          </a:prstGeom>
-          <a:noFill/>
-        </p:spPr>
-        <p:txBody>
-          <a:bodyPr wrap="square" rtlCol="0">
-            <a:spAutoFit/>
-          </a:bodyPr>
-          <a:lstStyle/>
-          <a:p>
-            <a:pPr marL="342900" indent="-342900" algn="just">
-              <a:buFont typeface="Wingdings" panose="05000000000000000000" pitchFamily="2" charset="2"/>
-              <a:buChar char="Ø"/>
-            </a:pPr>
-            <a:r>
-              <a:rPr lang="en-US" sz="2200" dirty="0">
-                <a:latin typeface="Arial" panose="020B0604020202020204" pitchFamily="34" charset="0"/>
-                <a:cs typeface="Arial" panose="020B0604020202020204" pitchFamily="34" charset="0"/>
-              </a:rPr>
-              <a:t>Xây dựng theo mô hình 3 lớp:</a:t>
-            </a:r>
-          </a:p>
-          <a:p>
-            <a:pPr marL="625475" indent="-396875" algn="just">
-              <a:spcBef>
-                <a:spcPts val="1200"/>
-              </a:spcBef>
-              <a:buFont typeface="Arial" panose="020B0604020202020204" pitchFamily="34" charset="0"/>
-              <a:buChar char="•"/>
-            </a:pPr>
-            <a:r>
-              <a:rPr lang="en-US" sz="2200" dirty="0">
-                <a:latin typeface="Arial" panose="020B0604020202020204" pitchFamily="34" charset="0"/>
-                <a:cs typeface="Arial" panose="020B0604020202020204" pitchFamily="34" charset="0"/>
-              </a:rPr>
-              <a:t>DAO </a:t>
-            </a:r>
-            <a:r>
-              <a:rPr lang="en-US" sz="2200" dirty="0" smtClean="0">
-                <a:latin typeface="Arial" panose="020B0604020202020204" pitchFamily="34" charset="0"/>
-                <a:cs typeface="Arial" panose="020B0604020202020204" pitchFamily="34" charset="0"/>
-              </a:rPr>
-              <a:t>Layer (Data Access Object): </a:t>
-            </a:r>
-            <a:r>
-              <a:rPr lang="en-US" sz="2200" dirty="0">
-                <a:latin typeface="Arial" panose="020B0604020202020204" pitchFamily="34" charset="0"/>
-                <a:cs typeface="Arial" panose="020B0604020202020204" pitchFamily="34" charset="0"/>
-              </a:rPr>
-              <a:t>Dùng để truy vấn đến lớp DTO Layer.</a:t>
-            </a:r>
-          </a:p>
-          <a:p>
-            <a:pPr marL="625475" indent="-396875" algn="just">
-              <a:buFont typeface="Arial" panose="020B0604020202020204" pitchFamily="34" charset="0"/>
-              <a:buChar char="•"/>
-            </a:pPr>
-            <a:r>
-              <a:rPr lang="en-US" sz="2200" dirty="0">
-                <a:latin typeface="Arial" panose="020B0604020202020204" pitchFamily="34" charset="0"/>
-                <a:cs typeface="Arial" panose="020B0604020202020204" pitchFamily="34" charset="0"/>
-              </a:rPr>
-              <a:t>DTO </a:t>
-            </a:r>
-            <a:r>
-              <a:rPr lang="en-US" sz="2200" dirty="0" smtClean="0">
-                <a:latin typeface="Arial" panose="020B0604020202020204" pitchFamily="34" charset="0"/>
-                <a:cs typeface="Arial" panose="020B0604020202020204" pitchFamily="34" charset="0"/>
-              </a:rPr>
-              <a:t>Layer (DataTable to an Object): </a:t>
-            </a:r>
-            <a:r>
-              <a:rPr lang="en-US" sz="2200" dirty="0">
-                <a:latin typeface="Arial" panose="020B0604020202020204" pitchFamily="34" charset="0"/>
-                <a:cs typeface="Arial" panose="020B0604020202020204" pitchFamily="34" charset="0"/>
-              </a:rPr>
-              <a:t>Dùng để định nghĩa các table trong database.</a:t>
-            </a:r>
-          </a:p>
-          <a:p>
-            <a:pPr marL="625475" indent="-396875" algn="just">
-              <a:buFont typeface="Arial" panose="020B0604020202020204" pitchFamily="34" charset="0"/>
-              <a:buChar char="•"/>
-            </a:pPr>
-            <a:r>
-              <a:rPr lang="en-US" sz="2200" dirty="0">
-                <a:latin typeface="Arial" panose="020B0604020202020204" pitchFamily="34" charset="0"/>
-                <a:cs typeface="Arial" panose="020B0604020202020204" pitchFamily="34" charset="0"/>
-              </a:rPr>
-              <a:t>GUI </a:t>
-            </a:r>
-            <a:r>
-              <a:rPr lang="en-US" sz="2200" dirty="0" smtClean="0">
-                <a:latin typeface="Arial" panose="020B0604020202020204" pitchFamily="34" charset="0"/>
-                <a:cs typeface="Arial" panose="020B0604020202020204" pitchFamily="34" charset="0"/>
-              </a:rPr>
-              <a:t>Layer (Graphical User Interface): </a:t>
-            </a:r>
-            <a:r>
-              <a:rPr lang="en-US" sz="2200" dirty="0">
-                <a:latin typeface="Arial" panose="020B0604020202020204" pitchFamily="34" charset="0"/>
-                <a:cs typeface="Arial" panose="020B0604020202020204" pitchFamily="34" charset="0"/>
-              </a:rPr>
-              <a:t>Dùng để hiển thị giao diện và các chức năng để người sử dụng thao tác.</a:t>
-            </a:r>
-          </a:p>
-          <a:p>
-            <a:pPr marL="360363" indent="-342900" algn="just">
-              <a:buFont typeface="Wingdings" panose="05000000000000000000" pitchFamily="2" charset="2"/>
-              <a:buChar char="Ø"/>
-            </a:pPr>
-            <a:r>
-              <a:rPr lang="en-US" sz="2200" dirty="0">
-                <a:latin typeface="Arial" panose="020B0604020202020204" pitchFamily="34" charset="0"/>
-                <a:cs typeface="Arial" panose="020B0604020202020204" pitchFamily="34" charset="0"/>
-              </a:rPr>
-              <a:t>Lớp DTO: Sử dụng Entity Frameword để xây dựng, Entity Framework là một bộ ánh xạ đối tượng – quan hệ cho phép người lập trình .NET  làm việc với dữ liệu quan hệ qua các đối tượng (object), giúp lập trình viên không cần viết mã cho (hầu hết) những gì liên quan đến truy cập dữ liệu.</a:t>
-            </a:r>
-          </a:p>
-          <a:p>
-            <a:pPr marL="228600" algn="just"/>
-            <a:endParaRPr lang="en-US" sz="2200" dirty="0">
-              <a:latin typeface="Arial" panose="020B0604020202020204" pitchFamily="34" charset="0"/>
-              <a:cs typeface="Arial" panose="020B0604020202020204" pitchFamily="34" charset="0"/>
-            </a:endParaRPr>
-          </a:p>
-        </p:txBody>
-      </p:sp>
-      <p:pic>
-        <p:nvPicPr>
-          <p:cNvPr id="8" name="Picture 7"/>
-          <p:cNvPicPr/>
-          <p:nvPr/>
-        </p:nvPicPr>
-        <p:blipFill rotWithShape="1">
-          <a:blip r:embed="rId2"/>
-          <a:srcRect l="8418" r="10773"/>
-          <a:stretch/>
-        </p:blipFill>
-        <p:spPr>
-          <a:xfrm>
-            <a:off x="6781800" y="914400"/>
-            <a:ext cx="2286000" cy="3555435"/>
+            <a:off x="457200" y="1143000"/>
+            <a:ext cx="8534400" cy="5334000"/>
           </a:xfrm>
           <a:prstGeom prst="rect">
             <a:avLst/>
           </a:prstGeom>
         </p:spPr>
-      </p:pic>
-      <p:sp>
-        <p:nvSpPr>
-          <p:cNvPr id="10" name="Title 1">
+        <p:txBody>
+          <a:bodyPr vert="horz" lIns="91440" tIns="45720" rIns="91440" bIns="45720" rtlCol="0" anchor="ctr">
+            <a:noAutofit/>
+          </a:bodyPr>
+          <a:lstStyle>
+            <a:lvl1pPr algn="l" defTabSz="914400" rtl="0" eaLnBrk="1" latinLnBrk="0" hangingPunct="1">
+              <a:spcBef>
+                <a:spcPct val="0"/>
+              </a:spcBef>
+              <a:buNone/>
+              <a:defRPr sz="4400" kern="1200">
+                <a:solidFill>
+                  <a:schemeClr val="bg1"/>
+                </a:solidFill>
+                <a:latin typeface="Segoe UI Semilight" pitchFamily="34" charset="0"/>
+                <a:ea typeface="+mj-ea"/>
+                <a:cs typeface="Segoe UI Semilight" pitchFamily="34" charset="0"/>
+              </a:defRPr>
+            </a:lvl1pPr>
+          </a:lstStyle>
+          <a:p>
+            <a:pPr marL="342900" indent="-342900" algn="just">
+              <a:buFont typeface="Wingdings" panose="05000000000000000000" pitchFamily="2" charset="2"/>
+              <a:buChar char="Ø"/>
+            </a:pPr>
+            <a:r>
+              <a:rPr lang="en-US" sz="2400" dirty="0" smtClean="0">
+                <a:solidFill>
+                  <a:schemeClr val="tx1"/>
+                </a:solidFill>
+                <a:latin typeface="Arial" panose="020B0604020202020204" pitchFamily="34" charset="0"/>
+                <a:cs typeface="Arial" panose="020B0604020202020204" pitchFamily="34" charset="0"/>
+              </a:rPr>
+              <a:t>Đề </a:t>
+            </a:r>
+            <a:r>
+              <a:rPr lang="en-US" sz="2400" dirty="0" smtClean="0">
+                <a:solidFill>
+                  <a:schemeClr val="tx1"/>
+                </a:solidFill>
+                <a:latin typeface="Arial" panose="020B0604020202020204" pitchFamily="34" charset="0"/>
+                <a:cs typeface="Arial" panose="020B0604020202020204" pitchFamily="34" charset="0"/>
+              </a:rPr>
+              <a:t>xuất phương </a:t>
+            </a:r>
+            <a:r>
+              <a:rPr lang="en-US" sz="2400" dirty="0" smtClean="0">
+                <a:solidFill>
+                  <a:schemeClr val="tx1"/>
+                </a:solidFill>
+                <a:latin typeface="Arial" panose="020B0604020202020204" pitchFamily="34" charset="0"/>
+                <a:cs typeface="Arial" panose="020B0604020202020204" pitchFamily="34" charset="0"/>
+              </a:rPr>
+              <a:t>án</a:t>
+            </a:r>
+            <a:r>
+              <a:rPr lang="en-US" sz="2400" dirty="0" smtClean="0">
+                <a:solidFill>
+                  <a:schemeClr val="tx1"/>
+                </a:solidFill>
+                <a:latin typeface="Arial" panose="020B0604020202020204" pitchFamily="34" charset="0"/>
+                <a:cs typeface="Arial" panose="020B0604020202020204" pitchFamily="34" charset="0"/>
+              </a:rPr>
+              <a:t>:</a:t>
+            </a:r>
+            <a:endParaRPr lang="en-US" sz="2400" dirty="0">
+              <a:solidFill>
+                <a:schemeClr val="tx1"/>
+              </a:solidFill>
+              <a:latin typeface="Arial" panose="020B0604020202020204" pitchFamily="34" charset="0"/>
+              <a:cs typeface="Arial" panose="020B0604020202020204" pitchFamily="34" charset="0"/>
+            </a:endParaRPr>
+          </a:p>
+          <a:p>
+            <a:pPr marL="914400" indent="-457200" algn="just">
+              <a:buFont typeface="Arial" panose="020B0604020202020204" pitchFamily="34" charset="0"/>
+              <a:buChar char="•"/>
+            </a:pPr>
+            <a:r>
+              <a:rPr lang="en-US" sz="2400" dirty="0">
+                <a:solidFill>
+                  <a:schemeClr val="tx1"/>
+                </a:solidFill>
+                <a:latin typeface="Arial" panose="020B0604020202020204" pitchFamily="34" charset="0"/>
+                <a:cs typeface="Arial" panose="020B0604020202020204" pitchFamily="34" charset="0"/>
+              </a:rPr>
+              <a:t>Giao diện của chương trình học tiếng dân tộc K’Ho sẽ dựa vào sách Tài liệu dạy và học tiếng K’Ho của Sở Nội vụ - Sở Giáo dục và Đào tạo tỉnh Lâm Đồng và ứng dụng English Study Pro 2012 để thiết kế</a:t>
+            </a:r>
+            <a:r>
+              <a:rPr lang="en-US" sz="2400" dirty="0" smtClean="0">
+                <a:solidFill>
+                  <a:schemeClr val="tx1"/>
+                </a:solidFill>
+                <a:latin typeface="Arial" panose="020B0604020202020204" pitchFamily="34" charset="0"/>
+                <a:cs typeface="Arial" panose="020B0604020202020204" pitchFamily="34" charset="0"/>
+              </a:rPr>
+              <a:t>.</a:t>
+            </a:r>
+            <a:endParaRPr lang="en-US" sz="2400" dirty="0">
+              <a:solidFill>
+                <a:schemeClr val="tx1"/>
+              </a:solidFill>
+              <a:latin typeface="Arial" panose="020B0604020202020204" pitchFamily="34" charset="0"/>
+              <a:cs typeface="Arial" panose="020B0604020202020204" pitchFamily="34" charset="0"/>
+            </a:endParaRPr>
+          </a:p>
+          <a:p>
+            <a:pPr marL="342900" lvl="0" indent="-342900" algn="just">
+              <a:buFont typeface="Wingdings" panose="05000000000000000000" pitchFamily="2" charset="2"/>
+              <a:buChar char="Ø"/>
+            </a:pPr>
+            <a:r>
+              <a:rPr lang="en-US" sz="2400" dirty="0">
+                <a:solidFill>
+                  <a:schemeClr val="tx1"/>
+                </a:solidFill>
+                <a:latin typeface="Arial" panose="020B0604020202020204" pitchFamily="34" charset="0"/>
+                <a:cs typeface="Arial" panose="020B0604020202020204" pitchFamily="34" charset="0"/>
+              </a:rPr>
+              <a:t>Các công cụ xây </a:t>
+            </a:r>
+            <a:r>
+              <a:rPr lang="en-US" sz="2400" dirty="0" smtClean="0">
+                <a:solidFill>
+                  <a:schemeClr val="tx1"/>
+                </a:solidFill>
+                <a:latin typeface="Arial" panose="020B0604020202020204" pitchFamily="34" charset="0"/>
+                <a:cs typeface="Arial" panose="020B0604020202020204" pitchFamily="34" charset="0"/>
+              </a:rPr>
+              <a:t>dựng:</a:t>
+            </a:r>
+            <a:endParaRPr lang="en-US" sz="2400" dirty="0">
+              <a:solidFill>
+                <a:schemeClr val="tx1"/>
+              </a:solidFill>
+              <a:latin typeface="Arial" panose="020B0604020202020204" pitchFamily="34" charset="0"/>
+              <a:cs typeface="Arial" panose="020B0604020202020204" pitchFamily="34" charset="0"/>
+            </a:endParaRPr>
+          </a:p>
+          <a:p>
+            <a:pPr marL="900113" indent="-457200" algn="just">
+              <a:buFont typeface="Arial" panose="020B0604020202020204" pitchFamily="34" charset="0"/>
+              <a:buChar char="•"/>
+            </a:pPr>
+            <a:r>
+              <a:rPr lang="en-US" sz="2400" dirty="0">
+                <a:solidFill>
+                  <a:schemeClr val="tx1"/>
+                </a:solidFill>
+                <a:latin typeface="Arial" panose="020B0604020202020204" pitchFamily="34" charset="0"/>
+                <a:cs typeface="Arial" panose="020B0604020202020204" pitchFamily="34" charset="0"/>
+              </a:rPr>
+              <a:t>Chương trình hỗ trợ gõ chữ các dân tộc thiểu số Tây Nguyên: </a:t>
+            </a:r>
+            <a:r>
+              <a:rPr lang="en-US" sz="2400" b="1" dirty="0">
+                <a:solidFill>
+                  <a:schemeClr val="tx1"/>
+                </a:solidFill>
+                <a:latin typeface="Arial" panose="020B0604020202020204" pitchFamily="34" charset="0"/>
+                <a:cs typeface="Arial" panose="020B0604020202020204" pitchFamily="34" charset="0"/>
+              </a:rPr>
+              <a:t>TayNguyenKey</a:t>
+            </a:r>
+            <a:r>
+              <a:rPr lang="en-US" sz="2400" dirty="0">
+                <a:solidFill>
+                  <a:schemeClr val="tx1"/>
+                </a:solidFill>
+                <a:latin typeface="Arial" panose="020B0604020202020204" pitchFamily="34" charset="0"/>
+                <a:cs typeface="Arial" panose="020B0604020202020204" pitchFamily="34" charset="0"/>
+              </a:rPr>
+              <a:t>.</a:t>
+            </a:r>
+          </a:p>
+          <a:p>
+            <a:pPr marL="900113" indent="-457200" algn="just">
+              <a:buFont typeface="Arial" panose="020B0604020202020204" pitchFamily="34" charset="0"/>
+              <a:buChar char="•"/>
+            </a:pPr>
+            <a:r>
+              <a:rPr lang="en-US" sz="2400" dirty="0">
+                <a:solidFill>
+                  <a:schemeClr val="tx1"/>
+                </a:solidFill>
+                <a:latin typeface="Arial" panose="020B0604020202020204" pitchFamily="34" charset="0"/>
+                <a:cs typeface="Arial" panose="020B0604020202020204" pitchFamily="34" charset="0"/>
+              </a:rPr>
+              <a:t>Công cụ xây dựng giao diện: </a:t>
+            </a:r>
+            <a:r>
+              <a:rPr lang="en-US" sz="2400" b="1" dirty="0">
+                <a:solidFill>
+                  <a:schemeClr val="tx1"/>
+                </a:solidFill>
+                <a:latin typeface="Arial" panose="020B0604020202020204" pitchFamily="34" charset="0"/>
+                <a:cs typeface="Arial" panose="020B0604020202020204" pitchFamily="34" charset="0"/>
+              </a:rPr>
+              <a:t>Devexpress 14</a:t>
+            </a:r>
+            <a:r>
+              <a:rPr lang="en-US" sz="2400" dirty="0">
+                <a:solidFill>
+                  <a:schemeClr val="tx1"/>
+                </a:solidFill>
+                <a:latin typeface="Arial" panose="020B0604020202020204" pitchFamily="34" charset="0"/>
+                <a:cs typeface="Arial" panose="020B0604020202020204" pitchFamily="34" charset="0"/>
+              </a:rPr>
+              <a:t>.</a:t>
+            </a:r>
+          </a:p>
+          <a:p>
+            <a:pPr marL="900113" indent="-457200" algn="just">
+              <a:buFont typeface="Arial" panose="020B0604020202020204" pitchFamily="34" charset="0"/>
+              <a:buChar char="•"/>
+            </a:pPr>
+            <a:r>
+              <a:rPr lang="en-US" sz="2400" dirty="0">
+                <a:solidFill>
+                  <a:schemeClr val="tx1"/>
+                </a:solidFill>
+                <a:latin typeface="Arial" panose="020B0604020202020204" pitchFamily="34" charset="0"/>
+                <a:cs typeface="Arial" panose="020B0604020202020204" pitchFamily="34" charset="0"/>
+              </a:rPr>
+              <a:t>Quản trị cơ sở dữ liệu: </a:t>
+            </a:r>
+            <a:r>
+              <a:rPr lang="en-US" sz="2400" b="1" dirty="0">
+                <a:solidFill>
+                  <a:schemeClr val="tx1"/>
+                </a:solidFill>
+                <a:latin typeface="Arial" panose="020B0604020202020204" pitchFamily="34" charset="0"/>
+                <a:cs typeface="Arial" panose="020B0604020202020204" pitchFamily="34" charset="0"/>
+              </a:rPr>
+              <a:t>SQL Sever 2012 Express.</a:t>
+            </a:r>
+          </a:p>
+          <a:p>
+            <a:pPr marL="900113" indent="-457200" algn="just">
+              <a:buFont typeface="Arial" panose="020B0604020202020204" pitchFamily="34" charset="0"/>
+              <a:buChar char="•"/>
+            </a:pPr>
+            <a:r>
+              <a:rPr lang="en-US" sz="2400" dirty="0">
+                <a:solidFill>
+                  <a:schemeClr val="tx1"/>
+                </a:solidFill>
+                <a:latin typeface="Arial" panose="020B0604020202020204" pitchFamily="34" charset="0"/>
+                <a:cs typeface="Arial" panose="020B0604020202020204" pitchFamily="34" charset="0"/>
+              </a:rPr>
+              <a:t>Xây dựng trên: </a:t>
+            </a:r>
+            <a:r>
+              <a:rPr lang="en-US" sz="2400" b="1" dirty="0">
+                <a:solidFill>
+                  <a:schemeClr val="tx1"/>
+                </a:solidFill>
+                <a:latin typeface="Arial" panose="020B0604020202020204" pitchFamily="34" charset="0"/>
+                <a:cs typeface="Arial" panose="020B0604020202020204" pitchFamily="34" charset="0"/>
+              </a:rPr>
+              <a:t>Visual Studio 2013.</a:t>
+            </a:r>
+          </a:p>
+          <a:p>
+            <a:pPr marL="806450" indent="-342900" algn="just">
+              <a:buClr>
+                <a:srgbClr val="00B404"/>
+              </a:buClr>
+              <a:buFont typeface="Wingdings" panose="05000000000000000000" pitchFamily="2" charset="2"/>
+              <a:buChar char="Ø"/>
+            </a:pPr>
+            <a:endParaRPr lang="en-US" sz="2400" dirty="0">
+              <a:solidFill>
+                <a:schemeClr val="tx1"/>
+              </a:solidFill>
+              <a:latin typeface="Arial" panose="020B0604020202020204" pitchFamily="34" charset="0"/>
+              <a:cs typeface="Arial" panose="020B0604020202020204" pitchFamily="34" charset="0"/>
+            </a:endParaRPr>
+          </a:p>
+        </p:txBody>
+      </p:sp>
+      <p:sp>
+        <p:nvSpPr>
+          <p:cNvPr id="7" name="Title 1"/>
+          <p:cNvSpPr txBox="1">
+            <a:spLocks/>
+          </p:cNvSpPr>
+          <p:nvPr/>
+        </p:nvSpPr>
+        <p:spPr>
+          <a:xfrm>
+            <a:off x="609600" y="3124200"/>
+            <a:ext cx="8229600" cy="2544762"/>
+          </a:xfrm>
+          <a:prstGeom prst="rect">
+            <a:avLst/>
+          </a:prstGeom>
+        </p:spPr>
+        <p:txBody>
+          <a:bodyPr vert="horz" lIns="91440" tIns="45720" rIns="91440" bIns="45720" rtlCol="0" anchor="ctr">
+            <a:noAutofit/>
+          </a:bodyPr>
+          <a:lstStyle>
+            <a:lvl1pPr algn="l" defTabSz="914400" rtl="0" eaLnBrk="1" latinLnBrk="0" hangingPunct="1">
+              <a:spcBef>
+                <a:spcPct val="0"/>
+              </a:spcBef>
+              <a:buNone/>
+              <a:defRPr sz="4400" kern="1200">
+                <a:solidFill>
+                  <a:schemeClr val="bg1"/>
+                </a:solidFill>
+                <a:latin typeface="Segoe UI Semilight" pitchFamily="34" charset="0"/>
+                <a:ea typeface="+mj-ea"/>
+                <a:cs typeface="Segoe UI Semilight" pitchFamily="34" charset="0"/>
+              </a:defRPr>
+            </a:lvl1pPr>
+          </a:lstStyle>
+          <a:p>
+            <a:pPr marL="463550">
+              <a:buClr>
+                <a:srgbClr val="00B404"/>
+              </a:buClr>
+            </a:pPr>
+            <a:endParaRPr lang="en-US" sz="2400" dirty="0">
+              <a:solidFill>
+                <a:schemeClr val="tx1"/>
+              </a:solidFill>
+              <a:latin typeface="Arial" panose="020B0604020202020204" pitchFamily="34" charset="0"/>
+              <a:cs typeface="Arial" panose="020B0604020202020204" pitchFamily="34" charset="0"/>
+            </a:endParaRPr>
+          </a:p>
+        </p:txBody>
+      </p:sp>
+      <p:sp>
+        <p:nvSpPr>
+          <p:cNvPr id="9" name="Title 1">
             <a:extLst>
               <a:ext uri="{FF2B5EF4-FFF2-40B4-BE49-F238E27FC236}">
-                <a16:creationId xmlns="" xmlns:a16="http://schemas.microsoft.com/office/drawing/2014/main" id="{68CE6783-9C0D-46BA-8D98-4A95830915D5}"/>
+                <a16:creationId xmlns:a16="http://schemas.microsoft.com/office/drawing/2014/main" xmlns="" id="{68CE6783-9C0D-46BA-8D98-4A95830915D5}"/>
               </a:ext>
             </a:extLst>
           </p:cNvPr>
@@ -4303,7 +4495,7 @@
           <a:p>
             <a:pPr algn="ctr"/>
             <a:r>
-              <a:rPr lang="en-US" sz="3600" dirty="0" smtClean="0">
+              <a:rPr lang="en-US" sz="3200" dirty="0" smtClean="0">
                 <a:ln w="3175">
                   <a:solidFill>
                     <a:schemeClr val="accent6">
@@ -4319,9 +4511,9 @@
                 <a:latin typeface="Arial" panose="020B0604020202020204" pitchFamily="34" charset="0"/>
                 <a:cs typeface="Arial" panose="020B0604020202020204" pitchFamily="34" charset="0"/>
               </a:rPr>
-              <a:t>3. Các bước thực hiện</a:t>
-            </a:r>
-            <a:endParaRPr lang="en-US" sz="3600" dirty="0">
+              <a:t>3.3 Đề xuất phương án và công cụ xây dựng</a:t>
+            </a:r>
+            <a:endParaRPr lang="en-US" sz="3200" dirty="0">
               <a:ln w="3175">
                 <a:solidFill>
                   <a:schemeClr val="accent6">
@@ -4343,7 +4535,7 @@
     </p:spTree>
     <p:extLst>
       <p:ext uri="{BB962C8B-B14F-4D97-AF65-F5344CB8AC3E}">
-        <p14:creationId xmlns:p14="http://schemas.microsoft.com/office/powerpoint/2010/main" val="2824926547"/>
+        <p14:creationId xmlns:p14="http://schemas.microsoft.com/office/powerpoint/2010/main" val="961157072"/>
       </p:ext>
     </p:extLst>
   </p:cSld>
@@ -4379,6 +4571,356 @@
       </p:grpSpPr>
       <p:sp>
         <p:nvSpPr>
+          <p:cNvPr id="3" name="Date Placeholder 2"/>
+          <p:cNvSpPr>
+            <a:spLocks noGrp="1"/>
+          </p:cNvSpPr>
+          <p:nvPr>
+            <p:ph type="dt" sz="half" idx="10"/>
+          </p:nvPr>
+        </p:nvSpPr>
+        <p:spPr/>
+        <p:txBody>
+          <a:bodyPr/>
+          <a:lstStyle/>
+          <a:p>
+            <a:r>
+              <a:rPr lang="en-US"/>
+              <a:t>10/13/2017</a:t>
+            </a:r>
+          </a:p>
+        </p:txBody>
+      </p:sp>
+      <p:sp>
+        <p:nvSpPr>
+          <p:cNvPr id="4" name="Footer Placeholder 3"/>
+          <p:cNvSpPr>
+            <a:spLocks noGrp="1"/>
+          </p:cNvSpPr>
+          <p:nvPr>
+            <p:ph type="ftr" sz="quarter" idx="11"/>
+          </p:nvPr>
+        </p:nvSpPr>
+        <p:spPr/>
+        <p:txBody>
+          <a:bodyPr/>
+          <a:lstStyle/>
+          <a:p>
+            <a:endParaRPr lang="en-US"/>
+          </a:p>
+        </p:txBody>
+      </p:sp>
+      <p:sp>
+        <p:nvSpPr>
+          <p:cNvPr id="5" name="Slide Number Placeholder 4"/>
+          <p:cNvSpPr>
+            <a:spLocks noGrp="1"/>
+          </p:cNvSpPr>
+          <p:nvPr>
+            <p:ph type="sldNum" sz="quarter" idx="12"/>
+          </p:nvPr>
+        </p:nvSpPr>
+        <p:spPr/>
+        <p:txBody>
+          <a:bodyPr/>
+          <a:lstStyle/>
+          <a:p>
+            <a:fld id="{FF387971-9C3B-49A6-8D58-3AFB2456A1FB}" type="slidenum">
+              <a:rPr lang="en-US" smtClean="0"/>
+              <a:t>11</a:t>
+            </a:fld>
+            <a:endParaRPr lang="en-US"/>
+          </a:p>
+        </p:txBody>
+      </p:sp>
+      <p:sp>
+        <p:nvSpPr>
+          <p:cNvPr id="7" name="TextBox 6"/>
+          <p:cNvSpPr txBox="1"/>
+          <p:nvPr/>
+        </p:nvSpPr>
+        <p:spPr>
+          <a:xfrm>
+            <a:off x="152400" y="1058386"/>
+            <a:ext cx="6629400" cy="5663089"/>
+          </a:xfrm>
+          <a:prstGeom prst="rect">
+            <a:avLst/>
+          </a:prstGeom>
+          <a:noFill/>
+        </p:spPr>
+        <p:txBody>
+          <a:bodyPr wrap="square" rtlCol="0">
+            <a:spAutoFit/>
+          </a:bodyPr>
+          <a:lstStyle/>
+          <a:p>
+            <a:pPr marL="342900" indent="-342900" algn="just">
+              <a:buFont typeface="Wingdings" panose="05000000000000000000" pitchFamily="2" charset="2"/>
+              <a:buChar char="Ø"/>
+            </a:pPr>
+            <a:r>
+              <a:rPr lang="en-US" sz="2200" dirty="0">
+                <a:latin typeface="Arial" panose="020B0604020202020204" pitchFamily="34" charset="0"/>
+                <a:cs typeface="Arial" panose="020B0604020202020204" pitchFamily="34" charset="0"/>
+              </a:rPr>
+              <a:t>Xây dựng theo mô hình 3 lớp:</a:t>
+            </a:r>
+          </a:p>
+          <a:p>
+            <a:pPr marL="625475" indent="-396875" algn="just">
+              <a:spcBef>
+                <a:spcPts val="1200"/>
+              </a:spcBef>
+              <a:buFont typeface="Arial" panose="020B0604020202020204" pitchFamily="34" charset="0"/>
+              <a:buChar char="•"/>
+            </a:pPr>
+            <a:r>
+              <a:rPr lang="en-US" sz="2200" dirty="0">
+                <a:latin typeface="Arial" panose="020B0604020202020204" pitchFamily="34" charset="0"/>
+                <a:cs typeface="Arial" panose="020B0604020202020204" pitchFamily="34" charset="0"/>
+              </a:rPr>
+              <a:t>DAO </a:t>
+            </a:r>
+            <a:r>
+              <a:rPr lang="en-US" sz="2200" dirty="0" smtClean="0">
+                <a:latin typeface="Arial" panose="020B0604020202020204" pitchFamily="34" charset="0"/>
+                <a:cs typeface="Arial" panose="020B0604020202020204" pitchFamily="34" charset="0"/>
+              </a:rPr>
+              <a:t>Layer (Data Access Object): </a:t>
+            </a:r>
+            <a:r>
+              <a:rPr lang="en-US" sz="2200" dirty="0">
+                <a:latin typeface="Arial" panose="020B0604020202020204" pitchFamily="34" charset="0"/>
+                <a:cs typeface="Arial" panose="020B0604020202020204" pitchFamily="34" charset="0"/>
+              </a:rPr>
+              <a:t>Dùng để truy vấn đến lớp DTO Layer.</a:t>
+            </a:r>
+          </a:p>
+          <a:p>
+            <a:pPr marL="625475" indent="-396875" algn="just">
+              <a:buFont typeface="Arial" panose="020B0604020202020204" pitchFamily="34" charset="0"/>
+              <a:buChar char="•"/>
+            </a:pPr>
+            <a:r>
+              <a:rPr lang="en-US" sz="2200" dirty="0">
+                <a:latin typeface="Arial" panose="020B0604020202020204" pitchFamily="34" charset="0"/>
+                <a:cs typeface="Arial" panose="020B0604020202020204" pitchFamily="34" charset="0"/>
+              </a:rPr>
+              <a:t>DTO </a:t>
+            </a:r>
+            <a:r>
+              <a:rPr lang="en-US" sz="2200" dirty="0" smtClean="0">
+                <a:latin typeface="Arial" panose="020B0604020202020204" pitchFamily="34" charset="0"/>
+                <a:cs typeface="Arial" panose="020B0604020202020204" pitchFamily="34" charset="0"/>
+              </a:rPr>
+              <a:t>Layer (DataTable to an Object): </a:t>
+            </a:r>
+            <a:r>
+              <a:rPr lang="en-US" sz="2200" dirty="0">
+                <a:latin typeface="Arial" panose="020B0604020202020204" pitchFamily="34" charset="0"/>
+                <a:cs typeface="Arial" panose="020B0604020202020204" pitchFamily="34" charset="0"/>
+              </a:rPr>
+              <a:t>Dùng để định nghĩa các table trong database.</a:t>
+            </a:r>
+          </a:p>
+          <a:p>
+            <a:pPr marL="625475" indent="-396875" algn="just">
+              <a:buFont typeface="Arial" panose="020B0604020202020204" pitchFamily="34" charset="0"/>
+              <a:buChar char="•"/>
+            </a:pPr>
+            <a:r>
+              <a:rPr lang="en-US" sz="2200" dirty="0">
+                <a:latin typeface="Arial" panose="020B0604020202020204" pitchFamily="34" charset="0"/>
+                <a:cs typeface="Arial" panose="020B0604020202020204" pitchFamily="34" charset="0"/>
+              </a:rPr>
+              <a:t>GUI </a:t>
+            </a:r>
+            <a:r>
+              <a:rPr lang="en-US" sz="2200" dirty="0" smtClean="0">
+                <a:latin typeface="Arial" panose="020B0604020202020204" pitchFamily="34" charset="0"/>
+                <a:cs typeface="Arial" panose="020B0604020202020204" pitchFamily="34" charset="0"/>
+              </a:rPr>
+              <a:t>Layer (Graphical User Interface): </a:t>
+            </a:r>
+            <a:r>
+              <a:rPr lang="en-US" sz="2200" dirty="0">
+                <a:latin typeface="Arial" panose="020B0604020202020204" pitchFamily="34" charset="0"/>
+                <a:cs typeface="Arial" panose="020B0604020202020204" pitchFamily="34" charset="0"/>
+              </a:rPr>
+              <a:t>Dùng để hiển thị giao diện và các chức năng để người sử dụng thao tác.</a:t>
+            </a:r>
+          </a:p>
+          <a:p>
+            <a:pPr marL="360363" indent="-342900" algn="just">
+              <a:buFont typeface="Wingdings" panose="05000000000000000000" pitchFamily="2" charset="2"/>
+              <a:buChar char="Ø"/>
+            </a:pPr>
+            <a:r>
+              <a:rPr lang="en-US" sz="2200" dirty="0">
+                <a:latin typeface="Arial" panose="020B0604020202020204" pitchFamily="34" charset="0"/>
+                <a:cs typeface="Arial" panose="020B0604020202020204" pitchFamily="34" charset="0"/>
+              </a:rPr>
+              <a:t>Lớp DTO: Sử dụng Entity Frameword để xây dựng, Entity Framework là một bộ ánh xạ đối tượng – quan hệ cho phép người lập trình .NET  làm việc với dữ liệu quan hệ qua các đối tượng (object), giúp lập trình viên không cần viết mã cho (hầu hết) những gì liên quan đến truy cập dữ liệu.</a:t>
+            </a:r>
+          </a:p>
+          <a:p>
+            <a:pPr marL="228600" algn="just"/>
+            <a:endParaRPr lang="en-US" sz="2200" dirty="0">
+              <a:latin typeface="Arial" panose="020B0604020202020204" pitchFamily="34" charset="0"/>
+              <a:cs typeface="Arial" panose="020B0604020202020204" pitchFamily="34" charset="0"/>
+            </a:endParaRPr>
+          </a:p>
+        </p:txBody>
+      </p:sp>
+      <p:pic>
+        <p:nvPicPr>
+          <p:cNvPr id="8" name="Picture 7"/>
+          <p:cNvPicPr/>
+          <p:nvPr/>
+        </p:nvPicPr>
+        <p:blipFill rotWithShape="1">
+          <a:blip r:embed="rId2"/>
+          <a:srcRect l="8418" r="10773"/>
+          <a:stretch/>
+        </p:blipFill>
+        <p:spPr>
+          <a:xfrm>
+            <a:off x="6781800" y="914400"/>
+            <a:ext cx="2286000" cy="3555435"/>
+          </a:xfrm>
+          <a:prstGeom prst="rect">
+            <a:avLst/>
+          </a:prstGeom>
+        </p:spPr>
+      </p:pic>
+      <p:sp>
+        <p:nvSpPr>
+          <p:cNvPr id="10" name="Title 1">
+            <a:extLst>
+              <a:ext uri="{FF2B5EF4-FFF2-40B4-BE49-F238E27FC236}">
+                <a16:creationId xmlns:a16="http://schemas.microsoft.com/office/drawing/2014/main" xmlns="" id="{68CE6783-9C0D-46BA-8D98-4A95830915D5}"/>
+              </a:ext>
+            </a:extLst>
+          </p:cNvPr>
+          <p:cNvSpPr txBox="1">
+            <a:spLocks/>
+          </p:cNvSpPr>
+          <p:nvPr/>
+        </p:nvSpPr>
+        <p:spPr>
+          <a:xfrm>
+            <a:off x="0" y="0"/>
+            <a:ext cx="9144000" cy="884238"/>
+          </a:xfrm>
+          <a:prstGeom prst="rect">
+            <a:avLst/>
+          </a:prstGeom>
+          <a:ln w="3175">
+            <a:solidFill>
+              <a:schemeClr val="tx1"/>
+            </a:solidFill>
+          </a:ln>
+        </p:spPr>
+        <p:txBody>
+          <a:bodyPr vert="horz" lIns="91440" tIns="45720" rIns="91440" bIns="45720" rtlCol="0" anchor="ctr">
+            <a:noAutofit/>
+          </a:bodyPr>
+          <a:lstStyle>
+            <a:lvl1pPr algn="l" defTabSz="914400" rtl="0" eaLnBrk="1" latinLnBrk="0" hangingPunct="1">
+              <a:spcBef>
+                <a:spcPct val="0"/>
+              </a:spcBef>
+              <a:buNone/>
+              <a:defRPr sz="4400" kern="1200">
+                <a:solidFill>
+                  <a:schemeClr val="bg1"/>
+                </a:solidFill>
+                <a:latin typeface="Segoe UI Semilight" pitchFamily="34" charset="0"/>
+                <a:ea typeface="+mj-ea"/>
+                <a:cs typeface="Segoe UI Semilight" pitchFamily="34" charset="0"/>
+              </a:defRPr>
+            </a:lvl1pPr>
+          </a:lstStyle>
+          <a:p>
+            <a:pPr algn="ctr"/>
+            <a:r>
+              <a:rPr lang="en-US" sz="3600" dirty="0" smtClean="0">
+                <a:ln w="3175">
+                  <a:solidFill>
+                    <a:schemeClr val="accent6">
+                      <a:lumMod val="75000"/>
+                    </a:schemeClr>
+                  </a:solidFill>
+                </a:ln>
+                <a:solidFill>
+                  <a:schemeClr val="accent6">
+                    <a:lumMod val="75000"/>
+                  </a:schemeClr>
+                </a:solidFill>
+                <a:latin typeface="Arial" panose="020B0604020202020204" pitchFamily="34" charset="0"/>
+                <a:cs typeface="Arial" panose="020B0604020202020204" pitchFamily="34" charset="0"/>
+              </a:rPr>
+              <a:t>3.4 Phương pháp xây dựng ứng dụng </a:t>
+            </a:r>
+            <a:endParaRPr lang="en-US" sz="3600" dirty="0">
+              <a:ln w="3175">
+                <a:solidFill>
+                  <a:schemeClr val="accent6">
+                    <a:lumMod val="75000"/>
+                  </a:schemeClr>
+                </a:solidFill>
+              </a:ln>
+              <a:solidFill>
+                <a:schemeClr val="accent6">
+                  <a:lumMod val="75000"/>
+                </a:schemeClr>
+              </a:solidFill>
+              <a:latin typeface="Arial" panose="020B0604020202020204" pitchFamily="34" charset="0"/>
+              <a:cs typeface="Arial" panose="020B0604020202020204" pitchFamily="34" charset="0"/>
+            </a:endParaRPr>
+          </a:p>
+        </p:txBody>
+      </p:sp>
+    </p:spTree>
+    <p:extLst>
+      <p:ext uri="{BB962C8B-B14F-4D97-AF65-F5344CB8AC3E}">
+        <p14:creationId xmlns:p14="http://schemas.microsoft.com/office/powerpoint/2010/main" val="2824926547"/>
+      </p:ext>
+    </p:extLst>
+  </p:cSld>
+  <p:clrMapOvr>
+    <a:masterClrMapping/>
+  </p:clrMapOvr>
+  <p:timing>
+    <p:tnLst>
+      <p:par>
+        <p:cTn id="1" dur="indefinite" restart="never" nodeType="tmRoot"/>
+      </p:par>
+    </p:tnLst>
+  </p:timing>
+</p:sld>
+</file>
+
+<file path=ppt/slides/slide12.xml><?xml version="1.0" encoding="utf-8"?>
+<p:sld xmlns:a="http://schemas.openxmlformats.org/drawingml/2006/main" xmlns:r="http://schemas.openxmlformats.org/officeDocument/2006/relationships" xmlns:p="http://schemas.openxmlformats.org/presentationml/2006/main">
+  <p:cSld>
+    <p:spTree>
+      <p:nvGrpSpPr>
+        <p:cNvPr id="1" name=""/>
+        <p:cNvGrpSpPr/>
+        <p:nvPr/>
+      </p:nvGrpSpPr>
+      <p:grpSpPr>
+        <a:xfrm>
+          <a:off x="0" y="0"/>
+          <a:ext cx="0" cy="0"/>
+          <a:chOff x="0" y="0"/>
+          <a:chExt cx="0" cy="0"/>
+        </a:xfrm>
+      </p:grpSpPr>
+      <p:sp>
+        <p:nvSpPr>
           <p:cNvPr id="8" name="Subtitle 7"/>
           <p:cNvSpPr>
             <a:spLocks noGrp="1"/>
@@ -4553,7 +5095,7 @@
           <a:p>
             <a:fld id="{FF387971-9C3B-49A6-8D58-3AFB2456A1FB}" type="slidenum">
               <a:rPr lang="en-US" smtClean="0"/>
-              <a:t>11</a:t>
+              <a:t>12</a:t>
             </a:fld>
             <a:endParaRPr lang="en-US"/>
           </a:p>
@@ -4652,10 +5194,10 @@
       </p:pic>
       <p:sp>
         <p:nvSpPr>
-          <p:cNvPr id="9" name="Title 1">
+          <p:cNvPr id="11" name="Title 1">
             <a:extLst>
               <a:ext uri="{FF2B5EF4-FFF2-40B4-BE49-F238E27FC236}">
-                <a16:creationId xmlns="" xmlns:a16="http://schemas.microsoft.com/office/drawing/2014/main" id="{68CE6783-9C0D-46BA-8D98-4A95830915D5}"/>
+                <a16:creationId xmlns:a16="http://schemas.microsoft.com/office/drawing/2014/main" xmlns="" id="{68CE6783-9C0D-46BA-8D98-4A95830915D5}"/>
               </a:ext>
             </a:extLst>
           </p:cNvPr>
@@ -4717,7 +5259,7 @@
                 <a:latin typeface="Arial" panose="020B0604020202020204" pitchFamily="34" charset="0"/>
                 <a:cs typeface="Arial" panose="020B0604020202020204" pitchFamily="34" charset="0"/>
               </a:rPr>
-              <a:t>3. Các bước thực hiện</a:t>
+              <a:t>3.4 Phương pháp xây dựng ứng dụng </a:t>
             </a:r>
             <a:endParaRPr lang="en-US" sz="3600" dirty="0">
               <a:ln w="3175">
@@ -4742,455 +5284,6 @@
     <p:extLst>
       <p:ext uri="{BB962C8B-B14F-4D97-AF65-F5344CB8AC3E}">
         <p14:creationId xmlns:p14="http://schemas.microsoft.com/office/powerpoint/2010/main" val="3998215174"/>
-      </p:ext>
-    </p:extLst>
-  </p:cSld>
-  <p:clrMapOvr>
-    <a:masterClrMapping/>
-  </p:clrMapOvr>
-  <p:timing>
-    <p:tnLst>
-      <p:par>
-        <p:cTn id="1" dur="indefinite" restart="never" nodeType="tmRoot"/>
-      </p:par>
-    </p:tnLst>
-  </p:timing>
-</p:sld>
-</file>
-
-<file path=ppt/slides/slide12.xml><?xml version="1.0" encoding="utf-8"?>
-<p:sld xmlns:a="http://schemas.openxmlformats.org/drawingml/2006/main" xmlns:r="http://schemas.openxmlformats.org/officeDocument/2006/relationships" xmlns:p="http://schemas.openxmlformats.org/presentationml/2006/main">
-  <p:cSld>
-    <p:spTree>
-      <p:nvGrpSpPr>
-        <p:cNvPr id="1" name=""/>
-        <p:cNvGrpSpPr/>
-        <p:nvPr/>
-      </p:nvGrpSpPr>
-      <p:grpSpPr>
-        <a:xfrm>
-          <a:off x="0" y="0"/>
-          <a:ext cx="0" cy="0"/>
-          <a:chOff x="0" y="0"/>
-          <a:chExt cx="0" cy="0"/>
-        </a:xfrm>
-      </p:grpSpPr>
-      <p:sp>
-        <p:nvSpPr>
-          <p:cNvPr id="8" name="Subtitle 7"/>
-          <p:cNvSpPr>
-            <a:spLocks noGrp="1"/>
-          </p:cNvSpPr>
-          <p:nvPr>
-            <p:ph type="subTitle" idx="1"/>
-          </p:nvPr>
-        </p:nvSpPr>
-        <p:spPr>
-          <a:xfrm>
-            <a:off x="609600" y="1295400"/>
-            <a:ext cx="8077200" cy="4343400"/>
-          </a:xfrm>
-        </p:spPr>
-        <p:txBody>
-          <a:bodyPr>
-            <a:noAutofit/>
-          </a:bodyPr>
-          <a:lstStyle/>
-          <a:p>
-            <a:r>
-              <a:rPr lang="en-US" sz="2400" b="1" dirty="0" smtClean="0">
-                <a:solidFill>
-                  <a:schemeClr val="tx1"/>
-                </a:solidFill>
-                <a:latin typeface="Arial" panose="020B0604020202020204" pitchFamily="34" charset="0"/>
-                <a:cs typeface="Arial" panose="020B0604020202020204" pitchFamily="34" charset="0"/>
-              </a:rPr>
-              <a:t>Kỹ thuật thiết </a:t>
-            </a:r>
-            <a:r>
-              <a:rPr lang="en-US" sz="2400" b="1" dirty="0">
-                <a:solidFill>
-                  <a:schemeClr val="tx1"/>
-                </a:solidFill>
-                <a:latin typeface="Arial" panose="020B0604020202020204" pitchFamily="34" charset="0"/>
-                <a:cs typeface="Arial" panose="020B0604020202020204" pitchFamily="34" charset="0"/>
-              </a:rPr>
-              <a:t>kế mẫu: </a:t>
-            </a:r>
-            <a:r>
-              <a:rPr lang="en-US" sz="2400" b="1" dirty="0" smtClean="0">
-                <a:solidFill>
-                  <a:schemeClr val="tx1"/>
-                </a:solidFill>
-                <a:latin typeface="Arial" panose="020B0604020202020204" pitchFamily="34" charset="0"/>
-                <a:cs typeface="Arial" panose="020B0604020202020204" pitchFamily="34" charset="0"/>
-              </a:rPr>
-              <a:t>Singleton </a:t>
-            </a:r>
-            <a:r>
-              <a:rPr lang="en-US" sz="2400" b="1" dirty="0">
-                <a:solidFill>
-                  <a:schemeClr val="tx1"/>
-                </a:solidFill>
-                <a:latin typeface="Arial" panose="020B0604020202020204" pitchFamily="34" charset="0"/>
-                <a:cs typeface="Arial" panose="020B0604020202020204" pitchFamily="34" charset="0"/>
-              </a:rPr>
-              <a:t>C</a:t>
-            </a:r>
-            <a:r>
-              <a:rPr lang="en-US" sz="2400" b="1" dirty="0" smtClean="0">
-                <a:solidFill>
-                  <a:schemeClr val="tx1"/>
-                </a:solidFill>
-                <a:latin typeface="Arial" panose="020B0604020202020204" pitchFamily="34" charset="0"/>
-                <a:cs typeface="Arial" panose="020B0604020202020204" pitchFamily="34" charset="0"/>
-              </a:rPr>
-              <a:t>#.</a:t>
-            </a:r>
-          </a:p>
-          <a:p>
-            <a:pPr algn="l"/>
-            <a:r>
-              <a:rPr lang="en-US" sz="2000" dirty="0">
-                <a:solidFill>
-                  <a:schemeClr val="tx1"/>
-                </a:solidFill>
-                <a:latin typeface="Arial" panose="020B0604020202020204" pitchFamily="34" charset="0"/>
-                <a:cs typeface="Arial" panose="020B0604020202020204" pitchFamily="34" charset="0"/>
-              </a:rPr>
-              <a:t>Các thành </a:t>
-            </a:r>
-            <a:r>
-              <a:rPr lang="en-US" sz="2000" dirty="0" smtClean="0">
-                <a:solidFill>
-                  <a:schemeClr val="tx1"/>
-                </a:solidFill>
-                <a:latin typeface="Arial" panose="020B0604020202020204" pitchFamily="34" charset="0"/>
-                <a:cs typeface="Arial" panose="020B0604020202020204" pitchFamily="34" charset="0"/>
-              </a:rPr>
-              <a:t>phần </a:t>
-            </a:r>
-            <a:r>
-              <a:rPr lang="en-US" sz="2000" dirty="0">
-                <a:solidFill>
-                  <a:schemeClr val="tx1"/>
-                </a:solidFill>
-                <a:latin typeface="Arial" panose="020B0604020202020204" pitchFamily="34" charset="0"/>
-                <a:cs typeface="Arial" panose="020B0604020202020204" pitchFamily="34" charset="0"/>
-              </a:rPr>
-              <a:t>tham gia trong </a:t>
-            </a:r>
-            <a:r>
-              <a:rPr lang="en-US" sz="2000" dirty="0" smtClean="0">
-                <a:solidFill>
-                  <a:schemeClr val="tx1"/>
-                </a:solidFill>
-                <a:latin typeface="Arial" panose="020B0604020202020204" pitchFamily="34" charset="0"/>
-                <a:cs typeface="Arial" panose="020B0604020202020204" pitchFamily="34" charset="0"/>
-              </a:rPr>
-              <a:t>Singleton</a:t>
-            </a:r>
-          </a:p>
-          <a:p>
-            <a:pPr marL="342900" indent="-342900" algn="l" fontAlgn="base">
-              <a:buFont typeface="Arial" panose="020B0604020202020204" pitchFamily="34" charset="0"/>
-              <a:buChar char="•"/>
-            </a:pPr>
-            <a:r>
-              <a:rPr lang="en-US" sz="2000" dirty="0">
-                <a:solidFill>
-                  <a:schemeClr val="tx1"/>
-                </a:solidFill>
-                <a:latin typeface="Arial" panose="020B0604020202020204" pitchFamily="34" charset="0"/>
-                <a:cs typeface="Arial" panose="020B0604020202020204" pitchFamily="34" charset="0"/>
-              </a:rPr>
-              <a:t>Nhóm đảm bảo chỉ tạo được một thể hiện: Hàm khởi tạo là private hoặc protected để không tạo được thể hiện từ bên ngoài. Biến instance là private và static để đảm bảo chỉ có 1 thể hiện. Thuộc tính Instance cung cấp giao diện để truy xuất đến thể hiện duy nhất.</a:t>
-            </a:r>
-          </a:p>
-          <a:p>
-            <a:pPr marL="342900" indent="-342900" algn="l" fontAlgn="base">
-              <a:buFont typeface="Arial" panose="020B0604020202020204" pitchFamily="34" charset="0"/>
-              <a:buChar char="•"/>
-            </a:pPr>
-            <a:r>
-              <a:rPr lang="en-US" sz="2000" dirty="0">
-                <a:solidFill>
-                  <a:schemeClr val="tx1"/>
-                </a:solidFill>
-                <a:latin typeface="Arial" panose="020B0604020202020204" pitchFamily="34" charset="0"/>
-                <a:cs typeface="Arial" panose="020B0604020202020204" pitchFamily="34" charset="0"/>
-              </a:rPr>
-              <a:t>Nhóm nghiệp vụ: chứa các thuộc tính và phương thức nghiệp vụ đặc thù của lớp.</a:t>
-            </a:r>
-          </a:p>
-          <a:p>
-            <a:pPr algn="l" fontAlgn="base"/>
-            <a:r>
-              <a:rPr lang="en-US" sz="2000" b="1" dirty="0">
-                <a:solidFill>
-                  <a:schemeClr val="tx1"/>
-                </a:solidFill>
-                <a:latin typeface="Arial" panose="020B0604020202020204" pitchFamily="34" charset="0"/>
-                <a:cs typeface="Arial" panose="020B0604020202020204" pitchFamily="34" charset="0"/>
-              </a:rPr>
-              <a:t>Singleton</a:t>
-            </a:r>
-            <a:r>
-              <a:rPr lang="en-US" sz="2000" dirty="0">
-                <a:solidFill>
-                  <a:schemeClr val="tx1"/>
-                </a:solidFill>
-                <a:latin typeface="Arial" panose="020B0604020202020204" pitchFamily="34" charset="0"/>
-                <a:cs typeface="Arial" panose="020B0604020202020204" pitchFamily="34" charset="0"/>
-              </a:rPr>
-              <a:t> sử dụng tính đóng gói, bao bọc </a:t>
-            </a:r>
-            <a:r>
-              <a:rPr lang="en-US" sz="2000" dirty="0" smtClean="0">
-                <a:solidFill>
-                  <a:schemeClr val="tx1"/>
-                </a:solidFill>
-                <a:latin typeface="Arial" panose="020B0604020202020204" pitchFamily="34" charset="0"/>
-                <a:cs typeface="Arial" panose="020B0604020202020204" pitchFamily="34" charset="0"/>
-              </a:rPr>
-              <a:t>của </a:t>
-            </a:r>
-            <a:r>
-              <a:rPr lang="en-US" sz="2000" dirty="0">
-                <a:solidFill>
-                  <a:schemeClr val="tx1"/>
-                </a:solidFill>
-                <a:latin typeface="Arial" panose="020B0604020202020204" pitchFamily="34" charset="0"/>
-                <a:cs typeface="Arial" panose="020B0604020202020204" pitchFamily="34" charset="0"/>
-              </a:rPr>
-              <a:t>lập trình hướng đối tượng để che dấu, bảo vệ biến _instance (chỉ khởi tạo và gán duy nhất 1 lần) đồng thời che dấu phương thức khởi tạo với bên ngoài.</a:t>
-            </a:r>
-          </a:p>
-          <a:p>
-            <a:endParaRPr lang="en-US" sz="2400" b="1" dirty="0" smtClean="0">
-              <a:solidFill>
-                <a:schemeClr val="tx1"/>
-              </a:solidFill>
-              <a:latin typeface="Arial" panose="020B0604020202020204" pitchFamily="34" charset="0"/>
-              <a:cs typeface="Arial" panose="020B0604020202020204" pitchFamily="34" charset="0"/>
-            </a:endParaRPr>
-          </a:p>
-        </p:txBody>
-      </p:sp>
-      <p:sp>
-        <p:nvSpPr>
-          <p:cNvPr id="3" name="Date Placeholder 2"/>
-          <p:cNvSpPr>
-            <a:spLocks noGrp="1"/>
-          </p:cNvSpPr>
-          <p:nvPr>
-            <p:ph type="dt" sz="half" idx="10"/>
-          </p:nvPr>
-        </p:nvSpPr>
-        <p:spPr/>
-        <p:txBody>
-          <a:bodyPr/>
-          <a:lstStyle/>
-          <a:p>
-            <a:r>
-              <a:rPr lang="en-US"/>
-              <a:t>10/13/2017</a:t>
-            </a:r>
-          </a:p>
-        </p:txBody>
-      </p:sp>
-      <p:sp>
-        <p:nvSpPr>
-          <p:cNvPr id="4" name="Footer Placeholder 3"/>
-          <p:cNvSpPr>
-            <a:spLocks noGrp="1"/>
-          </p:cNvSpPr>
-          <p:nvPr>
-            <p:ph type="ftr" sz="quarter" idx="11"/>
-          </p:nvPr>
-        </p:nvSpPr>
-        <p:spPr/>
-        <p:txBody>
-          <a:bodyPr/>
-          <a:lstStyle/>
-          <a:p>
-            <a:endParaRPr lang="en-US"/>
-          </a:p>
-        </p:txBody>
-      </p:sp>
-      <p:sp>
-        <p:nvSpPr>
-          <p:cNvPr id="5" name="Slide Number Placeholder 4"/>
-          <p:cNvSpPr>
-            <a:spLocks noGrp="1"/>
-          </p:cNvSpPr>
-          <p:nvPr>
-            <p:ph type="sldNum" sz="quarter" idx="12"/>
-          </p:nvPr>
-        </p:nvSpPr>
-        <p:spPr/>
-        <p:txBody>
-          <a:bodyPr/>
-          <a:lstStyle/>
-          <a:p>
-            <a:fld id="{FF387971-9C3B-49A6-8D58-3AFB2456A1FB}" type="slidenum">
-              <a:rPr lang="en-US" smtClean="0"/>
-              <a:t>12</a:t>
-            </a:fld>
-            <a:endParaRPr lang="en-US"/>
-          </a:p>
-        </p:txBody>
-      </p:sp>
-      <p:sp>
-        <p:nvSpPr>
-          <p:cNvPr id="6" name="Title 1"/>
-          <p:cNvSpPr txBox="1">
-            <a:spLocks/>
-          </p:cNvSpPr>
-          <p:nvPr/>
-        </p:nvSpPr>
-        <p:spPr>
-          <a:xfrm>
-            <a:off x="609600" y="1295400"/>
-            <a:ext cx="8077200" cy="4495800"/>
-          </a:xfrm>
-          <a:prstGeom prst="rect">
-            <a:avLst/>
-          </a:prstGeom>
-        </p:spPr>
-        <p:txBody>
-          <a:bodyPr vert="horz" lIns="91440" tIns="45720" rIns="91440" bIns="45720" rtlCol="0" anchor="ctr">
-            <a:normAutofit/>
-          </a:bodyPr>
-          <a:lstStyle>
-            <a:lvl1pPr algn="l" defTabSz="914400" rtl="0" eaLnBrk="1" latinLnBrk="0" hangingPunct="1">
-              <a:spcBef>
-                <a:spcPct val="0"/>
-              </a:spcBef>
-              <a:buNone/>
-              <a:defRPr sz="4400" kern="1200">
-                <a:solidFill>
-                  <a:schemeClr val="bg1"/>
-                </a:solidFill>
-                <a:latin typeface="Segoe UI Semilight" pitchFamily="34" charset="0"/>
-                <a:ea typeface="+mj-ea"/>
-                <a:cs typeface="Segoe UI Semilight" pitchFamily="34" charset="0"/>
-              </a:defRPr>
-            </a:lvl1pPr>
-          </a:lstStyle>
-          <a:p>
-            <a:pPr marL="342900" indent="-342900" algn="just">
-              <a:spcBef>
-                <a:spcPts val="1200"/>
-              </a:spcBef>
-              <a:buClr>
-                <a:schemeClr val="tx1"/>
-              </a:buClr>
-              <a:buFont typeface="Wingdings" panose="05000000000000000000" pitchFamily="2" charset="2"/>
-              <a:buChar char="Ø"/>
-            </a:pPr>
-            <a:endParaRPr lang="en-US" sz="2400" dirty="0">
-              <a:solidFill>
-                <a:schemeClr val="tx1"/>
-              </a:solidFill>
-              <a:latin typeface="Arial" panose="020B0604020202020204" pitchFamily="34" charset="0"/>
-              <a:cs typeface="Arial" panose="020B0604020202020204" pitchFamily="34" charset="0"/>
-            </a:endParaRPr>
-          </a:p>
-        </p:txBody>
-      </p:sp>
-      <p:sp>
-        <p:nvSpPr>
-          <p:cNvPr id="9" name="Title 1">
-            <a:extLst>
-              <a:ext uri="{FF2B5EF4-FFF2-40B4-BE49-F238E27FC236}">
-                <a16:creationId xmlns="" xmlns:a16="http://schemas.microsoft.com/office/drawing/2014/main" id="{68CE6783-9C0D-46BA-8D98-4A95830915D5}"/>
-              </a:ext>
-            </a:extLst>
-          </p:cNvPr>
-          <p:cNvSpPr txBox="1">
-            <a:spLocks/>
-          </p:cNvSpPr>
-          <p:nvPr/>
-        </p:nvSpPr>
-        <p:spPr>
-          <a:xfrm>
-            <a:off x="0" y="0"/>
-            <a:ext cx="9144000" cy="884238"/>
-          </a:xfrm>
-          <a:prstGeom prst="rect">
-            <a:avLst/>
-          </a:prstGeom>
-          <a:ln w="3175">
-            <a:solidFill>
-              <a:schemeClr val="tx1"/>
-            </a:solidFill>
-          </a:ln>
-        </p:spPr>
-        <p:txBody>
-          <a:bodyPr vert="horz" lIns="91440" tIns="45720" rIns="91440" bIns="45720" rtlCol="0" anchor="ctr">
-            <a:noAutofit/>
-          </a:bodyPr>
-          <a:lstStyle>
-            <a:lvl1pPr algn="l" defTabSz="914400" rtl="0" eaLnBrk="1" latinLnBrk="0" hangingPunct="1">
-              <a:spcBef>
-                <a:spcPct val="0"/>
-              </a:spcBef>
-              <a:buNone/>
-              <a:defRPr sz="4400" kern="1200">
-                <a:solidFill>
-                  <a:schemeClr val="bg1"/>
-                </a:solidFill>
-                <a:latin typeface="Segoe UI Semilight" pitchFamily="34" charset="0"/>
-                <a:ea typeface="+mj-ea"/>
-                <a:cs typeface="Segoe UI Semilight" pitchFamily="34" charset="0"/>
-              </a:defRPr>
-            </a:lvl1pPr>
-          </a:lstStyle>
-          <a:p>
-            <a:pPr algn="ctr"/>
-            <a:r>
-              <a:rPr lang="en-US" sz="3600" dirty="0" smtClean="0">
-                <a:ln w="3175">
-                  <a:solidFill>
-                    <a:schemeClr val="accent6">
-                      <a:lumMod val="75000"/>
-                    </a:schemeClr>
-                  </a:solidFill>
-                </a:ln>
-                <a:solidFill>
-                  <a:schemeClr val="accent6">
-                    <a:lumMod val="75000"/>
-                  </a:schemeClr>
-                </a:solidFill>
-                <a:latin typeface="Arial" panose="020B0604020202020204" pitchFamily="34" charset="0"/>
-                <a:cs typeface="Arial" panose="020B0604020202020204" pitchFamily="34" charset="0"/>
-              </a:rPr>
-              <a:t>3. Các bước thực hiện</a:t>
-            </a:r>
-            <a:endParaRPr lang="en-US" sz="3600" dirty="0">
-              <a:ln w="3175">
-                <a:solidFill>
-                  <a:schemeClr val="accent6">
-                    <a:lumMod val="75000"/>
-                  </a:schemeClr>
-                </a:solidFill>
-              </a:ln>
-              <a:solidFill>
-                <a:schemeClr val="accent6">
-                  <a:lumMod val="75000"/>
-                </a:schemeClr>
-              </a:solidFill>
-              <a:latin typeface="Arial" panose="020B0604020202020204" pitchFamily="34" charset="0"/>
-              <a:cs typeface="Arial" panose="020B0604020202020204" pitchFamily="34" charset="0"/>
-            </a:endParaRPr>
-          </a:p>
-        </p:txBody>
-      </p:sp>
-    </p:spTree>
-    <p:extLst>
-      <p:ext uri="{BB962C8B-B14F-4D97-AF65-F5344CB8AC3E}">
-        <p14:creationId xmlns:p14="http://schemas.microsoft.com/office/powerpoint/2010/main" val="2341763548"/>
       </p:ext>
     </p:extLst>
   </p:cSld>
@@ -5246,97 +5339,183 @@
           </a:bodyPr>
           <a:lstStyle/>
           <a:p>
+            <a:r>
+              <a:rPr lang="en-US" sz="2400" b="1" dirty="0" smtClean="0">
+                <a:solidFill>
+                  <a:schemeClr val="tx1"/>
+                </a:solidFill>
+                <a:latin typeface="Arial" panose="020B0604020202020204" pitchFamily="34" charset="0"/>
+                <a:cs typeface="Arial" panose="020B0604020202020204" pitchFamily="34" charset="0"/>
+              </a:rPr>
+              <a:t>Kỹ thuật thiết </a:t>
+            </a:r>
+            <a:r>
+              <a:rPr lang="en-US" sz="2400" b="1" dirty="0">
+                <a:solidFill>
+                  <a:schemeClr val="tx1"/>
+                </a:solidFill>
+                <a:latin typeface="Arial" panose="020B0604020202020204" pitchFamily="34" charset="0"/>
+                <a:cs typeface="Arial" panose="020B0604020202020204" pitchFamily="34" charset="0"/>
+              </a:rPr>
+              <a:t>kế mẫu: </a:t>
+            </a:r>
+            <a:r>
+              <a:rPr lang="en-US" sz="2400" b="1" dirty="0" smtClean="0">
+                <a:solidFill>
+                  <a:schemeClr val="tx1"/>
+                </a:solidFill>
+                <a:latin typeface="Arial" panose="020B0604020202020204" pitchFamily="34" charset="0"/>
+                <a:cs typeface="Arial" panose="020B0604020202020204" pitchFamily="34" charset="0"/>
+              </a:rPr>
+              <a:t>Singleton </a:t>
+            </a:r>
+            <a:r>
+              <a:rPr lang="en-US" sz="2400" b="1" dirty="0">
+                <a:solidFill>
+                  <a:schemeClr val="tx1"/>
+                </a:solidFill>
+                <a:latin typeface="Arial" panose="020B0604020202020204" pitchFamily="34" charset="0"/>
+                <a:cs typeface="Arial" panose="020B0604020202020204" pitchFamily="34" charset="0"/>
+              </a:rPr>
+              <a:t>C</a:t>
+            </a:r>
+            <a:r>
+              <a:rPr lang="en-US" sz="2400" b="1" dirty="0" smtClean="0">
+                <a:solidFill>
+                  <a:schemeClr val="tx1"/>
+                </a:solidFill>
+                <a:latin typeface="Arial" panose="020B0604020202020204" pitchFamily="34" charset="0"/>
+                <a:cs typeface="Arial" panose="020B0604020202020204" pitchFamily="34" charset="0"/>
+              </a:rPr>
+              <a:t>#.</a:t>
+            </a:r>
+          </a:p>
+          <a:p>
             <a:pPr algn="l"/>
             <a:r>
-              <a:rPr lang="en-US" sz="2400" dirty="0" smtClean="0">
+              <a:rPr lang="en-US" sz="2000" dirty="0">
                 <a:solidFill>
                   <a:schemeClr val="tx1"/>
                 </a:solidFill>
                 <a:latin typeface="Arial" panose="020B0604020202020204" pitchFamily="34" charset="0"/>
                 <a:cs typeface="Arial" panose="020B0604020202020204" pitchFamily="34" charset="0"/>
               </a:rPr>
-              <a:t>Bước 3: Xây dựng “Ứng dụng học tiếng K’Ho”, với các bước cụ thể:</a:t>
-            </a:r>
-          </a:p>
-          <a:p>
-            <a:pPr marL="800100" lvl="1" indent="-342900" algn="l">
-              <a:buFont typeface="Wingdings" panose="05000000000000000000" pitchFamily="2" charset="2"/>
-              <a:buChar char="v"/>
+              <a:t>Các thành </a:t>
+            </a:r>
+            <a:r>
+              <a:rPr lang="en-US" sz="2000" dirty="0" smtClean="0">
+                <a:solidFill>
+                  <a:schemeClr val="tx1"/>
+                </a:solidFill>
+                <a:latin typeface="Arial" panose="020B0604020202020204" pitchFamily="34" charset="0"/>
+                <a:cs typeface="Arial" panose="020B0604020202020204" pitchFamily="34" charset="0"/>
+              </a:rPr>
+              <a:t>phần </a:t>
+            </a:r>
+            <a:r>
+              <a:rPr lang="en-US" sz="2000" dirty="0">
+                <a:solidFill>
+                  <a:schemeClr val="tx1"/>
+                </a:solidFill>
+                <a:latin typeface="Arial" panose="020B0604020202020204" pitchFamily="34" charset="0"/>
+                <a:cs typeface="Arial" panose="020B0604020202020204" pitchFamily="34" charset="0"/>
+              </a:rPr>
+              <a:t>tham gia trong </a:t>
+            </a:r>
+            <a:r>
+              <a:rPr lang="en-US" sz="2000" dirty="0" smtClean="0">
+                <a:solidFill>
+                  <a:schemeClr val="tx1"/>
+                </a:solidFill>
+                <a:latin typeface="Arial" panose="020B0604020202020204" pitchFamily="34" charset="0"/>
+                <a:cs typeface="Arial" panose="020B0604020202020204" pitchFamily="34" charset="0"/>
+              </a:rPr>
+              <a:t>Singleton</a:t>
+            </a:r>
+          </a:p>
+          <a:p>
+            <a:pPr marL="342900" indent="-342900" algn="l" fontAlgn="base">
+              <a:buFont typeface="Arial" panose="020B0604020202020204" pitchFamily="34" charset="0"/>
+              <a:buChar char="•"/>
             </a:pPr>
             <a:r>
-              <a:rPr lang="en-US" sz="2400" dirty="0" smtClean="0">
+              <a:rPr lang="en-US" sz="2000" dirty="0">
                 <a:solidFill>
                   <a:schemeClr val="tx1"/>
                 </a:solidFill>
                 <a:latin typeface="Arial" panose="020B0604020202020204" pitchFamily="34" charset="0"/>
                 <a:cs typeface="Arial" panose="020B0604020202020204" pitchFamily="34" charset="0"/>
               </a:rPr>
-              <a:t>Đề xuất giao diện và các chức năng</a:t>
-            </a:r>
-          </a:p>
-          <a:p>
-            <a:pPr marL="800100" lvl="1" indent="-342900" algn="l">
-              <a:buFont typeface="Wingdings" panose="05000000000000000000" pitchFamily="2" charset="2"/>
-              <a:buChar char="v"/>
+              <a:t>Nhóm đảm bảo chỉ tạo được một thể hiện: Hàm khởi tạo là private hoặc protected để không tạo được thể hiện từ bên ngoài. Biến instance là private và static để đảm bảo chỉ có 1 thể hiện. Thuộc tính Instance cung cấp giao diện để truy xuất đến thể hiện duy nhất.</a:t>
+            </a:r>
+          </a:p>
+          <a:p>
+            <a:pPr marL="342900" indent="-342900" algn="l" fontAlgn="base">
+              <a:buFont typeface="Arial" panose="020B0604020202020204" pitchFamily="34" charset="0"/>
+              <a:buChar char="•"/>
             </a:pPr>
             <a:r>
-              <a:rPr lang="en-US" sz="2400" dirty="0" smtClean="0">
+              <a:rPr lang="en-US" sz="2000" dirty="0">
                 <a:solidFill>
                   <a:schemeClr val="tx1"/>
                 </a:solidFill>
                 <a:latin typeface="Arial" panose="020B0604020202020204" pitchFamily="34" charset="0"/>
                 <a:cs typeface="Arial" panose="020B0604020202020204" pitchFamily="34" charset="0"/>
               </a:rPr>
-              <a:t>Xây dựng dữ liệu ứng dụng</a:t>
-            </a:r>
-          </a:p>
-          <a:p>
-            <a:pPr marL="1714500" lvl="3" indent="-342900" algn="l">
-              <a:buFont typeface="Wingdings" panose="05000000000000000000" pitchFamily="2" charset="2"/>
-              <a:buChar char="Ø"/>
-            </a:pPr>
-            <a:r>
-              <a:rPr lang="en-US" sz="2400" dirty="0" smtClean="0">
+              <a:t>Nhóm nghiệp vụ: chứa các thuộc tính và phương thức nghiệp vụ đặc thù của lớp.</a:t>
+            </a:r>
+          </a:p>
+          <a:p>
+            <a:pPr algn="l" fontAlgn="base"/>
+            <a:r>
+              <a:rPr lang="en-US" sz="2000" b="1" dirty="0">
                 <a:solidFill>
                   <a:schemeClr val="tx1"/>
                 </a:solidFill>
                 <a:latin typeface="Arial" panose="020B0604020202020204" pitchFamily="34" charset="0"/>
                 <a:cs typeface="Arial" panose="020B0604020202020204" pitchFamily="34" charset="0"/>
               </a:rPr>
-              <a:t>Nội dung bài học</a:t>
-            </a:r>
-          </a:p>
-          <a:p>
-            <a:pPr marL="1714500" lvl="3" indent="-342900" algn="l">
-              <a:buFont typeface="Wingdings" panose="05000000000000000000" pitchFamily="2" charset="2"/>
-              <a:buChar char="Ø"/>
-            </a:pPr>
-            <a:r>
-              <a:rPr lang="en-US" sz="2400" dirty="0" smtClean="0">
+              <a:t>Singleton</a:t>
+            </a:r>
+            <a:r>
+              <a:rPr lang="en-US" sz="2000" dirty="0">
                 <a:solidFill>
                   <a:schemeClr val="tx1"/>
                 </a:solidFill>
                 <a:latin typeface="Arial" panose="020B0604020202020204" pitchFamily="34" charset="0"/>
                 <a:cs typeface="Arial" panose="020B0604020202020204" pitchFamily="34" charset="0"/>
               </a:rPr>
-              <a:t>Âm thanh</a:t>
-            </a:r>
-          </a:p>
-          <a:p>
-            <a:pPr marL="1714500" lvl="3" indent="-342900" algn="l">
-              <a:buFont typeface="Wingdings" panose="05000000000000000000" pitchFamily="2" charset="2"/>
-              <a:buChar char="Ø"/>
-            </a:pPr>
-            <a:r>
-              <a:rPr lang="en-US" sz="2400" dirty="0" smtClean="0">
+              <a:t> sử dụng tính đóng gói, bao bọc </a:t>
+            </a:r>
+            <a:r>
+              <a:rPr lang="en-US" sz="2000" dirty="0" smtClean="0">
                 <a:solidFill>
                   <a:schemeClr val="tx1"/>
                 </a:solidFill>
                 <a:latin typeface="Arial" panose="020B0604020202020204" pitchFamily="34" charset="0"/>
                 <a:cs typeface="Arial" panose="020B0604020202020204" pitchFamily="34" charset="0"/>
               </a:rPr>
-              <a:t>Hình ảnh</a:t>
-            </a:r>
+              <a:t>của </a:t>
+            </a:r>
+            <a:r>
+              <a:rPr lang="en-US" sz="2000" dirty="0">
+                <a:solidFill>
+                  <a:schemeClr val="tx1"/>
+                </a:solidFill>
+                <a:latin typeface="Arial" panose="020B0604020202020204" pitchFamily="34" charset="0"/>
+                <a:cs typeface="Arial" panose="020B0604020202020204" pitchFamily="34" charset="0"/>
+              </a:rPr>
+              <a:t>lập trình hướng đối tượng để che dấu, bảo vệ biến _instance (chỉ khởi tạo và gán duy nhất 1 lần) đồng thời che dấu phương thức khởi tạo với bên ngoài.</a:t>
+            </a:r>
+          </a:p>
+          <a:p>
+            <a:endParaRPr lang="en-US" sz="2400" b="1" dirty="0" smtClean="0">
+              <a:solidFill>
+                <a:schemeClr val="tx1"/>
+              </a:solidFill>
+              <a:latin typeface="Arial" panose="020B0604020202020204" pitchFamily="34" charset="0"/>
+              <a:cs typeface="Arial" panose="020B0604020202020204" pitchFamily="34" charset="0"/>
+            </a:endParaRPr>
           </a:p>
         </p:txBody>
       </p:sp>
@@ -5464,10 +5643,10 @@
       </p:sp>
       <p:sp>
         <p:nvSpPr>
-          <p:cNvPr id="9" name="Title 1">
+          <p:cNvPr id="10" name="Title 1">
             <a:extLst>
               <a:ext uri="{FF2B5EF4-FFF2-40B4-BE49-F238E27FC236}">
-                <a16:creationId xmlns="" xmlns:a16="http://schemas.microsoft.com/office/drawing/2014/main" id="{68CE6783-9C0D-46BA-8D98-4A95830915D5}"/>
+                <a16:creationId xmlns:a16="http://schemas.microsoft.com/office/drawing/2014/main" xmlns="" id="{68CE6783-9C0D-46BA-8D98-4A95830915D5}"/>
               </a:ext>
             </a:extLst>
           </p:cNvPr>
@@ -5529,7 +5708,7 @@
                 <a:latin typeface="Arial" panose="020B0604020202020204" pitchFamily="34" charset="0"/>
                 <a:cs typeface="Arial" panose="020B0604020202020204" pitchFamily="34" charset="0"/>
               </a:rPr>
-              <a:t>3. Các bước thực hiện</a:t>
+              <a:t>3.4 Phương pháp xây dựng ứng dụng </a:t>
             </a:r>
             <a:endParaRPr lang="en-US" sz="3600" dirty="0">
               <a:ln w="3175">
@@ -5553,7 +5732,7 @@
     </p:spTree>
     <p:extLst>
       <p:ext uri="{BB962C8B-B14F-4D97-AF65-F5344CB8AC3E}">
-        <p14:creationId xmlns:p14="http://schemas.microsoft.com/office/powerpoint/2010/main" val="4173154892"/>
+        <p14:creationId xmlns:p14="http://schemas.microsoft.com/office/powerpoint/2010/main" val="2341763548"/>
       </p:ext>
     </p:extLst>
   </p:cSld>
@@ -5609,7 +5788,62 @@
           </a:bodyPr>
           <a:lstStyle/>
           <a:p>
-            <a:pPr marL="342900" indent="-342900" algn="l">
+            <a:pPr algn="l"/>
+            <a:r>
+              <a:rPr lang="en-US" sz="2400" dirty="0" smtClean="0">
+                <a:solidFill>
+                  <a:schemeClr val="tx1"/>
+                </a:solidFill>
+                <a:latin typeface="Arial" panose="020B0604020202020204" pitchFamily="34" charset="0"/>
+                <a:cs typeface="Arial" panose="020B0604020202020204" pitchFamily="34" charset="0"/>
+              </a:rPr>
+              <a:t>Xây </a:t>
+            </a:r>
+            <a:r>
+              <a:rPr lang="en-US" sz="2400" dirty="0" smtClean="0">
+                <a:solidFill>
+                  <a:schemeClr val="tx1"/>
+                </a:solidFill>
+                <a:latin typeface="Arial" panose="020B0604020202020204" pitchFamily="34" charset="0"/>
+                <a:cs typeface="Arial" panose="020B0604020202020204" pitchFamily="34" charset="0"/>
+              </a:rPr>
+              <a:t>dựng “Ứng dụng học tiếng K’Ho”, với các bước cụ thể:</a:t>
+            </a:r>
+          </a:p>
+          <a:p>
+            <a:pPr marL="800100" lvl="1" indent="-342900" algn="l">
+              <a:buFont typeface="Wingdings" panose="05000000000000000000" pitchFamily="2" charset="2"/>
+              <a:buChar char="v"/>
+            </a:pPr>
+            <a:r>
+              <a:rPr lang="en-US" sz="2400" dirty="0" smtClean="0">
+                <a:solidFill>
+                  <a:schemeClr val="tx1"/>
+                </a:solidFill>
+                <a:latin typeface="Arial" panose="020B0604020202020204" pitchFamily="34" charset="0"/>
+                <a:cs typeface="Arial" panose="020B0604020202020204" pitchFamily="34" charset="0"/>
+              </a:rPr>
+              <a:t>Đề xuất giao diện và các chức năng</a:t>
+            </a:r>
+          </a:p>
+          <a:p>
+            <a:pPr marL="800100" lvl="1" indent="-342900" algn="l">
+              <a:buFont typeface="Wingdings" panose="05000000000000000000" pitchFamily="2" charset="2"/>
+              <a:buChar char="v"/>
+            </a:pPr>
+            <a:r>
+              <a:rPr lang="en-US" sz="2400" dirty="0" smtClean="0">
+                <a:solidFill>
+                  <a:schemeClr val="tx1"/>
+                </a:solidFill>
+                <a:latin typeface="Arial" panose="020B0604020202020204" pitchFamily="34" charset="0"/>
+                <a:cs typeface="Arial" panose="020B0604020202020204" pitchFamily="34" charset="0"/>
+              </a:rPr>
+              <a:t>Xây dựng dữ liệu ứng dụng</a:t>
+            </a:r>
+          </a:p>
+          <a:p>
+            <a:pPr marL="1714500" lvl="3" indent="-342900" algn="l">
               <a:buFont typeface="Wingdings" panose="05000000000000000000" pitchFamily="2" charset="2"/>
               <a:buChar char="Ø"/>
             </a:pPr>
@@ -5621,11 +5855,31 @@
                 <a:latin typeface="Arial" panose="020B0604020202020204" pitchFamily="34" charset="0"/>
                 <a:cs typeface="Arial" panose="020B0604020202020204" pitchFamily="34" charset="0"/>
               </a:rPr>
-              <a:t>Xây dựng thành công phần mềm ứng dụng</a:t>
-            </a:r>
-          </a:p>
-          <a:p>
-            <a:pPr marL="342900" indent="-342900" algn="l">
+              <a:t>Nội dung </a:t>
+            </a:r>
+            <a:r>
+              <a:rPr lang="en-US" sz="2400" dirty="0" smtClean="0">
+                <a:solidFill>
+                  <a:schemeClr val="tx1"/>
+                </a:solidFill>
+                <a:latin typeface="Arial" panose="020B0604020202020204" pitchFamily="34" charset="0"/>
+                <a:cs typeface="Arial" panose="020B0604020202020204" pitchFamily="34" charset="0"/>
+              </a:rPr>
+              <a:t>các bài </a:t>
+            </a:r>
+            <a:r>
+              <a:rPr lang="en-US" sz="2400" dirty="0" smtClean="0">
+                <a:solidFill>
+                  <a:schemeClr val="tx1"/>
+                </a:solidFill>
+                <a:latin typeface="Arial" panose="020B0604020202020204" pitchFamily="34" charset="0"/>
+                <a:cs typeface="Arial" panose="020B0604020202020204" pitchFamily="34" charset="0"/>
+              </a:rPr>
+              <a:t>học</a:t>
+            </a:r>
+          </a:p>
+          <a:p>
+            <a:pPr marL="1714500" lvl="3" indent="-342900" algn="l">
               <a:buFont typeface="Wingdings" panose="05000000000000000000" pitchFamily="2" charset="2"/>
               <a:buChar char="Ø"/>
             </a:pPr>
@@ -5637,63 +5891,24 @@
                 <a:latin typeface="Arial" panose="020B0604020202020204" pitchFamily="34" charset="0"/>
                 <a:cs typeface="Arial" panose="020B0604020202020204" pitchFamily="34" charset="0"/>
               </a:rPr>
-              <a:t>Hoàn thành </a:t>
-            </a:r>
-            <a:r>
-              <a:rPr lang="en-US" sz="2400" dirty="0">
-                <a:solidFill>
-                  <a:schemeClr val="tx1"/>
-                </a:solidFill>
-                <a:latin typeface="Arial" panose="020B0604020202020204" pitchFamily="34" charset="0"/>
-                <a:cs typeface="Arial" panose="020B0604020202020204" pitchFamily="34" charset="0"/>
-              </a:rPr>
-              <a:t>các chức năng chính của một ứng dụng học ngôn ngữ đơn giản.</a:t>
-            </a:r>
-          </a:p>
-          <a:p>
-            <a:pPr marL="342900" indent="-342900" algn="l">
+              <a:t>Âm thanh</a:t>
+            </a:r>
+          </a:p>
+          <a:p>
+            <a:pPr marL="1714500" lvl="3" indent="-342900" algn="l">
               <a:buFont typeface="Wingdings" panose="05000000000000000000" pitchFamily="2" charset="2"/>
               <a:buChar char="Ø"/>
             </a:pPr>
             <a:r>
-              <a:rPr lang="en-US" sz="2400" dirty="0">
+              <a:rPr lang="en-US" sz="2400" dirty="0" smtClean="0">
                 <a:solidFill>
                   <a:schemeClr val="tx1"/>
                 </a:solidFill>
                 <a:latin typeface="Arial" panose="020B0604020202020204" pitchFamily="34" charset="0"/>
                 <a:cs typeface="Arial" panose="020B0604020202020204" pitchFamily="34" charset="0"/>
               </a:rPr>
-              <a:t>Phần mềm tương thích các hệ điểu hành Windows dễ sử dụng.</a:t>
-            </a:r>
-          </a:p>
-          <a:p>
-            <a:pPr marL="342900" indent="-342900" algn="l">
-              <a:buFont typeface="Wingdings" panose="05000000000000000000" pitchFamily="2" charset="2"/>
-              <a:buChar char="Ø"/>
-            </a:pPr>
-            <a:r>
-              <a:rPr lang="en-US" sz="2400" dirty="0">
-                <a:solidFill>
-                  <a:schemeClr val="tx1"/>
-                </a:solidFill>
-                <a:latin typeface="Arial" panose="020B0604020202020204" pitchFamily="34" charset="0"/>
-                <a:cs typeface="Arial" panose="020B0604020202020204" pitchFamily="34" charset="0"/>
-              </a:rPr>
-              <a:t>Dữ liệu của phần mềm được lưu vào hệ quản trị cơ sở dữ liệu.</a:t>
-            </a:r>
-          </a:p>
-          <a:p>
-            <a:pPr marL="342900" indent="-342900" algn="l">
-              <a:buFont typeface="Wingdings" panose="05000000000000000000" pitchFamily="2" charset="2"/>
-              <a:buChar char="Ø"/>
-            </a:pPr>
-            <a:endParaRPr lang="en-US" sz="2400" dirty="0">
-              <a:solidFill>
-                <a:schemeClr val="tx1"/>
-              </a:solidFill>
-              <a:latin typeface="Arial" panose="020B0604020202020204" pitchFamily="34" charset="0"/>
-              <a:cs typeface="Arial" panose="020B0604020202020204" pitchFamily="34" charset="0"/>
-            </a:endParaRPr>
+              <a:t>Hình ảnh</a:t>
+            </a:r>
           </a:p>
         </p:txBody>
       </p:sp>
@@ -5821,10 +6036,10 @@
       </p:sp>
       <p:sp>
         <p:nvSpPr>
-          <p:cNvPr id="7" name="Title 1">
+          <p:cNvPr id="9" name="Title 1">
             <a:extLst>
               <a:ext uri="{FF2B5EF4-FFF2-40B4-BE49-F238E27FC236}">
-                <a16:creationId xmlns="" xmlns:a16="http://schemas.microsoft.com/office/drawing/2014/main" id="{A26F03AE-A5EF-4A37-AD0A-4A124D961228}"/>
+                <a16:creationId xmlns:a16="http://schemas.microsoft.com/office/drawing/2014/main" xmlns="" id="{68CE6783-9C0D-46BA-8D98-4A95830915D5}"/>
               </a:ext>
             </a:extLst>
           </p:cNvPr>
@@ -5870,25 +6085,6 @@
           <a:p>
             <a:pPr algn="ctr"/>
             <a:r>
-              <a:rPr lang="en-US" sz="3600" dirty="0">
-                <a:ln w="3175">
-                  <a:solidFill>
-                    <a:schemeClr val="accent6">
-                      <a:lumMod val="75000"/>
-                    </a:schemeClr>
-                  </a:solidFill>
-                </a:ln>
-                <a:solidFill>
-                  <a:schemeClr val="accent6">
-                    <a:lumMod val="75000"/>
-                  </a:schemeClr>
-                </a:solidFill>
-                <a:latin typeface="Arial" panose="020B0604020202020204" pitchFamily="34" charset="0"/>
-                <a:cs typeface="Arial" panose="020B0604020202020204" pitchFamily="34" charset="0"/>
-              </a:rPr>
-              <a:t>4</a:t>
-            </a:r>
-            <a:r>
               <a:rPr lang="en-US" sz="3600" dirty="0" smtClean="0">
                 <a:ln w="3175">
                   <a:solidFill>
@@ -5905,7 +6101,26 @@
                 <a:latin typeface="Arial" panose="020B0604020202020204" pitchFamily="34" charset="0"/>
                 <a:cs typeface="Arial" panose="020B0604020202020204" pitchFamily="34" charset="0"/>
               </a:rPr>
-              <a:t>. Kết quả đạt được</a:t>
+              <a:t>3.5 </a:t>
+            </a:r>
+            <a:r>
+              <a:rPr lang="en-US" sz="3600" dirty="0" smtClean="0">
+                <a:ln w="3175">
+                  <a:solidFill>
+                    <a:schemeClr val="accent6">
+                      <a:lumMod val="75000"/>
+                    </a:schemeClr>
+                  </a:solidFill>
+                </a:ln>
+                <a:solidFill>
+                  <a:schemeClr val="accent6">
+                    <a:lumMod val="75000"/>
+                  </a:schemeClr>
+                </a:solidFill>
+                <a:latin typeface="Arial" panose="020B0604020202020204" pitchFamily="34" charset="0"/>
+                <a:cs typeface="Arial" panose="020B0604020202020204" pitchFamily="34" charset="0"/>
+              </a:rPr>
+              <a:t>Thiết kế ứng dụng</a:t>
             </a:r>
             <a:endParaRPr lang="en-US" sz="3600" dirty="0">
               <a:ln w="3175">
@@ -5929,7 +6144,7 @@
     </p:spTree>
     <p:extLst>
       <p:ext uri="{BB962C8B-B14F-4D97-AF65-F5344CB8AC3E}">
-        <p14:creationId xmlns:p14="http://schemas.microsoft.com/office/powerpoint/2010/main" val="1564981475"/>
+        <p14:creationId xmlns:p14="http://schemas.microsoft.com/office/powerpoint/2010/main" val="4173154892"/>
       </p:ext>
     </p:extLst>
   </p:cSld>
@@ -5990,6 +6205,32 @@
               <a:buChar char="Ø"/>
             </a:pPr>
             <a:r>
+              <a:rPr lang="en-US" sz="2400" dirty="0" smtClean="0">
+                <a:solidFill>
+                  <a:schemeClr val="tx1"/>
+                </a:solidFill>
+                <a:latin typeface="Arial" panose="020B0604020202020204" pitchFamily="34" charset="0"/>
+                <a:cs typeface="Arial" panose="020B0604020202020204" pitchFamily="34" charset="0"/>
+              </a:rPr>
+              <a:t>Xây dựng thành công phần mềm ứng dụng</a:t>
+            </a:r>
+          </a:p>
+          <a:p>
+            <a:pPr marL="342900" indent="-342900" algn="l">
+              <a:buFont typeface="Wingdings" panose="05000000000000000000" pitchFamily="2" charset="2"/>
+              <a:buChar char="Ø"/>
+            </a:pPr>
+            <a:r>
+              <a:rPr lang="en-US" sz="2400" dirty="0" smtClean="0">
+                <a:solidFill>
+                  <a:schemeClr val="tx1"/>
+                </a:solidFill>
+                <a:latin typeface="Arial" panose="020B0604020202020204" pitchFamily="34" charset="0"/>
+                <a:cs typeface="Arial" panose="020B0604020202020204" pitchFamily="34" charset="0"/>
+              </a:rPr>
+              <a:t>Hoàn thành </a:t>
+            </a:r>
+            <a:r>
               <a:rPr lang="en-US" sz="2400" dirty="0">
                 <a:solidFill>
                   <a:schemeClr val="tx1"/>
@@ -5997,7 +6238,7 @@
                 <a:latin typeface="Arial" panose="020B0604020202020204" pitchFamily="34" charset="0"/>
                 <a:cs typeface="Arial" panose="020B0604020202020204" pitchFamily="34" charset="0"/>
               </a:rPr>
-              <a:t>Trong quá trình thực hiện đề tài này, nhóm em đã đạt được kết quả như sau: Củng cố lại kiến thức đã được học, tìm hiểu một số công nghệ mới, xây dựng được ứng dụng</a:t>
+              <a:t>các chức năng chính của một ứng dụng học ngôn ngữ đơn </a:t>
             </a:r>
             <a:r>
               <a:rPr lang="en-US" sz="2400" dirty="0" smtClean="0">
@@ -6007,11 +6248,8 @@
                 <a:latin typeface="Arial" panose="020B0604020202020204" pitchFamily="34" charset="0"/>
                 <a:cs typeface="Arial" panose="020B0604020202020204" pitchFamily="34" charset="0"/>
               </a:rPr>
-              <a:t>.</a:t>
-            </a:r>
-          </a:p>
-          <a:p>
-            <a:pPr algn="l"/>
+              <a:t>giản</a:t>
+            </a:r>
             <a:endParaRPr lang="en-US" sz="2400" dirty="0">
               <a:solidFill>
                 <a:schemeClr val="tx1"/>
@@ -6033,15 +6271,65 @@
                 <a:latin typeface="Arial" panose="020B0604020202020204" pitchFamily="34" charset="0"/>
                 <a:cs typeface="Arial" panose="020B0604020202020204" pitchFamily="34" charset="0"/>
               </a:rPr>
-              <a:t>Ứng dụng học K’Ho là ứng dụng hữu ích phục vụ cho việc phục vụ cho việc dạy, học tập và tìm hiểu về dân tộc K’Ho. Có các chức năng cơ bản của ứng dụng học ngôn ngữ.</a:t>
-            </a:r>
+              <a:t>Phần mềm tương thích các hệ điểu </a:t>
+            </a:r>
+            <a:r>
+              <a:rPr lang="en-US" sz="2400" dirty="0" smtClean="0">
+                <a:solidFill>
+                  <a:schemeClr val="tx1"/>
+                </a:solidFill>
+                <a:latin typeface="Arial" panose="020B0604020202020204" pitchFamily="34" charset="0"/>
+                <a:cs typeface="Arial" panose="020B0604020202020204" pitchFamily="34" charset="0"/>
+              </a:rPr>
+              <a:t>hành Windows</a:t>
+            </a:r>
+            <a:endParaRPr lang="en-US" sz="2400" dirty="0">
+              <a:solidFill>
+                <a:schemeClr val="tx1"/>
+              </a:solidFill>
+              <a:latin typeface="Arial" panose="020B0604020202020204" pitchFamily="34" charset="0"/>
+              <a:cs typeface="Arial" panose="020B0604020202020204" pitchFamily="34" charset="0"/>
+            </a:endParaRPr>
           </a:p>
           <a:p>
             <a:pPr marL="342900" indent="-342900" algn="l">
               <a:buFont typeface="Wingdings" panose="05000000000000000000" pitchFamily="2" charset="2"/>
               <a:buChar char="Ø"/>
             </a:pPr>
-            <a:endParaRPr lang="en-US" sz="2400" dirty="0" smtClean="0">
+            <a:r>
+              <a:rPr lang="en-US" sz="2400" dirty="0">
+                <a:solidFill>
+                  <a:schemeClr val="tx1"/>
+                </a:solidFill>
+                <a:latin typeface="Arial" panose="020B0604020202020204" pitchFamily="34" charset="0"/>
+                <a:cs typeface="Arial" panose="020B0604020202020204" pitchFamily="34" charset="0"/>
+              </a:rPr>
+              <a:t>Dữ liệu của phần mềm được lưu vào hệ quản trị cơ sở dữ </a:t>
+            </a:r>
+            <a:r>
+              <a:rPr lang="en-US" sz="2400" dirty="0" smtClean="0">
+                <a:solidFill>
+                  <a:schemeClr val="tx1"/>
+                </a:solidFill>
+                <a:latin typeface="Arial" panose="020B0604020202020204" pitchFamily="34" charset="0"/>
+                <a:cs typeface="Arial" panose="020B0604020202020204" pitchFamily="34" charset="0"/>
+              </a:rPr>
+              <a:t>liệu</a:t>
+            </a:r>
+            <a:endParaRPr lang="en-US" sz="2400" dirty="0">
+              <a:solidFill>
+                <a:schemeClr val="tx1"/>
+              </a:solidFill>
+              <a:latin typeface="Arial" panose="020B0604020202020204" pitchFamily="34" charset="0"/>
+              <a:cs typeface="Arial" panose="020B0604020202020204" pitchFamily="34" charset="0"/>
+            </a:endParaRPr>
+          </a:p>
+          <a:p>
+            <a:pPr marL="342900" indent="-342900" algn="l">
+              <a:buFont typeface="Wingdings" panose="05000000000000000000" pitchFamily="2" charset="2"/>
+              <a:buChar char="Ø"/>
+            </a:pPr>
+            <a:endParaRPr lang="en-US" sz="2400" dirty="0">
               <a:solidFill>
                 <a:schemeClr val="tx1"/>
               </a:solidFill>
@@ -6178,7 +6466,7 @@
           <p:cNvPr id="7" name="Title 1">
             <a:extLst>
               <a:ext uri="{FF2B5EF4-FFF2-40B4-BE49-F238E27FC236}">
-                <a16:creationId xmlns="" xmlns:a16="http://schemas.microsoft.com/office/drawing/2014/main" id="{A26F03AE-A5EF-4A37-AD0A-4A124D961228}"/>
+                <a16:creationId xmlns:a16="http://schemas.microsoft.com/office/drawing/2014/main" xmlns="" id="{A26F03AE-A5EF-4A37-AD0A-4A124D961228}"/>
               </a:ext>
             </a:extLst>
           </p:cNvPr>
@@ -6240,7 +6528,7 @@
                 <a:latin typeface="Arial" panose="020B0604020202020204" pitchFamily="34" charset="0"/>
                 <a:cs typeface="Arial" panose="020B0604020202020204" pitchFamily="34" charset="0"/>
               </a:rPr>
-              <a:t>5</a:t>
+              <a:t>4</a:t>
             </a:r>
             <a:r>
               <a:rPr lang="en-US" sz="3600" dirty="0" smtClean="0">
@@ -6259,7 +6547,7 @@
                 <a:latin typeface="Arial" panose="020B0604020202020204" pitchFamily="34" charset="0"/>
                 <a:cs typeface="Arial" panose="020B0604020202020204" pitchFamily="34" charset="0"/>
               </a:rPr>
-              <a:t>. Kết luận</a:t>
+              <a:t>. Kết quả đạt được</a:t>
             </a:r>
             <a:endParaRPr lang="en-US" sz="3600" dirty="0">
               <a:ln w="3175">
@@ -6283,7 +6571,7 @@
     </p:spTree>
     <p:extLst>
       <p:ext uri="{BB962C8B-B14F-4D97-AF65-F5344CB8AC3E}">
-        <p14:creationId xmlns:p14="http://schemas.microsoft.com/office/powerpoint/2010/main" val="3059059825"/>
+        <p14:creationId xmlns:p14="http://schemas.microsoft.com/office/powerpoint/2010/main" val="1564981475"/>
       </p:ext>
     </p:extLst>
   </p:cSld>
@@ -6319,153 +6607,6 @@
       </p:grpSpPr>
       <p:sp>
         <p:nvSpPr>
-          <p:cNvPr id="8" name="Subtitle 7"/>
-          <p:cNvSpPr>
-            <a:spLocks noGrp="1"/>
-          </p:cNvSpPr>
-          <p:nvPr>
-            <p:ph type="subTitle" idx="1"/>
-          </p:nvPr>
-        </p:nvSpPr>
-        <p:spPr>
-          <a:xfrm>
-            <a:off x="609600" y="1295400"/>
-            <a:ext cx="8077200" cy="4343400"/>
-          </a:xfrm>
-        </p:spPr>
-        <p:txBody>
-          <a:bodyPr>
-            <a:noAutofit/>
-          </a:bodyPr>
-          <a:lstStyle/>
-          <a:p>
-            <a:pPr algn="l"/>
-            <a:r>
-              <a:rPr lang="en-US" sz="2000" dirty="0">
-                <a:solidFill>
-                  <a:schemeClr val="tx1"/>
-                </a:solidFill>
-                <a:latin typeface="Arial" panose="020B0604020202020204" pitchFamily="34" charset="0"/>
-                <a:cs typeface="Arial" panose="020B0604020202020204" pitchFamily="34" charset="0"/>
-              </a:rPr>
-              <a:t>Tuy nhiên, do hạn chế về mặt thời gian cũng như ngôn ngữ nên ứng dụng của nhóm em vẫn còn nhiều thiếu sót cần hoàn thiện một số nội dung</a:t>
-            </a:r>
-            <a:r>
-              <a:rPr lang="en-US" sz="2000" dirty="0" smtClean="0">
-                <a:solidFill>
-                  <a:schemeClr val="tx1"/>
-                </a:solidFill>
-                <a:latin typeface="Arial" panose="020B0604020202020204" pitchFamily="34" charset="0"/>
-                <a:cs typeface="Arial" panose="020B0604020202020204" pitchFamily="34" charset="0"/>
-              </a:rPr>
-              <a:t>:</a:t>
-            </a:r>
-            <a:endParaRPr lang="en-US" sz="2000" dirty="0">
-              <a:solidFill>
-                <a:schemeClr val="tx1"/>
-              </a:solidFill>
-              <a:latin typeface="Arial" panose="020B0604020202020204" pitchFamily="34" charset="0"/>
-              <a:cs typeface="Arial" panose="020B0604020202020204" pitchFamily="34" charset="0"/>
-            </a:endParaRPr>
-          </a:p>
-          <a:p>
-            <a:pPr marL="800100" lvl="1" indent="-342900" algn="l">
-              <a:buFont typeface="Wingdings" panose="05000000000000000000" pitchFamily="2" charset="2"/>
-              <a:buChar char="Ø"/>
-            </a:pPr>
-            <a:r>
-              <a:rPr lang="en-US" sz="2000" dirty="0">
-                <a:solidFill>
-                  <a:schemeClr val="tx1"/>
-                </a:solidFill>
-                <a:latin typeface="Arial" panose="020B0604020202020204" pitchFamily="34" charset="0"/>
-                <a:cs typeface="Arial" panose="020B0604020202020204" pitchFamily="34" charset="0"/>
-              </a:rPr>
-              <a:t>Các chức năng của ứng dụng chưa được tối ưu.</a:t>
-            </a:r>
-          </a:p>
-          <a:p>
-            <a:pPr marL="800100" lvl="1" indent="-342900" algn="l">
-              <a:buFont typeface="Wingdings" panose="05000000000000000000" pitchFamily="2" charset="2"/>
-              <a:buChar char="Ø"/>
-            </a:pPr>
-            <a:r>
-              <a:rPr lang="en-US" sz="2000" dirty="0">
-                <a:solidFill>
-                  <a:schemeClr val="tx1"/>
-                </a:solidFill>
-                <a:latin typeface="Arial" panose="020B0604020202020204" pitchFamily="34" charset="0"/>
-                <a:cs typeface="Arial" panose="020B0604020202020204" pitchFamily="34" charset="0"/>
-              </a:rPr>
-              <a:t>Hoàn thiện dữ liệu: từ vựng, âm thanh, hình ảnh.</a:t>
-            </a:r>
-          </a:p>
-          <a:p>
-            <a:pPr marL="800100" lvl="1" indent="-342900" algn="l">
-              <a:buFont typeface="Wingdings" panose="05000000000000000000" pitchFamily="2" charset="2"/>
-              <a:buChar char="Ø"/>
-            </a:pPr>
-            <a:r>
-              <a:rPr lang="en-US" sz="2000" dirty="0">
-                <a:solidFill>
-                  <a:schemeClr val="tx1"/>
-                </a:solidFill>
-                <a:latin typeface="Arial" panose="020B0604020202020204" pitchFamily="34" charset="0"/>
-                <a:cs typeface="Arial" panose="020B0604020202020204" pitchFamily="34" charset="0"/>
-              </a:rPr>
-              <a:t>Tra cứu đoạn văn bản, từ đồng nghĩa, từ trái nghĩa</a:t>
-            </a:r>
-            <a:r>
-              <a:rPr lang="en-US" sz="2000" dirty="0" smtClean="0">
-                <a:solidFill>
-                  <a:schemeClr val="tx1"/>
-                </a:solidFill>
-                <a:latin typeface="Arial" panose="020B0604020202020204" pitchFamily="34" charset="0"/>
-                <a:cs typeface="Arial" panose="020B0604020202020204" pitchFamily="34" charset="0"/>
-              </a:rPr>
-              <a:t>.</a:t>
-            </a:r>
-          </a:p>
-          <a:p>
-            <a:pPr algn="l"/>
-            <a:r>
-              <a:rPr lang="en-US" sz="2000" dirty="0" smtClean="0">
-                <a:solidFill>
-                  <a:schemeClr val="tx1"/>
-                </a:solidFill>
-                <a:latin typeface="Arial" panose="020B0604020202020204" pitchFamily="34" charset="0"/>
-                <a:cs typeface="Arial" panose="020B0604020202020204" pitchFamily="34" charset="0"/>
-              </a:rPr>
-              <a:t>Do </a:t>
-            </a:r>
-            <a:r>
-              <a:rPr lang="en-US" sz="2000" dirty="0">
-                <a:solidFill>
-                  <a:schemeClr val="tx1"/>
-                </a:solidFill>
-                <a:latin typeface="Arial" panose="020B0604020202020204" pitchFamily="34" charset="0"/>
-                <a:cs typeface="Arial" panose="020B0604020202020204" pitchFamily="34" charset="0"/>
-              </a:rPr>
-              <a:t>việc ứng dụng khoa học công nghệ vào nghiên cứu ngôn ngữ của đồng bào thiểu số cũng như việc dạy và học ngôn ngữ các dân tộc thiểu số chưa được phổ biến, nên hướng phát triển của đề tài còn rộng như: ứng dụng dạy tiếng K’Ho, dịch tự động giữa tiếng K’Ho và các ngôn ngữ khác, nhận dạng và tổng hợp tiếng K’Ho, …</a:t>
-            </a:r>
-          </a:p>
-          <a:p>
-            <a:pPr marL="342900" indent="-342900" algn="l">
-              <a:buFont typeface="Wingdings" panose="05000000000000000000" pitchFamily="2" charset="2"/>
-              <a:buChar char="Ø"/>
-            </a:pPr>
-            <a:endParaRPr lang="en-US" sz="2000" dirty="0" smtClean="0">
-              <a:solidFill>
-                <a:schemeClr val="tx1"/>
-              </a:solidFill>
-              <a:latin typeface="Arial" panose="020B0604020202020204" pitchFamily="34" charset="0"/>
-              <a:cs typeface="Arial" panose="020B0604020202020204" pitchFamily="34" charset="0"/>
-            </a:endParaRPr>
-          </a:p>
-        </p:txBody>
-      </p:sp>
-      <p:sp>
-        <p:nvSpPr>
           <p:cNvPr id="3" name="Date Placeholder 2"/>
           <p:cNvSpPr>
             <a:spLocks noGrp="1"/>
@@ -6530,66 +6671,49 @@
       </p:sp>
       <p:sp>
         <p:nvSpPr>
-          <p:cNvPr id="6" name="Title 1"/>
-          <p:cNvSpPr txBox="1">
-            <a:spLocks/>
-          </p:cNvSpPr>
+          <p:cNvPr id="9" name="TextBox 8"/>
+          <p:cNvSpPr txBox="1"/>
           <p:nvPr/>
         </p:nvSpPr>
         <p:spPr>
           <a:xfrm>
-            <a:off x="609600" y="1295400"/>
-            <a:ext cx="8077200" cy="4495800"/>
+            <a:off x="632791" y="1154232"/>
+            <a:ext cx="5562600" cy="430887"/>
           </a:xfrm>
           <a:prstGeom prst="rect">
             <a:avLst/>
           </a:prstGeom>
+          <a:noFill/>
         </p:spPr>
         <p:txBody>
-          <a:bodyPr vert="horz" lIns="91440" tIns="45720" rIns="91440" bIns="45720" rtlCol="0" anchor="ctr">
-            <a:normAutofit/>
+          <a:bodyPr wrap="square" rtlCol="0">
+            <a:spAutoFit/>
           </a:bodyPr>
-          <a:lstStyle>
-            <a:lvl1pPr algn="l" defTabSz="914400" rtl="0" eaLnBrk="1" latinLnBrk="0" hangingPunct="1">
-              <a:spcBef>
-                <a:spcPct val="0"/>
-              </a:spcBef>
-              <a:buNone/>
-              <a:defRPr sz="4400" kern="1200">
-                <a:solidFill>
-                  <a:schemeClr val="bg1"/>
-                </a:solidFill>
-                <a:latin typeface="Segoe UI Semilight" pitchFamily="34" charset="0"/>
-                <a:ea typeface="+mj-ea"/>
-                <a:cs typeface="Segoe UI Semilight" pitchFamily="34" charset="0"/>
-              </a:defRPr>
-            </a:lvl1pPr>
-          </a:lstStyle>
-          <a:p>
-            <a:pPr algn="just">
+          <a:lstStyle/>
+          <a:p>
+            <a:pPr marL="342900" indent="-342900">
               <a:spcBef>
                 <a:spcPts val="1200"/>
               </a:spcBef>
-              <a:buClr>
-                <a:schemeClr val="tx1"/>
-              </a:buClr>
+              <a:buFont typeface="Wingdings" panose="05000000000000000000" pitchFamily="2" charset="2"/>
+              <a:buChar char="Ø"/>
             </a:pPr>
-            <a:endParaRPr lang="en-US" sz="2400" dirty="0">
-              <a:solidFill>
-                <a:schemeClr val="tx1"/>
-              </a:solidFill>
-              <a:latin typeface="Arial" panose="020B0604020202020204" pitchFamily="34" charset="0"/>
-              <a:cs typeface="Arial" panose="020B0604020202020204" pitchFamily="34" charset="0"/>
-            </a:endParaRPr>
-          </a:p>
-        </p:txBody>
-      </p:sp>
-      <p:sp>
-        <p:nvSpPr>
-          <p:cNvPr id="7" name="Title 1">
+            <a:r>
+              <a:rPr lang="en-US" sz="2200" dirty="0">
+                <a:latin typeface="Arial" panose="020B0604020202020204" pitchFamily="34" charset="0"/>
+                <a:cs typeface="Arial" panose="020B0604020202020204" pitchFamily="34" charset="0"/>
+              </a:rPr>
+              <a:t>Giao diện chính</a:t>
+            </a:r>
+          </a:p>
+        </p:txBody>
+      </p:sp>
+      <p:sp>
+        <p:nvSpPr>
+          <p:cNvPr id="10" name="Title 1">
             <a:extLst>
               <a:ext uri="{FF2B5EF4-FFF2-40B4-BE49-F238E27FC236}">
-                <a16:creationId xmlns="" xmlns:a16="http://schemas.microsoft.com/office/drawing/2014/main" id="{A26F03AE-A5EF-4A37-AD0A-4A124D961228}"/>
+                <a16:creationId xmlns:a16="http://schemas.microsoft.com/office/drawing/2014/main" xmlns="" id="{7368D8FC-019C-4E0A-9E64-2A1D10A99CC1}"/>
               </a:ext>
             </a:extLst>
           </p:cNvPr>
@@ -6651,7 +6775,7 @@
                 <a:latin typeface="Arial" panose="020B0604020202020204" pitchFamily="34" charset="0"/>
                 <a:cs typeface="Arial" panose="020B0604020202020204" pitchFamily="34" charset="0"/>
               </a:rPr>
-              <a:t>5</a:t>
+              <a:t>4</a:t>
             </a:r>
             <a:r>
               <a:rPr lang="en-US" sz="3600" dirty="0" smtClean="0">
@@ -6670,256 +6794,9 @@
                 <a:latin typeface="Arial" panose="020B0604020202020204" pitchFamily="34" charset="0"/>
                 <a:cs typeface="Arial" panose="020B0604020202020204" pitchFamily="34" charset="0"/>
               </a:rPr>
-              <a:t>. Hướng phát triển</a:t>
+              <a:t>. Kết quả đạt được</a:t>
             </a:r>
             <a:endParaRPr lang="en-US" sz="3600" dirty="0">
-              <a:ln w="3175">
-                <a:solidFill>
-                  <a:schemeClr val="accent6">
-                    <a:lumMod val="75000"/>
-                  </a:schemeClr>
-                </a:solidFill>
-              </a:ln>
-              <a:solidFill>
-                <a:schemeClr val="accent6">
-                  <a:lumMod val="75000"/>
-                </a:schemeClr>
-              </a:solidFill>
-              <a:latin typeface="Arial" panose="020B0604020202020204" pitchFamily="34" charset="0"/>
-              <a:cs typeface="Arial" panose="020B0604020202020204" pitchFamily="34" charset="0"/>
-            </a:endParaRPr>
-          </a:p>
-        </p:txBody>
-      </p:sp>
-    </p:spTree>
-    <p:extLst>
-      <p:ext uri="{BB962C8B-B14F-4D97-AF65-F5344CB8AC3E}">
-        <p14:creationId xmlns:p14="http://schemas.microsoft.com/office/powerpoint/2010/main" val="83383839"/>
-      </p:ext>
-    </p:extLst>
-  </p:cSld>
-  <p:clrMapOvr>
-    <a:masterClrMapping/>
-  </p:clrMapOvr>
-  <p:timing>
-    <p:tnLst>
-      <p:par>
-        <p:cTn id="1" dur="indefinite" restart="never" nodeType="tmRoot"/>
-      </p:par>
-    </p:tnLst>
-  </p:timing>
-</p:sld>
-</file>
-
-<file path=ppt/slides/slide17.xml><?xml version="1.0" encoding="utf-8"?>
-<p:sld xmlns:a="http://schemas.openxmlformats.org/drawingml/2006/main" xmlns:r="http://schemas.openxmlformats.org/officeDocument/2006/relationships" xmlns:p="http://schemas.openxmlformats.org/presentationml/2006/main">
-  <p:cSld>
-    <p:spTree>
-      <p:nvGrpSpPr>
-        <p:cNvPr id="1" name=""/>
-        <p:cNvGrpSpPr/>
-        <p:nvPr/>
-      </p:nvGrpSpPr>
-      <p:grpSpPr>
-        <a:xfrm>
-          <a:off x="0" y="0"/>
-          <a:ext cx="0" cy="0"/>
-          <a:chOff x="0" y="0"/>
-          <a:chExt cx="0" cy="0"/>
-        </a:xfrm>
-      </p:grpSpPr>
-      <p:sp>
-        <p:nvSpPr>
-          <p:cNvPr id="3" name="Date Placeholder 2"/>
-          <p:cNvSpPr>
-            <a:spLocks noGrp="1"/>
-          </p:cNvSpPr>
-          <p:nvPr>
-            <p:ph type="dt" sz="half" idx="10"/>
-          </p:nvPr>
-        </p:nvSpPr>
-        <p:spPr/>
-        <p:txBody>
-          <a:bodyPr/>
-          <a:lstStyle/>
-          <a:p>
-            <a:r>
-              <a:rPr lang="en-US"/>
-              <a:t>10/13/2017</a:t>
-            </a:r>
-          </a:p>
-        </p:txBody>
-      </p:sp>
-      <p:sp>
-        <p:nvSpPr>
-          <p:cNvPr id="4" name="Footer Placeholder 3"/>
-          <p:cNvSpPr>
-            <a:spLocks noGrp="1"/>
-          </p:cNvSpPr>
-          <p:nvPr>
-            <p:ph type="ftr" sz="quarter" idx="11"/>
-          </p:nvPr>
-        </p:nvSpPr>
-        <p:spPr/>
-        <p:txBody>
-          <a:bodyPr/>
-          <a:lstStyle/>
-          <a:p>
-            <a:endParaRPr lang="en-US"/>
-          </a:p>
-        </p:txBody>
-      </p:sp>
-      <p:sp>
-        <p:nvSpPr>
-          <p:cNvPr id="5" name="Slide Number Placeholder 4"/>
-          <p:cNvSpPr>
-            <a:spLocks noGrp="1"/>
-          </p:cNvSpPr>
-          <p:nvPr>
-            <p:ph type="sldNum" sz="quarter" idx="12"/>
-          </p:nvPr>
-        </p:nvSpPr>
-        <p:spPr/>
-        <p:txBody>
-          <a:bodyPr/>
-          <a:lstStyle/>
-          <a:p>
-            <a:fld id="{FF387971-9C3B-49A6-8D58-3AFB2456A1FB}" type="slidenum">
-              <a:rPr lang="en-US" smtClean="0"/>
-              <a:t>17</a:t>
-            </a:fld>
-            <a:endParaRPr lang="en-US"/>
-          </a:p>
-        </p:txBody>
-      </p:sp>
-      <p:sp>
-        <p:nvSpPr>
-          <p:cNvPr id="9" name="TextBox 8"/>
-          <p:cNvSpPr txBox="1"/>
-          <p:nvPr/>
-        </p:nvSpPr>
-        <p:spPr>
-          <a:xfrm>
-            <a:off x="632791" y="1154232"/>
-            <a:ext cx="5562600" cy="430887"/>
-          </a:xfrm>
-          <a:prstGeom prst="rect">
-            <a:avLst/>
-          </a:prstGeom>
-          <a:noFill/>
-        </p:spPr>
-        <p:txBody>
-          <a:bodyPr wrap="square" rtlCol="0">
-            <a:spAutoFit/>
-          </a:bodyPr>
-          <a:lstStyle/>
-          <a:p>
-            <a:pPr marL="342900" indent="-342900">
-              <a:spcBef>
-                <a:spcPts val="1200"/>
-              </a:spcBef>
-              <a:buFont typeface="Wingdings" panose="05000000000000000000" pitchFamily="2" charset="2"/>
-              <a:buChar char="Ø"/>
-            </a:pPr>
-            <a:r>
-              <a:rPr lang="en-US" sz="2200" dirty="0">
-                <a:latin typeface="Arial" panose="020B0604020202020204" pitchFamily="34" charset="0"/>
-                <a:cs typeface="Arial" panose="020B0604020202020204" pitchFamily="34" charset="0"/>
-              </a:rPr>
-              <a:t>Giao diện chính</a:t>
-            </a:r>
-          </a:p>
-        </p:txBody>
-      </p:sp>
-      <p:sp>
-        <p:nvSpPr>
-          <p:cNvPr id="10" name="Title 1">
-            <a:extLst>
-              <a:ext uri="{FF2B5EF4-FFF2-40B4-BE49-F238E27FC236}">
-                <a16:creationId xmlns="" xmlns:a16="http://schemas.microsoft.com/office/drawing/2014/main" id="{7368D8FC-019C-4E0A-9E64-2A1D10A99CC1}"/>
-              </a:ext>
-            </a:extLst>
-          </p:cNvPr>
-          <p:cNvSpPr txBox="1">
-            <a:spLocks/>
-          </p:cNvSpPr>
-          <p:nvPr/>
-        </p:nvSpPr>
-        <p:spPr>
-          <a:xfrm>
-            <a:off x="0" y="0"/>
-            <a:ext cx="9144000" cy="884238"/>
-          </a:xfrm>
-          <a:prstGeom prst="rect">
-            <a:avLst/>
-          </a:prstGeom>
-          <a:ln w="3175">
-            <a:solidFill>
-              <a:schemeClr val="tx1"/>
-            </a:solidFill>
-          </a:ln>
-        </p:spPr>
-        <p:txBody>
-          <a:bodyPr vert="horz" lIns="91440" tIns="45720" rIns="91440" bIns="45720" rtlCol="0" anchor="ctr">
-            <a:noAutofit/>
-          </a:bodyPr>
-          <a:lstStyle>
-            <a:lvl1pPr algn="l" defTabSz="914400" rtl="0" eaLnBrk="1" latinLnBrk="0" hangingPunct="1">
-              <a:spcBef>
-                <a:spcPct val="0"/>
-              </a:spcBef>
-              <a:buNone/>
-              <a:defRPr sz="4400" kern="1200">
-                <a:solidFill>
-                  <a:schemeClr val="bg1"/>
-                </a:solidFill>
-                <a:latin typeface="Segoe UI Semilight" pitchFamily="34" charset="0"/>
-                <a:ea typeface="+mj-ea"/>
-                <a:cs typeface="Segoe UI Semilight" pitchFamily="34" charset="0"/>
-              </a:defRPr>
-            </a:lvl1pPr>
-          </a:lstStyle>
-          <a:p>
-            <a:pPr algn="ctr"/>
-            <a:r>
-              <a:rPr lang="en-US" sz="2800" dirty="0">
-                <a:ln w="3175">
-                  <a:solidFill>
-                    <a:schemeClr val="accent6">
-                      <a:lumMod val="75000"/>
-                    </a:schemeClr>
-                  </a:solidFill>
-                </a:ln>
-                <a:solidFill>
-                  <a:schemeClr val="accent6">
-                    <a:lumMod val="75000"/>
-                  </a:schemeClr>
-                </a:solidFill>
-                <a:latin typeface="Arial" panose="020B0604020202020204" pitchFamily="34" charset="0"/>
-                <a:cs typeface="Arial" panose="020B0604020202020204" pitchFamily="34" charset="0"/>
-              </a:rPr>
-              <a:t>6</a:t>
-            </a:r>
-            <a:r>
-              <a:rPr lang="en-US" sz="2800" dirty="0" smtClean="0">
-                <a:ln w="3175">
-                  <a:solidFill>
-                    <a:schemeClr val="accent6">
-                      <a:lumMod val="75000"/>
-                    </a:schemeClr>
-                  </a:solidFill>
-                </a:ln>
-                <a:solidFill>
-                  <a:schemeClr val="accent6">
-                    <a:lumMod val="75000"/>
-                  </a:schemeClr>
-                </a:solidFill>
-                <a:latin typeface="Arial" panose="020B0604020202020204" pitchFamily="34" charset="0"/>
-                <a:cs typeface="Arial" panose="020B0604020202020204" pitchFamily="34" charset="0"/>
-              </a:rPr>
-              <a:t>. Demo ứng dụng.</a:t>
-            </a:r>
-            <a:endParaRPr lang="en-US" sz="2800" dirty="0">
               <a:ln w="3175">
                 <a:solidFill>
                   <a:schemeClr val="accent6">
@@ -6982,7 +6859,7 @@
 </p:sld>
 </file>
 
-<file path=ppt/slides/slide18.xml><?xml version="1.0" encoding="utf-8"?>
+<file path=ppt/slides/slide17.xml><?xml version="1.0" encoding="utf-8"?>
 <p:sld xmlns:a="http://schemas.openxmlformats.org/drawingml/2006/main" xmlns:r="http://schemas.openxmlformats.org/officeDocument/2006/relationships" xmlns:p="http://schemas.openxmlformats.org/presentationml/2006/main">
   <p:cSld>
     <p:spTree>
@@ -7057,7 +6934,7 @@
           <a:p>
             <a:fld id="{FF387971-9C3B-49A6-8D58-3AFB2456A1FB}" type="slidenum">
               <a:rPr lang="en-US" smtClean="0"/>
-              <a:t>18</a:t>
+              <a:t>17</a:t>
             </a:fld>
             <a:endParaRPr lang="en-US"/>
           </a:p>
@@ -7146,7 +7023,7 @@
 </p:sld>
 </file>
 
-<file path=ppt/slides/slide19.xml><?xml version="1.0" encoding="utf-8"?>
+<file path=ppt/slides/slide18.xml><?xml version="1.0" encoding="utf-8"?>
 <p:sld xmlns:a="http://schemas.openxmlformats.org/drawingml/2006/main" xmlns:r="http://schemas.openxmlformats.org/officeDocument/2006/relationships" xmlns:p="http://schemas.openxmlformats.org/presentationml/2006/main">
   <p:cSld>
     <p:spTree>
@@ -7221,7 +7098,7 @@
           <a:p>
             <a:fld id="{FF387971-9C3B-49A6-8D58-3AFB2456A1FB}" type="slidenum">
               <a:rPr lang="en-US" smtClean="0"/>
-              <a:t>19</a:t>
+              <a:t>18</a:t>
             </a:fld>
             <a:endParaRPr lang="en-US"/>
           </a:p>
@@ -7310,7 +7187,7 @@
 </p:sld>
 </file>
 
-<file path=ppt/slides/slide2.xml><?xml version="1.0" encoding="utf-8"?>
+<file path=ppt/slides/slide19.xml><?xml version="1.0" encoding="utf-8"?>
 <p:sld xmlns:a="http://schemas.openxmlformats.org/drawingml/2006/main" xmlns:r="http://schemas.openxmlformats.org/officeDocument/2006/relationships" xmlns:p="http://schemas.openxmlformats.org/presentationml/2006/main">
   <p:cSld>
     <p:spTree>
@@ -7329,56 +7206,6 @@
       </p:grpSpPr>
       <p:sp>
         <p:nvSpPr>
-          <p:cNvPr id="2" name="Title 1"/>
-          <p:cNvSpPr>
-            <a:spLocks noGrp="1"/>
-          </p:cNvSpPr>
-          <p:nvPr>
-            <p:ph type="title"/>
-          </p:nvPr>
-        </p:nvSpPr>
-        <p:spPr>
-          <a:xfrm>
-            <a:off x="0" y="0"/>
-            <a:ext cx="9144000" cy="884238"/>
-          </a:xfrm>
-          <a:ln w="3175">
-            <a:solidFill>
-              <a:schemeClr val="tx1"/>
-            </a:solidFill>
-          </a:ln>
-        </p:spPr>
-        <p:txBody>
-          <a:bodyPr>
-            <a:noAutofit/>
-          </a:bodyPr>
-          <a:lstStyle/>
-          <a:p>
-            <a:pPr algn="ctr"/>
-            <a:r>
-              <a:rPr lang="en-US" sz="3600" dirty="0">
-                <a:ln w="3175">
-                  <a:solidFill>
-                    <a:schemeClr val="accent6">
-                      <a:lumMod val="75000"/>
-                    </a:schemeClr>
-                  </a:solidFill>
-                </a:ln>
-                <a:solidFill>
-                  <a:schemeClr val="accent6">
-                    <a:lumMod val="75000"/>
-                  </a:schemeClr>
-                </a:solidFill>
-                <a:latin typeface="Arial" panose="020B0604020202020204" pitchFamily="34" charset="0"/>
-                <a:cs typeface="Arial" panose="020B0604020202020204" pitchFamily="34" charset="0"/>
-              </a:rPr>
-              <a:t>NỘI DUNG</a:t>
-            </a:r>
-          </a:p>
-        </p:txBody>
-      </p:sp>
-      <p:sp>
-        <p:nvSpPr>
           <p:cNvPr id="3" name="Date Placeholder 2"/>
           <p:cNvSpPr>
             <a:spLocks noGrp="1"/>
@@ -7435,342 +7262,7 @@
           <a:p>
             <a:fld id="{FF387971-9C3B-49A6-8D58-3AFB2456A1FB}" type="slidenum">
               <a:rPr lang="en-US" smtClean="0"/>
-              <a:t>2</a:t>
-            </a:fld>
-            <a:endParaRPr lang="en-US"/>
-          </a:p>
-        </p:txBody>
-      </p:sp>
-      <p:sp>
-        <p:nvSpPr>
-          <p:cNvPr id="6" name="Title 1"/>
-          <p:cNvSpPr txBox="1">
-            <a:spLocks/>
-          </p:cNvSpPr>
-          <p:nvPr/>
-        </p:nvSpPr>
-        <p:spPr>
-          <a:xfrm>
-            <a:off x="609600" y="1066800"/>
-            <a:ext cx="7924800" cy="4876800"/>
-          </a:xfrm>
-          <a:prstGeom prst="rect">
-            <a:avLst/>
-          </a:prstGeom>
-        </p:spPr>
-        <p:txBody>
-          <a:bodyPr vert="horz" lIns="91440" tIns="45720" rIns="91440" bIns="45720" rtlCol="0" anchor="ctr">
-            <a:noAutofit/>
-          </a:bodyPr>
-          <a:lstStyle>
-            <a:lvl1pPr algn="l" defTabSz="914400" rtl="0" eaLnBrk="1" latinLnBrk="0" hangingPunct="1">
-              <a:spcBef>
-                <a:spcPct val="0"/>
-              </a:spcBef>
-              <a:buNone/>
-              <a:defRPr sz="4400" kern="1200">
-                <a:solidFill>
-                  <a:schemeClr val="bg1"/>
-                </a:solidFill>
-                <a:latin typeface="Segoe UI Semilight" pitchFamily="34" charset="0"/>
-                <a:ea typeface="+mj-ea"/>
-                <a:cs typeface="Segoe UI Semilight" pitchFamily="34" charset="0"/>
-              </a:defRPr>
-            </a:lvl1pPr>
-          </a:lstStyle>
-          <a:p>
-            <a:pPr marL="457200" indent="-457200">
-              <a:spcBef>
-                <a:spcPts val="1200"/>
-              </a:spcBef>
-              <a:buAutoNum type="arabicPeriod"/>
-            </a:pPr>
-            <a:r>
-              <a:rPr lang="en-US" sz="2400" dirty="0" smtClean="0">
-                <a:solidFill>
-                  <a:schemeClr val="tx1"/>
-                </a:solidFill>
-                <a:latin typeface="Arial" panose="020B0604020202020204" pitchFamily="34" charset="0"/>
-                <a:cs typeface="Arial" panose="020B0604020202020204" pitchFamily="34" charset="0"/>
-              </a:rPr>
-              <a:t>Lý do và mục tiêu chọn đề tài</a:t>
-            </a:r>
-          </a:p>
-          <a:p>
-            <a:pPr marL="457200" indent="-457200">
-              <a:spcBef>
-                <a:spcPts val="1200"/>
-              </a:spcBef>
-              <a:buAutoNum type="arabicPeriod"/>
-            </a:pPr>
-            <a:r>
-              <a:rPr lang="en-US" sz="2400" dirty="0" smtClean="0">
-                <a:solidFill>
-                  <a:schemeClr val="tx1"/>
-                </a:solidFill>
-                <a:latin typeface="Arial" panose="020B0604020202020204" pitchFamily="34" charset="0"/>
-                <a:cs typeface="Arial" panose="020B0604020202020204" pitchFamily="34" charset="0"/>
-              </a:rPr>
-              <a:t>Kế hoạch thực hiện đề tài</a:t>
-            </a:r>
-            <a:endParaRPr lang="en-US" sz="2400" dirty="0">
-              <a:solidFill>
-                <a:schemeClr val="tx1"/>
-              </a:solidFill>
-              <a:latin typeface="Arial" panose="020B0604020202020204" pitchFamily="34" charset="0"/>
-              <a:cs typeface="Arial" panose="020B0604020202020204" pitchFamily="34" charset="0"/>
-            </a:endParaRPr>
-          </a:p>
-          <a:p>
-            <a:pPr marL="457200" indent="-457200">
-              <a:spcBef>
-                <a:spcPts val="1200"/>
-              </a:spcBef>
-              <a:buAutoNum type="arabicPeriod"/>
-            </a:pPr>
-            <a:r>
-              <a:rPr lang="en-US" sz="2400" dirty="0" smtClean="0">
-                <a:solidFill>
-                  <a:schemeClr val="tx1"/>
-                </a:solidFill>
-                <a:latin typeface="Arial" panose="020B0604020202020204" pitchFamily="34" charset="0"/>
-                <a:cs typeface="Arial" panose="020B0604020202020204" pitchFamily="34" charset="0"/>
-              </a:rPr>
-              <a:t>Nội dung và các bước thực hiện.</a:t>
-            </a:r>
-            <a:endParaRPr lang="en-US" sz="2400" dirty="0">
-              <a:solidFill>
-                <a:schemeClr val="tx1"/>
-              </a:solidFill>
-              <a:latin typeface="Arial" panose="020B0604020202020204" pitchFamily="34" charset="0"/>
-              <a:cs typeface="Arial" panose="020B0604020202020204" pitchFamily="34" charset="0"/>
-            </a:endParaRPr>
-          </a:p>
-          <a:p>
-            <a:pPr marL="457200" indent="-457200">
-              <a:spcBef>
-                <a:spcPts val="1200"/>
-              </a:spcBef>
-              <a:buAutoNum type="arabicPeriod"/>
-            </a:pPr>
-            <a:r>
-              <a:rPr lang="en-US" sz="2400" dirty="0" smtClean="0">
-                <a:solidFill>
-                  <a:schemeClr val="tx1"/>
-                </a:solidFill>
-                <a:latin typeface="Arial" panose="020B0604020202020204" pitchFamily="34" charset="0"/>
-                <a:cs typeface="Arial" panose="020B0604020202020204" pitchFamily="34" charset="0"/>
-              </a:rPr>
-              <a:t>Kết quả đạt được.</a:t>
-            </a:r>
-            <a:endParaRPr lang="en-US" sz="2400" dirty="0">
-              <a:solidFill>
-                <a:schemeClr val="tx1"/>
-              </a:solidFill>
-              <a:latin typeface="Arial" panose="020B0604020202020204" pitchFamily="34" charset="0"/>
-              <a:cs typeface="Arial" panose="020B0604020202020204" pitchFamily="34" charset="0"/>
-            </a:endParaRPr>
-          </a:p>
-          <a:p>
-            <a:pPr marL="457200" indent="-457200">
-              <a:spcBef>
-                <a:spcPts val="1200"/>
-              </a:spcBef>
-              <a:buAutoNum type="arabicPeriod"/>
-            </a:pPr>
-            <a:r>
-              <a:rPr lang="en-US" sz="2400" dirty="0" smtClean="0">
-                <a:solidFill>
-                  <a:schemeClr val="tx1"/>
-                </a:solidFill>
-                <a:latin typeface="Arial" panose="020B0604020202020204" pitchFamily="34" charset="0"/>
-                <a:cs typeface="Arial" panose="020B0604020202020204" pitchFamily="34" charset="0"/>
-              </a:rPr>
-              <a:t>Kết luận và hướng phát triển.</a:t>
-            </a:r>
-          </a:p>
-          <a:p>
-            <a:pPr marL="457200" indent="-457200">
-              <a:spcBef>
-                <a:spcPts val="1200"/>
-              </a:spcBef>
-              <a:buAutoNum type="arabicPeriod"/>
-            </a:pPr>
-            <a:r>
-              <a:rPr lang="en-US" sz="2400" dirty="0">
-                <a:solidFill>
-                  <a:schemeClr val="tx1"/>
-                </a:solidFill>
-                <a:latin typeface="Arial" panose="020B0604020202020204" pitchFamily="34" charset="0"/>
-                <a:cs typeface="Arial" panose="020B0604020202020204" pitchFamily="34" charset="0"/>
-              </a:rPr>
-              <a:t>Demo ứng </a:t>
-            </a:r>
-            <a:r>
-              <a:rPr lang="en-US" sz="2400" dirty="0" smtClean="0">
-                <a:solidFill>
-                  <a:schemeClr val="tx1"/>
-                </a:solidFill>
-                <a:latin typeface="Arial" panose="020B0604020202020204" pitchFamily="34" charset="0"/>
-                <a:cs typeface="Arial" panose="020B0604020202020204" pitchFamily="34" charset="0"/>
-              </a:rPr>
-              <a:t>dụng.</a:t>
-            </a:r>
-            <a:endParaRPr lang="en-US" sz="2400" dirty="0">
-              <a:solidFill>
-                <a:schemeClr val="tx1"/>
-              </a:solidFill>
-              <a:latin typeface="Arial" panose="020B0604020202020204" pitchFamily="34" charset="0"/>
-              <a:cs typeface="Arial" panose="020B0604020202020204" pitchFamily="34" charset="0"/>
-            </a:endParaRPr>
-          </a:p>
-        </p:txBody>
-      </p:sp>
-      <p:sp>
-        <p:nvSpPr>
-          <p:cNvPr id="7" name="Title 1"/>
-          <p:cNvSpPr txBox="1">
-            <a:spLocks/>
-          </p:cNvSpPr>
-          <p:nvPr/>
-        </p:nvSpPr>
-        <p:spPr>
-          <a:xfrm>
-            <a:off x="523461" y="1066800"/>
-            <a:ext cx="7924800" cy="487362"/>
-          </a:xfrm>
-          <a:prstGeom prst="rect">
-            <a:avLst/>
-          </a:prstGeom>
-        </p:spPr>
-        <p:txBody>
-          <a:bodyPr vert="horz" lIns="91440" tIns="45720" rIns="91440" bIns="45720" rtlCol="0" anchor="ctr">
-            <a:normAutofit fontScale="97500"/>
-          </a:bodyPr>
-          <a:lstStyle>
-            <a:lvl1pPr algn="l" defTabSz="914400" rtl="0" eaLnBrk="1" latinLnBrk="0" hangingPunct="1">
-              <a:spcBef>
-                <a:spcPct val="0"/>
-              </a:spcBef>
-              <a:buNone/>
-              <a:defRPr sz="4400" kern="1200">
-                <a:solidFill>
-                  <a:schemeClr val="bg1"/>
-                </a:solidFill>
-                <a:latin typeface="Segoe UI Semilight" pitchFamily="34" charset="0"/>
-                <a:ea typeface="+mj-ea"/>
-                <a:cs typeface="Segoe UI Semilight" pitchFamily="34" charset="0"/>
-              </a:defRPr>
-            </a:lvl1pPr>
-          </a:lstStyle>
-          <a:p>
-            <a:pPr algn="ctr"/>
-            <a:endParaRPr lang="en-US" sz="2600" dirty="0">
-              <a:solidFill>
-                <a:schemeClr val="tx1"/>
-              </a:solidFill>
-              <a:latin typeface="Times New Roman" panose="02020603050405020304" pitchFamily="18" charset="0"/>
-              <a:cs typeface="Times New Roman" panose="02020603050405020304" pitchFamily="18" charset="0"/>
-            </a:endParaRPr>
-          </a:p>
-        </p:txBody>
-      </p:sp>
-    </p:spTree>
-    <p:extLst>
-      <p:ext uri="{BB962C8B-B14F-4D97-AF65-F5344CB8AC3E}">
-        <p14:creationId xmlns:p14="http://schemas.microsoft.com/office/powerpoint/2010/main" val="2637767275"/>
-      </p:ext>
-    </p:extLst>
-  </p:cSld>
-  <p:clrMapOvr>
-    <a:masterClrMapping/>
-  </p:clrMapOvr>
-  <p:timing>
-    <p:tnLst>
-      <p:par>
-        <p:cTn id="1" dur="indefinite" restart="never" nodeType="tmRoot"/>
-      </p:par>
-    </p:tnLst>
-  </p:timing>
-</p:sld>
-</file>
-
-<file path=ppt/slides/slide20.xml><?xml version="1.0" encoding="utf-8"?>
-<p:sld xmlns:a="http://schemas.openxmlformats.org/drawingml/2006/main" xmlns:r="http://schemas.openxmlformats.org/officeDocument/2006/relationships" xmlns:p="http://schemas.openxmlformats.org/presentationml/2006/main">
-  <p:cSld>
-    <p:spTree>
-      <p:nvGrpSpPr>
-        <p:cNvPr id="1" name=""/>
-        <p:cNvGrpSpPr/>
-        <p:nvPr/>
-      </p:nvGrpSpPr>
-      <p:grpSpPr>
-        <a:xfrm>
-          <a:off x="0" y="0"/>
-          <a:ext cx="0" cy="0"/>
-          <a:chOff x="0" y="0"/>
-          <a:chExt cx="0" cy="0"/>
-        </a:xfrm>
-      </p:grpSpPr>
-      <p:sp>
-        <p:nvSpPr>
-          <p:cNvPr id="3" name="Date Placeholder 2"/>
-          <p:cNvSpPr>
-            <a:spLocks noGrp="1"/>
-          </p:cNvSpPr>
-          <p:nvPr>
-            <p:ph type="dt" sz="half" idx="10"/>
-          </p:nvPr>
-        </p:nvSpPr>
-        <p:spPr/>
-        <p:txBody>
-          <a:bodyPr/>
-          <a:lstStyle/>
-          <a:p>
-            <a:r>
-              <a:rPr lang="en-US"/>
-              <a:t>10/13/2017</a:t>
-            </a:r>
-          </a:p>
-        </p:txBody>
-      </p:sp>
-      <p:sp>
-        <p:nvSpPr>
-          <p:cNvPr id="4" name="Footer Placeholder 3"/>
-          <p:cNvSpPr>
-            <a:spLocks noGrp="1"/>
-          </p:cNvSpPr>
-          <p:nvPr>
-            <p:ph type="ftr" sz="quarter" idx="11"/>
-          </p:nvPr>
-        </p:nvSpPr>
-        <p:spPr/>
-        <p:txBody>
-          <a:bodyPr/>
-          <a:lstStyle/>
-          <a:p>
-            <a:endParaRPr lang="en-US"/>
-          </a:p>
-        </p:txBody>
-      </p:sp>
-      <p:sp>
-        <p:nvSpPr>
-          <p:cNvPr id="5" name="Slide Number Placeholder 4"/>
-          <p:cNvSpPr>
-            <a:spLocks noGrp="1"/>
-          </p:cNvSpPr>
-          <p:nvPr>
-            <p:ph type="sldNum" sz="quarter" idx="12"/>
-          </p:nvPr>
-        </p:nvSpPr>
-        <p:spPr/>
-        <p:txBody>
-          <a:bodyPr/>
-          <a:lstStyle/>
-          <a:p>
-            <a:fld id="{FF387971-9C3B-49A6-8D58-3AFB2456A1FB}" type="slidenum">
-              <a:rPr lang="en-US" smtClean="0"/>
-              <a:t>20</a:t>
+              <a:t>19</a:t>
             </a:fld>
             <a:endParaRPr lang="en-US"/>
           </a:p>
@@ -7859,7 +7351,7 @@
 </p:sld>
 </file>
 
-<file path=ppt/slides/slide21.xml><?xml version="1.0" encoding="utf-8"?>
+<file path=ppt/slides/slide2.xml><?xml version="1.0" encoding="utf-8"?>
 <p:sld xmlns:a="http://schemas.openxmlformats.org/drawingml/2006/main" xmlns:r="http://schemas.openxmlformats.org/officeDocument/2006/relationships" xmlns:p="http://schemas.openxmlformats.org/presentationml/2006/main">
   <p:cSld>
     <p:spTree>
@@ -7878,6 +7370,56 @@
       </p:grpSpPr>
       <p:sp>
         <p:nvSpPr>
+          <p:cNvPr id="2" name="Title 1"/>
+          <p:cNvSpPr>
+            <a:spLocks noGrp="1"/>
+          </p:cNvSpPr>
+          <p:nvPr>
+            <p:ph type="title"/>
+          </p:nvPr>
+        </p:nvSpPr>
+        <p:spPr>
+          <a:xfrm>
+            <a:off x="0" y="0"/>
+            <a:ext cx="9144000" cy="884238"/>
+          </a:xfrm>
+          <a:ln w="3175">
+            <a:solidFill>
+              <a:schemeClr val="tx1"/>
+            </a:solidFill>
+          </a:ln>
+        </p:spPr>
+        <p:txBody>
+          <a:bodyPr>
+            <a:noAutofit/>
+          </a:bodyPr>
+          <a:lstStyle/>
+          <a:p>
+            <a:pPr algn="ctr"/>
+            <a:r>
+              <a:rPr lang="en-US" sz="3600" dirty="0">
+                <a:ln w="3175">
+                  <a:solidFill>
+                    <a:schemeClr val="accent6">
+                      <a:lumMod val="75000"/>
+                    </a:schemeClr>
+                  </a:solidFill>
+                </a:ln>
+                <a:solidFill>
+                  <a:schemeClr val="accent6">
+                    <a:lumMod val="75000"/>
+                  </a:schemeClr>
+                </a:solidFill>
+                <a:latin typeface="Arial" panose="020B0604020202020204" pitchFamily="34" charset="0"/>
+                <a:cs typeface="Arial" panose="020B0604020202020204" pitchFamily="34" charset="0"/>
+              </a:rPr>
+              <a:t>NỘI DUNG</a:t>
+            </a:r>
+          </a:p>
+        </p:txBody>
+      </p:sp>
+      <p:sp>
+        <p:nvSpPr>
           <p:cNvPr id="3" name="Date Placeholder 2"/>
           <p:cNvSpPr>
             <a:spLocks noGrp="1"/>
@@ -7934,7 +7476,342 @@
           <a:p>
             <a:fld id="{FF387971-9C3B-49A6-8D58-3AFB2456A1FB}" type="slidenum">
               <a:rPr lang="en-US" smtClean="0"/>
-              <a:t>21</a:t>
+              <a:t>2</a:t>
+            </a:fld>
+            <a:endParaRPr lang="en-US"/>
+          </a:p>
+        </p:txBody>
+      </p:sp>
+      <p:sp>
+        <p:nvSpPr>
+          <p:cNvPr id="6" name="Title 1"/>
+          <p:cNvSpPr txBox="1">
+            <a:spLocks/>
+          </p:cNvSpPr>
+          <p:nvPr/>
+        </p:nvSpPr>
+        <p:spPr>
+          <a:xfrm>
+            <a:off x="609600" y="1066800"/>
+            <a:ext cx="7924800" cy="4876800"/>
+          </a:xfrm>
+          <a:prstGeom prst="rect">
+            <a:avLst/>
+          </a:prstGeom>
+        </p:spPr>
+        <p:txBody>
+          <a:bodyPr vert="horz" lIns="91440" tIns="45720" rIns="91440" bIns="45720" rtlCol="0" anchor="ctr">
+            <a:noAutofit/>
+          </a:bodyPr>
+          <a:lstStyle>
+            <a:lvl1pPr algn="l" defTabSz="914400" rtl="0" eaLnBrk="1" latinLnBrk="0" hangingPunct="1">
+              <a:spcBef>
+                <a:spcPct val="0"/>
+              </a:spcBef>
+              <a:buNone/>
+              <a:defRPr sz="4400" kern="1200">
+                <a:solidFill>
+                  <a:schemeClr val="bg1"/>
+                </a:solidFill>
+                <a:latin typeface="Segoe UI Semilight" pitchFamily="34" charset="0"/>
+                <a:ea typeface="+mj-ea"/>
+                <a:cs typeface="Segoe UI Semilight" pitchFamily="34" charset="0"/>
+              </a:defRPr>
+            </a:lvl1pPr>
+          </a:lstStyle>
+          <a:p>
+            <a:pPr marL="457200" indent="-457200">
+              <a:spcBef>
+                <a:spcPts val="1200"/>
+              </a:spcBef>
+              <a:buAutoNum type="arabicPeriod"/>
+            </a:pPr>
+            <a:r>
+              <a:rPr lang="en-US" sz="2400" dirty="0" smtClean="0">
+                <a:solidFill>
+                  <a:schemeClr val="tx1"/>
+                </a:solidFill>
+                <a:latin typeface="Arial" panose="020B0604020202020204" pitchFamily="34" charset="0"/>
+                <a:cs typeface="Arial" panose="020B0604020202020204" pitchFamily="34" charset="0"/>
+              </a:rPr>
+              <a:t>Lý do và mục tiêu chọn đề tài</a:t>
+            </a:r>
+          </a:p>
+          <a:p>
+            <a:pPr marL="457200" indent="-457200">
+              <a:spcBef>
+                <a:spcPts val="1200"/>
+              </a:spcBef>
+              <a:buAutoNum type="arabicPeriod"/>
+            </a:pPr>
+            <a:r>
+              <a:rPr lang="en-US" sz="2400" dirty="0" smtClean="0">
+                <a:solidFill>
+                  <a:schemeClr val="tx1"/>
+                </a:solidFill>
+                <a:latin typeface="Arial" panose="020B0604020202020204" pitchFamily="34" charset="0"/>
+                <a:cs typeface="Arial" panose="020B0604020202020204" pitchFamily="34" charset="0"/>
+              </a:rPr>
+              <a:t>Kế hoạch thực hiện đề tài</a:t>
+            </a:r>
+            <a:endParaRPr lang="en-US" sz="2400" dirty="0">
+              <a:solidFill>
+                <a:schemeClr val="tx1"/>
+              </a:solidFill>
+              <a:latin typeface="Arial" panose="020B0604020202020204" pitchFamily="34" charset="0"/>
+              <a:cs typeface="Arial" panose="020B0604020202020204" pitchFamily="34" charset="0"/>
+            </a:endParaRPr>
+          </a:p>
+          <a:p>
+            <a:pPr marL="457200" indent="-457200">
+              <a:spcBef>
+                <a:spcPts val="1200"/>
+              </a:spcBef>
+              <a:buAutoNum type="arabicPeriod"/>
+            </a:pPr>
+            <a:r>
+              <a:rPr lang="en-US" sz="2400" dirty="0" smtClean="0">
+                <a:solidFill>
+                  <a:schemeClr val="tx1"/>
+                </a:solidFill>
+                <a:latin typeface="Arial" panose="020B0604020202020204" pitchFamily="34" charset="0"/>
+                <a:cs typeface="Arial" panose="020B0604020202020204" pitchFamily="34" charset="0"/>
+              </a:rPr>
+              <a:t>Nội dung và các bước thực hiện.</a:t>
+            </a:r>
+            <a:endParaRPr lang="en-US" sz="2400" dirty="0">
+              <a:solidFill>
+                <a:schemeClr val="tx1"/>
+              </a:solidFill>
+              <a:latin typeface="Arial" panose="020B0604020202020204" pitchFamily="34" charset="0"/>
+              <a:cs typeface="Arial" panose="020B0604020202020204" pitchFamily="34" charset="0"/>
+            </a:endParaRPr>
+          </a:p>
+          <a:p>
+            <a:pPr marL="457200" indent="-457200">
+              <a:spcBef>
+                <a:spcPts val="1200"/>
+              </a:spcBef>
+              <a:buAutoNum type="arabicPeriod"/>
+            </a:pPr>
+            <a:r>
+              <a:rPr lang="en-US" sz="2400" dirty="0" smtClean="0">
+                <a:solidFill>
+                  <a:schemeClr val="tx1"/>
+                </a:solidFill>
+                <a:latin typeface="Arial" panose="020B0604020202020204" pitchFamily="34" charset="0"/>
+                <a:cs typeface="Arial" panose="020B0604020202020204" pitchFamily="34" charset="0"/>
+              </a:rPr>
+              <a:t>Kết quả đạt được.</a:t>
+            </a:r>
+            <a:endParaRPr lang="en-US" sz="2400" dirty="0">
+              <a:solidFill>
+                <a:schemeClr val="tx1"/>
+              </a:solidFill>
+              <a:latin typeface="Arial" panose="020B0604020202020204" pitchFamily="34" charset="0"/>
+              <a:cs typeface="Arial" panose="020B0604020202020204" pitchFamily="34" charset="0"/>
+            </a:endParaRPr>
+          </a:p>
+          <a:p>
+            <a:pPr marL="457200" indent="-457200">
+              <a:spcBef>
+                <a:spcPts val="1200"/>
+              </a:spcBef>
+              <a:buAutoNum type="arabicPeriod"/>
+            </a:pPr>
+            <a:r>
+              <a:rPr lang="en-US" sz="2400" dirty="0" smtClean="0">
+                <a:solidFill>
+                  <a:schemeClr val="tx1"/>
+                </a:solidFill>
+                <a:latin typeface="Arial" panose="020B0604020202020204" pitchFamily="34" charset="0"/>
+                <a:cs typeface="Arial" panose="020B0604020202020204" pitchFamily="34" charset="0"/>
+              </a:rPr>
+              <a:t>Kết luận và hướng phát triển.</a:t>
+            </a:r>
+          </a:p>
+          <a:p>
+            <a:pPr marL="457200" indent="-457200">
+              <a:spcBef>
+                <a:spcPts val="1200"/>
+              </a:spcBef>
+              <a:buAutoNum type="arabicPeriod"/>
+            </a:pPr>
+            <a:r>
+              <a:rPr lang="en-US" sz="2400" dirty="0">
+                <a:solidFill>
+                  <a:schemeClr val="tx1"/>
+                </a:solidFill>
+                <a:latin typeface="Arial" panose="020B0604020202020204" pitchFamily="34" charset="0"/>
+                <a:cs typeface="Arial" panose="020B0604020202020204" pitchFamily="34" charset="0"/>
+              </a:rPr>
+              <a:t>Demo ứng </a:t>
+            </a:r>
+            <a:r>
+              <a:rPr lang="en-US" sz="2400" dirty="0" smtClean="0">
+                <a:solidFill>
+                  <a:schemeClr val="tx1"/>
+                </a:solidFill>
+                <a:latin typeface="Arial" panose="020B0604020202020204" pitchFamily="34" charset="0"/>
+                <a:cs typeface="Arial" panose="020B0604020202020204" pitchFamily="34" charset="0"/>
+              </a:rPr>
+              <a:t>dụng.</a:t>
+            </a:r>
+            <a:endParaRPr lang="en-US" sz="2400" dirty="0">
+              <a:solidFill>
+                <a:schemeClr val="tx1"/>
+              </a:solidFill>
+              <a:latin typeface="Arial" panose="020B0604020202020204" pitchFamily="34" charset="0"/>
+              <a:cs typeface="Arial" panose="020B0604020202020204" pitchFamily="34" charset="0"/>
+            </a:endParaRPr>
+          </a:p>
+        </p:txBody>
+      </p:sp>
+      <p:sp>
+        <p:nvSpPr>
+          <p:cNvPr id="7" name="Title 1"/>
+          <p:cNvSpPr txBox="1">
+            <a:spLocks/>
+          </p:cNvSpPr>
+          <p:nvPr/>
+        </p:nvSpPr>
+        <p:spPr>
+          <a:xfrm>
+            <a:off x="523461" y="1066800"/>
+            <a:ext cx="7924800" cy="487362"/>
+          </a:xfrm>
+          <a:prstGeom prst="rect">
+            <a:avLst/>
+          </a:prstGeom>
+        </p:spPr>
+        <p:txBody>
+          <a:bodyPr vert="horz" lIns="91440" tIns="45720" rIns="91440" bIns="45720" rtlCol="0" anchor="ctr">
+            <a:normAutofit fontScale="97500"/>
+          </a:bodyPr>
+          <a:lstStyle>
+            <a:lvl1pPr algn="l" defTabSz="914400" rtl="0" eaLnBrk="1" latinLnBrk="0" hangingPunct="1">
+              <a:spcBef>
+                <a:spcPct val="0"/>
+              </a:spcBef>
+              <a:buNone/>
+              <a:defRPr sz="4400" kern="1200">
+                <a:solidFill>
+                  <a:schemeClr val="bg1"/>
+                </a:solidFill>
+                <a:latin typeface="Segoe UI Semilight" pitchFamily="34" charset="0"/>
+                <a:ea typeface="+mj-ea"/>
+                <a:cs typeface="Segoe UI Semilight" pitchFamily="34" charset="0"/>
+              </a:defRPr>
+            </a:lvl1pPr>
+          </a:lstStyle>
+          <a:p>
+            <a:pPr algn="ctr"/>
+            <a:endParaRPr lang="en-US" sz="2600" dirty="0">
+              <a:solidFill>
+                <a:schemeClr val="tx1"/>
+              </a:solidFill>
+              <a:latin typeface="Times New Roman" panose="02020603050405020304" pitchFamily="18" charset="0"/>
+              <a:cs typeface="Times New Roman" panose="02020603050405020304" pitchFamily="18" charset="0"/>
+            </a:endParaRPr>
+          </a:p>
+        </p:txBody>
+      </p:sp>
+    </p:spTree>
+    <p:extLst>
+      <p:ext uri="{BB962C8B-B14F-4D97-AF65-F5344CB8AC3E}">
+        <p14:creationId xmlns:p14="http://schemas.microsoft.com/office/powerpoint/2010/main" val="2637767275"/>
+      </p:ext>
+    </p:extLst>
+  </p:cSld>
+  <p:clrMapOvr>
+    <a:masterClrMapping/>
+  </p:clrMapOvr>
+  <p:timing>
+    <p:tnLst>
+      <p:par>
+        <p:cTn id="1" dur="indefinite" restart="never" nodeType="tmRoot"/>
+      </p:par>
+    </p:tnLst>
+  </p:timing>
+</p:sld>
+</file>
+
+<file path=ppt/slides/slide20.xml><?xml version="1.0" encoding="utf-8"?>
+<p:sld xmlns:a="http://schemas.openxmlformats.org/drawingml/2006/main" xmlns:r="http://schemas.openxmlformats.org/officeDocument/2006/relationships" xmlns:p="http://schemas.openxmlformats.org/presentationml/2006/main">
+  <p:cSld>
+    <p:spTree>
+      <p:nvGrpSpPr>
+        <p:cNvPr id="1" name=""/>
+        <p:cNvGrpSpPr/>
+        <p:nvPr/>
+      </p:nvGrpSpPr>
+      <p:grpSpPr>
+        <a:xfrm>
+          <a:off x="0" y="0"/>
+          <a:ext cx="0" cy="0"/>
+          <a:chOff x="0" y="0"/>
+          <a:chExt cx="0" cy="0"/>
+        </a:xfrm>
+      </p:grpSpPr>
+      <p:sp>
+        <p:nvSpPr>
+          <p:cNvPr id="3" name="Date Placeholder 2"/>
+          <p:cNvSpPr>
+            <a:spLocks noGrp="1"/>
+          </p:cNvSpPr>
+          <p:nvPr>
+            <p:ph type="dt" sz="half" idx="10"/>
+          </p:nvPr>
+        </p:nvSpPr>
+        <p:spPr/>
+        <p:txBody>
+          <a:bodyPr/>
+          <a:lstStyle/>
+          <a:p>
+            <a:r>
+              <a:rPr lang="en-US"/>
+              <a:t>10/13/2017</a:t>
+            </a:r>
+          </a:p>
+        </p:txBody>
+      </p:sp>
+      <p:sp>
+        <p:nvSpPr>
+          <p:cNvPr id="4" name="Footer Placeholder 3"/>
+          <p:cNvSpPr>
+            <a:spLocks noGrp="1"/>
+          </p:cNvSpPr>
+          <p:nvPr>
+            <p:ph type="ftr" sz="quarter" idx="11"/>
+          </p:nvPr>
+        </p:nvSpPr>
+        <p:spPr/>
+        <p:txBody>
+          <a:bodyPr/>
+          <a:lstStyle/>
+          <a:p>
+            <a:endParaRPr lang="en-US"/>
+          </a:p>
+        </p:txBody>
+      </p:sp>
+      <p:sp>
+        <p:nvSpPr>
+          <p:cNvPr id="5" name="Slide Number Placeholder 4"/>
+          <p:cNvSpPr>
+            <a:spLocks noGrp="1"/>
+          </p:cNvSpPr>
+          <p:nvPr>
+            <p:ph type="sldNum" sz="quarter" idx="12"/>
+          </p:nvPr>
+        </p:nvSpPr>
+        <p:spPr/>
+        <p:txBody>
+          <a:bodyPr/>
+          <a:lstStyle/>
+          <a:p>
+            <a:fld id="{FF387971-9C3B-49A6-8D58-3AFB2456A1FB}" type="slidenum">
+              <a:rPr lang="en-US" smtClean="0"/>
+              <a:t>20</a:t>
             </a:fld>
             <a:endParaRPr lang="en-US"/>
           </a:p>
@@ -8023,7 +7900,7 @@
 </p:sld>
 </file>
 
-<file path=ppt/slides/slide22.xml><?xml version="1.0" encoding="utf-8"?>
+<file path=ppt/slides/slide21.xml><?xml version="1.0" encoding="utf-8"?>
 <p:sld xmlns:a="http://schemas.openxmlformats.org/drawingml/2006/main" xmlns:r="http://schemas.openxmlformats.org/officeDocument/2006/relationships" xmlns:p="http://schemas.openxmlformats.org/presentationml/2006/main">
   <p:cSld>
     <p:spTree>
@@ -8098,7 +7975,7 @@
           <a:p>
             <a:fld id="{FF387971-9C3B-49A6-8D58-3AFB2456A1FB}" type="slidenum">
               <a:rPr lang="en-US" smtClean="0"/>
-              <a:t>22</a:t>
+              <a:t>21</a:t>
             </a:fld>
             <a:endParaRPr lang="en-US"/>
           </a:p>
@@ -8187,6 +8064,360 @@
 </p:sld>
 </file>
 
+<file path=ppt/slides/slide22.xml><?xml version="1.0" encoding="utf-8"?>
+<p:sld xmlns:a="http://schemas.openxmlformats.org/drawingml/2006/main" xmlns:r="http://schemas.openxmlformats.org/officeDocument/2006/relationships" xmlns:p="http://schemas.openxmlformats.org/presentationml/2006/main">
+  <p:cSld>
+    <p:spTree>
+      <p:nvGrpSpPr>
+        <p:cNvPr id="1" name=""/>
+        <p:cNvGrpSpPr/>
+        <p:nvPr/>
+      </p:nvGrpSpPr>
+      <p:grpSpPr>
+        <a:xfrm>
+          <a:off x="0" y="0"/>
+          <a:ext cx="0" cy="0"/>
+          <a:chOff x="0" y="0"/>
+          <a:chExt cx="0" cy="0"/>
+        </a:xfrm>
+      </p:grpSpPr>
+      <p:sp>
+        <p:nvSpPr>
+          <p:cNvPr id="8" name="Subtitle 7"/>
+          <p:cNvSpPr>
+            <a:spLocks noGrp="1"/>
+          </p:cNvSpPr>
+          <p:nvPr>
+            <p:ph type="subTitle" idx="1"/>
+          </p:nvPr>
+        </p:nvSpPr>
+        <p:spPr>
+          <a:xfrm>
+            <a:off x="609600" y="1295400"/>
+            <a:ext cx="8077200" cy="4343400"/>
+          </a:xfrm>
+        </p:spPr>
+        <p:txBody>
+          <a:bodyPr>
+            <a:noAutofit/>
+          </a:bodyPr>
+          <a:lstStyle/>
+          <a:p>
+            <a:pPr marL="342900" indent="-342900" algn="l">
+              <a:buFont typeface="Wingdings" panose="05000000000000000000" pitchFamily="2" charset="2"/>
+              <a:buChar char="Ø"/>
+            </a:pPr>
+            <a:r>
+              <a:rPr lang="en-US" sz="2400" dirty="0">
+                <a:solidFill>
+                  <a:schemeClr val="tx1"/>
+                </a:solidFill>
+                <a:latin typeface="Arial" panose="020B0604020202020204" pitchFamily="34" charset="0"/>
+                <a:cs typeface="Arial" panose="020B0604020202020204" pitchFamily="34" charset="0"/>
+              </a:rPr>
+              <a:t>Trong quá trình thực hiện đề tài này, nhóm em đã đạt được kết quả như sau: Củng cố lại kiến thức đã được học, tìm hiểu một số công nghệ mới, xây dựng được ứng dụng</a:t>
+            </a:r>
+            <a:r>
+              <a:rPr lang="en-US" sz="2400" dirty="0" smtClean="0">
+                <a:solidFill>
+                  <a:schemeClr val="tx1"/>
+                </a:solidFill>
+                <a:latin typeface="Arial" panose="020B0604020202020204" pitchFamily="34" charset="0"/>
+                <a:cs typeface="Arial" panose="020B0604020202020204" pitchFamily="34" charset="0"/>
+              </a:rPr>
+              <a:t>.</a:t>
+            </a:r>
+          </a:p>
+          <a:p>
+            <a:pPr algn="l"/>
+            <a:endParaRPr lang="en-US" sz="2400" dirty="0">
+              <a:solidFill>
+                <a:schemeClr val="tx1"/>
+              </a:solidFill>
+              <a:latin typeface="Arial" panose="020B0604020202020204" pitchFamily="34" charset="0"/>
+              <a:cs typeface="Arial" panose="020B0604020202020204" pitchFamily="34" charset="0"/>
+            </a:endParaRPr>
+          </a:p>
+          <a:p>
+            <a:pPr marL="342900" indent="-342900" algn="l">
+              <a:buFont typeface="Wingdings" panose="05000000000000000000" pitchFamily="2" charset="2"/>
+              <a:buChar char="Ø"/>
+            </a:pPr>
+            <a:r>
+              <a:rPr lang="en-US" sz="2400" dirty="0">
+                <a:solidFill>
+                  <a:schemeClr val="tx1"/>
+                </a:solidFill>
+                <a:latin typeface="Arial" panose="020B0604020202020204" pitchFamily="34" charset="0"/>
+                <a:cs typeface="Arial" panose="020B0604020202020204" pitchFamily="34" charset="0"/>
+              </a:rPr>
+              <a:t>Ứng dụng học K’Ho là ứng dụng hữu ích phục vụ cho việc phục vụ cho việc dạy, học tập và tìm hiểu về dân tộc K’Ho. Có các chức năng cơ bản của ứng dụng học ngôn ngữ.</a:t>
+            </a:r>
+          </a:p>
+          <a:p>
+            <a:pPr marL="342900" indent="-342900" algn="l">
+              <a:buFont typeface="Wingdings" panose="05000000000000000000" pitchFamily="2" charset="2"/>
+              <a:buChar char="Ø"/>
+            </a:pPr>
+            <a:endParaRPr lang="en-US" sz="2400" dirty="0" smtClean="0">
+              <a:solidFill>
+                <a:schemeClr val="tx1"/>
+              </a:solidFill>
+              <a:latin typeface="Arial" panose="020B0604020202020204" pitchFamily="34" charset="0"/>
+              <a:cs typeface="Arial" panose="020B0604020202020204" pitchFamily="34" charset="0"/>
+            </a:endParaRPr>
+          </a:p>
+        </p:txBody>
+      </p:sp>
+      <p:sp>
+        <p:nvSpPr>
+          <p:cNvPr id="3" name="Date Placeholder 2"/>
+          <p:cNvSpPr>
+            <a:spLocks noGrp="1"/>
+          </p:cNvSpPr>
+          <p:nvPr>
+            <p:ph type="dt" sz="half" idx="10"/>
+          </p:nvPr>
+        </p:nvSpPr>
+        <p:spPr/>
+        <p:txBody>
+          <a:bodyPr/>
+          <a:lstStyle/>
+          <a:p>
+            <a:r>
+              <a:rPr lang="en-US"/>
+              <a:t>10/13/2017</a:t>
+            </a:r>
+          </a:p>
+        </p:txBody>
+      </p:sp>
+      <p:sp>
+        <p:nvSpPr>
+          <p:cNvPr id="4" name="Footer Placeholder 3"/>
+          <p:cNvSpPr>
+            <a:spLocks noGrp="1"/>
+          </p:cNvSpPr>
+          <p:nvPr>
+            <p:ph type="ftr" sz="quarter" idx="11"/>
+          </p:nvPr>
+        </p:nvSpPr>
+        <p:spPr/>
+        <p:txBody>
+          <a:bodyPr/>
+          <a:lstStyle/>
+          <a:p>
+            <a:endParaRPr lang="en-US"/>
+          </a:p>
+        </p:txBody>
+      </p:sp>
+      <p:sp>
+        <p:nvSpPr>
+          <p:cNvPr id="5" name="Slide Number Placeholder 4"/>
+          <p:cNvSpPr>
+            <a:spLocks noGrp="1"/>
+          </p:cNvSpPr>
+          <p:nvPr>
+            <p:ph type="sldNum" sz="quarter" idx="12"/>
+          </p:nvPr>
+        </p:nvSpPr>
+        <p:spPr/>
+        <p:txBody>
+          <a:bodyPr/>
+          <a:lstStyle/>
+          <a:p>
+            <a:fld id="{FF387971-9C3B-49A6-8D58-3AFB2456A1FB}" type="slidenum">
+              <a:rPr lang="en-US" smtClean="0"/>
+              <a:t>22</a:t>
+            </a:fld>
+            <a:endParaRPr lang="en-US"/>
+          </a:p>
+        </p:txBody>
+      </p:sp>
+      <p:sp>
+        <p:nvSpPr>
+          <p:cNvPr id="6" name="Title 1"/>
+          <p:cNvSpPr txBox="1">
+            <a:spLocks/>
+          </p:cNvSpPr>
+          <p:nvPr/>
+        </p:nvSpPr>
+        <p:spPr>
+          <a:xfrm>
+            <a:off x="609600" y="1295400"/>
+            <a:ext cx="8077200" cy="4495800"/>
+          </a:xfrm>
+          <a:prstGeom prst="rect">
+            <a:avLst/>
+          </a:prstGeom>
+        </p:spPr>
+        <p:txBody>
+          <a:bodyPr vert="horz" lIns="91440" tIns="45720" rIns="91440" bIns="45720" rtlCol="0" anchor="ctr">
+            <a:normAutofit/>
+          </a:bodyPr>
+          <a:lstStyle>
+            <a:lvl1pPr algn="l" defTabSz="914400" rtl="0" eaLnBrk="1" latinLnBrk="0" hangingPunct="1">
+              <a:spcBef>
+                <a:spcPct val="0"/>
+              </a:spcBef>
+              <a:buNone/>
+              <a:defRPr sz="4400" kern="1200">
+                <a:solidFill>
+                  <a:schemeClr val="bg1"/>
+                </a:solidFill>
+                <a:latin typeface="Segoe UI Semilight" pitchFamily="34" charset="0"/>
+                <a:ea typeface="+mj-ea"/>
+                <a:cs typeface="Segoe UI Semilight" pitchFamily="34" charset="0"/>
+              </a:defRPr>
+            </a:lvl1pPr>
+          </a:lstStyle>
+          <a:p>
+            <a:pPr marL="342900" indent="-342900" algn="just">
+              <a:spcBef>
+                <a:spcPts val="1200"/>
+              </a:spcBef>
+              <a:buClr>
+                <a:schemeClr val="tx1"/>
+              </a:buClr>
+              <a:buFont typeface="Wingdings" panose="05000000000000000000" pitchFamily="2" charset="2"/>
+              <a:buChar char="Ø"/>
+            </a:pPr>
+            <a:endParaRPr lang="en-US" sz="2400" dirty="0">
+              <a:solidFill>
+                <a:schemeClr val="tx1"/>
+              </a:solidFill>
+              <a:latin typeface="Arial" panose="020B0604020202020204" pitchFamily="34" charset="0"/>
+              <a:cs typeface="Arial" panose="020B0604020202020204" pitchFamily="34" charset="0"/>
+            </a:endParaRPr>
+          </a:p>
+        </p:txBody>
+      </p:sp>
+      <p:sp>
+        <p:nvSpPr>
+          <p:cNvPr id="7" name="Title 1">
+            <a:extLst>
+              <a:ext uri="{FF2B5EF4-FFF2-40B4-BE49-F238E27FC236}">
+                <a16:creationId xmlns:a16="http://schemas.microsoft.com/office/drawing/2014/main" xmlns="" id="{A26F03AE-A5EF-4A37-AD0A-4A124D961228}"/>
+              </a:ext>
+            </a:extLst>
+          </p:cNvPr>
+          <p:cNvSpPr txBox="1">
+            <a:spLocks/>
+          </p:cNvSpPr>
+          <p:nvPr/>
+        </p:nvSpPr>
+        <p:spPr>
+          <a:xfrm>
+            <a:off x="0" y="0"/>
+            <a:ext cx="9144000" cy="884238"/>
+          </a:xfrm>
+          <a:prstGeom prst="rect">
+            <a:avLst/>
+          </a:prstGeom>
+          <a:ln w="3175">
+            <a:solidFill>
+              <a:schemeClr val="tx1"/>
+            </a:solidFill>
+          </a:ln>
+        </p:spPr>
+        <p:txBody>
+          <a:bodyPr vert="horz" lIns="91440" tIns="45720" rIns="91440" bIns="45720" rtlCol="0" anchor="ctr">
+            <a:noAutofit/>
+          </a:bodyPr>
+          <a:lstStyle>
+            <a:lvl1pPr algn="l" defTabSz="914400" rtl="0" eaLnBrk="1" latinLnBrk="0" hangingPunct="1">
+              <a:spcBef>
+                <a:spcPct val="0"/>
+              </a:spcBef>
+              <a:buNone/>
+              <a:defRPr sz="4400" kern="1200">
+                <a:solidFill>
+                  <a:schemeClr val="bg1"/>
+                </a:solidFill>
+                <a:latin typeface="Segoe UI Semilight" pitchFamily="34" charset="0"/>
+                <a:ea typeface="+mj-ea"/>
+                <a:cs typeface="Segoe UI Semilight" pitchFamily="34" charset="0"/>
+              </a:defRPr>
+            </a:lvl1pPr>
+          </a:lstStyle>
+          <a:p>
+            <a:pPr algn="ctr"/>
+            <a:r>
+              <a:rPr lang="en-US" sz="3600" dirty="0" smtClean="0">
+                <a:ln w="3175">
+                  <a:solidFill>
+                    <a:schemeClr val="accent6">
+                      <a:lumMod val="75000"/>
+                    </a:schemeClr>
+                  </a:solidFill>
+                </a:ln>
+                <a:solidFill>
+                  <a:schemeClr val="accent6">
+                    <a:lumMod val="75000"/>
+                  </a:schemeClr>
+                </a:solidFill>
+                <a:latin typeface="Arial" panose="020B0604020202020204" pitchFamily="34" charset="0"/>
+                <a:cs typeface="Arial" panose="020B0604020202020204" pitchFamily="34" charset="0"/>
+              </a:rPr>
+              <a:t>5.1 </a:t>
+            </a:r>
+            <a:r>
+              <a:rPr lang="en-US" sz="3600" dirty="0" smtClean="0">
+                <a:ln w="3175">
+                  <a:solidFill>
+                    <a:schemeClr val="accent6">
+                      <a:lumMod val="75000"/>
+                    </a:schemeClr>
+                  </a:solidFill>
+                </a:ln>
+                <a:solidFill>
+                  <a:schemeClr val="accent6">
+                    <a:lumMod val="75000"/>
+                  </a:schemeClr>
+                </a:solidFill>
+                <a:latin typeface="Arial" panose="020B0604020202020204" pitchFamily="34" charset="0"/>
+                <a:cs typeface="Arial" panose="020B0604020202020204" pitchFamily="34" charset="0"/>
+              </a:rPr>
+              <a:t>Kết luận</a:t>
+            </a:r>
+            <a:endParaRPr lang="en-US" sz="3600" dirty="0">
+              <a:ln w="3175">
+                <a:solidFill>
+                  <a:schemeClr val="accent6">
+                    <a:lumMod val="75000"/>
+                  </a:schemeClr>
+                </a:solidFill>
+              </a:ln>
+              <a:solidFill>
+                <a:schemeClr val="accent6">
+                  <a:lumMod val="75000"/>
+                </a:schemeClr>
+              </a:solidFill>
+              <a:latin typeface="Arial" panose="020B0604020202020204" pitchFamily="34" charset="0"/>
+              <a:cs typeface="Arial" panose="020B0604020202020204" pitchFamily="34" charset="0"/>
+            </a:endParaRPr>
+          </a:p>
+        </p:txBody>
+      </p:sp>
+    </p:spTree>
+    <p:extLst>
+      <p:ext uri="{BB962C8B-B14F-4D97-AF65-F5344CB8AC3E}">
+        <p14:creationId xmlns:p14="http://schemas.microsoft.com/office/powerpoint/2010/main" val="2816934427"/>
+      </p:ext>
+    </p:extLst>
+  </p:cSld>
+  <p:clrMapOvr>
+    <a:masterClrMapping/>
+  </p:clrMapOvr>
+  <p:timing>
+    <p:tnLst>
+      <p:par>
+        <p:cTn id="1" dur="indefinite" restart="never" nodeType="tmRoot"/>
+      </p:par>
+    </p:tnLst>
+  </p:timing>
+</p:sld>
+</file>
+
 <file path=ppt/slides/slide23.xml><?xml version="1.0" encoding="utf-8"?>
 <p:sld xmlns:a="http://schemas.openxmlformats.org/drawingml/2006/main" xmlns:r="http://schemas.openxmlformats.org/officeDocument/2006/relationships" xmlns:p="http://schemas.openxmlformats.org/presentationml/2006/main">
   <p:cSld>
@@ -8206,6 +8437,153 @@
       </p:grpSpPr>
       <p:sp>
         <p:nvSpPr>
+          <p:cNvPr id="8" name="Subtitle 7"/>
+          <p:cNvSpPr>
+            <a:spLocks noGrp="1"/>
+          </p:cNvSpPr>
+          <p:nvPr>
+            <p:ph type="subTitle" idx="1"/>
+          </p:nvPr>
+        </p:nvSpPr>
+        <p:spPr>
+          <a:xfrm>
+            <a:off x="609600" y="1295400"/>
+            <a:ext cx="8077200" cy="4343400"/>
+          </a:xfrm>
+        </p:spPr>
+        <p:txBody>
+          <a:bodyPr>
+            <a:noAutofit/>
+          </a:bodyPr>
+          <a:lstStyle/>
+          <a:p>
+            <a:pPr algn="l"/>
+            <a:r>
+              <a:rPr lang="en-US" sz="2000" dirty="0">
+                <a:solidFill>
+                  <a:schemeClr val="tx1"/>
+                </a:solidFill>
+                <a:latin typeface="Arial" panose="020B0604020202020204" pitchFamily="34" charset="0"/>
+                <a:cs typeface="Arial" panose="020B0604020202020204" pitchFamily="34" charset="0"/>
+              </a:rPr>
+              <a:t>Tuy nhiên, do hạn chế về mặt thời gian cũng như ngôn ngữ nên ứng dụng của nhóm em vẫn còn nhiều thiếu sót cần hoàn thiện một số nội dung</a:t>
+            </a:r>
+            <a:r>
+              <a:rPr lang="en-US" sz="2000" dirty="0" smtClean="0">
+                <a:solidFill>
+                  <a:schemeClr val="tx1"/>
+                </a:solidFill>
+                <a:latin typeface="Arial" panose="020B0604020202020204" pitchFamily="34" charset="0"/>
+                <a:cs typeface="Arial" panose="020B0604020202020204" pitchFamily="34" charset="0"/>
+              </a:rPr>
+              <a:t>:</a:t>
+            </a:r>
+            <a:endParaRPr lang="en-US" sz="2000" dirty="0">
+              <a:solidFill>
+                <a:schemeClr val="tx1"/>
+              </a:solidFill>
+              <a:latin typeface="Arial" panose="020B0604020202020204" pitchFamily="34" charset="0"/>
+              <a:cs typeface="Arial" panose="020B0604020202020204" pitchFamily="34" charset="0"/>
+            </a:endParaRPr>
+          </a:p>
+          <a:p>
+            <a:pPr marL="800100" lvl="1" indent="-342900" algn="l">
+              <a:buFont typeface="Wingdings" panose="05000000000000000000" pitchFamily="2" charset="2"/>
+              <a:buChar char="Ø"/>
+            </a:pPr>
+            <a:r>
+              <a:rPr lang="en-US" sz="2000" dirty="0">
+                <a:solidFill>
+                  <a:schemeClr val="tx1"/>
+                </a:solidFill>
+                <a:latin typeface="Arial" panose="020B0604020202020204" pitchFamily="34" charset="0"/>
+                <a:cs typeface="Arial" panose="020B0604020202020204" pitchFamily="34" charset="0"/>
+              </a:rPr>
+              <a:t>Các chức năng của ứng dụng chưa được tối ưu.</a:t>
+            </a:r>
+          </a:p>
+          <a:p>
+            <a:pPr marL="800100" lvl="1" indent="-342900" algn="l">
+              <a:buFont typeface="Wingdings" panose="05000000000000000000" pitchFamily="2" charset="2"/>
+              <a:buChar char="Ø"/>
+            </a:pPr>
+            <a:r>
+              <a:rPr lang="en-US" sz="2000" dirty="0">
+                <a:solidFill>
+                  <a:schemeClr val="tx1"/>
+                </a:solidFill>
+                <a:latin typeface="Arial" panose="020B0604020202020204" pitchFamily="34" charset="0"/>
+                <a:cs typeface="Arial" panose="020B0604020202020204" pitchFamily="34" charset="0"/>
+              </a:rPr>
+              <a:t>Hoàn thiện dữ liệu: từ vựng, âm thanh, hình ảnh.</a:t>
+            </a:r>
+          </a:p>
+          <a:p>
+            <a:pPr marL="800100" lvl="1" indent="-342900" algn="l">
+              <a:buFont typeface="Wingdings" panose="05000000000000000000" pitchFamily="2" charset="2"/>
+              <a:buChar char="Ø"/>
+            </a:pPr>
+            <a:r>
+              <a:rPr lang="en-US" sz="2000" dirty="0">
+                <a:solidFill>
+                  <a:schemeClr val="tx1"/>
+                </a:solidFill>
+                <a:latin typeface="Arial" panose="020B0604020202020204" pitchFamily="34" charset="0"/>
+                <a:cs typeface="Arial" panose="020B0604020202020204" pitchFamily="34" charset="0"/>
+              </a:rPr>
+              <a:t>Tra cứu đoạn văn bản, từ đồng nghĩa, từ trái nghĩa</a:t>
+            </a:r>
+            <a:r>
+              <a:rPr lang="en-US" sz="2000" dirty="0" smtClean="0">
+                <a:solidFill>
+                  <a:schemeClr val="tx1"/>
+                </a:solidFill>
+                <a:latin typeface="Arial" panose="020B0604020202020204" pitchFamily="34" charset="0"/>
+                <a:cs typeface="Arial" panose="020B0604020202020204" pitchFamily="34" charset="0"/>
+              </a:rPr>
+              <a:t>.</a:t>
+            </a:r>
+          </a:p>
+          <a:p>
+            <a:pPr algn="l"/>
+            <a:r>
+              <a:rPr lang="en-US" sz="2000" dirty="0" smtClean="0">
+                <a:solidFill>
+                  <a:schemeClr val="tx1"/>
+                </a:solidFill>
+                <a:latin typeface="Arial" panose="020B0604020202020204" pitchFamily="34" charset="0"/>
+                <a:cs typeface="Arial" panose="020B0604020202020204" pitchFamily="34" charset="0"/>
+              </a:rPr>
+              <a:t>Do </a:t>
+            </a:r>
+            <a:r>
+              <a:rPr lang="en-US" sz="2000" dirty="0">
+                <a:solidFill>
+                  <a:schemeClr val="tx1"/>
+                </a:solidFill>
+                <a:latin typeface="Arial" panose="020B0604020202020204" pitchFamily="34" charset="0"/>
+                <a:cs typeface="Arial" panose="020B0604020202020204" pitchFamily="34" charset="0"/>
+              </a:rPr>
+              <a:t>việc ứng dụng khoa học công nghệ vào nghiên cứu ngôn ngữ của đồng bào thiểu số cũng như việc dạy và học ngôn ngữ các dân tộc thiểu số chưa được phổ biến, nên hướng phát triển của đề tài còn rộng như: ứng dụng dạy tiếng K’Ho, dịch tự động giữa tiếng K’Ho và các ngôn ngữ khác, nhận dạng và tổng hợp tiếng K’Ho, …</a:t>
+            </a:r>
+          </a:p>
+          <a:p>
+            <a:pPr marL="342900" indent="-342900" algn="l">
+              <a:buFont typeface="Wingdings" panose="05000000000000000000" pitchFamily="2" charset="2"/>
+              <a:buChar char="Ø"/>
+            </a:pPr>
+            <a:endParaRPr lang="en-US" sz="2000" dirty="0" smtClean="0">
+              <a:solidFill>
+                <a:schemeClr val="tx1"/>
+              </a:solidFill>
+              <a:latin typeface="Arial" panose="020B0604020202020204" pitchFamily="34" charset="0"/>
+              <a:cs typeface="Arial" panose="020B0604020202020204" pitchFamily="34" charset="0"/>
+            </a:endParaRPr>
+          </a:p>
+        </p:txBody>
+      </p:sp>
+      <p:sp>
+        <p:nvSpPr>
           <p:cNvPr id="3" name="Date Placeholder 2"/>
           <p:cNvSpPr>
             <a:spLocks noGrp="1"/>
@@ -8263,6 +8641,472 @@
             <a:fld id="{FF387971-9C3B-49A6-8D58-3AFB2456A1FB}" type="slidenum">
               <a:rPr lang="en-US" smtClean="0"/>
               <a:t>23</a:t>
+            </a:fld>
+            <a:endParaRPr lang="en-US"/>
+          </a:p>
+        </p:txBody>
+      </p:sp>
+      <p:sp>
+        <p:nvSpPr>
+          <p:cNvPr id="6" name="Title 1"/>
+          <p:cNvSpPr txBox="1">
+            <a:spLocks/>
+          </p:cNvSpPr>
+          <p:nvPr/>
+        </p:nvSpPr>
+        <p:spPr>
+          <a:xfrm>
+            <a:off x="609600" y="1295400"/>
+            <a:ext cx="8077200" cy="4495800"/>
+          </a:xfrm>
+          <a:prstGeom prst="rect">
+            <a:avLst/>
+          </a:prstGeom>
+        </p:spPr>
+        <p:txBody>
+          <a:bodyPr vert="horz" lIns="91440" tIns="45720" rIns="91440" bIns="45720" rtlCol="0" anchor="ctr">
+            <a:normAutofit/>
+          </a:bodyPr>
+          <a:lstStyle>
+            <a:lvl1pPr algn="l" defTabSz="914400" rtl="0" eaLnBrk="1" latinLnBrk="0" hangingPunct="1">
+              <a:spcBef>
+                <a:spcPct val="0"/>
+              </a:spcBef>
+              <a:buNone/>
+              <a:defRPr sz="4400" kern="1200">
+                <a:solidFill>
+                  <a:schemeClr val="bg1"/>
+                </a:solidFill>
+                <a:latin typeface="Segoe UI Semilight" pitchFamily="34" charset="0"/>
+                <a:ea typeface="+mj-ea"/>
+                <a:cs typeface="Segoe UI Semilight" pitchFamily="34" charset="0"/>
+              </a:defRPr>
+            </a:lvl1pPr>
+          </a:lstStyle>
+          <a:p>
+            <a:pPr algn="just">
+              <a:spcBef>
+                <a:spcPts val="1200"/>
+              </a:spcBef>
+              <a:buClr>
+                <a:schemeClr val="tx1"/>
+              </a:buClr>
+            </a:pPr>
+            <a:endParaRPr lang="en-US" sz="2400" dirty="0">
+              <a:solidFill>
+                <a:schemeClr val="tx1"/>
+              </a:solidFill>
+              <a:latin typeface="Arial" panose="020B0604020202020204" pitchFamily="34" charset="0"/>
+              <a:cs typeface="Arial" panose="020B0604020202020204" pitchFamily="34" charset="0"/>
+            </a:endParaRPr>
+          </a:p>
+        </p:txBody>
+      </p:sp>
+      <p:sp>
+        <p:nvSpPr>
+          <p:cNvPr id="7" name="Title 1">
+            <a:extLst>
+              <a:ext uri="{FF2B5EF4-FFF2-40B4-BE49-F238E27FC236}">
+                <a16:creationId xmlns:a16="http://schemas.microsoft.com/office/drawing/2014/main" xmlns="" id="{A26F03AE-A5EF-4A37-AD0A-4A124D961228}"/>
+              </a:ext>
+            </a:extLst>
+          </p:cNvPr>
+          <p:cNvSpPr txBox="1">
+            <a:spLocks/>
+          </p:cNvSpPr>
+          <p:nvPr/>
+        </p:nvSpPr>
+        <p:spPr>
+          <a:xfrm>
+            <a:off x="0" y="0"/>
+            <a:ext cx="9144000" cy="884238"/>
+          </a:xfrm>
+          <a:prstGeom prst="rect">
+            <a:avLst/>
+          </a:prstGeom>
+          <a:ln w="3175">
+            <a:solidFill>
+              <a:schemeClr val="tx1"/>
+            </a:solidFill>
+          </a:ln>
+        </p:spPr>
+        <p:txBody>
+          <a:bodyPr vert="horz" lIns="91440" tIns="45720" rIns="91440" bIns="45720" rtlCol="0" anchor="ctr">
+            <a:noAutofit/>
+          </a:bodyPr>
+          <a:lstStyle>
+            <a:lvl1pPr algn="l" defTabSz="914400" rtl="0" eaLnBrk="1" latinLnBrk="0" hangingPunct="1">
+              <a:spcBef>
+                <a:spcPct val="0"/>
+              </a:spcBef>
+              <a:buNone/>
+              <a:defRPr sz="4400" kern="1200">
+                <a:solidFill>
+                  <a:schemeClr val="bg1"/>
+                </a:solidFill>
+                <a:latin typeface="Segoe UI Semilight" pitchFamily="34" charset="0"/>
+                <a:ea typeface="+mj-ea"/>
+                <a:cs typeface="Segoe UI Semilight" pitchFamily="34" charset="0"/>
+              </a:defRPr>
+            </a:lvl1pPr>
+          </a:lstStyle>
+          <a:p>
+            <a:pPr algn="ctr"/>
+            <a:r>
+              <a:rPr lang="en-US" sz="3600" dirty="0" smtClean="0">
+                <a:ln w="3175">
+                  <a:solidFill>
+                    <a:schemeClr val="accent6">
+                      <a:lumMod val="75000"/>
+                    </a:schemeClr>
+                  </a:solidFill>
+                </a:ln>
+                <a:solidFill>
+                  <a:schemeClr val="accent6">
+                    <a:lumMod val="75000"/>
+                  </a:schemeClr>
+                </a:solidFill>
+                <a:latin typeface="Arial" panose="020B0604020202020204" pitchFamily="34" charset="0"/>
+                <a:cs typeface="Arial" panose="020B0604020202020204" pitchFamily="34" charset="0"/>
+              </a:rPr>
+              <a:t>5.2 </a:t>
+            </a:r>
+            <a:r>
+              <a:rPr lang="en-US" sz="3600" dirty="0" smtClean="0">
+                <a:ln w="3175">
+                  <a:solidFill>
+                    <a:schemeClr val="accent6">
+                      <a:lumMod val="75000"/>
+                    </a:schemeClr>
+                  </a:solidFill>
+                </a:ln>
+                <a:solidFill>
+                  <a:schemeClr val="accent6">
+                    <a:lumMod val="75000"/>
+                  </a:schemeClr>
+                </a:solidFill>
+                <a:latin typeface="Arial" panose="020B0604020202020204" pitchFamily="34" charset="0"/>
+                <a:cs typeface="Arial" panose="020B0604020202020204" pitchFamily="34" charset="0"/>
+              </a:rPr>
+              <a:t>Hướng phát triển</a:t>
+            </a:r>
+            <a:endParaRPr lang="en-US" sz="3600" dirty="0">
+              <a:ln w="3175">
+                <a:solidFill>
+                  <a:schemeClr val="accent6">
+                    <a:lumMod val="75000"/>
+                  </a:schemeClr>
+                </a:solidFill>
+              </a:ln>
+              <a:solidFill>
+                <a:schemeClr val="accent6">
+                  <a:lumMod val="75000"/>
+                </a:schemeClr>
+              </a:solidFill>
+              <a:latin typeface="Arial" panose="020B0604020202020204" pitchFamily="34" charset="0"/>
+              <a:cs typeface="Arial" panose="020B0604020202020204" pitchFamily="34" charset="0"/>
+            </a:endParaRPr>
+          </a:p>
+        </p:txBody>
+      </p:sp>
+    </p:spTree>
+    <p:extLst>
+      <p:ext uri="{BB962C8B-B14F-4D97-AF65-F5344CB8AC3E}">
+        <p14:creationId xmlns:p14="http://schemas.microsoft.com/office/powerpoint/2010/main" val="510870723"/>
+      </p:ext>
+    </p:extLst>
+  </p:cSld>
+  <p:clrMapOvr>
+    <a:masterClrMapping/>
+  </p:clrMapOvr>
+  <p:timing>
+    <p:tnLst>
+      <p:par>
+        <p:cTn id="1" dur="indefinite" restart="never" nodeType="tmRoot"/>
+      </p:par>
+    </p:tnLst>
+  </p:timing>
+</p:sld>
+</file>
+
+<file path=ppt/slides/slide24.xml><?xml version="1.0" encoding="utf-8"?>
+<p:sld xmlns:a="http://schemas.openxmlformats.org/drawingml/2006/main" xmlns:r="http://schemas.openxmlformats.org/officeDocument/2006/relationships" xmlns:p="http://schemas.openxmlformats.org/presentationml/2006/main">
+  <p:cSld>
+    <p:spTree>
+      <p:nvGrpSpPr>
+        <p:cNvPr id="1" name=""/>
+        <p:cNvGrpSpPr/>
+        <p:nvPr/>
+      </p:nvGrpSpPr>
+      <p:grpSpPr>
+        <a:xfrm>
+          <a:off x="0" y="0"/>
+          <a:ext cx="0" cy="0"/>
+          <a:chOff x="0" y="0"/>
+          <a:chExt cx="0" cy="0"/>
+        </a:xfrm>
+      </p:grpSpPr>
+      <p:sp>
+        <p:nvSpPr>
+          <p:cNvPr id="4" name="Date Placeholder 3"/>
+          <p:cNvSpPr>
+            <a:spLocks noGrp="1"/>
+          </p:cNvSpPr>
+          <p:nvPr>
+            <p:ph type="dt" sz="half" idx="10"/>
+          </p:nvPr>
+        </p:nvSpPr>
+        <p:spPr/>
+        <p:txBody>
+          <a:bodyPr/>
+          <a:lstStyle/>
+          <a:p>
+            <a:r>
+              <a:rPr lang="en-US" smtClean="0"/>
+              <a:t>10/13/2017</a:t>
+            </a:r>
+            <a:endParaRPr lang="en-US"/>
+          </a:p>
+        </p:txBody>
+      </p:sp>
+      <p:sp>
+        <p:nvSpPr>
+          <p:cNvPr id="5" name="Footer Placeholder 4"/>
+          <p:cNvSpPr>
+            <a:spLocks noGrp="1"/>
+          </p:cNvSpPr>
+          <p:nvPr>
+            <p:ph type="ftr" sz="quarter" idx="11"/>
+          </p:nvPr>
+        </p:nvSpPr>
+        <p:spPr/>
+        <p:txBody>
+          <a:bodyPr/>
+          <a:lstStyle/>
+          <a:p>
+            <a:endParaRPr lang="en-US"/>
+          </a:p>
+        </p:txBody>
+      </p:sp>
+      <p:sp>
+        <p:nvSpPr>
+          <p:cNvPr id="6" name="Slide Number Placeholder 5"/>
+          <p:cNvSpPr>
+            <a:spLocks noGrp="1"/>
+          </p:cNvSpPr>
+          <p:nvPr>
+            <p:ph type="sldNum" sz="quarter" idx="12"/>
+          </p:nvPr>
+        </p:nvSpPr>
+        <p:spPr/>
+        <p:txBody>
+          <a:bodyPr/>
+          <a:lstStyle/>
+          <a:p>
+            <a:fld id="{FF387971-9C3B-49A6-8D58-3AFB2456A1FB}" type="slidenum">
+              <a:rPr lang="en-US" smtClean="0"/>
+              <a:t>24</a:t>
+            </a:fld>
+            <a:endParaRPr lang="en-US"/>
+          </a:p>
+        </p:txBody>
+      </p:sp>
+      <p:sp>
+        <p:nvSpPr>
+          <p:cNvPr id="7" name="Title 1">
+            <a:extLst>
+              <a:ext uri="{FF2B5EF4-FFF2-40B4-BE49-F238E27FC236}">
+                <a16:creationId xmlns:a16="http://schemas.microsoft.com/office/drawing/2014/main" xmlns="" id="{A26F03AE-A5EF-4A37-AD0A-4A124D961228}"/>
+              </a:ext>
+            </a:extLst>
+          </p:cNvPr>
+          <p:cNvSpPr txBox="1">
+            <a:spLocks/>
+          </p:cNvSpPr>
+          <p:nvPr/>
+        </p:nvSpPr>
+        <p:spPr>
+          <a:xfrm>
+            <a:off x="0" y="0"/>
+            <a:ext cx="9144000" cy="884238"/>
+          </a:xfrm>
+          <a:prstGeom prst="rect">
+            <a:avLst/>
+          </a:prstGeom>
+          <a:ln w="3175">
+            <a:solidFill>
+              <a:schemeClr val="tx1"/>
+            </a:solidFill>
+          </a:ln>
+        </p:spPr>
+        <p:txBody>
+          <a:bodyPr vert="horz" lIns="91440" tIns="45720" rIns="91440" bIns="45720" rtlCol="0" anchor="ctr">
+            <a:noAutofit/>
+          </a:bodyPr>
+          <a:lstStyle>
+            <a:lvl1pPr algn="l" defTabSz="914400" rtl="0" eaLnBrk="1" latinLnBrk="0" hangingPunct="1">
+              <a:spcBef>
+                <a:spcPct val="0"/>
+              </a:spcBef>
+              <a:buNone/>
+              <a:defRPr sz="4400" kern="1200">
+                <a:solidFill>
+                  <a:schemeClr val="bg1"/>
+                </a:solidFill>
+                <a:latin typeface="Segoe UI Semilight" pitchFamily="34" charset="0"/>
+                <a:ea typeface="+mj-ea"/>
+                <a:cs typeface="Segoe UI Semilight" pitchFamily="34" charset="0"/>
+              </a:defRPr>
+            </a:lvl1pPr>
+          </a:lstStyle>
+          <a:p>
+            <a:pPr algn="ctr"/>
+            <a:r>
+              <a:rPr lang="en-US" sz="3600" dirty="0">
+                <a:ln w="3175">
+                  <a:solidFill>
+                    <a:schemeClr val="accent6">
+                      <a:lumMod val="75000"/>
+                    </a:schemeClr>
+                  </a:solidFill>
+                </a:ln>
+                <a:solidFill>
+                  <a:schemeClr val="accent6">
+                    <a:lumMod val="75000"/>
+                  </a:schemeClr>
+                </a:solidFill>
+                <a:latin typeface="Arial" panose="020B0604020202020204" pitchFamily="34" charset="0"/>
+                <a:cs typeface="Arial" panose="020B0604020202020204" pitchFamily="34" charset="0"/>
+              </a:rPr>
+              <a:t>6</a:t>
+            </a:r>
+            <a:r>
+              <a:rPr lang="en-US" sz="3600" dirty="0" smtClean="0">
+                <a:ln w="3175">
+                  <a:solidFill>
+                    <a:schemeClr val="accent6">
+                      <a:lumMod val="75000"/>
+                    </a:schemeClr>
+                  </a:solidFill>
+                </a:ln>
+                <a:solidFill>
+                  <a:schemeClr val="accent6">
+                    <a:lumMod val="75000"/>
+                  </a:schemeClr>
+                </a:solidFill>
+                <a:latin typeface="Arial" panose="020B0604020202020204" pitchFamily="34" charset="0"/>
+                <a:cs typeface="Arial" panose="020B0604020202020204" pitchFamily="34" charset="0"/>
+              </a:rPr>
+              <a:t>. Demo ứng dụng</a:t>
+            </a:r>
+            <a:endParaRPr lang="en-US" sz="3600" dirty="0">
+              <a:ln w="3175">
+                <a:solidFill>
+                  <a:schemeClr val="accent6">
+                    <a:lumMod val="75000"/>
+                  </a:schemeClr>
+                </a:solidFill>
+              </a:ln>
+              <a:solidFill>
+                <a:schemeClr val="accent6">
+                  <a:lumMod val="75000"/>
+                </a:schemeClr>
+              </a:solidFill>
+              <a:latin typeface="Arial" panose="020B0604020202020204" pitchFamily="34" charset="0"/>
+              <a:cs typeface="Arial" panose="020B0604020202020204" pitchFamily="34" charset="0"/>
+            </a:endParaRPr>
+          </a:p>
+        </p:txBody>
+      </p:sp>
+    </p:spTree>
+    <p:extLst>
+      <p:ext uri="{BB962C8B-B14F-4D97-AF65-F5344CB8AC3E}">
+        <p14:creationId xmlns:p14="http://schemas.microsoft.com/office/powerpoint/2010/main" val="1792033989"/>
+      </p:ext>
+    </p:extLst>
+  </p:cSld>
+  <p:clrMapOvr>
+    <a:masterClrMapping/>
+  </p:clrMapOvr>
+</p:sld>
+</file>
+
+<file path=ppt/slides/slide25.xml><?xml version="1.0" encoding="utf-8"?>
+<p:sld xmlns:a="http://schemas.openxmlformats.org/drawingml/2006/main" xmlns:r="http://schemas.openxmlformats.org/officeDocument/2006/relationships" xmlns:p="http://schemas.openxmlformats.org/presentationml/2006/main">
+  <p:cSld>
+    <p:spTree>
+      <p:nvGrpSpPr>
+        <p:cNvPr id="1" name=""/>
+        <p:cNvGrpSpPr/>
+        <p:nvPr/>
+      </p:nvGrpSpPr>
+      <p:grpSpPr>
+        <a:xfrm>
+          <a:off x="0" y="0"/>
+          <a:ext cx="0" cy="0"/>
+          <a:chOff x="0" y="0"/>
+          <a:chExt cx="0" cy="0"/>
+        </a:xfrm>
+      </p:grpSpPr>
+      <p:sp>
+        <p:nvSpPr>
+          <p:cNvPr id="3" name="Date Placeholder 2"/>
+          <p:cNvSpPr>
+            <a:spLocks noGrp="1"/>
+          </p:cNvSpPr>
+          <p:nvPr>
+            <p:ph type="dt" sz="half" idx="10"/>
+          </p:nvPr>
+        </p:nvSpPr>
+        <p:spPr/>
+        <p:txBody>
+          <a:bodyPr/>
+          <a:lstStyle/>
+          <a:p>
+            <a:r>
+              <a:rPr lang="en-US"/>
+              <a:t>10/13/2017</a:t>
+            </a:r>
+          </a:p>
+        </p:txBody>
+      </p:sp>
+      <p:sp>
+        <p:nvSpPr>
+          <p:cNvPr id="4" name="Footer Placeholder 3"/>
+          <p:cNvSpPr>
+            <a:spLocks noGrp="1"/>
+          </p:cNvSpPr>
+          <p:nvPr>
+            <p:ph type="ftr" sz="quarter" idx="11"/>
+          </p:nvPr>
+        </p:nvSpPr>
+        <p:spPr/>
+        <p:txBody>
+          <a:bodyPr/>
+          <a:lstStyle/>
+          <a:p>
+            <a:endParaRPr lang="en-US"/>
+          </a:p>
+        </p:txBody>
+      </p:sp>
+      <p:sp>
+        <p:nvSpPr>
+          <p:cNvPr id="5" name="Slide Number Placeholder 4"/>
+          <p:cNvSpPr>
+            <a:spLocks noGrp="1"/>
+          </p:cNvSpPr>
+          <p:nvPr>
+            <p:ph type="sldNum" sz="quarter" idx="12"/>
+          </p:nvPr>
+        </p:nvSpPr>
+        <p:spPr/>
+        <p:txBody>
+          <a:bodyPr/>
+          <a:lstStyle/>
+          <a:p>
+            <a:fld id="{FF387971-9C3B-49A6-8D58-3AFB2456A1FB}" type="slidenum">
+              <a:rPr lang="en-US" smtClean="0"/>
+              <a:t>25</a:t>
             </a:fld>
             <a:endParaRPr lang="en-US"/>
           </a:p>
@@ -8515,7 +9359,7 @@
           <p:cNvPr id="7" name="Title 1">
             <a:extLst>
               <a:ext uri="{FF2B5EF4-FFF2-40B4-BE49-F238E27FC236}">
-                <a16:creationId xmlns="" xmlns:a16="http://schemas.microsoft.com/office/drawing/2014/main" id="{A26F03AE-A5EF-4A37-AD0A-4A124D961228}"/>
+                <a16:creationId xmlns:a16="http://schemas.microsoft.com/office/drawing/2014/main" xmlns="" id="{A26F03AE-A5EF-4A37-AD0A-4A124D961228}"/>
               </a:ext>
             </a:extLst>
           </p:cNvPr>
@@ -8561,7 +9405,7 @@
           <a:p>
             <a:pPr algn="ctr"/>
             <a:r>
-              <a:rPr lang="en-US" sz="3600" dirty="0">
+              <a:rPr lang="en-US" sz="3600" dirty="0" smtClean="0">
                 <a:ln w="3175">
                   <a:solidFill>
                     <a:schemeClr val="accent6">
@@ -8577,7 +9421,7 @@
                 <a:latin typeface="Arial" panose="020B0604020202020204" pitchFamily="34" charset="0"/>
                 <a:cs typeface="Arial" panose="020B0604020202020204" pitchFamily="34" charset="0"/>
               </a:rPr>
-              <a:t>1. </a:t>
+              <a:t>1.1 </a:t>
             </a:r>
             <a:r>
               <a:rPr lang="en-US" sz="3600" dirty="0" smtClean="0">
@@ -9420,7 +10264,7 @@
           <p:cNvPr id="8" name="Title 1">
             <a:extLst>
               <a:ext uri="{FF2B5EF4-FFF2-40B4-BE49-F238E27FC236}">
-                <a16:creationId xmlns="" xmlns:a16="http://schemas.microsoft.com/office/drawing/2014/main" id="{6678819E-8E04-460E-A82B-ECE3893CFFD4}"/>
+                <a16:creationId xmlns:a16="http://schemas.microsoft.com/office/drawing/2014/main" xmlns="" id="{6678819E-8E04-460E-A82B-ECE3893CFFD4}"/>
               </a:ext>
             </a:extLst>
           </p:cNvPr>
@@ -9466,25 +10310,6 @@
           <a:p>
             <a:pPr algn="ctr"/>
             <a:r>
-              <a:rPr lang="en-US" sz="3600" dirty="0">
-                <a:ln w="3175">
-                  <a:solidFill>
-                    <a:schemeClr val="accent6">
-                      <a:lumMod val="75000"/>
-                    </a:schemeClr>
-                  </a:solidFill>
-                </a:ln>
-                <a:solidFill>
-                  <a:schemeClr val="accent6">
-                    <a:lumMod val="75000"/>
-                  </a:schemeClr>
-                </a:solidFill>
-                <a:latin typeface="Arial" panose="020B0604020202020204" pitchFamily="34" charset="0"/>
-                <a:cs typeface="Arial" panose="020B0604020202020204" pitchFamily="34" charset="0"/>
-              </a:rPr>
-              <a:t>1</a:t>
-            </a:r>
-            <a:r>
               <a:rPr lang="en-US" sz="3600" dirty="0" smtClean="0">
                 <a:ln w="3175">
                   <a:solidFill>
@@ -9501,7 +10326,7 @@
                 <a:latin typeface="Arial" panose="020B0604020202020204" pitchFamily="34" charset="0"/>
                 <a:cs typeface="Arial" panose="020B0604020202020204" pitchFamily="34" charset="0"/>
               </a:rPr>
-              <a:t>. </a:t>
+              <a:t>1.2 </a:t>
             </a:r>
             <a:r>
               <a:rPr lang="en-US" sz="3600" dirty="0">
@@ -10571,18 +11396,7 @@
                           <a:latin typeface="Arial" panose="020B0604020202020204" pitchFamily="34" charset="0"/>
                           <a:cs typeface="Arial" panose="020B0604020202020204" pitchFamily="34" charset="0"/>
                         </a:rPr>
-                        <a:t> </a:t>
-                      </a:r>
-                      <a:r>
-                        <a:rPr lang="en-US" sz="1200" baseline="0" dirty="0" smtClean="0">
-                          <a:solidFill>
-                            <a:schemeClr val="tx1"/>
-                          </a:solidFill>
-                          <a:effectLst/>
-                          <a:latin typeface="Arial" panose="020B0604020202020204" pitchFamily="34" charset="0"/>
-                          <a:cs typeface="Arial" panose="020B0604020202020204" pitchFamily="34" charset="0"/>
-                        </a:rPr>
-                        <a:t>thành</a:t>
+                        <a:t> thành</a:t>
                       </a:r>
                       <a:endParaRPr lang="en-US" sz="1200" dirty="0">
                         <a:solidFill>
@@ -11452,7 +12266,7 @@
           <p:cNvPr id="7" name="Title 1">
             <a:extLst>
               <a:ext uri="{FF2B5EF4-FFF2-40B4-BE49-F238E27FC236}">
-                <a16:creationId xmlns="" xmlns:a16="http://schemas.microsoft.com/office/drawing/2014/main" id="{6678819E-8E04-460E-A82B-ECE3893CFFD4}"/>
+                <a16:creationId xmlns:a16="http://schemas.microsoft.com/office/drawing/2014/main" xmlns="" id="{6678819E-8E04-460E-A82B-ECE3893CFFD4}"/>
               </a:ext>
             </a:extLst>
           </p:cNvPr>
@@ -11828,7 +12642,7 @@
           <p:cNvPr id="7" name="Title 1">
             <a:extLst>
               <a:ext uri="{FF2B5EF4-FFF2-40B4-BE49-F238E27FC236}">
-                <a16:creationId xmlns="" xmlns:a16="http://schemas.microsoft.com/office/drawing/2014/main" id="{A26F03AE-A5EF-4A37-AD0A-4A124D961228}"/>
+                <a16:creationId xmlns:a16="http://schemas.microsoft.com/office/drawing/2014/main" xmlns="" id="{A26F03AE-A5EF-4A37-AD0A-4A124D961228}"/>
               </a:ext>
             </a:extLst>
           </p:cNvPr>
@@ -12085,7 +12899,7 @@
                 <a:latin typeface="Arial" panose="020B0604020202020204" pitchFamily="34" charset="0"/>
                 <a:cs typeface="Arial" panose="020B0604020202020204" pitchFamily="34" charset="0"/>
               </a:rPr>
-              <a:t>Bước 1: Khảo </a:t>
+              <a:t>Khảo </a:t>
             </a:r>
             <a:r>
               <a:rPr lang="en-US" sz="2400" dirty="0">
@@ -12162,7 +12976,7 @@
           <p:cNvPr id="7" name="Title 1">
             <a:extLst>
               <a:ext uri="{FF2B5EF4-FFF2-40B4-BE49-F238E27FC236}">
-                <a16:creationId xmlns="" xmlns:a16="http://schemas.microsoft.com/office/drawing/2014/main" id="{68CE6783-9C0D-46BA-8D98-4A95830915D5}"/>
+                <a16:creationId xmlns:a16="http://schemas.microsoft.com/office/drawing/2014/main" xmlns="" id="{68CE6783-9C0D-46BA-8D98-4A95830915D5}"/>
               </a:ext>
             </a:extLst>
           </p:cNvPr>
@@ -12224,7 +13038,7 @@
                 <a:latin typeface="Arial" panose="020B0604020202020204" pitchFamily="34" charset="0"/>
                 <a:cs typeface="Arial" panose="020B0604020202020204" pitchFamily="34" charset="0"/>
               </a:rPr>
-              <a:t>3. Các bước thực hiện</a:t>
+              <a:t>3.1 Tìm hiểu đặc trưng ngôn ngữ tiếng K’Ho</a:t>
             </a:r>
             <a:endParaRPr lang="en-US" sz="3600" dirty="0">
               <a:ln w="3175">
@@ -12284,6 +13098,192 @@
       </p:grpSpPr>
       <p:sp>
         <p:nvSpPr>
+          <p:cNvPr id="8" name="Subtitle 7"/>
+          <p:cNvSpPr>
+            <a:spLocks noGrp="1"/>
+          </p:cNvSpPr>
+          <p:nvPr>
+            <p:ph type="subTitle" idx="1"/>
+          </p:nvPr>
+        </p:nvSpPr>
+        <p:spPr>
+          <a:xfrm>
+            <a:off x="457200" y="1295400"/>
+            <a:ext cx="8229600" cy="4876800"/>
+          </a:xfrm>
+        </p:spPr>
+        <p:txBody>
+          <a:bodyPr>
+            <a:normAutofit/>
+          </a:bodyPr>
+          <a:lstStyle/>
+          <a:p>
+            <a:pPr marL="342900" lvl="0" indent="-342900" algn="l">
+              <a:buFont typeface="Wingdings" panose="05000000000000000000" pitchFamily="2" charset="2"/>
+              <a:buChar char="Ø"/>
+            </a:pPr>
+            <a:r>
+              <a:rPr lang="en-US" sz="2200" dirty="0" smtClean="0">
+                <a:solidFill>
+                  <a:schemeClr val="tx1"/>
+                </a:solidFill>
+                <a:latin typeface="Arial" panose="020B0604020202020204" pitchFamily="34" charset="0"/>
+                <a:cs typeface="Arial" panose="020B0604020202020204" pitchFamily="34" charset="0"/>
+              </a:rPr>
+              <a:t>English Study Pro 2012</a:t>
+            </a:r>
+          </a:p>
+          <a:p>
+            <a:pPr marL="342900" lvl="0" indent="-342900" algn="l">
+              <a:buFont typeface="Wingdings" panose="05000000000000000000" pitchFamily="2" charset="2"/>
+              <a:buChar char="Ø"/>
+            </a:pPr>
+            <a:r>
+              <a:rPr lang="en-US" sz="2200" dirty="0" smtClean="0">
+                <a:solidFill>
+                  <a:schemeClr val="tx1"/>
+                </a:solidFill>
+                <a:latin typeface="Arial" panose="020B0604020202020204" pitchFamily="34" charset="0"/>
+                <a:cs typeface="Arial" panose="020B0604020202020204" pitchFamily="34" charset="0"/>
+              </a:rPr>
+              <a:t>English Grammar</a:t>
+            </a:r>
+          </a:p>
+          <a:p>
+            <a:pPr marL="342900" indent="-342900" algn="l">
+              <a:buFont typeface="Wingdings" panose="05000000000000000000" pitchFamily="2" charset="2"/>
+              <a:buChar char="Ø"/>
+            </a:pPr>
+            <a:r>
+              <a:rPr lang="en-US" sz="2200" dirty="0" smtClean="0">
+                <a:solidFill>
+                  <a:schemeClr val="tx1"/>
+                </a:solidFill>
+                <a:latin typeface="Arial" panose="020B0604020202020204" pitchFamily="34" charset="0"/>
+                <a:cs typeface="Arial" panose="020B0604020202020204" pitchFamily="34" charset="0"/>
+              </a:rPr>
+              <a:t>English4u</a:t>
+            </a:r>
+          </a:p>
+          <a:p>
+            <a:pPr marL="342900" indent="-342900" algn="l">
+              <a:buFont typeface="Wingdings" panose="05000000000000000000" pitchFamily="2" charset="2"/>
+              <a:buChar char="Ø"/>
+            </a:pPr>
+            <a:r>
+              <a:rPr lang="en-US" sz="2200" dirty="0" smtClean="0">
+                <a:solidFill>
+                  <a:schemeClr val="tx1"/>
+                </a:solidFill>
+                <a:latin typeface="Arial" panose="020B0604020202020204" pitchFamily="34" charset="0"/>
+                <a:cs typeface="Arial" panose="020B0604020202020204" pitchFamily="34" charset="0"/>
+              </a:rPr>
+              <a:t>Trang web </a:t>
+            </a:r>
+            <a:r>
+              <a:rPr lang="en-US" sz="2200" dirty="0" smtClean="0">
+                <a:solidFill>
+                  <a:schemeClr val="tx1"/>
+                </a:solidFill>
+                <a:latin typeface="Arial" panose="020B0604020202020204" pitchFamily="34" charset="0"/>
+                <a:cs typeface="Arial" panose="020B0604020202020204" pitchFamily="34" charset="0"/>
+                <a:hlinkClick r:id="rId2"/>
+              </a:rPr>
+              <a:t>www.doulingo.com</a:t>
+            </a:r>
+            <a:endParaRPr lang="en-US" sz="2200" dirty="0" smtClean="0">
+              <a:solidFill>
+                <a:schemeClr val="tx1"/>
+              </a:solidFill>
+              <a:latin typeface="Arial" panose="020B0604020202020204" pitchFamily="34" charset="0"/>
+              <a:cs typeface="Arial" panose="020B0604020202020204" pitchFamily="34" charset="0"/>
+            </a:endParaRPr>
+          </a:p>
+          <a:p>
+            <a:pPr marL="342900" indent="-342900" algn="l">
+              <a:buFont typeface="Wingdings" panose="05000000000000000000" pitchFamily="2" charset="2"/>
+              <a:buChar char="Ø"/>
+            </a:pPr>
+            <a:r>
+              <a:rPr lang="en-US" sz="2200" dirty="0" smtClean="0">
+                <a:solidFill>
+                  <a:schemeClr val="tx1"/>
+                </a:solidFill>
+                <a:latin typeface="Arial" panose="020B0604020202020204" pitchFamily="34" charset="0"/>
+                <a:cs typeface="Arial" panose="020B0604020202020204" pitchFamily="34" charset="0"/>
+              </a:rPr>
+              <a:t>Ứng dụng học Từ Vựng Tiếng Anh</a:t>
+            </a:r>
+            <a:endParaRPr lang="en-US" sz="2200" dirty="0">
+              <a:solidFill>
+                <a:schemeClr val="tx1"/>
+              </a:solidFill>
+              <a:latin typeface="Arial" panose="020B0604020202020204" pitchFamily="34" charset="0"/>
+              <a:cs typeface="Arial" panose="020B0604020202020204" pitchFamily="34" charset="0"/>
+            </a:endParaRPr>
+          </a:p>
+          <a:p>
+            <a:pPr algn="l"/>
+            <a:r>
+              <a:rPr lang="en-US" sz="2200" dirty="0" smtClean="0">
+                <a:solidFill>
+                  <a:schemeClr val="tx1"/>
+                </a:solidFill>
+                <a:latin typeface="Arial" panose="020B0604020202020204" pitchFamily="34" charset="0"/>
+                <a:cs typeface="Arial" panose="020B0604020202020204" pitchFamily="34" charset="0"/>
+              </a:rPr>
+              <a:t>Ưu điểm:</a:t>
+            </a:r>
+          </a:p>
+          <a:p>
+            <a:pPr marL="342900" indent="-342900" algn="l">
+              <a:buFont typeface="Wingdings" panose="05000000000000000000" pitchFamily="2" charset="2"/>
+              <a:buChar char="§"/>
+            </a:pPr>
+            <a:r>
+              <a:rPr lang="en-US" sz="2200" dirty="0" smtClean="0">
+                <a:solidFill>
+                  <a:schemeClr val="tx1"/>
+                </a:solidFill>
+                <a:latin typeface="Arial" panose="020B0604020202020204" pitchFamily="34" charset="0"/>
+                <a:cs typeface="Arial" panose="020B0604020202020204" pitchFamily="34" charset="0"/>
+              </a:rPr>
+              <a:t>Giao diện thân thiện, thuận tiện cho người sử dụng</a:t>
+            </a:r>
+          </a:p>
+          <a:p>
+            <a:pPr algn="l"/>
+            <a:r>
+              <a:rPr lang="en-US" sz="2200" dirty="0" smtClean="0">
+                <a:solidFill>
+                  <a:schemeClr val="tx1"/>
+                </a:solidFill>
+                <a:latin typeface="Arial" panose="020B0604020202020204" pitchFamily="34" charset="0"/>
+                <a:cs typeface="Arial" panose="020B0604020202020204" pitchFamily="34" charset="0"/>
+              </a:rPr>
+              <a:t>Nhược điểm:</a:t>
+            </a:r>
+          </a:p>
+          <a:p>
+            <a:pPr marL="342900" indent="-342900" algn="l">
+              <a:buFont typeface="Wingdings" panose="05000000000000000000" pitchFamily="2" charset="2"/>
+              <a:buChar char="§"/>
+            </a:pPr>
+            <a:r>
+              <a:rPr lang="en-US" sz="2200" dirty="0" smtClean="0">
+                <a:solidFill>
+                  <a:schemeClr val="tx1"/>
+                </a:solidFill>
+                <a:latin typeface="Arial" panose="020B0604020202020204" pitchFamily="34" charset="0"/>
+                <a:cs typeface="Arial" panose="020B0604020202020204" pitchFamily="34" charset="0"/>
+              </a:rPr>
+              <a:t>Không hỗ trợ dạng học theo bài</a:t>
+            </a:r>
+          </a:p>
+        </p:txBody>
+      </p:sp>
+      <p:sp>
+        <p:nvSpPr>
           <p:cNvPr id="3" name="Date Placeholder 2"/>
           <p:cNvSpPr>
             <a:spLocks noGrp="1"/>
@@ -12298,7 +13298,7 @@
           <a:lstStyle/>
           <a:p>
             <a:r>
-              <a:rPr lang="en-US"/>
+              <a:rPr lang="en-US" dirty="0"/>
               <a:t>10/13/2017</a:t>
             </a:r>
           </a:p>
@@ -12356,8 +13356,8 @@
         </p:nvSpPr>
         <p:spPr>
           <a:xfrm>
-            <a:off x="457200" y="1143000"/>
-            <a:ext cx="8534400" cy="5334000"/>
+            <a:off x="457200" y="1874838"/>
+            <a:ext cx="8229600" cy="2544762"/>
           </a:xfrm>
           <a:prstGeom prst="rect">
             <a:avLst/>
@@ -12384,251 +13384,10 @@
             </a:lvl1pPr>
           </a:lstStyle>
           <a:p>
-            <a:pPr algn="just"/>
-            <a:r>
-              <a:rPr lang="en-US" sz="2400" dirty="0" smtClean="0">
-                <a:solidFill>
-                  <a:schemeClr val="tx1"/>
-                </a:solidFill>
-                <a:latin typeface="Arial" panose="020B0604020202020204" pitchFamily="34" charset="0"/>
-                <a:cs typeface="Arial" panose="020B0604020202020204" pitchFamily="34" charset="0"/>
-              </a:rPr>
-              <a:t>Bước 2: Đề xuất phương án, công cụ và pp xây dựng ƯD</a:t>
-            </a:r>
-          </a:p>
-          <a:p>
-            <a:pPr marL="342900" indent="-342900" algn="just">
-              <a:buFont typeface="Wingdings" panose="05000000000000000000" pitchFamily="2" charset="2"/>
-              <a:buChar char="Ø"/>
-            </a:pPr>
-            <a:r>
-              <a:rPr lang="en-US" sz="2400" dirty="0" smtClean="0">
-                <a:solidFill>
-                  <a:schemeClr val="tx1"/>
-                </a:solidFill>
-                <a:latin typeface="Arial" panose="020B0604020202020204" pitchFamily="34" charset="0"/>
-                <a:cs typeface="Arial" panose="020B0604020202020204" pitchFamily="34" charset="0"/>
-              </a:rPr>
-              <a:t>Giao </a:t>
-            </a:r>
-            <a:r>
-              <a:rPr lang="en-US" sz="2400" dirty="0">
-                <a:solidFill>
-                  <a:schemeClr val="tx1"/>
-                </a:solidFill>
-                <a:latin typeface="Arial" panose="020B0604020202020204" pitchFamily="34" charset="0"/>
-                <a:cs typeface="Arial" panose="020B0604020202020204" pitchFamily="34" charset="0"/>
-              </a:rPr>
-              <a:t>diện của chương trình học tiếng dân tộc K’Ho sẽ dựa vào sách Tài liệu dạy và học tiếng K’Ho của Sở Nội vụ - Sở Giáo dục và Đào tạo tỉnh Lâm Đồng và ứng dụng English Study Pro 2012 để thiết kế.</a:t>
-            </a:r>
-          </a:p>
-          <a:p>
-            <a:pPr algn="just"/>
-            <a:endParaRPr lang="en-US" sz="2400" dirty="0">
-              <a:solidFill>
-                <a:schemeClr val="tx1"/>
-              </a:solidFill>
-              <a:latin typeface="Arial" panose="020B0604020202020204" pitchFamily="34" charset="0"/>
-              <a:cs typeface="Arial" panose="020B0604020202020204" pitchFamily="34" charset="0"/>
-            </a:endParaRPr>
-          </a:p>
-          <a:p>
-            <a:pPr marL="342900" lvl="0" indent="-342900" algn="just">
-              <a:buFont typeface="Wingdings" panose="05000000000000000000" pitchFamily="2" charset="2"/>
-              <a:buChar char="Ø"/>
-            </a:pPr>
-            <a:r>
-              <a:rPr lang="en-US" sz="2400" dirty="0">
-                <a:solidFill>
-                  <a:schemeClr val="tx1"/>
-                </a:solidFill>
-                <a:latin typeface="Arial" panose="020B0604020202020204" pitchFamily="34" charset="0"/>
-                <a:cs typeface="Arial" panose="020B0604020202020204" pitchFamily="34" charset="0"/>
-              </a:rPr>
-              <a:t>Các công cụ xây dựng.</a:t>
-            </a:r>
-          </a:p>
-          <a:p>
-            <a:pPr marL="900113" indent="-457200" algn="just">
-              <a:buFont typeface="Arial" panose="020B0604020202020204" pitchFamily="34" charset="0"/>
-              <a:buChar char="•"/>
-            </a:pPr>
-            <a:r>
-              <a:rPr lang="en-US" sz="2400" dirty="0">
-                <a:solidFill>
-                  <a:schemeClr val="tx1"/>
-                </a:solidFill>
-                <a:latin typeface="Arial" panose="020B0604020202020204" pitchFamily="34" charset="0"/>
-                <a:cs typeface="Arial" panose="020B0604020202020204" pitchFamily="34" charset="0"/>
-              </a:rPr>
-              <a:t>Chương trình hỗ trợ gõ chữ các dân tộc thiểu số Tây Nguyên: </a:t>
-            </a:r>
-            <a:r>
-              <a:rPr lang="en-US" sz="2400" b="1" dirty="0">
-                <a:solidFill>
-                  <a:schemeClr val="tx1"/>
-                </a:solidFill>
-                <a:latin typeface="Arial" panose="020B0604020202020204" pitchFamily="34" charset="0"/>
-                <a:cs typeface="Arial" panose="020B0604020202020204" pitchFamily="34" charset="0"/>
-              </a:rPr>
-              <a:t>TayNguyenKey</a:t>
-            </a:r>
-            <a:r>
-              <a:rPr lang="en-US" sz="2400" dirty="0">
-                <a:solidFill>
-                  <a:schemeClr val="tx1"/>
-                </a:solidFill>
-                <a:latin typeface="Arial" panose="020B0604020202020204" pitchFamily="34" charset="0"/>
-                <a:cs typeface="Arial" panose="020B0604020202020204" pitchFamily="34" charset="0"/>
-              </a:rPr>
-              <a:t>.</a:t>
-            </a:r>
-          </a:p>
-          <a:p>
-            <a:pPr marL="900113" indent="-457200" algn="just">
-              <a:buFont typeface="Arial" panose="020B0604020202020204" pitchFamily="34" charset="0"/>
-              <a:buChar char="•"/>
-            </a:pPr>
-            <a:r>
-              <a:rPr lang="en-US" sz="2400" dirty="0">
-                <a:solidFill>
-                  <a:schemeClr val="tx1"/>
-                </a:solidFill>
-                <a:latin typeface="Arial" panose="020B0604020202020204" pitchFamily="34" charset="0"/>
-                <a:cs typeface="Arial" panose="020B0604020202020204" pitchFamily="34" charset="0"/>
-              </a:rPr>
-              <a:t>Công cụ xây dựng giao diện: </a:t>
-            </a:r>
-            <a:r>
-              <a:rPr lang="en-US" sz="2400" b="1" dirty="0">
-                <a:solidFill>
-                  <a:schemeClr val="tx1"/>
-                </a:solidFill>
-                <a:latin typeface="Arial" panose="020B0604020202020204" pitchFamily="34" charset="0"/>
-                <a:cs typeface="Arial" panose="020B0604020202020204" pitchFamily="34" charset="0"/>
-              </a:rPr>
-              <a:t>Devexpress 14</a:t>
-            </a:r>
-            <a:r>
-              <a:rPr lang="en-US" sz="2400" dirty="0">
-                <a:solidFill>
-                  <a:schemeClr val="tx1"/>
-                </a:solidFill>
-                <a:latin typeface="Arial" panose="020B0604020202020204" pitchFamily="34" charset="0"/>
-                <a:cs typeface="Arial" panose="020B0604020202020204" pitchFamily="34" charset="0"/>
-              </a:rPr>
-              <a:t>.</a:t>
-            </a:r>
-          </a:p>
-          <a:p>
-            <a:pPr marL="900113" indent="-457200" algn="just">
-              <a:buFont typeface="Arial" panose="020B0604020202020204" pitchFamily="34" charset="0"/>
-              <a:buChar char="•"/>
-            </a:pPr>
-            <a:r>
-              <a:rPr lang="en-US" sz="2400" dirty="0">
-                <a:solidFill>
-                  <a:schemeClr val="tx1"/>
-                </a:solidFill>
-                <a:latin typeface="Arial" panose="020B0604020202020204" pitchFamily="34" charset="0"/>
-                <a:cs typeface="Arial" panose="020B0604020202020204" pitchFamily="34" charset="0"/>
-              </a:rPr>
-              <a:t>Quản trị cơ sở dữ liệu: </a:t>
-            </a:r>
-            <a:r>
-              <a:rPr lang="en-US" sz="2400" b="1" dirty="0">
-                <a:solidFill>
-                  <a:schemeClr val="tx1"/>
-                </a:solidFill>
-                <a:latin typeface="Arial" panose="020B0604020202020204" pitchFamily="34" charset="0"/>
-                <a:cs typeface="Arial" panose="020B0604020202020204" pitchFamily="34" charset="0"/>
-              </a:rPr>
-              <a:t>SQL Sever 2012 Express.</a:t>
-            </a:r>
-          </a:p>
-          <a:p>
-            <a:pPr marL="900113" indent="-457200" algn="just">
-              <a:buFont typeface="Arial" panose="020B0604020202020204" pitchFamily="34" charset="0"/>
-              <a:buChar char="•"/>
-            </a:pPr>
-            <a:r>
-              <a:rPr lang="en-US" sz="2400" dirty="0">
-                <a:solidFill>
-                  <a:schemeClr val="tx1"/>
-                </a:solidFill>
-                <a:latin typeface="Arial" panose="020B0604020202020204" pitchFamily="34" charset="0"/>
-                <a:cs typeface="Arial" panose="020B0604020202020204" pitchFamily="34" charset="0"/>
-              </a:rPr>
-              <a:t>Xây dựng trên: </a:t>
-            </a:r>
-            <a:r>
-              <a:rPr lang="en-US" sz="2400" b="1" dirty="0">
-                <a:solidFill>
-                  <a:schemeClr val="tx1"/>
-                </a:solidFill>
-                <a:latin typeface="Arial" panose="020B0604020202020204" pitchFamily="34" charset="0"/>
-                <a:cs typeface="Arial" panose="020B0604020202020204" pitchFamily="34" charset="0"/>
-              </a:rPr>
-              <a:t>Visual Studio 2013.</a:t>
-            </a:r>
-          </a:p>
-          <a:p>
-            <a:pPr marL="806450" indent="-342900" algn="just">
-              <a:buClr>
-                <a:srgbClr val="00B404"/>
-              </a:buClr>
-              <a:buFont typeface="Wingdings" panose="05000000000000000000" pitchFamily="2" charset="2"/>
-              <a:buChar char="Ø"/>
-            </a:pPr>
-            <a:endParaRPr lang="en-US" sz="2400" dirty="0">
-              <a:solidFill>
-                <a:schemeClr val="tx1"/>
-              </a:solidFill>
-              <a:latin typeface="Arial" panose="020B0604020202020204" pitchFamily="34" charset="0"/>
-              <a:cs typeface="Arial" panose="020B0604020202020204" pitchFamily="34" charset="0"/>
-            </a:endParaRPr>
-          </a:p>
-        </p:txBody>
-      </p:sp>
-      <p:sp>
-        <p:nvSpPr>
-          <p:cNvPr id="7" name="Title 1"/>
-          <p:cNvSpPr txBox="1">
-            <a:spLocks/>
-          </p:cNvSpPr>
-          <p:nvPr/>
-        </p:nvSpPr>
-        <p:spPr>
-          <a:xfrm>
-            <a:off x="609600" y="3124200"/>
-            <a:ext cx="8229600" cy="2544762"/>
-          </a:xfrm>
-          <a:prstGeom prst="rect">
-            <a:avLst/>
-          </a:prstGeom>
-        </p:spPr>
-        <p:txBody>
-          <a:bodyPr vert="horz" lIns="91440" tIns="45720" rIns="91440" bIns="45720" rtlCol="0" anchor="ctr">
-            <a:noAutofit/>
-          </a:bodyPr>
-          <a:lstStyle>
-            <a:lvl1pPr algn="l" defTabSz="914400" rtl="0" eaLnBrk="1" latinLnBrk="0" hangingPunct="1">
-              <a:spcBef>
-                <a:spcPct val="0"/>
-              </a:spcBef>
-              <a:buNone/>
-              <a:defRPr sz="4400" kern="1200">
-                <a:solidFill>
-                  <a:schemeClr val="bg1"/>
-                </a:solidFill>
-                <a:latin typeface="Segoe UI Semilight" pitchFamily="34" charset="0"/>
-                <a:ea typeface="+mj-ea"/>
-                <a:cs typeface="Segoe UI Semilight" pitchFamily="34" charset="0"/>
-              </a:defRPr>
-            </a:lvl1pPr>
-          </a:lstStyle>
-          <a:p>
-            <a:pPr marL="463550">
+            <a:pPr marL="463550" lvl="0">
+              <a:lnSpc>
+                <a:spcPct val="150000"/>
+              </a:lnSpc>
               <a:buClr>
                 <a:srgbClr val="00B404"/>
               </a:buClr>
@@ -12645,10 +13404,10 @@
       </p:sp>
       <p:sp>
         <p:nvSpPr>
-          <p:cNvPr id="9" name="Title 1">
+          <p:cNvPr id="7" name="Title 1">
             <a:extLst>
               <a:ext uri="{FF2B5EF4-FFF2-40B4-BE49-F238E27FC236}">
-                <a16:creationId xmlns="" xmlns:a16="http://schemas.microsoft.com/office/drawing/2014/main" id="{68CE6783-9C0D-46BA-8D98-4A95830915D5}"/>
+                <a16:creationId xmlns:a16="http://schemas.microsoft.com/office/drawing/2014/main" xmlns="" id="{68CE6783-9C0D-46BA-8D98-4A95830915D5}"/>
               </a:ext>
             </a:extLst>
           </p:cNvPr>
@@ -12659,7 +13418,7 @@
         </p:nvSpPr>
         <p:spPr>
           <a:xfrm>
-            <a:off x="0" y="0"/>
+            <a:off x="0" y="-2146"/>
             <a:ext cx="9144000" cy="884238"/>
           </a:xfrm>
           <a:prstGeom prst="rect">
@@ -12694,7 +13453,7 @@
           <a:p>
             <a:pPr algn="ctr"/>
             <a:r>
-              <a:rPr lang="en-US" sz="3600" dirty="0" smtClean="0">
+              <a:rPr lang="en-US" sz="3000" dirty="0" smtClean="0">
                 <a:ln w="3175">
                   <a:solidFill>
                     <a:schemeClr val="accent6">
@@ -12710,9 +13469,9 @@
                 <a:latin typeface="Arial" panose="020B0604020202020204" pitchFamily="34" charset="0"/>
                 <a:cs typeface="Arial" panose="020B0604020202020204" pitchFamily="34" charset="0"/>
               </a:rPr>
-              <a:t>3. Các bước thực hiện</a:t>
-            </a:r>
-            <a:endParaRPr lang="en-US" sz="3600" dirty="0">
+              <a:t>3.2 Khảo sát hiện trạng các ứng dụng học ngôn ngữ</a:t>
+            </a:r>
+            <a:endParaRPr lang="en-US" sz="3000" dirty="0">
               <a:ln w="3175">
                 <a:solidFill>
                   <a:schemeClr val="accent6">
@@ -12734,7 +13493,7 @@
     </p:spTree>
     <p:extLst>
       <p:ext uri="{BB962C8B-B14F-4D97-AF65-F5344CB8AC3E}">
-        <p14:creationId xmlns:p14="http://schemas.microsoft.com/office/powerpoint/2010/main" val="961157072"/>
+        <p14:creationId xmlns:p14="http://schemas.microsoft.com/office/powerpoint/2010/main" val="1213822380"/>
       </p:ext>
     </p:extLst>
   </p:cSld>

--- a/THESIS/DACN_UD_Hoc_KHo_CTK37_BaoCao_D3.pptx
+++ b/THESIS/DACN_UD_Hoc_KHo_CTK37_BaoCao_D3.pptx
@@ -5,7 +5,7 @@
     <p:sldMasterId id="2147483648" r:id="rId1"/>
   </p:sldMasterIdLst>
   <p:notesMasterIdLst>
-    <p:notesMasterId r:id="rId27"/>
+    <p:notesMasterId r:id="rId26"/>
   </p:notesMasterIdLst>
   <p:sldIdLst>
     <p:sldId id="256" r:id="rId2"/>
@@ -29,10 +29,9 @@
     <p:sldId id="311" r:id="rId20"/>
     <p:sldId id="316" r:id="rId21"/>
     <p:sldId id="312" r:id="rId22"/>
-    <p:sldId id="350" r:id="rId23"/>
-    <p:sldId id="351" r:id="rId24"/>
-    <p:sldId id="352" r:id="rId25"/>
-    <p:sldId id="320" r:id="rId26"/>
+    <p:sldId id="352" r:id="rId23"/>
+    <p:sldId id="350" r:id="rId24"/>
+    <p:sldId id="320" r:id="rId25"/>
   </p:sldIdLst>
   <p:sldSz cx="9144000" cy="6858000" type="screen4x3"/>
   <p:notesSz cx="6858000" cy="9144000"/>
@@ -3940,7 +3939,7 @@
           <p:cNvPr id="10" name="Picture 9">
             <a:extLst>
               <a:ext uri="{FF2B5EF4-FFF2-40B4-BE49-F238E27FC236}">
-                <a16:creationId xmlns:a16="http://schemas.microsoft.com/office/drawing/2014/main" xmlns="" id="{8D2D12AD-440E-467D-AB43-0C3F2A1664D6}"/>
+                <a16:creationId xmlns="" xmlns:a16="http://schemas.microsoft.com/office/drawing/2014/main" id="{8D2D12AD-440E-467D-AB43-0C3F2A1664D6}"/>
               </a:ext>
             </a:extLst>
           </p:cNvPr>
@@ -4143,37 +4142,7 @@
                 <a:latin typeface="Arial" panose="020B0604020202020204" pitchFamily="34" charset="0"/>
                 <a:cs typeface="Arial" panose="020B0604020202020204" pitchFamily="34" charset="0"/>
               </a:rPr>
-              <a:t>Đề </a:t>
-            </a:r>
-            <a:r>
-              <a:rPr lang="en-US" sz="2400" dirty="0" smtClean="0">
-                <a:solidFill>
-                  <a:schemeClr val="tx1"/>
-                </a:solidFill>
-                <a:latin typeface="Arial" panose="020B0604020202020204" pitchFamily="34" charset="0"/>
-                <a:cs typeface="Arial" panose="020B0604020202020204" pitchFamily="34" charset="0"/>
-              </a:rPr>
-              <a:t>xuất phương </a:t>
-            </a:r>
-            <a:r>
-              <a:rPr lang="en-US" sz="2400" dirty="0" smtClean="0">
-                <a:solidFill>
-                  <a:schemeClr val="tx1"/>
-                </a:solidFill>
-                <a:latin typeface="Arial" panose="020B0604020202020204" pitchFamily="34" charset="0"/>
-                <a:cs typeface="Arial" panose="020B0604020202020204" pitchFamily="34" charset="0"/>
-              </a:rPr>
-              <a:t>án</a:t>
-            </a:r>
-            <a:r>
-              <a:rPr lang="en-US" sz="2400" dirty="0" smtClean="0">
-                <a:solidFill>
-                  <a:schemeClr val="tx1"/>
-                </a:solidFill>
-                <a:latin typeface="Arial" panose="020B0604020202020204" pitchFamily="34" charset="0"/>
-                <a:cs typeface="Arial" panose="020B0604020202020204" pitchFamily="34" charset="0"/>
-              </a:rPr>
-              <a:t>:</a:t>
+              <a:t>Đề xuất phương án:</a:t>
             </a:r>
             <a:endParaRPr lang="en-US" sz="2400" dirty="0">
               <a:solidFill>
@@ -4449,7 +4418,7 @@
           <p:cNvPr id="9" name="Title 1">
             <a:extLst>
               <a:ext uri="{FF2B5EF4-FFF2-40B4-BE49-F238E27FC236}">
-                <a16:creationId xmlns:a16="http://schemas.microsoft.com/office/drawing/2014/main" xmlns="" id="{68CE6783-9C0D-46BA-8D98-4A95830915D5}"/>
+                <a16:creationId xmlns="" xmlns:a16="http://schemas.microsoft.com/office/drawing/2014/main" id="{68CE6783-9C0D-46BA-8D98-4A95830915D5}"/>
               </a:ext>
             </a:extLst>
           </p:cNvPr>
@@ -4799,7 +4768,7 @@
           <p:cNvPr id="10" name="Title 1">
             <a:extLst>
               <a:ext uri="{FF2B5EF4-FFF2-40B4-BE49-F238E27FC236}">
-                <a16:creationId xmlns:a16="http://schemas.microsoft.com/office/drawing/2014/main" xmlns="" id="{68CE6783-9C0D-46BA-8D98-4A95830915D5}"/>
+                <a16:creationId xmlns="" xmlns:a16="http://schemas.microsoft.com/office/drawing/2014/main" id="{68CE6783-9C0D-46BA-8D98-4A95830915D5}"/>
               </a:ext>
             </a:extLst>
           </p:cNvPr>
@@ -5197,7 +5166,7 @@
           <p:cNvPr id="11" name="Title 1">
             <a:extLst>
               <a:ext uri="{FF2B5EF4-FFF2-40B4-BE49-F238E27FC236}">
-                <a16:creationId xmlns:a16="http://schemas.microsoft.com/office/drawing/2014/main" xmlns="" id="{68CE6783-9C0D-46BA-8D98-4A95830915D5}"/>
+                <a16:creationId xmlns="" xmlns:a16="http://schemas.microsoft.com/office/drawing/2014/main" id="{68CE6783-9C0D-46BA-8D98-4A95830915D5}"/>
               </a:ext>
             </a:extLst>
           </p:cNvPr>
@@ -5646,7 +5615,7 @@
           <p:cNvPr id="10" name="Title 1">
             <a:extLst>
               <a:ext uri="{FF2B5EF4-FFF2-40B4-BE49-F238E27FC236}">
-                <a16:creationId xmlns:a16="http://schemas.microsoft.com/office/drawing/2014/main" xmlns="" id="{68CE6783-9C0D-46BA-8D98-4A95830915D5}"/>
+                <a16:creationId xmlns="" xmlns:a16="http://schemas.microsoft.com/office/drawing/2014/main" id="{68CE6783-9C0D-46BA-8D98-4A95830915D5}"/>
               </a:ext>
             </a:extLst>
           </p:cNvPr>
@@ -5797,17 +5766,7 @@
                 <a:latin typeface="Arial" panose="020B0604020202020204" pitchFamily="34" charset="0"/>
                 <a:cs typeface="Arial" panose="020B0604020202020204" pitchFamily="34" charset="0"/>
               </a:rPr>
-              <a:t>Xây </a:t>
-            </a:r>
-            <a:r>
-              <a:rPr lang="en-US" sz="2400" dirty="0" smtClean="0">
-                <a:solidFill>
-                  <a:schemeClr val="tx1"/>
-                </a:solidFill>
-                <a:latin typeface="Arial" panose="020B0604020202020204" pitchFamily="34" charset="0"/>
-                <a:cs typeface="Arial" panose="020B0604020202020204" pitchFamily="34" charset="0"/>
-              </a:rPr>
-              <a:t>dựng “Ứng dụng học tiếng K’Ho”, với các bước cụ thể:</a:t>
+              <a:t>Xây dựng “Ứng dụng học tiếng K’Ho”, với các bước cụ thể:</a:t>
             </a:r>
           </a:p>
           <a:p>
@@ -5839,7 +5798,27 @@
                 <a:latin typeface="Arial" panose="020B0604020202020204" pitchFamily="34" charset="0"/>
                 <a:cs typeface="Arial" panose="020B0604020202020204" pitchFamily="34" charset="0"/>
               </a:rPr>
-              <a:t>Xây dựng dữ liệu ứng dụng</a:t>
+              <a:t>Xây dựng </a:t>
+            </a:r>
+            <a:r>
+              <a:rPr lang="en-US" sz="2400" dirty="0" smtClean="0">
+                <a:solidFill>
+                  <a:schemeClr val="tx1"/>
+                </a:solidFill>
+                <a:latin typeface="Arial" panose="020B0604020202020204" pitchFamily="34" charset="0"/>
+                <a:cs typeface="Arial" panose="020B0604020202020204" pitchFamily="34" charset="0"/>
+              </a:rPr>
+              <a:t>cơ sở dữ liệu của </a:t>
+            </a:r>
+            <a:r>
+              <a:rPr lang="en-US" sz="2400" dirty="0" smtClean="0">
+                <a:solidFill>
+                  <a:schemeClr val="tx1"/>
+                </a:solidFill>
+                <a:latin typeface="Arial" panose="020B0604020202020204" pitchFamily="34" charset="0"/>
+                <a:cs typeface="Arial" panose="020B0604020202020204" pitchFamily="34" charset="0"/>
+              </a:rPr>
+              <a:t>ứng dụng</a:t>
             </a:r>
           </a:p>
           <a:p>
@@ -5855,27 +5834,7 @@
                 <a:latin typeface="Arial" panose="020B0604020202020204" pitchFamily="34" charset="0"/>
                 <a:cs typeface="Arial" panose="020B0604020202020204" pitchFamily="34" charset="0"/>
               </a:rPr>
-              <a:t>Nội dung </a:t>
-            </a:r>
-            <a:r>
-              <a:rPr lang="en-US" sz="2400" dirty="0" smtClean="0">
-                <a:solidFill>
-                  <a:schemeClr val="tx1"/>
-                </a:solidFill>
-                <a:latin typeface="Arial" panose="020B0604020202020204" pitchFamily="34" charset="0"/>
-                <a:cs typeface="Arial" panose="020B0604020202020204" pitchFamily="34" charset="0"/>
-              </a:rPr>
-              <a:t>các bài </a:t>
-            </a:r>
-            <a:r>
-              <a:rPr lang="en-US" sz="2400" dirty="0" smtClean="0">
-                <a:solidFill>
-                  <a:schemeClr val="tx1"/>
-                </a:solidFill>
-                <a:latin typeface="Arial" panose="020B0604020202020204" pitchFamily="34" charset="0"/>
-                <a:cs typeface="Arial" panose="020B0604020202020204" pitchFamily="34" charset="0"/>
-              </a:rPr>
-              <a:t>học</a:t>
+              <a:t>Nội dung các bài học</a:t>
             </a:r>
           </a:p>
           <a:p>
@@ -6039,7 +5998,7 @@
           <p:cNvPr id="9" name="Title 1">
             <a:extLst>
               <a:ext uri="{FF2B5EF4-FFF2-40B4-BE49-F238E27FC236}">
-                <a16:creationId xmlns:a16="http://schemas.microsoft.com/office/drawing/2014/main" xmlns="" id="{68CE6783-9C0D-46BA-8D98-4A95830915D5}"/>
+                <a16:creationId xmlns="" xmlns:a16="http://schemas.microsoft.com/office/drawing/2014/main" id="{68CE6783-9C0D-46BA-8D98-4A95830915D5}"/>
               </a:ext>
             </a:extLst>
           </p:cNvPr>
@@ -6101,26 +6060,7 @@
                 <a:latin typeface="Arial" panose="020B0604020202020204" pitchFamily="34" charset="0"/>
                 <a:cs typeface="Arial" panose="020B0604020202020204" pitchFamily="34" charset="0"/>
               </a:rPr>
-              <a:t>3.5 </a:t>
-            </a:r>
-            <a:r>
-              <a:rPr lang="en-US" sz="3600" dirty="0" smtClean="0">
-                <a:ln w="3175">
-                  <a:solidFill>
-                    <a:schemeClr val="accent6">
-                      <a:lumMod val="75000"/>
-                    </a:schemeClr>
-                  </a:solidFill>
-                </a:ln>
-                <a:solidFill>
-                  <a:schemeClr val="accent6">
-                    <a:lumMod val="75000"/>
-                  </a:schemeClr>
-                </a:solidFill>
-                <a:latin typeface="Arial" panose="020B0604020202020204" pitchFamily="34" charset="0"/>
-                <a:cs typeface="Arial" panose="020B0604020202020204" pitchFamily="34" charset="0"/>
-              </a:rPr>
-              <a:t>Thiết kế ứng dụng</a:t>
+              <a:t>3.5 Thiết kế ứng dụng</a:t>
             </a:r>
             <a:endParaRPr lang="en-US" sz="3600" dirty="0">
               <a:ln w="3175">
@@ -6466,7 +6406,7 @@
           <p:cNvPr id="7" name="Title 1">
             <a:extLst>
               <a:ext uri="{FF2B5EF4-FFF2-40B4-BE49-F238E27FC236}">
-                <a16:creationId xmlns:a16="http://schemas.microsoft.com/office/drawing/2014/main" xmlns="" id="{A26F03AE-A5EF-4A37-AD0A-4A124D961228}"/>
+                <a16:creationId xmlns="" xmlns:a16="http://schemas.microsoft.com/office/drawing/2014/main" id="{A26F03AE-A5EF-4A37-AD0A-4A124D961228}"/>
               </a:ext>
             </a:extLst>
           </p:cNvPr>
@@ -6713,7 +6653,7 @@
           <p:cNvPr id="10" name="Title 1">
             <a:extLst>
               <a:ext uri="{FF2B5EF4-FFF2-40B4-BE49-F238E27FC236}">
-                <a16:creationId xmlns:a16="http://schemas.microsoft.com/office/drawing/2014/main" xmlns="" id="{7368D8FC-019C-4E0A-9E64-2A1D10A99CC1}"/>
+                <a16:creationId xmlns="" xmlns:a16="http://schemas.microsoft.com/office/drawing/2014/main" id="{7368D8FC-019C-4E0A-9E64-2A1D10A99CC1}"/>
               </a:ext>
             </a:extLst>
           </p:cNvPr>
@@ -6981,10 +6921,8 @@
       </p:sp>
       <p:pic>
         <p:nvPicPr>
-          <p:cNvPr id="6" name="Picture 5"/>
-          <p:cNvPicPr>
-            <a:picLocks noChangeAspect="1"/>
-          </p:cNvPicPr>
+          <p:cNvPr id="7" name="Picture 6"/>
+          <p:cNvPicPr/>
           <p:nvPr/>
         </p:nvPicPr>
         <p:blipFill>
@@ -6995,8 +6933,8 @@
         </p:blipFill>
         <p:spPr>
           <a:xfrm>
-            <a:off x="419001" y="934581"/>
-            <a:ext cx="8342990" cy="4551819"/>
+            <a:off x="606286" y="914400"/>
+            <a:ext cx="8080514" cy="5441950"/>
           </a:xfrm>
           <a:prstGeom prst="rect">
             <a:avLst/>
@@ -8083,95 +8021,7 @@
       </p:grpSpPr>
       <p:sp>
         <p:nvSpPr>
-          <p:cNvPr id="8" name="Subtitle 7"/>
-          <p:cNvSpPr>
-            <a:spLocks noGrp="1"/>
-          </p:cNvSpPr>
-          <p:nvPr>
-            <p:ph type="subTitle" idx="1"/>
-          </p:nvPr>
-        </p:nvSpPr>
-        <p:spPr>
-          <a:xfrm>
-            <a:off x="609600" y="1295400"/>
-            <a:ext cx="8077200" cy="4343400"/>
-          </a:xfrm>
-        </p:spPr>
-        <p:txBody>
-          <a:bodyPr>
-            <a:noAutofit/>
-          </a:bodyPr>
-          <a:lstStyle/>
-          <a:p>
-            <a:pPr marL="342900" indent="-342900" algn="l">
-              <a:buFont typeface="Wingdings" panose="05000000000000000000" pitchFamily="2" charset="2"/>
-              <a:buChar char="Ø"/>
-            </a:pPr>
-            <a:r>
-              <a:rPr lang="en-US" sz="2400" dirty="0">
-                <a:solidFill>
-                  <a:schemeClr val="tx1"/>
-                </a:solidFill>
-                <a:latin typeface="Arial" panose="020B0604020202020204" pitchFamily="34" charset="0"/>
-                <a:cs typeface="Arial" panose="020B0604020202020204" pitchFamily="34" charset="0"/>
-              </a:rPr>
-              <a:t>Trong quá trình thực hiện đề tài này, nhóm em đã đạt được kết quả như sau: Củng cố lại kiến thức đã được học, tìm hiểu một số công nghệ mới, xây dựng được ứng dụng</a:t>
-            </a:r>
-            <a:r>
-              <a:rPr lang="en-US" sz="2400" dirty="0" smtClean="0">
-                <a:solidFill>
-                  <a:schemeClr val="tx1"/>
-                </a:solidFill>
-                <a:latin typeface="Arial" panose="020B0604020202020204" pitchFamily="34" charset="0"/>
-                <a:cs typeface="Arial" panose="020B0604020202020204" pitchFamily="34" charset="0"/>
-              </a:rPr>
-              <a:t>.</a:t>
-            </a:r>
-          </a:p>
-          <a:p>
-            <a:pPr algn="l"/>
-            <a:endParaRPr lang="en-US" sz="2400" dirty="0">
-              <a:solidFill>
-                <a:schemeClr val="tx1"/>
-              </a:solidFill>
-              <a:latin typeface="Arial" panose="020B0604020202020204" pitchFamily="34" charset="0"/>
-              <a:cs typeface="Arial" panose="020B0604020202020204" pitchFamily="34" charset="0"/>
-            </a:endParaRPr>
-          </a:p>
-          <a:p>
-            <a:pPr marL="342900" indent="-342900" algn="l">
-              <a:buFont typeface="Wingdings" panose="05000000000000000000" pitchFamily="2" charset="2"/>
-              <a:buChar char="Ø"/>
-            </a:pPr>
-            <a:r>
-              <a:rPr lang="en-US" sz="2400" dirty="0">
-                <a:solidFill>
-                  <a:schemeClr val="tx1"/>
-                </a:solidFill>
-                <a:latin typeface="Arial" panose="020B0604020202020204" pitchFamily="34" charset="0"/>
-                <a:cs typeface="Arial" panose="020B0604020202020204" pitchFamily="34" charset="0"/>
-              </a:rPr>
-              <a:t>Ứng dụng học K’Ho là ứng dụng hữu ích phục vụ cho việc phục vụ cho việc dạy, học tập và tìm hiểu về dân tộc K’Ho. Có các chức năng cơ bản của ứng dụng học ngôn ngữ.</a:t>
-            </a:r>
-          </a:p>
-          <a:p>
-            <a:pPr marL="342900" indent="-342900" algn="l">
-              <a:buFont typeface="Wingdings" panose="05000000000000000000" pitchFamily="2" charset="2"/>
-              <a:buChar char="Ø"/>
-            </a:pPr>
-            <a:endParaRPr lang="en-US" sz="2400" dirty="0" smtClean="0">
-              <a:solidFill>
-                <a:schemeClr val="tx1"/>
-              </a:solidFill>
-              <a:latin typeface="Arial" panose="020B0604020202020204" pitchFamily="34" charset="0"/>
-              <a:cs typeface="Arial" panose="020B0604020202020204" pitchFamily="34" charset="0"/>
-            </a:endParaRPr>
-          </a:p>
-        </p:txBody>
-      </p:sp>
-      <p:sp>
-        <p:nvSpPr>
-          <p:cNvPr id="3" name="Date Placeholder 2"/>
+          <p:cNvPr id="4" name="Date Placeholder 3"/>
           <p:cNvSpPr>
             <a:spLocks noGrp="1"/>
           </p:cNvSpPr>
@@ -8185,15 +8035,16 @@
           <a:lstStyle/>
           <a:p>
             <a:r>
-              <a:rPr lang="en-US"/>
+              <a:rPr lang="en-US" smtClean="0"/>
               <a:t>10/13/2017</a:t>
             </a:r>
-          </a:p>
-        </p:txBody>
-      </p:sp>
-      <p:sp>
-        <p:nvSpPr>
-          <p:cNvPr id="4" name="Footer Placeholder 3"/>
+            <a:endParaRPr lang="en-US"/>
+          </a:p>
+        </p:txBody>
+      </p:sp>
+      <p:sp>
+        <p:nvSpPr>
+          <p:cNvPr id="5" name="Footer Placeholder 4"/>
           <p:cNvSpPr>
             <a:spLocks noGrp="1"/>
           </p:cNvSpPr>
@@ -8212,7 +8063,7 @@
       </p:sp>
       <p:sp>
         <p:nvSpPr>
-          <p:cNvPr id="5" name="Slide Number Placeholder 4"/>
+          <p:cNvPr id="6" name="Slide Number Placeholder 5"/>
           <p:cNvSpPr>
             <a:spLocks noGrp="1"/>
           </p:cNvSpPr>
@@ -8235,68 +8086,10 @@
       </p:sp>
       <p:sp>
         <p:nvSpPr>
-          <p:cNvPr id="6" name="Title 1"/>
-          <p:cNvSpPr txBox="1">
-            <a:spLocks/>
-          </p:cNvSpPr>
-          <p:nvPr/>
-        </p:nvSpPr>
-        <p:spPr>
-          <a:xfrm>
-            <a:off x="609600" y="1295400"/>
-            <a:ext cx="8077200" cy="4495800"/>
-          </a:xfrm>
-          <a:prstGeom prst="rect">
-            <a:avLst/>
-          </a:prstGeom>
-        </p:spPr>
-        <p:txBody>
-          <a:bodyPr vert="horz" lIns="91440" tIns="45720" rIns="91440" bIns="45720" rtlCol="0" anchor="ctr">
-            <a:normAutofit/>
-          </a:bodyPr>
-          <a:lstStyle>
-            <a:lvl1pPr algn="l" defTabSz="914400" rtl="0" eaLnBrk="1" latinLnBrk="0" hangingPunct="1">
-              <a:spcBef>
-                <a:spcPct val="0"/>
-              </a:spcBef>
-              <a:buNone/>
-              <a:defRPr sz="4400" kern="1200">
-                <a:solidFill>
-                  <a:schemeClr val="bg1"/>
-                </a:solidFill>
-                <a:latin typeface="Segoe UI Semilight" pitchFamily="34" charset="0"/>
-                <a:ea typeface="+mj-ea"/>
-                <a:cs typeface="Segoe UI Semilight" pitchFamily="34" charset="0"/>
-              </a:defRPr>
-            </a:lvl1pPr>
-          </a:lstStyle>
-          <a:p>
-            <a:pPr marL="342900" indent="-342900" algn="just">
-              <a:spcBef>
-                <a:spcPts val="1200"/>
-              </a:spcBef>
-              <a:buClr>
-                <a:schemeClr val="tx1"/>
-              </a:buClr>
-              <a:buFont typeface="Wingdings" panose="05000000000000000000" pitchFamily="2" charset="2"/>
-              <a:buChar char="Ø"/>
-            </a:pPr>
-            <a:endParaRPr lang="en-US" sz="2400" dirty="0">
-              <a:solidFill>
-                <a:schemeClr val="tx1"/>
-              </a:solidFill>
-              <a:latin typeface="Arial" panose="020B0604020202020204" pitchFamily="34" charset="0"/>
-              <a:cs typeface="Arial" panose="020B0604020202020204" pitchFamily="34" charset="0"/>
-            </a:endParaRPr>
-          </a:p>
-        </p:txBody>
-      </p:sp>
-      <p:sp>
-        <p:nvSpPr>
           <p:cNvPr id="7" name="Title 1">
             <a:extLst>
               <a:ext uri="{FF2B5EF4-FFF2-40B4-BE49-F238E27FC236}">
-                <a16:creationId xmlns:a16="http://schemas.microsoft.com/office/drawing/2014/main" xmlns="" id="{A26F03AE-A5EF-4A37-AD0A-4A124D961228}"/>
+                <a16:creationId xmlns="" xmlns:a16="http://schemas.microsoft.com/office/drawing/2014/main" id="{A26F03AE-A5EF-4A37-AD0A-4A124D961228}"/>
               </a:ext>
             </a:extLst>
           </p:cNvPr>
@@ -8342,6 +8135,25 @@
           <a:p>
             <a:pPr algn="ctr"/>
             <a:r>
+              <a:rPr lang="en-US" sz="3600" dirty="0">
+                <a:ln w="3175">
+                  <a:solidFill>
+                    <a:schemeClr val="accent6">
+                      <a:lumMod val="75000"/>
+                    </a:schemeClr>
+                  </a:solidFill>
+                </a:ln>
+                <a:solidFill>
+                  <a:schemeClr val="accent6">
+                    <a:lumMod val="75000"/>
+                  </a:schemeClr>
+                </a:solidFill>
+                <a:latin typeface="Arial" panose="020B0604020202020204" pitchFamily="34" charset="0"/>
+                <a:cs typeface="Arial" panose="020B0604020202020204" pitchFamily="34" charset="0"/>
+              </a:rPr>
+              <a:t>6</a:t>
+            </a:r>
+            <a:r>
               <a:rPr lang="en-US" sz="3600" dirty="0" smtClean="0">
                 <a:ln w="3175">
                   <a:solidFill>
@@ -8358,26 +8170,7 @@
                 <a:latin typeface="Arial" panose="020B0604020202020204" pitchFamily="34" charset="0"/>
                 <a:cs typeface="Arial" panose="020B0604020202020204" pitchFamily="34" charset="0"/>
               </a:rPr>
-              <a:t>5.1 </a:t>
-            </a:r>
-            <a:r>
-              <a:rPr lang="en-US" sz="3600" dirty="0" smtClean="0">
-                <a:ln w="3175">
-                  <a:solidFill>
-                    <a:schemeClr val="accent6">
-                      <a:lumMod val="75000"/>
-                    </a:schemeClr>
-                  </a:solidFill>
-                </a:ln>
-                <a:solidFill>
-                  <a:schemeClr val="accent6">
-                    <a:lumMod val="75000"/>
-                  </a:schemeClr>
-                </a:solidFill>
-                <a:latin typeface="Arial" panose="020B0604020202020204" pitchFamily="34" charset="0"/>
-                <a:cs typeface="Arial" panose="020B0604020202020204" pitchFamily="34" charset="0"/>
-              </a:rPr>
-              <a:t>Kết luận</a:t>
+              <a:t>. Demo ứng dụng</a:t>
             </a:r>
             <a:endParaRPr lang="en-US" sz="3600" dirty="0">
               <a:ln w="3175">
@@ -8401,20 +8194,13 @@
     </p:spTree>
     <p:extLst>
       <p:ext uri="{BB962C8B-B14F-4D97-AF65-F5344CB8AC3E}">
-        <p14:creationId xmlns:p14="http://schemas.microsoft.com/office/powerpoint/2010/main" val="2816934427"/>
+        <p14:creationId xmlns:p14="http://schemas.microsoft.com/office/powerpoint/2010/main" val="1792033989"/>
       </p:ext>
     </p:extLst>
   </p:cSld>
   <p:clrMapOvr>
     <a:masterClrMapping/>
   </p:clrMapOvr>
-  <p:timing>
-    <p:tnLst>
-      <p:par>
-        <p:cTn id="1" dur="indefinite" restart="never" nodeType="tmRoot"/>
-      </p:par>
-    </p:tnLst>
-  </p:timing>
 </p:sld>
 </file>
 
@@ -8447,8 +8233,8 @@
         </p:nvSpPr>
         <p:spPr>
           <a:xfrm>
-            <a:off x="609600" y="1295400"/>
-            <a:ext cx="8077200" cy="4343400"/>
+            <a:off x="228600" y="884238"/>
+            <a:ext cx="8763000" cy="4754562"/>
           </a:xfrm>
         </p:spPr>
         <p:txBody>
@@ -8457,26 +8243,137 @@
           </a:bodyPr>
           <a:lstStyle/>
           <a:p>
-            <a:pPr algn="l"/>
-            <a:r>
-              <a:rPr lang="en-US" sz="2000" dirty="0">
+            <a:pPr marL="342900" indent="-342900" algn="l">
+              <a:buFont typeface="Wingdings" panose="05000000000000000000" pitchFamily="2" charset="2"/>
+              <a:buChar char="Ø"/>
+            </a:pPr>
+            <a:r>
+              <a:rPr lang="en-US" sz="2400" dirty="0" smtClean="0">
                 <a:solidFill>
                   <a:schemeClr val="tx1"/>
                 </a:solidFill>
                 <a:latin typeface="Arial" panose="020B0604020202020204" pitchFamily="34" charset="0"/>
                 <a:cs typeface="Arial" panose="020B0604020202020204" pitchFamily="34" charset="0"/>
               </a:rPr>
-              <a:t>Tuy nhiên, do hạn chế về mặt thời gian cũng như ngôn ngữ nên ứng dụng của nhóm em vẫn còn nhiều thiếu sót cần hoàn thiện một số nội dung</a:t>
-            </a:r>
-            <a:r>
-              <a:rPr lang="en-US" sz="2000" dirty="0" smtClean="0">
+              <a:t>Kết luận:</a:t>
+            </a:r>
+          </a:p>
+          <a:p>
+            <a:pPr marL="342900" indent="-342900" algn="l">
+              <a:buFont typeface="Wingdings" panose="05000000000000000000" pitchFamily="2" charset="2"/>
+              <a:buChar char="§"/>
+            </a:pPr>
+            <a:r>
+              <a:rPr lang="en-US" sz="2400" dirty="0" smtClean="0">
                 <a:solidFill>
                   <a:schemeClr val="tx1"/>
                 </a:solidFill>
                 <a:latin typeface="Arial" panose="020B0604020202020204" pitchFamily="34" charset="0"/>
                 <a:cs typeface="Arial" panose="020B0604020202020204" pitchFamily="34" charset="0"/>
               </a:rPr>
-              <a:t>:</a:t>
+              <a:t>Kết </a:t>
+            </a:r>
+            <a:r>
+              <a:rPr lang="en-US" sz="2400" dirty="0">
+                <a:solidFill>
+                  <a:schemeClr val="tx1"/>
+                </a:solidFill>
+                <a:latin typeface="Arial" panose="020B0604020202020204" pitchFamily="34" charset="0"/>
+                <a:cs typeface="Arial" panose="020B0604020202020204" pitchFamily="34" charset="0"/>
+              </a:rPr>
+              <a:t>quả </a:t>
+            </a:r>
+            <a:r>
+              <a:rPr lang="en-US" sz="2400" dirty="0" smtClean="0">
+                <a:solidFill>
+                  <a:schemeClr val="tx1"/>
+                </a:solidFill>
+                <a:latin typeface="Arial" panose="020B0604020202020204" pitchFamily="34" charset="0"/>
+                <a:cs typeface="Arial" panose="020B0604020202020204" pitchFamily="34" charset="0"/>
+              </a:rPr>
+              <a:t>đã đạt </a:t>
+            </a:r>
+            <a:r>
+              <a:rPr lang="en-US" sz="2400" dirty="0" smtClean="0">
+                <a:solidFill>
+                  <a:schemeClr val="tx1"/>
+                </a:solidFill>
+                <a:latin typeface="Arial" panose="020B0604020202020204" pitchFamily="34" charset="0"/>
+                <a:cs typeface="Arial" panose="020B0604020202020204" pitchFamily="34" charset="0"/>
+              </a:rPr>
+              <a:t>như </a:t>
+            </a:r>
+            <a:r>
+              <a:rPr lang="en-US" sz="2400" dirty="0">
+                <a:solidFill>
+                  <a:schemeClr val="tx1"/>
+                </a:solidFill>
+                <a:latin typeface="Arial" panose="020B0604020202020204" pitchFamily="34" charset="0"/>
+                <a:cs typeface="Arial" panose="020B0604020202020204" pitchFamily="34" charset="0"/>
+              </a:rPr>
+              <a:t>sau: Củng cố lại kiến thức đã được học, tìm hiểu một số công nghệ mới, xây dựng được ứng dụng</a:t>
+            </a:r>
+            <a:r>
+              <a:rPr lang="en-US" sz="2400" dirty="0" smtClean="0">
+                <a:solidFill>
+                  <a:schemeClr val="tx1"/>
+                </a:solidFill>
+                <a:latin typeface="Arial" panose="020B0604020202020204" pitchFamily="34" charset="0"/>
+                <a:cs typeface="Arial" panose="020B0604020202020204" pitchFamily="34" charset="0"/>
+              </a:rPr>
+              <a:t>.</a:t>
+            </a:r>
+          </a:p>
+          <a:p>
+            <a:pPr marL="342900" indent="-342900" algn="l">
+              <a:buFont typeface="Wingdings" panose="05000000000000000000" pitchFamily="2" charset="2"/>
+              <a:buChar char="§"/>
+            </a:pPr>
+            <a:r>
+              <a:rPr lang="en-US" sz="2400" dirty="0" smtClean="0">
+                <a:solidFill>
+                  <a:schemeClr val="tx1"/>
+                </a:solidFill>
+                <a:latin typeface="Arial" panose="020B0604020202020204" pitchFamily="34" charset="0"/>
+                <a:cs typeface="Arial" panose="020B0604020202020204" pitchFamily="34" charset="0"/>
+              </a:rPr>
+              <a:t>Ứng </a:t>
+            </a:r>
+            <a:r>
+              <a:rPr lang="en-US" sz="2400" dirty="0">
+                <a:solidFill>
+                  <a:schemeClr val="tx1"/>
+                </a:solidFill>
+                <a:latin typeface="Arial" panose="020B0604020202020204" pitchFamily="34" charset="0"/>
+                <a:cs typeface="Arial" panose="020B0604020202020204" pitchFamily="34" charset="0"/>
+              </a:rPr>
+              <a:t>dụng học K’Ho là ứng dụng hữu ích phục vụ cho việc phục vụ cho việc dạy, học tập và tìm hiểu về dân tộc K’Ho. Có các chức năng cơ bản của ứng dụng học ngôn ngữ</a:t>
+            </a:r>
+            <a:r>
+              <a:rPr lang="en-US" sz="2400" dirty="0" smtClean="0">
+                <a:solidFill>
+                  <a:schemeClr val="tx1"/>
+                </a:solidFill>
+                <a:latin typeface="Arial" panose="020B0604020202020204" pitchFamily="34" charset="0"/>
+                <a:cs typeface="Arial" panose="020B0604020202020204" pitchFamily="34" charset="0"/>
+              </a:rPr>
+              <a:t>.</a:t>
+            </a:r>
+          </a:p>
+          <a:p>
+            <a:pPr marL="342900" indent="-342900" algn="l">
+              <a:buFont typeface="Wingdings" panose="05000000000000000000" pitchFamily="2" charset="2"/>
+              <a:buChar char="Ø"/>
+            </a:pPr>
+            <a:r>
+              <a:rPr lang="en-US" sz="2400" dirty="0" smtClean="0">
+                <a:solidFill>
+                  <a:schemeClr val="tx1"/>
+                </a:solidFill>
+                <a:latin typeface="Arial" panose="020B0604020202020204" pitchFamily="34" charset="0"/>
+                <a:cs typeface="Arial" panose="020B0604020202020204" pitchFamily="34" charset="0"/>
+              </a:rPr>
+              <a:t>Hướng phát triển:</a:t>
             </a:r>
             <a:endParaRPr lang="en-US" sz="2000" dirty="0">
               <a:solidFill>
@@ -8487,7 +8384,33 @@
             </a:endParaRPr>
           </a:p>
           <a:p>
-            <a:pPr marL="800100" lvl="1" indent="-342900" algn="l">
+            <a:pPr marL="342900" indent="-342900" algn="l">
+              <a:buFont typeface="Wingdings" panose="05000000000000000000" pitchFamily="2" charset="2"/>
+              <a:buChar char="§"/>
+            </a:pPr>
+            <a:r>
+              <a:rPr lang="en-US" sz="2000" dirty="0" smtClean="0">
+                <a:solidFill>
+                  <a:schemeClr val="tx1"/>
+                </a:solidFill>
+                <a:latin typeface="Arial" panose="020B0604020202020204" pitchFamily="34" charset="0"/>
+                <a:cs typeface="Arial" panose="020B0604020202020204" pitchFamily="34" charset="0"/>
+              </a:rPr>
+              <a:t>Do </a:t>
+            </a:r>
+            <a:r>
+              <a:rPr lang="en-US" sz="2000" dirty="0">
+                <a:solidFill>
+                  <a:schemeClr val="tx1"/>
+                </a:solidFill>
+                <a:latin typeface="Arial" panose="020B0604020202020204" pitchFamily="34" charset="0"/>
+                <a:cs typeface="Arial" panose="020B0604020202020204" pitchFamily="34" charset="0"/>
+              </a:rPr>
+              <a:t>hạn chế về thời gian cũng như ngôn ngữ nên ứng dụng của nhóm em vẫn còn thiếu sót cần hoàn thiện một số nội dung:</a:t>
+            </a:r>
+          </a:p>
+          <a:p>
+            <a:pPr marL="800100" lvl="1" indent="-342900" algn="just">
               <a:buFont typeface="Wingdings" panose="05000000000000000000" pitchFamily="2" charset="2"/>
               <a:buChar char="Ø"/>
             </a:pPr>
@@ -8499,11 +8422,11 @@
                 <a:latin typeface="Arial" panose="020B0604020202020204" pitchFamily="34" charset="0"/>
                 <a:cs typeface="Arial" panose="020B0604020202020204" pitchFamily="34" charset="0"/>
               </a:rPr>
-              <a:t>Các chức năng của ứng dụng chưa được tối ưu.</a:t>
-            </a:r>
-          </a:p>
-          <a:p>
-            <a:pPr marL="800100" lvl="1" indent="-342900" algn="l">
+              <a:t>Tối ưu các chức năng của ứng dụng.</a:t>
+            </a:r>
+          </a:p>
+          <a:p>
+            <a:pPr marL="800100" lvl="1" indent="-342900" algn="just">
               <a:buFont typeface="Wingdings" panose="05000000000000000000" pitchFamily="2" charset="2"/>
               <a:buChar char="Ø"/>
             </a:pPr>
@@ -8519,7 +8442,7 @@
             </a:r>
           </a:p>
           <a:p>
-            <a:pPr marL="800100" lvl="1" indent="-342900" algn="l">
+            <a:pPr marL="800100" lvl="1" indent="-342900" algn="just">
               <a:buFont typeface="Wingdings" panose="05000000000000000000" pitchFamily="2" charset="2"/>
               <a:buChar char="Ø"/>
             </a:pPr>
@@ -8531,7 +8454,20 @@
                 <a:latin typeface="Arial" panose="020B0604020202020204" pitchFamily="34" charset="0"/>
                 <a:cs typeface="Arial" panose="020B0604020202020204" pitchFamily="34" charset="0"/>
               </a:rPr>
-              <a:t>Tra cứu đoạn văn bản, từ đồng nghĩa, từ trái nghĩa</a:t>
+              <a:t>Tra cứu đoạn văn bản, từ đồng nghĩa, từ trái nghĩa.</a:t>
+            </a:r>
+          </a:p>
+          <a:p>
+            <a:pPr algn="just"/>
+            <a:r>
+              <a:rPr lang="en-US" sz="2000" dirty="0">
+                <a:solidFill>
+                  <a:schemeClr val="tx1"/>
+                </a:solidFill>
+                <a:latin typeface="Arial" panose="020B0604020202020204" pitchFamily="34" charset="0"/>
+                <a:cs typeface="Arial" panose="020B0604020202020204" pitchFamily="34" charset="0"/>
+              </a:rPr>
+              <a:t>Do việc ứng dụng khoa học công nghệ vào nghiên cứu ngôn ngữ của đồng bào thiểu số </a:t>
             </a:r>
             <a:r>
               <a:rPr lang="en-US" sz="2000" dirty="0" smtClean="0">
@@ -8541,11 +8477,18 @@
                 <a:latin typeface="Arial" panose="020B0604020202020204" pitchFamily="34" charset="0"/>
                 <a:cs typeface="Arial" panose="020B0604020202020204" pitchFamily="34" charset="0"/>
               </a:rPr>
-              <a:t>.</a:t>
-            </a:r>
-          </a:p>
-          <a:p>
-            <a:pPr algn="l"/>
+              <a:t>chưa </a:t>
+            </a:r>
+            <a:r>
+              <a:rPr lang="en-US" sz="2000" dirty="0">
+                <a:solidFill>
+                  <a:schemeClr val="tx1"/>
+                </a:solidFill>
+                <a:latin typeface="Arial" panose="020B0604020202020204" pitchFamily="34" charset="0"/>
+                <a:cs typeface="Arial" panose="020B0604020202020204" pitchFamily="34" charset="0"/>
+              </a:rPr>
+              <a:t>được phổ biến, nên hướng phát triển của đề tài còn rộng như: </a:t>
+            </a:r>
             <a:r>
               <a:rPr lang="en-US" sz="2000" dirty="0" smtClean="0">
                 <a:solidFill>
@@ -8554,7 +8497,7 @@
                 <a:latin typeface="Arial" panose="020B0604020202020204" pitchFamily="34" charset="0"/>
                 <a:cs typeface="Arial" panose="020B0604020202020204" pitchFamily="34" charset="0"/>
               </a:rPr>
-              <a:t>Do </a:t>
+              <a:t>dịch </a:t>
             </a:r>
             <a:r>
               <a:rPr lang="en-US" sz="2000" dirty="0">
@@ -8564,15 +8507,39 @@
                 <a:latin typeface="Arial" panose="020B0604020202020204" pitchFamily="34" charset="0"/>
                 <a:cs typeface="Arial" panose="020B0604020202020204" pitchFamily="34" charset="0"/>
               </a:rPr>
-              <a:t>việc ứng dụng khoa học công nghệ vào nghiên cứu ngôn ngữ của đồng bào thiểu số cũng như việc dạy và học ngôn ngữ các dân tộc thiểu số chưa được phổ biến, nên hướng phát triển của đề tài còn rộng như: ứng dụng dạy tiếng K’Ho, dịch tự động giữa tiếng K’Ho và các ngôn ngữ khác, nhận dạng và tổng hợp tiếng K’Ho, …</a:t>
-            </a:r>
-          </a:p>
-          <a:p>
-            <a:pPr marL="342900" indent="-342900" algn="l">
-              <a:buFont typeface="Wingdings" panose="05000000000000000000" pitchFamily="2" charset="2"/>
-              <a:buChar char="Ø"/>
-            </a:pPr>
-            <a:endParaRPr lang="en-US" sz="2000" dirty="0" smtClean="0">
+              <a:t>tự động giữa tiếng </a:t>
+            </a:r>
+            <a:r>
+              <a:rPr lang="en-US" sz="2000" dirty="0" smtClean="0">
+                <a:solidFill>
+                  <a:schemeClr val="tx1"/>
+                </a:solidFill>
+                <a:latin typeface="Arial" panose="020B0604020202020204" pitchFamily="34" charset="0"/>
+                <a:cs typeface="Arial" panose="020B0604020202020204" pitchFamily="34" charset="0"/>
+              </a:rPr>
+              <a:t>K’Ho-Việt, </a:t>
+            </a:r>
+            <a:r>
+              <a:rPr lang="en-US" sz="2000" dirty="0">
+                <a:solidFill>
+                  <a:schemeClr val="tx1"/>
+                </a:solidFill>
+                <a:latin typeface="Arial" panose="020B0604020202020204" pitchFamily="34" charset="0"/>
+                <a:cs typeface="Arial" panose="020B0604020202020204" pitchFamily="34" charset="0"/>
+              </a:rPr>
+              <a:t>nhận dạng và tổng hợp tiếng K’Ho</a:t>
+            </a:r>
+            <a:r>
+              <a:rPr lang="en-US" sz="2000" dirty="0" smtClean="0">
+                <a:solidFill>
+                  <a:schemeClr val="tx1"/>
+                </a:solidFill>
+                <a:latin typeface="Arial" panose="020B0604020202020204" pitchFamily="34" charset="0"/>
+                <a:cs typeface="Arial" panose="020B0604020202020204" pitchFamily="34" charset="0"/>
+              </a:rPr>
+              <a:t>,…</a:t>
+            </a:r>
+            <a:endParaRPr lang="en-US" sz="2000" dirty="0">
               <a:solidFill>
                 <a:schemeClr val="tx1"/>
               </a:solidFill>
@@ -8580,6 +8547,32 @@
               <a:cs typeface="Arial" panose="020B0604020202020204" pitchFamily="34" charset="0"/>
             </a:endParaRPr>
           </a:p>
+          <a:p>
+            <a:pPr marL="342900" indent="-342900" algn="l">
+              <a:buFont typeface="Wingdings" panose="05000000000000000000" pitchFamily="2" charset="2"/>
+              <a:buChar char="§"/>
+            </a:pPr>
+            <a:endParaRPr lang="en-US" sz="2400" dirty="0">
+              <a:solidFill>
+                <a:schemeClr val="tx1"/>
+              </a:solidFill>
+              <a:latin typeface="Arial" panose="020B0604020202020204" pitchFamily="34" charset="0"/>
+              <a:cs typeface="Arial" panose="020B0604020202020204" pitchFamily="34" charset="0"/>
+            </a:endParaRPr>
+          </a:p>
+          <a:p>
+            <a:pPr marL="342900" indent="-342900" algn="l">
+              <a:buFont typeface="Wingdings" panose="05000000000000000000" pitchFamily="2" charset="2"/>
+              <a:buChar char="Ø"/>
+            </a:pPr>
+            <a:endParaRPr lang="en-US" sz="2400" dirty="0" smtClean="0">
+              <a:solidFill>
+                <a:schemeClr val="tx1"/>
+              </a:solidFill>
+              <a:latin typeface="Arial" panose="020B0604020202020204" pitchFamily="34" charset="0"/>
+              <a:cs typeface="Arial" panose="020B0604020202020204" pitchFamily="34" charset="0"/>
+            </a:endParaRPr>
+          </a:p>
         </p:txBody>
       </p:sp>
       <p:sp>
@@ -8598,7 +8591,7 @@
           <a:lstStyle/>
           <a:p>
             <a:r>
-              <a:rPr lang="en-US"/>
+              <a:rPr lang="en-US" dirty="0"/>
               <a:t>10/13/2017</a:t>
             </a:r>
           </a:p>
@@ -8684,13 +8677,15 @@
             </a:lvl1pPr>
           </a:lstStyle>
           <a:p>
-            <a:pPr algn="just">
+            <a:pPr marL="342900" indent="-342900" algn="just">
               <a:spcBef>
                 <a:spcPts val="1200"/>
               </a:spcBef>
               <a:buClr>
                 <a:schemeClr val="tx1"/>
               </a:buClr>
+              <a:buFont typeface="Wingdings" panose="05000000000000000000" pitchFamily="2" charset="2"/>
+              <a:buChar char="Ø"/>
             </a:pPr>
             <a:endParaRPr lang="en-US" sz="2400" dirty="0">
               <a:solidFill>
@@ -8707,7 +8702,7 @@
           <p:cNvPr id="7" name="Title 1">
             <a:extLst>
               <a:ext uri="{FF2B5EF4-FFF2-40B4-BE49-F238E27FC236}">
-                <a16:creationId xmlns:a16="http://schemas.microsoft.com/office/drawing/2014/main" xmlns="" id="{A26F03AE-A5EF-4A37-AD0A-4A124D961228}"/>
+                <a16:creationId xmlns="" xmlns:a16="http://schemas.microsoft.com/office/drawing/2014/main" id="{A26F03AE-A5EF-4A37-AD0A-4A124D961228}"/>
               </a:ext>
             </a:extLst>
           </p:cNvPr>
@@ -8769,26 +8764,7 @@
                 <a:latin typeface="Arial" panose="020B0604020202020204" pitchFamily="34" charset="0"/>
                 <a:cs typeface="Arial" panose="020B0604020202020204" pitchFamily="34" charset="0"/>
               </a:rPr>
-              <a:t>5.2 </a:t>
-            </a:r>
-            <a:r>
-              <a:rPr lang="en-US" sz="3600" dirty="0" smtClean="0">
-                <a:ln w="3175">
-                  <a:solidFill>
-                    <a:schemeClr val="accent6">
-                      <a:lumMod val="75000"/>
-                    </a:schemeClr>
-                  </a:solidFill>
-                </a:ln>
-                <a:solidFill>
-                  <a:schemeClr val="accent6">
-                    <a:lumMod val="75000"/>
-                  </a:schemeClr>
-                </a:solidFill>
-                <a:latin typeface="Arial" panose="020B0604020202020204" pitchFamily="34" charset="0"/>
-                <a:cs typeface="Arial" panose="020B0604020202020204" pitchFamily="34" charset="0"/>
-              </a:rPr>
-              <a:t>Hướng phát triển</a:t>
+              <a:t>5.1 Kết luận</a:t>
             </a:r>
             <a:endParaRPr lang="en-US" sz="3600" dirty="0">
               <a:ln w="3175">
@@ -8812,7 +8788,7 @@
     </p:spTree>
     <p:extLst>
       <p:ext uri="{BB962C8B-B14F-4D97-AF65-F5344CB8AC3E}">
-        <p14:creationId xmlns:p14="http://schemas.microsoft.com/office/powerpoint/2010/main" val="510870723"/>
+        <p14:creationId xmlns:p14="http://schemas.microsoft.com/office/powerpoint/2010/main" val="2816934427"/>
       </p:ext>
     </p:extLst>
   </p:cSld>
@@ -8848,7 +8824,7 @@
       </p:grpSpPr>
       <p:sp>
         <p:nvSpPr>
-          <p:cNvPr id="4" name="Date Placeholder 3"/>
+          <p:cNvPr id="3" name="Date Placeholder 2"/>
           <p:cNvSpPr>
             <a:spLocks noGrp="1"/>
           </p:cNvSpPr>
@@ -8862,16 +8838,15 @@
           <a:lstStyle/>
           <a:p>
             <a:r>
-              <a:rPr lang="en-US" smtClean="0"/>
+              <a:rPr lang="en-US"/>
               <a:t>10/13/2017</a:t>
             </a:r>
-            <a:endParaRPr lang="en-US"/>
-          </a:p>
-        </p:txBody>
-      </p:sp>
-      <p:sp>
-        <p:nvSpPr>
-          <p:cNvPr id="5" name="Footer Placeholder 4"/>
+          </a:p>
+        </p:txBody>
+      </p:sp>
+      <p:sp>
+        <p:nvSpPr>
+          <p:cNvPr id="4" name="Footer Placeholder 3"/>
           <p:cNvSpPr>
             <a:spLocks noGrp="1"/>
           </p:cNvSpPr>
@@ -8890,7 +8865,7 @@
       </p:sp>
       <p:sp>
         <p:nvSpPr>
-          <p:cNvPr id="6" name="Slide Number Placeholder 5"/>
+          <p:cNvPr id="5" name="Slide Number Placeholder 4"/>
           <p:cNvSpPr>
             <a:spLocks noGrp="1"/>
           </p:cNvSpPr>
@@ -8906,207 +8881,6 @@
             <a:fld id="{FF387971-9C3B-49A6-8D58-3AFB2456A1FB}" type="slidenum">
               <a:rPr lang="en-US" smtClean="0"/>
               <a:t>24</a:t>
-            </a:fld>
-            <a:endParaRPr lang="en-US"/>
-          </a:p>
-        </p:txBody>
-      </p:sp>
-      <p:sp>
-        <p:nvSpPr>
-          <p:cNvPr id="7" name="Title 1">
-            <a:extLst>
-              <a:ext uri="{FF2B5EF4-FFF2-40B4-BE49-F238E27FC236}">
-                <a16:creationId xmlns:a16="http://schemas.microsoft.com/office/drawing/2014/main" xmlns="" id="{A26F03AE-A5EF-4A37-AD0A-4A124D961228}"/>
-              </a:ext>
-            </a:extLst>
-          </p:cNvPr>
-          <p:cNvSpPr txBox="1">
-            <a:spLocks/>
-          </p:cNvSpPr>
-          <p:nvPr/>
-        </p:nvSpPr>
-        <p:spPr>
-          <a:xfrm>
-            <a:off x="0" y="0"/>
-            <a:ext cx="9144000" cy="884238"/>
-          </a:xfrm>
-          <a:prstGeom prst="rect">
-            <a:avLst/>
-          </a:prstGeom>
-          <a:ln w="3175">
-            <a:solidFill>
-              <a:schemeClr val="tx1"/>
-            </a:solidFill>
-          </a:ln>
-        </p:spPr>
-        <p:txBody>
-          <a:bodyPr vert="horz" lIns="91440" tIns="45720" rIns="91440" bIns="45720" rtlCol="0" anchor="ctr">
-            <a:noAutofit/>
-          </a:bodyPr>
-          <a:lstStyle>
-            <a:lvl1pPr algn="l" defTabSz="914400" rtl="0" eaLnBrk="1" latinLnBrk="0" hangingPunct="1">
-              <a:spcBef>
-                <a:spcPct val="0"/>
-              </a:spcBef>
-              <a:buNone/>
-              <a:defRPr sz="4400" kern="1200">
-                <a:solidFill>
-                  <a:schemeClr val="bg1"/>
-                </a:solidFill>
-                <a:latin typeface="Segoe UI Semilight" pitchFamily="34" charset="0"/>
-                <a:ea typeface="+mj-ea"/>
-                <a:cs typeface="Segoe UI Semilight" pitchFamily="34" charset="0"/>
-              </a:defRPr>
-            </a:lvl1pPr>
-          </a:lstStyle>
-          <a:p>
-            <a:pPr algn="ctr"/>
-            <a:r>
-              <a:rPr lang="en-US" sz="3600" dirty="0">
-                <a:ln w="3175">
-                  <a:solidFill>
-                    <a:schemeClr val="accent6">
-                      <a:lumMod val="75000"/>
-                    </a:schemeClr>
-                  </a:solidFill>
-                </a:ln>
-                <a:solidFill>
-                  <a:schemeClr val="accent6">
-                    <a:lumMod val="75000"/>
-                  </a:schemeClr>
-                </a:solidFill>
-                <a:latin typeface="Arial" panose="020B0604020202020204" pitchFamily="34" charset="0"/>
-                <a:cs typeface="Arial" panose="020B0604020202020204" pitchFamily="34" charset="0"/>
-              </a:rPr>
-              <a:t>6</a:t>
-            </a:r>
-            <a:r>
-              <a:rPr lang="en-US" sz="3600" dirty="0" smtClean="0">
-                <a:ln w="3175">
-                  <a:solidFill>
-                    <a:schemeClr val="accent6">
-                      <a:lumMod val="75000"/>
-                    </a:schemeClr>
-                  </a:solidFill>
-                </a:ln>
-                <a:solidFill>
-                  <a:schemeClr val="accent6">
-                    <a:lumMod val="75000"/>
-                  </a:schemeClr>
-                </a:solidFill>
-                <a:latin typeface="Arial" panose="020B0604020202020204" pitchFamily="34" charset="0"/>
-                <a:cs typeface="Arial" panose="020B0604020202020204" pitchFamily="34" charset="0"/>
-              </a:rPr>
-              <a:t>. Demo ứng dụng</a:t>
-            </a:r>
-            <a:endParaRPr lang="en-US" sz="3600" dirty="0">
-              <a:ln w="3175">
-                <a:solidFill>
-                  <a:schemeClr val="accent6">
-                    <a:lumMod val="75000"/>
-                  </a:schemeClr>
-                </a:solidFill>
-              </a:ln>
-              <a:solidFill>
-                <a:schemeClr val="accent6">
-                  <a:lumMod val="75000"/>
-                </a:schemeClr>
-              </a:solidFill>
-              <a:latin typeface="Arial" panose="020B0604020202020204" pitchFamily="34" charset="0"/>
-              <a:cs typeface="Arial" panose="020B0604020202020204" pitchFamily="34" charset="0"/>
-            </a:endParaRPr>
-          </a:p>
-        </p:txBody>
-      </p:sp>
-    </p:spTree>
-    <p:extLst>
-      <p:ext uri="{BB962C8B-B14F-4D97-AF65-F5344CB8AC3E}">
-        <p14:creationId xmlns:p14="http://schemas.microsoft.com/office/powerpoint/2010/main" val="1792033989"/>
-      </p:ext>
-    </p:extLst>
-  </p:cSld>
-  <p:clrMapOvr>
-    <a:masterClrMapping/>
-  </p:clrMapOvr>
-</p:sld>
-</file>
-
-<file path=ppt/slides/slide25.xml><?xml version="1.0" encoding="utf-8"?>
-<p:sld xmlns:a="http://schemas.openxmlformats.org/drawingml/2006/main" xmlns:r="http://schemas.openxmlformats.org/officeDocument/2006/relationships" xmlns:p="http://schemas.openxmlformats.org/presentationml/2006/main">
-  <p:cSld>
-    <p:spTree>
-      <p:nvGrpSpPr>
-        <p:cNvPr id="1" name=""/>
-        <p:cNvGrpSpPr/>
-        <p:nvPr/>
-      </p:nvGrpSpPr>
-      <p:grpSpPr>
-        <a:xfrm>
-          <a:off x="0" y="0"/>
-          <a:ext cx="0" cy="0"/>
-          <a:chOff x="0" y="0"/>
-          <a:chExt cx="0" cy="0"/>
-        </a:xfrm>
-      </p:grpSpPr>
-      <p:sp>
-        <p:nvSpPr>
-          <p:cNvPr id="3" name="Date Placeholder 2"/>
-          <p:cNvSpPr>
-            <a:spLocks noGrp="1"/>
-          </p:cNvSpPr>
-          <p:nvPr>
-            <p:ph type="dt" sz="half" idx="10"/>
-          </p:nvPr>
-        </p:nvSpPr>
-        <p:spPr/>
-        <p:txBody>
-          <a:bodyPr/>
-          <a:lstStyle/>
-          <a:p>
-            <a:r>
-              <a:rPr lang="en-US"/>
-              <a:t>10/13/2017</a:t>
-            </a:r>
-          </a:p>
-        </p:txBody>
-      </p:sp>
-      <p:sp>
-        <p:nvSpPr>
-          <p:cNvPr id="4" name="Footer Placeholder 3"/>
-          <p:cNvSpPr>
-            <a:spLocks noGrp="1"/>
-          </p:cNvSpPr>
-          <p:nvPr>
-            <p:ph type="ftr" sz="quarter" idx="11"/>
-          </p:nvPr>
-        </p:nvSpPr>
-        <p:spPr/>
-        <p:txBody>
-          <a:bodyPr/>
-          <a:lstStyle/>
-          <a:p>
-            <a:endParaRPr lang="en-US"/>
-          </a:p>
-        </p:txBody>
-      </p:sp>
-      <p:sp>
-        <p:nvSpPr>
-          <p:cNvPr id="5" name="Slide Number Placeholder 4"/>
-          <p:cNvSpPr>
-            <a:spLocks noGrp="1"/>
-          </p:cNvSpPr>
-          <p:nvPr>
-            <p:ph type="sldNum" sz="quarter" idx="12"/>
-          </p:nvPr>
-        </p:nvSpPr>
-        <p:spPr/>
-        <p:txBody>
-          <a:bodyPr/>
-          <a:lstStyle/>
-          <a:p>
-            <a:fld id="{FF387971-9C3B-49A6-8D58-3AFB2456A1FB}" type="slidenum">
-              <a:rPr lang="en-US" smtClean="0"/>
-              <a:t>25</a:t>
             </a:fld>
             <a:endParaRPr lang="en-US"/>
           </a:p>
@@ -9359,7 +9133,7 @@
           <p:cNvPr id="7" name="Title 1">
             <a:extLst>
               <a:ext uri="{FF2B5EF4-FFF2-40B4-BE49-F238E27FC236}">
-                <a16:creationId xmlns:a16="http://schemas.microsoft.com/office/drawing/2014/main" xmlns="" id="{A26F03AE-A5EF-4A37-AD0A-4A124D961228}"/>
+                <a16:creationId xmlns="" xmlns:a16="http://schemas.microsoft.com/office/drawing/2014/main" id="{A26F03AE-A5EF-4A37-AD0A-4A124D961228}"/>
               </a:ext>
             </a:extLst>
           </p:cNvPr>
@@ -9421,26 +9195,7 @@
                 <a:latin typeface="Arial" panose="020B0604020202020204" pitchFamily="34" charset="0"/>
                 <a:cs typeface="Arial" panose="020B0604020202020204" pitchFamily="34" charset="0"/>
               </a:rPr>
-              <a:t>1.1 </a:t>
-            </a:r>
-            <a:r>
-              <a:rPr lang="en-US" sz="3600" dirty="0" smtClean="0">
-                <a:ln w="3175">
-                  <a:solidFill>
-                    <a:schemeClr val="accent6">
-                      <a:lumMod val="75000"/>
-                    </a:schemeClr>
-                  </a:solidFill>
-                </a:ln>
-                <a:solidFill>
-                  <a:schemeClr val="accent6">
-                    <a:lumMod val="75000"/>
-                  </a:schemeClr>
-                </a:solidFill>
-                <a:latin typeface="Arial" panose="020B0604020202020204" pitchFamily="34" charset="0"/>
-                <a:cs typeface="Arial" panose="020B0604020202020204" pitchFamily="34" charset="0"/>
-              </a:rPr>
-              <a:t>Lý do chọn đề tài</a:t>
+              <a:t>1.1 Lý do chọn đề tài</a:t>
             </a:r>
             <a:endParaRPr lang="en-US" sz="3600" dirty="0">
               <a:ln w="3175">
@@ -10264,7 +10019,7 @@
           <p:cNvPr id="8" name="Title 1">
             <a:extLst>
               <a:ext uri="{FF2B5EF4-FFF2-40B4-BE49-F238E27FC236}">
-                <a16:creationId xmlns:a16="http://schemas.microsoft.com/office/drawing/2014/main" xmlns="" id="{6678819E-8E04-460E-A82B-ECE3893CFFD4}"/>
+                <a16:creationId xmlns="" xmlns:a16="http://schemas.microsoft.com/office/drawing/2014/main" id="{6678819E-8E04-460E-A82B-ECE3893CFFD4}"/>
               </a:ext>
             </a:extLst>
           </p:cNvPr>
@@ -10461,7 +10216,7 @@
           <p:nvPr>
             <p:extLst>
               <p:ext uri="{D42A27DB-BD31-4B8C-83A1-F6EECF244321}">
-                <p14:modId xmlns:p14="http://schemas.microsoft.com/office/powerpoint/2010/main" val="4149926575"/>
+                <p14:modId xmlns:p14="http://schemas.microsoft.com/office/powerpoint/2010/main" val="3287134473"/>
               </p:ext>
             </p:extLst>
           </p:nvPr>
@@ -10619,15 +10374,28 @@
                         </a:spcAft>
                       </a:pPr>
                       <a:r>
-                        <a:rPr lang="en-US" sz="1200" dirty="0">
+                        <a:rPr lang="en-US" sz="1200" dirty="0" smtClean="0">
                           <a:solidFill>
                             <a:schemeClr val="tx1"/>
                           </a:solidFill>
                           <a:effectLst/>
                           <a:latin typeface="Arial" panose="020B0604020202020204" pitchFamily="34" charset="0"/>
+                          <a:ea typeface="+mn-ea"/>
                           <a:cs typeface="Arial" panose="020B0604020202020204" pitchFamily="34" charset="0"/>
                         </a:rPr>
-                        <a:t>Ghi chú</a:t>
+                        <a:t>Tiến</a:t>
+                      </a:r>
+                      <a:r>
+                        <a:rPr lang="en-US" sz="1200" baseline="0" dirty="0" smtClean="0">
+                          <a:solidFill>
+                            <a:schemeClr val="tx1"/>
+                          </a:solidFill>
+                          <a:effectLst/>
+                          <a:latin typeface="Arial" panose="020B0604020202020204" pitchFamily="34" charset="0"/>
+                          <a:ea typeface="+mn-ea"/>
+                          <a:cs typeface="Arial" panose="020B0604020202020204" pitchFamily="34" charset="0"/>
+                        </a:rPr>
+                        <a:t> độ</a:t>
                       </a:r>
                       <a:endParaRPr lang="en-US" sz="1200" dirty="0">
                         <a:solidFill>
@@ -12266,7 +12034,7 @@
           <p:cNvPr id="7" name="Title 1">
             <a:extLst>
               <a:ext uri="{FF2B5EF4-FFF2-40B4-BE49-F238E27FC236}">
-                <a16:creationId xmlns:a16="http://schemas.microsoft.com/office/drawing/2014/main" xmlns="" id="{6678819E-8E04-460E-A82B-ECE3893CFFD4}"/>
+                <a16:creationId xmlns="" xmlns:a16="http://schemas.microsoft.com/office/drawing/2014/main" id="{6678819E-8E04-460E-A82B-ECE3893CFFD4}"/>
               </a:ext>
             </a:extLst>
           </p:cNvPr>
@@ -12428,6 +12196,12 @@
           <a:lstStyle/>
           <a:p>
             <a:pPr marL="342900" indent="-342900" algn="l">
+              <a:lnSpc>
+                <a:spcPct val="150000"/>
+              </a:lnSpc>
+              <a:spcBef>
+                <a:spcPts val="1200"/>
+              </a:spcBef>
               <a:buFont typeface="Wingdings" panose="05000000000000000000" pitchFamily="2" charset="2"/>
               <a:buChar char="Ø"/>
             </a:pPr>
@@ -12444,6 +12218,12 @@
           </a:p>
           <a:p>
             <a:pPr marL="342900" indent="-342900" algn="l">
+              <a:lnSpc>
+                <a:spcPct val="150000"/>
+              </a:lnSpc>
+              <a:spcBef>
+                <a:spcPts val="1200"/>
+              </a:spcBef>
               <a:buFont typeface="Wingdings" panose="05000000000000000000" pitchFamily="2" charset="2"/>
               <a:buChar char="Ø"/>
             </a:pPr>
@@ -12460,6 +12240,12 @@
           </a:p>
           <a:p>
             <a:pPr marL="342900" indent="-342900" algn="l">
+              <a:lnSpc>
+                <a:spcPct val="150000"/>
+              </a:lnSpc>
+              <a:spcBef>
+                <a:spcPts val="1200"/>
+              </a:spcBef>
               <a:buFont typeface="Wingdings" panose="05000000000000000000" pitchFamily="2" charset="2"/>
               <a:buChar char="Ø"/>
             </a:pPr>
@@ -12476,6 +12262,12 @@
           </a:p>
           <a:p>
             <a:pPr marL="342900" indent="-342900" algn="l">
+              <a:lnSpc>
+                <a:spcPct val="150000"/>
+              </a:lnSpc>
+              <a:spcBef>
+                <a:spcPts val="1200"/>
+              </a:spcBef>
               <a:buFont typeface="Wingdings" panose="05000000000000000000" pitchFamily="2" charset="2"/>
               <a:buChar char="Ø"/>
             </a:pPr>
@@ -12492,6 +12284,12 @@
           </a:p>
           <a:p>
             <a:pPr marL="342900" indent="-342900" algn="l">
+              <a:lnSpc>
+                <a:spcPct val="150000"/>
+              </a:lnSpc>
+              <a:spcBef>
+                <a:spcPts val="1200"/>
+              </a:spcBef>
               <a:buFont typeface="Wingdings" panose="05000000000000000000" pitchFamily="2" charset="2"/>
               <a:buChar char="Ø"/>
             </a:pPr>
@@ -12642,7 +12440,7 @@
           <p:cNvPr id="7" name="Title 1">
             <a:extLst>
               <a:ext uri="{FF2B5EF4-FFF2-40B4-BE49-F238E27FC236}">
-                <a16:creationId xmlns:a16="http://schemas.microsoft.com/office/drawing/2014/main" xmlns="" id="{A26F03AE-A5EF-4A37-AD0A-4A124D961228}"/>
+                <a16:creationId xmlns="" xmlns:a16="http://schemas.microsoft.com/office/drawing/2014/main" id="{A26F03AE-A5EF-4A37-AD0A-4A124D961228}"/>
               </a:ext>
             </a:extLst>
           </p:cNvPr>
@@ -12887,6 +12685,9 @@
               <a:lnSpc>
                 <a:spcPct val="150000"/>
               </a:lnSpc>
+              <a:spcBef>
+                <a:spcPts val="600"/>
+              </a:spcBef>
               <a:buClr>
                 <a:srgbClr val="00B404"/>
               </a:buClr>
@@ -12917,6 +12718,9 @@
               <a:lnSpc>
                 <a:spcPct val="150000"/>
               </a:lnSpc>
+              <a:spcBef>
+                <a:spcPts val="600"/>
+              </a:spcBef>
               <a:buFont typeface="Wingdings" panose="05000000000000000000" pitchFamily="2" charset="2"/>
               <a:buChar char="Ø"/>
             </a:pPr>
@@ -12936,6 +12740,9 @@
               <a:lnSpc>
                 <a:spcPct val="150000"/>
               </a:lnSpc>
+              <a:spcBef>
+                <a:spcPts val="600"/>
+              </a:spcBef>
               <a:buFont typeface="Wingdings" panose="05000000000000000000" pitchFamily="2" charset="2"/>
               <a:buChar char="Ø"/>
             </a:pPr>
@@ -12955,6 +12762,9 @@
               <a:lnSpc>
                 <a:spcPct val="150000"/>
               </a:lnSpc>
+              <a:spcBef>
+                <a:spcPts val="600"/>
+              </a:spcBef>
               <a:buFont typeface="Wingdings" panose="05000000000000000000" pitchFamily="2" charset="2"/>
               <a:buChar char="Ø"/>
             </a:pPr>
@@ -12976,7 +12786,7 @@
           <p:cNvPr id="7" name="Title 1">
             <a:extLst>
               <a:ext uri="{FF2B5EF4-FFF2-40B4-BE49-F238E27FC236}">
-                <a16:creationId xmlns:a16="http://schemas.microsoft.com/office/drawing/2014/main" xmlns="" id="{68CE6783-9C0D-46BA-8D98-4A95830915D5}"/>
+                <a16:creationId xmlns="" xmlns:a16="http://schemas.microsoft.com/office/drawing/2014/main" id="{68CE6783-9C0D-46BA-8D98-4A95830915D5}"/>
               </a:ext>
             </a:extLst>
           </p:cNvPr>
@@ -13224,6 +13034,16 @@
           </a:p>
           <a:p>
             <a:pPr algn="l"/>
+            <a:endParaRPr lang="en-US" sz="2200" dirty="0" smtClean="0">
+              <a:solidFill>
+                <a:schemeClr val="tx1"/>
+              </a:solidFill>
+              <a:latin typeface="Arial" panose="020B0604020202020204" pitchFamily="34" charset="0"/>
+              <a:cs typeface="Arial" panose="020B0604020202020204" pitchFamily="34" charset="0"/>
+            </a:endParaRPr>
+          </a:p>
+          <a:p>
+            <a:pPr algn="l"/>
             <a:r>
               <a:rPr lang="en-US" sz="2200" dirty="0" smtClean="0">
                 <a:solidFill>
@@ -13232,7 +13052,27 @@
                 <a:latin typeface="Arial" panose="020B0604020202020204" pitchFamily="34" charset="0"/>
                 <a:cs typeface="Arial" panose="020B0604020202020204" pitchFamily="34" charset="0"/>
               </a:rPr>
-              <a:t>Ưu điểm:</a:t>
+              <a:t>Đề xuất</a:t>
+            </a:r>
+            <a:r>
+              <a:rPr lang="en-US" sz="2200" dirty="0" smtClean="0">
+                <a:solidFill>
+                  <a:schemeClr val="tx1"/>
+                </a:solidFill>
+                <a:latin typeface="Arial" panose="020B0604020202020204" pitchFamily="34" charset="0"/>
+                <a:cs typeface="Arial" panose="020B0604020202020204" pitchFamily="34" charset="0"/>
+              </a:rPr>
+              <a:t>Ưu </a:t>
+            </a:r>
+            <a:r>
+              <a:rPr lang="en-US" sz="2200" dirty="0" smtClean="0">
+                <a:solidFill>
+                  <a:schemeClr val="tx1"/>
+                </a:solidFill>
+                <a:latin typeface="Arial" panose="020B0604020202020204" pitchFamily="34" charset="0"/>
+                <a:cs typeface="Arial" panose="020B0604020202020204" pitchFamily="34" charset="0"/>
+              </a:rPr>
+              <a:t>điểm:</a:t>
             </a:r>
           </a:p>
           <a:p>
@@ -13407,7 +13247,7 @@
           <p:cNvPr id="7" name="Title 1">
             <a:extLst>
               <a:ext uri="{FF2B5EF4-FFF2-40B4-BE49-F238E27FC236}">
-                <a16:creationId xmlns:a16="http://schemas.microsoft.com/office/drawing/2014/main" xmlns="" id="{68CE6783-9C0D-46BA-8D98-4A95830915D5}"/>
+                <a16:creationId xmlns="" xmlns:a16="http://schemas.microsoft.com/office/drawing/2014/main" id="{68CE6783-9C0D-46BA-8D98-4A95830915D5}"/>
               </a:ext>
             </a:extLst>
           </p:cNvPr>

--- a/THESIS/DACN_UD_Hoc_KHo_CTK37_BaoCao_D3.pptx
+++ b/THESIS/DACN_UD_Hoc_KHo_CTK37_BaoCao_D3.pptx
@@ -5,7 +5,7 @@
     <p:sldMasterId id="2147483648" r:id="rId1"/>
   </p:sldMasterIdLst>
   <p:notesMasterIdLst>
-    <p:notesMasterId r:id="rId26"/>
+    <p:notesMasterId r:id="rId33"/>
   </p:notesMasterIdLst>
   <p:sldIdLst>
     <p:sldId id="256" r:id="rId2"/>
@@ -16,22 +16,29 @@
     <p:sldId id="341" r:id="rId7"/>
     <p:sldId id="327" r:id="rId8"/>
     <p:sldId id="336" r:id="rId9"/>
-    <p:sldId id="353" r:id="rId10"/>
+    <p:sldId id="354" r:id="rId10"/>
     <p:sldId id="346" r:id="rId11"/>
     <p:sldId id="347" r:id="rId12"/>
     <p:sldId id="348" r:id="rId13"/>
     <p:sldId id="332" r:id="rId14"/>
     <p:sldId id="349" r:id="rId15"/>
-    <p:sldId id="343" r:id="rId16"/>
-    <p:sldId id="309" r:id="rId17"/>
-    <p:sldId id="310" r:id="rId18"/>
-    <p:sldId id="323" r:id="rId19"/>
-    <p:sldId id="311" r:id="rId20"/>
-    <p:sldId id="316" r:id="rId21"/>
-    <p:sldId id="312" r:id="rId22"/>
-    <p:sldId id="352" r:id="rId23"/>
-    <p:sldId id="350" r:id="rId24"/>
-    <p:sldId id="320" r:id="rId25"/>
+    <p:sldId id="355" r:id="rId16"/>
+    <p:sldId id="356" r:id="rId17"/>
+    <p:sldId id="357" r:id="rId18"/>
+    <p:sldId id="358" r:id="rId19"/>
+    <p:sldId id="359" r:id="rId20"/>
+    <p:sldId id="360" r:id="rId21"/>
+    <p:sldId id="361" r:id="rId22"/>
+    <p:sldId id="343" r:id="rId23"/>
+    <p:sldId id="309" r:id="rId24"/>
+    <p:sldId id="310" r:id="rId25"/>
+    <p:sldId id="323" r:id="rId26"/>
+    <p:sldId id="311" r:id="rId27"/>
+    <p:sldId id="316" r:id="rId28"/>
+    <p:sldId id="312" r:id="rId29"/>
+    <p:sldId id="352" r:id="rId30"/>
+    <p:sldId id="350" r:id="rId31"/>
+    <p:sldId id="320" r:id="rId32"/>
   </p:sldIdLst>
   <p:sldSz cx="9144000" cy="6858000" type="screen4x3"/>
   <p:notesSz cx="6858000" cy="9144000"/>
@@ -235,7 +242,7 @@
           <a:p>
             <a:fld id="{5F3C816B-6264-4CFF-B007-776089C8006A}" type="datetimeFigureOut">
               <a:rPr lang="en-US" smtClean="0"/>
-              <a:t>12/4/2017</a:t>
+              <a:t>12/5/2017</a:t>
             </a:fld>
             <a:endParaRPr lang="en-US"/>
           </a:p>
@@ -3939,7 +3946,7 @@
           <p:cNvPr id="10" name="Picture 9">
             <a:extLst>
               <a:ext uri="{FF2B5EF4-FFF2-40B4-BE49-F238E27FC236}">
-                <a16:creationId xmlns="" xmlns:a16="http://schemas.microsoft.com/office/drawing/2014/main" id="{8D2D12AD-440E-467D-AB43-0C3F2A1664D6}"/>
+                <a16:creationId xmlns:a16="http://schemas.microsoft.com/office/drawing/2014/main" xmlns="" id="{8D2D12AD-440E-467D-AB43-0C3F2A1664D6}"/>
               </a:ext>
             </a:extLst>
           </p:cNvPr>
@@ -4418,7 +4425,7 @@
           <p:cNvPr id="9" name="Title 1">
             <a:extLst>
               <a:ext uri="{FF2B5EF4-FFF2-40B4-BE49-F238E27FC236}">
-                <a16:creationId xmlns="" xmlns:a16="http://schemas.microsoft.com/office/drawing/2014/main" id="{68CE6783-9C0D-46BA-8D98-4A95830915D5}"/>
+                <a16:creationId xmlns:a16="http://schemas.microsoft.com/office/drawing/2014/main" xmlns="" id="{68CE6783-9C0D-46BA-8D98-4A95830915D5}"/>
               </a:ext>
             </a:extLst>
           </p:cNvPr>
@@ -4768,7 +4775,7 @@
           <p:cNvPr id="10" name="Title 1">
             <a:extLst>
               <a:ext uri="{FF2B5EF4-FFF2-40B4-BE49-F238E27FC236}">
-                <a16:creationId xmlns="" xmlns:a16="http://schemas.microsoft.com/office/drawing/2014/main" id="{68CE6783-9C0D-46BA-8D98-4A95830915D5}"/>
+                <a16:creationId xmlns:a16="http://schemas.microsoft.com/office/drawing/2014/main" xmlns="" id="{68CE6783-9C0D-46BA-8D98-4A95830915D5}"/>
               </a:ext>
             </a:extLst>
           </p:cNvPr>
@@ -5166,7 +5173,7 @@
           <p:cNvPr id="11" name="Title 1">
             <a:extLst>
               <a:ext uri="{FF2B5EF4-FFF2-40B4-BE49-F238E27FC236}">
-                <a16:creationId xmlns="" xmlns:a16="http://schemas.microsoft.com/office/drawing/2014/main" id="{68CE6783-9C0D-46BA-8D98-4A95830915D5}"/>
+                <a16:creationId xmlns:a16="http://schemas.microsoft.com/office/drawing/2014/main" xmlns="" id="{68CE6783-9C0D-46BA-8D98-4A95830915D5}"/>
               </a:ext>
             </a:extLst>
           </p:cNvPr>
@@ -5615,7 +5622,7 @@
           <p:cNvPr id="10" name="Title 1">
             <a:extLst>
               <a:ext uri="{FF2B5EF4-FFF2-40B4-BE49-F238E27FC236}">
-                <a16:creationId xmlns="" xmlns:a16="http://schemas.microsoft.com/office/drawing/2014/main" id="{68CE6783-9C0D-46BA-8D98-4A95830915D5}"/>
+                <a16:creationId xmlns:a16="http://schemas.microsoft.com/office/drawing/2014/main" xmlns="" id="{68CE6783-9C0D-46BA-8D98-4A95830915D5}"/>
               </a:ext>
             </a:extLst>
           </p:cNvPr>
@@ -5798,27 +5805,7 @@
                 <a:latin typeface="Arial" panose="020B0604020202020204" pitchFamily="34" charset="0"/>
                 <a:cs typeface="Arial" panose="020B0604020202020204" pitchFamily="34" charset="0"/>
               </a:rPr>
-              <a:t>Xây dựng </a:t>
-            </a:r>
-            <a:r>
-              <a:rPr lang="en-US" sz="2400" dirty="0" smtClean="0">
-                <a:solidFill>
-                  <a:schemeClr val="tx1"/>
-                </a:solidFill>
-                <a:latin typeface="Arial" panose="020B0604020202020204" pitchFamily="34" charset="0"/>
-                <a:cs typeface="Arial" panose="020B0604020202020204" pitchFamily="34" charset="0"/>
-              </a:rPr>
-              <a:t>cơ sở dữ liệu của </a:t>
-            </a:r>
-            <a:r>
-              <a:rPr lang="en-US" sz="2400" dirty="0" smtClean="0">
-                <a:solidFill>
-                  <a:schemeClr val="tx1"/>
-                </a:solidFill>
-                <a:latin typeface="Arial" panose="020B0604020202020204" pitchFamily="34" charset="0"/>
-                <a:cs typeface="Arial" panose="020B0604020202020204" pitchFamily="34" charset="0"/>
-              </a:rPr>
-              <a:t>ứng dụng</a:t>
+              <a:t>Xây dựng cơ sở dữ liệu của ứng dụng</a:t>
             </a:r>
           </a:p>
           <a:p>
@@ -5998,7 +5985,7 @@
           <p:cNvPr id="9" name="Title 1">
             <a:extLst>
               <a:ext uri="{FF2B5EF4-FFF2-40B4-BE49-F238E27FC236}">
-                <a16:creationId xmlns="" xmlns:a16="http://schemas.microsoft.com/office/drawing/2014/main" id="{68CE6783-9C0D-46BA-8D98-4A95830915D5}"/>
+                <a16:creationId xmlns:a16="http://schemas.microsoft.com/office/drawing/2014/main" xmlns="" id="{68CE6783-9C0D-46BA-8D98-4A95830915D5}"/>
               </a:ext>
             </a:extLst>
           </p:cNvPr>
@@ -6120,167 +6107,6 @@
       </p:grpSpPr>
       <p:sp>
         <p:nvSpPr>
-          <p:cNvPr id="8" name="Subtitle 7"/>
-          <p:cNvSpPr>
-            <a:spLocks noGrp="1"/>
-          </p:cNvSpPr>
-          <p:nvPr>
-            <p:ph type="subTitle" idx="1"/>
-          </p:nvPr>
-        </p:nvSpPr>
-        <p:spPr>
-          <a:xfrm>
-            <a:off x="609600" y="1295400"/>
-            <a:ext cx="8077200" cy="4343400"/>
-          </a:xfrm>
-        </p:spPr>
-        <p:txBody>
-          <a:bodyPr>
-            <a:noAutofit/>
-          </a:bodyPr>
-          <a:lstStyle/>
-          <a:p>
-            <a:pPr marL="342900" indent="-342900" algn="l">
-              <a:buFont typeface="Wingdings" panose="05000000000000000000" pitchFamily="2" charset="2"/>
-              <a:buChar char="Ø"/>
-            </a:pPr>
-            <a:r>
-              <a:rPr lang="en-US" sz="2400" dirty="0" smtClean="0">
-                <a:solidFill>
-                  <a:schemeClr val="tx1"/>
-                </a:solidFill>
-                <a:latin typeface="Arial" panose="020B0604020202020204" pitchFamily="34" charset="0"/>
-                <a:cs typeface="Arial" panose="020B0604020202020204" pitchFamily="34" charset="0"/>
-              </a:rPr>
-              <a:t>Xây dựng thành công phần mềm ứng dụng</a:t>
-            </a:r>
-          </a:p>
-          <a:p>
-            <a:pPr marL="342900" indent="-342900" algn="l">
-              <a:buFont typeface="Wingdings" panose="05000000000000000000" pitchFamily="2" charset="2"/>
-              <a:buChar char="Ø"/>
-            </a:pPr>
-            <a:r>
-              <a:rPr lang="en-US" sz="2400" dirty="0" smtClean="0">
-                <a:solidFill>
-                  <a:schemeClr val="tx1"/>
-                </a:solidFill>
-                <a:latin typeface="Arial" panose="020B0604020202020204" pitchFamily="34" charset="0"/>
-                <a:cs typeface="Arial" panose="020B0604020202020204" pitchFamily="34" charset="0"/>
-              </a:rPr>
-              <a:t>Hoàn thành </a:t>
-            </a:r>
-            <a:r>
-              <a:rPr lang="en-US" sz="2400" dirty="0">
-                <a:solidFill>
-                  <a:schemeClr val="tx1"/>
-                </a:solidFill>
-                <a:latin typeface="Arial" panose="020B0604020202020204" pitchFamily="34" charset="0"/>
-                <a:cs typeface="Arial" panose="020B0604020202020204" pitchFamily="34" charset="0"/>
-              </a:rPr>
-              <a:t>các chức năng chính của một ứng dụng học ngôn ngữ đơn </a:t>
-            </a:r>
-            <a:r>
-              <a:rPr lang="en-US" sz="2400" dirty="0" smtClean="0">
-                <a:solidFill>
-                  <a:schemeClr val="tx1"/>
-                </a:solidFill>
-                <a:latin typeface="Arial" panose="020B0604020202020204" pitchFamily="34" charset="0"/>
-                <a:cs typeface="Arial" panose="020B0604020202020204" pitchFamily="34" charset="0"/>
-              </a:rPr>
-              <a:t>giản</a:t>
-            </a:r>
-            <a:endParaRPr lang="en-US" sz="2400" dirty="0">
-              <a:solidFill>
-                <a:schemeClr val="tx1"/>
-              </a:solidFill>
-              <a:latin typeface="Arial" panose="020B0604020202020204" pitchFamily="34" charset="0"/>
-              <a:cs typeface="Arial" panose="020B0604020202020204" pitchFamily="34" charset="0"/>
-            </a:endParaRPr>
-          </a:p>
-          <a:p>
-            <a:pPr marL="342900" indent="-342900" algn="l">
-              <a:buFont typeface="Wingdings" panose="05000000000000000000" pitchFamily="2" charset="2"/>
-              <a:buChar char="Ø"/>
-            </a:pPr>
-            <a:r>
-              <a:rPr lang="en-US" sz="2400" dirty="0">
-                <a:solidFill>
-                  <a:schemeClr val="tx1"/>
-                </a:solidFill>
-                <a:latin typeface="Arial" panose="020B0604020202020204" pitchFamily="34" charset="0"/>
-                <a:cs typeface="Arial" panose="020B0604020202020204" pitchFamily="34" charset="0"/>
-              </a:rPr>
-              <a:t>Phần mềm tương thích các hệ điểu </a:t>
-            </a:r>
-            <a:r>
-              <a:rPr lang="en-US" sz="2400" dirty="0" smtClean="0">
-                <a:solidFill>
-                  <a:schemeClr val="tx1"/>
-                </a:solidFill>
-                <a:latin typeface="Arial" panose="020B0604020202020204" pitchFamily="34" charset="0"/>
-                <a:cs typeface="Arial" panose="020B0604020202020204" pitchFamily="34" charset="0"/>
-              </a:rPr>
-              <a:t>hành Windows</a:t>
-            </a:r>
-            <a:endParaRPr lang="en-US" sz="2400" dirty="0">
-              <a:solidFill>
-                <a:schemeClr val="tx1"/>
-              </a:solidFill>
-              <a:latin typeface="Arial" panose="020B0604020202020204" pitchFamily="34" charset="0"/>
-              <a:cs typeface="Arial" panose="020B0604020202020204" pitchFamily="34" charset="0"/>
-            </a:endParaRPr>
-          </a:p>
-          <a:p>
-            <a:pPr marL="342900" indent="-342900" algn="l">
-              <a:buFont typeface="Wingdings" panose="05000000000000000000" pitchFamily="2" charset="2"/>
-              <a:buChar char="Ø"/>
-            </a:pPr>
-            <a:r>
-              <a:rPr lang="en-US" sz="2400" dirty="0">
-                <a:solidFill>
-                  <a:schemeClr val="tx1"/>
-                </a:solidFill>
-                <a:latin typeface="Arial" panose="020B0604020202020204" pitchFamily="34" charset="0"/>
-                <a:cs typeface="Arial" panose="020B0604020202020204" pitchFamily="34" charset="0"/>
-              </a:rPr>
-              <a:t>Dữ liệu của phần mềm được lưu vào hệ quản trị cơ sở dữ </a:t>
-            </a:r>
-            <a:r>
-              <a:rPr lang="en-US" sz="2400" dirty="0" smtClean="0">
-                <a:solidFill>
-                  <a:schemeClr val="tx1"/>
-                </a:solidFill>
-                <a:latin typeface="Arial" panose="020B0604020202020204" pitchFamily="34" charset="0"/>
-                <a:cs typeface="Arial" panose="020B0604020202020204" pitchFamily="34" charset="0"/>
-              </a:rPr>
-              <a:t>liệu</a:t>
-            </a:r>
-            <a:endParaRPr lang="en-US" sz="2400" dirty="0">
-              <a:solidFill>
-                <a:schemeClr val="tx1"/>
-              </a:solidFill>
-              <a:latin typeface="Arial" panose="020B0604020202020204" pitchFamily="34" charset="0"/>
-              <a:cs typeface="Arial" panose="020B0604020202020204" pitchFamily="34" charset="0"/>
-            </a:endParaRPr>
-          </a:p>
-          <a:p>
-            <a:pPr marL="342900" indent="-342900" algn="l">
-              <a:buFont typeface="Wingdings" panose="05000000000000000000" pitchFamily="2" charset="2"/>
-              <a:buChar char="Ø"/>
-            </a:pPr>
-            <a:endParaRPr lang="en-US" sz="2400" dirty="0">
-              <a:solidFill>
-                <a:schemeClr val="tx1"/>
-              </a:solidFill>
-              <a:latin typeface="Arial" panose="020B0604020202020204" pitchFamily="34" charset="0"/>
-              <a:cs typeface="Arial" panose="020B0604020202020204" pitchFamily="34" charset="0"/>
-            </a:endParaRPr>
-          </a:p>
-        </p:txBody>
-      </p:sp>
-      <p:sp>
-        <p:nvSpPr>
           <p:cNvPr id="3" name="Date Placeholder 2"/>
           <p:cNvSpPr>
             <a:spLocks noGrp="1"/>
@@ -6403,10 +6229,10 @@
       </p:sp>
       <p:sp>
         <p:nvSpPr>
-          <p:cNvPr id="7" name="Title 1">
+          <p:cNvPr id="9" name="Title 1">
             <a:extLst>
               <a:ext uri="{FF2B5EF4-FFF2-40B4-BE49-F238E27FC236}">
-                <a16:creationId xmlns="" xmlns:a16="http://schemas.microsoft.com/office/drawing/2014/main" id="{A26F03AE-A5EF-4A37-AD0A-4A124D961228}"/>
+                <a16:creationId xmlns:a16="http://schemas.microsoft.com/office/drawing/2014/main" xmlns="" id="{68CE6783-9C0D-46BA-8D98-4A95830915D5}"/>
               </a:ext>
             </a:extLst>
           </p:cNvPr>
@@ -6452,25 +6278,6 @@
           <a:p>
             <a:pPr algn="ctr"/>
             <a:r>
-              <a:rPr lang="en-US" sz="3600" dirty="0">
-                <a:ln w="3175">
-                  <a:solidFill>
-                    <a:schemeClr val="accent6">
-                      <a:lumMod val="75000"/>
-                    </a:schemeClr>
-                  </a:solidFill>
-                </a:ln>
-                <a:solidFill>
-                  <a:schemeClr val="accent6">
-                    <a:lumMod val="75000"/>
-                  </a:schemeClr>
-                </a:solidFill>
-                <a:latin typeface="Arial" panose="020B0604020202020204" pitchFamily="34" charset="0"/>
-                <a:cs typeface="Arial" panose="020B0604020202020204" pitchFamily="34" charset="0"/>
-              </a:rPr>
-              <a:t>4</a:t>
-            </a:r>
-            <a:r>
               <a:rPr lang="en-US" sz="3600" dirty="0" smtClean="0">
                 <a:ln w="3175">
                   <a:solidFill>
@@ -6487,7 +6294,26 @@
                 <a:latin typeface="Arial" panose="020B0604020202020204" pitchFamily="34" charset="0"/>
                 <a:cs typeface="Arial" panose="020B0604020202020204" pitchFamily="34" charset="0"/>
               </a:rPr>
-              <a:t>. Kết quả đạt được</a:t>
+              <a:t>3.5.1 </a:t>
+            </a:r>
+            <a:r>
+              <a:rPr lang="en-US" sz="3600" dirty="0" smtClean="0">
+                <a:ln w="3175">
+                  <a:solidFill>
+                    <a:schemeClr val="accent6">
+                      <a:lumMod val="75000"/>
+                    </a:schemeClr>
+                  </a:solidFill>
+                </a:ln>
+                <a:solidFill>
+                  <a:schemeClr val="accent6">
+                    <a:lumMod val="75000"/>
+                  </a:schemeClr>
+                </a:solidFill>
+                <a:latin typeface="Arial" panose="020B0604020202020204" pitchFamily="34" charset="0"/>
+                <a:cs typeface="Arial" panose="020B0604020202020204" pitchFamily="34" charset="0"/>
+              </a:rPr>
+              <a:t>Đề xuất giao diện và các chức năng</a:t>
             </a:r>
             <a:endParaRPr lang="en-US" sz="3600" dirty="0">
               <a:ln w="3175">
@@ -6508,10 +6334,235 @@
           </a:p>
         </p:txBody>
       </p:sp>
+      <p:sp>
+        <p:nvSpPr>
+          <p:cNvPr id="11" name="Subtitle 7"/>
+          <p:cNvSpPr txBox="1">
+            <a:spLocks/>
+          </p:cNvSpPr>
+          <p:nvPr/>
+        </p:nvSpPr>
+        <p:spPr>
+          <a:xfrm>
+            <a:off x="228600" y="1147062"/>
+            <a:ext cx="8077200" cy="457200"/>
+          </a:xfrm>
+          <a:prstGeom prst="rect">
+            <a:avLst/>
+          </a:prstGeom>
+        </p:spPr>
+        <p:txBody>
+          <a:bodyPr vert="horz" lIns="91440" tIns="45720" rIns="91440" bIns="45720" rtlCol="0">
+            <a:noAutofit/>
+          </a:bodyPr>
+          <a:lstStyle>
+            <a:lvl1pPr marL="0" indent="0" algn="ctr" defTabSz="914400" rtl="0" eaLnBrk="1" latinLnBrk="0" hangingPunct="1">
+              <a:spcBef>
+                <a:spcPct val="20000"/>
+              </a:spcBef>
+              <a:buFont typeface="Arial" pitchFamily="34" charset="0"/>
+              <a:buNone/>
+              <a:defRPr sz="3200" kern="1200">
+                <a:solidFill>
+                  <a:schemeClr val="tx1">
+                    <a:tint val="75000"/>
+                  </a:schemeClr>
+                </a:solidFill>
+                <a:latin typeface="+mn-lt"/>
+                <a:ea typeface="+mn-ea"/>
+                <a:cs typeface="+mn-cs"/>
+              </a:defRPr>
+            </a:lvl1pPr>
+            <a:lvl2pPr marL="457200" indent="0" algn="ctr" defTabSz="914400" rtl="0" eaLnBrk="1" latinLnBrk="0" hangingPunct="1">
+              <a:spcBef>
+                <a:spcPct val="20000"/>
+              </a:spcBef>
+              <a:buFont typeface="Arial" pitchFamily="34" charset="0"/>
+              <a:buNone/>
+              <a:defRPr sz="2800" kern="1200">
+                <a:solidFill>
+                  <a:schemeClr val="tx1">
+                    <a:tint val="75000"/>
+                  </a:schemeClr>
+                </a:solidFill>
+                <a:latin typeface="+mn-lt"/>
+                <a:ea typeface="+mn-ea"/>
+                <a:cs typeface="+mn-cs"/>
+              </a:defRPr>
+            </a:lvl2pPr>
+            <a:lvl3pPr marL="914400" indent="0" algn="ctr" defTabSz="914400" rtl="0" eaLnBrk="1" latinLnBrk="0" hangingPunct="1">
+              <a:spcBef>
+                <a:spcPct val="20000"/>
+              </a:spcBef>
+              <a:buFont typeface="Arial" pitchFamily="34" charset="0"/>
+              <a:buNone/>
+              <a:defRPr sz="2400" kern="1200">
+                <a:solidFill>
+                  <a:schemeClr val="tx1">
+                    <a:tint val="75000"/>
+                  </a:schemeClr>
+                </a:solidFill>
+                <a:latin typeface="+mn-lt"/>
+                <a:ea typeface="+mn-ea"/>
+                <a:cs typeface="+mn-cs"/>
+              </a:defRPr>
+            </a:lvl3pPr>
+            <a:lvl4pPr marL="1371600" indent="0" algn="ctr" defTabSz="914400" rtl="0" eaLnBrk="1" latinLnBrk="0" hangingPunct="1">
+              <a:spcBef>
+                <a:spcPct val="20000"/>
+              </a:spcBef>
+              <a:buFont typeface="Arial" pitchFamily="34" charset="0"/>
+              <a:buNone/>
+              <a:defRPr sz="2000" kern="1200">
+                <a:solidFill>
+                  <a:schemeClr val="tx1">
+                    <a:tint val="75000"/>
+                  </a:schemeClr>
+                </a:solidFill>
+                <a:latin typeface="+mn-lt"/>
+                <a:ea typeface="+mn-ea"/>
+                <a:cs typeface="+mn-cs"/>
+              </a:defRPr>
+            </a:lvl4pPr>
+            <a:lvl5pPr marL="1828800" indent="0" algn="ctr" defTabSz="914400" rtl="0" eaLnBrk="1" latinLnBrk="0" hangingPunct="1">
+              <a:spcBef>
+                <a:spcPct val="20000"/>
+              </a:spcBef>
+              <a:buFont typeface="Arial" pitchFamily="34" charset="0"/>
+              <a:buNone/>
+              <a:defRPr sz="2000" kern="1200">
+                <a:solidFill>
+                  <a:schemeClr val="tx1">
+                    <a:tint val="75000"/>
+                  </a:schemeClr>
+                </a:solidFill>
+                <a:latin typeface="+mn-lt"/>
+                <a:ea typeface="+mn-ea"/>
+                <a:cs typeface="+mn-cs"/>
+              </a:defRPr>
+            </a:lvl5pPr>
+            <a:lvl6pPr marL="2286000" indent="0" algn="ctr" defTabSz="914400" rtl="0" eaLnBrk="1" latinLnBrk="0" hangingPunct="1">
+              <a:spcBef>
+                <a:spcPct val="20000"/>
+              </a:spcBef>
+              <a:buFont typeface="Arial" pitchFamily="34" charset="0"/>
+              <a:buNone/>
+              <a:defRPr sz="2000" kern="1200">
+                <a:solidFill>
+                  <a:schemeClr val="tx1">
+                    <a:tint val="75000"/>
+                  </a:schemeClr>
+                </a:solidFill>
+                <a:latin typeface="+mn-lt"/>
+                <a:ea typeface="+mn-ea"/>
+                <a:cs typeface="+mn-cs"/>
+              </a:defRPr>
+            </a:lvl6pPr>
+            <a:lvl7pPr marL="2743200" indent="0" algn="ctr" defTabSz="914400" rtl="0" eaLnBrk="1" latinLnBrk="0" hangingPunct="1">
+              <a:spcBef>
+                <a:spcPct val="20000"/>
+              </a:spcBef>
+              <a:buFont typeface="Arial" pitchFamily="34" charset="0"/>
+              <a:buNone/>
+              <a:defRPr sz="2000" kern="1200">
+                <a:solidFill>
+                  <a:schemeClr val="tx1">
+                    <a:tint val="75000"/>
+                  </a:schemeClr>
+                </a:solidFill>
+                <a:latin typeface="+mn-lt"/>
+                <a:ea typeface="+mn-ea"/>
+                <a:cs typeface="+mn-cs"/>
+              </a:defRPr>
+            </a:lvl7pPr>
+            <a:lvl8pPr marL="3200400" indent="0" algn="ctr" defTabSz="914400" rtl="0" eaLnBrk="1" latinLnBrk="0" hangingPunct="1">
+              <a:spcBef>
+                <a:spcPct val="20000"/>
+              </a:spcBef>
+              <a:buFont typeface="Arial" pitchFamily="34" charset="0"/>
+              <a:buNone/>
+              <a:defRPr sz="2000" kern="1200">
+                <a:solidFill>
+                  <a:schemeClr val="tx1">
+                    <a:tint val="75000"/>
+                  </a:schemeClr>
+                </a:solidFill>
+                <a:latin typeface="+mn-lt"/>
+                <a:ea typeface="+mn-ea"/>
+                <a:cs typeface="+mn-cs"/>
+              </a:defRPr>
+            </a:lvl8pPr>
+            <a:lvl9pPr marL="3657600" indent="0" algn="ctr" defTabSz="914400" rtl="0" eaLnBrk="1" latinLnBrk="0" hangingPunct="1">
+              <a:spcBef>
+                <a:spcPct val="20000"/>
+              </a:spcBef>
+              <a:buFont typeface="Arial" pitchFamily="34" charset="0"/>
+              <a:buNone/>
+              <a:defRPr sz="2000" kern="1200">
+                <a:solidFill>
+                  <a:schemeClr val="tx1">
+                    <a:tint val="75000"/>
+                  </a:schemeClr>
+                </a:solidFill>
+                <a:latin typeface="+mn-lt"/>
+                <a:ea typeface="+mn-ea"/>
+                <a:cs typeface="+mn-cs"/>
+              </a:defRPr>
+            </a:lvl9pPr>
+          </a:lstStyle>
+          <a:p>
+            <a:pPr lvl="1" algn="l"/>
+            <a:r>
+              <a:rPr lang="en-US" sz="2400" dirty="0" smtClean="0">
+                <a:solidFill>
+                  <a:schemeClr val="tx1"/>
+                </a:solidFill>
+                <a:latin typeface="Arial" panose="020B0604020202020204" pitchFamily="34" charset="0"/>
+                <a:cs typeface="Arial" panose="020B0604020202020204" pitchFamily="34" charset="0"/>
+              </a:rPr>
+              <a:t>Giao diện chính</a:t>
+            </a:r>
+          </a:p>
+          <a:p>
+            <a:pPr lvl="1" algn="l"/>
+            <a:endParaRPr lang="en-US" sz="2400" dirty="0" smtClean="0">
+              <a:solidFill>
+                <a:schemeClr val="tx1"/>
+              </a:solidFill>
+              <a:latin typeface="Arial" panose="020B0604020202020204" pitchFamily="34" charset="0"/>
+              <a:cs typeface="Arial" panose="020B0604020202020204" pitchFamily="34" charset="0"/>
+            </a:endParaRPr>
+          </a:p>
+        </p:txBody>
+      </p:sp>
+      <p:pic>
+        <p:nvPicPr>
+          <p:cNvPr id="12" name="Picture 11"/>
+          <p:cNvPicPr>
+            <a:picLocks noChangeAspect="1"/>
+          </p:cNvPicPr>
+          <p:nvPr/>
+        </p:nvPicPr>
+        <p:blipFill>
+          <a:blip r:embed="rId2"/>
+          <a:stretch>
+            <a:fillRect/>
+          </a:stretch>
+        </p:blipFill>
+        <p:spPr>
+          <a:xfrm>
+            <a:off x="609600" y="1732406"/>
+            <a:ext cx="8077199" cy="4495799"/>
+          </a:xfrm>
+          <a:prstGeom prst="rect">
+            <a:avLst/>
+          </a:prstGeom>
+        </p:spPr>
+      </p:pic>
     </p:spTree>
     <p:extLst>
       <p:ext uri="{BB962C8B-B14F-4D97-AF65-F5344CB8AC3E}">
-        <p14:creationId xmlns:p14="http://schemas.microsoft.com/office/powerpoint/2010/main" val="1564981475"/>
+        <p14:creationId xmlns:p14="http://schemas.microsoft.com/office/powerpoint/2010/main" val="2316432611"/>
       </p:ext>
     </p:extLst>
   </p:cSld>
@@ -6611,6 +6662,3996 @@
       </p:sp>
       <p:sp>
         <p:nvSpPr>
+          <p:cNvPr id="6" name="Title 1"/>
+          <p:cNvSpPr txBox="1">
+            <a:spLocks/>
+          </p:cNvSpPr>
+          <p:nvPr/>
+        </p:nvSpPr>
+        <p:spPr>
+          <a:xfrm>
+            <a:off x="609600" y="1295400"/>
+            <a:ext cx="8077200" cy="4495800"/>
+          </a:xfrm>
+          <a:prstGeom prst="rect">
+            <a:avLst/>
+          </a:prstGeom>
+        </p:spPr>
+        <p:txBody>
+          <a:bodyPr vert="horz" lIns="91440" tIns="45720" rIns="91440" bIns="45720" rtlCol="0" anchor="ctr">
+            <a:normAutofit/>
+          </a:bodyPr>
+          <a:lstStyle>
+            <a:lvl1pPr algn="l" defTabSz="914400" rtl="0" eaLnBrk="1" latinLnBrk="0" hangingPunct="1">
+              <a:spcBef>
+                <a:spcPct val="0"/>
+              </a:spcBef>
+              <a:buNone/>
+              <a:defRPr sz="4400" kern="1200">
+                <a:solidFill>
+                  <a:schemeClr val="bg1"/>
+                </a:solidFill>
+                <a:latin typeface="Segoe UI Semilight" pitchFamily="34" charset="0"/>
+                <a:ea typeface="+mj-ea"/>
+                <a:cs typeface="Segoe UI Semilight" pitchFamily="34" charset="0"/>
+              </a:defRPr>
+            </a:lvl1pPr>
+          </a:lstStyle>
+          <a:p>
+            <a:pPr marL="342900" indent="-342900" algn="just">
+              <a:spcBef>
+                <a:spcPts val="1200"/>
+              </a:spcBef>
+              <a:buClr>
+                <a:schemeClr val="tx1"/>
+              </a:buClr>
+              <a:buFont typeface="Wingdings" panose="05000000000000000000" pitchFamily="2" charset="2"/>
+              <a:buChar char="Ø"/>
+            </a:pPr>
+            <a:endParaRPr lang="en-US" sz="2400" dirty="0">
+              <a:solidFill>
+                <a:schemeClr val="tx1"/>
+              </a:solidFill>
+              <a:latin typeface="Arial" panose="020B0604020202020204" pitchFamily="34" charset="0"/>
+              <a:cs typeface="Arial" panose="020B0604020202020204" pitchFamily="34" charset="0"/>
+            </a:endParaRPr>
+          </a:p>
+        </p:txBody>
+      </p:sp>
+      <p:sp>
+        <p:nvSpPr>
+          <p:cNvPr id="9" name="Title 1">
+            <a:extLst>
+              <a:ext uri="{FF2B5EF4-FFF2-40B4-BE49-F238E27FC236}">
+                <a16:creationId xmlns:a16="http://schemas.microsoft.com/office/drawing/2014/main" xmlns="" id="{68CE6783-9C0D-46BA-8D98-4A95830915D5}"/>
+              </a:ext>
+            </a:extLst>
+          </p:cNvPr>
+          <p:cNvSpPr txBox="1">
+            <a:spLocks/>
+          </p:cNvSpPr>
+          <p:nvPr/>
+        </p:nvSpPr>
+        <p:spPr>
+          <a:xfrm>
+            <a:off x="0" y="0"/>
+            <a:ext cx="9144000" cy="884238"/>
+          </a:xfrm>
+          <a:prstGeom prst="rect">
+            <a:avLst/>
+          </a:prstGeom>
+          <a:ln w="3175">
+            <a:solidFill>
+              <a:schemeClr val="tx1"/>
+            </a:solidFill>
+          </a:ln>
+        </p:spPr>
+        <p:txBody>
+          <a:bodyPr vert="horz" lIns="91440" tIns="45720" rIns="91440" bIns="45720" rtlCol="0" anchor="ctr">
+            <a:noAutofit/>
+          </a:bodyPr>
+          <a:lstStyle>
+            <a:lvl1pPr algn="l" defTabSz="914400" rtl="0" eaLnBrk="1" latinLnBrk="0" hangingPunct="1">
+              <a:spcBef>
+                <a:spcPct val="0"/>
+              </a:spcBef>
+              <a:buNone/>
+              <a:defRPr sz="4400" kern="1200">
+                <a:solidFill>
+                  <a:schemeClr val="bg1"/>
+                </a:solidFill>
+                <a:latin typeface="Segoe UI Semilight" pitchFamily="34" charset="0"/>
+                <a:ea typeface="+mj-ea"/>
+                <a:cs typeface="Segoe UI Semilight" pitchFamily="34" charset="0"/>
+              </a:defRPr>
+            </a:lvl1pPr>
+          </a:lstStyle>
+          <a:p>
+            <a:pPr algn="ctr"/>
+            <a:r>
+              <a:rPr lang="en-US" sz="3600" dirty="0" smtClean="0">
+                <a:ln w="3175">
+                  <a:solidFill>
+                    <a:schemeClr val="accent6">
+                      <a:lumMod val="75000"/>
+                    </a:schemeClr>
+                  </a:solidFill>
+                </a:ln>
+                <a:solidFill>
+                  <a:schemeClr val="accent6">
+                    <a:lumMod val="75000"/>
+                  </a:schemeClr>
+                </a:solidFill>
+                <a:latin typeface="Arial" panose="020B0604020202020204" pitchFamily="34" charset="0"/>
+                <a:cs typeface="Arial" panose="020B0604020202020204" pitchFamily="34" charset="0"/>
+              </a:rPr>
+              <a:t>3.5.1 </a:t>
+            </a:r>
+            <a:r>
+              <a:rPr lang="en-US" sz="3600" dirty="0" smtClean="0">
+                <a:ln w="3175">
+                  <a:solidFill>
+                    <a:schemeClr val="accent6">
+                      <a:lumMod val="75000"/>
+                    </a:schemeClr>
+                  </a:solidFill>
+                </a:ln>
+                <a:solidFill>
+                  <a:schemeClr val="accent6">
+                    <a:lumMod val="75000"/>
+                  </a:schemeClr>
+                </a:solidFill>
+                <a:latin typeface="Arial" panose="020B0604020202020204" pitchFamily="34" charset="0"/>
+                <a:cs typeface="Arial" panose="020B0604020202020204" pitchFamily="34" charset="0"/>
+              </a:rPr>
+              <a:t>Đề xuất giao diện và các chức năng</a:t>
+            </a:r>
+            <a:endParaRPr lang="en-US" sz="3600" dirty="0">
+              <a:ln w="3175">
+                <a:solidFill>
+                  <a:schemeClr val="accent6">
+                    <a:lumMod val="75000"/>
+                  </a:schemeClr>
+                </a:solidFill>
+              </a:ln>
+              <a:solidFill>
+                <a:schemeClr val="accent6">
+                  <a:lumMod val="75000"/>
+                </a:schemeClr>
+              </a:solidFill>
+              <a:latin typeface="Arial" panose="020B0604020202020204" pitchFamily="34" charset="0"/>
+              <a:cs typeface="Arial" panose="020B0604020202020204" pitchFamily="34" charset="0"/>
+            </a:endParaRPr>
+          </a:p>
+        </p:txBody>
+      </p:sp>
+      <p:sp>
+        <p:nvSpPr>
+          <p:cNvPr id="11" name="Subtitle 7"/>
+          <p:cNvSpPr txBox="1">
+            <a:spLocks/>
+          </p:cNvSpPr>
+          <p:nvPr/>
+        </p:nvSpPr>
+        <p:spPr>
+          <a:xfrm>
+            <a:off x="228600" y="1147062"/>
+            <a:ext cx="8077200" cy="457200"/>
+          </a:xfrm>
+          <a:prstGeom prst="rect">
+            <a:avLst/>
+          </a:prstGeom>
+        </p:spPr>
+        <p:txBody>
+          <a:bodyPr vert="horz" lIns="91440" tIns="45720" rIns="91440" bIns="45720" rtlCol="0">
+            <a:noAutofit/>
+          </a:bodyPr>
+          <a:lstStyle>
+            <a:lvl1pPr marL="0" indent="0" algn="ctr" defTabSz="914400" rtl="0" eaLnBrk="1" latinLnBrk="0" hangingPunct="1">
+              <a:spcBef>
+                <a:spcPct val="20000"/>
+              </a:spcBef>
+              <a:buFont typeface="Arial" pitchFamily="34" charset="0"/>
+              <a:buNone/>
+              <a:defRPr sz="3200" kern="1200">
+                <a:solidFill>
+                  <a:schemeClr val="tx1">
+                    <a:tint val="75000"/>
+                  </a:schemeClr>
+                </a:solidFill>
+                <a:latin typeface="+mn-lt"/>
+                <a:ea typeface="+mn-ea"/>
+                <a:cs typeface="+mn-cs"/>
+              </a:defRPr>
+            </a:lvl1pPr>
+            <a:lvl2pPr marL="457200" indent="0" algn="ctr" defTabSz="914400" rtl="0" eaLnBrk="1" latinLnBrk="0" hangingPunct="1">
+              <a:spcBef>
+                <a:spcPct val="20000"/>
+              </a:spcBef>
+              <a:buFont typeface="Arial" pitchFamily="34" charset="0"/>
+              <a:buNone/>
+              <a:defRPr sz="2800" kern="1200">
+                <a:solidFill>
+                  <a:schemeClr val="tx1">
+                    <a:tint val="75000"/>
+                  </a:schemeClr>
+                </a:solidFill>
+                <a:latin typeface="+mn-lt"/>
+                <a:ea typeface="+mn-ea"/>
+                <a:cs typeface="+mn-cs"/>
+              </a:defRPr>
+            </a:lvl2pPr>
+            <a:lvl3pPr marL="914400" indent="0" algn="ctr" defTabSz="914400" rtl="0" eaLnBrk="1" latinLnBrk="0" hangingPunct="1">
+              <a:spcBef>
+                <a:spcPct val="20000"/>
+              </a:spcBef>
+              <a:buFont typeface="Arial" pitchFamily="34" charset="0"/>
+              <a:buNone/>
+              <a:defRPr sz="2400" kern="1200">
+                <a:solidFill>
+                  <a:schemeClr val="tx1">
+                    <a:tint val="75000"/>
+                  </a:schemeClr>
+                </a:solidFill>
+                <a:latin typeface="+mn-lt"/>
+                <a:ea typeface="+mn-ea"/>
+                <a:cs typeface="+mn-cs"/>
+              </a:defRPr>
+            </a:lvl3pPr>
+            <a:lvl4pPr marL="1371600" indent="0" algn="ctr" defTabSz="914400" rtl="0" eaLnBrk="1" latinLnBrk="0" hangingPunct="1">
+              <a:spcBef>
+                <a:spcPct val="20000"/>
+              </a:spcBef>
+              <a:buFont typeface="Arial" pitchFamily="34" charset="0"/>
+              <a:buNone/>
+              <a:defRPr sz="2000" kern="1200">
+                <a:solidFill>
+                  <a:schemeClr val="tx1">
+                    <a:tint val="75000"/>
+                  </a:schemeClr>
+                </a:solidFill>
+                <a:latin typeface="+mn-lt"/>
+                <a:ea typeface="+mn-ea"/>
+                <a:cs typeface="+mn-cs"/>
+              </a:defRPr>
+            </a:lvl4pPr>
+            <a:lvl5pPr marL="1828800" indent="0" algn="ctr" defTabSz="914400" rtl="0" eaLnBrk="1" latinLnBrk="0" hangingPunct="1">
+              <a:spcBef>
+                <a:spcPct val="20000"/>
+              </a:spcBef>
+              <a:buFont typeface="Arial" pitchFamily="34" charset="0"/>
+              <a:buNone/>
+              <a:defRPr sz="2000" kern="1200">
+                <a:solidFill>
+                  <a:schemeClr val="tx1">
+                    <a:tint val="75000"/>
+                  </a:schemeClr>
+                </a:solidFill>
+                <a:latin typeface="+mn-lt"/>
+                <a:ea typeface="+mn-ea"/>
+                <a:cs typeface="+mn-cs"/>
+              </a:defRPr>
+            </a:lvl5pPr>
+            <a:lvl6pPr marL="2286000" indent="0" algn="ctr" defTabSz="914400" rtl="0" eaLnBrk="1" latinLnBrk="0" hangingPunct="1">
+              <a:spcBef>
+                <a:spcPct val="20000"/>
+              </a:spcBef>
+              <a:buFont typeface="Arial" pitchFamily="34" charset="0"/>
+              <a:buNone/>
+              <a:defRPr sz="2000" kern="1200">
+                <a:solidFill>
+                  <a:schemeClr val="tx1">
+                    <a:tint val="75000"/>
+                  </a:schemeClr>
+                </a:solidFill>
+                <a:latin typeface="+mn-lt"/>
+                <a:ea typeface="+mn-ea"/>
+                <a:cs typeface="+mn-cs"/>
+              </a:defRPr>
+            </a:lvl6pPr>
+            <a:lvl7pPr marL="2743200" indent="0" algn="ctr" defTabSz="914400" rtl="0" eaLnBrk="1" latinLnBrk="0" hangingPunct="1">
+              <a:spcBef>
+                <a:spcPct val="20000"/>
+              </a:spcBef>
+              <a:buFont typeface="Arial" pitchFamily="34" charset="0"/>
+              <a:buNone/>
+              <a:defRPr sz="2000" kern="1200">
+                <a:solidFill>
+                  <a:schemeClr val="tx1">
+                    <a:tint val="75000"/>
+                  </a:schemeClr>
+                </a:solidFill>
+                <a:latin typeface="+mn-lt"/>
+                <a:ea typeface="+mn-ea"/>
+                <a:cs typeface="+mn-cs"/>
+              </a:defRPr>
+            </a:lvl7pPr>
+            <a:lvl8pPr marL="3200400" indent="0" algn="ctr" defTabSz="914400" rtl="0" eaLnBrk="1" latinLnBrk="0" hangingPunct="1">
+              <a:spcBef>
+                <a:spcPct val="20000"/>
+              </a:spcBef>
+              <a:buFont typeface="Arial" pitchFamily="34" charset="0"/>
+              <a:buNone/>
+              <a:defRPr sz="2000" kern="1200">
+                <a:solidFill>
+                  <a:schemeClr val="tx1">
+                    <a:tint val="75000"/>
+                  </a:schemeClr>
+                </a:solidFill>
+                <a:latin typeface="+mn-lt"/>
+                <a:ea typeface="+mn-ea"/>
+                <a:cs typeface="+mn-cs"/>
+              </a:defRPr>
+            </a:lvl8pPr>
+            <a:lvl9pPr marL="3657600" indent="0" algn="ctr" defTabSz="914400" rtl="0" eaLnBrk="1" latinLnBrk="0" hangingPunct="1">
+              <a:spcBef>
+                <a:spcPct val="20000"/>
+              </a:spcBef>
+              <a:buFont typeface="Arial" pitchFamily="34" charset="0"/>
+              <a:buNone/>
+              <a:defRPr sz="2000" kern="1200">
+                <a:solidFill>
+                  <a:schemeClr val="tx1">
+                    <a:tint val="75000"/>
+                  </a:schemeClr>
+                </a:solidFill>
+                <a:latin typeface="+mn-lt"/>
+                <a:ea typeface="+mn-ea"/>
+                <a:cs typeface="+mn-cs"/>
+              </a:defRPr>
+            </a:lvl9pPr>
+          </a:lstStyle>
+          <a:p>
+            <a:pPr lvl="1" algn="l"/>
+            <a:r>
+              <a:rPr lang="en-US" sz="2400" dirty="0" smtClean="0">
+                <a:solidFill>
+                  <a:schemeClr val="tx1"/>
+                </a:solidFill>
+                <a:latin typeface="Arial" panose="020B0604020202020204" pitchFamily="34" charset="0"/>
+                <a:cs typeface="Arial" panose="020B0604020202020204" pitchFamily="34" charset="0"/>
+              </a:rPr>
+              <a:t>Giao diện danh sách bài học</a:t>
+            </a:r>
+            <a:endParaRPr lang="en-US" sz="2400" dirty="0" smtClean="0">
+              <a:solidFill>
+                <a:schemeClr val="tx1"/>
+              </a:solidFill>
+              <a:latin typeface="Arial" panose="020B0604020202020204" pitchFamily="34" charset="0"/>
+              <a:cs typeface="Arial" panose="020B0604020202020204" pitchFamily="34" charset="0"/>
+            </a:endParaRPr>
+          </a:p>
+        </p:txBody>
+      </p:sp>
+      <p:pic>
+        <p:nvPicPr>
+          <p:cNvPr id="10" name="Picture 9"/>
+          <p:cNvPicPr/>
+          <p:nvPr/>
+        </p:nvPicPr>
+        <p:blipFill>
+          <a:blip r:embed="rId2">
+            <a:extLst>
+              <a:ext uri="{28A0092B-C50C-407E-A947-70E740481C1C}">
+                <a14:useLocalDpi xmlns:a14="http://schemas.microsoft.com/office/drawing/2010/main" val="0"/>
+              </a:ext>
+            </a:extLst>
+          </a:blip>
+          <a:stretch>
+            <a:fillRect/>
+          </a:stretch>
+        </p:blipFill>
+        <p:spPr>
+          <a:xfrm>
+            <a:off x="609600" y="1757082"/>
+            <a:ext cx="8232914" cy="4572000"/>
+          </a:xfrm>
+          <a:prstGeom prst="rect">
+            <a:avLst/>
+          </a:prstGeom>
+        </p:spPr>
+      </p:pic>
+    </p:spTree>
+    <p:extLst>
+      <p:ext uri="{BB962C8B-B14F-4D97-AF65-F5344CB8AC3E}">
+        <p14:creationId xmlns:p14="http://schemas.microsoft.com/office/powerpoint/2010/main" val="4146893412"/>
+      </p:ext>
+    </p:extLst>
+  </p:cSld>
+  <p:clrMapOvr>
+    <a:masterClrMapping/>
+  </p:clrMapOvr>
+  <p:timing>
+    <p:tnLst>
+      <p:par>
+        <p:cTn id="1" dur="indefinite" restart="never" nodeType="tmRoot"/>
+      </p:par>
+    </p:tnLst>
+  </p:timing>
+</p:sld>
+</file>
+
+<file path=ppt/slides/slide17.xml><?xml version="1.0" encoding="utf-8"?>
+<p:sld xmlns:a="http://schemas.openxmlformats.org/drawingml/2006/main" xmlns:r="http://schemas.openxmlformats.org/officeDocument/2006/relationships" xmlns:p="http://schemas.openxmlformats.org/presentationml/2006/main">
+  <p:cSld>
+    <p:spTree>
+      <p:nvGrpSpPr>
+        <p:cNvPr id="1" name=""/>
+        <p:cNvGrpSpPr/>
+        <p:nvPr/>
+      </p:nvGrpSpPr>
+      <p:grpSpPr>
+        <a:xfrm>
+          <a:off x="0" y="0"/>
+          <a:ext cx="0" cy="0"/>
+          <a:chOff x="0" y="0"/>
+          <a:chExt cx="0" cy="0"/>
+        </a:xfrm>
+      </p:grpSpPr>
+      <p:sp>
+        <p:nvSpPr>
+          <p:cNvPr id="3" name="Date Placeholder 2"/>
+          <p:cNvSpPr>
+            <a:spLocks noGrp="1"/>
+          </p:cNvSpPr>
+          <p:nvPr>
+            <p:ph type="dt" sz="half" idx="10"/>
+          </p:nvPr>
+        </p:nvSpPr>
+        <p:spPr/>
+        <p:txBody>
+          <a:bodyPr/>
+          <a:lstStyle/>
+          <a:p>
+            <a:r>
+              <a:rPr lang="en-US"/>
+              <a:t>10/13/2017</a:t>
+            </a:r>
+          </a:p>
+        </p:txBody>
+      </p:sp>
+      <p:sp>
+        <p:nvSpPr>
+          <p:cNvPr id="4" name="Footer Placeholder 3"/>
+          <p:cNvSpPr>
+            <a:spLocks noGrp="1"/>
+          </p:cNvSpPr>
+          <p:nvPr>
+            <p:ph type="ftr" sz="quarter" idx="11"/>
+          </p:nvPr>
+        </p:nvSpPr>
+        <p:spPr/>
+        <p:txBody>
+          <a:bodyPr/>
+          <a:lstStyle/>
+          <a:p>
+            <a:endParaRPr lang="en-US"/>
+          </a:p>
+        </p:txBody>
+      </p:sp>
+      <p:sp>
+        <p:nvSpPr>
+          <p:cNvPr id="5" name="Slide Number Placeholder 4"/>
+          <p:cNvSpPr>
+            <a:spLocks noGrp="1"/>
+          </p:cNvSpPr>
+          <p:nvPr>
+            <p:ph type="sldNum" sz="quarter" idx="12"/>
+          </p:nvPr>
+        </p:nvSpPr>
+        <p:spPr/>
+        <p:txBody>
+          <a:bodyPr/>
+          <a:lstStyle/>
+          <a:p>
+            <a:fld id="{FF387971-9C3B-49A6-8D58-3AFB2456A1FB}" type="slidenum">
+              <a:rPr lang="en-US" smtClean="0"/>
+              <a:t>17</a:t>
+            </a:fld>
+            <a:endParaRPr lang="en-US"/>
+          </a:p>
+        </p:txBody>
+      </p:sp>
+      <p:sp>
+        <p:nvSpPr>
+          <p:cNvPr id="6" name="Title 1"/>
+          <p:cNvSpPr txBox="1">
+            <a:spLocks/>
+          </p:cNvSpPr>
+          <p:nvPr/>
+        </p:nvSpPr>
+        <p:spPr>
+          <a:xfrm>
+            <a:off x="609600" y="1295400"/>
+            <a:ext cx="8077200" cy="4495800"/>
+          </a:xfrm>
+          <a:prstGeom prst="rect">
+            <a:avLst/>
+          </a:prstGeom>
+        </p:spPr>
+        <p:txBody>
+          <a:bodyPr vert="horz" lIns="91440" tIns="45720" rIns="91440" bIns="45720" rtlCol="0" anchor="ctr">
+            <a:normAutofit/>
+          </a:bodyPr>
+          <a:lstStyle>
+            <a:lvl1pPr algn="l" defTabSz="914400" rtl="0" eaLnBrk="1" latinLnBrk="0" hangingPunct="1">
+              <a:spcBef>
+                <a:spcPct val="0"/>
+              </a:spcBef>
+              <a:buNone/>
+              <a:defRPr sz="4400" kern="1200">
+                <a:solidFill>
+                  <a:schemeClr val="bg1"/>
+                </a:solidFill>
+                <a:latin typeface="Segoe UI Semilight" pitchFamily="34" charset="0"/>
+                <a:ea typeface="+mj-ea"/>
+                <a:cs typeface="Segoe UI Semilight" pitchFamily="34" charset="0"/>
+              </a:defRPr>
+            </a:lvl1pPr>
+          </a:lstStyle>
+          <a:p>
+            <a:pPr marL="342900" indent="-342900" algn="just">
+              <a:spcBef>
+                <a:spcPts val="1200"/>
+              </a:spcBef>
+              <a:buClr>
+                <a:schemeClr val="tx1"/>
+              </a:buClr>
+              <a:buFont typeface="Wingdings" panose="05000000000000000000" pitchFamily="2" charset="2"/>
+              <a:buChar char="Ø"/>
+            </a:pPr>
+            <a:endParaRPr lang="en-US" sz="2400" dirty="0">
+              <a:solidFill>
+                <a:schemeClr val="tx1"/>
+              </a:solidFill>
+              <a:latin typeface="Arial" panose="020B0604020202020204" pitchFamily="34" charset="0"/>
+              <a:cs typeface="Arial" panose="020B0604020202020204" pitchFamily="34" charset="0"/>
+            </a:endParaRPr>
+          </a:p>
+        </p:txBody>
+      </p:sp>
+      <p:sp>
+        <p:nvSpPr>
+          <p:cNvPr id="9" name="Title 1">
+            <a:extLst>
+              <a:ext uri="{FF2B5EF4-FFF2-40B4-BE49-F238E27FC236}">
+                <a16:creationId xmlns:a16="http://schemas.microsoft.com/office/drawing/2014/main" xmlns="" id="{68CE6783-9C0D-46BA-8D98-4A95830915D5}"/>
+              </a:ext>
+            </a:extLst>
+          </p:cNvPr>
+          <p:cNvSpPr txBox="1">
+            <a:spLocks/>
+          </p:cNvSpPr>
+          <p:nvPr/>
+        </p:nvSpPr>
+        <p:spPr>
+          <a:xfrm>
+            <a:off x="0" y="0"/>
+            <a:ext cx="9144000" cy="884238"/>
+          </a:xfrm>
+          <a:prstGeom prst="rect">
+            <a:avLst/>
+          </a:prstGeom>
+          <a:ln w="3175">
+            <a:solidFill>
+              <a:schemeClr val="tx1"/>
+            </a:solidFill>
+          </a:ln>
+        </p:spPr>
+        <p:txBody>
+          <a:bodyPr vert="horz" lIns="91440" tIns="45720" rIns="91440" bIns="45720" rtlCol="0" anchor="ctr">
+            <a:noAutofit/>
+          </a:bodyPr>
+          <a:lstStyle>
+            <a:lvl1pPr algn="l" defTabSz="914400" rtl="0" eaLnBrk="1" latinLnBrk="0" hangingPunct="1">
+              <a:spcBef>
+                <a:spcPct val="0"/>
+              </a:spcBef>
+              <a:buNone/>
+              <a:defRPr sz="4400" kern="1200">
+                <a:solidFill>
+                  <a:schemeClr val="bg1"/>
+                </a:solidFill>
+                <a:latin typeface="Segoe UI Semilight" pitchFamily="34" charset="0"/>
+                <a:ea typeface="+mj-ea"/>
+                <a:cs typeface="Segoe UI Semilight" pitchFamily="34" charset="0"/>
+              </a:defRPr>
+            </a:lvl1pPr>
+          </a:lstStyle>
+          <a:p>
+            <a:pPr algn="ctr"/>
+            <a:r>
+              <a:rPr lang="en-US" sz="3600" dirty="0" smtClean="0">
+                <a:ln w="3175">
+                  <a:solidFill>
+                    <a:schemeClr val="accent6">
+                      <a:lumMod val="75000"/>
+                    </a:schemeClr>
+                  </a:solidFill>
+                </a:ln>
+                <a:solidFill>
+                  <a:schemeClr val="accent6">
+                    <a:lumMod val="75000"/>
+                  </a:schemeClr>
+                </a:solidFill>
+                <a:latin typeface="Arial" panose="020B0604020202020204" pitchFamily="34" charset="0"/>
+                <a:cs typeface="Arial" panose="020B0604020202020204" pitchFamily="34" charset="0"/>
+              </a:rPr>
+              <a:t>3.5.1 </a:t>
+            </a:r>
+            <a:r>
+              <a:rPr lang="en-US" sz="3600" dirty="0" smtClean="0">
+                <a:ln w="3175">
+                  <a:solidFill>
+                    <a:schemeClr val="accent6">
+                      <a:lumMod val="75000"/>
+                    </a:schemeClr>
+                  </a:solidFill>
+                </a:ln>
+                <a:solidFill>
+                  <a:schemeClr val="accent6">
+                    <a:lumMod val="75000"/>
+                  </a:schemeClr>
+                </a:solidFill>
+                <a:latin typeface="Arial" panose="020B0604020202020204" pitchFamily="34" charset="0"/>
+                <a:cs typeface="Arial" panose="020B0604020202020204" pitchFamily="34" charset="0"/>
+              </a:rPr>
+              <a:t>Đề xuất giao diện và các chức năng</a:t>
+            </a:r>
+            <a:endParaRPr lang="en-US" sz="3600" dirty="0">
+              <a:ln w="3175">
+                <a:solidFill>
+                  <a:schemeClr val="accent6">
+                    <a:lumMod val="75000"/>
+                  </a:schemeClr>
+                </a:solidFill>
+              </a:ln>
+              <a:solidFill>
+                <a:schemeClr val="accent6">
+                  <a:lumMod val="75000"/>
+                </a:schemeClr>
+              </a:solidFill>
+              <a:latin typeface="Arial" panose="020B0604020202020204" pitchFamily="34" charset="0"/>
+              <a:cs typeface="Arial" panose="020B0604020202020204" pitchFamily="34" charset="0"/>
+            </a:endParaRPr>
+          </a:p>
+        </p:txBody>
+      </p:sp>
+      <p:sp>
+        <p:nvSpPr>
+          <p:cNvPr id="11" name="Subtitle 7"/>
+          <p:cNvSpPr txBox="1">
+            <a:spLocks/>
+          </p:cNvSpPr>
+          <p:nvPr/>
+        </p:nvSpPr>
+        <p:spPr>
+          <a:xfrm>
+            <a:off x="228600" y="1147062"/>
+            <a:ext cx="8077200" cy="457200"/>
+          </a:xfrm>
+          <a:prstGeom prst="rect">
+            <a:avLst/>
+          </a:prstGeom>
+        </p:spPr>
+        <p:txBody>
+          <a:bodyPr vert="horz" lIns="91440" tIns="45720" rIns="91440" bIns="45720" rtlCol="0">
+            <a:noAutofit/>
+          </a:bodyPr>
+          <a:lstStyle>
+            <a:lvl1pPr marL="0" indent="0" algn="ctr" defTabSz="914400" rtl="0" eaLnBrk="1" latinLnBrk="0" hangingPunct="1">
+              <a:spcBef>
+                <a:spcPct val="20000"/>
+              </a:spcBef>
+              <a:buFont typeface="Arial" pitchFamily="34" charset="0"/>
+              <a:buNone/>
+              <a:defRPr sz="3200" kern="1200">
+                <a:solidFill>
+                  <a:schemeClr val="tx1">
+                    <a:tint val="75000"/>
+                  </a:schemeClr>
+                </a:solidFill>
+                <a:latin typeface="+mn-lt"/>
+                <a:ea typeface="+mn-ea"/>
+                <a:cs typeface="+mn-cs"/>
+              </a:defRPr>
+            </a:lvl1pPr>
+            <a:lvl2pPr marL="457200" indent="0" algn="ctr" defTabSz="914400" rtl="0" eaLnBrk="1" latinLnBrk="0" hangingPunct="1">
+              <a:spcBef>
+                <a:spcPct val="20000"/>
+              </a:spcBef>
+              <a:buFont typeface="Arial" pitchFamily="34" charset="0"/>
+              <a:buNone/>
+              <a:defRPr sz="2800" kern="1200">
+                <a:solidFill>
+                  <a:schemeClr val="tx1">
+                    <a:tint val="75000"/>
+                  </a:schemeClr>
+                </a:solidFill>
+                <a:latin typeface="+mn-lt"/>
+                <a:ea typeface="+mn-ea"/>
+                <a:cs typeface="+mn-cs"/>
+              </a:defRPr>
+            </a:lvl2pPr>
+            <a:lvl3pPr marL="914400" indent="0" algn="ctr" defTabSz="914400" rtl="0" eaLnBrk="1" latinLnBrk="0" hangingPunct="1">
+              <a:spcBef>
+                <a:spcPct val="20000"/>
+              </a:spcBef>
+              <a:buFont typeface="Arial" pitchFamily="34" charset="0"/>
+              <a:buNone/>
+              <a:defRPr sz="2400" kern="1200">
+                <a:solidFill>
+                  <a:schemeClr val="tx1">
+                    <a:tint val="75000"/>
+                  </a:schemeClr>
+                </a:solidFill>
+                <a:latin typeface="+mn-lt"/>
+                <a:ea typeface="+mn-ea"/>
+                <a:cs typeface="+mn-cs"/>
+              </a:defRPr>
+            </a:lvl3pPr>
+            <a:lvl4pPr marL="1371600" indent="0" algn="ctr" defTabSz="914400" rtl="0" eaLnBrk="1" latinLnBrk="0" hangingPunct="1">
+              <a:spcBef>
+                <a:spcPct val="20000"/>
+              </a:spcBef>
+              <a:buFont typeface="Arial" pitchFamily="34" charset="0"/>
+              <a:buNone/>
+              <a:defRPr sz="2000" kern="1200">
+                <a:solidFill>
+                  <a:schemeClr val="tx1">
+                    <a:tint val="75000"/>
+                  </a:schemeClr>
+                </a:solidFill>
+                <a:latin typeface="+mn-lt"/>
+                <a:ea typeface="+mn-ea"/>
+                <a:cs typeface="+mn-cs"/>
+              </a:defRPr>
+            </a:lvl4pPr>
+            <a:lvl5pPr marL="1828800" indent="0" algn="ctr" defTabSz="914400" rtl="0" eaLnBrk="1" latinLnBrk="0" hangingPunct="1">
+              <a:spcBef>
+                <a:spcPct val="20000"/>
+              </a:spcBef>
+              <a:buFont typeface="Arial" pitchFamily="34" charset="0"/>
+              <a:buNone/>
+              <a:defRPr sz="2000" kern="1200">
+                <a:solidFill>
+                  <a:schemeClr val="tx1">
+                    <a:tint val="75000"/>
+                  </a:schemeClr>
+                </a:solidFill>
+                <a:latin typeface="+mn-lt"/>
+                <a:ea typeface="+mn-ea"/>
+                <a:cs typeface="+mn-cs"/>
+              </a:defRPr>
+            </a:lvl5pPr>
+            <a:lvl6pPr marL="2286000" indent="0" algn="ctr" defTabSz="914400" rtl="0" eaLnBrk="1" latinLnBrk="0" hangingPunct="1">
+              <a:spcBef>
+                <a:spcPct val="20000"/>
+              </a:spcBef>
+              <a:buFont typeface="Arial" pitchFamily="34" charset="0"/>
+              <a:buNone/>
+              <a:defRPr sz="2000" kern="1200">
+                <a:solidFill>
+                  <a:schemeClr val="tx1">
+                    <a:tint val="75000"/>
+                  </a:schemeClr>
+                </a:solidFill>
+                <a:latin typeface="+mn-lt"/>
+                <a:ea typeface="+mn-ea"/>
+                <a:cs typeface="+mn-cs"/>
+              </a:defRPr>
+            </a:lvl6pPr>
+            <a:lvl7pPr marL="2743200" indent="0" algn="ctr" defTabSz="914400" rtl="0" eaLnBrk="1" latinLnBrk="0" hangingPunct="1">
+              <a:spcBef>
+                <a:spcPct val="20000"/>
+              </a:spcBef>
+              <a:buFont typeface="Arial" pitchFamily="34" charset="0"/>
+              <a:buNone/>
+              <a:defRPr sz="2000" kern="1200">
+                <a:solidFill>
+                  <a:schemeClr val="tx1">
+                    <a:tint val="75000"/>
+                  </a:schemeClr>
+                </a:solidFill>
+                <a:latin typeface="+mn-lt"/>
+                <a:ea typeface="+mn-ea"/>
+                <a:cs typeface="+mn-cs"/>
+              </a:defRPr>
+            </a:lvl7pPr>
+            <a:lvl8pPr marL="3200400" indent="0" algn="ctr" defTabSz="914400" rtl="0" eaLnBrk="1" latinLnBrk="0" hangingPunct="1">
+              <a:spcBef>
+                <a:spcPct val="20000"/>
+              </a:spcBef>
+              <a:buFont typeface="Arial" pitchFamily="34" charset="0"/>
+              <a:buNone/>
+              <a:defRPr sz="2000" kern="1200">
+                <a:solidFill>
+                  <a:schemeClr val="tx1">
+                    <a:tint val="75000"/>
+                  </a:schemeClr>
+                </a:solidFill>
+                <a:latin typeface="+mn-lt"/>
+                <a:ea typeface="+mn-ea"/>
+                <a:cs typeface="+mn-cs"/>
+              </a:defRPr>
+            </a:lvl8pPr>
+            <a:lvl9pPr marL="3657600" indent="0" algn="ctr" defTabSz="914400" rtl="0" eaLnBrk="1" latinLnBrk="0" hangingPunct="1">
+              <a:spcBef>
+                <a:spcPct val="20000"/>
+              </a:spcBef>
+              <a:buFont typeface="Arial" pitchFamily="34" charset="0"/>
+              <a:buNone/>
+              <a:defRPr sz="2000" kern="1200">
+                <a:solidFill>
+                  <a:schemeClr val="tx1">
+                    <a:tint val="75000"/>
+                  </a:schemeClr>
+                </a:solidFill>
+                <a:latin typeface="+mn-lt"/>
+                <a:ea typeface="+mn-ea"/>
+                <a:cs typeface="+mn-cs"/>
+              </a:defRPr>
+            </a:lvl9pPr>
+          </a:lstStyle>
+          <a:p>
+            <a:pPr lvl="1" algn="l"/>
+            <a:r>
+              <a:rPr lang="en-US" sz="2400" dirty="0" smtClean="0">
+                <a:solidFill>
+                  <a:schemeClr val="tx1"/>
+                </a:solidFill>
+                <a:latin typeface="Arial" panose="020B0604020202020204" pitchFamily="34" charset="0"/>
+                <a:cs typeface="Arial" panose="020B0604020202020204" pitchFamily="34" charset="0"/>
+              </a:rPr>
+              <a:t>Giao diện chi tiết bài học</a:t>
+            </a:r>
+            <a:endParaRPr lang="en-US" sz="2400" dirty="0" smtClean="0">
+              <a:solidFill>
+                <a:schemeClr val="tx1"/>
+              </a:solidFill>
+              <a:latin typeface="Arial" panose="020B0604020202020204" pitchFamily="34" charset="0"/>
+              <a:cs typeface="Arial" panose="020B0604020202020204" pitchFamily="34" charset="0"/>
+            </a:endParaRPr>
+          </a:p>
+        </p:txBody>
+      </p:sp>
+      <p:pic>
+        <p:nvPicPr>
+          <p:cNvPr id="12" name="Picture 11"/>
+          <p:cNvPicPr/>
+          <p:nvPr/>
+        </p:nvPicPr>
+        <p:blipFill>
+          <a:blip r:embed="rId2">
+            <a:extLst>
+              <a:ext uri="{28A0092B-C50C-407E-A947-70E740481C1C}">
+                <a14:useLocalDpi xmlns:a14="http://schemas.microsoft.com/office/drawing/2010/main" val="0"/>
+              </a:ext>
+            </a:extLst>
+          </a:blip>
+          <a:stretch>
+            <a:fillRect/>
+          </a:stretch>
+        </p:blipFill>
+        <p:spPr>
+          <a:xfrm>
+            <a:off x="697395" y="1853639"/>
+            <a:ext cx="7901609" cy="4114800"/>
+          </a:xfrm>
+          <a:prstGeom prst="rect">
+            <a:avLst/>
+          </a:prstGeom>
+        </p:spPr>
+      </p:pic>
+    </p:spTree>
+    <p:extLst>
+      <p:ext uri="{BB962C8B-B14F-4D97-AF65-F5344CB8AC3E}">
+        <p14:creationId xmlns:p14="http://schemas.microsoft.com/office/powerpoint/2010/main" val="295164410"/>
+      </p:ext>
+    </p:extLst>
+  </p:cSld>
+  <p:clrMapOvr>
+    <a:masterClrMapping/>
+  </p:clrMapOvr>
+  <p:timing>
+    <p:tnLst>
+      <p:par>
+        <p:cTn id="1" dur="indefinite" restart="never" nodeType="tmRoot"/>
+      </p:par>
+    </p:tnLst>
+  </p:timing>
+</p:sld>
+</file>
+
+<file path=ppt/slides/slide18.xml><?xml version="1.0" encoding="utf-8"?>
+<p:sld xmlns:a="http://schemas.openxmlformats.org/drawingml/2006/main" xmlns:r="http://schemas.openxmlformats.org/officeDocument/2006/relationships" xmlns:p="http://schemas.openxmlformats.org/presentationml/2006/main">
+  <p:cSld>
+    <p:spTree>
+      <p:nvGrpSpPr>
+        <p:cNvPr id="1" name=""/>
+        <p:cNvGrpSpPr/>
+        <p:nvPr/>
+      </p:nvGrpSpPr>
+      <p:grpSpPr>
+        <a:xfrm>
+          <a:off x="0" y="0"/>
+          <a:ext cx="0" cy="0"/>
+          <a:chOff x="0" y="0"/>
+          <a:chExt cx="0" cy="0"/>
+        </a:xfrm>
+      </p:grpSpPr>
+      <p:sp>
+        <p:nvSpPr>
+          <p:cNvPr id="3" name="Date Placeholder 2"/>
+          <p:cNvSpPr>
+            <a:spLocks noGrp="1"/>
+          </p:cNvSpPr>
+          <p:nvPr>
+            <p:ph type="dt" sz="half" idx="10"/>
+          </p:nvPr>
+        </p:nvSpPr>
+        <p:spPr/>
+        <p:txBody>
+          <a:bodyPr/>
+          <a:lstStyle/>
+          <a:p>
+            <a:r>
+              <a:rPr lang="en-US"/>
+              <a:t>10/13/2017</a:t>
+            </a:r>
+          </a:p>
+        </p:txBody>
+      </p:sp>
+      <p:sp>
+        <p:nvSpPr>
+          <p:cNvPr id="4" name="Footer Placeholder 3"/>
+          <p:cNvSpPr>
+            <a:spLocks noGrp="1"/>
+          </p:cNvSpPr>
+          <p:nvPr>
+            <p:ph type="ftr" sz="quarter" idx="11"/>
+          </p:nvPr>
+        </p:nvSpPr>
+        <p:spPr/>
+        <p:txBody>
+          <a:bodyPr/>
+          <a:lstStyle/>
+          <a:p>
+            <a:endParaRPr lang="en-US"/>
+          </a:p>
+        </p:txBody>
+      </p:sp>
+      <p:sp>
+        <p:nvSpPr>
+          <p:cNvPr id="5" name="Slide Number Placeholder 4"/>
+          <p:cNvSpPr>
+            <a:spLocks noGrp="1"/>
+          </p:cNvSpPr>
+          <p:nvPr>
+            <p:ph type="sldNum" sz="quarter" idx="12"/>
+          </p:nvPr>
+        </p:nvSpPr>
+        <p:spPr/>
+        <p:txBody>
+          <a:bodyPr/>
+          <a:lstStyle/>
+          <a:p>
+            <a:fld id="{FF387971-9C3B-49A6-8D58-3AFB2456A1FB}" type="slidenum">
+              <a:rPr lang="en-US" smtClean="0"/>
+              <a:t>18</a:t>
+            </a:fld>
+            <a:endParaRPr lang="en-US"/>
+          </a:p>
+        </p:txBody>
+      </p:sp>
+      <p:sp>
+        <p:nvSpPr>
+          <p:cNvPr id="6" name="Title 1"/>
+          <p:cNvSpPr txBox="1">
+            <a:spLocks/>
+          </p:cNvSpPr>
+          <p:nvPr/>
+        </p:nvSpPr>
+        <p:spPr>
+          <a:xfrm>
+            <a:off x="609600" y="1295400"/>
+            <a:ext cx="8077200" cy="4495800"/>
+          </a:xfrm>
+          <a:prstGeom prst="rect">
+            <a:avLst/>
+          </a:prstGeom>
+        </p:spPr>
+        <p:txBody>
+          <a:bodyPr vert="horz" lIns="91440" tIns="45720" rIns="91440" bIns="45720" rtlCol="0" anchor="ctr">
+            <a:normAutofit/>
+          </a:bodyPr>
+          <a:lstStyle>
+            <a:lvl1pPr algn="l" defTabSz="914400" rtl="0" eaLnBrk="1" latinLnBrk="0" hangingPunct="1">
+              <a:spcBef>
+                <a:spcPct val="0"/>
+              </a:spcBef>
+              <a:buNone/>
+              <a:defRPr sz="4400" kern="1200">
+                <a:solidFill>
+                  <a:schemeClr val="bg1"/>
+                </a:solidFill>
+                <a:latin typeface="Segoe UI Semilight" pitchFamily="34" charset="0"/>
+                <a:ea typeface="+mj-ea"/>
+                <a:cs typeface="Segoe UI Semilight" pitchFamily="34" charset="0"/>
+              </a:defRPr>
+            </a:lvl1pPr>
+          </a:lstStyle>
+          <a:p>
+            <a:pPr marL="342900" indent="-342900" algn="just">
+              <a:spcBef>
+                <a:spcPts val="1200"/>
+              </a:spcBef>
+              <a:buClr>
+                <a:schemeClr val="tx1"/>
+              </a:buClr>
+              <a:buFont typeface="Wingdings" panose="05000000000000000000" pitchFamily="2" charset="2"/>
+              <a:buChar char="Ø"/>
+            </a:pPr>
+            <a:endParaRPr lang="en-US" sz="2400" dirty="0">
+              <a:solidFill>
+                <a:schemeClr val="tx1"/>
+              </a:solidFill>
+              <a:latin typeface="Arial" panose="020B0604020202020204" pitchFamily="34" charset="0"/>
+              <a:cs typeface="Arial" panose="020B0604020202020204" pitchFamily="34" charset="0"/>
+            </a:endParaRPr>
+          </a:p>
+        </p:txBody>
+      </p:sp>
+      <p:sp>
+        <p:nvSpPr>
+          <p:cNvPr id="9" name="Title 1">
+            <a:extLst>
+              <a:ext uri="{FF2B5EF4-FFF2-40B4-BE49-F238E27FC236}">
+                <a16:creationId xmlns:a16="http://schemas.microsoft.com/office/drawing/2014/main" xmlns="" id="{68CE6783-9C0D-46BA-8D98-4A95830915D5}"/>
+              </a:ext>
+            </a:extLst>
+          </p:cNvPr>
+          <p:cNvSpPr txBox="1">
+            <a:spLocks/>
+          </p:cNvSpPr>
+          <p:nvPr/>
+        </p:nvSpPr>
+        <p:spPr>
+          <a:xfrm>
+            <a:off x="0" y="0"/>
+            <a:ext cx="9144000" cy="884238"/>
+          </a:xfrm>
+          <a:prstGeom prst="rect">
+            <a:avLst/>
+          </a:prstGeom>
+          <a:ln w="3175">
+            <a:solidFill>
+              <a:schemeClr val="tx1"/>
+            </a:solidFill>
+          </a:ln>
+        </p:spPr>
+        <p:txBody>
+          <a:bodyPr vert="horz" lIns="91440" tIns="45720" rIns="91440" bIns="45720" rtlCol="0" anchor="ctr">
+            <a:noAutofit/>
+          </a:bodyPr>
+          <a:lstStyle>
+            <a:lvl1pPr algn="l" defTabSz="914400" rtl="0" eaLnBrk="1" latinLnBrk="0" hangingPunct="1">
+              <a:spcBef>
+                <a:spcPct val="0"/>
+              </a:spcBef>
+              <a:buNone/>
+              <a:defRPr sz="4400" kern="1200">
+                <a:solidFill>
+                  <a:schemeClr val="bg1"/>
+                </a:solidFill>
+                <a:latin typeface="Segoe UI Semilight" pitchFamily="34" charset="0"/>
+                <a:ea typeface="+mj-ea"/>
+                <a:cs typeface="Segoe UI Semilight" pitchFamily="34" charset="0"/>
+              </a:defRPr>
+            </a:lvl1pPr>
+          </a:lstStyle>
+          <a:p>
+            <a:pPr algn="ctr"/>
+            <a:r>
+              <a:rPr lang="en-US" sz="3600" dirty="0" smtClean="0">
+                <a:ln w="3175">
+                  <a:solidFill>
+                    <a:schemeClr val="accent6">
+                      <a:lumMod val="75000"/>
+                    </a:schemeClr>
+                  </a:solidFill>
+                </a:ln>
+                <a:solidFill>
+                  <a:schemeClr val="accent6">
+                    <a:lumMod val="75000"/>
+                  </a:schemeClr>
+                </a:solidFill>
+                <a:latin typeface="Arial" panose="020B0604020202020204" pitchFamily="34" charset="0"/>
+                <a:cs typeface="Arial" panose="020B0604020202020204" pitchFamily="34" charset="0"/>
+              </a:rPr>
+              <a:t>3.5.1 </a:t>
+            </a:r>
+            <a:r>
+              <a:rPr lang="en-US" sz="3600" dirty="0" smtClean="0">
+                <a:ln w="3175">
+                  <a:solidFill>
+                    <a:schemeClr val="accent6">
+                      <a:lumMod val="75000"/>
+                    </a:schemeClr>
+                  </a:solidFill>
+                </a:ln>
+                <a:solidFill>
+                  <a:schemeClr val="accent6">
+                    <a:lumMod val="75000"/>
+                  </a:schemeClr>
+                </a:solidFill>
+                <a:latin typeface="Arial" panose="020B0604020202020204" pitchFamily="34" charset="0"/>
+                <a:cs typeface="Arial" panose="020B0604020202020204" pitchFamily="34" charset="0"/>
+              </a:rPr>
+              <a:t>Đề xuất giao diện và các chức năng</a:t>
+            </a:r>
+            <a:endParaRPr lang="en-US" sz="3600" dirty="0">
+              <a:ln w="3175">
+                <a:solidFill>
+                  <a:schemeClr val="accent6">
+                    <a:lumMod val="75000"/>
+                  </a:schemeClr>
+                </a:solidFill>
+              </a:ln>
+              <a:solidFill>
+                <a:schemeClr val="accent6">
+                  <a:lumMod val="75000"/>
+                </a:schemeClr>
+              </a:solidFill>
+              <a:latin typeface="Arial" panose="020B0604020202020204" pitchFamily="34" charset="0"/>
+              <a:cs typeface="Arial" panose="020B0604020202020204" pitchFamily="34" charset="0"/>
+            </a:endParaRPr>
+          </a:p>
+        </p:txBody>
+      </p:sp>
+      <p:sp>
+        <p:nvSpPr>
+          <p:cNvPr id="11" name="Subtitle 7"/>
+          <p:cNvSpPr txBox="1">
+            <a:spLocks/>
+          </p:cNvSpPr>
+          <p:nvPr/>
+        </p:nvSpPr>
+        <p:spPr>
+          <a:xfrm>
+            <a:off x="228600" y="1147062"/>
+            <a:ext cx="8077200" cy="457200"/>
+          </a:xfrm>
+          <a:prstGeom prst="rect">
+            <a:avLst/>
+          </a:prstGeom>
+        </p:spPr>
+        <p:txBody>
+          <a:bodyPr vert="horz" lIns="91440" tIns="45720" rIns="91440" bIns="45720" rtlCol="0">
+            <a:noAutofit/>
+          </a:bodyPr>
+          <a:lstStyle>
+            <a:lvl1pPr marL="0" indent="0" algn="ctr" defTabSz="914400" rtl="0" eaLnBrk="1" latinLnBrk="0" hangingPunct="1">
+              <a:spcBef>
+                <a:spcPct val="20000"/>
+              </a:spcBef>
+              <a:buFont typeface="Arial" pitchFamily="34" charset="0"/>
+              <a:buNone/>
+              <a:defRPr sz="3200" kern="1200">
+                <a:solidFill>
+                  <a:schemeClr val="tx1">
+                    <a:tint val="75000"/>
+                  </a:schemeClr>
+                </a:solidFill>
+                <a:latin typeface="+mn-lt"/>
+                <a:ea typeface="+mn-ea"/>
+                <a:cs typeface="+mn-cs"/>
+              </a:defRPr>
+            </a:lvl1pPr>
+            <a:lvl2pPr marL="457200" indent="0" algn="ctr" defTabSz="914400" rtl="0" eaLnBrk="1" latinLnBrk="0" hangingPunct="1">
+              <a:spcBef>
+                <a:spcPct val="20000"/>
+              </a:spcBef>
+              <a:buFont typeface="Arial" pitchFamily="34" charset="0"/>
+              <a:buNone/>
+              <a:defRPr sz="2800" kern="1200">
+                <a:solidFill>
+                  <a:schemeClr val="tx1">
+                    <a:tint val="75000"/>
+                  </a:schemeClr>
+                </a:solidFill>
+                <a:latin typeface="+mn-lt"/>
+                <a:ea typeface="+mn-ea"/>
+                <a:cs typeface="+mn-cs"/>
+              </a:defRPr>
+            </a:lvl2pPr>
+            <a:lvl3pPr marL="914400" indent="0" algn="ctr" defTabSz="914400" rtl="0" eaLnBrk="1" latinLnBrk="0" hangingPunct="1">
+              <a:spcBef>
+                <a:spcPct val="20000"/>
+              </a:spcBef>
+              <a:buFont typeface="Arial" pitchFamily="34" charset="0"/>
+              <a:buNone/>
+              <a:defRPr sz="2400" kern="1200">
+                <a:solidFill>
+                  <a:schemeClr val="tx1">
+                    <a:tint val="75000"/>
+                  </a:schemeClr>
+                </a:solidFill>
+                <a:latin typeface="+mn-lt"/>
+                <a:ea typeface="+mn-ea"/>
+                <a:cs typeface="+mn-cs"/>
+              </a:defRPr>
+            </a:lvl3pPr>
+            <a:lvl4pPr marL="1371600" indent="0" algn="ctr" defTabSz="914400" rtl="0" eaLnBrk="1" latinLnBrk="0" hangingPunct="1">
+              <a:spcBef>
+                <a:spcPct val="20000"/>
+              </a:spcBef>
+              <a:buFont typeface="Arial" pitchFamily="34" charset="0"/>
+              <a:buNone/>
+              <a:defRPr sz="2000" kern="1200">
+                <a:solidFill>
+                  <a:schemeClr val="tx1">
+                    <a:tint val="75000"/>
+                  </a:schemeClr>
+                </a:solidFill>
+                <a:latin typeface="+mn-lt"/>
+                <a:ea typeface="+mn-ea"/>
+                <a:cs typeface="+mn-cs"/>
+              </a:defRPr>
+            </a:lvl4pPr>
+            <a:lvl5pPr marL="1828800" indent="0" algn="ctr" defTabSz="914400" rtl="0" eaLnBrk="1" latinLnBrk="0" hangingPunct="1">
+              <a:spcBef>
+                <a:spcPct val="20000"/>
+              </a:spcBef>
+              <a:buFont typeface="Arial" pitchFamily="34" charset="0"/>
+              <a:buNone/>
+              <a:defRPr sz="2000" kern="1200">
+                <a:solidFill>
+                  <a:schemeClr val="tx1">
+                    <a:tint val="75000"/>
+                  </a:schemeClr>
+                </a:solidFill>
+                <a:latin typeface="+mn-lt"/>
+                <a:ea typeface="+mn-ea"/>
+                <a:cs typeface="+mn-cs"/>
+              </a:defRPr>
+            </a:lvl5pPr>
+            <a:lvl6pPr marL="2286000" indent="0" algn="ctr" defTabSz="914400" rtl="0" eaLnBrk="1" latinLnBrk="0" hangingPunct="1">
+              <a:spcBef>
+                <a:spcPct val="20000"/>
+              </a:spcBef>
+              <a:buFont typeface="Arial" pitchFamily="34" charset="0"/>
+              <a:buNone/>
+              <a:defRPr sz="2000" kern="1200">
+                <a:solidFill>
+                  <a:schemeClr val="tx1">
+                    <a:tint val="75000"/>
+                  </a:schemeClr>
+                </a:solidFill>
+                <a:latin typeface="+mn-lt"/>
+                <a:ea typeface="+mn-ea"/>
+                <a:cs typeface="+mn-cs"/>
+              </a:defRPr>
+            </a:lvl6pPr>
+            <a:lvl7pPr marL="2743200" indent="0" algn="ctr" defTabSz="914400" rtl="0" eaLnBrk="1" latinLnBrk="0" hangingPunct="1">
+              <a:spcBef>
+                <a:spcPct val="20000"/>
+              </a:spcBef>
+              <a:buFont typeface="Arial" pitchFamily="34" charset="0"/>
+              <a:buNone/>
+              <a:defRPr sz="2000" kern="1200">
+                <a:solidFill>
+                  <a:schemeClr val="tx1">
+                    <a:tint val="75000"/>
+                  </a:schemeClr>
+                </a:solidFill>
+                <a:latin typeface="+mn-lt"/>
+                <a:ea typeface="+mn-ea"/>
+                <a:cs typeface="+mn-cs"/>
+              </a:defRPr>
+            </a:lvl7pPr>
+            <a:lvl8pPr marL="3200400" indent="0" algn="ctr" defTabSz="914400" rtl="0" eaLnBrk="1" latinLnBrk="0" hangingPunct="1">
+              <a:spcBef>
+                <a:spcPct val="20000"/>
+              </a:spcBef>
+              <a:buFont typeface="Arial" pitchFamily="34" charset="0"/>
+              <a:buNone/>
+              <a:defRPr sz="2000" kern="1200">
+                <a:solidFill>
+                  <a:schemeClr val="tx1">
+                    <a:tint val="75000"/>
+                  </a:schemeClr>
+                </a:solidFill>
+                <a:latin typeface="+mn-lt"/>
+                <a:ea typeface="+mn-ea"/>
+                <a:cs typeface="+mn-cs"/>
+              </a:defRPr>
+            </a:lvl8pPr>
+            <a:lvl9pPr marL="3657600" indent="0" algn="ctr" defTabSz="914400" rtl="0" eaLnBrk="1" latinLnBrk="0" hangingPunct="1">
+              <a:spcBef>
+                <a:spcPct val="20000"/>
+              </a:spcBef>
+              <a:buFont typeface="Arial" pitchFamily="34" charset="0"/>
+              <a:buNone/>
+              <a:defRPr sz="2000" kern="1200">
+                <a:solidFill>
+                  <a:schemeClr val="tx1">
+                    <a:tint val="75000"/>
+                  </a:schemeClr>
+                </a:solidFill>
+                <a:latin typeface="+mn-lt"/>
+                <a:ea typeface="+mn-ea"/>
+                <a:cs typeface="+mn-cs"/>
+              </a:defRPr>
+            </a:lvl9pPr>
+          </a:lstStyle>
+          <a:p>
+            <a:pPr lvl="1" algn="l"/>
+            <a:r>
+              <a:rPr lang="en-US" sz="2400" dirty="0" smtClean="0">
+                <a:solidFill>
+                  <a:schemeClr val="tx1"/>
+                </a:solidFill>
+                <a:latin typeface="Arial" panose="020B0604020202020204" pitchFamily="34" charset="0"/>
+                <a:cs typeface="Arial" panose="020B0604020202020204" pitchFamily="34" charset="0"/>
+              </a:rPr>
+              <a:t>Giao diện danh sách ngữ pháp</a:t>
+            </a:r>
+            <a:endParaRPr lang="en-US" sz="2400" dirty="0" smtClean="0">
+              <a:solidFill>
+                <a:schemeClr val="tx1"/>
+              </a:solidFill>
+              <a:latin typeface="Arial" panose="020B0604020202020204" pitchFamily="34" charset="0"/>
+              <a:cs typeface="Arial" panose="020B0604020202020204" pitchFamily="34" charset="0"/>
+            </a:endParaRPr>
+          </a:p>
+        </p:txBody>
+      </p:sp>
+      <p:pic>
+        <p:nvPicPr>
+          <p:cNvPr id="10" name="Picture 9"/>
+          <p:cNvPicPr/>
+          <p:nvPr/>
+        </p:nvPicPr>
+        <p:blipFill>
+          <a:blip r:embed="rId2">
+            <a:extLst>
+              <a:ext uri="{28A0092B-C50C-407E-A947-70E740481C1C}">
+                <a14:useLocalDpi xmlns:a14="http://schemas.microsoft.com/office/drawing/2010/main" val="0"/>
+              </a:ext>
+            </a:extLst>
+          </a:blip>
+          <a:stretch>
+            <a:fillRect/>
+          </a:stretch>
+        </p:blipFill>
+        <p:spPr>
+          <a:xfrm>
+            <a:off x="685800" y="1867086"/>
+            <a:ext cx="7924800" cy="4267200"/>
+          </a:xfrm>
+          <a:prstGeom prst="rect">
+            <a:avLst/>
+          </a:prstGeom>
+        </p:spPr>
+      </p:pic>
+    </p:spTree>
+    <p:extLst>
+      <p:ext uri="{BB962C8B-B14F-4D97-AF65-F5344CB8AC3E}">
+        <p14:creationId xmlns:p14="http://schemas.microsoft.com/office/powerpoint/2010/main" val="3746752019"/>
+      </p:ext>
+    </p:extLst>
+  </p:cSld>
+  <p:clrMapOvr>
+    <a:masterClrMapping/>
+  </p:clrMapOvr>
+  <p:timing>
+    <p:tnLst>
+      <p:par>
+        <p:cTn id="1" dur="indefinite" restart="never" nodeType="tmRoot"/>
+      </p:par>
+    </p:tnLst>
+  </p:timing>
+</p:sld>
+</file>
+
+<file path=ppt/slides/slide19.xml><?xml version="1.0" encoding="utf-8"?>
+<p:sld xmlns:a="http://schemas.openxmlformats.org/drawingml/2006/main" xmlns:r="http://schemas.openxmlformats.org/officeDocument/2006/relationships" xmlns:p="http://schemas.openxmlformats.org/presentationml/2006/main">
+  <p:cSld>
+    <p:spTree>
+      <p:nvGrpSpPr>
+        <p:cNvPr id="1" name=""/>
+        <p:cNvGrpSpPr/>
+        <p:nvPr/>
+      </p:nvGrpSpPr>
+      <p:grpSpPr>
+        <a:xfrm>
+          <a:off x="0" y="0"/>
+          <a:ext cx="0" cy="0"/>
+          <a:chOff x="0" y="0"/>
+          <a:chExt cx="0" cy="0"/>
+        </a:xfrm>
+      </p:grpSpPr>
+      <p:sp>
+        <p:nvSpPr>
+          <p:cNvPr id="3" name="Date Placeholder 2"/>
+          <p:cNvSpPr>
+            <a:spLocks noGrp="1"/>
+          </p:cNvSpPr>
+          <p:nvPr>
+            <p:ph type="dt" sz="half" idx="10"/>
+          </p:nvPr>
+        </p:nvSpPr>
+        <p:spPr/>
+        <p:txBody>
+          <a:bodyPr/>
+          <a:lstStyle/>
+          <a:p>
+            <a:r>
+              <a:rPr lang="en-US"/>
+              <a:t>10/13/2017</a:t>
+            </a:r>
+          </a:p>
+        </p:txBody>
+      </p:sp>
+      <p:sp>
+        <p:nvSpPr>
+          <p:cNvPr id="4" name="Footer Placeholder 3"/>
+          <p:cNvSpPr>
+            <a:spLocks noGrp="1"/>
+          </p:cNvSpPr>
+          <p:nvPr>
+            <p:ph type="ftr" sz="quarter" idx="11"/>
+          </p:nvPr>
+        </p:nvSpPr>
+        <p:spPr/>
+        <p:txBody>
+          <a:bodyPr/>
+          <a:lstStyle/>
+          <a:p>
+            <a:endParaRPr lang="en-US"/>
+          </a:p>
+        </p:txBody>
+      </p:sp>
+      <p:sp>
+        <p:nvSpPr>
+          <p:cNvPr id="5" name="Slide Number Placeholder 4"/>
+          <p:cNvSpPr>
+            <a:spLocks noGrp="1"/>
+          </p:cNvSpPr>
+          <p:nvPr>
+            <p:ph type="sldNum" sz="quarter" idx="12"/>
+          </p:nvPr>
+        </p:nvSpPr>
+        <p:spPr/>
+        <p:txBody>
+          <a:bodyPr/>
+          <a:lstStyle/>
+          <a:p>
+            <a:fld id="{FF387971-9C3B-49A6-8D58-3AFB2456A1FB}" type="slidenum">
+              <a:rPr lang="en-US" smtClean="0"/>
+              <a:t>19</a:t>
+            </a:fld>
+            <a:endParaRPr lang="en-US"/>
+          </a:p>
+        </p:txBody>
+      </p:sp>
+      <p:sp>
+        <p:nvSpPr>
+          <p:cNvPr id="6" name="Title 1"/>
+          <p:cNvSpPr txBox="1">
+            <a:spLocks/>
+          </p:cNvSpPr>
+          <p:nvPr/>
+        </p:nvSpPr>
+        <p:spPr>
+          <a:xfrm>
+            <a:off x="609600" y="1295400"/>
+            <a:ext cx="8077200" cy="4495800"/>
+          </a:xfrm>
+          <a:prstGeom prst="rect">
+            <a:avLst/>
+          </a:prstGeom>
+        </p:spPr>
+        <p:txBody>
+          <a:bodyPr vert="horz" lIns="91440" tIns="45720" rIns="91440" bIns="45720" rtlCol="0" anchor="ctr">
+            <a:normAutofit/>
+          </a:bodyPr>
+          <a:lstStyle>
+            <a:lvl1pPr algn="l" defTabSz="914400" rtl="0" eaLnBrk="1" latinLnBrk="0" hangingPunct="1">
+              <a:spcBef>
+                <a:spcPct val="0"/>
+              </a:spcBef>
+              <a:buNone/>
+              <a:defRPr sz="4400" kern="1200">
+                <a:solidFill>
+                  <a:schemeClr val="bg1"/>
+                </a:solidFill>
+                <a:latin typeface="Segoe UI Semilight" pitchFamily="34" charset="0"/>
+                <a:ea typeface="+mj-ea"/>
+                <a:cs typeface="Segoe UI Semilight" pitchFamily="34" charset="0"/>
+              </a:defRPr>
+            </a:lvl1pPr>
+          </a:lstStyle>
+          <a:p>
+            <a:pPr marL="342900" indent="-342900" algn="just">
+              <a:spcBef>
+                <a:spcPts val="1200"/>
+              </a:spcBef>
+              <a:buClr>
+                <a:schemeClr val="tx1"/>
+              </a:buClr>
+              <a:buFont typeface="Wingdings" panose="05000000000000000000" pitchFamily="2" charset="2"/>
+              <a:buChar char="Ø"/>
+            </a:pPr>
+            <a:endParaRPr lang="en-US" sz="2400" dirty="0">
+              <a:solidFill>
+                <a:schemeClr val="tx1"/>
+              </a:solidFill>
+              <a:latin typeface="Arial" panose="020B0604020202020204" pitchFamily="34" charset="0"/>
+              <a:cs typeface="Arial" panose="020B0604020202020204" pitchFamily="34" charset="0"/>
+            </a:endParaRPr>
+          </a:p>
+        </p:txBody>
+      </p:sp>
+      <p:sp>
+        <p:nvSpPr>
+          <p:cNvPr id="9" name="Title 1">
+            <a:extLst>
+              <a:ext uri="{FF2B5EF4-FFF2-40B4-BE49-F238E27FC236}">
+                <a16:creationId xmlns:a16="http://schemas.microsoft.com/office/drawing/2014/main" xmlns="" id="{68CE6783-9C0D-46BA-8D98-4A95830915D5}"/>
+              </a:ext>
+            </a:extLst>
+          </p:cNvPr>
+          <p:cNvSpPr txBox="1">
+            <a:spLocks/>
+          </p:cNvSpPr>
+          <p:nvPr/>
+        </p:nvSpPr>
+        <p:spPr>
+          <a:xfrm>
+            <a:off x="0" y="0"/>
+            <a:ext cx="9144000" cy="884238"/>
+          </a:xfrm>
+          <a:prstGeom prst="rect">
+            <a:avLst/>
+          </a:prstGeom>
+          <a:ln w="3175">
+            <a:solidFill>
+              <a:schemeClr val="tx1"/>
+            </a:solidFill>
+          </a:ln>
+        </p:spPr>
+        <p:txBody>
+          <a:bodyPr vert="horz" lIns="91440" tIns="45720" rIns="91440" bIns="45720" rtlCol="0" anchor="ctr">
+            <a:noAutofit/>
+          </a:bodyPr>
+          <a:lstStyle>
+            <a:lvl1pPr algn="l" defTabSz="914400" rtl="0" eaLnBrk="1" latinLnBrk="0" hangingPunct="1">
+              <a:spcBef>
+                <a:spcPct val="0"/>
+              </a:spcBef>
+              <a:buNone/>
+              <a:defRPr sz="4400" kern="1200">
+                <a:solidFill>
+                  <a:schemeClr val="bg1"/>
+                </a:solidFill>
+                <a:latin typeface="Segoe UI Semilight" pitchFamily="34" charset="0"/>
+                <a:ea typeface="+mj-ea"/>
+                <a:cs typeface="Segoe UI Semilight" pitchFamily="34" charset="0"/>
+              </a:defRPr>
+            </a:lvl1pPr>
+          </a:lstStyle>
+          <a:p>
+            <a:pPr algn="ctr"/>
+            <a:r>
+              <a:rPr lang="en-US" sz="3600" dirty="0" smtClean="0">
+                <a:ln w="3175">
+                  <a:solidFill>
+                    <a:schemeClr val="accent6">
+                      <a:lumMod val="75000"/>
+                    </a:schemeClr>
+                  </a:solidFill>
+                </a:ln>
+                <a:solidFill>
+                  <a:schemeClr val="accent6">
+                    <a:lumMod val="75000"/>
+                  </a:schemeClr>
+                </a:solidFill>
+                <a:latin typeface="Arial" panose="020B0604020202020204" pitchFamily="34" charset="0"/>
+                <a:cs typeface="Arial" panose="020B0604020202020204" pitchFamily="34" charset="0"/>
+              </a:rPr>
+              <a:t>3.5.1 </a:t>
+            </a:r>
+            <a:r>
+              <a:rPr lang="en-US" sz="3600" dirty="0" smtClean="0">
+                <a:ln w="3175">
+                  <a:solidFill>
+                    <a:schemeClr val="accent6">
+                      <a:lumMod val="75000"/>
+                    </a:schemeClr>
+                  </a:solidFill>
+                </a:ln>
+                <a:solidFill>
+                  <a:schemeClr val="accent6">
+                    <a:lumMod val="75000"/>
+                  </a:schemeClr>
+                </a:solidFill>
+                <a:latin typeface="Arial" panose="020B0604020202020204" pitchFamily="34" charset="0"/>
+                <a:cs typeface="Arial" panose="020B0604020202020204" pitchFamily="34" charset="0"/>
+              </a:rPr>
+              <a:t>Đề xuất giao diện và các chức năng</a:t>
+            </a:r>
+            <a:endParaRPr lang="en-US" sz="3600" dirty="0">
+              <a:ln w="3175">
+                <a:solidFill>
+                  <a:schemeClr val="accent6">
+                    <a:lumMod val="75000"/>
+                  </a:schemeClr>
+                </a:solidFill>
+              </a:ln>
+              <a:solidFill>
+                <a:schemeClr val="accent6">
+                  <a:lumMod val="75000"/>
+                </a:schemeClr>
+              </a:solidFill>
+              <a:latin typeface="Arial" panose="020B0604020202020204" pitchFamily="34" charset="0"/>
+              <a:cs typeface="Arial" panose="020B0604020202020204" pitchFamily="34" charset="0"/>
+            </a:endParaRPr>
+          </a:p>
+        </p:txBody>
+      </p:sp>
+      <p:sp>
+        <p:nvSpPr>
+          <p:cNvPr id="11" name="Subtitle 7"/>
+          <p:cNvSpPr txBox="1">
+            <a:spLocks/>
+          </p:cNvSpPr>
+          <p:nvPr/>
+        </p:nvSpPr>
+        <p:spPr>
+          <a:xfrm>
+            <a:off x="228600" y="1147062"/>
+            <a:ext cx="8077200" cy="457200"/>
+          </a:xfrm>
+          <a:prstGeom prst="rect">
+            <a:avLst/>
+          </a:prstGeom>
+        </p:spPr>
+        <p:txBody>
+          <a:bodyPr vert="horz" lIns="91440" tIns="45720" rIns="91440" bIns="45720" rtlCol="0">
+            <a:noAutofit/>
+          </a:bodyPr>
+          <a:lstStyle>
+            <a:lvl1pPr marL="0" indent="0" algn="ctr" defTabSz="914400" rtl="0" eaLnBrk="1" latinLnBrk="0" hangingPunct="1">
+              <a:spcBef>
+                <a:spcPct val="20000"/>
+              </a:spcBef>
+              <a:buFont typeface="Arial" pitchFamily="34" charset="0"/>
+              <a:buNone/>
+              <a:defRPr sz="3200" kern="1200">
+                <a:solidFill>
+                  <a:schemeClr val="tx1">
+                    <a:tint val="75000"/>
+                  </a:schemeClr>
+                </a:solidFill>
+                <a:latin typeface="+mn-lt"/>
+                <a:ea typeface="+mn-ea"/>
+                <a:cs typeface="+mn-cs"/>
+              </a:defRPr>
+            </a:lvl1pPr>
+            <a:lvl2pPr marL="457200" indent="0" algn="ctr" defTabSz="914400" rtl="0" eaLnBrk="1" latinLnBrk="0" hangingPunct="1">
+              <a:spcBef>
+                <a:spcPct val="20000"/>
+              </a:spcBef>
+              <a:buFont typeface="Arial" pitchFamily="34" charset="0"/>
+              <a:buNone/>
+              <a:defRPr sz="2800" kern="1200">
+                <a:solidFill>
+                  <a:schemeClr val="tx1">
+                    <a:tint val="75000"/>
+                  </a:schemeClr>
+                </a:solidFill>
+                <a:latin typeface="+mn-lt"/>
+                <a:ea typeface="+mn-ea"/>
+                <a:cs typeface="+mn-cs"/>
+              </a:defRPr>
+            </a:lvl2pPr>
+            <a:lvl3pPr marL="914400" indent="0" algn="ctr" defTabSz="914400" rtl="0" eaLnBrk="1" latinLnBrk="0" hangingPunct="1">
+              <a:spcBef>
+                <a:spcPct val="20000"/>
+              </a:spcBef>
+              <a:buFont typeface="Arial" pitchFamily="34" charset="0"/>
+              <a:buNone/>
+              <a:defRPr sz="2400" kern="1200">
+                <a:solidFill>
+                  <a:schemeClr val="tx1">
+                    <a:tint val="75000"/>
+                  </a:schemeClr>
+                </a:solidFill>
+                <a:latin typeface="+mn-lt"/>
+                <a:ea typeface="+mn-ea"/>
+                <a:cs typeface="+mn-cs"/>
+              </a:defRPr>
+            </a:lvl3pPr>
+            <a:lvl4pPr marL="1371600" indent="0" algn="ctr" defTabSz="914400" rtl="0" eaLnBrk="1" latinLnBrk="0" hangingPunct="1">
+              <a:spcBef>
+                <a:spcPct val="20000"/>
+              </a:spcBef>
+              <a:buFont typeface="Arial" pitchFamily="34" charset="0"/>
+              <a:buNone/>
+              <a:defRPr sz="2000" kern="1200">
+                <a:solidFill>
+                  <a:schemeClr val="tx1">
+                    <a:tint val="75000"/>
+                  </a:schemeClr>
+                </a:solidFill>
+                <a:latin typeface="+mn-lt"/>
+                <a:ea typeface="+mn-ea"/>
+                <a:cs typeface="+mn-cs"/>
+              </a:defRPr>
+            </a:lvl4pPr>
+            <a:lvl5pPr marL="1828800" indent="0" algn="ctr" defTabSz="914400" rtl="0" eaLnBrk="1" latinLnBrk="0" hangingPunct="1">
+              <a:spcBef>
+                <a:spcPct val="20000"/>
+              </a:spcBef>
+              <a:buFont typeface="Arial" pitchFamily="34" charset="0"/>
+              <a:buNone/>
+              <a:defRPr sz="2000" kern="1200">
+                <a:solidFill>
+                  <a:schemeClr val="tx1">
+                    <a:tint val="75000"/>
+                  </a:schemeClr>
+                </a:solidFill>
+                <a:latin typeface="+mn-lt"/>
+                <a:ea typeface="+mn-ea"/>
+                <a:cs typeface="+mn-cs"/>
+              </a:defRPr>
+            </a:lvl5pPr>
+            <a:lvl6pPr marL="2286000" indent="0" algn="ctr" defTabSz="914400" rtl="0" eaLnBrk="1" latinLnBrk="0" hangingPunct="1">
+              <a:spcBef>
+                <a:spcPct val="20000"/>
+              </a:spcBef>
+              <a:buFont typeface="Arial" pitchFamily="34" charset="0"/>
+              <a:buNone/>
+              <a:defRPr sz="2000" kern="1200">
+                <a:solidFill>
+                  <a:schemeClr val="tx1">
+                    <a:tint val="75000"/>
+                  </a:schemeClr>
+                </a:solidFill>
+                <a:latin typeface="+mn-lt"/>
+                <a:ea typeface="+mn-ea"/>
+                <a:cs typeface="+mn-cs"/>
+              </a:defRPr>
+            </a:lvl6pPr>
+            <a:lvl7pPr marL="2743200" indent="0" algn="ctr" defTabSz="914400" rtl="0" eaLnBrk="1" latinLnBrk="0" hangingPunct="1">
+              <a:spcBef>
+                <a:spcPct val="20000"/>
+              </a:spcBef>
+              <a:buFont typeface="Arial" pitchFamily="34" charset="0"/>
+              <a:buNone/>
+              <a:defRPr sz="2000" kern="1200">
+                <a:solidFill>
+                  <a:schemeClr val="tx1">
+                    <a:tint val="75000"/>
+                  </a:schemeClr>
+                </a:solidFill>
+                <a:latin typeface="+mn-lt"/>
+                <a:ea typeface="+mn-ea"/>
+                <a:cs typeface="+mn-cs"/>
+              </a:defRPr>
+            </a:lvl7pPr>
+            <a:lvl8pPr marL="3200400" indent="0" algn="ctr" defTabSz="914400" rtl="0" eaLnBrk="1" latinLnBrk="0" hangingPunct="1">
+              <a:spcBef>
+                <a:spcPct val="20000"/>
+              </a:spcBef>
+              <a:buFont typeface="Arial" pitchFamily="34" charset="0"/>
+              <a:buNone/>
+              <a:defRPr sz="2000" kern="1200">
+                <a:solidFill>
+                  <a:schemeClr val="tx1">
+                    <a:tint val="75000"/>
+                  </a:schemeClr>
+                </a:solidFill>
+                <a:latin typeface="+mn-lt"/>
+                <a:ea typeface="+mn-ea"/>
+                <a:cs typeface="+mn-cs"/>
+              </a:defRPr>
+            </a:lvl8pPr>
+            <a:lvl9pPr marL="3657600" indent="0" algn="ctr" defTabSz="914400" rtl="0" eaLnBrk="1" latinLnBrk="0" hangingPunct="1">
+              <a:spcBef>
+                <a:spcPct val="20000"/>
+              </a:spcBef>
+              <a:buFont typeface="Arial" pitchFamily="34" charset="0"/>
+              <a:buNone/>
+              <a:defRPr sz="2000" kern="1200">
+                <a:solidFill>
+                  <a:schemeClr val="tx1">
+                    <a:tint val="75000"/>
+                  </a:schemeClr>
+                </a:solidFill>
+                <a:latin typeface="+mn-lt"/>
+                <a:ea typeface="+mn-ea"/>
+                <a:cs typeface="+mn-cs"/>
+              </a:defRPr>
+            </a:lvl9pPr>
+          </a:lstStyle>
+          <a:p>
+            <a:pPr lvl="1" algn="l"/>
+            <a:r>
+              <a:rPr lang="en-US" sz="2400" dirty="0" smtClean="0">
+                <a:solidFill>
+                  <a:schemeClr val="tx1"/>
+                </a:solidFill>
+                <a:latin typeface="Arial" panose="020B0604020202020204" pitchFamily="34" charset="0"/>
+                <a:cs typeface="Arial" panose="020B0604020202020204" pitchFamily="34" charset="0"/>
+              </a:rPr>
+              <a:t>Giao diện chi tiết ngữ pháp</a:t>
+            </a:r>
+            <a:endParaRPr lang="en-US" sz="2400" dirty="0" smtClean="0">
+              <a:solidFill>
+                <a:schemeClr val="tx1"/>
+              </a:solidFill>
+              <a:latin typeface="Arial" panose="020B0604020202020204" pitchFamily="34" charset="0"/>
+              <a:cs typeface="Arial" panose="020B0604020202020204" pitchFamily="34" charset="0"/>
+            </a:endParaRPr>
+          </a:p>
+        </p:txBody>
+      </p:sp>
+      <p:pic>
+        <p:nvPicPr>
+          <p:cNvPr id="12" name="Picture 11"/>
+          <p:cNvPicPr/>
+          <p:nvPr/>
+        </p:nvPicPr>
+        <p:blipFill>
+          <a:blip r:embed="rId2">
+            <a:extLst>
+              <a:ext uri="{28A0092B-C50C-407E-A947-70E740481C1C}">
+                <a14:useLocalDpi xmlns:a14="http://schemas.microsoft.com/office/drawing/2010/main" val="0"/>
+              </a:ext>
+            </a:extLst>
+          </a:blip>
+          <a:stretch>
+            <a:fillRect/>
+          </a:stretch>
+        </p:blipFill>
+        <p:spPr>
+          <a:xfrm>
+            <a:off x="708991" y="2187575"/>
+            <a:ext cx="7878418" cy="3886200"/>
+          </a:xfrm>
+          <a:prstGeom prst="rect">
+            <a:avLst/>
+          </a:prstGeom>
+        </p:spPr>
+      </p:pic>
+    </p:spTree>
+    <p:extLst>
+      <p:ext uri="{BB962C8B-B14F-4D97-AF65-F5344CB8AC3E}">
+        <p14:creationId xmlns:p14="http://schemas.microsoft.com/office/powerpoint/2010/main" val="1709894112"/>
+      </p:ext>
+    </p:extLst>
+  </p:cSld>
+  <p:clrMapOvr>
+    <a:masterClrMapping/>
+  </p:clrMapOvr>
+  <p:timing>
+    <p:tnLst>
+      <p:par>
+        <p:cTn id="1" dur="indefinite" restart="never" nodeType="tmRoot"/>
+      </p:par>
+    </p:tnLst>
+  </p:timing>
+</p:sld>
+</file>
+
+<file path=ppt/slides/slide2.xml><?xml version="1.0" encoding="utf-8"?>
+<p:sld xmlns:a="http://schemas.openxmlformats.org/drawingml/2006/main" xmlns:r="http://schemas.openxmlformats.org/officeDocument/2006/relationships" xmlns:p="http://schemas.openxmlformats.org/presentationml/2006/main">
+  <p:cSld>
+    <p:spTree>
+      <p:nvGrpSpPr>
+        <p:cNvPr id="1" name=""/>
+        <p:cNvGrpSpPr/>
+        <p:nvPr/>
+      </p:nvGrpSpPr>
+      <p:grpSpPr>
+        <a:xfrm>
+          <a:off x="0" y="0"/>
+          <a:ext cx="0" cy="0"/>
+          <a:chOff x="0" y="0"/>
+          <a:chExt cx="0" cy="0"/>
+        </a:xfrm>
+      </p:grpSpPr>
+      <p:sp>
+        <p:nvSpPr>
+          <p:cNvPr id="2" name="Title 1"/>
+          <p:cNvSpPr>
+            <a:spLocks noGrp="1"/>
+          </p:cNvSpPr>
+          <p:nvPr>
+            <p:ph type="title"/>
+          </p:nvPr>
+        </p:nvSpPr>
+        <p:spPr>
+          <a:xfrm>
+            <a:off x="0" y="0"/>
+            <a:ext cx="9144000" cy="884238"/>
+          </a:xfrm>
+          <a:ln w="3175">
+            <a:solidFill>
+              <a:schemeClr val="tx1"/>
+            </a:solidFill>
+          </a:ln>
+        </p:spPr>
+        <p:txBody>
+          <a:bodyPr>
+            <a:noAutofit/>
+          </a:bodyPr>
+          <a:lstStyle/>
+          <a:p>
+            <a:pPr algn="ctr"/>
+            <a:r>
+              <a:rPr lang="en-US" sz="3600" dirty="0">
+                <a:ln w="3175">
+                  <a:solidFill>
+                    <a:schemeClr val="accent6">
+                      <a:lumMod val="75000"/>
+                    </a:schemeClr>
+                  </a:solidFill>
+                </a:ln>
+                <a:solidFill>
+                  <a:schemeClr val="accent6">
+                    <a:lumMod val="75000"/>
+                  </a:schemeClr>
+                </a:solidFill>
+                <a:latin typeface="Arial" panose="020B0604020202020204" pitchFamily="34" charset="0"/>
+                <a:cs typeface="Arial" panose="020B0604020202020204" pitchFamily="34" charset="0"/>
+              </a:rPr>
+              <a:t>NỘI DUNG</a:t>
+            </a:r>
+          </a:p>
+        </p:txBody>
+      </p:sp>
+      <p:sp>
+        <p:nvSpPr>
+          <p:cNvPr id="3" name="Date Placeholder 2"/>
+          <p:cNvSpPr>
+            <a:spLocks noGrp="1"/>
+          </p:cNvSpPr>
+          <p:nvPr>
+            <p:ph type="dt" sz="half" idx="10"/>
+          </p:nvPr>
+        </p:nvSpPr>
+        <p:spPr/>
+        <p:txBody>
+          <a:bodyPr/>
+          <a:lstStyle/>
+          <a:p>
+            <a:r>
+              <a:rPr lang="en-US"/>
+              <a:t>10/13/2017</a:t>
+            </a:r>
+          </a:p>
+        </p:txBody>
+      </p:sp>
+      <p:sp>
+        <p:nvSpPr>
+          <p:cNvPr id="4" name="Footer Placeholder 3"/>
+          <p:cNvSpPr>
+            <a:spLocks noGrp="1"/>
+          </p:cNvSpPr>
+          <p:nvPr>
+            <p:ph type="ftr" sz="quarter" idx="11"/>
+          </p:nvPr>
+        </p:nvSpPr>
+        <p:spPr/>
+        <p:txBody>
+          <a:bodyPr/>
+          <a:lstStyle/>
+          <a:p>
+            <a:endParaRPr lang="en-US"/>
+          </a:p>
+        </p:txBody>
+      </p:sp>
+      <p:sp>
+        <p:nvSpPr>
+          <p:cNvPr id="5" name="Slide Number Placeholder 4"/>
+          <p:cNvSpPr>
+            <a:spLocks noGrp="1"/>
+          </p:cNvSpPr>
+          <p:nvPr>
+            <p:ph type="sldNum" sz="quarter" idx="12"/>
+          </p:nvPr>
+        </p:nvSpPr>
+        <p:spPr/>
+        <p:txBody>
+          <a:bodyPr/>
+          <a:lstStyle/>
+          <a:p>
+            <a:fld id="{FF387971-9C3B-49A6-8D58-3AFB2456A1FB}" type="slidenum">
+              <a:rPr lang="en-US" smtClean="0"/>
+              <a:t>2</a:t>
+            </a:fld>
+            <a:endParaRPr lang="en-US"/>
+          </a:p>
+        </p:txBody>
+      </p:sp>
+      <p:sp>
+        <p:nvSpPr>
+          <p:cNvPr id="6" name="Title 1"/>
+          <p:cNvSpPr txBox="1">
+            <a:spLocks/>
+          </p:cNvSpPr>
+          <p:nvPr/>
+        </p:nvSpPr>
+        <p:spPr>
+          <a:xfrm>
+            <a:off x="609600" y="1066800"/>
+            <a:ext cx="7924800" cy="4876800"/>
+          </a:xfrm>
+          <a:prstGeom prst="rect">
+            <a:avLst/>
+          </a:prstGeom>
+        </p:spPr>
+        <p:txBody>
+          <a:bodyPr vert="horz" lIns="91440" tIns="45720" rIns="91440" bIns="45720" rtlCol="0" anchor="ctr">
+            <a:noAutofit/>
+          </a:bodyPr>
+          <a:lstStyle>
+            <a:lvl1pPr algn="l" defTabSz="914400" rtl="0" eaLnBrk="1" latinLnBrk="0" hangingPunct="1">
+              <a:spcBef>
+                <a:spcPct val="0"/>
+              </a:spcBef>
+              <a:buNone/>
+              <a:defRPr sz="4400" kern="1200">
+                <a:solidFill>
+                  <a:schemeClr val="bg1"/>
+                </a:solidFill>
+                <a:latin typeface="Segoe UI Semilight" pitchFamily="34" charset="0"/>
+                <a:ea typeface="+mj-ea"/>
+                <a:cs typeface="Segoe UI Semilight" pitchFamily="34" charset="0"/>
+              </a:defRPr>
+            </a:lvl1pPr>
+          </a:lstStyle>
+          <a:p>
+            <a:pPr marL="457200" indent="-457200">
+              <a:spcBef>
+                <a:spcPts val="1200"/>
+              </a:spcBef>
+              <a:buAutoNum type="arabicPeriod"/>
+            </a:pPr>
+            <a:r>
+              <a:rPr lang="en-US" sz="2400" dirty="0" smtClean="0">
+                <a:solidFill>
+                  <a:schemeClr val="tx1"/>
+                </a:solidFill>
+                <a:latin typeface="Arial" panose="020B0604020202020204" pitchFamily="34" charset="0"/>
+                <a:cs typeface="Arial" panose="020B0604020202020204" pitchFamily="34" charset="0"/>
+              </a:rPr>
+              <a:t>Lý do và mục tiêu chọn đề tài</a:t>
+            </a:r>
+          </a:p>
+          <a:p>
+            <a:pPr marL="457200" indent="-457200">
+              <a:spcBef>
+                <a:spcPts val="1200"/>
+              </a:spcBef>
+              <a:buAutoNum type="arabicPeriod"/>
+            </a:pPr>
+            <a:r>
+              <a:rPr lang="en-US" sz="2400" dirty="0" smtClean="0">
+                <a:solidFill>
+                  <a:schemeClr val="tx1"/>
+                </a:solidFill>
+                <a:latin typeface="Arial" panose="020B0604020202020204" pitchFamily="34" charset="0"/>
+                <a:cs typeface="Arial" panose="020B0604020202020204" pitchFamily="34" charset="0"/>
+              </a:rPr>
+              <a:t>Kế hoạch thực hiện đề tài</a:t>
+            </a:r>
+            <a:endParaRPr lang="en-US" sz="2400" dirty="0">
+              <a:solidFill>
+                <a:schemeClr val="tx1"/>
+              </a:solidFill>
+              <a:latin typeface="Arial" panose="020B0604020202020204" pitchFamily="34" charset="0"/>
+              <a:cs typeface="Arial" panose="020B0604020202020204" pitchFamily="34" charset="0"/>
+            </a:endParaRPr>
+          </a:p>
+          <a:p>
+            <a:pPr marL="457200" indent="-457200">
+              <a:spcBef>
+                <a:spcPts val="1200"/>
+              </a:spcBef>
+              <a:buAutoNum type="arabicPeriod"/>
+            </a:pPr>
+            <a:r>
+              <a:rPr lang="en-US" sz="2400" dirty="0" smtClean="0">
+                <a:solidFill>
+                  <a:schemeClr val="tx1"/>
+                </a:solidFill>
+                <a:latin typeface="Arial" panose="020B0604020202020204" pitchFamily="34" charset="0"/>
+                <a:cs typeface="Arial" panose="020B0604020202020204" pitchFamily="34" charset="0"/>
+              </a:rPr>
+              <a:t>Nội dung và các bước thực hiện.</a:t>
+            </a:r>
+            <a:endParaRPr lang="en-US" sz="2400" dirty="0">
+              <a:solidFill>
+                <a:schemeClr val="tx1"/>
+              </a:solidFill>
+              <a:latin typeface="Arial" panose="020B0604020202020204" pitchFamily="34" charset="0"/>
+              <a:cs typeface="Arial" panose="020B0604020202020204" pitchFamily="34" charset="0"/>
+            </a:endParaRPr>
+          </a:p>
+          <a:p>
+            <a:pPr marL="457200" indent="-457200">
+              <a:spcBef>
+                <a:spcPts val="1200"/>
+              </a:spcBef>
+              <a:buAutoNum type="arabicPeriod"/>
+            </a:pPr>
+            <a:r>
+              <a:rPr lang="en-US" sz="2400" dirty="0" smtClean="0">
+                <a:solidFill>
+                  <a:schemeClr val="tx1"/>
+                </a:solidFill>
+                <a:latin typeface="Arial" panose="020B0604020202020204" pitchFamily="34" charset="0"/>
+                <a:cs typeface="Arial" panose="020B0604020202020204" pitchFamily="34" charset="0"/>
+              </a:rPr>
+              <a:t>Kết quả đạt được.</a:t>
+            </a:r>
+            <a:endParaRPr lang="en-US" sz="2400" dirty="0">
+              <a:solidFill>
+                <a:schemeClr val="tx1"/>
+              </a:solidFill>
+              <a:latin typeface="Arial" panose="020B0604020202020204" pitchFamily="34" charset="0"/>
+              <a:cs typeface="Arial" panose="020B0604020202020204" pitchFamily="34" charset="0"/>
+            </a:endParaRPr>
+          </a:p>
+          <a:p>
+            <a:pPr marL="457200" indent="-457200">
+              <a:spcBef>
+                <a:spcPts val="1200"/>
+              </a:spcBef>
+              <a:buAutoNum type="arabicPeriod"/>
+            </a:pPr>
+            <a:r>
+              <a:rPr lang="en-US" sz="2400" dirty="0" smtClean="0">
+                <a:solidFill>
+                  <a:schemeClr val="tx1"/>
+                </a:solidFill>
+                <a:latin typeface="Arial" panose="020B0604020202020204" pitchFamily="34" charset="0"/>
+                <a:cs typeface="Arial" panose="020B0604020202020204" pitchFamily="34" charset="0"/>
+              </a:rPr>
+              <a:t>Kết luận và hướng phát triển.</a:t>
+            </a:r>
+          </a:p>
+          <a:p>
+            <a:pPr marL="457200" indent="-457200">
+              <a:spcBef>
+                <a:spcPts val="1200"/>
+              </a:spcBef>
+              <a:buAutoNum type="arabicPeriod"/>
+            </a:pPr>
+            <a:r>
+              <a:rPr lang="en-US" sz="2400" dirty="0">
+                <a:solidFill>
+                  <a:schemeClr val="tx1"/>
+                </a:solidFill>
+                <a:latin typeface="Arial" panose="020B0604020202020204" pitchFamily="34" charset="0"/>
+                <a:cs typeface="Arial" panose="020B0604020202020204" pitchFamily="34" charset="0"/>
+              </a:rPr>
+              <a:t>Demo ứng </a:t>
+            </a:r>
+            <a:r>
+              <a:rPr lang="en-US" sz="2400" dirty="0" smtClean="0">
+                <a:solidFill>
+                  <a:schemeClr val="tx1"/>
+                </a:solidFill>
+                <a:latin typeface="Arial" panose="020B0604020202020204" pitchFamily="34" charset="0"/>
+                <a:cs typeface="Arial" panose="020B0604020202020204" pitchFamily="34" charset="0"/>
+              </a:rPr>
+              <a:t>dụng.</a:t>
+            </a:r>
+            <a:endParaRPr lang="en-US" sz="2400" dirty="0">
+              <a:solidFill>
+                <a:schemeClr val="tx1"/>
+              </a:solidFill>
+              <a:latin typeface="Arial" panose="020B0604020202020204" pitchFamily="34" charset="0"/>
+              <a:cs typeface="Arial" panose="020B0604020202020204" pitchFamily="34" charset="0"/>
+            </a:endParaRPr>
+          </a:p>
+        </p:txBody>
+      </p:sp>
+      <p:sp>
+        <p:nvSpPr>
+          <p:cNvPr id="7" name="Title 1"/>
+          <p:cNvSpPr txBox="1">
+            <a:spLocks/>
+          </p:cNvSpPr>
+          <p:nvPr/>
+        </p:nvSpPr>
+        <p:spPr>
+          <a:xfrm>
+            <a:off x="523461" y="1066800"/>
+            <a:ext cx="7924800" cy="487362"/>
+          </a:xfrm>
+          <a:prstGeom prst="rect">
+            <a:avLst/>
+          </a:prstGeom>
+        </p:spPr>
+        <p:txBody>
+          <a:bodyPr vert="horz" lIns="91440" tIns="45720" rIns="91440" bIns="45720" rtlCol="0" anchor="ctr">
+            <a:normAutofit fontScale="97500"/>
+          </a:bodyPr>
+          <a:lstStyle>
+            <a:lvl1pPr algn="l" defTabSz="914400" rtl="0" eaLnBrk="1" latinLnBrk="0" hangingPunct="1">
+              <a:spcBef>
+                <a:spcPct val="0"/>
+              </a:spcBef>
+              <a:buNone/>
+              <a:defRPr sz="4400" kern="1200">
+                <a:solidFill>
+                  <a:schemeClr val="bg1"/>
+                </a:solidFill>
+                <a:latin typeface="Segoe UI Semilight" pitchFamily="34" charset="0"/>
+                <a:ea typeface="+mj-ea"/>
+                <a:cs typeface="Segoe UI Semilight" pitchFamily="34" charset="0"/>
+              </a:defRPr>
+            </a:lvl1pPr>
+          </a:lstStyle>
+          <a:p>
+            <a:pPr algn="ctr"/>
+            <a:endParaRPr lang="en-US" sz="2600" dirty="0">
+              <a:solidFill>
+                <a:schemeClr val="tx1"/>
+              </a:solidFill>
+              <a:latin typeface="Times New Roman" panose="02020603050405020304" pitchFamily="18" charset="0"/>
+              <a:cs typeface="Times New Roman" panose="02020603050405020304" pitchFamily="18" charset="0"/>
+            </a:endParaRPr>
+          </a:p>
+        </p:txBody>
+      </p:sp>
+    </p:spTree>
+    <p:extLst>
+      <p:ext uri="{BB962C8B-B14F-4D97-AF65-F5344CB8AC3E}">
+        <p14:creationId xmlns:p14="http://schemas.microsoft.com/office/powerpoint/2010/main" val="2637767275"/>
+      </p:ext>
+    </p:extLst>
+  </p:cSld>
+  <p:clrMapOvr>
+    <a:masterClrMapping/>
+  </p:clrMapOvr>
+  <p:timing>
+    <p:tnLst>
+      <p:par>
+        <p:cTn id="1" dur="indefinite" restart="never" nodeType="tmRoot"/>
+      </p:par>
+    </p:tnLst>
+  </p:timing>
+</p:sld>
+</file>
+
+<file path=ppt/slides/slide20.xml><?xml version="1.0" encoding="utf-8"?>
+<p:sld xmlns:a="http://schemas.openxmlformats.org/drawingml/2006/main" xmlns:r="http://schemas.openxmlformats.org/officeDocument/2006/relationships" xmlns:p="http://schemas.openxmlformats.org/presentationml/2006/main">
+  <p:cSld>
+    <p:spTree>
+      <p:nvGrpSpPr>
+        <p:cNvPr id="1" name=""/>
+        <p:cNvGrpSpPr/>
+        <p:nvPr/>
+      </p:nvGrpSpPr>
+      <p:grpSpPr>
+        <a:xfrm>
+          <a:off x="0" y="0"/>
+          <a:ext cx="0" cy="0"/>
+          <a:chOff x="0" y="0"/>
+          <a:chExt cx="0" cy="0"/>
+        </a:xfrm>
+      </p:grpSpPr>
+      <p:sp>
+        <p:nvSpPr>
+          <p:cNvPr id="3" name="Date Placeholder 2"/>
+          <p:cNvSpPr>
+            <a:spLocks noGrp="1"/>
+          </p:cNvSpPr>
+          <p:nvPr>
+            <p:ph type="dt" sz="half" idx="10"/>
+          </p:nvPr>
+        </p:nvSpPr>
+        <p:spPr/>
+        <p:txBody>
+          <a:bodyPr/>
+          <a:lstStyle/>
+          <a:p>
+            <a:r>
+              <a:rPr lang="en-US"/>
+              <a:t>10/13/2017</a:t>
+            </a:r>
+          </a:p>
+        </p:txBody>
+      </p:sp>
+      <p:sp>
+        <p:nvSpPr>
+          <p:cNvPr id="4" name="Footer Placeholder 3"/>
+          <p:cNvSpPr>
+            <a:spLocks noGrp="1"/>
+          </p:cNvSpPr>
+          <p:nvPr>
+            <p:ph type="ftr" sz="quarter" idx="11"/>
+          </p:nvPr>
+        </p:nvSpPr>
+        <p:spPr/>
+        <p:txBody>
+          <a:bodyPr/>
+          <a:lstStyle/>
+          <a:p>
+            <a:endParaRPr lang="en-US"/>
+          </a:p>
+        </p:txBody>
+      </p:sp>
+      <p:sp>
+        <p:nvSpPr>
+          <p:cNvPr id="5" name="Slide Number Placeholder 4"/>
+          <p:cNvSpPr>
+            <a:spLocks noGrp="1"/>
+          </p:cNvSpPr>
+          <p:nvPr>
+            <p:ph type="sldNum" sz="quarter" idx="12"/>
+          </p:nvPr>
+        </p:nvSpPr>
+        <p:spPr/>
+        <p:txBody>
+          <a:bodyPr/>
+          <a:lstStyle/>
+          <a:p>
+            <a:fld id="{FF387971-9C3B-49A6-8D58-3AFB2456A1FB}" type="slidenum">
+              <a:rPr lang="en-US" smtClean="0"/>
+              <a:t>20</a:t>
+            </a:fld>
+            <a:endParaRPr lang="en-US"/>
+          </a:p>
+        </p:txBody>
+      </p:sp>
+      <p:sp>
+        <p:nvSpPr>
+          <p:cNvPr id="6" name="Title 1"/>
+          <p:cNvSpPr txBox="1">
+            <a:spLocks/>
+          </p:cNvSpPr>
+          <p:nvPr/>
+        </p:nvSpPr>
+        <p:spPr>
+          <a:xfrm>
+            <a:off x="609600" y="1295400"/>
+            <a:ext cx="8077200" cy="4495800"/>
+          </a:xfrm>
+          <a:prstGeom prst="rect">
+            <a:avLst/>
+          </a:prstGeom>
+        </p:spPr>
+        <p:txBody>
+          <a:bodyPr vert="horz" lIns="91440" tIns="45720" rIns="91440" bIns="45720" rtlCol="0" anchor="ctr">
+            <a:normAutofit/>
+          </a:bodyPr>
+          <a:lstStyle>
+            <a:lvl1pPr algn="l" defTabSz="914400" rtl="0" eaLnBrk="1" latinLnBrk="0" hangingPunct="1">
+              <a:spcBef>
+                <a:spcPct val="0"/>
+              </a:spcBef>
+              <a:buNone/>
+              <a:defRPr sz="4400" kern="1200">
+                <a:solidFill>
+                  <a:schemeClr val="bg1"/>
+                </a:solidFill>
+                <a:latin typeface="Segoe UI Semilight" pitchFamily="34" charset="0"/>
+                <a:ea typeface="+mj-ea"/>
+                <a:cs typeface="Segoe UI Semilight" pitchFamily="34" charset="0"/>
+              </a:defRPr>
+            </a:lvl1pPr>
+          </a:lstStyle>
+          <a:p>
+            <a:pPr marL="342900" indent="-342900" algn="just">
+              <a:spcBef>
+                <a:spcPts val="1200"/>
+              </a:spcBef>
+              <a:buClr>
+                <a:schemeClr val="tx1"/>
+              </a:buClr>
+              <a:buFont typeface="Wingdings" panose="05000000000000000000" pitchFamily="2" charset="2"/>
+              <a:buChar char="Ø"/>
+            </a:pPr>
+            <a:endParaRPr lang="en-US" sz="2400" dirty="0">
+              <a:solidFill>
+                <a:schemeClr val="tx1"/>
+              </a:solidFill>
+              <a:latin typeface="Arial" panose="020B0604020202020204" pitchFamily="34" charset="0"/>
+              <a:cs typeface="Arial" panose="020B0604020202020204" pitchFamily="34" charset="0"/>
+            </a:endParaRPr>
+          </a:p>
+        </p:txBody>
+      </p:sp>
+      <p:sp>
+        <p:nvSpPr>
+          <p:cNvPr id="9" name="Title 1">
+            <a:extLst>
+              <a:ext uri="{FF2B5EF4-FFF2-40B4-BE49-F238E27FC236}">
+                <a16:creationId xmlns:a16="http://schemas.microsoft.com/office/drawing/2014/main" xmlns="" id="{68CE6783-9C0D-46BA-8D98-4A95830915D5}"/>
+              </a:ext>
+            </a:extLst>
+          </p:cNvPr>
+          <p:cNvSpPr txBox="1">
+            <a:spLocks/>
+          </p:cNvSpPr>
+          <p:nvPr/>
+        </p:nvSpPr>
+        <p:spPr>
+          <a:xfrm>
+            <a:off x="0" y="0"/>
+            <a:ext cx="9144000" cy="884238"/>
+          </a:xfrm>
+          <a:prstGeom prst="rect">
+            <a:avLst/>
+          </a:prstGeom>
+          <a:ln w="3175">
+            <a:solidFill>
+              <a:schemeClr val="tx1"/>
+            </a:solidFill>
+          </a:ln>
+        </p:spPr>
+        <p:txBody>
+          <a:bodyPr vert="horz" lIns="91440" tIns="45720" rIns="91440" bIns="45720" rtlCol="0" anchor="ctr">
+            <a:noAutofit/>
+          </a:bodyPr>
+          <a:lstStyle>
+            <a:lvl1pPr algn="l" defTabSz="914400" rtl="0" eaLnBrk="1" latinLnBrk="0" hangingPunct="1">
+              <a:spcBef>
+                <a:spcPct val="0"/>
+              </a:spcBef>
+              <a:buNone/>
+              <a:defRPr sz="4400" kern="1200">
+                <a:solidFill>
+                  <a:schemeClr val="bg1"/>
+                </a:solidFill>
+                <a:latin typeface="Segoe UI Semilight" pitchFamily="34" charset="0"/>
+                <a:ea typeface="+mj-ea"/>
+                <a:cs typeface="Segoe UI Semilight" pitchFamily="34" charset="0"/>
+              </a:defRPr>
+            </a:lvl1pPr>
+          </a:lstStyle>
+          <a:p>
+            <a:pPr algn="ctr"/>
+            <a:r>
+              <a:rPr lang="en-US" sz="3600" dirty="0" smtClean="0">
+                <a:ln w="3175">
+                  <a:solidFill>
+                    <a:schemeClr val="accent6">
+                      <a:lumMod val="75000"/>
+                    </a:schemeClr>
+                  </a:solidFill>
+                </a:ln>
+                <a:solidFill>
+                  <a:schemeClr val="accent6">
+                    <a:lumMod val="75000"/>
+                  </a:schemeClr>
+                </a:solidFill>
+                <a:latin typeface="Arial" panose="020B0604020202020204" pitchFamily="34" charset="0"/>
+                <a:cs typeface="Arial" panose="020B0604020202020204" pitchFamily="34" charset="0"/>
+              </a:rPr>
+              <a:t>3.5.1 </a:t>
+            </a:r>
+            <a:r>
+              <a:rPr lang="en-US" sz="3600" dirty="0" smtClean="0">
+                <a:ln w="3175">
+                  <a:solidFill>
+                    <a:schemeClr val="accent6">
+                      <a:lumMod val="75000"/>
+                    </a:schemeClr>
+                  </a:solidFill>
+                </a:ln>
+                <a:solidFill>
+                  <a:schemeClr val="accent6">
+                    <a:lumMod val="75000"/>
+                  </a:schemeClr>
+                </a:solidFill>
+                <a:latin typeface="Arial" panose="020B0604020202020204" pitchFamily="34" charset="0"/>
+                <a:cs typeface="Arial" panose="020B0604020202020204" pitchFamily="34" charset="0"/>
+              </a:rPr>
+              <a:t>Đề xuất giao diện và các chức năng</a:t>
+            </a:r>
+            <a:endParaRPr lang="en-US" sz="3600" dirty="0">
+              <a:ln w="3175">
+                <a:solidFill>
+                  <a:schemeClr val="accent6">
+                    <a:lumMod val="75000"/>
+                  </a:schemeClr>
+                </a:solidFill>
+              </a:ln>
+              <a:solidFill>
+                <a:schemeClr val="accent6">
+                  <a:lumMod val="75000"/>
+                </a:schemeClr>
+              </a:solidFill>
+              <a:latin typeface="Arial" panose="020B0604020202020204" pitchFamily="34" charset="0"/>
+              <a:cs typeface="Arial" panose="020B0604020202020204" pitchFamily="34" charset="0"/>
+            </a:endParaRPr>
+          </a:p>
+        </p:txBody>
+      </p:sp>
+      <p:sp>
+        <p:nvSpPr>
+          <p:cNvPr id="11" name="Subtitle 7"/>
+          <p:cNvSpPr txBox="1">
+            <a:spLocks/>
+          </p:cNvSpPr>
+          <p:nvPr/>
+        </p:nvSpPr>
+        <p:spPr>
+          <a:xfrm>
+            <a:off x="381000" y="3476240"/>
+            <a:ext cx="8077200" cy="457200"/>
+          </a:xfrm>
+          <a:prstGeom prst="rect">
+            <a:avLst/>
+          </a:prstGeom>
+        </p:spPr>
+        <p:txBody>
+          <a:bodyPr vert="horz" lIns="91440" tIns="45720" rIns="91440" bIns="45720" rtlCol="0">
+            <a:noAutofit/>
+          </a:bodyPr>
+          <a:lstStyle>
+            <a:lvl1pPr marL="0" indent="0" algn="ctr" defTabSz="914400" rtl="0" eaLnBrk="1" latinLnBrk="0" hangingPunct="1">
+              <a:spcBef>
+                <a:spcPct val="20000"/>
+              </a:spcBef>
+              <a:buFont typeface="Arial" pitchFamily="34" charset="0"/>
+              <a:buNone/>
+              <a:defRPr sz="3200" kern="1200">
+                <a:solidFill>
+                  <a:schemeClr val="tx1">
+                    <a:tint val="75000"/>
+                  </a:schemeClr>
+                </a:solidFill>
+                <a:latin typeface="+mn-lt"/>
+                <a:ea typeface="+mn-ea"/>
+                <a:cs typeface="+mn-cs"/>
+              </a:defRPr>
+            </a:lvl1pPr>
+            <a:lvl2pPr marL="457200" indent="0" algn="ctr" defTabSz="914400" rtl="0" eaLnBrk="1" latinLnBrk="0" hangingPunct="1">
+              <a:spcBef>
+                <a:spcPct val="20000"/>
+              </a:spcBef>
+              <a:buFont typeface="Arial" pitchFamily="34" charset="0"/>
+              <a:buNone/>
+              <a:defRPr sz="2800" kern="1200">
+                <a:solidFill>
+                  <a:schemeClr val="tx1">
+                    <a:tint val="75000"/>
+                  </a:schemeClr>
+                </a:solidFill>
+                <a:latin typeface="+mn-lt"/>
+                <a:ea typeface="+mn-ea"/>
+                <a:cs typeface="+mn-cs"/>
+              </a:defRPr>
+            </a:lvl2pPr>
+            <a:lvl3pPr marL="914400" indent="0" algn="ctr" defTabSz="914400" rtl="0" eaLnBrk="1" latinLnBrk="0" hangingPunct="1">
+              <a:spcBef>
+                <a:spcPct val="20000"/>
+              </a:spcBef>
+              <a:buFont typeface="Arial" pitchFamily="34" charset="0"/>
+              <a:buNone/>
+              <a:defRPr sz="2400" kern="1200">
+                <a:solidFill>
+                  <a:schemeClr val="tx1">
+                    <a:tint val="75000"/>
+                  </a:schemeClr>
+                </a:solidFill>
+                <a:latin typeface="+mn-lt"/>
+                <a:ea typeface="+mn-ea"/>
+                <a:cs typeface="+mn-cs"/>
+              </a:defRPr>
+            </a:lvl3pPr>
+            <a:lvl4pPr marL="1371600" indent="0" algn="ctr" defTabSz="914400" rtl="0" eaLnBrk="1" latinLnBrk="0" hangingPunct="1">
+              <a:spcBef>
+                <a:spcPct val="20000"/>
+              </a:spcBef>
+              <a:buFont typeface="Arial" pitchFamily="34" charset="0"/>
+              <a:buNone/>
+              <a:defRPr sz="2000" kern="1200">
+                <a:solidFill>
+                  <a:schemeClr val="tx1">
+                    <a:tint val="75000"/>
+                  </a:schemeClr>
+                </a:solidFill>
+                <a:latin typeface="+mn-lt"/>
+                <a:ea typeface="+mn-ea"/>
+                <a:cs typeface="+mn-cs"/>
+              </a:defRPr>
+            </a:lvl4pPr>
+            <a:lvl5pPr marL="1828800" indent="0" algn="ctr" defTabSz="914400" rtl="0" eaLnBrk="1" latinLnBrk="0" hangingPunct="1">
+              <a:spcBef>
+                <a:spcPct val="20000"/>
+              </a:spcBef>
+              <a:buFont typeface="Arial" pitchFamily="34" charset="0"/>
+              <a:buNone/>
+              <a:defRPr sz="2000" kern="1200">
+                <a:solidFill>
+                  <a:schemeClr val="tx1">
+                    <a:tint val="75000"/>
+                  </a:schemeClr>
+                </a:solidFill>
+                <a:latin typeface="+mn-lt"/>
+                <a:ea typeface="+mn-ea"/>
+                <a:cs typeface="+mn-cs"/>
+              </a:defRPr>
+            </a:lvl5pPr>
+            <a:lvl6pPr marL="2286000" indent="0" algn="ctr" defTabSz="914400" rtl="0" eaLnBrk="1" latinLnBrk="0" hangingPunct="1">
+              <a:spcBef>
+                <a:spcPct val="20000"/>
+              </a:spcBef>
+              <a:buFont typeface="Arial" pitchFamily="34" charset="0"/>
+              <a:buNone/>
+              <a:defRPr sz="2000" kern="1200">
+                <a:solidFill>
+                  <a:schemeClr val="tx1">
+                    <a:tint val="75000"/>
+                  </a:schemeClr>
+                </a:solidFill>
+                <a:latin typeface="+mn-lt"/>
+                <a:ea typeface="+mn-ea"/>
+                <a:cs typeface="+mn-cs"/>
+              </a:defRPr>
+            </a:lvl6pPr>
+            <a:lvl7pPr marL="2743200" indent="0" algn="ctr" defTabSz="914400" rtl="0" eaLnBrk="1" latinLnBrk="0" hangingPunct="1">
+              <a:spcBef>
+                <a:spcPct val="20000"/>
+              </a:spcBef>
+              <a:buFont typeface="Arial" pitchFamily="34" charset="0"/>
+              <a:buNone/>
+              <a:defRPr sz="2000" kern="1200">
+                <a:solidFill>
+                  <a:schemeClr val="tx1">
+                    <a:tint val="75000"/>
+                  </a:schemeClr>
+                </a:solidFill>
+                <a:latin typeface="+mn-lt"/>
+                <a:ea typeface="+mn-ea"/>
+                <a:cs typeface="+mn-cs"/>
+              </a:defRPr>
+            </a:lvl7pPr>
+            <a:lvl8pPr marL="3200400" indent="0" algn="ctr" defTabSz="914400" rtl="0" eaLnBrk="1" latinLnBrk="0" hangingPunct="1">
+              <a:spcBef>
+                <a:spcPct val="20000"/>
+              </a:spcBef>
+              <a:buFont typeface="Arial" pitchFamily="34" charset="0"/>
+              <a:buNone/>
+              <a:defRPr sz="2000" kern="1200">
+                <a:solidFill>
+                  <a:schemeClr val="tx1">
+                    <a:tint val="75000"/>
+                  </a:schemeClr>
+                </a:solidFill>
+                <a:latin typeface="+mn-lt"/>
+                <a:ea typeface="+mn-ea"/>
+                <a:cs typeface="+mn-cs"/>
+              </a:defRPr>
+            </a:lvl8pPr>
+            <a:lvl9pPr marL="3657600" indent="0" algn="ctr" defTabSz="914400" rtl="0" eaLnBrk="1" latinLnBrk="0" hangingPunct="1">
+              <a:spcBef>
+                <a:spcPct val="20000"/>
+              </a:spcBef>
+              <a:buFont typeface="Arial" pitchFamily="34" charset="0"/>
+              <a:buNone/>
+              <a:defRPr sz="2000" kern="1200">
+                <a:solidFill>
+                  <a:schemeClr val="tx1">
+                    <a:tint val="75000"/>
+                  </a:schemeClr>
+                </a:solidFill>
+                <a:latin typeface="+mn-lt"/>
+                <a:ea typeface="+mn-ea"/>
+                <a:cs typeface="+mn-cs"/>
+              </a:defRPr>
+            </a:lvl9pPr>
+          </a:lstStyle>
+          <a:p>
+            <a:pPr lvl="1" algn="l"/>
+            <a:r>
+              <a:rPr lang="en-US" sz="2400" dirty="0" smtClean="0">
+                <a:solidFill>
+                  <a:schemeClr val="tx1"/>
+                </a:solidFill>
+                <a:latin typeface="Arial" panose="020B0604020202020204" pitchFamily="34" charset="0"/>
+                <a:cs typeface="Arial" panose="020B0604020202020204" pitchFamily="34" charset="0"/>
+              </a:rPr>
+              <a:t>Giao diện luyện tập</a:t>
+            </a:r>
+            <a:endParaRPr lang="en-US" sz="2400" dirty="0" smtClean="0">
+              <a:solidFill>
+                <a:schemeClr val="tx1"/>
+              </a:solidFill>
+              <a:latin typeface="Arial" panose="020B0604020202020204" pitchFamily="34" charset="0"/>
+              <a:cs typeface="Arial" panose="020B0604020202020204" pitchFamily="34" charset="0"/>
+            </a:endParaRPr>
+          </a:p>
+        </p:txBody>
+      </p:sp>
+      <p:pic>
+        <p:nvPicPr>
+          <p:cNvPr id="10" name="Picture 9"/>
+          <p:cNvPicPr/>
+          <p:nvPr/>
+        </p:nvPicPr>
+        <p:blipFill>
+          <a:blip r:embed="rId2">
+            <a:extLst>
+              <a:ext uri="{28A0092B-C50C-407E-A947-70E740481C1C}">
+                <a14:useLocalDpi xmlns:a14="http://schemas.microsoft.com/office/drawing/2010/main" val="0"/>
+              </a:ext>
+            </a:extLst>
+          </a:blip>
+          <a:stretch>
+            <a:fillRect/>
+          </a:stretch>
+        </p:blipFill>
+        <p:spPr>
+          <a:xfrm>
+            <a:off x="697395" y="1667745"/>
+            <a:ext cx="7901609" cy="1808495"/>
+          </a:xfrm>
+          <a:prstGeom prst="rect">
+            <a:avLst/>
+          </a:prstGeom>
+        </p:spPr>
+      </p:pic>
+      <p:sp>
+        <p:nvSpPr>
+          <p:cNvPr id="15" name="Subtitle 7"/>
+          <p:cNvSpPr txBox="1">
+            <a:spLocks/>
+          </p:cNvSpPr>
+          <p:nvPr/>
+        </p:nvSpPr>
+        <p:spPr>
+          <a:xfrm>
+            <a:off x="381000" y="1299462"/>
+            <a:ext cx="8077200" cy="457200"/>
+          </a:xfrm>
+          <a:prstGeom prst="rect">
+            <a:avLst/>
+          </a:prstGeom>
+        </p:spPr>
+        <p:txBody>
+          <a:bodyPr vert="horz" lIns="91440" tIns="45720" rIns="91440" bIns="45720" rtlCol="0">
+            <a:noAutofit/>
+          </a:bodyPr>
+          <a:lstStyle>
+            <a:lvl1pPr marL="0" indent="0" algn="ctr" defTabSz="914400" rtl="0" eaLnBrk="1" latinLnBrk="0" hangingPunct="1">
+              <a:spcBef>
+                <a:spcPct val="20000"/>
+              </a:spcBef>
+              <a:buFont typeface="Arial" pitchFamily="34" charset="0"/>
+              <a:buNone/>
+              <a:defRPr sz="3200" kern="1200">
+                <a:solidFill>
+                  <a:schemeClr val="tx1">
+                    <a:tint val="75000"/>
+                  </a:schemeClr>
+                </a:solidFill>
+                <a:latin typeface="+mn-lt"/>
+                <a:ea typeface="+mn-ea"/>
+                <a:cs typeface="+mn-cs"/>
+              </a:defRPr>
+            </a:lvl1pPr>
+            <a:lvl2pPr marL="457200" indent="0" algn="ctr" defTabSz="914400" rtl="0" eaLnBrk="1" latinLnBrk="0" hangingPunct="1">
+              <a:spcBef>
+                <a:spcPct val="20000"/>
+              </a:spcBef>
+              <a:buFont typeface="Arial" pitchFamily="34" charset="0"/>
+              <a:buNone/>
+              <a:defRPr sz="2800" kern="1200">
+                <a:solidFill>
+                  <a:schemeClr val="tx1">
+                    <a:tint val="75000"/>
+                  </a:schemeClr>
+                </a:solidFill>
+                <a:latin typeface="+mn-lt"/>
+                <a:ea typeface="+mn-ea"/>
+                <a:cs typeface="+mn-cs"/>
+              </a:defRPr>
+            </a:lvl2pPr>
+            <a:lvl3pPr marL="914400" indent="0" algn="ctr" defTabSz="914400" rtl="0" eaLnBrk="1" latinLnBrk="0" hangingPunct="1">
+              <a:spcBef>
+                <a:spcPct val="20000"/>
+              </a:spcBef>
+              <a:buFont typeface="Arial" pitchFamily="34" charset="0"/>
+              <a:buNone/>
+              <a:defRPr sz="2400" kern="1200">
+                <a:solidFill>
+                  <a:schemeClr val="tx1">
+                    <a:tint val="75000"/>
+                  </a:schemeClr>
+                </a:solidFill>
+                <a:latin typeface="+mn-lt"/>
+                <a:ea typeface="+mn-ea"/>
+                <a:cs typeface="+mn-cs"/>
+              </a:defRPr>
+            </a:lvl3pPr>
+            <a:lvl4pPr marL="1371600" indent="0" algn="ctr" defTabSz="914400" rtl="0" eaLnBrk="1" latinLnBrk="0" hangingPunct="1">
+              <a:spcBef>
+                <a:spcPct val="20000"/>
+              </a:spcBef>
+              <a:buFont typeface="Arial" pitchFamily="34" charset="0"/>
+              <a:buNone/>
+              <a:defRPr sz="2000" kern="1200">
+                <a:solidFill>
+                  <a:schemeClr val="tx1">
+                    <a:tint val="75000"/>
+                  </a:schemeClr>
+                </a:solidFill>
+                <a:latin typeface="+mn-lt"/>
+                <a:ea typeface="+mn-ea"/>
+                <a:cs typeface="+mn-cs"/>
+              </a:defRPr>
+            </a:lvl4pPr>
+            <a:lvl5pPr marL="1828800" indent="0" algn="ctr" defTabSz="914400" rtl="0" eaLnBrk="1" latinLnBrk="0" hangingPunct="1">
+              <a:spcBef>
+                <a:spcPct val="20000"/>
+              </a:spcBef>
+              <a:buFont typeface="Arial" pitchFamily="34" charset="0"/>
+              <a:buNone/>
+              <a:defRPr sz="2000" kern="1200">
+                <a:solidFill>
+                  <a:schemeClr val="tx1">
+                    <a:tint val="75000"/>
+                  </a:schemeClr>
+                </a:solidFill>
+                <a:latin typeface="+mn-lt"/>
+                <a:ea typeface="+mn-ea"/>
+                <a:cs typeface="+mn-cs"/>
+              </a:defRPr>
+            </a:lvl5pPr>
+            <a:lvl6pPr marL="2286000" indent="0" algn="ctr" defTabSz="914400" rtl="0" eaLnBrk="1" latinLnBrk="0" hangingPunct="1">
+              <a:spcBef>
+                <a:spcPct val="20000"/>
+              </a:spcBef>
+              <a:buFont typeface="Arial" pitchFamily="34" charset="0"/>
+              <a:buNone/>
+              <a:defRPr sz="2000" kern="1200">
+                <a:solidFill>
+                  <a:schemeClr val="tx1">
+                    <a:tint val="75000"/>
+                  </a:schemeClr>
+                </a:solidFill>
+                <a:latin typeface="+mn-lt"/>
+                <a:ea typeface="+mn-ea"/>
+                <a:cs typeface="+mn-cs"/>
+              </a:defRPr>
+            </a:lvl6pPr>
+            <a:lvl7pPr marL="2743200" indent="0" algn="ctr" defTabSz="914400" rtl="0" eaLnBrk="1" latinLnBrk="0" hangingPunct="1">
+              <a:spcBef>
+                <a:spcPct val="20000"/>
+              </a:spcBef>
+              <a:buFont typeface="Arial" pitchFamily="34" charset="0"/>
+              <a:buNone/>
+              <a:defRPr sz="2000" kern="1200">
+                <a:solidFill>
+                  <a:schemeClr val="tx1">
+                    <a:tint val="75000"/>
+                  </a:schemeClr>
+                </a:solidFill>
+                <a:latin typeface="+mn-lt"/>
+                <a:ea typeface="+mn-ea"/>
+                <a:cs typeface="+mn-cs"/>
+              </a:defRPr>
+            </a:lvl7pPr>
+            <a:lvl8pPr marL="3200400" indent="0" algn="ctr" defTabSz="914400" rtl="0" eaLnBrk="1" latinLnBrk="0" hangingPunct="1">
+              <a:spcBef>
+                <a:spcPct val="20000"/>
+              </a:spcBef>
+              <a:buFont typeface="Arial" pitchFamily="34" charset="0"/>
+              <a:buNone/>
+              <a:defRPr sz="2000" kern="1200">
+                <a:solidFill>
+                  <a:schemeClr val="tx1">
+                    <a:tint val="75000"/>
+                  </a:schemeClr>
+                </a:solidFill>
+                <a:latin typeface="+mn-lt"/>
+                <a:ea typeface="+mn-ea"/>
+                <a:cs typeface="+mn-cs"/>
+              </a:defRPr>
+            </a:lvl8pPr>
+            <a:lvl9pPr marL="3657600" indent="0" algn="ctr" defTabSz="914400" rtl="0" eaLnBrk="1" latinLnBrk="0" hangingPunct="1">
+              <a:spcBef>
+                <a:spcPct val="20000"/>
+              </a:spcBef>
+              <a:buFont typeface="Arial" pitchFamily="34" charset="0"/>
+              <a:buNone/>
+              <a:defRPr sz="2000" kern="1200">
+                <a:solidFill>
+                  <a:schemeClr val="tx1">
+                    <a:tint val="75000"/>
+                  </a:schemeClr>
+                </a:solidFill>
+                <a:latin typeface="+mn-lt"/>
+                <a:ea typeface="+mn-ea"/>
+                <a:cs typeface="+mn-cs"/>
+              </a:defRPr>
+            </a:lvl9pPr>
+          </a:lstStyle>
+          <a:p>
+            <a:pPr lvl="1" algn="l"/>
+            <a:r>
+              <a:rPr lang="en-US" sz="2400" dirty="0" smtClean="0">
+                <a:solidFill>
+                  <a:schemeClr val="tx1"/>
+                </a:solidFill>
+                <a:latin typeface="Arial" panose="020B0604020202020204" pitchFamily="34" charset="0"/>
+                <a:cs typeface="Arial" panose="020B0604020202020204" pitchFamily="34" charset="0"/>
+              </a:rPr>
+              <a:t>Giao diện câu hỏi</a:t>
+            </a:r>
+            <a:endParaRPr lang="en-US" sz="2400" dirty="0" smtClean="0">
+              <a:solidFill>
+                <a:schemeClr val="tx1"/>
+              </a:solidFill>
+              <a:latin typeface="Arial" panose="020B0604020202020204" pitchFamily="34" charset="0"/>
+              <a:cs typeface="Arial" panose="020B0604020202020204" pitchFamily="34" charset="0"/>
+            </a:endParaRPr>
+          </a:p>
+        </p:txBody>
+      </p:sp>
+      <p:pic>
+        <p:nvPicPr>
+          <p:cNvPr id="16" name="Picture 15"/>
+          <p:cNvPicPr/>
+          <p:nvPr/>
+        </p:nvPicPr>
+        <p:blipFill>
+          <a:blip r:embed="rId3">
+            <a:extLst>
+              <a:ext uri="{28A0092B-C50C-407E-A947-70E740481C1C}">
+                <a14:useLocalDpi xmlns:a14="http://schemas.microsoft.com/office/drawing/2010/main" val="0"/>
+              </a:ext>
+            </a:extLst>
+          </a:blip>
+          <a:stretch>
+            <a:fillRect/>
+          </a:stretch>
+        </p:blipFill>
+        <p:spPr>
+          <a:xfrm>
+            <a:off x="697395" y="3983126"/>
+            <a:ext cx="7874715" cy="2176358"/>
+          </a:xfrm>
+          <a:prstGeom prst="rect">
+            <a:avLst/>
+          </a:prstGeom>
+        </p:spPr>
+      </p:pic>
+    </p:spTree>
+    <p:extLst>
+      <p:ext uri="{BB962C8B-B14F-4D97-AF65-F5344CB8AC3E}">
+        <p14:creationId xmlns:p14="http://schemas.microsoft.com/office/powerpoint/2010/main" val="1073188619"/>
+      </p:ext>
+    </p:extLst>
+  </p:cSld>
+  <p:clrMapOvr>
+    <a:masterClrMapping/>
+  </p:clrMapOvr>
+  <p:timing>
+    <p:tnLst>
+      <p:par>
+        <p:cTn id="1" dur="indefinite" restart="never" nodeType="tmRoot"/>
+      </p:par>
+    </p:tnLst>
+  </p:timing>
+</p:sld>
+</file>
+
+<file path=ppt/slides/slide21.xml><?xml version="1.0" encoding="utf-8"?>
+<p:sld xmlns:a="http://schemas.openxmlformats.org/drawingml/2006/main" xmlns:r="http://schemas.openxmlformats.org/officeDocument/2006/relationships" xmlns:p="http://schemas.openxmlformats.org/presentationml/2006/main">
+  <p:cSld>
+    <p:spTree>
+      <p:nvGrpSpPr>
+        <p:cNvPr id="1" name=""/>
+        <p:cNvGrpSpPr/>
+        <p:nvPr/>
+      </p:nvGrpSpPr>
+      <p:grpSpPr>
+        <a:xfrm>
+          <a:off x="0" y="0"/>
+          <a:ext cx="0" cy="0"/>
+          <a:chOff x="0" y="0"/>
+          <a:chExt cx="0" cy="0"/>
+        </a:xfrm>
+      </p:grpSpPr>
+      <p:sp>
+        <p:nvSpPr>
+          <p:cNvPr id="3" name="Date Placeholder 2"/>
+          <p:cNvSpPr>
+            <a:spLocks noGrp="1"/>
+          </p:cNvSpPr>
+          <p:nvPr>
+            <p:ph type="dt" sz="half" idx="10"/>
+          </p:nvPr>
+        </p:nvSpPr>
+        <p:spPr/>
+        <p:txBody>
+          <a:bodyPr/>
+          <a:lstStyle/>
+          <a:p>
+            <a:r>
+              <a:rPr lang="en-US"/>
+              <a:t>10/13/2017</a:t>
+            </a:r>
+          </a:p>
+        </p:txBody>
+      </p:sp>
+      <p:sp>
+        <p:nvSpPr>
+          <p:cNvPr id="4" name="Footer Placeholder 3"/>
+          <p:cNvSpPr>
+            <a:spLocks noGrp="1"/>
+          </p:cNvSpPr>
+          <p:nvPr>
+            <p:ph type="ftr" sz="quarter" idx="11"/>
+          </p:nvPr>
+        </p:nvSpPr>
+        <p:spPr/>
+        <p:txBody>
+          <a:bodyPr/>
+          <a:lstStyle/>
+          <a:p>
+            <a:endParaRPr lang="en-US"/>
+          </a:p>
+        </p:txBody>
+      </p:sp>
+      <p:sp>
+        <p:nvSpPr>
+          <p:cNvPr id="5" name="Slide Number Placeholder 4"/>
+          <p:cNvSpPr>
+            <a:spLocks noGrp="1"/>
+          </p:cNvSpPr>
+          <p:nvPr>
+            <p:ph type="sldNum" sz="quarter" idx="12"/>
+          </p:nvPr>
+        </p:nvSpPr>
+        <p:spPr/>
+        <p:txBody>
+          <a:bodyPr/>
+          <a:lstStyle/>
+          <a:p>
+            <a:fld id="{FF387971-9C3B-49A6-8D58-3AFB2456A1FB}" type="slidenum">
+              <a:rPr lang="en-US" smtClean="0"/>
+              <a:t>21</a:t>
+            </a:fld>
+            <a:endParaRPr lang="en-US"/>
+          </a:p>
+        </p:txBody>
+      </p:sp>
+      <p:sp>
+        <p:nvSpPr>
+          <p:cNvPr id="6" name="Title 1"/>
+          <p:cNvSpPr txBox="1">
+            <a:spLocks/>
+          </p:cNvSpPr>
+          <p:nvPr/>
+        </p:nvSpPr>
+        <p:spPr>
+          <a:xfrm>
+            <a:off x="609600" y="1295400"/>
+            <a:ext cx="8077200" cy="4495800"/>
+          </a:xfrm>
+          <a:prstGeom prst="rect">
+            <a:avLst/>
+          </a:prstGeom>
+        </p:spPr>
+        <p:txBody>
+          <a:bodyPr vert="horz" lIns="91440" tIns="45720" rIns="91440" bIns="45720" rtlCol="0" anchor="ctr">
+            <a:normAutofit/>
+          </a:bodyPr>
+          <a:lstStyle>
+            <a:lvl1pPr algn="l" defTabSz="914400" rtl="0" eaLnBrk="1" latinLnBrk="0" hangingPunct="1">
+              <a:spcBef>
+                <a:spcPct val="0"/>
+              </a:spcBef>
+              <a:buNone/>
+              <a:defRPr sz="4400" kern="1200">
+                <a:solidFill>
+                  <a:schemeClr val="bg1"/>
+                </a:solidFill>
+                <a:latin typeface="Segoe UI Semilight" pitchFamily="34" charset="0"/>
+                <a:ea typeface="+mj-ea"/>
+                <a:cs typeface="Segoe UI Semilight" pitchFamily="34" charset="0"/>
+              </a:defRPr>
+            </a:lvl1pPr>
+          </a:lstStyle>
+          <a:p>
+            <a:pPr marL="342900" indent="-342900" algn="just">
+              <a:spcBef>
+                <a:spcPts val="1200"/>
+              </a:spcBef>
+              <a:buClr>
+                <a:schemeClr val="tx1"/>
+              </a:buClr>
+              <a:buFont typeface="Wingdings" panose="05000000000000000000" pitchFamily="2" charset="2"/>
+              <a:buChar char="Ø"/>
+            </a:pPr>
+            <a:endParaRPr lang="en-US" sz="2400" dirty="0">
+              <a:solidFill>
+                <a:schemeClr val="tx1"/>
+              </a:solidFill>
+              <a:latin typeface="Arial" panose="020B0604020202020204" pitchFamily="34" charset="0"/>
+              <a:cs typeface="Arial" panose="020B0604020202020204" pitchFamily="34" charset="0"/>
+            </a:endParaRPr>
+          </a:p>
+        </p:txBody>
+      </p:sp>
+      <p:sp>
+        <p:nvSpPr>
+          <p:cNvPr id="9" name="Title 1">
+            <a:extLst>
+              <a:ext uri="{FF2B5EF4-FFF2-40B4-BE49-F238E27FC236}">
+                <a16:creationId xmlns:a16="http://schemas.microsoft.com/office/drawing/2014/main" xmlns="" id="{68CE6783-9C0D-46BA-8D98-4A95830915D5}"/>
+              </a:ext>
+            </a:extLst>
+          </p:cNvPr>
+          <p:cNvSpPr txBox="1">
+            <a:spLocks/>
+          </p:cNvSpPr>
+          <p:nvPr/>
+        </p:nvSpPr>
+        <p:spPr>
+          <a:xfrm>
+            <a:off x="0" y="0"/>
+            <a:ext cx="9144000" cy="884238"/>
+          </a:xfrm>
+          <a:prstGeom prst="rect">
+            <a:avLst/>
+          </a:prstGeom>
+          <a:ln w="3175">
+            <a:solidFill>
+              <a:schemeClr val="tx1"/>
+            </a:solidFill>
+          </a:ln>
+        </p:spPr>
+        <p:txBody>
+          <a:bodyPr vert="horz" lIns="91440" tIns="45720" rIns="91440" bIns="45720" rtlCol="0" anchor="ctr">
+            <a:noAutofit/>
+          </a:bodyPr>
+          <a:lstStyle>
+            <a:lvl1pPr algn="l" defTabSz="914400" rtl="0" eaLnBrk="1" latinLnBrk="0" hangingPunct="1">
+              <a:spcBef>
+                <a:spcPct val="0"/>
+              </a:spcBef>
+              <a:buNone/>
+              <a:defRPr sz="4400" kern="1200">
+                <a:solidFill>
+                  <a:schemeClr val="bg1"/>
+                </a:solidFill>
+                <a:latin typeface="Segoe UI Semilight" pitchFamily="34" charset="0"/>
+                <a:ea typeface="+mj-ea"/>
+                <a:cs typeface="Segoe UI Semilight" pitchFamily="34" charset="0"/>
+              </a:defRPr>
+            </a:lvl1pPr>
+          </a:lstStyle>
+          <a:p>
+            <a:pPr algn="ctr"/>
+            <a:r>
+              <a:rPr lang="en-US" sz="3600" dirty="0" smtClean="0">
+                <a:ln w="3175">
+                  <a:solidFill>
+                    <a:schemeClr val="accent6">
+                      <a:lumMod val="75000"/>
+                    </a:schemeClr>
+                  </a:solidFill>
+                </a:ln>
+                <a:solidFill>
+                  <a:schemeClr val="accent6">
+                    <a:lumMod val="75000"/>
+                  </a:schemeClr>
+                </a:solidFill>
+                <a:latin typeface="Arial" panose="020B0604020202020204" pitchFamily="34" charset="0"/>
+                <a:cs typeface="Arial" panose="020B0604020202020204" pitchFamily="34" charset="0"/>
+              </a:rPr>
+              <a:t>3.5.1 </a:t>
+            </a:r>
+            <a:r>
+              <a:rPr lang="en-US" sz="3600" dirty="0" smtClean="0">
+                <a:ln w="3175">
+                  <a:solidFill>
+                    <a:schemeClr val="accent6">
+                      <a:lumMod val="75000"/>
+                    </a:schemeClr>
+                  </a:solidFill>
+                </a:ln>
+                <a:solidFill>
+                  <a:schemeClr val="accent6">
+                    <a:lumMod val="75000"/>
+                  </a:schemeClr>
+                </a:solidFill>
+                <a:latin typeface="Arial" panose="020B0604020202020204" pitchFamily="34" charset="0"/>
+                <a:cs typeface="Arial" panose="020B0604020202020204" pitchFamily="34" charset="0"/>
+              </a:rPr>
+              <a:t>Đề xuất giao diện và các chức năng</a:t>
+            </a:r>
+            <a:endParaRPr lang="en-US" sz="3600" dirty="0">
+              <a:ln w="3175">
+                <a:solidFill>
+                  <a:schemeClr val="accent6">
+                    <a:lumMod val="75000"/>
+                  </a:schemeClr>
+                </a:solidFill>
+              </a:ln>
+              <a:solidFill>
+                <a:schemeClr val="accent6">
+                  <a:lumMod val="75000"/>
+                </a:schemeClr>
+              </a:solidFill>
+              <a:latin typeface="Arial" panose="020B0604020202020204" pitchFamily="34" charset="0"/>
+              <a:cs typeface="Arial" panose="020B0604020202020204" pitchFamily="34" charset="0"/>
+            </a:endParaRPr>
+          </a:p>
+        </p:txBody>
+      </p:sp>
+      <p:sp>
+        <p:nvSpPr>
+          <p:cNvPr id="11" name="Subtitle 7"/>
+          <p:cNvSpPr txBox="1">
+            <a:spLocks/>
+          </p:cNvSpPr>
+          <p:nvPr/>
+        </p:nvSpPr>
+        <p:spPr>
+          <a:xfrm>
+            <a:off x="228600" y="1147062"/>
+            <a:ext cx="8077200" cy="457200"/>
+          </a:xfrm>
+          <a:prstGeom prst="rect">
+            <a:avLst/>
+          </a:prstGeom>
+        </p:spPr>
+        <p:txBody>
+          <a:bodyPr vert="horz" lIns="91440" tIns="45720" rIns="91440" bIns="45720" rtlCol="0">
+            <a:noAutofit/>
+          </a:bodyPr>
+          <a:lstStyle>
+            <a:lvl1pPr marL="0" indent="0" algn="ctr" defTabSz="914400" rtl="0" eaLnBrk="1" latinLnBrk="0" hangingPunct="1">
+              <a:spcBef>
+                <a:spcPct val="20000"/>
+              </a:spcBef>
+              <a:buFont typeface="Arial" pitchFamily="34" charset="0"/>
+              <a:buNone/>
+              <a:defRPr sz="3200" kern="1200">
+                <a:solidFill>
+                  <a:schemeClr val="tx1">
+                    <a:tint val="75000"/>
+                  </a:schemeClr>
+                </a:solidFill>
+                <a:latin typeface="+mn-lt"/>
+                <a:ea typeface="+mn-ea"/>
+                <a:cs typeface="+mn-cs"/>
+              </a:defRPr>
+            </a:lvl1pPr>
+            <a:lvl2pPr marL="457200" indent="0" algn="ctr" defTabSz="914400" rtl="0" eaLnBrk="1" latinLnBrk="0" hangingPunct="1">
+              <a:spcBef>
+                <a:spcPct val="20000"/>
+              </a:spcBef>
+              <a:buFont typeface="Arial" pitchFamily="34" charset="0"/>
+              <a:buNone/>
+              <a:defRPr sz="2800" kern="1200">
+                <a:solidFill>
+                  <a:schemeClr val="tx1">
+                    <a:tint val="75000"/>
+                  </a:schemeClr>
+                </a:solidFill>
+                <a:latin typeface="+mn-lt"/>
+                <a:ea typeface="+mn-ea"/>
+                <a:cs typeface="+mn-cs"/>
+              </a:defRPr>
+            </a:lvl2pPr>
+            <a:lvl3pPr marL="914400" indent="0" algn="ctr" defTabSz="914400" rtl="0" eaLnBrk="1" latinLnBrk="0" hangingPunct="1">
+              <a:spcBef>
+                <a:spcPct val="20000"/>
+              </a:spcBef>
+              <a:buFont typeface="Arial" pitchFamily="34" charset="0"/>
+              <a:buNone/>
+              <a:defRPr sz="2400" kern="1200">
+                <a:solidFill>
+                  <a:schemeClr val="tx1">
+                    <a:tint val="75000"/>
+                  </a:schemeClr>
+                </a:solidFill>
+                <a:latin typeface="+mn-lt"/>
+                <a:ea typeface="+mn-ea"/>
+                <a:cs typeface="+mn-cs"/>
+              </a:defRPr>
+            </a:lvl3pPr>
+            <a:lvl4pPr marL="1371600" indent="0" algn="ctr" defTabSz="914400" rtl="0" eaLnBrk="1" latinLnBrk="0" hangingPunct="1">
+              <a:spcBef>
+                <a:spcPct val="20000"/>
+              </a:spcBef>
+              <a:buFont typeface="Arial" pitchFamily="34" charset="0"/>
+              <a:buNone/>
+              <a:defRPr sz="2000" kern="1200">
+                <a:solidFill>
+                  <a:schemeClr val="tx1">
+                    <a:tint val="75000"/>
+                  </a:schemeClr>
+                </a:solidFill>
+                <a:latin typeface="+mn-lt"/>
+                <a:ea typeface="+mn-ea"/>
+                <a:cs typeface="+mn-cs"/>
+              </a:defRPr>
+            </a:lvl4pPr>
+            <a:lvl5pPr marL="1828800" indent="0" algn="ctr" defTabSz="914400" rtl="0" eaLnBrk="1" latinLnBrk="0" hangingPunct="1">
+              <a:spcBef>
+                <a:spcPct val="20000"/>
+              </a:spcBef>
+              <a:buFont typeface="Arial" pitchFamily="34" charset="0"/>
+              <a:buNone/>
+              <a:defRPr sz="2000" kern="1200">
+                <a:solidFill>
+                  <a:schemeClr val="tx1">
+                    <a:tint val="75000"/>
+                  </a:schemeClr>
+                </a:solidFill>
+                <a:latin typeface="+mn-lt"/>
+                <a:ea typeface="+mn-ea"/>
+                <a:cs typeface="+mn-cs"/>
+              </a:defRPr>
+            </a:lvl5pPr>
+            <a:lvl6pPr marL="2286000" indent="0" algn="ctr" defTabSz="914400" rtl="0" eaLnBrk="1" latinLnBrk="0" hangingPunct="1">
+              <a:spcBef>
+                <a:spcPct val="20000"/>
+              </a:spcBef>
+              <a:buFont typeface="Arial" pitchFamily="34" charset="0"/>
+              <a:buNone/>
+              <a:defRPr sz="2000" kern="1200">
+                <a:solidFill>
+                  <a:schemeClr val="tx1">
+                    <a:tint val="75000"/>
+                  </a:schemeClr>
+                </a:solidFill>
+                <a:latin typeface="+mn-lt"/>
+                <a:ea typeface="+mn-ea"/>
+                <a:cs typeface="+mn-cs"/>
+              </a:defRPr>
+            </a:lvl6pPr>
+            <a:lvl7pPr marL="2743200" indent="0" algn="ctr" defTabSz="914400" rtl="0" eaLnBrk="1" latinLnBrk="0" hangingPunct="1">
+              <a:spcBef>
+                <a:spcPct val="20000"/>
+              </a:spcBef>
+              <a:buFont typeface="Arial" pitchFamily="34" charset="0"/>
+              <a:buNone/>
+              <a:defRPr sz="2000" kern="1200">
+                <a:solidFill>
+                  <a:schemeClr val="tx1">
+                    <a:tint val="75000"/>
+                  </a:schemeClr>
+                </a:solidFill>
+                <a:latin typeface="+mn-lt"/>
+                <a:ea typeface="+mn-ea"/>
+                <a:cs typeface="+mn-cs"/>
+              </a:defRPr>
+            </a:lvl7pPr>
+            <a:lvl8pPr marL="3200400" indent="0" algn="ctr" defTabSz="914400" rtl="0" eaLnBrk="1" latinLnBrk="0" hangingPunct="1">
+              <a:spcBef>
+                <a:spcPct val="20000"/>
+              </a:spcBef>
+              <a:buFont typeface="Arial" pitchFamily="34" charset="0"/>
+              <a:buNone/>
+              <a:defRPr sz="2000" kern="1200">
+                <a:solidFill>
+                  <a:schemeClr val="tx1">
+                    <a:tint val="75000"/>
+                  </a:schemeClr>
+                </a:solidFill>
+                <a:latin typeface="+mn-lt"/>
+                <a:ea typeface="+mn-ea"/>
+                <a:cs typeface="+mn-cs"/>
+              </a:defRPr>
+            </a:lvl8pPr>
+            <a:lvl9pPr marL="3657600" indent="0" algn="ctr" defTabSz="914400" rtl="0" eaLnBrk="1" latinLnBrk="0" hangingPunct="1">
+              <a:spcBef>
+                <a:spcPct val="20000"/>
+              </a:spcBef>
+              <a:buFont typeface="Arial" pitchFamily="34" charset="0"/>
+              <a:buNone/>
+              <a:defRPr sz="2000" kern="1200">
+                <a:solidFill>
+                  <a:schemeClr val="tx1">
+                    <a:tint val="75000"/>
+                  </a:schemeClr>
+                </a:solidFill>
+                <a:latin typeface="+mn-lt"/>
+                <a:ea typeface="+mn-ea"/>
+                <a:cs typeface="+mn-cs"/>
+              </a:defRPr>
+            </a:lvl9pPr>
+          </a:lstStyle>
+          <a:p>
+            <a:pPr lvl="1" algn="l"/>
+            <a:r>
+              <a:rPr lang="en-US" sz="2400" dirty="0" smtClean="0">
+                <a:solidFill>
+                  <a:schemeClr val="tx1"/>
+                </a:solidFill>
+                <a:latin typeface="Arial" panose="020B0604020202020204" pitchFamily="34" charset="0"/>
+                <a:cs typeface="Arial" panose="020B0604020202020204" pitchFamily="34" charset="0"/>
+              </a:rPr>
+              <a:t>Giao diện từ điển</a:t>
+            </a:r>
+            <a:endParaRPr lang="en-US" sz="2400" dirty="0" smtClean="0">
+              <a:solidFill>
+                <a:schemeClr val="tx1"/>
+              </a:solidFill>
+              <a:latin typeface="Arial" panose="020B0604020202020204" pitchFamily="34" charset="0"/>
+              <a:cs typeface="Arial" panose="020B0604020202020204" pitchFamily="34" charset="0"/>
+            </a:endParaRPr>
+          </a:p>
+        </p:txBody>
+      </p:sp>
+      <p:pic>
+        <p:nvPicPr>
+          <p:cNvPr id="10" name="Picture 9"/>
+          <p:cNvPicPr/>
+          <p:nvPr/>
+        </p:nvPicPr>
+        <p:blipFill>
+          <a:blip r:embed="rId2">
+            <a:extLst>
+              <a:ext uri="{28A0092B-C50C-407E-A947-70E740481C1C}">
+                <a14:useLocalDpi xmlns:a14="http://schemas.microsoft.com/office/drawing/2010/main" val="0"/>
+              </a:ext>
+            </a:extLst>
+          </a:blip>
+          <a:stretch>
+            <a:fillRect/>
+          </a:stretch>
+        </p:blipFill>
+        <p:spPr>
+          <a:xfrm>
+            <a:off x="561560" y="1867086"/>
+            <a:ext cx="8020879" cy="2895600"/>
+          </a:xfrm>
+          <a:prstGeom prst="rect">
+            <a:avLst/>
+          </a:prstGeom>
+        </p:spPr>
+      </p:pic>
+    </p:spTree>
+    <p:extLst>
+      <p:ext uri="{BB962C8B-B14F-4D97-AF65-F5344CB8AC3E}">
+        <p14:creationId xmlns:p14="http://schemas.microsoft.com/office/powerpoint/2010/main" val="1468325823"/>
+      </p:ext>
+    </p:extLst>
+  </p:cSld>
+  <p:clrMapOvr>
+    <a:masterClrMapping/>
+  </p:clrMapOvr>
+  <p:timing>
+    <p:tnLst>
+      <p:par>
+        <p:cTn id="1" dur="indefinite" restart="never" nodeType="tmRoot"/>
+      </p:par>
+    </p:tnLst>
+  </p:timing>
+</p:sld>
+</file>
+
+<file path=ppt/slides/slide22.xml><?xml version="1.0" encoding="utf-8"?>
+<p:sld xmlns:a="http://schemas.openxmlformats.org/drawingml/2006/main" xmlns:r="http://schemas.openxmlformats.org/officeDocument/2006/relationships" xmlns:p="http://schemas.openxmlformats.org/presentationml/2006/main">
+  <p:cSld>
+    <p:spTree>
+      <p:nvGrpSpPr>
+        <p:cNvPr id="1" name=""/>
+        <p:cNvGrpSpPr/>
+        <p:nvPr/>
+      </p:nvGrpSpPr>
+      <p:grpSpPr>
+        <a:xfrm>
+          <a:off x="0" y="0"/>
+          <a:ext cx="0" cy="0"/>
+          <a:chOff x="0" y="0"/>
+          <a:chExt cx="0" cy="0"/>
+        </a:xfrm>
+      </p:grpSpPr>
+      <p:sp>
+        <p:nvSpPr>
+          <p:cNvPr id="8" name="Subtitle 7"/>
+          <p:cNvSpPr>
+            <a:spLocks noGrp="1"/>
+          </p:cNvSpPr>
+          <p:nvPr>
+            <p:ph type="subTitle" idx="1"/>
+          </p:nvPr>
+        </p:nvSpPr>
+        <p:spPr>
+          <a:xfrm>
+            <a:off x="609600" y="1295400"/>
+            <a:ext cx="8077200" cy="4343400"/>
+          </a:xfrm>
+        </p:spPr>
+        <p:txBody>
+          <a:bodyPr>
+            <a:noAutofit/>
+          </a:bodyPr>
+          <a:lstStyle/>
+          <a:p>
+            <a:pPr marL="342900" indent="-342900" algn="l">
+              <a:buFont typeface="Wingdings" panose="05000000000000000000" pitchFamily="2" charset="2"/>
+              <a:buChar char="Ø"/>
+            </a:pPr>
+            <a:r>
+              <a:rPr lang="en-US" sz="2400" dirty="0" smtClean="0">
+                <a:solidFill>
+                  <a:schemeClr val="tx1"/>
+                </a:solidFill>
+                <a:latin typeface="Arial" panose="020B0604020202020204" pitchFamily="34" charset="0"/>
+                <a:cs typeface="Arial" panose="020B0604020202020204" pitchFamily="34" charset="0"/>
+              </a:rPr>
+              <a:t>Xây dựng thành công phần mềm ứng dụng</a:t>
+            </a:r>
+          </a:p>
+          <a:p>
+            <a:pPr marL="342900" indent="-342900" algn="l">
+              <a:buFont typeface="Wingdings" panose="05000000000000000000" pitchFamily="2" charset="2"/>
+              <a:buChar char="Ø"/>
+            </a:pPr>
+            <a:r>
+              <a:rPr lang="en-US" sz="2400" dirty="0" smtClean="0">
+                <a:solidFill>
+                  <a:schemeClr val="tx1"/>
+                </a:solidFill>
+                <a:latin typeface="Arial" panose="020B0604020202020204" pitchFamily="34" charset="0"/>
+                <a:cs typeface="Arial" panose="020B0604020202020204" pitchFamily="34" charset="0"/>
+              </a:rPr>
+              <a:t>Hoàn thành </a:t>
+            </a:r>
+            <a:r>
+              <a:rPr lang="en-US" sz="2400" dirty="0">
+                <a:solidFill>
+                  <a:schemeClr val="tx1"/>
+                </a:solidFill>
+                <a:latin typeface="Arial" panose="020B0604020202020204" pitchFamily="34" charset="0"/>
+                <a:cs typeface="Arial" panose="020B0604020202020204" pitchFamily="34" charset="0"/>
+              </a:rPr>
+              <a:t>các chức năng chính của một ứng dụng học ngôn ngữ đơn </a:t>
+            </a:r>
+            <a:r>
+              <a:rPr lang="en-US" sz="2400" dirty="0" smtClean="0">
+                <a:solidFill>
+                  <a:schemeClr val="tx1"/>
+                </a:solidFill>
+                <a:latin typeface="Arial" panose="020B0604020202020204" pitchFamily="34" charset="0"/>
+                <a:cs typeface="Arial" panose="020B0604020202020204" pitchFamily="34" charset="0"/>
+              </a:rPr>
+              <a:t>giản</a:t>
+            </a:r>
+            <a:endParaRPr lang="en-US" sz="2400" dirty="0">
+              <a:solidFill>
+                <a:schemeClr val="tx1"/>
+              </a:solidFill>
+              <a:latin typeface="Arial" panose="020B0604020202020204" pitchFamily="34" charset="0"/>
+              <a:cs typeface="Arial" panose="020B0604020202020204" pitchFamily="34" charset="0"/>
+            </a:endParaRPr>
+          </a:p>
+          <a:p>
+            <a:pPr marL="342900" indent="-342900" algn="l">
+              <a:buFont typeface="Wingdings" panose="05000000000000000000" pitchFamily="2" charset="2"/>
+              <a:buChar char="Ø"/>
+            </a:pPr>
+            <a:r>
+              <a:rPr lang="en-US" sz="2400" dirty="0">
+                <a:solidFill>
+                  <a:schemeClr val="tx1"/>
+                </a:solidFill>
+                <a:latin typeface="Arial" panose="020B0604020202020204" pitchFamily="34" charset="0"/>
+                <a:cs typeface="Arial" panose="020B0604020202020204" pitchFamily="34" charset="0"/>
+              </a:rPr>
+              <a:t>Phần mềm tương thích các hệ điểu </a:t>
+            </a:r>
+            <a:r>
+              <a:rPr lang="en-US" sz="2400" dirty="0" smtClean="0">
+                <a:solidFill>
+                  <a:schemeClr val="tx1"/>
+                </a:solidFill>
+                <a:latin typeface="Arial" panose="020B0604020202020204" pitchFamily="34" charset="0"/>
+                <a:cs typeface="Arial" panose="020B0604020202020204" pitchFamily="34" charset="0"/>
+              </a:rPr>
+              <a:t>hành Windows</a:t>
+            </a:r>
+            <a:endParaRPr lang="en-US" sz="2400" dirty="0">
+              <a:solidFill>
+                <a:schemeClr val="tx1"/>
+              </a:solidFill>
+              <a:latin typeface="Arial" panose="020B0604020202020204" pitchFamily="34" charset="0"/>
+              <a:cs typeface="Arial" panose="020B0604020202020204" pitchFamily="34" charset="0"/>
+            </a:endParaRPr>
+          </a:p>
+          <a:p>
+            <a:pPr marL="342900" indent="-342900" algn="l">
+              <a:buFont typeface="Wingdings" panose="05000000000000000000" pitchFamily="2" charset="2"/>
+              <a:buChar char="Ø"/>
+            </a:pPr>
+            <a:r>
+              <a:rPr lang="en-US" sz="2400" dirty="0">
+                <a:solidFill>
+                  <a:schemeClr val="tx1"/>
+                </a:solidFill>
+                <a:latin typeface="Arial" panose="020B0604020202020204" pitchFamily="34" charset="0"/>
+                <a:cs typeface="Arial" panose="020B0604020202020204" pitchFamily="34" charset="0"/>
+              </a:rPr>
+              <a:t>Dữ liệu của phần mềm được lưu vào hệ quản trị cơ sở dữ </a:t>
+            </a:r>
+            <a:r>
+              <a:rPr lang="en-US" sz="2400" dirty="0" smtClean="0">
+                <a:solidFill>
+                  <a:schemeClr val="tx1"/>
+                </a:solidFill>
+                <a:latin typeface="Arial" panose="020B0604020202020204" pitchFamily="34" charset="0"/>
+                <a:cs typeface="Arial" panose="020B0604020202020204" pitchFamily="34" charset="0"/>
+              </a:rPr>
+              <a:t>liệu</a:t>
+            </a:r>
+            <a:endParaRPr lang="en-US" sz="2400" dirty="0">
+              <a:solidFill>
+                <a:schemeClr val="tx1"/>
+              </a:solidFill>
+              <a:latin typeface="Arial" panose="020B0604020202020204" pitchFamily="34" charset="0"/>
+              <a:cs typeface="Arial" panose="020B0604020202020204" pitchFamily="34" charset="0"/>
+            </a:endParaRPr>
+          </a:p>
+          <a:p>
+            <a:pPr marL="342900" indent="-342900" algn="l">
+              <a:buFont typeface="Wingdings" panose="05000000000000000000" pitchFamily="2" charset="2"/>
+              <a:buChar char="Ø"/>
+            </a:pPr>
+            <a:endParaRPr lang="en-US" sz="2400" dirty="0">
+              <a:solidFill>
+                <a:schemeClr val="tx1"/>
+              </a:solidFill>
+              <a:latin typeface="Arial" panose="020B0604020202020204" pitchFamily="34" charset="0"/>
+              <a:cs typeface="Arial" panose="020B0604020202020204" pitchFamily="34" charset="0"/>
+            </a:endParaRPr>
+          </a:p>
+        </p:txBody>
+      </p:sp>
+      <p:sp>
+        <p:nvSpPr>
+          <p:cNvPr id="3" name="Date Placeholder 2"/>
+          <p:cNvSpPr>
+            <a:spLocks noGrp="1"/>
+          </p:cNvSpPr>
+          <p:nvPr>
+            <p:ph type="dt" sz="half" idx="10"/>
+          </p:nvPr>
+        </p:nvSpPr>
+        <p:spPr/>
+        <p:txBody>
+          <a:bodyPr/>
+          <a:lstStyle/>
+          <a:p>
+            <a:r>
+              <a:rPr lang="en-US"/>
+              <a:t>10/13/2017</a:t>
+            </a:r>
+          </a:p>
+        </p:txBody>
+      </p:sp>
+      <p:sp>
+        <p:nvSpPr>
+          <p:cNvPr id="4" name="Footer Placeholder 3"/>
+          <p:cNvSpPr>
+            <a:spLocks noGrp="1"/>
+          </p:cNvSpPr>
+          <p:nvPr>
+            <p:ph type="ftr" sz="quarter" idx="11"/>
+          </p:nvPr>
+        </p:nvSpPr>
+        <p:spPr/>
+        <p:txBody>
+          <a:bodyPr/>
+          <a:lstStyle/>
+          <a:p>
+            <a:endParaRPr lang="en-US"/>
+          </a:p>
+        </p:txBody>
+      </p:sp>
+      <p:sp>
+        <p:nvSpPr>
+          <p:cNvPr id="5" name="Slide Number Placeholder 4"/>
+          <p:cNvSpPr>
+            <a:spLocks noGrp="1"/>
+          </p:cNvSpPr>
+          <p:nvPr>
+            <p:ph type="sldNum" sz="quarter" idx="12"/>
+          </p:nvPr>
+        </p:nvSpPr>
+        <p:spPr/>
+        <p:txBody>
+          <a:bodyPr/>
+          <a:lstStyle/>
+          <a:p>
+            <a:fld id="{FF387971-9C3B-49A6-8D58-3AFB2456A1FB}" type="slidenum">
+              <a:rPr lang="en-US" smtClean="0"/>
+              <a:t>22</a:t>
+            </a:fld>
+            <a:endParaRPr lang="en-US"/>
+          </a:p>
+        </p:txBody>
+      </p:sp>
+      <p:sp>
+        <p:nvSpPr>
+          <p:cNvPr id="6" name="Title 1"/>
+          <p:cNvSpPr txBox="1">
+            <a:spLocks/>
+          </p:cNvSpPr>
+          <p:nvPr/>
+        </p:nvSpPr>
+        <p:spPr>
+          <a:xfrm>
+            <a:off x="609600" y="1295400"/>
+            <a:ext cx="8077200" cy="4495800"/>
+          </a:xfrm>
+          <a:prstGeom prst="rect">
+            <a:avLst/>
+          </a:prstGeom>
+        </p:spPr>
+        <p:txBody>
+          <a:bodyPr vert="horz" lIns="91440" tIns="45720" rIns="91440" bIns="45720" rtlCol="0" anchor="ctr">
+            <a:normAutofit/>
+          </a:bodyPr>
+          <a:lstStyle>
+            <a:lvl1pPr algn="l" defTabSz="914400" rtl="0" eaLnBrk="1" latinLnBrk="0" hangingPunct="1">
+              <a:spcBef>
+                <a:spcPct val="0"/>
+              </a:spcBef>
+              <a:buNone/>
+              <a:defRPr sz="4400" kern="1200">
+                <a:solidFill>
+                  <a:schemeClr val="bg1"/>
+                </a:solidFill>
+                <a:latin typeface="Segoe UI Semilight" pitchFamily="34" charset="0"/>
+                <a:ea typeface="+mj-ea"/>
+                <a:cs typeface="Segoe UI Semilight" pitchFamily="34" charset="0"/>
+              </a:defRPr>
+            </a:lvl1pPr>
+          </a:lstStyle>
+          <a:p>
+            <a:pPr marL="342900" indent="-342900" algn="just">
+              <a:spcBef>
+                <a:spcPts val="1200"/>
+              </a:spcBef>
+              <a:buClr>
+                <a:schemeClr val="tx1"/>
+              </a:buClr>
+              <a:buFont typeface="Wingdings" panose="05000000000000000000" pitchFamily="2" charset="2"/>
+              <a:buChar char="Ø"/>
+            </a:pPr>
+            <a:endParaRPr lang="en-US" sz="2400" dirty="0">
+              <a:solidFill>
+                <a:schemeClr val="tx1"/>
+              </a:solidFill>
+              <a:latin typeface="Arial" panose="020B0604020202020204" pitchFamily="34" charset="0"/>
+              <a:cs typeface="Arial" panose="020B0604020202020204" pitchFamily="34" charset="0"/>
+            </a:endParaRPr>
+          </a:p>
+        </p:txBody>
+      </p:sp>
+      <p:sp>
+        <p:nvSpPr>
+          <p:cNvPr id="7" name="Title 1">
+            <a:extLst>
+              <a:ext uri="{FF2B5EF4-FFF2-40B4-BE49-F238E27FC236}">
+                <a16:creationId xmlns:a16="http://schemas.microsoft.com/office/drawing/2014/main" xmlns="" id="{A26F03AE-A5EF-4A37-AD0A-4A124D961228}"/>
+              </a:ext>
+            </a:extLst>
+          </p:cNvPr>
+          <p:cNvSpPr txBox="1">
+            <a:spLocks/>
+          </p:cNvSpPr>
+          <p:nvPr/>
+        </p:nvSpPr>
+        <p:spPr>
+          <a:xfrm>
+            <a:off x="0" y="0"/>
+            <a:ext cx="9144000" cy="884238"/>
+          </a:xfrm>
+          <a:prstGeom prst="rect">
+            <a:avLst/>
+          </a:prstGeom>
+          <a:ln w="3175">
+            <a:solidFill>
+              <a:schemeClr val="tx1"/>
+            </a:solidFill>
+          </a:ln>
+        </p:spPr>
+        <p:txBody>
+          <a:bodyPr vert="horz" lIns="91440" tIns="45720" rIns="91440" bIns="45720" rtlCol="0" anchor="ctr">
+            <a:noAutofit/>
+          </a:bodyPr>
+          <a:lstStyle>
+            <a:lvl1pPr algn="l" defTabSz="914400" rtl="0" eaLnBrk="1" latinLnBrk="0" hangingPunct="1">
+              <a:spcBef>
+                <a:spcPct val="0"/>
+              </a:spcBef>
+              <a:buNone/>
+              <a:defRPr sz="4400" kern="1200">
+                <a:solidFill>
+                  <a:schemeClr val="bg1"/>
+                </a:solidFill>
+                <a:latin typeface="Segoe UI Semilight" pitchFamily="34" charset="0"/>
+                <a:ea typeface="+mj-ea"/>
+                <a:cs typeface="Segoe UI Semilight" pitchFamily="34" charset="0"/>
+              </a:defRPr>
+            </a:lvl1pPr>
+          </a:lstStyle>
+          <a:p>
+            <a:pPr algn="ctr"/>
+            <a:r>
+              <a:rPr lang="en-US" sz="3600" dirty="0">
+                <a:ln w="3175">
+                  <a:solidFill>
+                    <a:schemeClr val="accent6">
+                      <a:lumMod val="75000"/>
+                    </a:schemeClr>
+                  </a:solidFill>
+                </a:ln>
+                <a:solidFill>
+                  <a:schemeClr val="accent6">
+                    <a:lumMod val="75000"/>
+                  </a:schemeClr>
+                </a:solidFill>
+                <a:latin typeface="Arial" panose="020B0604020202020204" pitchFamily="34" charset="0"/>
+                <a:cs typeface="Arial" panose="020B0604020202020204" pitchFamily="34" charset="0"/>
+              </a:rPr>
+              <a:t>4</a:t>
+            </a:r>
+            <a:r>
+              <a:rPr lang="en-US" sz="3600" dirty="0" smtClean="0">
+                <a:ln w="3175">
+                  <a:solidFill>
+                    <a:schemeClr val="accent6">
+                      <a:lumMod val="75000"/>
+                    </a:schemeClr>
+                  </a:solidFill>
+                </a:ln>
+                <a:solidFill>
+                  <a:schemeClr val="accent6">
+                    <a:lumMod val="75000"/>
+                  </a:schemeClr>
+                </a:solidFill>
+                <a:latin typeface="Arial" panose="020B0604020202020204" pitchFamily="34" charset="0"/>
+                <a:cs typeface="Arial" panose="020B0604020202020204" pitchFamily="34" charset="0"/>
+              </a:rPr>
+              <a:t>. Kết quả đạt được</a:t>
+            </a:r>
+            <a:endParaRPr lang="en-US" sz="3600" dirty="0">
+              <a:ln w="3175">
+                <a:solidFill>
+                  <a:schemeClr val="accent6">
+                    <a:lumMod val="75000"/>
+                  </a:schemeClr>
+                </a:solidFill>
+              </a:ln>
+              <a:solidFill>
+                <a:schemeClr val="accent6">
+                  <a:lumMod val="75000"/>
+                </a:schemeClr>
+              </a:solidFill>
+              <a:latin typeface="Arial" panose="020B0604020202020204" pitchFamily="34" charset="0"/>
+              <a:cs typeface="Arial" panose="020B0604020202020204" pitchFamily="34" charset="0"/>
+            </a:endParaRPr>
+          </a:p>
+        </p:txBody>
+      </p:sp>
+    </p:spTree>
+    <p:extLst>
+      <p:ext uri="{BB962C8B-B14F-4D97-AF65-F5344CB8AC3E}">
+        <p14:creationId xmlns:p14="http://schemas.microsoft.com/office/powerpoint/2010/main" val="1564981475"/>
+      </p:ext>
+    </p:extLst>
+  </p:cSld>
+  <p:clrMapOvr>
+    <a:masterClrMapping/>
+  </p:clrMapOvr>
+  <p:timing>
+    <p:tnLst>
+      <p:par>
+        <p:cTn id="1" dur="indefinite" restart="never" nodeType="tmRoot"/>
+      </p:par>
+    </p:tnLst>
+  </p:timing>
+</p:sld>
+</file>
+
+<file path=ppt/slides/slide23.xml><?xml version="1.0" encoding="utf-8"?>
+<p:sld xmlns:a="http://schemas.openxmlformats.org/drawingml/2006/main" xmlns:r="http://schemas.openxmlformats.org/officeDocument/2006/relationships" xmlns:p="http://schemas.openxmlformats.org/presentationml/2006/main">
+  <p:cSld>
+    <p:spTree>
+      <p:nvGrpSpPr>
+        <p:cNvPr id="1" name=""/>
+        <p:cNvGrpSpPr/>
+        <p:nvPr/>
+      </p:nvGrpSpPr>
+      <p:grpSpPr>
+        <a:xfrm>
+          <a:off x="0" y="0"/>
+          <a:ext cx="0" cy="0"/>
+          <a:chOff x="0" y="0"/>
+          <a:chExt cx="0" cy="0"/>
+        </a:xfrm>
+      </p:grpSpPr>
+      <p:sp>
+        <p:nvSpPr>
+          <p:cNvPr id="3" name="Date Placeholder 2"/>
+          <p:cNvSpPr>
+            <a:spLocks noGrp="1"/>
+          </p:cNvSpPr>
+          <p:nvPr>
+            <p:ph type="dt" sz="half" idx="10"/>
+          </p:nvPr>
+        </p:nvSpPr>
+        <p:spPr/>
+        <p:txBody>
+          <a:bodyPr/>
+          <a:lstStyle/>
+          <a:p>
+            <a:r>
+              <a:rPr lang="en-US"/>
+              <a:t>10/13/2017</a:t>
+            </a:r>
+          </a:p>
+        </p:txBody>
+      </p:sp>
+      <p:sp>
+        <p:nvSpPr>
+          <p:cNvPr id="4" name="Footer Placeholder 3"/>
+          <p:cNvSpPr>
+            <a:spLocks noGrp="1"/>
+          </p:cNvSpPr>
+          <p:nvPr>
+            <p:ph type="ftr" sz="quarter" idx="11"/>
+          </p:nvPr>
+        </p:nvSpPr>
+        <p:spPr/>
+        <p:txBody>
+          <a:bodyPr/>
+          <a:lstStyle/>
+          <a:p>
+            <a:endParaRPr lang="en-US"/>
+          </a:p>
+        </p:txBody>
+      </p:sp>
+      <p:sp>
+        <p:nvSpPr>
+          <p:cNvPr id="5" name="Slide Number Placeholder 4"/>
+          <p:cNvSpPr>
+            <a:spLocks noGrp="1"/>
+          </p:cNvSpPr>
+          <p:nvPr>
+            <p:ph type="sldNum" sz="quarter" idx="12"/>
+          </p:nvPr>
+        </p:nvSpPr>
+        <p:spPr/>
+        <p:txBody>
+          <a:bodyPr/>
+          <a:lstStyle/>
+          <a:p>
+            <a:fld id="{FF387971-9C3B-49A6-8D58-3AFB2456A1FB}" type="slidenum">
+              <a:rPr lang="en-US" smtClean="0"/>
+              <a:t>23</a:t>
+            </a:fld>
+            <a:endParaRPr lang="en-US"/>
+          </a:p>
+        </p:txBody>
+      </p:sp>
+      <p:sp>
+        <p:nvSpPr>
           <p:cNvPr id="9" name="TextBox 8"/>
           <p:cNvSpPr txBox="1"/>
           <p:nvPr/>
@@ -6653,7 +10694,7 @@
           <p:cNvPr id="10" name="Title 1">
             <a:extLst>
               <a:ext uri="{FF2B5EF4-FFF2-40B4-BE49-F238E27FC236}">
-                <a16:creationId xmlns="" xmlns:a16="http://schemas.microsoft.com/office/drawing/2014/main" id="{7368D8FC-019C-4E0A-9E64-2A1D10A99CC1}"/>
+                <a16:creationId xmlns:a16="http://schemas.microsoft.com/office/drawing/2014/main" xmlns="" id="{7368D8FC-019C-4E0A-9E64-2A1D10A99CC1}"/>
               </a:ext>
             </a:extLst>
           </p:cNvPr>
@@ -6799,7 +10840,7 @@
 </p:sld>
 </file>
 
-<file path=ppt/slides/slide17.xml><?xml version="1.0" encoding="utf-8"?>
+<file path=ppt/slides/slide24.xml><?xml version="1.0" encoding="utf-8"?>
 <p:sld xmlns:a="http://schemas.openxmlformats.org/drawingml/2006/main" xmlns:r="http://schemas.openxmlformats.org/officeDocument/2006/relationships" xmlns:p="http://schemas.openxmlformats.org/presentationml/2006/main">
   <p:cSld>
     <p:spTree>
@@ -6874,7 +10915,7 @@
           <a:p>
             <a:fld id="{FF387971-9C3B-49A6-8D58-3AFB2456A1FB}" type="slidenum">
               <a:rPr lang="en-US" smtClean="0"/>
-              <a:t>17</a:t>
+              <a:t>24</a:t>
             </a:fld>
             <a:endParaRPr lang="en-US"/>
           </a:p>
@@ -6961,7 +11002,7 @@
 </p:sld>
 </file>
 
-<file path=ppt/slides/slide18.xml><?xml version="1.0" encoding="utf-8"?>
+<file path=ppt/slides/slide25.xml><?xml version="1.0" encoding="utf-8"?>
 <p:sld xmlns:a="http://schemas.openxmlformats.org/drawingml/2006/main" xmlns:r="http://schemas.openxmlformats.org/officeDocument/2006/relationships" xmlns:p="http://schemas.openxmlformats.org/presentationml/2006/main">
   <p:cSld>
     <p:spTree>
@@ -7036,7 +11077,7 @@
           <a:p>
             <a:fld id="{FF387971-9C3B-49A6-8D58-3AFB2456A1FB}" type="slidenum">
               <a:rPr lang="en-US" smtClean="0"/>
-              <a:t>18</a:t>
+              <a:t>25</a:t>
             </a:fld>
             <a:endParaRPr lang="en-US"/>
           </a:p>
@@ -7125,7 +11166,7 @@
 </p:sld>
 </file>
 
-<file path=ppt/slides/slide19.xml><?xml version="1.0" encoding="utf-8"?>
+<file path=ppt/slides/slide26.xml><?xml version="1.0" encoding="utf-8"?>
 <p:sld xmlns:a="http://schemas.openxmlformats.org/drawingml/2006/main" xmlns:r="http://schemas.openxmlformats.org/officeDocument/2006/relationships" xmlns:p="http://schemas.openxmlformats.org/presentationml/2006/main">
   <p:cSld>
     <p:spTree>
@@ -7200,7 +11241,7 @@
           <a:p>
             <a:fld id="{FF387971-9C3B-49A6-8D58-3AFB2456A1FB}" type="slidenum">
               <a:rPr lang="en-US" smtClean="0"/>
-              <a:t>19</a:t>
+              <a:t>26</a:t>
             </a:fld>
             <a:endParaRPr lang="en-US"/>
           </a:p>
@@ -7289,7 +11330,7 @@
 </p:sld>
 </file>
 
-<file path=ppt/slides/slide2.xml><?xml version="1.0" encoding="utf-8"?>
+<file path=ppt/slides/slide27.xml><?xml version="1.0" encoding="utf-8"?>
 <p:sld xmlns:a="http://schemas.openxmlformats.org/drawingml/2006/main" xmlns:r="http://schemas.openxmlformats.org/officeDocument/2006/relationships" xmlns:p="http://schemas.openxmlformats.org/presentationml/2006/main">
   <p:cSld>
     <p:spTree>
@@ -7308,56 +11349,6 @@
       </p:grpSpPr>
       <p:sp>
         <p:nvSpPr>
-          <p:cNvPr id="2" name="Title 1"/>
-          <p:cNvSpPr>
-            <a:spLocks noGrp="1"/>
-          </p:cNvSpPr>
-          <p:nvPr>
-            <p:ph type="title"/>
-          </p:nvPr>
-        </p:nvSpPr>
-        <p:spPr>
-          <a:xfrm>
-            <a:off x="0" y="0"/>
-            <a:ext cx="9144000" cy="884238"/>
-          </a:xfrm>
-          <a:ln w="3175">
-            <a:solidFill>
-              <a:schemeClr val="tx1"/>
-            </a:solidFill>
-          </a:ln>
-        </p:spPr>
-        <p:txBody>
-          <a:bodyPr>
-            <a:noAutofit/>
-          </a:bodyPr>
-          <a:lstStyle/>
-          <a:p>
-            <a:pPr algn="ctr"/>
-            <a:r>
-              <a:rPr lang="en-US" sz="3600" dirty="0">
-                <a:ln w="3175">
-                  <a:solidFill>
-                    <a:schemeClr val="accent6">
-                      <a:lumMod val="75000"/>
-                    </a:schemeClr>
-                  </a:solidFill>
-                </a:ln>
-                <a:solidFill>
-                  <a:schemeClr val="accent6">
-                    <a:lumMod val="75000"/>
-                  </a:schemeClr>
-                </a:solidFill>
-                <a:latin typeface="Arial" panose="020B0604020202020204" pitchFamily="34" charset="0"/>
-                <a:cs typeface="Arial" panose="020B0604020202020204" pitchFamily="34" charset="0"/>
-              </a:rPr>
-              <a:t>NỘI DUNG</a:t>
-            </a:r>
-          </a:p>
-        </p:txBody>
-      </p:sp>
-      <p:sp>
-        <p:nvSpPr>
           <p:cNvPr id="3" name="Date Placeholder 2"/>
           <p:cNvSpPr>
             <a:spLocks noGrp="1"/>
@@ -7414,342 +11405,7 @@
           <a:p>
             <a:fld id="{FF387971-9C3B-49A6-8D58-3AFB2456A1FB}" type="slidenum">
               <a:rPr lang="en-US" smtClean="0"/>
-              <a:t>2</a:t>
-            </a:fld>
-            <a:endParaRPr lang="en-US"/>
-          </a:p>
-        </p:txBody>
-      </p:sp>
-      <p:sp>
-        <p:nvSpPr>
-          <p:cNvPr id="6" name="Title 1"/>
-          <p:cNvSpPr txBox="1">
-            <a:spLocks/>
-          </p:cNvSpPr>
-          <p:nvPr/>
-        </p:nvSpPr>
-        <p:spPr>
-          <a:xfrm>
-            <a:off x="609600" y="1066800"/>
-            <a:ext cx="7924800" cy="4876800"/>
-          </a:xfrm>
-          <a:prstGeom prst="rect">
-            <a:avLst/>
-          </a:prstGeom>
-        </p:spPr>
-        <p:txBody>
-          <a:bodyPr vert="horz" lIns="91440" tIns="45720" rIns="91440" bIns="45720" rtlCol="0" anchor="ctr">
-            <a:noAutofit/>
-          </a:bodyPr>
-          <a:lstStyle>
-            <a:lvl1pPr algn="l" defTabSz="914400" rtl="0" eaLnBrk="1" latinLnBrk="0" hangingPunct="1">
-              <a:spcBef>
-                <a:spcPct val="0"/>
-              </a:spcBef>
-              <a:buNone/>
-              <a:defRPr sz="4400" kern="1200">
-                <a:solidFill>
-                  <a:schemeClr val="bg1"/>
-                </a:solidFill>
-                <a:latin typeface="Segoe UI Semilight" pitchFamily="34" charset="0"/>
-                <a:ea typeface="+mj-ea"/>
-                <a:cs typeface="Segoe UI Semilight" pitchFamily="34" charset="0"/>
-              </a:defRPr>
-            </a:lvl1pPr>
-          </a:lstStyle>
-          <a:p>
-            <a:pPr marL="457200" indent="-457200">
-              <a:spcBef>
-                <a:spcPts val="1200"/>
-              </a:spcBef>
-              <a:buAutoNum type="arabicPeriod"/>
-            </a:pPr>
-            <a:r>
-              <a:rPr lang="en-US" sz="2400" dirty="0" smtClean="0">
-                <a:solidFill>
-                  <a:schemeClr val="tx1"/>
-                </a:solidFill>
-                <a:latin typeface="Arial" panose="020B0604020202020204" pitchFamily="34" charset="0"/>
-                <a:cs typeface="Arial" panose="020B0604020202020204" pitchFamily="34" charset="0"/>
-              </a:rPr>
-              <a:t>Lý do và mục tiêu chọn đề tài</a:t>
-            </a:r>
-          </a:p>
-          <a:p>
-            <a:pPr marL="457200" indent="-457200">
-              <a:spcBef>
-                <a:spcPts val="1200"/>
-              </a:spcBef>
-              <a:buAutoNum type="arabicPeriod"/>
-            </a:pPr>
-            <a:r>
-              <a:rPr lang="en-US" sz="2400" dirty="0" smtClean="0">
-                <a:solidFill>
-                  <a:schemeClr val="tx1"/>
-                </a:solidFill>
-                <a:latin typeface="Arial" panose="020B0604020202020204" pitchFamily="34" charset="0"/>
-                <a:cs typeface="Arial" panose="020B0604020202020204" pitchFamily="34" charset="0"/>
-              </a:rPr>
-              <a:t>Kế hoạch thực hiện đề tài</a:t>
-            </a:r>
-            <a:endParaRPr lang="en-US" sz="2400" dirty="0">
-              <a:solidFill>
-                <a:schemeClr val="tx1"/>
-              </a:solidFill>
-              <a:latin typeface="Arial" panose="020B0604020202020204" pitchFamily="34" charset="0"/>
-              <a:cs typeface="Arial" panose="020B0604020202020204" pitchFamily="34" charset="0"/>
-            </a:endParaRPr>
-          </a:p>
-          <a:p>
-            <a:pPr marL="457200" indent="-457200">
-              <a:spcBef>
-                <a:spcPts val="1200"/>
-              </a:spcBef>
-              <a:buAutoNum type="arabicPeriod"/>
-            </a:pPr>
-            <a:r>
-              <a:rPr lang="en-US" sz="2400" dirty="0" smtClean="0">
-                <a:solidFill>
-                  <a:schemeClr val="tx1"/>
-                </a:solidFill>
-                <a:latin typeface="Arial" panose="020B0604020202020204" pitchFamily="34" charset="0"/>
-                <a:cs typeface="Arial" panose="020B0604020202020204" pitchFamily="34" charset="0"/>
-              </a:rPr>
-              <a:t>Nội dung và các bước thực hiện.</a:t>
-            </a:r>
-            <a:endParaRPr lang="en-US" sz="2400" dirty="0">
-              <a:solidFill>
-                <a:schemeClr val="tx1"/>
-              </a:solidFill>
-              <a:latin typeface="Arial" panose="020B0604020202020204" pitchFamily="34" charset="0"/>
-              <a:cs typeface="Arial" panose="020B0604020202020204" pitchFamily="34" charset="0"/>
-            </a:endParaRPr>
-          </a:p>
-          <a:p>
-            <a:pPr marL="457200" indent="-457200">
-              <a:spcBef>
-                <a:spcPts val="1200"/>
-              </a:spcBef>
-              <a:buAutoNum type="arabicPeriod"/>
-            </a:pPr>
-            <a:r>
-              <a:rPr lang="en-US" sz="2400" dirty="0" smtClean="0">
-                <a:solidFill>
-                  <a:schemeClr val="tx1"/>
-                </a:solidFill>
-                <a:latin typeface="Arial" panose="020B0604020202020204" pitchFamily="34" charset="0"/>
-                <a:cs typeface="Arial" panose="020B0604020202020204" pitchFamily="34" charset="0"/>
-              </a:rPr>
-              <a:t>Kết quả đạt được.</a:t>
-            </a:r>
-            <a:endParaRPr lang="en-US" sz="2400" dirty="0">
-              <a:solidFill>
-                <a:schemeClr val="tx1"/>
-              </a:solidFill>
-              <a:latin typeface="Arial" panose="020B0604020202020204" pitchFamily="34" charset="0"/>
-              <a:cs typeface="Arial" panose="020B0604020202020204" pitchFamily="34" charset="0"/>
-            </a:endParaRPr>
-          </a:p>
-          <a:p>
-            <a:pPr marL="457200" indent="-457200">
-              <a:spcBef>
-                <a:spcPts val="1200"/>
-              </a:spcBef>
-              <a:buAutoNum type="arabicPeriod"/>
-            </a:pPr>
-            <a:r>
-              <a:rPr lang="en-US" sz="2400" dirty="0" smtClean="0">
-                <a:solidFill>
-                  <a:schemeClr val="tx1"/>
-                </a:solidFill>
-                <a:latin typeface="Arial" panose="020B0604020202020204" pitchFamily="34" charset="0"/>
-                <a:cs typeface="Arial" panose="020B0604020202020204" pitchFamily="34" charset="0"/>
-              </a:rPr>
-              <a:t>Kết luận và hướng phát triển.</a:t>
-            </a:r>
-          </a:p>
-          <a:p>
-            <a:pPr marL="457200" indent="-457200">
-              <a:spcBef>
-                <a:spcPts val="1200"/>
-              </a:spcBef>
-              <a:buAutoNum type="arabicPeriod"/>
-            </a:pPr>
-            <a:r>
-              <a:rPr lang="en-US" sz="2400" dirty="0">
-                <a:solidFill>
-                  <a:schemeClr val="tx1"/>
-                </a:solidFill>
-                <a:latin typeface="Arial" panose="020B0604020202020204" pitchFamily="34" charset="0"/>
-                <a:cs typeface="Arial" panose="020B0604020202020204" pitchFamily="34" charset="0"/>
-              </a:rPr>
-              <a:t>Demo ứng </a:t>
-            </a:r>
-            <a:r>
-              <a:rPr lang="en-US" sz="2400" dirty="0" smtClean="0">
-                <a:solidFill>
-                  <a:schemeClr val="tx1"/>
-                </a:solidFill>
-                <a:latin typeface="Arial" panose="020B0604020202020204" pitchFamily="34" charset="0"/>
-                <a:cs typeface="Arial" panose="020B0604020202020204" pitchFamily="34" charset="0"/>
-              </a:rPr>
-              <a:t>dụng.</a:t>
-            </a:r>
-            <a:endParaRPr lang="en-US" sz="2400" dirty="0">
-              <a:solidFill>
-                <a:schemeClr val="tx1"/>
-              </a:solidFill>
-              <a:latin typeface="Arial" panose="020B0604020202020204" pitchFamily="34" charset="0"/>
-              <a:cs typeface="Arial" panose="020B0604020202020204" pitchFamily="34" charset="0"/>
-            </a:endParaRPr>
-          </a:p>
-        </p:txBody>
-      </p:sp>
-      <p:sp>
-        <p:nvSpPr>
-          <p:cNvPr id="7" name="Title 1"/>
-          <p:cNvSpPr txBox="1">
-            <a:spLocks/>
-          </p:cNvSpPr>
-          <p:nvPr/>
-        </p:nvSpPr>
-        <p:spPr>
-          <a:xfrm>
-            <a:off x="523461" y="1066800"/>
-            <a:ext cx="7924800" cy="487362"/>
-          </a:xfrm>
-          <a:prstGeom prst="rect">
-            <a:avLst/>
-          </a:prstGeom>
-        </p:spPr>
-        <p:txBody>
-          <a:bodyPr vert="horz" lIns="91440" tIns="45720" rIns="91440" bIns="45720" rtlCol="0" anchor="ctr">
-            <a:normAutofit fontScale="97500"/>
-          </a:bodyPr>
-          <a:lstStyle>
-            <a:lvl1pPr algn="l" defTabSz="914400" rtl="0" eaLnBrk="1" latinLnBrk="0" hangingPunct="1">
-              <a:spcBef>
-                <a:spcPct val="0"/>
-              </a:spcBef>
-              <a:buNone/>
-              <a:defRPr sz="4400" kern="1200">
-                <a:solidFill>
-                  <a:schemeClr val="bg1"/>
-                </a:solidFill>
-                <a:latin typeface="Segoe UI Semilight" pitchFamily="34" charset="0"/>
-                <a:ea typeface="+mj-ea"/>
-                <a:cs typeface="Segoe UI Semilight" pitchFamily="34" charset="0"/>
-              </a:defRPr>
-            </a:lvl1pPr>
-          </a:lstStyle>
-          <a:p>
-            <a:pPr algn="ctr"/>
-            <a:endParaRPr lang="en-US" sz="2600" dirty="0">
-              <a:solidFill>
-                <a:schemeClr val="tx1"/>
-              </a:solidFill>
-              <a:latin typeface="Times New Roman" panose="02020603050405020304" pitchFamily="18" charset="0"/>
-              <a:cs typeface="Times New Roman" panose="02020603050405020304" pitchFamily="18" charset="0"/>
-            </a:endParaRPr>
-          </a:p>
-        </p:txBody>
-      </p:sp>
-    </p:spTree>
-    <p:extLst>
-      <p:ext uri="{BB962C8B-B14F-4D97-AF65-F5344CB8AC3E}">
-        <p14:creationId xmlns:p14="http://schemas.microsoft.com/office/powerpoint/2010/main" val="2637767275"/>
-      </p:ext>
-    </p:extLst>
-  </p:cSld>
-  <p:clrMapOvr>
-    <a:masterClrMapping/>
-  </p:clrMapOvr>
-  <p:timing>
-    <p:tnLst>
-      <p:par>
-        <p:cTn id="1" dur="indefinite" restart="never" nodeType="tmRoot"/>
-      </p:par>
-    </p:tnLst>
-  </p:timing>
-</p:sld>
-</file>
-
-<file path=ppt/slides/slide20.xml><?xml version="1.0" encoding="utf-8"?>
-<p:sld xmlns:a="http://schemas.openxmlformats.org/drawingml/2006/main" xmlns:r="http://schemas.openxmlformats.org/officeDocument/2006/relationships" xmlns:p="http://schemas.openxmlformats.org/presentationml/2006/main">
-  <p:cSld>
-    <p:spTree>
-      <p:nvGrpSpPr>
-        <p:cNvPr id="1" name=""/>
-        <p:cNvGrpSpPr/>
-        <p:nvPr/>
-      </p:nvGrpSpPr>
-      <p:grpSpPr>
-        <a:xfrm>
-          <a:off x="0" y="0"/>
-          <a:ext cx="0" cy="0"/>
-          <a:chOff x="0" y="0"/>
-          <a:chExt cx="0" cy="0"/>
-        </a:xfrm>
-      </p:grpSpPr>
-      <p:sp>
-        <p:nvSpPr>
-          <p:cNvPr id="3" name="Date Placeholder 2"/>
-          <p:cNvSpPr>
-            <a:spLocks noGrp="1"/>
-          </p:cNvSpPr>
-          <p:nvPr>
-            <p:ph type="dt" sz="half" idx="10"/>
-          </p:nvPr>
-        </p:nvSpPr>
-        <p:spPr/>
-        <p:txBody>
-          <a:bodyPr/>
-          <a:lstStyle/>
-          <a:p>
-            <a:r>
-              <a:rPr lang="en-US"/>
-              <a:t>10/13/2017</a:t>
-            </a:r>
-          </a:p>
-        </p:txBody>
-      </p:sp>
-      <p:sp>
-        <p:nvSpPr>
-          <p:cNvPr id="4" name="Footer Placeholder 3"/>
-          <p:cNvSpPr>
-            <a:spLocks noGrp="1"/>
-          </p:cNvSpPr>
-          <p:nvPr>
-            <p:ph type="ftr" sz="quarter" idx="11"/>
-          </p:nvPr>
-        </p:nvSpPr>
-        <p:spPr/>
-        <p:txBody>
-          <a:bodyPr/>
-          <a:lstStyle/>
-          <a:p>
-            <a:endParaRPr lang="en-US"/>
-          </a:p>
-        </p:txBody>
-      </p:sp>
-      <p:sp>
-        <p:nvSpPr>
-          <p:cNvPr id="5" name="Slide Number Placeholder 4"/>
-          <p:cNvSpPr>
-            <a:spLocks noGrp="1"/>
-          </p:cNvSpPr>
-          <p:nvPr>
-            <p:ph type="sldNum" sz="quarter" idx="12"/>
-          </p:nvPr>
-        </p:nvSpPr>
-        <p:spPr/>
-        <p:txBody>
-          <a:bodyPr/>
-          <a:lstStyle/>
-          <a:p>
-            <a:fld id="{FF387971-9C3B-49A6-8D58-3AFB2456A1FB}" type="slidenum">
-              <a:rPr lang="en-US" smtClean="0"/>
-              <a:t>20</a:t>
+              <a:t>27</a:t>
             </a:fld>
             <a:endParaRPr lang="en-US"/>
           </a:p>
@@ -7838,7 +11494,7 @@
 </p:sld>
 </file>
 
-<file path=ppt/slides/slide21.xml><?xml version="1.0" encoding="utf-8"?>
+<file path=ppt/slides/slide28.xml><?xml version="1.0" encoding="utf-8"?>
 <p:sld xmlns:a="http://schemas.openxmlformats.org/drawingml/2006/main" xmlns:r="http://schemas.openxmlformats.org/officeDocument/2006/relationships" xmlns:p="http://schemas.openxmlformats.org/presentationml/2006/main">
   <p:cSld>
     <p:spTree>
@@ -7913,7 +11569,7 @@
           <a:p>
             <a:fld id="{FF387971-9C3B-49A6-8D58-3AFB2456A1FB}" type="slidenum">
               <a:rPr lang="en-US" smtClean="0"/>
-              <a:t>21</a:t>
+              <a:t>28</a:t>
             </a:fld>
             <a:endParaRPr lang="en-US"/>
           </a:p>
@@ -8002,7 +11658,7 @@
 </p:sld>
 </file>
 
-<file path=ppt/slides/slide22.xml><?xml version="1.0" encoding="utf-8"?>
+<file path=ppt/slides/slide29.xml><?xml version="1.0" encoding="utf-8"?>
 <p:sld xmlns:a="http://schemas.openxmlformats.org/drawingml/2006/main" xmlns:r="http://schemas.openxmlformats.org/officeDocument/2006/relationships" xmlns:p="http://schemas.openxmlformats.org/presentationml/2006/main">
   <p:cSld>
     <p:spTree>
@@ -8078,7 +11734,7 @@
           <a:p>
             <a:fld id="{FF387971-9C3B-49A6-8D58-3AFB2456A1FB}" type="slidenum">
               <a:rPr lang="en-US" smtClean="0"/>
-              <a:t>22</a:t>
+              <a:t>29</a:t>
             </a:fld>
             <a:endParaRPr lang="en-US"/>
           </a:p>
@@ -8089,7 +11745,7 @@
           <p:cNvPr id="7" name="Title 1">
             <a:extLst>
               <a:ext uri="{FF2B5EF4-FFF2-40B4-BE49-F238E27FC236}">
-                <a16:creationId xmlns="" xmlns:a16="http://schemas.microsoft.com/office/drawing/2014/main" id="{A26F03AE-A5EF-4A37-AD0A-4A124D961228}"/>
+                <a16:creationId xmlns:a16="http://schemas.microsoft.com/office/drawing/2014/main" xmlns="" id="{A26F03AE-A5EF-4A37-AD0A-4A124D961228}"/>
               </a:ext>
             </a:extLst>
           </p:cNvPr>
@@ -8204,7 +11860,7 @@
 </p:sld>
 </file>
 
-<file path=ppt/slides/slide23.xml><?xml version="1.0" encoding="utf-8"?>
+<file path=ppt/slides/slide3.xml><?xml version="1.0" encoding="utf-8"?>
 <p:sld xmlns:a="http://schemas.openxmlformats.org/drawingml/2006/main" xmlns:r="http://schemas.openxmlformats.org/officeDocument/2006/relationships" xmlns:p="http://schemas.openxmlformats.org/presentationml/2006/main">
   <p:cSld>
     <p:spTree>
@@ -8223,360 +11879,6 @@
       </p:grpSpPr>
       <p:sp>
         <p:nvSpPr>
-          <p:cNvPr id="8" name="Subtitle 7"/>
-          <p:cNvSpPr>
-            <a:spLocks noGrp="1"/>
-          </p:cNvSpPr>
-          <p:nvPr>
-            <p:ph type="subTitle" idx="1"/>
-          </p:nvPr>
-        </p:nvSpPr>
-        <p:spPr>
-          <a:xfrm>
-            <a:off x="228600" y="884238"/>
-            <a:ext cx="8763000" cy="4754562"/>
-          </a:xfrm>
-        </p:spPr>
-        <p:txBody>
-          <a:bodyPr>
-            <a:noAutofit/>
-          </a:bodyPr>
-          <a:lstStyle/>
-          <a:p>
-            <a:pPr marL="342900" indent="-342900" algn="l">
-              <a:buFont typeface="Wingdings" panose="05000000000000000000" pitchFamily="2" charset="2"/>
-              <a:buChar char="Ø"/>
-            </a:pPr>
-            <a:r>
-              <a:rPr lang="en-US" sz="2400" dirty="0" smtClean="0">
-                <a:solidFill>
-                  <a:schemeClr val="tx1"/>
-                </a:solidFill>
-                <a:latin typeface="Arial" panose="020B0604020202020204" pitchFamily="34" charset="0"/>
-                <a:cs typeface="Arial" panose="020B0604020202020204" pitchFamily="34" charset="0"/>
-              </a:rPr>
-              <a:t>Kết luận:</a:t>
-            </a:r>
-          </a:p>
-          <a:p>
-            <a:pPr marL="342900" indent="-342900" algn="l">
-              <a:buFont typeface="Wingdings" panose="05000000000000000000" pitchFamily="2" charset="2"/>
-              <a:buChar char="§"/>
-            </a:pPr>
-            <a:r>
-              <a:rPr lang="en-US" sz="2400" dirty="0" smtClean="0">
-                <a:solidFill>
-                  <a:schemeClr val="tx1"/>
-                </a:solidFill>
-                <a:latin typeface="Arial" panose="020B0604020202020204" pitchFamily="34" charset="0"/>
-                <a:cs typeface="Arial" panose="020B0604020202020204" pitchFamily="34" charset="0"/>
-              </a:rPr>
-              <a:t>Kết </a:t>
-            </a:r>
-            <a:r>
-              <a:rPr lang="en-US" sz="2400" dirty="0">
-                <a:solidFill>
-                  <a:schemeClr val="tx1"/>
-                </a:solidFill>
-                <a:latin typeface="Arial" panose="020B0604020202020204" pitchFamily="34" charset="0"/>
-                <a:cs typeface="Arial" panose="020B0604020202020204" pitchFamily="34" charset="0"/>
-              </a:rPr>
-              <a:t>quả </a:t>
-            </a:r>
-            <a:r>
-              <a:rPr lang="en-US" sz="2400" dirty="0" smtClean="0">
-                <a:solidFill>
-                  <a:schemeClr val="tx1"/>
-                </a:solidFill>
-                <a:latin typeface="Arial" panose="020B0604020202020204" pitchFamily="34" charset="0"/>
-                <a:cs typeface="Arial" panose="020B0604020202020204" pitchFamily="34" charset="0"/>
-              </a:rPr>
-              <a:t>đã đạt </a:t>
-            </a:r>
-            <a:r>
-              <a:rPr lang="en-US" sz="2400" dirty="0" smtClean="0">
-                <a:solidFill>
-                  <a:schemeClr val="tx1"/>
-                </a:solidFill>
-                <a:latin typeface="Arial" panose="020B0604020202020204" pitchFamily="34" charset="0"/>
-                <a:cs typeface="Arial" panose="020B0604020202020204" pitchFamily="34" charset="0"/>
-              </a:rPr>
-              <a:t>như </a:t>
-            </a:r>
-            <a:r>
-              <a:rPr lang="en-US" sz="2400" dirty="0">
-                <a:solidFill>
-                  <a:schemeClr val="tx1"/>
-                </a:solidFill>
-                <a:latin typeface="Arial" panose="020B0604020202020204" pitchFamily="34" charset="0"/>
-                <a:cs typeface="Arial" panose="020B0604020202020204" pitchFamily="34" charset="0"/>
-              </a:rPr>
-              <a:t>sau: Củng cố lại kiến thức đã được học, tìm hiểu một số công nghệ mới, xây dựng được ứng dụng</a:t>
-            </a:r>
-            <a:r>
-              <a:rPr lang="en-US" sz="2400" dirty="0" smtClean="0">
-                <a:solidFill>
-                  <a:schemeClr val="tx1"/>
-                </a:solidFill>
-                <a:latin typeface="Arial" panose="020B0604020202020204" pitchFamily="34" charset="0"/>
-                <a:cs typeface="Arial" panose="020B0604020202020204" pitchFamily="34" charset="0"/>
-              </a:rPr>
-              <a:t>.</a:t>
-            </a:r>
-          </a:p>
-          <a:p>
-            <a:pPr marL="342900" indent="-342900" algn="l">
-              <a:buFont typeface="Wingdings" panose="05000000000000000000" pitchFamily="2" charset="2"/>
-              <a:buChar char="§"/>
-            </a:pPr>
-            <a:r>
-              <a:rPr lang="en-US" sz="2400" dirty="0" smtClean="0">
-                <a:solidFill>
-                  <a:schemeClr val="tx1"/>
-                </a:solidFill>
-                <a:latin typeface="Arial" panose="020B0604020202020204" pitchFamily="34" charset="0"/>
-                <a:cs typeface="Arial" panose="020B0604020202020204" pitchFamily="34" charset="0"/>
-              </a:rPr>
-              <a:t>Ứng </a:t>
-            </a:r>
-            <a:r>
-              <a:rPr lang="en-US" sz="2400" dirty="0">
-                <a:solidFill>
-                  <a:schemeClr val="tx1"/>
-                </a:solidFill>
-                <a:latin typeface="Arial" panose="020B0604020202020204" pitchFamily="34" charset="0"/>
-                <a:cs typeface="Arial" panose="020B0604020202020204" pitchFamily="34" charset="0"/>
-              </a:rPr>
-              <a:t>dụng học K’Ho là ứng dụng hữu ích phục vụ cho việc phục vụ cho việc dạy, học tập và tìm hiểu về dân tộc K’Ho. Có các chức năng cơ bản của ứng dụng học ngôn ngữ</a:t>
-            </a:r>
-            <a:r>
-              <a:rPr lang="en-US" sz="2400" dirty="0" smtClean="0">
-                <a:solidFill>
-                  <a:schemeClr val="tx1"/>
-                </a:solidFill>
-                <a:latin typeface="Arial" panose="020B0604020202020204" pitchFamily="34" charset="0"/>
-                <a:cs typeface="Arial" panose="020B0604020202020204" pitchFamily="34" charset="0"/>
-              </a:rPr>
-              <a:t>.</a:t>
-            </a:r>
-          </a:p>
-          <a:p>
-            <a:pPr marL="342900" indent="-342900" algn="l">
-              <a:buFont typeface="Wingdings" panose="05000000000000000000" pitchFamily="2" charset="2"/>
-              <a:buChar char="Ø"/>
-            </a:pPr>
-            <a:r>
-              <a:rPr lang="en-US" sz="2400" dirty="0" smtClean="0">
-                <a:solidFill>
-                  <a:schemeClr val="tx1"/>
-                </a:solidFill>
-                <a:latin typeface="Arial" panose="020B0604020202020204" pitchFamily="34" charset="0"/>
-                <a:cs typeface="Arial" panose="020B0604020202020204" pitchFamily="34" charset="0"/>
-              </a:rPr>
-              <a:t>Hướng phát triển:</a:t>
-            </a:r>
-            <a:endParaRPr lang="en-US" sz="2000" dirty="0">
-              <a:solidFill>
-                <a:schemeClr val="tx1"/>
-              </a:solidFill>
-              <a:latin typeface="Arial" panose="020B0604020202020204" pitchFamily="34" charset="0"/>
-              <a:cs typeface="Arial" panose="020B0604020202020204" pitchFamily="34" charset="0"/>
-            </a:endParaRPr>
-          </a:p>
-          <a:p>
-            <a:pPr marL="342900" indent="-342900" algn="l">
-              <a:buFont typeface="Wingdings" panose="05000000000000000000" pitchFamily="2" charset="2"/>
-              <a:buChar char="§"/>
-            </a:pPr>
-            <a:r>
-              <a:rPr lang="en-US" sz="2000" dirty="0" smtClean="0">
-                <a:solidFill>
-                  <a:schemeClr val="tx1"/>
-                </a:solidFill>
-                <a:latin typeface="Arial" panose="020B0604020202020204" pitchFamily="34" charset="0"/>
-                <a:cs typeface="Arial" panose="020B0604020202020204" pitchFamily="34" charset="0"/>
-              </a:rPr>
-              <a:t>Do </a:t>
-            </a:r>
-            <a:r>
-              <a:rPr lang="en-US" sz="2000" dirty="0">
-                <a:solidFill>
-                  <a:schemeClr val="tx1"/>
-                </a:solidFill>
-                <a:latin typeface="Arial" panose="020B0604020202020204" pitchFamily="34" charset="0"/>
-                <a:cs typeface="Arial" panose="020B0604020202020204" pitchFamily="34" charset="0"/>
-              </a:rPr>
-              <a:t>hạn chế về thời gian cũng như ngôn ngữ nên ứng dụng của nhóm em vẫn còn thiếu sót cần hoàn thiện một số nội dung:</a:t>
-            </a:r>
-          </a:p>
-          <a:p>
-            <a:pPr marL="800100" lvl="1" indent="-342900" algn="just">
-              <a:buFont typeface="Wingdings" panose="05000000000000000000" pitchFamily="2" charset="2"/>
-              <a:buChar char="Ø"/>
-            </a:pPr>
-            <a:r>
-              <a:rPr lang="en-US" sz="2000" dirty="0">
-                <a:solidFill>
-                  <a:schemeClr val="tx1"/>
-                </a:solidFill>
-                <a:latin typeface="Arial" panose="020B0604020202020204" pitchFamily="34" charset="0"/>
-                <a:cs typeface="Arial" panose="020B0604020202020204" pitchFamily="34" charset="0"/>
-              </a:rPr>
-              <a:t>Tối ưu các chức năng của ứng dụng.</a:t>
-            </a:r>
-          </a:p>
-          <a:p>
-            <a:pPr marL="800100" lvl="1" indent="-342900" algn="just">
-              <a:buFont typeface="Wingdings" panose="05000000000000000000" pitchFamily="2" charset="2"/>
-              <a:buChar char="Ø"/>
-            </a:pPr>
-            <a:r>
-              <a:rPr lang="en-US" sz="2000" dirty="0">
-                <a:solidFill>
-                  <a:schemeClr val="tx1"/>
-                </a:solidFill>
-                <a:latin typeface="Arial" panose="020B0604020202020204" pitchFamily="34" charset="0"/>
-                <a:cs typeface="Arial" panose="020B0604020202020204" pitchFamily="34" charset="0"/>
-              </a:rPr>
-              <a:t>Hoàn thiện dữ liệu: từ vựng, âm thanh, hình ảnh.</a:t>
-            </a:r>
-          </a:p>
-          <a:p>
-            <a:pPr marL="800100" lvl="1" indent="-342900" algn="just">
-              <a:buFont typeface="Wingdings" panose="05000000000000000000" pitchFamily="2" charset="2"/>
-              <a:buChar char="Ø"/>
-            </a:pPr>
-            <a:r>
-              <a:rPr lang="en-US" sz="2000" dirty="0">
-                <a:solidFill>
-                  <a:schemeClr val="tx1"/>
-                </a:solidFill>
-                <a:latin typeface="Arial" panose="020B0604020202020204" pitchFamily="34" charset="0"/>
-                <a:cs typeface="Arial" panose="020B0604020202020204" pitchFamily="34" charset="0"/>
-              </a:rPr>
-              <a:t>Tra cứu đoạn văn bản, từ đồng nghĩa, từ trái nghĩa.</a:t>
-            </a:r>
-          </a:p>
-          <a:p>
-            <a:pPr algn="just"/>
-            <a:r>
-              <a:rPr lang="en-US" sz="2000" dirty="0">
-                <a:solidFill>
-                  <a:schemeClr val="tx1"/>
-                </a:solidFill>
-                <a:latin typeface="Arial" panose="020B0604020202020204" pitchFamily="34" charset="0"/>
-                <a:cs typeface="Arial" panose="020B0604020202020204" pitchFamily="34" charset="0"/>
-              </a:rPr>
-              <a:t>Do việc ứng dụng khoa học công nghệ vào nghiên cứu ngôn ngữ của đồng bào thiểu số </a:t>
-            </a:r>
-            <a:r>
-              <a:rPr lang="en-US" sz="2000" dirty="0" smtClean="0">
-                <a:solidFill>
-                  <a:schemeClr val="tx1"/>
-                </a:solidFill>
-                <a:latin typeface="Arial" panose="020B0604020202020204" pitchFamily="34" charset="0"/>
-                <a:cs typeface="Arial" panose="020B0604020202020204" pitchFamily="34" charset="0"/>
-              </a:rPr>
-              <a:t>chưa </a:t>
-            </a:r>
-            <a:r>
-              <a:rPr lang="en-US" sz="2000" dirty="0">
-                <a:solidFill>
-                  <a:schemeClr val="tx1"/>
-                </a:solidFill>
-                <a:latin typeface="Arial" panose="020B0604020202020204" pitchFamily="34" charset="0"/>
-                <a:cs typeface="Arial" panose="020B0604020202020204" pitchFamily="34" charset="0"/>
-              </a:rPr>
-              <a:t>được phổ biến, nên hướng phát triển của đề tài còn rộng như: </a:t>
-            </a:r>
-            <a:r>
-              <a:rPr lang="en-US" sz="2000" dirty="0" smtClean="0">
-                <a:solidFill>
-                  <a:schemeClr val="tx1"/>
-                </a:solidFill>
-                <a:latin typeface="Arial" panose="020B0604020202020204" pitchFamily="34" charset="0"/>
-                <a:cs typeface="Arial" panose="020B0604020202020204" pitchFamily="34" charset="0"/>
-              </a:rPr>
-              <a:t>dịch </a:t>
-            </a:r>
-            <a:r>
-              <a:rPr lang="en-US" sz="2000" dirty="0">
-                <a:solidFill>
-                  <a:schemeClr val="tx1"/>
-                </a:solidFill>
-                <a:latin typeface="Arial" panose="020B0604020202020204" pitchFamily="34" charset="0"/>
-                <a:cs typeface="Arial" panose="020B0604020202020204" pitchFamily="34" charset="0"/>
-              </a:rPr>
-              <a:t>tự động giữa tiếng </a:t>
-            </a:r>
-            <a:r>
-              <a:rPr lang="en-US" sz="2000" dirty="0" smtClean="0">
-                <a:solidFill>
-                  <a:schemeClr val="tx1"/>
-                </a:solidFill>
-                <a:latin typeface="Arial" panose="020B0604020202020204" pitchFamily="34" charset="0"/>
-                <a:cs typeface="Arial" panose="020B0604020202020204" pitchFamily="34" charset="0"/>
-              </a:rPr>
-              <a:t>K’Ho-Việt, </a:t>
-            </a:r>
-            <a:r>
-              <a:rPr lang="en-US" sz="2000" dirty="0">
-                <a:solidFill>
-                  <a:schemeClr val="tx1"/>
-                </a:solidFill>
-                <a:latin typeface="Arial" panose="020B0604020202020204" pitchFamily="34" charset="0"/>
-                <a:cs typeface="Arial" panose="020B0604020202020204" pitchFamily="34" charset="0"/>
-              </a:rPr>
-              <a:t>nhận dạng và tổng hợp tiếng K’Ho</a:t>
-            </a:r>
-            <a:r>
-              <a:rPr lang="en-US" sz="2000" dirty="0" smtClean="0">
-                <a:solidFill>
-                  <a:schemeClr val="tx1"/>
-                </a:solidFill>
-                <a:latin typeface="Arial" panose="020B0604020202020204" pitchFamily="34" charset="0"/>
-                <a:cs typeface="Arial" panose="020B0604020202020204" pitchFamily="34" charset="0"/>
-              </a:rPr>
-              <a:t>,…</a:t>
-            </a:r>
-            <a:endParaRPr lang="en-US" sz="2000" dirty="0">
-              <a:solidFill>
-                <a:schemeClr val="tx1"/>
-              </a:solidFill>
-              <a:latin typeface="Arial" panose="020B0604020202020204" pitchFamily="34" charset="0"/>
-              <a:cs typeface="Arial" panose="020B0604020202020204" pitchFamily="34" charset="0"/>
-            </a:endParaRPr>
-          </a:p>
-          <a:p>
-            <a:pPr marL="342900" indent="-342900" algn="l">
-              <a:buFont typeface="Wingdings" panose="05000000000000000000" pitchFamily="2" charset="2"/>
-              <a:buChar char="§"/>
-            </a:pPr>
-            <a:endParaRPr lang="en-US" sz="2400" dirty="0">
-              <a:solidFill>
-                <a:schemeClr val="tx1"/>
-              </a:solidFill>
-              <a:latin typeface="Arial" panose="020B0604020202020204" pitchFamily="34" charset="0"/>
-              <a:cs typeface="Arial" panose="020B0604020202020204" pitchFamily="34" charset="0"/>
-            </a:endParaRPr>
-          </a:p>
-          <a:p>
-            <a:pPr marL="342900" indent="-342900" algn="l">
-              <a:buFont typeface="Wingdings" panose="05000000000000000000" pitchFamily="2" charset="2"/>
-              <a:buChar char="Ø"/>
-            </a:pPr>
-            <a:endParaRPr lang="en-US" sz="2400" dirty="0" smtClean="0">
-              <a:solidFill>
-                <a:schemeClr val="tx1"/>
-              </a:solidFill>
-              <a:latin typeface="Arial" panose="020B0604020202020204" pitchFamily="34" charset="0"/>
-              <a:cs typeface="Arial" panose="020B0604020202020204" pitchFamily="34" charset="0"/>
-            </a:endParaRPr>
-          </a:p>
-        </p:txBody>
-      </p:sp>
-      <p:sp>
-        <p:nvSpPr>
           <p:cNvPr id="3" name="Date Placeholder 2"/>
           <p:cNvSpPr>
             <a:spLocks noGrp="1"/>
@@ -8591,7 +11893,7 @@
           <a:lstStyle/>
           <a:p>
             <a:r>
-              <a:rPr lang="en-US" dirty="0"/>
+              <a:rPr lang="en-US"/>
               <a:t>10/13/2017</a:t>
             </a:r>
           </a:p>
@@ -8633,7 +11935,7 @@
           <a:p>
             <a:fld id="{FF387971-9C3B-49A6-8D58-3AFB2456A1FB}" type="slidenum">
               <a:rPr lang="en-US" smtClean="0"/>
-              <a:t>23</a:t>
+              <a:t>3</a:t>
             </a:fld>
             <a:endParaRPr lang="en-US"/>
           </a:p>
@@ -8702,7 +12004,843 @@
           <p:cNvPr id="7" name="Title 1">
             <a:extLst>
               <a:ext uri="{FF2B5EF4-FFF2-40B4-BE49-F238E27FC236}">
-                <a16:creationId xmlns="" xmlns:a16="http://schemas.microsoft.com/office/drawing/2014/main" id="{A26F03AE-A5EF-4A37-AD0A-4A124D961228}"/>
+                <a16:creationId xmlns:a16="http://schemas.microsoft.com/office/drawing/2014/main" xmlns="" id="{A26F03AE-A5EF-4A37-AD0A-4A124D961228}"/>
+              </a:ext>
+            </a:extLst>
+          </p:cNvPr>
+          <p:cNvSpPr txBox="1">
+            <a:spLocks/>
+          </p:cNvSpPr>
+          <p:nvPr/>
+        </p:nvSpPr>
+        <p:spPr>
+          <a:xfrm>
+            <a:off x="0" y="0"/>
+            <a:ext cx="9144000" cy="884238"/>
+          </a:xfrm>
+          <a:prstGeom prst="rect">
+            <a:avLst/>
+          </a:prstGeom>
+          <a:ln w="3175">
+            <a:solidFill>
+              <a:schemeClr val="tx1"/>
+            </a:solidFill>
+          </a:ln>
+        </p:spPr>
+        <p:txBody>
+          <a:bodyPr vert="horz" lIns="91440" tIns="45720" rIns="91440" bIns="45720" rtlCol="0" anchor="ctr">
+            <a:noAutofit/>
+          </a:bodyPr>
+          <a:lstStyle>
+            <a:lvl1pPr algn="l" defTabSz="914400" rtl="0" eaLnBrk="1" latinLnBrk="0" hangingPunct="1">
+              <a:spcBef>
+                <a:spcPct val="0"/>
+              </a:spcBef>
+              <a:buNone/>
+              <a:defRPr sz="4400" kern="1200">
+                <a:solidFill>
+                  <a:schemeClr val="bg1"/>
+                </a:solidFill>
+                <a:latin typeface="Segoe UI Semilight" pitchFamily="34" charset="0"/>
+                <a:ea typeface="+mj-ea"/>
+                <a:cs typeface="Segoe UI Semilight" pitchFamily="34" charset="0"/>
+              </a:defRPr>
+            </a:lvl1pPr>
+          </a:lstStyle>
+          <a:p>
+            <a:pPr algn="ctr"/>
+            <a:r>
+              <a:rPr lang="en-US" sz="3600" dirty="0" smtClean="0">
+                <a:ln w="3175">
+                  <a:solidFill>
+                    <a:schemeClr val="accent6">
+                      <a:lumMod val="75000"/>
+                    </a:schemeClr>
+                  </a:solidFill>
+                </a:ln>
+                <a:solidFill>
+                  <a:schemeClr val="accent6">
+                    <a:lumMod val="75000"/>
+                  </a:schemeClr>
+                </a:solidFill>
+                <a:latin typeface="Arial" panose="020B0604020202020204" pitchFamily="34" charset="0"/>
+                <a:cs typeface="Arial" panose="020B0604020202020204" pitchFamily="34" charset="0"/>
+              </a:rPr>
+              <a:t>1.1 Lý do chọn đề tài</a:t>
+            </a:r>
+            <a:endParaRPr lang="en-US" sz="3600" dirty="0">
+              <a:ln w="3175">
+                <a:solidFill>
+                  <a:schemeClr val="accent6">
+                    <a:lumMod val="75000"/>
+                  </a:schemeClr>
+                </a:solidFill>
+              </a:ln>
+              <a:solidFill>
+                <a:schemeClr val="accent6">
+                  <a:lumMod val="75000"/>
+                </a:schemeClr>
+              </a:solidFill>
+              <a:latin typeface="Arial" panose="020B0604020202020204" pitchFamily="34" charset="0"/>
+              <a:cs typeface="Arial" panose="020B0604020202020204" pitchFamily="34" charset="0"/>
+            </a:endParaRPr>
+          </a:p>
+        </p:txBody>
+      </p:sp>
+      <p:sp>
+        <p:nvSpPr>
+          <p:cNvPr id="8" name="Title 1"/>
+          <p:cNvSpPr txBox="1">
+            <a:spLocks/>
+          </p:cNvSpPr>
+          <p:nvPr/>
+        </p:nvSpPr>
+        <p:spPr>
+          <a:xfrm>
+            <a:off x="762000" y="1447800"/>
+            <a:ext cx="8077200" cy="4495800"/>
+          </a:xfrm>
+          <a:prstGeom prst="rect">
+            <a:avLst/>
+          </a:prstGeom>
+        </p:spPr>
+        <p:txBody>
+          <a:bodyPr vert="horz" lIns="91440" tIns="45720" rIns="91440" bIns="45720" rtlCol="0" anchor="ctr">
+            <a:normAutofit/>
+          </a:bodyPr>
+          <a:lstStyle>
+            <a:lvl1pPr algn="l" defTabSz="914400" rtl="0" eaLnBrk="1" latinLnBrk="0" hangingPunct="1">
+              <a:spcBef>
+                <a:spcPct val="0"/>
+              </a:spcBef>
+              <a:buNone/>
+              <a:defRPr sz="4400" kern="1200">
+                <a:solidFill>
+                  <a:schemeClr val="bg1"/>
+                </a:solidFill>
+                <a:latin typeface="Segoe UI Semilight" pitchFamily="34" charset="0"/>
+                <a:ea typeface="+mj-ea"/>
+                <a:cs typeface="Segoe UI Semilight" pitchFamily="34" charset="0"/>
+              </a:defRPr>
+            </a:lvl1pPr>
+          </a:lstStyle>
+          <a:p>
+            <a:pPr marL="342900" indent="-342900" algn="just">
+              <a:spcBef>
+                <a:spcPts val="1200"/>
+              </a:spcBef>
+              <a:buClr>
+                <a:schemeClr val="tx1"/>
+              </a:buClr>
+              <a:buFont typeface="Wingdings" panose="05000000000000000000" pitchFamily="2" charset="2"/>
+              <a:buChar char="Ø"/>
+            </a:pPr>
+            <a:r>
+              <a:rPr lang="en-US" sz="2400" dirty="0">
+                <a:solidFill>
+                  <a:schemeClr val="tx1"/>
+                </a:solidFill>
+                <a:latin typeface="Arial" panose="020B0604020202020204" pitchFamily="34" charset="0"/>
+                <a:cs typeface="Arial" panose="020B0604020202020204" pitchFamily="34" charset="0"/>
+              </a:rPr>
+              <a:t>Dân tộc </a:t>
+            </a:r>
+            <a:r>
+              <a:rPr lang="en-US" sz="2400" b="1" dirty="0">
+                <a:solidFill>
+                  <a:schemeClr val="tx1"/>
+                </a:solidFill>
+                <a:latin typeface="Arial" panose="020B0604020202020204" pitchFamily="34" charset="0"/>
+                <a:cs typeface="Arial" panose="020B0604020202020204" pitchFamily="34" charset="0"/>
+              </a:rPr>
+              <a:t>K’Ho</a:t>
+            </a:r>
+            <a:r>
+              <a:rPr lang="en-US" sz="2400" dirty="0">
+                <a:solidFill>
+                  <a:schemeClr val="tx1"/>
+                </a:solidFill>
+                <a:latin typeface="Arial" panose="020B0604020202020204" pitchFamily="34" charset="0"/>
+                <a:cs typeface="Arial" panose="020B0604020202020204" pitchFamily="34" charset="0"/>
+              </a:rPr>
+              <a:t>, còn gọi là </a:t>
+            </a:r>
+            <a:r>
+              <a:rPr lang="en-US" sz="2400" b="1" dirty="0">
+                <a:solidFill>
+                  <a:schemeClr val="tx1"/>
+                </a:solidFill>
+                <a:latin typeface="Arial" panose="020B0604020202020204" pitchFamily="34" charset="0"/>
+                <a:cs typeface="Arial" panose="020B0604020202020204" pitchFamily="34" charset="0"/>
+              </a:rPr>
+              <a:t>Cờ Ho</a:t>
+            </a:r>
+            <a:r>
+              <a:rPr lang="en-US" sz="2400" dirty="0">
+                <a:solidFill>
+                  <a:schemeClr val="tx1"/>
+                </a:solidFill>
+                <a:latin typeface="Arial" panose="020B0604020202020204" pitchFamily="34" charset="0"/>
+                <a:cs typeface="Arial" panose="020B0604020202020204" pitchFamily="34" charset="0"/>
+              </a:rPr>
+              <a:t>, </a:t>
+            </a:r>
+            <a:r>
+              <a:rPr lang="en-US" sz="2400" b="1" dirty="0">
+                <a:solidFill>
+                  <a:schemeClr val="tx1"/>
+                </a:solidFill>
+                <a:latin typeface="Arial" panose="020B0604020202020204" pitchFamily="34" charset="0"/>
+                <a:cs typeface="Arial" panose="020B0604020202020204" pitchFamily="34" charset="0"/>
+              </a:rPr>
+              <a:t>Kơ </a:t>
+            </a:r>
+            <a:r>
+              <a:rPr lang="en-US" sz="2400" b="1" dirty="0" smtClean="0">
+                <a:solidFill>
+                  <a:schemeClr val="tx1"/>
+                </a:solidFill>
+                <a:latin typeface="Arial" panose="020B0604020202020204" pitchFamily="34" charset="0"/>
+                <a:cs typeface="Arial" panose="020B0604020202020204" pitchFamily="34" charset="0"/>
+              </a:rPr>
+              <a:t>Ho</a:t>
+            </a:r>
+            <a:r>
+              <a:rPr lang="en-US" sz="2400" dirty="0" smtClean="0">
+                <a:solidFill>
+                  <a:schemeClr val="tx1"/>
+                </a:solidFill>
+                <a:latin typeface="Arial" panose="020B0604020202020204" pitchFamily="34" charset="0"/>
+                <a:cs typeface="Arial" panose="020B0604020202020204" pitchFamily="34" charset="0"/>
+              </a:rPr>
+              <a:t>, hoặc</a:t>
+            </a:r>
+            <a:r>
+              <a:rPr lang="en-US" sz="2400" dirty="0">
+                <a:solidFill>
+                  <a:schemeClr val="tx1"/>
+                </a:solidFill>
+                <a:latin typeface="Arial" panose="020B0604020202020204" pitchFamily="34" charset="0"/>
+                <a:cs typeface="Arial" panose="020B0604020202020204" pitchFamily="34" charset="0"/>
+              </a:rPr>
+              <a:t> </a:t>
+            </a:r>
+            <a:r>
+              <a:rPr lang="en-US" sz="2400" b="1" dirty="0">
+                <a:solidFill>
+                  <a:schemeClr val="tx1"/>
+                </a:solidFill>
+                <a:latin typeface="Arial" panose="020B0604020202020204" pitchFamily="34" charset="0"/>
+                <a:cs typeface="Arial" panose="020B0604020202020204" pitchFamily="34" charset="0"/>
+              </a:rPr>
+              <a:t>Kơho</a:t>
+            </a:r>
+            <a:r>
+              <a:rPr lang="en-US" sz="2400" dirty="0">
+                <a:solidFill>
+                  <a:schemeClr val="tx1"/>
+                </a:solidFill>
+                <a:latin typeface="Arial" panose="020B0604020202020204" pitchFamily="34" charset="0"/>
+                <a:cs typeface="Arial" panose="020B0604020202020204" pitchFamily="34" charset="0"/>
+              </a:rPr>
+              <a:t>. </a:t>
+            </a:r>
+            <a:r>
+              <a:rPr lang="en-US" sz="2400" b="1" dirty="0">
+                <a:solidFill>
+                  <a:schemeClr val="tx1"/>
+                </a:solidFill>
+                <a:latin typeface="Arial" panose="020B0604020202020204" pitchFamily="34" charset="0"/>
+                <a:cs typeface="Arial" panose="020B0604020202020204" pitchFamily="34" charset="0"/>
+              </a:rPr>
+              <a:t>K'Ho</a:t>
+            </a:r>
+            <a:r>
+              <a:rPr lang="en-US" sz="2400" dirty="0">
+                <a:solidFill>
+                  <a:schemeClr val="tx1"/>
+                </a:solidFill>
+                <a:latin typeface="Arial" panose="020B0604020202020204" pitchFamily="34" charset="0"/>
+                <a:cs typeface="Arial" panose="020B0604020202020204" pitchFamily="34" charset="0"/>
+              </a:rPr>
+              <a:t> theo chính tả tiếng Cơ Ho.</a:t>
+            </a:r>
+          </a:p>
+          <a:p>
+            <a:pPr marL="342900" indent="-342900" algn="just">
+              <a:spcBef>
+                <a:spcPts val="1200"/>
+              </a:spcBef>
+              <a:buClr>
+                <a:schemeClr val="tx1"/>
+              </a:buClr>
+              <a:buFont typeface="Wingdings" panose="05000000000000000000" pitchFamily="2" charset="2"/>
+              <a:buChar char="Ø"/>
+            </a:pPr>
+            <a:r>
+              <a:rPr lang="en-US" sz="2400" dirty="0">
+                <a:solidFill>
+                  <a:schemeClr val="tx1"/>
+                </a:solidFill>
+                <a:latin typeface="Arial" panose="020B0604020202020204" pitchFamily="34" charset="0"/>
+                <a:cs typeface="Arial" panose="020B0604020202020204" pitchFamily="34" charset="0"/>
+              </a:rPr>
+              <a:t>Dân tộc K’Ho</a:t>
+            </a:r>
+            <a:r>
+              <a:rPr lang="en-US" sz="2400" b="1" dirty="0">
+                <a:solidFill>
+                  <a:schemeClr val="tx1"/>
+                </a:solidFill>
+                <a:latin typeface="Arial" panose="020B0604020202020204" pitchFamily="34" charset="0"/>
+                <a:cs typeface="Arial" panose="020B0604020202020204" pitchFamily="34" charset="0"/>
+              </a:rPr>
+              <a:t> </a:t>
+            </a:r>
+            <a:r>
+              <a:rPr lang="en-US" sz="2400" dirty="0">
+                <a:solidFill>
+                  <a:schemeClr val="tx1"/>
+                </a:solidFill>
+                <a:latin typeface="Arial" panose="020B0604020202020204" pitchFamily="34" charset="0"/>
+                <a:cs typeface="Arial" panose="020B0604020202020204" pitchFamily="34" charset="0"/>
+              </a:rPr>
+              <a:t>là một dân tộc trong số 54 dân tộc tại Việt Nam, là một trong những cư dân bản địa tỉnh Lâm Đồng.</a:t>
+            </a:r>
+          </a:p>
+          <a:p>
+            <a:pPr marL="342900" indent="-342900" algn="just">
+              <a:spcBef>
+                <a:spcPts val="1200"/>
+              </a:spcBef>
+              <a:buClr>
+                <a:schemeClr val="tx1"/>
+              </a:buClr>
+              <a:buFont typeface="Wingdings" panose="05000000000000000000" pitchFamily="2" charset="2"/>
+              <a:buChar char="Ø"/>
+            </a:pPr>
+            <a:r>
+              <a:rPr lang="en-US" sz="2400" dirty="0">
+                <a:solidFill>
+                  <a:schemeClr val="tx1"/>
+                </a:solidFill>
+                <a:latin typeface="Arial" panose="020B0604020202020204" pitchFamily="34" charset="0"/>
+                <a:cs typeface="Arial" panose="020B0604020202020204" pitchFamily="34" charset="0"/>
+              </a:rPr>
+              <a:t>Hiện nay, việc giao tiếp với người K’Ho còn hạn chế, việc áp dụng khoa học công nghệ vào nghiên cứu ngôn ngữ của đồng bào thiểu số cũng như việc dạy và học ngôn ngữ các dân tộc thiểu số nói chung và dân tộc K’Ho nói riêng chưa được phổ biến.</a:t>
+            </a:r>
+          </a:p>
+        </p:txBody>
+      </p:sp>
+    </p:spTree>
+    <p:extLst>
+      <p:ext uri="{BB962C8B-B14F-4D97-AF65-F5344CB8AC3E}">
+        <p14:creationId xmlns:p14="http://schemas.microsoft.com/office/powerpoint/2010/main" val="158629718"/>
+      </p:ext>
+    </p:extLst>
+  </p:cSld>
+  <p:clrMapOvr>
+    <a:masterClrMapping/>
+  </p:clrMapOvr>
+  <p:timing>
+    <p:tnLst>
+      <p:par>
+        <p:cTn id="1" dur="indefinite" restart="never" nodeType="tmRoot"/>
+      </p:par>
+    </p:tnLst>
+  </p:timing>
+</p:sld>
+</file>
+
+<file path=ppt/slides/slide30.xml><?xml version="1.0" encoding="utf-8"?>
+<p:sld xmlns:a="http://schemas.openxmlformats.org/drawingml/2006/main" xmlns:r="http://schemas.openxmlformats.org/officeDocument/2006/relationships" xmlns:p="http://schemas.openxmlformats.org/presentationml/2006/main">
+  <p:cSld>
+    <p:spTree>
+      <p:nvGrpSpPr>
+        <p:cNvPr id="1" name=""/>
+        <p:cNvGrpSpPr/>
+        <p:nvPr/>
+      </p:nvGrpSpPr>
+      <p:grpSpPr>
+        <a:xfrm>
+          <a:off x="0" y="0"/>
+          <a:ext cx="0" cy="0"/>
+          <a:chOff x="0" y="0"/>
+          <a:chExt cx="0" cy="0"/>
+        </a:xfrm>
+      </p:grpSpPr>
+      <p:sp>
+        <p:nvSpPr>
+          <p:cNvPr id="8" name="Subtitle 7"/>
+          <p:cNvSpPr>
+            <a:spLocks noGrp="1"/>
+          </p:cNvSpPr>
+          <p:nvPr>
+            <p:ph type="subTitle" idx="1"/>
+          </p:nvPr>
+        </p:nvSpPr>
+        <p:spPr>
+          <a:xfrm>
+            <a:off x="228600" y="884238"/>
+            <a:ext cx="8763000" cy="4754562"/>
+          </a:xfrm>
+        </p:spPr>
+        <p:txBody>
+          <a:bodyPr>
+            <a:noAutofit/>
+          </a:bodyPr>
+          <a:lstStyle/>
+          <a:p>
+            <a:pPr marL="342900" indent="-342900" algn="l">
+              <a:buFont typeface="Wingdings" panose="05000000000000000000" pitchFamily="2" charset="2"/>
+              <a:buChar char="Ø"/>
+            </a:pPr>
+            <a:r>
+              <a:rPr lang="en-US" sz="2000" dirty="0" smtClean="0">
+                <a:solidFill>
+                  <a:schemeClr val="tx1"/>
+                </a:solidFill>
+                <a:latin typeface="Arial" panose="020B0604020202020204" pitchFamily="34" charset="0"/>
+                <a:cs typeface="Arial" panose="020B0604020202020204" pitchFamily="34" charset="0"/>
+              </a:rPr>
+              <a:t>Kết luận:</a:t>
+            </a:r>
+          </a:p>
+          <a:p>
+            <a:pPr marL="342900" indent="-342900" algn="l">
+              <a:buFont typeface="Wingdings" panose="05000000000000000000" pitchFamily="2" charset="2"/>
+              <a:buChar char="§"/>
+            </a:pPr>
+            <a:r>
+              <a:rPr lang="en-US" sz="2000" dirty="0" smtClean="0">
+                <a:solidFill>
+                  <a:schemeClr val="tx1"/>
+                </a:solidFill>
+                <a:latin typeface="Arial" panose="020B0604020202020204" pitchFamily="34" charset="0"/>
+                <a:cs typeface="Arial" panose="020B0604020202020204" pitchFamily="34" charset="0"/>
+              </a:rPr>
+              <a:t>Kết </a:t>
+            </a:r>
+            <a:r>
+              <a:rPr lang="en-US" sz="2000" dirty="0">
+                <a:solidFill>
+                  <a:schemeClr val="tx1"/>
+                </a:solidFill>
+                <a:latin typeface="Arial" panose="020B0604020202020204" pitchFamily="34" charset="0"/>
+                <a:cs typeface="Arial" panose="020B0604020202020204" pitchFamily="34" charset="0"/>
+              </a:rPr>
+              <a:t>quả </a:t>
+            </a:r>
+            <a:r>
+              <a:rPr lang="en-US" sz="2000" dirty="0" smtClean="0">
+                <a:solidFill>
+                  <a:schemeClr val="tx1"/>
+                </a:solidFill>
+                <a:latin typeface="Arial" panose="020B0604020202020204" pitchFamily="34" charset="0"/>
+                <a:cs typeface="Arial" panose="020B0604020202020204" pitchFamily="34" charset="0"/>
+              </a:rPr>
+              <a:t>đã đạt như </a:t>
+            </a:r>
+            <a:r>
+              <a:rPr lang="en-US" sz="2000" dirty="0">
+                <a:solidFill>
+                  <a:schemeClr val="tx1"/>
+                </a:solidFill>
+                <a:latin typeface="Arial" panose="020B0604020202020204" pitchFamily="34" charset="0"/>
+                <a:cs typeface="Arial" panose="020B0604020202020204" pitchFamily="34" charset="0"/>
+              </a:rPr>
+              <a:t>sau: Củng cố lại kiến thức đã được học, tìm hiểu một số công nghệ mới, xây dựng được ứng dụng</a:t>
+            </a:r>
+            <a:r>
+              <a:rPr lang="en-US" sz="2000" dirty="0" smtClean="0">
+                <a:solidFill>
+                  <a:schemeClr val="tx1"/>
+                </a:solidFill>
+                <a:latin typeface="Arial" panose="020B0604020202020204" pitchFamily="34" charset="0"/>
+                <a:cs typeface="Arial" panose="020B0604020202020204" pitchFamily="34" charset="0"/>
+              </a:rPr>
+              <a:t>.</a:t>
+            </a:r>
+          </a:p>
+          <a:p>
+            <a:pPr marL="342900" indent="-342900" algn="l">
+              <a:buFont typeface="Wingdings" panose="05000000000000000000" pitchFamily="2" charset="2"/>
+              <a:buChar char="§"/>
+            </a:pPr>
+            <a:r>
+              <a:rPr lang="en-US" sz="2000" dirty="0" smtClean="0">
+                <a:solidFill>
+                  <a:schemeClr val="tx1"/>
+                </a:solidFill>
+                <a:latin typeface="Arial" panose="020B0604020202020204" pitchFamily="34" charset="0"/>
+                <a:cs typeface="Arial" panose="020B0604020202020204" pitchFamily="34" charset="0"/>
+              </a:rPr>
+              <a:t>Ứng </a:t>
+            </a:r>
+            <a:r>
+              <a:rPr lang="en-US" sz="2000" dirty="0">
+                <a:solidFill>
+                  <a:schemeClr val="tx1"/>
+                </a:solidFill>
+                <a:latin typeface="Arial" panose="020B0604020202020204" pitchFamily="34" charset="0"/>
+                <a:cs typeface="Arial" panose="020B0604020202020204" pitchFamily="34" charset="0"/>
+              </a:rPr>
+              <a:t>dụng học K’Ho là ứng dụng hữu ích phục vụ cho việc phục vụ cho việc dạy, học tập và tìm hiểu về dân tộc K’Ho. Có các chức năng cơ bản của ứng dụng học ngôn ngữ</a:t>
+            </a:r>
+            <a:r>
+              <a:rPr lang="en-US" sz="2000" dirty="0" smtClean="0">
+                <a:solidFill>
+                  <a:schemeClr val="tx1"/>
+                </a:solidFill>
+                <a:latin typeface="Arial" panose="020B0604020202020204" pitchFamily="34" charset="0"/>
+                <a:cs typeface="Arial" panose="020B0604020202020204" pitchFamily="34" charset="0"/>
+              </a:rPr>
+              <a:t>.</a:t>
+            </a:r>
+          </a:p>
+          <a:p>
+            <a:pPr marL="342900" indent="-342900" algn="l">
+              <a:buFont typeface="Wingdings" panose="05000000000000000000" pitchFamily="2" charset="2"/>
+              <a:buChar char="Ø"/>
+            </a:pPr>
+            <a:r>
+              <a:rPr lang="en-US" sz="2000" dirty="0" smtClean="0">
+                <a:solidFill>
+                  <a:schemeClr val="tx1"/>
+                </a:solidFill>
+                <a:latin typeface="Arial" panose="020B0604020202020204" pitchFamily="34" charset="0"/>
+                <a:cs typeface="Arial" panose="020B0604020202020204" pitchFamily="34" charset="0"/>
+              </a:rPr>
+              <a:t>Hướng phát triển:</a:t>
+            </a:r>
+            <a:endParaRPr lang="en-US" sz="2000" dirty="0">
+              <a:solidFill>
+                <a:schemeClr val="tx1"/>
+              </a:solidFill>
+              <a:latin typeface="Arial" panose="020B0604020202020204" pitchFamily="34" charset="0"/>
+              <a:cs typeface="Arial" panose="020B0604020202020204" pitchFamily="34" charset="0"/>
+            </a:endParaRPr>
+          </a:p>
+          <a:p>
+            <a:pPr marL="342900" indent="-342900" algn="l">
+              <a:buFont typeface="Wingdings" panose="05000000000000000000" pitchFamily="2" charset="2"/>
+              <a:buChar char="§"/>
+            </a:pPr>
+            <a:r>
+              <a:rPr lang="en-US" sz="2000" dirty="0" smtClean="0">
+                <a:solidFill>
+                  <a:schemeClr val="tx1"/>
+                </a:solidFill>
+                <a:latin typeface="Arial" panose="020B0604020202020204" pitchFamily="34" charset="0"/>
+                <a:cs typeface="Arial" panose="020B0604020202020204" pitchFamily="34" charset="0"/>
+              </a:rPr>
+              <a:t>Do </a:t>
+            </a:r>
+            <a:r>
+              <a:rPr lang="en-US" sz="2000" dirty="0">
+                <a:solidFill>
+                  <a:schemeClr val="tx1"/>
+                </a:solidFill>
+                <a:latin typeface="Arial" panose="020B0604020202020204" pitchFamily="34" charset="0"/>
+                <a:cs typeface="Arial" panose="020B0604020202020204" pitchFamily="34" charset="0"/>
+              </a:rPr>
+              <a:t>hạn chế về thời gian cũng như ngôn ngữ nên ứng dụng của nhóm em vẫn còn thiếu sót cần hoàn thiện một số nội dung:</a:t>
+            </a:r>
+          </a:p>
+          <a:p>
+            <a:pPr marL="800100" lvl="1" indent="-342900" algn="just">
+              <a:buFont typeface="Wingdings" panose="05000000000000000000" pitchFamily="2" charset="2"/>
+              <a:buChar char="Ø"/>
+            </a:pPr>
+            <a:r>
+              <a:rPr lang="en-US" sz="2000" dirty="0">
+                <a:solidFill>
+                  <a:schemeClr val="tx1"/>
+                </a:solidFill>
+                <a:latin typeface="Arial" panose="020B0604020202020204" pitchFamily="34" charset="0"/>
+                <a:cs typeface="Arial" panose="020B0604020202020204" pitchFamily="34" charset="0"/>
+              </a:rPr>
+              <a:t>Tối ưu các chức năng của ứng dụng.</a:t>
+            </a:r>
+          </a:p>
+          <a:p>
+            <a:pPr marL="800100" lvl="1" indent="-342900" algn="just">
+              <a:buFont typeface="Wingdings" panose="05000000000000000000" pitchFamily="2" charset="2"/>
+              <a:buChar char="Ø"/>
+            </a:pPr>
+            <a:r>
+              <a:rPr lang="en-US" sz="2000" dirty="0">
+                <a:solidFill>
+                  <a:schemeClr val="tx1"/>
+                </a:solidFill>
+                <a:latin typeface="Arial" panose="020B0604020202020204" pitchFamily="34" charset="0"/>
+                <a:cs typeface="Arial" panose="020B0604020202020204" pitchFamily="34" charset="0"/>
+              </a:rPr>
+              <a:t>Hoàn thiện dữ liệu: từ vựng, âm thanh, hình ảnh.</a:t>
+            </a:r>
+          </a:p>
+          <a:p>
+            <a:pPr marL="800100" lvl="1" indent="-342900" algn="just">
+              <a:buFont typeface="Wingdings" panose="05000000000000000000" pitchFamily="2" charset="2"/>
+              <a:buChar char="Ø"/>
+            </a:pPr>
+            <a:r>
+              <a:rPr lang="en-US" sz="2000" dirty="0">
+                <a:solidFill>
+                  <a:schemeClr val="tx1"/>
+                </a:solidFill>
+                <a:latin typeface="Arial" panose="020B0604020202020204" pitchFamily="34" charset="0"/>
+                <a:cs typeface="Arial" panose="020B0604020202020204" pitchFamily="34" charset="0"/>
+              </a:rPr>
+              <a:t>Tra cứu đoạn văn bản, từ đồng nghĩa, từ trái nghĩa.</a:t>
+            </a:r>
+          </a:p>
+          <a:p>
+            <a:pPr algn="just"/>
+            <a:r>
+              <a:rPr lang="en-US" sz="2000" dirty="0">
+                <a:solidFill>
+                  <a:schemeClr val="tx1"/>
+                </a:solidFill>
+                <a:latin typeface="Arial" panose="020B0604020202020204" pitchFamily="34" charset="0"/>
+                <a:cs typeface="Arial" panose="020B0604020202020204" pitchFamily="34" charset="0"/>
+              </a:rPr>
+              <a:t>Do việc ứng dụng khoa học công nghệ vào nghiên cứu ngôn ngữ của đồng bào thiểu số </a:t>
+            </a:r>
+            <a:r>
+              <a:rPr lang="en-US" sz="2000" dirty="0" smtClean="0">
+                <a:solidFill>
+                  <a:schemeClr val="tx1"/>
+                </a:solidFill>
+                <a:latin typeface="Arial" panose="020B0604020202020204" pitchFamily="34" charset="0"/>
+                <a:cs typeface="Arial" panose="020B0604020202020204" pitchFamily="34" charset="0"/>
+              </a:rPr>
+              <a:t>chưa </a:t>
+            </a:r>
+            <a:r>
+              <a:rPr lang="en-US" sz="2000" dirty="0">
+                <a:solidFill>
+                  <a:schemeClr val="tx1"/>
+                </a:solidFill>
+                <a:latin typeface="Arial" panose="020B0604020202020204" pitchFamily="34" charset="0"/>
+                <a:cs typeface="Arial" panose="020B0604020202020204" pitchFamily="34" charset="0"/>
+              </a:rPr>
+              <a:t>được phổ biến, nên hướng phát triển của đề tài còn rộng như: </a:t>
+            </a:r>
+            <a:r>
+              <a:rPr lang="en-US" sz="2000" dirty="0" smtClean="0">
+                <a:solidFill>
+                  <a:schemeClr val="tx1"/>
+                </a:solidFill>
+                <a:latin typeface="Arial" panose="020B0604020202020204" pitchFamily="34" charset="0"/>
+                <a:cs typeface="Arial" panose="020B0604020202020204" pitchFamily="34" charset="0"/>
+              </a:rPr>
+              <a:t>dịch </a:t>
+            </a:r>
+            <a:r>
+              <a:rPr lang="en-US" sz="2000" dirty="0">
+                <a:solidFill>
+                  <a:schemeClr val="tx1"/>
+                </a:solidFill>
+                <a:latin typeface="Arial" panose="020B0604020202020204" pitchFamily="34" charset="0"/>
+                <a:cs typeface="Arial" panose="020B0604020202020204" pitchFamily="34" charset="0"/>
+              </a:rPr>
+              <a:t>tự động giữa tiếng </a:t>
+            </a:r>
+            <a:r>
+              <a:rPr lang="en-US" sz="2000" dirty="0" smtClean="0">
+                <a:solidFill>
+                  <a:schemeClr val="tx1"/>
+                </a:solidFill>
+                <a:latin typeface="Arial" panose="020B0604020202020204" pitchFamily="34" charset="0"/>
+                <a:cs typeface="Arial" panose="020B0604020202020204" pitchFamily="34" charset="0"/>
+              </a:rPr>
+              <a:t>K’Ho-Việt, </a:t>
+            </a:r>
+            <a:r>
+              <a:rPr lang="en-US" sz="2000" dirty="0">
+                <a:solidFill>
+                  <a:schemeClr val="tx1"/>
+                </a:solidFill>
+                <a:latin typeface="Arial" panose="020B0604020202020204" pitchFamily="34" charset="0"/>
+                <a:cs typeface="Arial" panose="020B0604020202020204" pitchFamily="34" charset="0"/>
+              </a:rPr>
+              <a:t>nhận dạng và tổng hợp tiếng K’Ho</a:t>
+            </a:r>
+            <a:r>
+              <a:rPr lang="en-US" sz="2000" dirty="0" smtClean="0">
+                <a:solidFill>
+                  <a:schemeClr val="tx1"/>
+                </a:solidFill>
+                <a:latin typeface="Arial" panose="020B0604020202020204" pitchFamily="34" charset="0"/>
+                <a:cs typeface="Arial" panose="020B0604020202020204" pitchFamily="34" charset="0"/>
+              </a:rPr>
+              <a:t>,…</a:t>
+            </a:r>
+            <a:endParaRPr lang="en-US" sz="2000" dirty="0">
+              <a:solidFill>
+                <a:schemeClr val="tx1"/>
+              </a:solidFill>
+              <a:latin typeface="Arial" panose="020B0604020202020204" pitchFamily="34" charset="0"/>
+              <a:cs typeface="Arial" panose="020B0604020202020204" pitchFamily="34" charset="0"/>
+            </a:endParaRPr>
+          </a:p>
+          <a:p>
+            <a:pPr marL="342900" indent="-342900" algn="l">
+              <a:buFont typeface="Wingdings" panose="05000000000000000000" pitchFamily="2" charset="2"/>
+              <a:buChar char="§"/>
+            </a:pPr>
+            <a:endParaRPr lang="en-US" sz="2000" dirty="0">
+              <a:solidFill>
+                <a:schemeClr val="tx1"/>
+              </a:solidFill>
+              <a:latin typeface="Arial" panose="020B0604020202020204" pitchFamily="34" charset="0"/>
+              <a:cs typeface="Arial" panose="020B0604020202020204" pitchFamily="34" charset="0"/>
+            </a:endParaRPr>
+          </a:p>
+          <a:p>
+            <a:pPr marL="342900" indent="-342900" algn="l">
+              <a:buFont typeface="Wingdings" panose="05000000000000000000" pitchFamily="2" charset="2"/>
+              <a:buChar char="Ø"/>
+            </a:pPr>
+            <a:endParaRPr lang="en-US" sz="2000" dirty="0" smtClean="0">
+              <a:solidFill>
+                <a:schemeClr val="tx1"/>
+              </a:solidFill>
+              <a:latin typeface="Arial" panose="020B0604020202020204" pitchFamily="34" charset="0"/>
+              <a:cs typeface="Arial" panose="020B0604020202020204" pitchFamily="34" charset="0"/>
+            </a:endParaRPr>
+          </a:p>
+        </p:txBody>
+      </p:sp>
+      <p:sp>
+        <p:nvSpPr>
+          <p:cNvPr id="3" name="Date Placeholder 2"/>
+          <p:cNvSpPr>
+            <a:spLocks noGrp="1"/>
+          </p:cNvSpPr>
+          <p:nvPr>
+            <p:ph type="dt" sz="half" idx="10"/>
+          </p:nvPr>
+        </p:nvSpPr>
+        <p:spPr/>
+        <p:txBody>
+          <a:bodyPr/>
+          <a:lstStyle/>
+          <a:p>
+            <a:r>
+              <a:rPr lang="en-US" dirty="0"/>
+              <a:t>10/13/2017</a:t>
+            </a:r>
+          </a:p>
+        </p:txBody>
+      </p:sp>
+      <p:sp>
+        <p:nvSpPr>
+          <p:cNvPr id="4" name="Footer Placeholder 3"/>
+          <p:cNvSpPr>
+            <a:spLocks noGrp="1"/>
+          </p:cNvSpPr>
+          <p:nvPr>
+            <p:ph type="ftr" sz="quarter" idx="11"/>
+          </p:nvPr>
+        </p:nvSpPr>
+        <p:spPr/>
+        <p:txBody>
+          <a:bodyPr/>
+          <a:lstStyle/>
+          <a:p>
+            <a:endParaRPr lang="en-US"/>
+          </a:p>
+        </p:txBody>
+      </p:sp>
+      <p:sp>
+        <p:nvSpPr>
+          <p:cNvPr id="5" name="Slide Number Placeholder 4"/>
+          <p:cNvSpPr>
+            <a:spLocks noGrp="1"/>
+          </p:cNvSpPr>
+          <p:nvPr>
+            <p:ph type="sldNum" sz="quarter" idx="12"/>
+          </p:nvPr>
+        </p:nvSpPr>
+        <p:spPr/>
+        <p:txBody>
+          <a:bodyPr/>
+          <a:lstStyle/>
+          <a:p>
+            <a:fld id="{FF387971-9C3B-49A6-8D58-3AFB2456A1FB}" type="slidenum">
+              <a:rPr lang="en-US" smtClean="0"/>
+              <a:t>30</a:t>
+            </a:fld>
+            <a:endParaRPr lang="en-US"/>
+          </a:p>
+        </p:txBody>
+      </p:sp>
+      <p:sp>
+        <p:nvSpPr>
+          <p:cNvPr id="6" name="Title 1"/>
+          <p:cNvSpPr txBox="1">
+            <a:spLocks/>
+          </p:cNvSpPr>
+          <p:nvPr/>
+        </p:nvSpPr>
+        <p:spPr>
+          <a:xfrm>
+            <a:off x="609600" y="1295400"/>
+            <a:ext cx="8077200" cy="4495800"/>
+          </a:xfrm>
+          <a:prstGeom prst="rect">
+            <a:avLst/>
+          </a:prstGeom>
+        </p:spPr>
+        <p:txBody>
+          <a:bodyPr vert="horz" lIns="91440" tIns="45720" rIns="91440" bIns="45720" rtlCol="0" anchor="ctr">
+            <a:normAutofit/>
+          </a:bodyPr>
+          <a:lstStyle>
+            <a:lvl1pPr algn="l" defTabSz="914400" rtl="0" eaLnBrk="1" latinLnBrk="0" hangingPunct="1">
+              <a:spcBef>
+                <a:spcPct val="0"/>
+              </a:spcBef>
+              <a:buNone/>
+              <a:defRPr sz="4400" kern="1200">
+                <a:solidFill>
+                  <a:schemeClr val="bg1"/>
+                </a:solidFill>
+                <a:latin typeface="Segoe UI Semilight" pitchFamily="34" charset="0"/>
+                <a:ea typeface="+mj-ea"/>
+                <a:cs typeface="Segoe UI Semilight" pitchFamily="34" charset="0"/>
+              </a:defRPr>
+            </a:lvl1pPr>
+          </a:lstStyle>
+          <a:p>
+            <a:pPr marL="342900" indent="-342900" algn="just">
+              <a:spcBef>
+                <a:spcPts val="1200"/>
+              </a:spcBef>
+              <a:buClr>
+                <a:schemeClr val="tx1"/>
+              </a:buClr>
+              <a:buFont typeface="Wingdings" panose="05000000000000000000" pitchFamily="2" charset="2"/>
+              <a:buChar char="Ø"/>
+            </a:pPr>
+            <a:endParaRPr lang="en-US" sz="2400" dirty="0">
+              <a:solidFill>
+                <a:schemeClr val="tx1"/>
+              </a:solidFill>
+              <a:latin typeface="Arial" panose="020B0604020202020204" pitchFamily="34" charset="0"/>
+              <a:cs typeface="Arial" panose="020B0604020202020204" pitchFamily="34" charset="0"/>
+            </a:endParaRPr>
+          </a:p>
+        </p:txBody>
+      </p:sp>
+      <p:sp>
+        <p:nvSpPr>
+          <p:cNvPr id="7" name="Title 1">
+            <a:extLst>
+              <a:ext uri="{FF2B5EF4-FFF2-40B4-BE49-F238E27FC236}">
+                <a16:creationId xmlns:a16="http://schemas.microsoft.com/office/drawing/2014/main" xmlns="" id="{A26F03AE-A5EF-4A37-AD0A-4A124D961228}"/>
               </a:ext>
             </a:extLst>
           </p:cNvPr>
@@ -8805,7 +12943,7 @@
 </p:sld>
 </file>
 
-<file path=ppt/slides/slide24.xml><?xml version="1.0" encoding="utf-8"?>
+<file path=ppt/slides/slide31.xml><?xml version="1.0" encoding="utf-8"?>
 <p:sld xmlns:a="http://schemas.openxmlformats.org/drawingml/2006/main" xmlns:r="http://schemas.openxmlformats.org/officeDocument/2006/relationships" xmlns:p="http://schemas.openxmlformats.org/presentationml/2006/main">
   <p:cSld>
     <p:spTree>
@@ -8880,7 +13018,7 @@
           <a:p>
             <a:fld id="{FF387971-9C3B-49A6-8D58-3AFB2456A1FB}" type="slidenum">
               <a:rPr lang="en-US" smtClean="0"/>
-              <a:t>24</a:t>
+              <a:t>31</a:t>
             </a:fld>
             <a:endParaRPr lang="en-US"/>
           </a:p>
@@ -8973,498 +13111,6 @@
     <p:extLst>
       <p:ext uri="{BB962C8B-B14F-4D97-AF65-F5344CB8AC3E}">
         <p14:creationId xmlns:p14="http://schemas.microsoft.com/office/powerpoint/2010/main" val="2109574064"/>
-      </p:ext>
-    </p:extLst>
-  </p:cSld>
-  <p:clrMapOvr>
-    <a:masterClrMapping/>
-  </p:clrMapOvr>
-  <p:timing>
-    <p:tnLst>
-      <p:par>
-        <p:cTn id="1" dur="indefinite" restart="never" nodeType="tmRoot"/>
-      </p:par>
-    </p:tnLst>
-  </p:timing>
-</p:sld>
-</file>
-
-<file path=ppt/slides/slide3.xml><?xml version="1.0" encoding="utf-8"?>
-<p:sld xmlns:a="http://schemas.openxmlformats.org/drawingml/2006/main" xmlns:r="http://schemas.openxmlformats.org/officeDocument/2006/relationships" xmlns:p="http://schemas.openxmlformats.org/presentationml/2006/main">
-  <p:cSld>
-    <p:spTree>
-      <p:nvGrpSpPr>
-        <p:cNvPr id="1" name=""/>
-        <p:cNvGrpSpPr/>
-        <p:nvPr/>
-      </p:nvGrpSpPr>
-      <p:grpSpPr>
-        <a:xfrm>
-          <a:off x="0" y="0"/>
-          <a:ext cx="0" cy="0"/>
-          <a:chOff x="0" y="0"/>
-          <a:chExt cx="0" cy="0"/>
-        </a:xfrm>
-      </p:grpSpPr>
-      <p:sp>
-        <p:nvSpPr>
-          <p:cNvPr id="3" name="Date Placeholder 2"/>
-          <p:cNvSpPr>
-            <a:spLocks noGrp="1"/>
-          </p:cNvSpPr>
-          <p:nvPr>
-            <p:ph type="dt" sz="half" idx="10"/>
-          </p:nvPr>
-        </p:nvSpPr>
-        <p:spPr/>
-        <p:txBody>
-          <a:bodyPr/>
-          <a:lstStyle/>
-          <a:p>
-            <a:r>
-              <a:rPr lang="en-US"/>
-              <a:t>10/13/2017</a:t>
-            </a:r>
-          </a:p>
-        </p:txBody>
-      </p:sp>
-      <p:sp>
-        <p:nvSpPr>
-          <p:cNvPr id="4" name="Footer Placeholder 3"/>
-          <p:cNvSpPr>
-            <a:spLocks noGrp="1"/>
-          </p:cNvSpPr>
-          <p:nvPr>
-            <p:ph type="ftr" sz="quarter" idx="11"/>
-          </p:nvPr>
-        </p:nvSpPr>
-        <p:spPr/>
-        <p:txBody>
-          <a:bodyPr/>
-          <a:lstStyle/>
-          <a:p>
-            <a:endParaRPr lang="en-US"/>
-          </a:p>
-        </p:txBody>
-      </p:sp>
-      <p:sp>
-        <p:nvSpPr>
-          <p:cNvPr id="5" name="Slide Number Placeholder 4"/>
-          <p:cNvSpPr>
-            <a:spLocks noGrp="1"/>
-          </p:cNvSpPr>
-          <p:nvPr>
-            <p:ph type="sldNum" sz="quarter" idx="12"/>
-          </p:nvPr>
-        </p:nvSpPr>
-        <p:spPr/>
-        <p:txBody>
-          <a:bodyPr/>
-          <a:lstStyle/>
-          <a:p>
-            <a:fld id="{FF387971-9C3B-49A6-8D58-3AFB2456A1FB}" type="slidenum">
-              <a:rPr lang="en-US" smtClean="0"/>
-              <a:t>3</a:t>
-            </a:fld>
-            <a:endParaRPr lang="en-US"/>
-          </a:p>
-        </p:txBody>
-      </p:sp>
-      <p:sp>
-        <p:nvSpPr>
-          <p:cNvPr id="6" name="Title 1"/>
-          <p:cNvSpPr txBox="1">
-            <a:spLocks/>
-          </p:cNvSpPr>
-          <p:nvPr/>
-        </p:nvSpPr>
-        <p:spPr>
-          <a:xfrm>
-            <a:off x="609600" y="1295400"/>
-            <a:ext cx="8077200" cy="4495800"/>
-          </a:xfrm>
-          <a:prstGeom prst="rect">
-            <a:avLst/>
-          </a:prstGeom>
-        </p:spPr>
-        <p:txBody>
-          <a:bodyPr vert="horz" lIns="91440" tIns="45720" rIns="91440" bIns="45720" rtlCol="0" anchor="ctr">
-            <a:normAutofit/>
-          </a:bodyPr>
-          <a:lstStyle>
-            <a:lvl1pPr algn="l" defTabSz="914400" rtl="0" eaLnBrk="1" latinLnBrk="0" hangingPunct="1">
-              <a:spcBef>
-                <a:spcPct val="0"/>
-              </a:spcBef>
-              <a:buNone/>
-              <a:defRPr sz="4400" kern="1200">
-                <a:solidFill>
-                  <a:schemeClr val="bg1"/>
-                </a:solidFill>
-                <a:latin typeface="Segoe UI Semilight" pitchFamily="34" charset="0"/>
-                <a:ea typeface="+mj-ea"/>
-                <a:cs typeface="Segoe UI Semilight" pitchFamily="34" charset="0"/>
-              </a:defRPr>
-            </a:lvl1pPr>
-          </a:lstStyle>
-          <a:p>
-            <a:pPr marL="342900" indent="-342900" algn="just">
-              <a:spcBef>
-                <a:spcPts val="1200"/>
-              </a:spcBef>
-              <a:buClr>
-                <a:schemeClr val="tx1"/>
-              </a:buClr>
-              <a:buFont typeface="Wingdings" panose="05000000000000000000" pitchFamily="2" charset="2"/>
-              <a:buChar char="Ø"/>
-            </a:pPr>
-            <a:endParaRPr lang="en-US" sz="2400" dirty="0">
-              <a:solidFill>
-                <a:schemeClr val="tx1"/>
-              </a:solidFill>
-              <a:latin typeface="Arial" panose="020B0604020202020204" pitchFamily="34" charset="0"/>
-              <a:cs typeface="Arial" panose="020B0604020202020204" pitchFamily="34" charset="0"/>
-            </a:endParaRPr>
-          </a:p>
-        </p:txBody>
-      </p:sp>
-      <p:sp>
-        <p:nvSpPr>
-          <p:cNvPr id="7" name="Title 1">
-            <a:extLst>
-              <a:ext uri="{FF2B5EF4-FFF2-40B4-BE49-F238E27FC236}">
-                <a16:creationId xmlns="" xmlns:a16="http://schemas.microsoft.com/office/drawing/2014/main" id="{A26F03AE-A5EF-4A37-AD0A-4A124D961228}"/>
-              </a:ext>
-            </a:extLst>
-          </p:cNvPr>
-          <p:cNvSpPr txBox="1">
-            <a:spLocks/>
-          </p:cNvSpPr>
-          <p:nvPr/>
-        </p:nvSpPr>
-        <p:spPr>
-          <a:xfrm>
-            <a:off x="0" y="0"/>
-            <a:ext cx="9144000" cy="884238"/>
-          </a:xfrm>
-          <a:prstGeom prst="rect">
-            <a:avLst/>
-          </a:prstGeom>
-          <a:ln w="3175">
-            <a:solidFill>
-              <a:schemeClr val="tx1"/>
-            </a:solidFill>
-          </a:ln>
-        </p:spPr>
-        <p:txBody>
-          <a:bodyPr vert="horz" lIns="91440" tIns="45720" rIns="91440" bIns="45720" rtlCol="0" anchor="ctr">
-            <a:noAutofit/>
-          </a:bodyPr>
-          <a:lstStyle>
-            <a:lvl1pPr algn="l" defTabSz="914400" rtl="0" eaLnBrk="1" latinLnBrk="0" hangingPunct="1">
-              <a:spcBef>
-                <a:spcPct val="0"/>
-              </a:spcBef>
-              <a:buNone/>
-              <a:defRPr sz="4400" kern="1200">
-                <a:solidFill>
-                  <a:schemeClr val="bg1"/>
-                </a:solidFill>
-                <a:latin typeface="Segoe UI Semilight" pitchFamily="34" charset="0"/>
-                <a:ea typeface="+mj-ea"/>
-                <a:cs typeface="Segoe UI Semilight" pitchFamily="34" charset="0"/>
-              </a:defRPr>
-            </a:lvl1pPr>
-          </a:lstStyle>
-          <a:p>
-            <a:pPr algn="ctr"/>
-            <a:r>
-              <a:rPr lang="en-US" sz="3600" dirty="0" smtClean="0">
-                <a:ln w="3175">
-                  <a:solidFill>
-                    <a:schemeClr val="accent6">
-                      <a:lumMod val="75000"/>
-                    </a:schemeClr>
-                  </a:solidFill>
-                </a:ln>
-                <a:solidFill>
-                  <a:schemeClr val="accent6">
-                    <a:lumMod val="75000"/>
-                  </a:schemeClr>
-                </a:solidFill>
-                <a:latin typeface="Arial" panose="020B0604020202020204" pitchFamily="34" charset="0"/>
-                <a:cs typeface="Arial" panose="020B0604020202020204" pitchFamily="34" charset="0"/>
-              </a:rPr>
-              <a:t>1.1 Lý do chọn đề tài</a:t>
-            </a:r>
-            <a:endParaRPr lang="en-US" sz="3600" dirty="0">
-              <a:ln w="3175">
-                <a:solidFill>
-                  <a:schemeClr val="accent6">
-                    <a:lumMod val="75000"/>
-                  </a:schemeClr>
-                </a:solidFill>
-              </a:ln>
-              <a:solidFill>
-                <a:schemeClr val="accent6">
-                  <a:lumMod val="75000"/>
-                </a:schemeClr>
-              </a:solidFill>
-              <a:latin typeface="Arial" panose="020B0604020202020204" pitchFamily="34" charset="0"/>
-              <a:cs typeface="Arial" panose="020B0604020202020204" pitchFamily="34" charset="0"/>
-            </a:endParaRPr>
-          </a:p>
-        </p:txBody>
-      </p:sp>
-      <p:sp>
-        <p:nvSpPr>
-          <p:cNvPr id="8" name="Title 1"/>
-          <p:cNvSpPr txBox="1">
-            <a:spLocks/>
-          </p:cNvSpPr>
-          <p:nvPr/>
-        </p:nvSpPr>
-        <p:spPr>
-          <a:xfrm>
-            <a:off x="762000" y="1447800"/>
-            <a:ext cx="8077200" cy="4495800"/>
-          </a:xfrm>
-          <a:prstGeom prst="rect">
-            <a:avLst/>
-          </a:prstGeom>
-        </p:spPr>
-        <p:txBody>
-          <a:bodyPr vert="horz" lIns="91440" tIns="45720" rIns="91440" bIns="45720" rtlCol="0" anchor="ctr">
-            <a:normAutofit/>
-          </a:bodyPr>
-          <a:lstStyle>
-            <a:lvl1pPr algn="l" defTabSz="914400" rtl="0" eaLnBrk="1" latinLnBrk="0" hangingPunct="1">
-              <a:spcBef>
-                <a:spcPct val="0"/>
-              </a:spcBef>
-              <a:buNone/>
-              <a:defRPr sz="4400" kern="1200">
-                <a:solidFill>
-                  <a:schemeClr val="bg1"/>
-                </a:solidFill>
-                <a:latin typeface="Segoe UI Semilight" pitchFamily="34" charset="0"/>
-                <a:ea typeface="+mj-ea"/>
-                <a:cs typeface="Segoe UI Semilight" pitchFamily="34" charset="0"/>
-              </a:defRPr>
-            </a:lvl1pPr>
-          </a:lstStyle>
-          <a:p>
-            <a:pPr marL="342900" indent="-342900" algn="just">
-              <a:spcBef>
-                <a:spcPts val="1200"/>
-              </a:spcBef>
-              <a:buClr>
-                <a:schemeClr val="tx1"/>
-              </a:buClr>
-              <a:buFont typeface="Wingdings" panose="05000000000000000000" pitchFamily="2" charset="2"/>
-              <a:buChar char="Ø"/>
-            </a:pPr>
-            <a:r>
-              <a:rPr lang="en-US" sz="2400" dirty="0">
-                <a:solidFill>
-                  <a:schemeClr val="tx1"/>
-                </a:solidFill>
-                <a:latin typeface="Arial" panose="020B0604020202020204" pitchFamily="34" charset="0"/>
-                <a:cs typeface="Arial" panose="020B0604020202020204" pitchFamily="34" charset="0"/>
-              </a:rPr>
-              <a:t>Dân tộc </a:t>
-            </a:r>
-            <a:r>
-              <a:rPr lang="en-US" sz="2400" b="1" dirty="0">
-                <a:solidFill>
-                  <a:schemeClr val="tx1"/>
-                </a:solidFill>
-                <a:latin typeface="Arial" panose="020B0604020202020204" pitchFamily="34" charset="0"/>
-                <a:cs typeface="Arial" panose="020B0604020202020204" pitchFamily="34" charset="0"/>
-              </a:rPr>
-              <a:t>K’Ho</a:t>
-            </a:r>
-            <a:r>
-              <a:rPr lang="en-US" sz="2400" dirty="0">
-                <a:solidFill>
-                  <a:schemeClr val="tx1"/>
-                </a:solidFill>
-                <a:latin typeface="Arial" panose="020B0604020202020204" pitchFamily="34" charset="0"/>
-                <a:cs typeface="Arial" panose="020B0604020202020204" pitchFamily="34" charset="0"/>
-              </a:rPr>
-              <a:t>, còn gọi là </a:t>
-            </a:r>
-            <a:r>
-              <a:rPr lang="en-US" sz="2400" b="1" dirty="0">
-                <a:solidFill>
-                  <a:schemeClr val="tx1"/>
-                </a:solidFill>
-                <a:latin typeface="Arial" panose="020B0604020202020204" pitchFamily="34" charset="0"/>
-                <a:cs typeface="Arial" panose="020B0604020202020204" pitchFamily="34" charset="0"/>
-              </a:rPr>
-              <a:t>Cờ Ho</a:t>
-            </a:r>
-            <a:r>
-              <a:rPr lang="en-US" sz="2400" dirty="0">
-                <a:solidFill>
-                  <a:schemeClr val="tx1"/>
-                </a:solidFill>
-                <a:latin typeface="Arial" panose="020B0604020202020204" pitchFamily="34" charset="0"/>
-                <a:cs typeface="Arial" panose="020B0604020202020204" pitchFamily="34" charset="0"/>
-              </a:rPr>
-              <a:t>, </a:t>
-            </a:r>
-            <a:r>
-              <a:rPr lang="en-US" sz="2400" b="1" dirty="0">
-                <a:solidFill>
-                  <a:schemeClr val="tx1"/>
-                </a:solidFill>
-                <a:latin typeface="Arial" panose="020B0604020202020204" pitchFamily="34" charset="0"/>
-                <a:cs typeface="Arial" panose="020B0604020202020204" pitchFamily="34" charset="0"/>
-              </a:rPr>
-              <a:t>Kơ </a:t>
-            </a:r>
-            <a:r>
-              <a:rPr lang="en-US" sz="2400" b="1" dirty="0" smtClean="0">
-                <a:solidFill>
-                  <a:schemeClr val="tx1"/>
-                </a:solidFill>
-                <a:latin typeface="Arial" panose="020B0604020202020204" pitchFamily="34" charset="0"/>
-                <a:cs typeface="Arial" panose="020B0604020202020204" pitchFamily="34" charset="0"/>
-              </a:rPr>
-              <a:t>Ho</a:t>
-            </a:r>
-            <a:r>
-              <a:rPr lang="en-US" sz="2400" dirty="0" smtClean="0">
-                <a:solidFill>
-                  <a:schemeClr val="tx1"/>
-                </a:solidFill>
-                <a:latin typeface="Arial" panose="020B0604020202020204" pitchFamily="34" charset="0"/>
-                <a:cs typeface="Arial" panose="020B0604020202020204" pitchFamily="34" charset="0"/>
-              </a:rPr>
-              <a:t>, hoặc</a:t>
-            </a:r>
-            <a:r>
-              <a:rPr lang="en-US" sz="2400" dirty="0">
-                <a:solidFill>
-                  <a:schemeClr val="tx1"/>
-                </a:solidFill>
-                <a:latin typeface="Arial" panose="020B0604020202020204" pitchFamily="34" charset="0"/>
-                <a:cs typeface="Arial" panose="020B0604020202020204" pitchFamily="34" charset="0"/>
-              </a:rPr>
-              <a:t> </a:t>
-            </a:r>
-            <a:r>
-              <a:rPr lang="en-US" sz="2400" b="1" dirty="0">
-                <a:solidFill>
-                  <a:schemeClr val="tx1"/>
-                </a:solidFill>
-                <a:latin typeface="Arial" panose="020B0604020202020204" pitchFamily="34" charset="0"/>
-                <a:cs typeface="Arial" panose="020B0604020202020204" pitchFamily="34" charset="0"/>
-              </a:rPr>
-              <a:t>Kơho</a:t>
-            </a:r>
-            <a:r>
-              <a:rPr lang="en-US" sz="2400" dirty="0">
-                <a:solidFill>
-                  <a:schemeClr val="tx1"/>
-                </a:solidFill>
-                <a:latin typeface="Arial" panose="020B0604020202020204" pitchFamily="34" charset="0"/>
-                <a:cs typeface="Arial" panose="020B0604020202020204" pitchFamily="34" charset="0"/>
-              </a:rPr>
-              <a:t>. </a:t>
-            </a:r>
-            <a:r>
-              <a:rPr lang="en-US" sz="2400" b="1" dirty="0">
-                <a:solidFill>
-                  <a:schemeClr val="tx1"/>
-                </a:solidFill>
-                <a:latin typeface="Arial" panose="020B0604020202020204" pitchFamily="34" charset="0"/>
-                <a:cs typeface="Arial" panose="020B0604020202020204" pitchFamily="34" charset="0"/>
-              </a:rPr>
-              <a:t>K'Ho</a:t>
-            </a:r>
-            <a:r>
-              <a:rPr lang="en-US" sz="2400" dirty="0">
-                <a:solidFill>
-                  <a:schemeClr val="tx1"/>
-                </a:solidFill>
-                <a:latin typeface="Arial" panose="020B0604020202020204" pitchFamily="34" charset="0"/>
-                <a:cs typeface="Arial" panose="020B0604020202020204" pitchFamily="34" charset="0"/>
-              </a:rPr>
-              <a:t> theo chính tả tiếng Cơ Ho.</a:t>
-            </a:r>
-          </a:p>
-          <a:p>
-            <a:pPr marL="342900" indent="-342900" algn="just">
-              <a:spcBef>
-                <a:spcPts val="1200"/>
-              </a:spcBef>
-              <a:buClr>
-                <a:schemeClr val="tx1"/>
-              </a:buClr>
-              <a:buFont typeface="Wingdings" panose="05000000000000000000" pitchFamily="2" charset="2"/>
-              <a:buChar char="Ø"/>
-            </a:pPr>
-            <a:r>
-              <a:rPr lang="en-US" sz="2400" dirty="0">
-                <a:solidFill>
-                  <a:schemeClr val="tx1"/>
-                </a:solidFill>
-                <a:latin typeface="Arial" panose="020B0604020202020204" pitchFamily="34" charset="0"/>
-                <a:cs typeface="Arial" panose="020B0604020202020204" pitchFamily="34" charset="0"/>
-              </a:rPr>
-              <a:t>Dân tộc K’Ho</a:t>
-            </a:r>
-            <a:r>
-              <a:rPr lang="en-US" sz="2400" b="1" dirty="0">
-                <a:solidFill>
-                  <a:schemeClr val="tx1"/>
-                </a:solidFill>
-                <a:latin typeface="Arial" panose="020B0604020202020204" pitchFamily="34" charset="0"/>
-                <a:cs typeface="Arial" panose="020B0604020202020204" pitchFamily="34" charset="0"/>
-              </a:rPr>
-              <a:t> </a:t>
-            </a:r>
-            <a:r>
-              <a:rPr lang="en-US" sz="2400" dirty="0">
-                <a:solidFill>
-                  <a:schemeClr val="tx1"/>
-                </a:solidFill>
-                <a:latin typeface="Arial" panose="020B0604020202020204" pitchFamily="34" charset="0"/>
-                <a:cs typeface="Arial" panose="020B0604020202020204" pitchFamily="34" charset="0"/>
-              </a:rPr>
-              <a:t>là một dân tộc trong số 54 dân tộc tại Việt Nam, là một trong những cư dân bản địa tỉnh Lâm Đồng.</a:t>
-            </a:r>
-          </a:p>
-          <a:p>
-            <a:pPr marL="342900" indent="-342900" algn="just">
-              <a:spcBef>
-                <a:spcPts val="1200"/>
-              </a:spcBef>
-              <a:buClr>
-                <a:schemeClr val="tx1"/>
-              </a:buClr>
-              <a:buFont typeface="Wingdings" panose="05000000000000000000" pitchFamily="2" charset="2"/>
-              <a:buChar char="Ø"/>
-            </a:pPr>
-            <a:r>
-              <a:rPr lang="en-US" sz="2400" dirty="0">
-                <a:solidFill>
-                  <a:schemeClr val="tx1"/>
-                </a:solidFill>
-                <a:latin typeface="Arial" panose="020B0604020202020204" pitchFamily="34" charset="0"/>
-                <a:cs typeface="Arial" panose="020B0604020202020204" pitchFamily="34" charset="0"/>
-              </a:rPr>
-              <a:t>Hiện nay, việc giao tiếp với người K’Ho còn hạn chế, việc áp dụng khoa học công nghệ vào nghiên cứu ngôn ngữ của đồng bào thiểu số cũng như việc dạy và học ngôn ngữ các dân tộc thiểu số nói chung và dân tộc K’Ho nói riêng chưa được phổ biến.</a:t>
-            </a:r>
-          </a:p>
-        </p:txBody>
-      </p:sp>
-    </p:spTree>
-    <p:extLst>
-      <p:ext uri="{BB962C8B-B14F-4D97-AF65-F5344CB8AC3E}">
-        <p14:creationId xmlns:p14="http://schemas.microsoft.com/office/powerpoint/2010/main" val="158629718"/>
       </p:ext>
     </p:extLst>
   </p:cSld>
@@ -10019,7 +13665,7 @@
           <p:cNvPr id="8" name="Title 1">
             <a:extLst>
               <a:ext uri="{FF2B5EF4-FFF2-40B4-BE49-F238E27FC236}">
-                <a16:creationId xmlns="" xmlns:a16="http://schemas.microsoft.com/office/drawing/2014/main" id="{6678819E-8E04-460E-A82B-ECE3893CFFD4}"/>
+                <a16:creationId xmlns:a16="http://schemas.microsoft.com/office/drawing/2014/main" xmlns="" id="{6678819E-8E04-460E-A82B-ECE3893CFFD4}"/>
               </a:ext>
             </a:extLst>
           </p:cNvPr>
@@ -12034,7 +15680,7 @@
           <p:cNvPr id="7" name="Title 1">
             <a:extLst>
               <a:ext uri="{FF2B5EF4-FFF2-40B4-BE49-F238E27FC236}">
-                <a16:creationId xmlns="" xmlns:a16="http://schemas.microsoft.com/office/drawing/2014/main" id="{6678819E-8E04-460E-A82B-ECE3893CFFD4}"/>
+                <a16:creationId xmlns:a16="http://schemas.microsoft.com/office/drawing/2014/main" xmlns="" id="{6678819E-8E04-460E-A82B-ECE3893CFFD4}"/>
               </a:ext>
             </a:extLst>
           </p:cNvPr>
@@ -12440,7 +16086,7 @@
           <p:cNvPr id="7" name="Title 1">
             <a:extLst>
               <a:ext uri="{FF2B5EF4-FFF2-40B4-BE49-F238E27FC236}">
-                <a16:creationId xmlns="" xmlns:a16="http://schemas.microsoft.com/office/drawing/2014/main" id="{A26F03AE-A5EF-4A37-AD0A-4A124D961228}"/>
+                <a16:creationId xmlns:a16="http://schemas.microsoft.com/office/drawing/2014/main" xmlns="" id="{A26F03AE-A5EF-4A37-AD0A-4A124D961228}"/>
               </a:ext>
             </a:extLst>
           </p:cNvPr>
@@ -12786,7 +16432,7 @@
           <p:cNvPr id="7" name="Title 1">
             <a:extLst>
               <a:ext uri="{FF2B5EF4-FFF2-40B4-BE49-F238E27FC236}">
-                <a16:creationId xmlns="" xmlns:a16="http://schemas.microsoft.com/office/drawing/2014/main" id="{68CE6783-9C0D-46BA-8D98-4A95830915D5}"/>
+                <a16:creationId xmlns:a16="http://schemas.microsoft.com/office/drawing/2014/main" xmlns="" id="{68CE6783-9C0D-46BA-8D98-4A95830915D5}"/>
               </a:ext>
             </a:extLst>
           </p:cNvPr>
@@ -12919,12 +16565,12 @@
         <p:spPr>
           <a:xfrm>
             <a:off x="457200" y="1295400"/>
-            <a:ext cx="8229600" cy="4876800"/>
+            <a:ext cx="8458200" cy="4876800"/>
           </a:xfrm>
         </p:spPr>
         <p:txBody>
           <a:bodyPr>
-            <a:normAutofit/>
+            <a:normAutofit fontScale="92500" lnSpcReduction="10000"/>
           </a:bodyPr>
           <a:lstStyle/>
           <a:p>
@@ -12940,8 +16586,57 @@
                 <a:latin typeface="Arial" panose="020B0604020202020204" pitchFamily="34" charset="0"/>
                 <a:cs typeface="Arial" panose="020B0604020202020204" pitchFamily="34" charset="0"/>
               </a:rPr>
-              <a:t>English Study Pro 2012</a:t>
-            </a:r>
+              <a:t>English Study Pro </a:t>
+            </a:r>
+            <a:r>
+              <a:rPr lang="en-US" sz="2200" dirty="0" smtClean="0">
+                <a:solidFill>
+                  <a:schemeClr val="tx1"/>
+                </a:solidFill>
+                <a:latin typeface="Arial" panose="020B0604020202020204" pitchFamily="34" charset="0"/>
+                <a:cs typeface="Arial" panose="020B0604020202020204" pitchFamily="34" charset="0"/>
+              </a:rPr>
+              <a:t>2012</a:t>
+            </a:r>
+          </a:p>
+          <a:p>
+            <a:pPr marL="800100" lvl="1" indent="-342900" algn="l">
+              <a:buFont typeface="Arial" panose="020B0604020202020204" pitchFamily="34" charset="0"/>
+              <a:buChar char="•"/>
+            </a:pPr>
+            <a:r>
+              <a:rPr lang="en-US" sz="1800" dirty="0" smtClean="0">
+                <a:solidFill>
+                  <a:schemeClr val="tx1"/>
+                </a:solidFill>
+                <a:latin typeface="Arial" panose="020B0604020202020204" pitchFamily="34" charset="0"/>
+                <a:cs typeface="Arial" panose="020B0604020202020204" pitchFamily="34" charset="0"/>
+              </a:rPr>
+              <a:t>Ưu điểm: Thuận tiện, dễ sử dụng</a:t>
+            </a:r>
+          </a:p>
+          <a:p>
+            <a:pPr marL="800100" lvl="1" indent="-342900" algn="l">
+              <a:buFont typeface="Arial" panose="020B0604020202020204" pitchFamily="34" charset="0"/>
+              <a:buChar char="•"/>
+            </a:pPr>
+            <a:r>
+              <a:rPr lang="en-US" sz="1800" dirty="0" smtClean="0">
+                <a:solidFill>
+                  <a:schemeClr val="tx1"/>
+                </a:solidFill>
+                <a:latin typeface="Arial" panose="020B0604020202020204" pitchFamily="34" charset="0"/>
+                <a:cs typeface="Arial" panose="020B0604020202020204" pitchFamily="34" charset="0"/>
+              </a:rPr>
+              <a:t>Nhược điểm: Không hỗ trợ smartphone, không hỗ trợ dạng học theo bài</a:t>
+            </a:r>
+            <a:endParaRPr lang="en-US" sz="1800" dirty="0" smtClean="0">
+              <a:solidFill>
+                <a:schemeClr val="tx1"/>
+              </a:solidFill>
+              <a:latin typeface="Arial" panose="020B0604020202020204" pitchFamily="34" charset="0"/>
+              <a:cs typeface="Arial" panose="020B0604020202020204" pitchFamily="34" charset="0"/>
+            </a:endParaRPr>
           </a:p>
           <a:p>
             <a:pPr marL="342900" lvl="0" indent="-342900" algn="l">
@@ -12956,8 +16651,57 @@
                 <a:latin typeface="Arial" panose="020B0604020202020204" pitchFamily="34" charset="0"/>
                 <a:cs typeface="Arial" panose="020B0604020202020204" pitchFamily="34" charset="0"/>
               </a:rPr>
-              <a:t>English Grammar</a:t>
-            </a:r>
+              <a:t>English </a:t>
+            </a:r>
+            <a:r>
+              <a:rPr lang="en-US" sz="2200" dirty="0" smtClean="0">
+                <a:solidFill>
+                  <a:schemeClr val="tx1"/>
+                </a:solidFill>
+                <a:latin typeface="Arial" panose="020B0604020202020204" pitchFamily="34" charset="0"/>
+                <a:cs typeface="Arial" panose="020B0604020202020204" pitchFamily="34" charset="0"/>
+              </a:rPr>
+              <a:t>Grammar</a:t>
+            </a:r>
+          </a:p>
+          <a:p>
+            <a:pPr marL="800100" lvl="1" indent="-342900" algn="l">
+              <a:buFont typeface="Arial" panose="020B0604020202020204" pitchFamily="34" charset="0"/>
+              <a:buChar char="•"/>
+            </a:pPr>
+            <a:r>
+              <a:rPr lang="en-US" sz="1800" dirty="0" smtClean="0">
+                <a:solidFill>
+                  <a:schemeClr val="tx1"/>
+                </a:solidFill>
+                <a:latin typeface="Arial" panose="020B0604020202020204" pitchFamily="34" charset="0"/>
+                <a:cs typeface="Arial" panose="020B0604020202020204" pitchFamily="34" charset="0"/>
+              </a:rPr>
+              <a:t>Ưu điểm: Nhiều chức năng giúp việc học ngữ pháp dễ dàng</a:t>
+            </a:r>
+          </a:p>
+          <a:p>
+            <a:pPr marL="800100" lvl="1" indent="-342900" algn="l">
+              <a:buFont typeface="Arial" panose="020B0604020202020204" pitchFamily="34" charset="0"/>
+              <a:buChar char="•"/>
+            </a:pPr>
+            <a:r>
+              <a:rPr lang="en-US" sz="1800" dirty="0" smtClean="0">
+                <a:solidFill>
+                  <a:schemeClr val="tx1"/>
+                </a:solidFill>
+                <a:latin typeface="Arial" panose="020B0604020202020204" pitchFamily="34" charset="0"/>
+                <a:cs typeface="Arial" panose="020B0604020202020204" pitchFamily="34" charset="0"/>
+              </a:rPr>
+              <a:t>Nhược điểm: Không hỗ trợ smartphone</a:t>
+            </a:r>
+            <a:endParaRPr lang="en-US" sz="1800" dirty="0" smtClean="0">
+              <a:solidFill>
+                <a:schemeClr val="tx1"/>
+              </a:solidFill>
+              <a:latin typeface="Arial" panose="020B0604020202020204" pitchFamily="34" charset="0"/>
+              <a:cs typeface="Arial" panose="020B0604020202020204" pitchFamily="34" charset="0"/>
+            </a:endParaRPr>
           </a:p>
           <a:p>
             <a:pPr marL="342900" indent="-342900" algn="l">
@@ -12976,6 +16720,38 @@
             </a:r>
           </a:p>
           <a:p>
+            <a:pPr marL="800100" lvl="1" indent="-342900" algn="l">
+              <a:buFont typeface="Arial" panose="020B0604020202020204" pitchFamily="34" charset="0"/>
+              <a:buChar char="•"/>
+            </a:pPr>
+            <a:r>
+              <a:rPr lang="en-US" sz="1800" dirty="0" smtClean="0">
+                <a:solidFill>
+                  <a:schemeClr val="tx1"/>
+                </a:solidFill>
+                <a:latin typeface="Arial" panose="020B0604020202020204" pitchFamily="34" charset="0"/>
+                <a:cs typeface="Arial" panose="020B0604020202020204" pitchFamily="34" charset="0"/>
+              </a:rPr>
+              <a:t>Ưu điểm: Có hỗ trợ smartphone, có âm thanh</a:t>
+            </a:r>
+          </a:p>
+          <a:p>
+            <a:pPr marL="800100" lvl="1" indent="-342900" algn="l">
+              <a:buFont typeface="Arial" panose="020B0604020202020204" pitchFamily="34" charset="0"/>
+              <a:buChar char="•"/>
+            </a:pPr>
+            <a:r>
+              <a:rPr lang="en-US" sz="1800" dirty="0" smtClean="0">
+                <a:solidFill>
+                  <a:schemeClr val="tx1"/>
+                </a:solidFill>
+                <a:latin typeface="Arial" panose="020B0604020202020204" pitchFamily="34" charset="0"/>
+                <a:cs typeface="Arial" panose="020B0604020202020204" pitchFamily="34" charset="0"/>
+              </a:rPr>
+              <a:t>Nhược điểm: Không hỗ trợ dạng học theo bài</a:t>
+            </a:r>
+          </a:p>
+          <a:p>
             <a:pPr marL="342900" indent="-342900" algn="l">
               <a:buFont typeface="Wingdings" panose="05000000000000000000" pitchFamily="2" charset="2"/>
               <a:buChar char="Ø"/>
@@ -12988,7 +16764,17 @@
                 <a:latin typeface="Arial" panose="020B0604020202020204" pitchFamily="34" charset="0"/>
                 <a:cs typeface="Arial" panose="020B0604020202020204" pitchFamily="34" charset="0"/>
               </a:rPr>
-              <a:t>Trang web </a:t>
+              <a:t>Trang </a:t>
+            </a:r>
+            <a:r>
+              <a:rPr lang="en-US" sz="2200" dirty="0" smtClean="0">
+                <a:solidFill>
+                  <a:schemeClr val="tx1"/>
+                </a:solidFill>
+                <a:latin typeface="Arial" panose="020B0604020202020204" pitchFamily="34" charset="0"/>
+                <a:cs typeface="Arial" panose="020B0604020202020204" pitchFamily="34" charset="0"/>
+              </a:rPr>
+              <a:t>web </a:t>
             </a:r>
             <a:r>
               <a:rPr lang="en-US" sz="2200" dirty="0" smtClean="0">
@@ -13010,21 +16796,37 @@
             </a:endParaRPr>
           </a:p>
           <a:p>
-            <a:pPr marL="342900" indent="-342900" algn="l">
-              <a:buFont typeface="Wingdings" panose="05000000000000000000" pitchFamily="2" charset="2"/>
-              <a:buChar char="Ø"/>
+            <a:pPr marL="800100" lvl="1" indent="-342900" algn="l">
+              <a:buFont typeface="Arial" panose="020B0604020202020204" pitchFamily="34" charset="0"/>
+              <a:buChar char="•"/>
             </a:pPr>
             <a:r>
-              <a:rPr lang="en-US" sz="2200" dirty="0" smtClean="0">
+              <a:rPr lang="en-US" sz="1800" dirty="0" smtClean="0">
                 <a:solidFill>
                   <a:schemeClr val="tx1"/>
                 </a:solidFill>
                 <a:latin typeface="Arial" panose="020B0604020202020204" pitchFamily="34" charset="0"/>
                 <a:cs typeface="Arial" panose="020B0604020202020204" pitchFamily="34" charset="0"/>
               </a:rPr>
-              <a:t>Ứng dụng học Từ Vựng Tiếng Anh</a:t>
-            </a:r>
-            <a:endParaRPr lang="en-US" sz="2200" dirty="0">
+              <a:t>Ưu điểm: Giao diện thân thiện, có hỗ trợ smartphone</a:t>
+            </a:r>
+          </a:p>
+          <a:p>
+            <a:pPr marL="800100" lvl="1" indent="-342900" algn="l">
+              <a:buFont typeface="Arial" panose="020B0604020202020204" pitchFamily="34" charset="0"/>
+              <a:buChar char="•"/>
+            </a:pPr>
+            <a:r>
+              <a:rPr lang="en-US" sz="1800" dirty="0" smtClean="0">
+                <a:solidFill>
+                  <a:schemeClr val="tx1"/>
+                </a:solidFill>
+                <a:latin typeface="Arial" panose="020B0604020202020204" pitchFamily="34" charset="0"/>
+                <a:cs typeface="Arial" panose="020B0604020202020204" pitchFamily="34" charset="0"/>
+              </a:rPr>
+              <a:t>Nhược điểm: Cần có mạng để học</a:t>
+            </a:r>
+            <a:endParaRPr lang="en-US" sz="1800" dirty="0" smtClean="0">
               <a:solidFill>
                 <a:schemeClr val="tx1"/>
               </a:solidFill>
@@ -13033,92 +16835,69 @@
             </a:endParaRPr>
           </a:p>
           <a:p>
-            <a:pPr algn="l"/>
-            <a:endParaRPr lang="en-US" sz="2200" dirty="0" smtClean="0">
+            <a:pPr marL="342900" indent="-342900" algn="l">
+              <a:buFont typeface="Wingdings" panose="05000000000000000000" pitchFamily="2" charset="2"/>
+              <a:buChar char="Ø"/>
+            </a:pPr>
+            <a:r>
+              <a:rPr lang="en-US" sz="2200" dirty="0" smtClean="0">
+                <a:solidFill>
+                  <a:schemeClr val="tx1"/>
+                </a:solidFill>
+                <a:latin typeface="Arial" panose="020B0604020202020204" pitchFamily="34" charset="0"/>
+                <a:cs typeface="Arial" panose="020B0604020202020204" pitchFamily="34" charset="0"/>
+              </a:rPr>
+              <a:t>Ứng dụng học Từ Vựng Tiếng </a:t>
+            </a:r>
+            <a:r>
+              <a:rPr lang="en-US" sz="2200" dirty="0" smtClean="0">
+                <a:solidFill>
+                  <a:schemeClr val="tx1"/>
+                </a:solidFill>
+                <a:latin typeface="Arial" panose="020B0604020202020204" pitchFamily="34" charset="0"/>
+                <a:cs typeface="Arial" panose="020B0604020202020204" pitchFamily="34" charset="0"/>
+              </a:rPr>
+              <a:t>Anh</a:t>
+            </a:r>
+          </a:p>
+          <a:p>
+            <a:pPr marL="800100" lvl="1" indent="-342900" algn="l">
+              <a:buFont typeface="Arial" panose="020B0604020202020204" pitchFamily="34" charset="0"/>
+              <a:buChar char="•"/>
+            </a:pPr>
+            <a:r>
+              <a:rPr lang="en-US" sz="1800" dirty="0" smtClean="0">
+                <a:solidFill>
+                  <a:schemeClr val="tx1"/>
+                </a:solidFill>
+                <a:latin typeface="Arial" panose="020B0604020202020204" pitchFamily="34" charset="0"/>
+                <a:cs typeface="Arial" panose="020B0604020202020204" pitchFamily="34" charset="0"/>
+              </a:rPr>
+              <a:t>Ưu điểm: Chia từ vựng thành nhiều nhóm nhỏ.giúp người dùng dễ học</a:t>
+            </a:r>
+          </a:p>
+          <a:p>
+            <a:pPr marL="800100" lvl="1" indent="-342900" algn="l">
+              <a:buFont typeface="Arial" panose="020B0604020202020204" pitchFamily="34" charset="0"/>
+              <a:buChar char="•"/>
+            </a:pPr>
+            <a:r>
+              <a:rPr lang="en-US" sz="1800" dirty="0" smtClean="0">
+                <a:solidFill>
+                  <a:schemeClr val="tx1"/>
+                </a:solidFill>
+                <a:latin typeface="Arial" panose="020B0604020202020204" pitchFamily="34" charset="0"/>
+                <a:cs typeface="Arial" panose="020B0604020202020204" pitchFamily="34" charset="0"/>
+              </a:rPr>
+              <a:t>Nhược điểm: Không hỗ trợ trên PC</a:t>
+            </a:r>
+            <a:endParaRPr lang="en-US" sz="1800" dirty="0">
               <a:solidFill>
                 <a:schemeClr val="tx1"/>
               </a:solidFill>
               <a:latin typeface="Arial" panose="020B0604020202020204" pitchFamily="34" charset="0"/>
               <a:cs typeface="Arial" panose="020B0604020202020204" pitchFamily="34" charset="0"/>
             </a:endParaRPr>
-          </a:p>
-          <a:p>
-            <a:pPr algn="l"/>
-            <a:r>
-              <a:rPr lang="en-US" sz="2200" dirty="0" smtClean="0">
-                <a:solidFill>
-                  <a:schemeClr val="tx1"/>
-                </a:solidFill>
-                <a:latin typeface="Arial" panose="020B0604020202020204" pitchFamily="34" charset="0"/>
-                <a:cs typeface="Arial" panose="020B0604020202020204" pitchFamily="34" charset="0"/>
-              </a:rPr>
-              <a:t>Đề xuất</a:t>
-            </a:r>
-            <a:r>
-              <a:rPr lang="en-US" sz="2200" dirty="0" smtClean="0">
-                <a:solidFill>
-                  <a:schemeClr val="tx1"/>
-                </a:solidFill>
-                <a:latin typeface="Arial" panose="020B0604020202020204" pitchFamily="34" charset="0"/>
-                <a:cs typeface="Arial" panose="020B0604020202020204" pitchFamily="34" charset="0"/>
-              </a:rPr>
-              <a:t>Ưu </a:t>
-            </a:r>
-            <a:r>
-              <a:rPr lang="en-US" sz="2200" dirty="0" smtClean="0">
-                <a:solidFill>
-                  <a:schemeClr val="tx1"/>
-                </a:solidFill>
-                <a:latin typeface="Arial" panose="020B0604020202020204" pitchFamily="34" charset="0"/>
-                <a:cs typeface="Arial" panose="020B0604020202020204" pitchFamily="34" charset="0"/>
-              </a:rPr>
-              <a:t>điểm:</a:t>
-            </a:r>
-          </a:p>
-          <a:p>
-            <a:pPr marL="342900" indent="-342900" algn="l">
-              <a:buFont typeface="Wingdings" panose="05000000000000000000" pitchFamily="2" charset="2"/>
-              <a:buChar char="§"/>
-            </a:pPr>
-            <a:r>
-              <a:rPr lang="en-US" sz="2200" dirty="0" smtClean="0">
-                <a:solidFill>
-                  <a:schemeClr val="tx1"/>
-                </a:solidFill>
-                <a:latin typeface="Arial" panose="020B0604020202020204" pitchFamily="34" charset="0"/>
-                <a:cs typeface="Arial" panose="020B0604020202020204" pitchFamily="34" charset="0"/>
-              </a:rPr>
-              <a:t>Giao diện thân thiện, thuận tiện cho người sử dụng</a:t>
-            </a:r>
-          </a:p>
-          <a:p>
-            <a:pPr algn="l"/>
-            <a:r>
-              <a:rPr lang="en-US" sz="2200" dirty="0" smtClean="0">
-                <a:solidFill>
-                  <a:schemeClr val="tx1"/>
-                </a:solidFill>
-                <a:latin typeface="Arial" panose="020B0604020202020204" pitchFamily="34" charset="0"/>
-                <a:cs typeface="Arial" panose="020B0604020202020204" pitchFamily="34" charset="0"/>
-              </a:rPr>
-              <a:t>Nhược điểm:</a:t>
-            </a:r>
-          </a:p>
-          <a:p>
-            <a:pPr marL="342900" indent="-342900" algn="l">
-              <a:buFont typeface="Wingdings" panose="05000000000000000000" pitchFamily="2" charset="2"/>
-              <a:buChar char="§"/>
-            </a:pPr>
-            <a:r>
-              <a:rPr lang="en-US" sz="2200" dirty="0" smtClean="0">
-                <a:solidFill>
-                  <a:schemeClr val="tx1"/>
-                </a:solidFill>
-                <a:latin typeface="Arial" panose="020B0604020202020204" pitchFamily="34" charset="0"/>
-                <a:cs typeface="Arial" panose="020B0604020202020204" pitchFamily="34" charset="0"/>
-              </a:rPr>
-              <a:t>Không hỗ trợ dạng học theo bài</a:t>
-            </a:r>
           </a:p>
         </p:txBody>
       </p:sp>
@@ -13247,7 +17026,7 @@
           <p:cNvPr id="7" name="Title 1">
             <a:extLst>
               <a:ext uri="{FF2B5EF4-FFF2-40B4-BE49-F238E27FC236}">
-                <a16:creationId xmlns="" xmlns:a16="http://schemas.microsoft.com/office/drawing/2014/main" id="{68CE6783-9C0D-46BA-8D98-4A95830915D5}"/>
+                <a16:creationId xmlns:a16="http://schemas.microsoft.com/office/drawing/2014/main" xmlns="" id="{68CE6783-9C0D-46BA-8D98-4A95830915D5}"/>
               </a:ext>
             </a:extLst>
           </p:cNvPr>
@@ -13333,7 +17112,7 @@
     </p:spTree>
     <p:extLst>
       <p:ext uri="{BB962C8B-B14F-4D97-AF65-F5344CB8AC3E}">
-        <p14:creationId xmlns:p14="http://schemas.microsoft.com/office/powerpoint/2010/main" val="1213822380"/>
+        <p14:creationId xmlns:p14="http://schemas.microsoft.com/office/powerpoint/2010/main" val="3742511004"/>
       </p:ext>
     </p:extLst>
   </p:cSld>

--- a/THESIS/DACN_UD_Hoc_KHo_CTK37_BaoCao_D3.pptx
+++ b/THESIS/DACN_UD_Hoc_KHo_CTK37_BaoCao_D3.pptx
@@ -242,7 +242,7 @@
           <a:p>
             <a:fld id="{5F3C816B-6264-4CFF-B007-776089C8006A}" type="datetimeFigureOut">
               <a:rPr lang="en-US" smtClean="0"/>
-              <a:t>12/5/2017</a:t>
+              <a:t>12/6/2017</a:t>
             </a:fld>
             <a:endParaRPr lang="en-US"/>
           </a:p>
@@ -3660,7 +3660,7 @@
         <p:spPr>
           <a:xfrm>
             <a:off x="457200" y="2254250"/>
-            <a:ext cx="8021471" cy="1041686"/>
+            <a:ext cx="8229600" cy="1041686"/>
           </a:xfrm>
           <a:prstGeom prst="rect">
             <a:avLst/>
@@ -3717,28 +3717,11 @@
                 <a:solidFill>
                   <a:srgbClr val="C00000"/>
                 </a:solidFill>
-                <a:latin typeface="Segoe UI Light" pitchFamily="34" charset="0"/>
-                <a:cs typeface="Segoe UI Light" pitchFamily="34" charset="0"/>
-              </a:rPr>
-              <a:t>Xây Dựng Ứng Dụng Học </a:t>
-            </a:r>
-            <a:r>
-              <a:rPr lang="en-US" sz="3200" b="1">
-                <a:solidFill>
-                  <a:srgbClr val="C00000"/>
-                </a:solidFill>
-                <a:latin typeface="Segoe UI Light" pitchFamily="34" charset="0"/>
-                <a:cs typeface="Segoe UI Light" pitchFamily="34" charset="0"/>
-              </a:rPr>
-              <a:t>Tiếng K’Ho</a:t>
-            </a:r>
-            <a:endParaRPr lang="en-US" sz="3200" b="1" dirty="0">
-              <a:solidFill>
-                <a:srgbClr val="C00000"/>
-              </a:solidFill>
-              <a:latin typeface="Segoe UI Light" pitchFamily="34" charset="0"/>
-              <a:cs typeface="Segoe UI Light" pitchFamily="34" charset="0"/>
-            </a:endParaRPr>
+                <a:latin typeface="Times New Roman" panose="02020603050405020304" pitchFamily="18" charset="0"/>
+                <a:cs typeface="Times New Roman" panose="02020603050405020304" pitchFamily="18" charset="0"/>
+              </a:rPr>
+              <a:t>Xây Dựng Ứng Dụng Học Tiếng K’Ho</a:t>
+            </a:r>
           </a:p>
         </p:txBody>
       </p:sp>
@@ -3915,10 +3898,16 @@
           <a:lstStyle/>
           <a:p>
             <a:r>
-              <a:rPr lang="vi-VN" sz="1400"/>
-              <a:t>13/10/2017</a:t>
-            </a:r>
-            <a:endParaRPr lang="en-US" sz="1400" dirty="0"/>
+              <a:rPr lang="en-US" sz="1600" dirty="0" smtClean="0">
+                <a:latin typeface="Times New Roman" panose="02020603050405020304" pitchFamily="18" charset="0"/>
+                <a:cs typeface="Times New Roman" panose="02020603050405020304" pitchFamily="18" charset="0"/>
+              </a:rPr>
+              <a:t>12/2017</a:t>
+            </a:r>
+            <a:endParaRPr lang="en-US" sz="1600" dirty="0">
+              <a:latin typeface="Times New Roman" panose="02020603050405020304" pitchFamily="18" charset="0"/>
+              <a:cs typeface="Times New Roman" panose="02020603050405020304" pitchFamily="18" charset="0"/>
+            </a:endParaRPr>
           </a:p>
         </p:txBody>
       </p:sp>
@@ -6294,26 +6283,7 @@
                 <a:latin typeface="Arial" panose="020B0604020202020204" pitchFamily="34" charset="0"/>
                 <a:cs typeface="Arial" panose="020B0604020202020204" pitchFamily="34" charset="0"/>
               </a:rPr>
-              <a:t>3.5.1 </a:t>
-            </a:r>
-            <a:r>
-              <a:rPr lang="en-US" sz="3600" dirty="0" smtClean="0">
-                <a:ln w="3175">
-                  <a:solidFill>
-                    <a:schemeClr val="accent6">
-                      <a:lumMod val="75000"/>
-                    </a:schemeClr>
-                  </a:solidFill>
-                </a:ln>
-                <a:solidFill>
-                  <a:schemeClr val="accent6">
-                    <a:lumMod val="75000"/>
-                  </a:schemeClr>
-                </a:solidFill>
-                <a:latin typeface="Arial" panose="020B0604020202020204" pitchFamily="34" charset="0"/>
-                <a:cs typeface="Arial" panose="020B0604020202020204" pitchFamily="34" charset="0"/>
-              </a:rPr>
-              <a:t>Đề xuất giao diện và các chức năng</a:t>
+              <a:t>3.5.1 Đề xuất giao diện và các chức năng</a:t>
             </a:r>
             <a:endParaRPr lang="en-US" sz="3600" dirty="0">
               <a:ln w="3175">
@@ -6769,7 +6739,7 @@
           <a:p>
             <a:pPr algn="ctr"/>
             <a:r>
-              <a:rPr lang="en-US" sz="3600" dirty="0" smtClean="0">
+              <a:rPr lang="en-US" sz="3200" dirty="0" smtClean="0">
                 <a:ln w="3175">
                   <a:solidFill>
                     <a:schemeClr val="accent6">
@@ -6785,28 +6755,9 @@
                 <a:latin typeface="Arial" panose="020B0604020202020204" pitchFamily="34" charset="0"/>
                 <a:cs typeface="Arial" panose="020B0604020202020204" pitchFamily="34" charset="0"/>
               </a:rPr>
-              <a:t>3.5.1 </a:t>
-            </a:r>
-            <a:r>
-              <a:rPr lang="en-US" sz="3600" dirty="0" smtClean="0">
-                <a:ln w="3175">
-                  <a:solidFill>
-                    <a:schemeClr val="accent6">
-                      <a:lumMod val="75000"/>
-                    </a:schemeClr>
-                  </a:solidFill>
-                </a:ln>
-                <a:solidFill>
-                  <a:schemeClr val="accent6">
-                    <a:lumMod val="75000"/>
-                  </a:schemeClr>
-                </a:solidFill>
-                <a:latin typeface="Arial" panose="020B0604020202020204" pitchFamily="34" charset="0"/>
-                <a:cs typeface="Arial" panose="020B0604020202020204" pitchFamily="34" charset="0"/>
-              </a:rPr>
-              <a:t>Đề xuất giao diện và các chức năng</a:t>
-            </a:r>
-            <a:endParaRPr lang="en-US" sz="3600" dirty="0">
+              <a:t>3.5.1 Đề xuất giao diện và các chức năng (tt)</a:t>
+            </a:r>
+            <a:endParaRPr lang="en-US" sz="3200" dirty="0">
               <a:ln w="3175">
                 <a:solidFill>
                   <a:schemeClr val="accent6">
@@ -7013,13 +6964,6 @@
               </a:rPr>
               <a:t>Giao diện danh sách bài học</a:t>
             </a:r>
-            <a:endParaRPr lang="en-US" sz="2400" dirty="0" smtClean="0">
-              <a:solidFill>
-                <a:schemeClr val="tx1"/>
-              </a:solidFill>
-              <a:latin typeface="Arial" panose="020B0604020202020204" pitchFamily="34" charset="0"/>
-              <a:cs typeface="Arial" panose="020B0604020202020204" pitchFamily="34" charset="0"/>
-            </a:endParaRPr>
           </a:p>
         </p:txBody>
       </p:sp>
@@ -7277,26 +7221,7 @@
                 <a:latin typeface="Arial" panose="020B0604020202020204" pitchFamily="34" charset="0"/>
                 <a:cs typeface="Arial" panose="020B0604020202020204" pitchFamily="34" charset="0"/>
               </a:rPr>
-              <a:t>3.5.1 </a:t>
-            </a:r>
-            <a:r>
-              <a:rPr lang="en-US" sz="3600" dirty="0" smtClean="0">
-                <a:ln w="3175">
-                  <a:solidFill>
-                    <a:schemeClr val="accent6">
-                      <a:lumMod val="75000"/>
-                    </a:schemeClr>
-                  </a:solidFill>
-                </a:ln>
-                <a:solidFill>
-                  <a:schemeClr val="accent6">
-                    <a:lumMod val="75000"/>
-                  </a:schemeClr>
-                </a:solidFill>
-                <a:latin typeface="Arial" panose="020B0604020202020204" pitchFamily="34" charset="0"/>
-                <a:cs typeface="Arial" panose="020B0604020202020204" pitchFamily="34" charset="0"/>
-              </a:rPr>
-              <a:t>Đề xuất giao diện và các chức năng</a:t>
+              <a:t>3.5.1 Đề xuất giao diện và các chức năng</a:t>
             </a:r>
             <a:endParaRPr lang="en-US" sz="3600" dirty="0">
               <a:ln w="3175">
@@ -7505,13 +7430,6 @@
               </a:rPr>
               <a:t>Giao diện chi tiết bài học</a:t>
             </a:r>
-            <a:endParaRPr lang="en-US" sz="2400" dirty="0" smtClean="0">
-              <a:solidFill>
-                <a:schemeClr val="tx1"/>
-              </a:solidFill>
-              <a:latin typeface="Arial" panose="020B0604020202020204" pitchFamily="34" charset="0"/>
-              <a:cs typeface="Arial" panose="020B0604020202020204" pitchFamily="34" charset="0"/>
-            </a:endParaRPr>
           </a:p>
         </p:txBody>
       </p:sp>
@@ -7769,26 +7687,7 @@
                 <a:latin typeface="Arial" panose="020B0604020202020204" pitchFamily="34" charset="0"/>
                 <a:cs typeface="Arial" panose="020B0604020202020204" pitchFamily="34" charset="0"/>
               </a:rPr>
-              <a:t>3.5.1 </a:t>
-            </a:r>
-            <a:r>
-              <a:rPr lang="en-US" sz="3600" dirty="0" smtClean="0">
-                <a:ln w="3175">
-                  <a:solidFill>
-                    <a:schemeClr val="accent6">
-                      <a:lumMod val="75000"/>
-                    </a:schemeClr>
-                  </a:solidFill>
-                </a:ln>
-                <a:solidFill>
-                  <a:schemeClr val="accent6">
-                    <a:lumMod val="75000"/>
-                  </a:schemeClr>
-                </a:solidFill>
-                <a:latin typeface="Arial" panose="020B0604020202020204" pitchFamily="34" charset="0"/>
-                <a:cs typeface="Arial" panose="020B0604020202020204" pitchFamily="34" charset="0"/>
-              </a:rPr>
-              <a:t>Đề xuất giao diện và các chức năng</a:t>
+              <a:t>3.5.1 Đề xuất giao diện và các chức năng</a:t>
             </a:r>
             <a:endParaRPr lang="en-US" sz="3600" dirty="0">
               <a:ln w="3175">
@@ -7997,13 +7896,6 @@
               </a:rPr>
               <a:t>Giao diện danh sách ngữ pháp</a:t>
             </a:r>
-            <a:endParaRPr lang="en-US" sz="2400" dirty="0" smtClean="0">
-              <a:solidFill>
-                <a:schemeClr val="tx1"/>
-              </a:solidFill>
-              <a:latin typeface="Arial" panose="020B0604020202020204" pitchFamily="34" charset="0"/>
-              <a:cs typeface="Arial" panose="020B0604020202020204" pitchFamily="34" charset="0"/>
-            </a:endParaRPr>
           </a:p>
         </p:txBody>
       </p:sp>
@@ -8261,26 +8153,7 @@
                 <a:latin typeface="Arial" panose="020B0604020202020204" pitchFamily="34" charset="0"/>
                 <a:cs typeface="Arial" panose="020B0604020202020204" pitchFamily="34" charset="0"/>
               </a:rPr>
-              <a:t>3.5.1 </a:t>
-            </a:r>
-            <a:r>
-              <a:rPr lang="en-US" sz="3600" dirty="0" smtClean="0">
-                <a:ln w="3175">
-                  <a:solidFill>
-                    <a:schemeClr val="accent6">
-                      <a:lumMod val="75000"/>
-                    </a:schemeClr>
-                  </a:solidFill>
-                </a:ln>
-                <a:solidFill>
-                  <a:schemeClr val="accent6">
-                    <a:lumMod val="75000"/>
-                  </a:schemeClr>
-                </a:solidFill>
-                <a:latin typeface="Arial" panose="020B0604020202020204" pitchFamily="34" charset="0"/>
-                <a:cs typeface="Arial" panose="020B0604020202020204" pitchFamily="34" charset="0"/>
-              </a:rPr>
-              <a:t>Đề xuất giao diện và các chức năng</a:t>
+              <a:t>3.5.1 Đề xuất giao diện và các chức năng</a:t>
             </a:r>
             <a:endParaRPr lang="en-US" sz="3600" dirty="0">
               <a:ln w="3175">
@@ -8489,13 +8362,6 @@
               </a:rPr>
               <a:t>Giao diện chi tiết ngữ pháp</a:t>
             </a:r>
-            <a:endParaRPr lang="en-US" sz="2400" dirty="0" smtClean="0">
-              <a:solidFill>
-                <a:schemeClr val="tx1"/>
-              </a:solidFill>
-              <a:latin typeface="Arial" panose="020B0604020202020204" pitchFamily="34" charset="0"/>
-              <a:cs typeface="Arial" panose="020B0604020202020204" pitchFamily="34" charset="0"/>
-            </a:endParaRPr>
           </a:p>
         </p:txBody>
       </p:sp>
@@ -9138,26 +9004,7 @@
                 <a:latin typeface="Arial" panose="020B0604020202020204" pitchFamily="34" charset="0"/>
                 <a:cs typeface="Arial" panose="020B0604020202020204" pitchFamily="34" charset="0"/>
               </a:rPr>
-              <a:t>3.5.1 </a:t>
-            </a:r>
-            <a:r>
-              <a:rPr lang="en-US" sz="3600" dirty="0" smtClean="0">
-                <a:ln w="3175">
-                  <a:solidFill>
-                    <a:schemeClr val="accent6">
-                      <a:lumMod val="75000"/>
-                    </a:schemeClr>
-                  </a:solidFill>
-                </a:ln>
-                <a:solidFill>
-                  <a:schemeClr val="accent6">
-                    <a:lumMod val="75000"/>
-                  </a:schemeClr>
-                </a:solidFill>
-                <a:latin typeface="Arial" panose="020B0604020202020204" pitchFamily="34" charset="0"/>
-                <a:cs typeface="Arial" panose="020B0604020202020204" pitchFamily="34" charset="0"/>
-              </a:rPr>
-              <a:t>Đề xuất giao diện và các chức năng</a:t>
+              <a:t>3.5.1 Đề xuất giao diện và các chức năng</a:t>
             </a:r>
             <a:endParaRPr lang="en-US" sz="3600" dirty="0">
               <a:ln w="3175">
@@ -9366,13 +9213,6 @@
               </a:rPr>
               <a:t>Giao diện luyện tập</a:t>
             </a:r>
-            <a:endParaRPr lang="en-US" sz="2400" dirty="0" smtClean="0">
-              <a:solidFill>
-                <a:schemeClr val="tx1"/>
-              </a:solidFill>
-              <a:latin typeface="Arial" panose="020B0604020202020204" pitchFamily="34" charset="0"/>
-              <a:cs typeface="Arial" panose="020B0604020202020204" pitchFamily="34" charset="0"/>
-            </a:endParaRPr>
           </a:p>
         </p:txBody>
       </p:sp>
@@ -9592,13 +9432,6 @@
               </a:rPr>
               <a:t>Giao diện câu hỏi</a:t>
             </a:r>
-            <a:endParaRPr lang="en-US" sz="2400" dirty="0" smtClean="0">
-              <a:solidFill>
-                <a:schemeClr val="tx1"/>
-              </a:solidFill>
-              <a:latin typeface="Arial" panose="020B0604020202020204" pitchFamily="34" charset="0"/>
-              <a:cs typeface="Arial" panose="020B0604020202020204" pitchFamily="34" charset="0"/>
-            </a:endParaRPr>
           </a:p>
         </p:txBody>
       </p:sp>
@@ -9856,26 +9689,7 @@
                 <a:latin typeface="Arial" panose="020B0604020202020204" pitchFamily="34" charset="0"/>
                 <a:cs typeface="Arial" panose="020B0604020202020204" pitchFamily="34" charset="0"/>
               </a:rPr>
-              <a:t>3.5.1 </a:t>
-            </a:r>
-            <a:r>
-              <a:rPr lang="en-US" sz="3600" dirty="0" smtClean="0">
-                <a:ln w="3175">
-                  <a:solidFill>
-                    <a:schemeClr val="accent6">
-                      <a:lumMod val="75000"/>
-                    </a:schemeClr>
-                  </a:solidFill>
-                </a:ln>
-                <a:solidFill>
-                  <a:schemeClr val="accent6">
-                    <a:lumMod val="75000"/>
-                  </a:schemeClr>
-                </a:solidFill>
-                <a:latin typeface="Arial" panose="020B0604020202020204" pitchFamily="34" charset="0"/>
-                <a:cs typeface="Arial" panose="020B0604020202020204" pitchFamily="34" charset="0"/>
-              </a:rPr>
-              <a:t>Đề xuất giao diện và các chức năng</a:t>
+              <a:t>3.5.1 Đề xuất giao diện và các chức năng</a:t>
             </a:r>
             <a:endParaRPr lang="en-US" sz="3600" dirty="0">
               <a:ln w="3175">
@@ -10084,13 +9898,6 @@
               </a:rPr>
               <a:t>Giao diện từ điển</a:t>
             </a:r>
-            <a:endParaRPr lang="en-US" sz="2400" dirty="0" smtClean="0">
-              <a:solidFill>
-                <a:schemeClr val="tx1"/>
-              </a:solidFill>
-              <a:latin typeface="Arial" panose="020B0604020202020204" pitchFamily="34" charset="0"/>
-              <a:cs typeface="Arial" panose="020B0604020202020204" pitchFamily="34" charset="0"/>
-            </a:endParaRPr>
           </a:p>
         </p:txBody>
       </p:sp>
@@ -11857,6 +11664,13 @@
   <p:clrMapOvr>
     <a:masterClrMapping/>
   </p:clrMapOvr>
+  <p:timing>
+    <p:tnLst>
+      <p:par>
+        <p:cTn id="1" dur="indefinite" restart="never" nodeType="tmRoot"/>
+      </p:par>
+    </p:tnLst>
+  </p:timing>
 </p:sld>
 </file>
 
@@ -12393,7 +12207,7 @@
           <a:p>
             <a:pPr marL="342900" indent="-342900" algn="l">
               <a:buFont typeface="Wingdings" panose="05000000000000000000" pitchFamily="2" charset="2"/>
-              <a:buChar char="Ø"/>
+              <a:buChar char="§"/>
             </a:pPr>
             <a:r>
               <a:rPr lang="en-US" sz="2000" dirty="0" smtClean="0">
@@ -12403,7 +12217,47 @@
                 <a:latin typeface="Arial" panose="020B0604020202020204" pitchFamily="34" charset="0"/>
                 <a:cs typeface="Arial" panose="020B0604020202020204" pitchFamily="34" charset="0"/>
               </a:rPr>
-              <a:t>Kết luận:</a:t>
+              <a:t>Kết </a:t>
+            </a:r>
+            <a:r>
+              <a:rPr lang="en-US" sz="2000" dirty="0">
+                <a:solidFill>
+                  <a:schemeClr val="tx1"/>
+                </a:solidFill>
+                <a:latin typeface="Arial" panose="020B0604020202020204" pitchFamily="34" charset="0"/>
+                <a:cs typeface="Arial" panose="020B0604020202020204" pitchFamily="34" charset="0"/>
+              </a:rPr>
+              <a:t>quả </a:t>
+            </a:r>
+            <a:r>
+              <a:rPr lang="en-US" sz="2000" dirty="0" smtClean="0">
+                <a:solidFill>
+                  <a:schemeClr val="tx1"/>
+                </a:solidFill>
+                <a:latin typeface="Arial" panose="020B0604020202020204" pitchFamily="34" charset="0"/>
+                <a:cs typeface="Arial" panose="020B0604020202020204" pitchFamily="34" charset="0"/>
+              </a:rPr>
+              <a:t>đã đạt như </a:t>
+            </a:r>
+            <a:r>
+              <a:rPr lang="en-US" sz="2000" dirty="0">
+                <a:solidFill>
+                  <a:schemeClr val="tx1"/>
+                </a:solidFill>
+                <a:latin typeface="Arial" panose="020B0604020202020204" pitchFamily="34" charset="0"/>
+                <a:cs typeface="Arial" panose="020B0604020202020204" pitchFamily="34" charset="0"/>
+              </a:rPr>
+              <a:t>sau: Củng cố lại kiến thức đã được học, tìm hiểu một số công nghệ mới, xây dựng được ứng dụng</a:t>
+            </a:r>
+            <a:r>
+              <a:rPr lang="en-US" sz="2000" dirty="0" smtClean="0">
+                <a:solidFill>
+                  <a:schemeClr val="tx1"/>
+                </a:solidFill>
+                <a:latin typeface="Arial" panose="020B0604020202020204" pitchFamily="34" charset="0"/>
+                <a:cs typeface="Arial" panose="020B0604020202020204" pitchFamily="34" charset="0"/>
+              </a:rPr>
+              <a:t>.</a:t>
             </a:r>
           </a:p>
           <a:p>
@@ -12419,7 +12273,7 @@
                 <a:latin typeface="Arial" panose="020B0604020202020204" pitchFamily="34" charset="0"/>
                 <a:cs typeface="Arial" panose="020B0604020202020204" pitchFamily="34" charset="0"/>
               </a:rPr>
-              <a:t>Kết </a:t>
+              <a:t>Ứng dụng </a:t>
             </a:r>
             <a:r>
               <a:rPr lang="en-US" sz="2000" dirty="0">
@@ -12429,7 +12283,7 @@
                 <a:latin typeface="Arial" panose="020B0604020202020204" pitchFamily="34" charset="0"/>
                 <a:cs typeface="Arial" panose="020B0604020202020204" pitchFamily="34" charset="0"/>
               </a:rPr>
-              <a:t>quả </a:t>
+              <a:t>học </a:t>
             </a:r>
             <a:r>
               <a:rPr lang="en-US" sz="2000" dirty="0" smtClean="0">
@@ -12439,7 +12293,7 @@
                 <a:latin typeface="Arial" panose="020B0604020202020204" pitchFamily="34" charset="0"/>
                 <a:cs typeface="Arial" panose="020B0604020202020204" pitchFamily="34" charset="0"/>
               </a:rPr>
-              <a:t>đã đạt như </a:t>
+              <a:t>K’Ho đã được xây dựng thành công, có </a:t>
             </a:r>
             <a:r>
               <a:rPr lang="en-US" sz="2000" dirty="0">
@@ -12449,18 +12303,15 @@
                 <a:latin typeface="Arial" panose="020B0604020202020204" pitchFamily="34" charset="0"/>
                 <a:cs typeface="Arial" panose="020B0604020202020204" pitchFamily="34" charset="0"/>
               </a:rPr>
-              <a:t>sau: Củng cố lại kiến thức đã được học, tìm hiểu một số công nghệ mới, xây dựng được ứng dụng</a:t>
-            </a:r>
-            <a:r>
-              <a:rPr lang="en-US" sz="2000" dirty="0" smtClean="0">
-                <a:solidFill>
-                  <a:schemeClr val="tx1"/>
-                </a:solidFill>
-                <a:latin typeface="Arial" panose="020B0604020202020204" pitchFamily="34" charset="0"/>
-                <a:cs typeface="Arial" panose="020B0604020202020204" pitchFamily="34" charset="0"/>
-              </a:rPr>
-              <a:t>.</a:t>
-            </a:r>
+              <a:t>các chức năng cơ bản của ứng dụng học ngôn ngữ.</a:t>
+            </a:r>
+            <a:endParaRPr lang="en-US" sz="2000" dirty="0" smtClean="0">
+              <a:solidFill>
+                <a:schemeClr val="tx1"/>
+              </a:solidFill>
+              <a:latin typeface="Arial" panose="020B0604020202020204" pitchFamily="34" charset="0"/>
+              <a:cs typeface="Arial" panose="020B0604020202020204" pitchFamily="34" charset="0"/>
+            </a:endParaRPr>
           </a:p>
           <a:p>
             <a:pPr marL="342900" indent="-342900" algn="l">
@@ -12475,7 +12326,7 @@
                 <a:latin typeface="Arial" panose="020B0604020202020204" pitchFamily="34" charset="0"/>
                 <a:cs typeface="Arial" panose="020B0604020202020204" pitchFamily="34" charset="0"/>
               </a:rPr>
-              <a:t>Ứng </a:t>
+              <a:t>Hy vọng ứng </a:t>
             </a:r>
             <a:r>
               <a:rPr lang="en-US" sz="2000" dirty="0">
@@ -12485,7 +12336,7 @@
                 <a:latin typeface="Arial" panose="020B0604020202020204" pitchFamily="34" charset="0"/>
                 <a:cs typeface="Arial" panose="020B0604020202020204" pitchFamily="34" charset="0"/>
               </a:rPr>
-              <a:t>dụng học K’Ho là ứng dụng hữu ích phục vụ cho việc phục vụ cho việc dạy, học tập và tìm hiểu về dân tộc K’Ho. Có các chức năng cơ bản của ứng dụng học ngôn ngữ</a:t>
+              <a:t>dụng học K’Ho </a:t>
             </a:r>
             <a:r>
               <a:rPr lang="en-US" sz="2000" dirty="0" smtClean="0">
@@ -12495,8 +12346,25 @@
                 <a:latin typeface="Arial" panose="020B0604020202020204" pitchFamily="34" charset="0"/>
                 <a:cs typeface="Arial" panose="020B0604020202020204" pitchFamily="34" charset="0"/>
               </a:rPr>
-              <a:t>.</a:t>
-            </a:r>
+              <a:t>sẽ là </a:t>
+            </a:r>
+            <a:r>
+              <a:rPr lang="en-US" sz="2000" dirty="0">
+                <a:solidFill>
+                  <a:schemeClr val="tx1"/>
+                </a:solidFill>
+                <a:latin typeface="Arial" panose="020B0604020202020204" pitchFamily="34" charset="0"/>
+                <a:cs typeface="Arial" panose="020B0604020202020204" pitchFamily="34" charset="0"/>
+              </a:rPr>
+              <a:t>ứng dụng hữu ích phục vụ cho việc phục vụ cho việc dạy, học tập và tìm hiểu về dân tộc K’Ho. </a:t>
+            </a:r>
+            <a:endParaRPr lang="en-US" sz="2000" dirty="0" smtClean="0">
+              <a:solidFill>
+                <a:schemeClr val="tx1"/>
+              </a:solidFill>
+              <a:latin typeface="Arial" panose="020B0604020202020204" pitchFamily="34" charset="0"/>
+              <a:cs typeface="Arial" panose="020B0604020202020204" pitchFamily="34" charset="0"/>
+            </a:endParaRPr>
           </a:p>
           <a:p>
             <a:pPr marL="342900" indent="-342900" algn="l">
@@ -12534,7 +12402,7 @@
                 <a:latin typeface="Arial" panose="020B0604020202020204" pitchFamily="34" charset="0"/>
                 <a:cs typeface="Arial" panose="020B0604020202020204" pitchFamily="34" charset="0"/>
               </a:rPr>
-              <a:t>Do </a:t>
+              <a:t>Ứng </a:t>
             </a:r>
             <a:r>
               <a:rPr lang="en-US" sz="2000" dirty="0">
@@ -12544,7 +12412,27 @@
                 <a:latin typeface="Arial" panose="020B0604020202020204" pitchFamily="34" charset="0"/>
                 <a:cs typeface="Arial" panose="020B0604020202020204" pitchFamily="34" charset="0"/>
               </a:rPr>
-              <a:t>hạn chế về thời gian cũng như ngôn ngữ nên ứng dụng của nhóm em vẫn còn thiếu sót cần hoàn thiện một số nội dung:</a:t>
+              <a:t>dụng </a:t>
+            </a:r>
+            <a:r>
+              <a:rPr lang="en-US" sz="2000" dirty="0" smtClean="0">
+                <a:solidFill>
+                  <a:schemeClr val="tx1"/>
+                </a:solidFill>
+                <a:latin typeface="Arial" panose="020B0604020202020204" pitchFamily="34" charset="0"/>
+                <a:cs typeface="Arial" panose="020B0604020202020204" pitchFamily="34" charset="0"/>
+              </a:rPr>
+              <a:t>cần </a:t>
+            </a:r>
+            <a:r>
+              <a:rPr lang="en-US" sz="2000" dirty="0">
+                <a:solidFill>
+                  <a:schemeClr val="tx1"/>
+                </a:solidFill>
+                <a:latin typeface="Arial" panose="020B0604020202020204" pitchFamily="34" charset="0"/>
+                <a:cs typeface="Arial" panose="020B0604020202020204" pitchFamily="34" charset="0"/>
+              </a:rPr>
+              <a:t>hoàn thiện một số nội dung:</a:t>
             </a:r>
           </a:p>
           <a:p>
@@ -12596,7 +12484,10 @@
             </a:r>
           </a:p>
           <a:p>
-            <a:pPr algn="just"/>
+            <a:pPr marL="342900" indent="-342900" algn="just">
+              <a:buFont typeface="Arial" panose="020B0604020202020204" pitchFamily="34" charset="0"/>
+              <a:buChar char="•"/>
+            </a:pPr>
             <a:r>
               <a:rPr lang="en-US" sz="2000" dirty="0">
                 <a:solidFill>
@@ -13524,17 +13415,7 @@
                 <a:latin typeface="Arial" panose="020B0604020202020204" pitchFamily="34" charset="0"/>
                 <a:cs typeface="Arial" panose="020B0604020202020204" pitchFamily="34" charset="0"/>
               </a:rPr>
-              <a:t>Đề xuất phương án thực hiện “Ứng dụng học tiếng K'Ho” khả thi, để từ đó tiến hành xây dựng thành công ứng dụng học </a:t>
-            </a:r>
-            <a:r>
-              <a:rPr lang="en-US" sz="2300">
-                <a:solidFill>
-                  <a:schemeClr val="tx1"/>
-                </a:solidFill>
-                <a:latin typeface="Arial" panose="020B0604020202020204" pitchFamily="34" charset="0"/>
-                <a:cs typeface="Arial" panose="020B0604020202020204" pitchFamily="34" charset="0"/>
-              </a:rPr>
-              <a:t>tiếng K’Ho.</a:t>
+              <a:t>Đề xuất phương án thực hiện “Ứng dụng học tiếng K'Ho” khả thi, để từ đó tiến hành xây dựng thành công ứng dụng học tiếng K’Ho.</a:t>
             </a:r>
           </a:p>
           <a:p>
@@ -13564,41 +13445,46 @@
                 <a:latin typeface="Arial" panose="020B0604020202020204" pitchFamily="34" charset="0"/>
                 <a:cs typeface="Arial" panose="020B0604020202020204" pitchFamily="34" charset="0"/>
               </a:rPr>
-              <a:t>Mục </a:t>
-            </a:r>
-            <a:r>
-              <a:rPr lang="en-US" sz="2300" b="1">
+              <a:t>Mục tiêu cụ thể:</a:t>
+            </a:r>
+          </a:p>
+          <a:p>
+            <a:pPr marL="625475" indent="-396875" algn="just">
+              <a:buFont typeface="Arial" panose="020B0604020202020204" pitchFamily="34" charset="0"/>
+              <a:buChar char="•"/>
+            </a:pPr>
+            <a:r>
+              <a:rPr lang="en-US" sz="2300" dirty="0">
                 <a:solidFill>
                   <a:schemeClr val="tx1"/>
                 </a:solidFill>
                 <a:latin typeface="Arial" panose="020B0604020202020204" pitchFamily="34" charset="0"/>
                 <a:cs typeface="Arial" panose="020B0604020202020204" pitchFamily="34" charset="0"/>
               </a:rPr>
-              <a:t>tiêu cụ thể:</a:t>
-            </a:r>
-            <a:endParaRPr lang="en-US" sz="2300" b="1" dirty="0">
-              <a:solidFill>
-                <a:schemeClr val="tx1"/>
-              </a:solidFill>
-              <a:latin typeface="Arial" panose="020B0604020202020204" pitchFamily="34" charset="0"/>
-              <a:cs typeface="Arial" panose="020B0604020202020204" pitchFamily="34" charset="0"/>
-            </a:endParaRPr>
+              <a:t>Tìm hiểu về mặt ngôn ngữ của tiếng K'Ho, tài liệu dạy tiếng K’Ho.</a:t>
+            </a:r>
           </a:p>
           <a:p>
             <a:pPr marL="625475" indent="-396875" algn="just">
-              <a:buFont typeface="Wingdings" panose="05000000000000000000" pitchFamily="2" charset="2"/>
-              <a:buChar char="§"/>
+              <a:buFont typeface="Arial" panose="020B0604020202020204" pitchFamily="34" charset="0"/>
+              <a:buChar char="•"/>
             </a:pPr>
             <a:r>
-              <a:rPr lang="en-US" sz="2300">
+              <a:rPr lang="en-US" sz="2300" dirty="0">
                 <a:solidFill>
                   <a:schemeClr val="tx1"/>
                 </a:solidFill>
                 <a:latin typeface="Arial" panose="020B0604020202020204" pitchFamily="34" charset="0"/>
                 <a:cs typeface="Arial" panose="020B0604020202020204" pitchFamily="34" charset="0"/>
               </a:rPr>
-              <a:t>Tìm </a:t>
-            </a:r>
+              <a:t>Tìm hiểu các ứng dụng về học ngôn ngữ: Giao diện và các chức năng.</a:t>
+            </a:r>
+          </a:p>
+          <a:p>
+            <a:pPr marL="625475" indent="-396875" algn="just">
+              <a:buFont typeface="Arial" panose="020B0604020202020204" pitchFamily="34" charset="0"/>
+              <a:buChar char="•"/>
+            </a:pPr>
             <a:r>
               <a:rPr lang="en-US" sz="2300" dirty="0">
                 <a:solidFill>
@@ -13607,45 +13493,13 @@
                 <a:latin typeface="Arial" panose="020B0604020202020204" pitchFamily="34" charset="0"/>
                 <a:cs typeface="Arial" panose="020B0604020202020204" pitchFamily="34" charset="0"/>
               </a:rPr>
-              <a:t>hiểu về mặt ngôn ngữ của tiếng K'Ho, tài liệu dạy tiếng K’Ho.</a:t>
+              <a:t>Tìm hiểu tổng quan về phương pháp được áp dụng trong xây dựng ứng dụng về học ngôn ngữ, từ đó đề xuất phương án thực hiện đề tài khả thi và hiệu quả.</a:t>
             </a:r>
           </a:p>
           <a:p>
             <a:pPr marL="625475" indent="-396875" algn="just">
-              <a:buFont typeface="Wingdings" panose="05000000000000000000" pitchFamily="2" charset="2"/>
-              <a:buChar char="§"/>
-            </a:pPr>
-            <a:r>
-              <a:rPr lang="en-US" sz="2300" dirty="0">
-                <a:solidFill>
-                  <a:schemeClr val="tx1"/>
-                </a:solidFill>
-                <a:latin typeface="Arial" panose="020B0604020202020204" pitchFamily="34" charset="0"/>
-                <a:cs typeface="Arial" panose="020B0604020202020204" pitchFamily="34" charset="0"/>
-              </a:rPr>
-              <a:t>Tìm hiểu các ứng dụng về học ngôn ngữ: Giao diện và các chức năng.</a:t>
-            </a:r>
-          </a:p>
-          <a:p>
-            <a:pPr marL="625475" indent="-396875" algn="just">
-              <a:buFont typeface="Wingdings" panose="05000000000000000000" pitchFamily="2" charset="2"/>
-              <a:buChar char="§"/>
-            </a:pPr>
-            <a:r>
-              <a:rPr lang="en-US" sz="2300" dirty="0">
-                <a:solidFill>
-                  <a:schemeClr val="tx1"/>
-                </a:solidFill>
-                <a:latin typeface="Arial" panose="020B0604020202020204" pitchFamily="34" charset="0"/>
-                <a:cs typeface="Arial" panose="020B0604020202020204" pitchFamily="34" charset="0"/>
-              </a:rPr>
-              <a:t>Tìm hiểu tổng quan về phương pháp được áp dụng trong xây dựng ứng dụng về học ngôn ngữ, từ đó đề xuất phương án thực hiện đề tài khả thi và hiệu quả.</a:t>
-            </a:r>
-          </a:p>
-          <a:p>
-            <a:pPr marL="625475" indent="-396875" algn="just">
-              <a:buFont typeface="Wingdings" panose="05000000000000000000" pitchFamily="2" charset="2"/>
-              <a:buChar char="§"/>
+              <a:buFont typeface="Arial" panose="020B0604020202020204" pitchFamily="34" charset="0"/>
+              <a:buChar char="•"/>
             </a:pPr>
             <a:r>
               <a:rPr lang="en-US" sz="2300" dirty="0">
@@ -16564,17 +16418,20 @@
         </p:nvSpPr>
         <p:spPr>
           <a:xfrm>
-            <a:off x="457200" y="1295400"/>
-            <a:ext cx="8458200" cy="4876800"/>
+            <a:off x="76200" y="990600"/>
+            <a:ext cx="8991600" cy="5105400"/>
           </a:xfrm>
         </p:spPr>
         <p:txBody>
           <a:bodyPr>
-            <a:normAutofit fontScale="92500" lnSpcReduction="10000"/>
+            <a:noAutofit/>
           </a:bodyPr>
           <a:lstStyle/>
           <a:p>
             <a:pPr marL="342900" lvl="0" indent="-342900" algn="l">
+              <a:spcBef>
+                <a:spcPts val="0"/>
+              </a:spcBef>
               <a:buFont typeface="Wingdings" panose="05000000000000000000" pitchFamily="2" charset="2"/>
               <a:buChar char="Ø"/>
             </a:pPr>
@@ -16583,63 +16440,55 @@
                 <a:solidFill>
                   <a:schemeClr val="tx1"/>
                 </a:solidFill>
-                <a:latin typeface="Arial" panose="020B0604020202020204" pitchFamily="34" charset="0"/>
-                <a:cs typeface="Arial" panose="020B0604020202020204" pitchFamily="34" charset="0"/>
-              </a:rPr>
-              <a:t>English Study Pro </a:t>
-            </a:r>
-            <a:r>
-              <a:rPr lang="en-US" sz="2200" dirty="0" smtClean="0">
-                <a:solidFill>
-                  <a:schemeClr val="tx1"/>
-                </a:solidFill>
-                <a:latin typeface="Arial" panose="020B0604020202020204" pitchFamily="34" charset="0"/>
-                <a:cs typeface="Arial" panose="020B0604020202020204" pitchFamily="34" charset="0"/>
-              </a:rPr>
-              <a:t>2012</a:t>
-            </a:r>
-          </a:p>
-          <a:p>
-            <a:pPr marL="800100" lvl="1" indent="-342900" algn="l">
+                <a:latin typeface="Times New Roman" panose="02020603050405020304" pitchFamily="18" charset="0"/>
+                <a:cs typeface="Times New Roman" panose="02020603050405020304" pitchFamily="18" charset="0"/>
+              </a:rPr>
+              <a:t>English Study Pro 2012</a:t>
+            </a:r>
+          </a:p>
+          <a:p>
+            <a:pPr marL="631825" lvl="1" indent="-342900" algn="l">
+              <a:spcBef>
+                <a:spcPts val="0"/>
+              </a:spcBef>
               <a:buFont typeface="Arial" panose="020B0604020202020204" pitchFamily="34" charset="0"/>
               <a:buChar char="•"/>
             </a:pPr>
             <a:r>
-              <a:rPr lang="en-US" sz="1800" dirty="0" smtClean="0">
+              <a:rPr lang="en-US" sz="2200" dirty="0" smtClean="0">
                 <a:solidFill>
                   <a:schemeClr val="tx1"/>
                 </a:solidFill>
-                <a:latin typeface="Arial" panose="020B0604020202020204" pitchFamily="34" charset="0"/>
-                <a:cs typeface="Arial" panose="020B0604020202020204" pitchFamily="34" charset="0"/>
+                <a:latin typeface="Times New Roman" panose="02020603050405020304" pitchFamily="18" charset="0"/>
+                <a:cs typeface="Times New Roman" panose="02020603050405020304" pitchFamily="18" charset="0"/>
               </a:rPr>
               <a:t>Ưu điểm: Thuận tiện, dễ sử dụng</a:t>
             </a:r>
           </a:p>
           <a:p>
-            <a:pPr marL="800100" lvl="1" indent="-342900" algn="l">
+            <a:pPr marL="631825" lvl="1" indent="-342900" algn="l">
+              <a:spcBef>
+                <a:spcPts val="0"/>
+              </a:spcBef>
               <a:buFont typeface="Arial" panose="020B0604020202020204" pitchFamily="34" charset="0"/>
               <a:buChar char="•"/>
             </a:pPr>
             <a:r>
-              <a:rPr lang="en-US" sz="1800" dirty="0" smtClean="0">
+              <a:rPr lang="en-US" sz="2200" dirty="0" smtClean="0">
                 <a:solidFill>
                   <a:schemeClr val="tx1"/>
                 </a:solidFill>
-                <a:latin typeface="Arial" panose="020B0604020202020204" pitchFamily="34" charset="0"/>
-                <a:cs typeface="Arial" panose="020B0604020202020204" pitchFamily="34" charset="0"/>
+                <a:latin typeface="Times New Roman" panose="02020603050405020304" pitchFamily="18" charset="0"/>
+                <a:cs typeface="Times New Roman" panose="02020603050405020304" pitchFamily="18" charset="0"/>
               </a:rPr>
               <a:t>Nhược điểm: Không hỗ trợ smartphone, không hỗ trợ dạng học theo bài</a:t>
             </a:r>
-            <a:endParaRPr lang="en-US" sz="1800" dirty="0" smtClean="0">
-              <a:solidFill>
-                <a:schemeClr val="tx1"/>
-              </a:solidFill>
-              <a:latin typeface="Arial" panose="020B0604020202020204" pitchFamily="34" charset="0"/>
-              <a:cs typeface="Arial" panose="020B0604020202020204" pitchFamily="34" charset="0"/>
-            </a:endParaRPr>
           </a:p>
           <a:p>
             <a:pPr marL="342900" lvl="0" indent="-342900" algn="l">
+              <a:spcBef>
+                <a:spcPts val="0"/>
+              </a:spcBef>
               <a:buFont typeface="Wingdings" panose="05000000000000000000" pitchFamily="2" charset="2"/>
               <a:buChar char="Ø"/>
             </a:pPr>
@@ -16648,63 +16497,55 @@
                 <a:solidFill>
                   <a:schemeClr val="tx1"/>
                 </a:solidFill>
-                <a:latin typeface="Arial" panose="020B0604020202020204" pitchFamily="34" charset="0"/>
-                <a:cs typeface="Arial" panose="020B0604020202020204" pitchFamily="34" charset="0"/>
-              </a:rPr>
-              <a:t>English </a:t>
-            </a:r>
-            <a:r>
-              <a:rPr lang="en-US" sz="2200" dirty="0" smtClean="0">
-                <a:solidFill>
-                  <a:schemeClr val="tx1"/>
-                </a:solidFill>
-                <a:latin typeface="Arial" panose="020B0604020202020204" pitchFamily="34" charset="0"/>
-                <a:cs typeface="Arial" panose="020B0604020202020204" pitchFamily="34" charset="0"/>
-              </a:rPr>
-              <a:t>Grammar</a:t>
+                <a:latin typeface="Times New Roman" panose="02020603050405020304" pitchFamily="18" charset="0"/>
+                <a:cs typeface="Times New Roman" panose="02020603050405020304" pitchFamily="18" charset="0"/>
+              </a:rPr>
+              <a:t>English Grammar</a:t>
             </a:r>
           </a:p>
           <a:p>
             <a:pPr marL="800100" lvl="1" indent="-342900" algn="l">
+              <a:spcBef>
+                <a:spcPts val="0"/>
+              </a:spcBef>
               <a:buFont typeface="Arial" panose="020B0604020202020204" pitchFamily="34" charset="0"/>
               <a:buChar char="•"/>
             </a:pPr>
             <a:r>
-              <a:rPr lang="en-US" sz="1800" dirty="0" smtClean="0">
+              <a:rPr lang="en-US" sz="2200" dirty="0" smtClean="0">
                 <a:solidFill>
                   <a:schemeClr val="tx1"/>
                 </a:solidFill>
-                <a:latin typeface="Arial" panose="020B0604020202020204" pitchFamily="34" charset="0"/>
-                <a:cs typeface="Arial" panose="020B0604020202020204" pitchFamily="34" charset="0"/>
+                <a:latin typeface="Times New Roman" panose="02020603050405020304" pitchFamily="18" charset="0"/>
+                <a:cs typeface="Times New Roman" panose="02020603050405020304" pitchFamily="18" charset="0"/>
               </a:rPr>
               <a:t>Ưu điểm: Nhiều chức năng giúp việc học ngữ pháp dễ dàng</a:t>
             </a:r>
           </a:p>
           <a:p>
             <a:pPr marL="800100" lvl="1" indent="-342900" algn="l">
+              <a:spcBef>
+                <a:spcPts val="0"/>
+              </a:spcBef>
               <a:buFont typeface="Arial" panose="020B0604020202020204" pitchFamily="34" charset="0"/>
               <a:buChar char="•"/>
             </a:pPr>
             <a:r>
-              <a:rPr lang="en-US" sz="1800" dirty="0" smtClean="0">
+              <a:rPr lang="en-US" sz="2200" dirty="0" smtClean="0">
                 <a:solidFill>
                   <a:schemeClr val="tx1"/>
                 </a:solidFill>
-                <a:latin typeface="Arial" panose="020B0604020202020204" pitchFamily="34" charset="0"/>
-                <a:cs typeface="Arial" panose="020B0604020202020204" pitchFamily="34" charset="0"/>
+                <a:latin typeface="Times New Roman" panose="02020603050405020304" pitchFamily="18" charset="0"/>
+                <a:cs typeface="Times New Roman" panose="02020603050405020304" pitchFamily="18" charset="0"/>
               </a:rPr>
               <a:t>Nhược điểm: Không hỗ trợ smartphone</a:t>
             </a:r>
-            <a:endParaRPr lang="en-US" sz="1800" dirty="0" smtClean="0">
-              <a:solidFill>
-                <a:schemeClr val="tx1"/>
-              </a:solidFill>
-              <a:latin typeface="Arial" panose="020B0604020202020204" pitchFamily="34" charset="0"/>
-              <a:cs typeface="Arial" panose="020B0604020202020204" pitchFamily="34" charset="0"/>
-            </a:endParaRPr>
           </a:p>
           <a:p>
             <a:pPr marL="342900" indent="-342900" algn="l">
+              <a:spcBef>
+                <a:spcPts val="0"/>
+              </a:spcBef>
               <a:buFont typeface="Wingdings" panose="05000000000000000000" pitchFamily="2" charset="2"/>
               <a:buChar char="Ø"/>
             </a:pPr>
@@ -16713,46 +16554,55 @@
                 <a:solidFill>
                   <a:schemeClr val="tx1"/>
                 </a:solidFill>
-                <a:latin typeface="Arial" panose="020B0604020202020204" pitchFamily="34" charset="0"/>
-                <a:cs typeface="Arial" panose="020B0604020202020204" pitchFamily="34" charset="0"/>
+                <a:latin typeface="Times New Roman" panose="02020603050405020304" pitchFamily="18" charset="0"/>
+                <a:cs typeface="Times New Roman" panose="02020603050405020304" pitchFamily="18" charset="0"/>
               </a:rPr>
               <a:t>English4u</a:t>
             </a:r>
           </a:p>
           <a:p>
             <a:pPr marL="800100" lvl="1" indent="-342900" algn="l">
+              <a:spcBef>
+                <a:spcPts val="0"/>
+              </a:spcBef>
               <a:buFont typeface="Arial" panose="020B0604020202020204" pitchFamily="34" charset="0"/>
               <a:buChar char="•"/>
             </a:pPr>
             <a:r>
-              <a:rPr lang="en-US" sz="1800" dirty="0" smtClean="0">
+              <a:rPr lang="en-US" sz="2200" dirty="0" smtClean="0">
                 <a:solidFill>
                   <a:schemeClr val="tx1"/>
                 </a:solidFill>
-                <a:latin typeface="Arial" panose="020B0604020202020204" pitchFamily="34" charset="0"/>
-                <a:cs typeface="Arial" panose="020B0604020202020204" pitchFamily="34" charset="0"/>
+                <a:latin typeface="Times New Roman" panose="02020603050405020304" pitchFamily="18" charset="0"/>
+                <a:cs typeface="Times New Roman" panose="02020603050405020304" pitchFamily="18" charset="0"/>
               </a:rPr>
               <a:t>Ưu điểm: Có hỗ trợ smartphone, có âm thanh</a:t>
             </a:r>
           </a:p>
           <a:p>
             <a:pPr marL="800100" lvl="1" indent="-342900" algn="l">
+              <a:spcBef>
+                <a:spcPts val="0"/>
+              </a:spcBef>
               <a:buFont typeface="Arial" panose="020B0604020202020204" pitchFamily="34" charset="0"/>
               <a:buChar char="•"/>
             </a:pPr>
             <a:r>
-              <a:rPr lang="en-US" sz="1800" dirty="0" smtClean="0">
+              <a:rPr lang="en-US" sz="2200" dirty="0" smtClean="0">
                 <a:solidFill>
                   <a:schemeClr val="tx1"/>
                 </a:solidFill>
-                <a:latin typeface="Arial" panose="020B0604020202020204" pitchFamily="34" charset="0"/>
-                <a:cs typeface="Arial" panose="020B0604020202020204" pitchFamily="34" charset="0"/>
+                <a:latin typeface="Times New Roman" panose="02020603050405020304" pitchFamily="18" charset="0"/>
+                <a:cs typeface="Times New Roman" panose="02020603050405020304" pitchFamily="18" charset="0"/>
               </a:rPr>
               <a:t>Nhược điểm: Không hỗ trợ dạng học theo bài</a:t>
             </a:r>
           </a:p>
           <a:p>
             <a:pPr marL="342900" indent="-342900" algn="l">
+              <a:spcBef>
+                <a:spcPts val="0"/>
+              </a:spcBef>
               <a:buFont typeface="Wingdings" panose="05000000000000000000" pitchFamily="2" charset="2"/>
               <a:buChar char="Ø"/>
             </a:pPr>
@@ -16761,28 +16611,18 @@
                 <a:solidFill>
                   <a:schemeClr val="tx1"/>
                 </a:solidFill>
-                <a:latin typeface="Arial" panose="020B0604020202020204" pitchFamily="34" charset="0"/>
-                <a:cs typeface="Arial" panose="020B0604020202020204" pitchFamily="34" charset="0"/>
-              </a:rPr>
-              <a:t>Trang </a:t>
+                <a:latin typeface="Times New Roman" panose="02020603050405020304" pitchFamily="18" charset="0"/>
+                <a:cs typeface="Times New Roman" panose="02020603050405020304" pitchFamily="18" charset="0"/>
+              </a:rPr>
+              <a:t>Trang web </a:t>
             </a:r>
             <a:r>
               <a:rPr lang="en-US" sz="2200" dirty="0" smtClean="0">
                 <a:solidFill>
                   <a:schemeClr val="tx1"/>
                 </a:solidFill>
-                <a:latin typeface="Arial" panose="020B0604020202020204" pitchFamily="34" charset="0"/>
-                <a:cs typeface="Arial" panose="020B0604020202020204" pitchFamily="34" charset="0"/>
-              </a:rPr>
-              <a:t>web </a:t>
-            </a:r>
-            <a:r>
-              <a:rPr lang="en-US" sz="2200" dirty="0" smtClean="0">
-                <a:solidFill>
-                  <a:schemeClr val="tx1"/>
-                </a:solidFill>
-                <a:latin typeface="Arial" panose="020B0604020202020204" pitchFamily="34" charset="0"/>
-                <a:cs typeface="Arial" panose="020B0604020202020204" pitchFamily="34" charset="0"/>
+                <a:latin typeface="Times New Roman" panose="02020603050405020304" pitchFamily="18" charset="0"/>
+                <a:cs typeface="Times New Roman" panose="02020603050405020304" pitchFamily="18" charset="0"/>
                 <a:hlinkClick r:id="rId2"/>
               </a:rPr>
               <a:t>www.doulingo.com</a:t>
@@ -16791,112 +16631,110 @@
               <a:solidFill>
                 <a:schemeClr val="tx1"/>
               </a:solidFill>
-              <a:latin typeface="Arial" panose="020B0604020202020204" pitchFamily="34" charset="0"/>
-              <a:cs typeface="Arial" panose="020B0604020202020204" pitchFamily="34" charset="0"/>
+              <a:latin typeface="Times New Roman" panose="02020603050405020304" pitchFamily="18" charset="0"/>
+              <a:cs typeface="Times New Roman" panose="02020603050405020304" pitchFamily="18" charset="0"/>
             </a:endParaRPr>
           </a:p>
           <a:p>
             <a:pPr marL="800100" lvl="1" indent="-342900" algn="l">
+              <a:spcBef>
+                <a:spcPts val="0"/>
+              </a:spcBef>
               <a:buFont typeface="Arial" panose="020B0604020202020204" pitchFamily="34" charset="0"/>
               <a:buChar char="•"/>
             </a:pPr>
             <a:r>
-              <a:rPr lang="en-US" sz="1800" dirty="0" smtClean="0">
+              <a:rPr lang="en-US" sz="2200" dirty="0" smtClean="0">
                 <a:solidFill>
                   <a:schemeClr val="tx1"/>
                 </a:solidFill>
-                <a:latin typeface="Arial" panose="020B0604020202020204" pitchFamily="34" charset="0"/>
-                <a:cs typeface="Arial" panose="020B0604020202020204" pitchFamily="34" charset="0"/>
+                <a:latin typeface="Times New Roman" panose="02020603050405020304" pitchFamily="18" charset="0"/>
+                <a:cs typeface="Times New Roman" panose="02020603050405020304" pitchFamily="18" charset="0"/>
               </a:rPr>
               <a:t>Ưu điểm: Giao diện thân thiện, có hỗ trợ smartphone</a:t>
             </a:r>
           </a:p>
           <a:p>
             <a:pPr marL="800100" lvl="1" indent="-342900" algn="l">
+              <a:spcBef>
+                <a:spcPts val="0"/>
+              </a:spcBef>
               <a:buFont typeface="Arial" panose="020B0604020202020204" pitchFamily="34" charset="0"/>
               <a:buChar char="•"/>
             </a:pPr>
             <a:r>
-              <a:rPr lang="en-US" sz="1800" dirty="0" smtClean="0">
+              <a:rPr lang="en-US" sz="2200" dirty="0" smtClean="0">
                 <a:solidFill>
                   <a:schemeClr val="tx1"/>
                 </a:solidFill>
-                <a:latin typeface="Arial" panose="020B0604020202020204" pitchFamily="34" charset="0"/>
-                <a:cs typeface="Arial" panose="020B0604020202020204" pitchFamily="34" charset="0"/>
+                <a:latin typeface="Times New Roman" panose="02020603050405020304" pitchFamily="18" charset="0"/>
+                <a:cs typeface="Times New Roman" panose="02020603050405020304" pitchFamily="18" charset="0"/>
               </a:rPr>
               <a:t>Nhược điểm: Cần có mạng để học</a:t>
             </a:r>
-            <a:endParaRPr lang="en-US" sz="1800" dirty="0" smtClean="0">
+          </a:p>
+          <a:p>
+            <a:pPr marL="342900" indent="-342900" algn="l">
+              <a:spcBef>
+                <a:spcPts val="0"/>
+              </a:spcBef>
+              <a:buFont typeface="Wingdings" panose="05000000000000000000" pitchFamily="2" charset="2"/>
+              <a:buChar char="Ø"/>
+            </a:pPr>
+            <a:r>
+              <a:rPr lang="en-US" sz="2200" dirty="0" smtClean="0">
+                <a:solidFill>
+                  <a:schemeClr val="tx1"/>
+                </a:solidFill>
+                <a:latin typeface="Times New Roman" panose="02020603050405020304" pitchFamily="18" charset="0"/>
+                <a:cs typeface="Times New Roman" panose="02020603050405020304" pitchFamily="18" charset="0"/>
+              </a:rPr>
+              <a:t>Ứng dụng học Từ Vựng Tiếng Anh</a:t>
+            </a:r>
+          </a:p>
+          <a:p>
+            <a:pPr marL="800100" lvl="1" indent="-342900" algn="l">
+              <a:spcBef>
+                <a:spcPts val="0"/>
+              </a:spcBef>
+              <a:buFont typeface="Arial" panose="020B0604020202020204" pitchFamily="34" charset="0"/>
+              <a:buChar char="•"/>
+            </a:pPr>
+            <a:r>
+              <a:rPr lang="en-US" sz="2200" dirty="0" smtClean="0">
+                <a:solidFill>
+                  <a:schemeClr val="tx1"/>
+                </a:solidFill>
+                <a:latin typeface="Times New Roman" panose="02020603050405020304" pitchFamily="18" charset="0"/>
+                <a:cs typeface="Times New Roman" panose="02020603050405020304" pitchFamily="18" charset="0"/>
+              </a:rPr>
+              <a:t>Ưu điểm: Chia từ vựng thành nhiều nhóm nhỏ.giúp người dùng dễ học</a:t>
+            </a:r>
+          </a:p>
+          <a:p>
+            <a:pPr marL="800100" lvl="1" indent="-342900" algn="l">
+              <a:spcBef>
+                <a:spcPts val="0"/>
+              </a:spcBef>
+              <a:buFont typeface="Arial" panose="020B0604020202020204" pitchFamily="34" charset="0"/>
+              <a:buChar char="•"/>
+            </a:pPr>
+            <a:r>
+              <a:rPr lang="en-US" sz="2200" dirty="0" smtClean="0">
+                <a:solidFill>
+                  <a:schemeClr val="tx1"/>
+                </a:solidFill>
+                <a:latin typeface="Times New Roman" panose="02020603050405020304" pitchFamily="18" charset="0"/>
+                <a:cs typeface="Times New Roman" panose="02020603050405020304" pitchFamily="18" charset="0"/>
+              </a:rPr>
+              <a:t>Nhược điểm: Không hỗ trợ trên PC</a:t>
+            </a:r>
+            <a:endParaRPr lang="en-US" sz="2200" dirty="0">
               <a:solidFill>
                 <a:schemeClr val="tx1"/>
               </a:solidFill>
-              <a:latin typeface="Arial" panose="020B0604020202020204" pitchFamily="34" charset="0"/>
-              <a:cs typeface="Arial" panose="020B0604020202020204" pitchFamily="34" charset="0"/>
-            </a:endParaRPr>
-          </a:p>
-          <a:p>
-            <a:pPr marL="342900" indent="-342900" algn="l">
-              <a:buFont typeface="Wingdings" panose="05000000000000000000" pitchFamily="2" charset="2"/>
-              <a:buChar char="Ø"/>
-            </a:pPr>
-            <a:r>
-              <a:rPr lang="en-US" sz="2200" dirty="0" smtClean="0">
-                <a:solidFill>
-                  <a:schemeClr val="tx1"/>
-                </a:solidFill>
-                <a:latin typeface="Arial" panose="020B0604020202020204" pitchFamily="34" charset="0"/>
-                <a:cs typeface="Arial" panose="020B0604020202020204" pitchFamily="34" charset="0"/>
-              </a:rPr>
-              <a:t>Ứng dụng học Từ Vựng Tiếng </a:t>
-            </a:r>
-            <a:r>
-              <a:rPr lang="en-US" sz="2200" dirty="0" smtClean="0">
-                <a:solidFill>
-                  <a:schemeClr val="tx1"/>
-                </a:solidFill>
-                <a:latin typeface="Arial" panose="020B0604020202020204" pitchFamily="34" charset="0"/>
-                <a:cs typeface="Arial" panose="020B0604020202020204" pitchFamily="34" charset="0"/>
-              </a:rPr>
-              <a:t>Anh</a:t>
-            </a:r>
-          </a:p>
-          <a:p>
-            <a:pPr marL="800100" lvl="1" indent="-342900" algn="l">
-              <a:buFont typeface="Arial" panose="020B0604020202020204" pitchFamily="34" charset="0"/>
-              <a:buChar char="•"/>
-            </a:pPr>
-            <a:r>
-              <a:rPr lang="en-US" sz="1800" dirty="0" smtClean="0">
-                <a:solidFill>
-                  <a:schemeClr val="tx1"/>
-                </a:solidFill>
-                <a:latin typeface="Arial" panose="020B0604020202020204" pitchFamily="34" charset="0"/>
-                <a:cs typeface="Arial" panose="020B0604020202020204" pitchFamily="34" charset="0"/>
-              </a:rPr>
-              <a:t>Ưu điểm: Chia từ vựng thành nhiều nhóm nhỏ.giúp người dùng dễ học</a:t>
-            </a:r>
-          </a:p>
-          <a:p>
-            <a:pPr marL="800100" lvl="1" indent="-342900" algn="l">
-              <a:buFont typeface="Arial" panose="020B0604020202020204" pitchFamily="34" charset="0"/>
-              <a:buChar char="•"/>
-            </a:pPr>
-            <a:r>
-              <a:rPr lang="en-US" sz="1800" dirty="0" smtClean="0">
-                <a:solidFill>
-                  <a:schemeClr val="tx1"/>
-                </a:solidFill>
-                <a:latin typeface="Arial" panose="020B0604020202020204" pitchFamily="34" charset="0"/>
-                <a:cs typeface="Arial" panose="020B0604020202020204" pitchFamily="34" charset="0"/>
-              </a:rPr>
-              <a:t>Nhược điểm: Không hỗ trợ trên PC</a:t>
-            </a:r>
-            <a:endParaRPr lang="en-US" sz="1800" dirty="0">
-              <a:solidFill>
-                <a:schemeClr val="tx1"/>
-              </a:solidFill>
-              <a:latin typeface="Arial" panose="020B0604020202020204" pitchFamily="34" charset="0"/>
-              <a:cs typeface="Arial" panose="020B0604020202020204" pitchFamily="34" charset="0"/>
+              <a:latin typeface="Times New Roman" panose="02020603050405020304" pitchFamily="18" charset="0"/>
+              <a:cs typeface="Times New Roman" panose="02020603050405020304" pitchFamily="18" charset="0"/>
             </a:endParaRPr>
           </a:p>
         </p:txBody>

--- a/THESIS/DACN_UD_Hoc_KHo_CTK37_BaoCao_D3.pptx
+++ b/THESIS/DACN_UD_Hoc_KHo_CTK37_BaoCao_D3.pptx
@@ -242,7 +242,7 @@
           <a:p>
             <a:fld id="{5F3C816B-6264-4CFF-B007-776089C8006A}" type="datetimeFigureOut">
               <a:rPr lang="en-US" smtClean="0"/>
-              <a:t>12/6/2017</a:t>
+              <a:t>12/7/2017</a:t>
             </a:fld>
             <a:endParaRPr lang="en-US"/>
           </a:p>
@@ -3935,7 +3935,7 @@
           <p:cNvPr id="10" name="Picture 9">
             <a:extLst>
               <a:ext uri="{FF2B5EF4-FFF2-40B4-BE49-F238E27FC236}">
-                <a16:creationId xmlns:a16="http://schemas.microsoft.com/office/drawing/2014/main" xmlns="" id="{8D2D12AD-440E-467D-AB43-0C3F2A1664D6}"/>
+                <a16:creationId xmlns="" xmlns:a16="http://schemas.microsoft.com/office/drawing/2014/main" id="{8D2D12AD-440E-467D-AB43-0C3F2A1664D6}"/>
               </a:ext>
             </a:extLst>
           </p:cNvPr>
@@ -4026,28 +4026,6 @@
       </p:grpSpPr>
       <p:sp>
         <p:nvSpPr>
-          <p:cNvPr id="3" name="Date Placeholder 2"/>
-          <p:cNvSpPr>
-            <a:spLocks noGrp="1"/>
-          </p:cNvSpPr>
-          <p:nvPr>
-            <p:ph type="dt" sz="half" idx="10"/>
-          </p:nvPr>
-        </p:nvSpPr>
-        <p:spPr/>
-        <p:txBody>
-          <a:bodyPr/>
-          <a:lstStyle/>
-          <a:p>
-            <a:r>
-              <a:rPr lang="en-US"/>
-              <a:t>10/13/2017</a:t>
-            </a:r>
-          </a:p>
-        </p:txBody>
-      </p:sp>
-      <p:sp>
-        <p:nvSpPr>
           <p:cNvPr id="4" name="Footer Placeholder 3"/>
           <p:cNvSpPr>
             <a:spLocks noGrp="1"/>
@@ -4098,8 +4076,8 @@
         </p:nvSpPr>
         <p:spPr>
           <a:xfrm>
-            <a:off x="457200" y="1143000"/>
-            <a:ext cx="8534400" cy="5334000"/>
+            <a:off x="304800" y="1143000"/>
+            <a:ext cx="8686800" cy="5334000"/>
           </a:xfrm>
           <a:prstGeom prst="rect">
             <a:avLst/>
@@ -4230,7 +4208,7 @@
               <a:t>Chương trình hỗ trợ gõ chữ các dân tộc thiểu số Tây Nguyên: </a:t>
             </a:r>
             <a:r>
-              <a:rPr lang="en-US" sz="2400" b="1" dirty="0">
+              <a:rPr lang="en-US" sz="2400" b="1" dirty="0" smtClean="0">
                 <a:solidFill>
                   <a:schemeClr val="tx1"/>
                 </a:solidFill>
@@ -4239,16 +4217,13 @@
               </a:rPr>
               <a:t>TayNguyenKey</a:t>
             </a:r>
-            <a:r>
-              <a:rPr lang="en-US" sz="2400" dirty="0">
-                <a:solidFill>
-                  <a:schemeClr val="tx1"/>
-                </a:solidFill>
-                <a:latin typeface="Arial" panose="020B0604020202020204" pitchFamily="34" charset="0"/>
-                <a:cs typeface="Arial" panose="020B0604020202020204" pitchFamily="34" charset="0"/>
-              </a:rPr>
-              <a:t>.</a:t>
-            </a:r>
+            <a:endParaRPr lang="en-US" sz="2400" dirty="0">
+              <a:solidFill>
+                <a:schemeClr val="tx1"/>
+              </a:solidFill>
+              <a:latin typeface="Arial" panose="020B0604020202020204" pitchFamily="34" charset="0"/>
+              <a:cs typeface="Arial" panose="020B0604020202020204" pitchFamily="34" charset="0"/>
+            </a:endParaRPr>
           </a:p>
           <a:p>
             <a:pPr marL="900113" indent="-457200" algn="just">
@@ -4273,18 +4248,25 @@
                 <a:latin typeface="Arial" panose="020B0604020202020204" pitchFamily="34" charset="0"/>
                 <a:cs typeface="Arial" panose="020B0604020202020204" pitchFamily="34" charset="0"/>
               </a:rPr>
-              <a:t>Devexpress 14</a:t>
-            </a:r>
-            <a:r>
-              <a:rPr lang="en-US" sz="2400" dirty="0">
+              <a:t>Devexpress </a:t>
+            </a:r>
+            <a:r>
+              <a:rPr lang="en-US" sz="2400" b="1" dirty="0" smtClean="0">
                 <a:solidFill>
                   <a:schemeClr val="tx1"/>
                 </a:solidFill>
                 <a:latin typeface="Arial" panose="020B0604020202020204" pitchFamily="34" charset="0"/>
                 <a:cs typeface="Arial" panose="020B0604020202020204" pitchFamily="34" charset="0"/>
               </a:rPr>
-              <a:t>.</a:t>
-            </a:r>
+              <a:t>14</a:t>
+            </a:r>
+            <a:endParaRPr lang="en-US" sz="2400" dirty="0">
+              <a:solidFill>
+                <a:schemeClr val="tx1"/>
+              </a:solidFill>
+              <a:latin typeface="Arial" panose="020B0604020202020204" pitchFamily="34" charset="0"/>
+              <a:cs typeface="Arial" panose="020B0604020202020204" pitchFamily="34" charset="0"/>
+            </a:endParaRPr>
           </a:p>
           <a:p>
             <a:pPr marL="900113" indent="-457200" algn="just">
@@ -4309,8 +4291,25 @@
                 <a:latin typeface="Arial" panose="020B0604020202020204" pitchFamily="34" charset="0"/>
                 <a:cs typeface="Arial" panose="020B0604020202020204" pitchFamily="34" charset="0"/>
               </a:rPr>
-              <a:t>SQL Sever 2012 Express.</a:t>
-            </a:r>
+              <a:t>SQL Sever 2012 </a:t>
+            </a:r>
+            <a:r>
+              <a:rPr lang="en-US" sz="2400" b="1" dirty="0" smtClean="0">
+                <a:solidFill>
+                  <a:schemeClr val="tx1"/>
+                </a:solidFill>
+                <a:latin typeface="Arial" panose="020B0604020202020204" pitchFamily="34" charset="0"/>
+                <a:cs typeface="Arial" panose="020B0604020202020204" pitchFamily="34" charset="0"/>
+              </a:rPr>
+              <a:t>Express</a:t>
+            </a:r>
+            <a:endParaRPr lang="en-US" sz="2400" b="1" dirty="0">
+              <a:solidFill>
+                <a:schemeClr val="tx1"/>
+              </a:solidFill>
+              <a:latin typeface="Arial" panose="020B0604020202020204" pitchFamily="34" charset="0"/>
+              <a:cs typeface="Arial" panose="020B0604020202020204" pitchFamily="34" charset="0"/>
+            </a:endParaRPr>
           </a:p>
           <a:p>
             <a:pPr marL="900113" indent="-457200" algn="just">
@@ -4335,18 +4334,45 @@
                 <a:latin typeface="Arial" panose="020B0604020202020204" pitchFamily="34" charset="0"/>
                 <a:cs typeface="Arial" panose="020B0604020202020204" pitchFamily="34" charset="0"/>
               </a:rPr>
-              <a:t>Visual Studio 2013.</a:t>
-            </a:r>
-          </a:p>
-          <a:p>
-            <a:pPr marL="806450" indent="-342900" algn="just">
-              <a:buClr>
-                <a:srgbClr val="00B404"/>
-              </a:buClr>
-              <a:buFont typeface="Wingdings" panose="05000000000000000000" pitchFamily="2" charset="2"/>
-              <a:buChar char="Ø"/>
+              <a:t>Visual Studio </a:t>
+            </a:r>
+            <a:r>
+              <a:rPr lang="en-US" sz="2400" b="1" dirty="0" smtClean="0">
+                <a:solidFill>
+                  <a:schemeClr val="tx1"/>
+                </a:solidFill>
+                <a:latin typeface="Arial" panose="020B0604020202020204" pitchFamily="34" charset="0"/>
+                <a:cs typeface="Arial" panose="020B0604020202020204" pitchFamily="34" charset="0"/>
+              </a:rPr>
+              <a:t>2013</a:t>
+            </a:r>
+          </a:p>
+          <a:p>
+            <a:pPr marL="900113" indent="-457200" algn="just">
+              <a:buFont typeface="Arial" panose="020B0604020202020204" pitchFamily="34" charset="0"/>
+              <a:buChar char="•"/>
             </a:pPr>
-            <a:endParaRPr lang="en-US" sz="2400" dirty="0">
+            <a:r>
+              <a:rPr lang="en-US" sz="2400" dirty="0" smtClean="0">
+                <a:solidFill>
+                  <a:schemeClr val="tx1"/>
+                </a:solidFill>
+                <a:latin typeface="Arial" panose="020B0604020202020204" pitchFamily="34" charset="0"/>
+                <a:cs typeface="Arial" panose="020B0604020202020204" pitchFamily="34" charset="0"/>
+              </a:rPr>
+              <a:t>Chương trình đóng gói phần mềm: </a:t>
+            </a:r>
+            <a:r>
+              <a:rPr lang="en-US" sz="2400" b="1" dirty="0" smtClean="0">
+                <a:solidFill>
+                  <a:schemeClr val="tx1"/>
+                </a:solidFill>
+                <a:latin typeface="Arial" panose="020B0604020202020204" pitchFamily="34" charset="0"/>
+                <a:cs typeface="Arial" panose="020B0604020202020204" pitchFamily="34" charset="0"/>
+              </a:rPr>
+              <a:t>Advanced Installer</a:t>
+            </a:r>
+            <a:endParaRPr lang="en-US" sz="2400" b="1" dirty="0">
               <a:solidFill>
                 <a:schemeClr val="tx1"/>
               </a:solidFill>
@@ -4414,7 +4440,7 @@
           <p:cNvPr id="9" name="Title 1">
             <a:extLst>
               <a:ext uri="{FF2B5EF4-FFF2-40B4-BE49-F238E27FC236}">
-                <a16:creationId xmlns:a16="http://schemas.microsoft.com/office/drawing/2014/main" xmlns="" id="{68CE6783-9C0D-46BA-8D98-4A95830915D5}"/>
+                <a16:creationId xmlns="" xmlns:a16="http://schemas.microsoft.com/office/drawing/2014/main" id="{68CE6783-9C0D-46BA-8D98-4A95830915D5}"/>
               </a:ext>
             </a:extLst>
           </p:cNvPr>
@@ -4493,6 +4519,137 @@
               </a:solidFill>
               <a:latin typeface="Arial" panose="020B0604020202020204" pitchFamily="34" charset="0"/>
               <a:cs typeface="Arial" panose="020B0604020202020204" pitchFamily="34" charset="0"/>
+            </a:endParaRPr>
+          </a:p>
+        </p:txBody>
+      </p:sp>
+      <p:sp>
+        <p:nvSpPr>
+          <p:cNvPr id="8" name="Footer Placeholder 2"/>
+          <p:cNvSpPr txBox="1">
+            <a:spLocks/>
+          </p:cNvSpPr>
+          <p:nvPr/>
+        </p:nvSpPr>
+        <p:spPr>
+          <a:xfrm>
+            <a:off x="0" y="6340475"/>
+            <a:ext cx="2632364" cy="365125"/>
+          </a:xfrm>
+          <a:prstGeom prst="rect">
+            <a:avLst/>
+          </a:prstGeom>
+        </p:spPr>
+        <p:txBody>
+          <a:bodyPr vert="horz" lIns="91440" tIns="45720" rIns="91440" bIns="45720" rtlCol="0" anchor="ctr"/>
+          <a:lstStyle>
+            <a:defPPr>
+              <a:defRPr lang="en-US"/>
+            </a:defPPr>
+            <a:lvl1pPr marL="0" algn="ctr" defTabSz="914400" rtl="0" eaLnBrk="1" latinLnBrk="0" hangingPunct="1">
+              <a:defRPr sz="1200" kern="1200">
+                <a:solidFill>
+                  <a:schemeClr val="tx1">
+                    <a:tint val="75000"/>
+                  </a:schemeClr>
+                </a:solidFill>
+                <a:latin typeface="+mn-lt"/>
+                <a:ea typeface="+mn-ea"/>
+                <a:cs typeface="+mn-cs"/>
+              </a:defRPr>
+            </a:lvl1pPr>
+            <a:lvl2pPr marL="457200" algn="l" defTabSz="914400" rtl="0" eaLnBrk="1" latinLnBrk="0" hangingPunct="1">
+              <a:defRPr sz="1800" kern="1200">
+                <a:solidFill>
+                  <a:schemeClr val="tx1"/>
+                </a:solidFill>
+                <a:latin typeface="+mn-lt"/>
+                <a:ea typeface="+mn-ea"/>
+                <a:cs typeface="+mn-cs"/>
+              </a:defRPr>
+            </a:lvl2pPr>
+            <a:lvl3pPr marL="914400" algn="l" defTabSz="914400" rtl="0" eaLnBrk="1" latinLnBrk="0" hangingPunct="1">
+              <a:defRPr sz="1800" kern="1200">
+                <a:solidFill>
+                  <a:schemeClr val="tx1"/>
+                </a:solidFill>
+                <a:latin typeface="+mn-lt"/>
+                <a:ea typeface="+mn-ea"/>
+                <a:cs typeface="+mn-cs"/>
+              </a:defRPr>
+            </a:lvl3pPr>
+            <a:lvl4pPr marL="1371600" algn="l" defTabSz="914400" rtl="0" eaLnBrk="1" latinLnBrk="0" hangingPunct="1">
+              <a:defRPr sz="1800" kern="1200">
+                <a:solidFill>
+                  <a:schemeClr val="tx1"/>
+                </a:solidFill>
+                <a:latin typeface="+mn-lt"/>
+                <a:ea typeface="+mn-ea"/>
+                <a:cs typeface="+mn-cs"/>
+              </a:defRPr>
+            </a:lvl4pPr>
+            <a:lvl5pPr marL="1828800" algn="l" defTabSz="914400" rtl="0" eaLnBrk="1" latinLnBrk="0" hangingPunct="1">
+              <a:defRPr sz="1800" kern="1200">
+                <a:solidFill>
+                  <a:schemeClr val="tx1"/>
+                </a:solidFill>
+                <a:latin typeface="+mn-lt"/>
+                <a:ea typeface="+mn-ea"/>
+                <a:cs typeface="+mn-cs"/>
+              </a:defRPr>
+            </a:lvl5pPr>
+            <a:lvl6pPr marL="2286000" algn="l" defTabSz="914400" rtl="0" eaLnBrk="1" latinLnBrk="0" hangingPunct="1">
+              <a:defRPr sz="1800" kern="1200">
+                <a:solidFill>
+                  <a:schemeClr val="tx1"/>
+                </a:solidFill>
+                <a:latin typeface="+mn-lt"/>
+                <a:ea typeface="+mn-ea"/>
+                <a:cs typeface="+mn-cs"/>
+              </a:defRPr>
+            </a:lvl6pPr>
+            <a:lvl7pPr marL="2743200" algn="l" defTabSz="914400" rtl="0" eaLnBrk="1" latinLnBrk="0" hangingPunct="1">
+              <a:defRPr sz="1800" kern="1200">
+                <a:solidFill>
+                  <a:schemeClr val="tx1"/>
+                </a:solidFill>
+                <a:latin typeface="+mn-lt"/>
+                <a:ea typeface="+mn-ea"/>
+                <a:cs typeface="+mn-cs"/>
+              </a:defRPr>
+            </a:lvl7pPr>
+            <a:lvl8pPr marL="3200400" algn="l" defTabSz="914400" rtl="0" eaLnBrk="1" latinLnBrk="0" hangingPunct="1">
+              <a:defRPr sz="1800" kern="1200">
+                <a:solidFill>
+                  <a:schemeClr val="tx1"/>
+                </a:solidFill>
+                <a:latin typeface="+mn-lt"/>
+                <a:ea typeface="+mn-ea"/>
+                <a:cs typeface="+mn-cs"/>
+              </a:defRPr>
+            </a:lvl8pPr>
+            <a:lvl9pPr marL="3657600" algn="l" defTabSz="914400" rtl="0" eaLnBrk="1" latinLnBrk="0" hangingPunct="1">
+              <a:defRPr sz="1800" kern="1200">
+                <a:solidFill>
+                  <a:schemeClr val="tx1"/>
+                </a:solidFill>
+                <a:latin typeface="+mn-lt"/>
+                <a:ea typeface="+mn-ea"/>
+                <a:cs typeface="+mn-cs"/>
+              </a:defRPr>
+            </a:lvl9pPr>
+          </a:lstStyle>
+          <a:p>
+            <a:r>
+              <a:rPr lang="en-US" sz="1600" dirty="0" smtClean="0">
+                <a:latin typeface="Times New Roman" panose="02020603050405020304" pitchFamily="18" charset="0"/>
+                <a:cs typeface="Times New Roman" panose="02020603050405020304" pitchFamily="18" charset="0"/>
+              </a:rPr>
+              <a:t>12/2017</a:t>
+            </a:r>
+            <a:endParaRPr lang="en-US" sz="1600" dirty="0">
+              <a:latin typeface="Times New Roman" panose="02020603050405020304" pitchFamily="18" charset="0"/>
+              <a:cs typeface="Times New Roman" panose="02020603050405020304" pitchFamily="18" charset="0"/>
             </a:endParaRPr>
           </a:p>
         </p:txBody>
@@ -4536,28 +4693,6 @@
       </p:grpSpPr>
       <p:sp>
         <p:nvSpPr>
-          <p:cNvPr id="3" name="Date Placeholder 2"/>
-          <p:cNvSpPr>
-            <a:spLocks noGrp="1"/>
-          </p:cNvSpPr>
-          <p:nvPr>
-            <p:ph type="dt" sz="half" idx="10"/>
-          </p:nvPr>
-        </p:nvSpPr>
-        <p:spPr/>
-        <p:txBody>
-          <a:bodyPr/>
-          <a:lstStyle/>
-          <a:p>
-            <a:r>
-              <a:rPr lang="en-US"/>
-              <a:t>10/13/2017</a:t>
-            </a:r>
-          </a:p>
-        </p:txBody>
-      </p:sp>
-      <p:sp>
-        <p:nvSpPr>
           <p:cNvPr id="4" name="Footer Placeholder 3"/>
           <p:cNvSpPr>
             <a:spLocks noGrp="1"/>
@@ -4764,7 +4899,7 @@
           <p:cNvPr id="10" name="Title 1">
             <a:extLst>
               <a:ext uri="{FF2B5EF4-FFF2-40B4-BE49-F238E27FC236}">
-                <a16:creationId xmlns:a16="http://schemas.microsoft.com/office/drawing/2014/main" xmlns="" id="{68CE6783-9C0D-46BA-8D98-4A95830915D5}"/>
+                <a16:creationId xmlns="" xmlns:a16="http://schemas.microsoft.com/office/drawing/2014/main" id="{68CE6783-9C0D-46BA-8D98-4A95830915D5}"/>
               </a:ext>
             </a:extLst>
           </p:cNvPr>
@@ -4843,6 +4978,137 @@
               </a:solidFill>
               <a:latin typeface="Arial" panose="020B0604020202020204" pitchFamily="34" charset="0"/>
               <a:cs typeface="Arial" panose="020B0604020202020204" pitchFamily="34" charset="0"/>
+            </a:endParaRPr>
+          </a:p>
+        </p:txBody>
+      </p:sp>
+      <p:sp>
+        <p:nvSpPr>
+          <p:cNvPr id="9" name="Footer Placeholder 2"/>
+          <p:cNvSpPr txBox="1">
+            <a:spLocks/>
+          </p:cNvSpPr>
+          <p:nvPr/>
+        </p:nvSpPr>
+        <p:spPr>
+          <a:xfrm>
+            <a:off x="0" y="6340475"/>
+            <a:ext cx="2632364" cy="365125"/>
+          </a:xfrm>
+          <a:prstGeom prst="rect">
+            <a:avLst/>
+          </a:prstGeom>
+        </p:spPr>
+        <p:txBody>
+          <a:bodyPr vert="horz" lIns="91440" tIns="45720" rIns="91440" bIns="45720" rtlCol="0" anchor="ctr"/>
+          <a:lstStyle>
+            <a:defPPr>
+              <a:defRPr lang="en-US"/>
+            </a:defPPr>
+            <a:lvl1pPr marL="0" algn="ctr" defTabSz="914400" rtl="0" eaLnBrk="1" latinLnBrk="0" hangingPunct="1">
+              <a:defRPr sz="1200" kern="1200">
+                <a:solidFill>
+                  <a:schemeClr val="tx1">
+                    <a:tint val="75000"/>
+                  </a:schemeClr>
+                </a:solidFill>
+                <a:latin typeface="+mn-lt"/>
+                <a:ea typeface="+mn-ea"/>
+                <a:cs typeface="+mn-cs"/>
+              </a:defRPr>
+            </a:lvl1pPr>
+            <a:lvl2pPr marL="457200" algn="l" defTabSz="914400" rtl="0" eaLnBrk="1" latinLnBrk="0" hangingPunct="1">
+              <a:defRPr sz="1800" kern="1200">
+                <a:solidFill>
+                  <a:schemeClr val="tx1"/>
+                </a:solidFill>
+                <a:latin typeface="+mn-lt"/>
+                <a:ea typeface="+mn-ea"/>
+                <a:cs typeface="+mn-cs"/>
+              </a:defRPr>
+            </a:lvl2pPr>
+            <a:lvl3pPr marL="914400" algn="l" defTabSz="914400" rtl="0" eaLnBrk="1" latinLnBrk="0" hangingPunct="1">
+              <a:defRPr sz="1800" kern="1200">
+                <a:solidFill>
+                  <a:schemeClr val="tx1"/>
+                </a:solidFill>
+                <a:latin typeface="+mn-lt"/>
+                <a:ea typeface="+mn-ea"/>
+                <a:cs typeface="+mn-cs"/>
+              </a:defRPr>
+            </a:lvl3pPr>
+            <a:lvl4pPr marL="1371600" algn="l" defTabSz="914400" rtl="0" eaLnBrk="1" latinLnBrk="0" hangingPunct="1">
+              <a:defRPr sz="1800" kern="1200">
+                <a:solidFill>
+                  <a:schemeClr val="tx1"/>
+                </a:solidFill>
+                <a:latin typeface="+mn-lt"/>
+                <a:ea typeface="+mn-ea"/>
+                <a:cs typeface="+mn-cs"/>
+              </a:defRPr>
+            </a:lvl4pPr>
+            <a:lvl5pPr marL="1828800" algn="l" defTabSz="914400" rtl="0" eaLnBrk="1" latinLnBrk="0" hangingPunct="1">
+              <a:defRPr sz="1800" kern="1200">
+                <a:solidFill>
+                  <a:schemeClr val="tx1"/>
+                </a:solidFill>
+                <a:latin typeface="+mn-lt"/>
+                <a:ea typeface="+mn-ea"/>
+                <a:cs typeface="+mn-cs"/>
+              </a:defRPr>
+            </a:lvl5pPr>
+            <a:lvl6pPr marL="2286000" algn="l" defTabSz="914400" rtl="0" eaLnBrk="1" latinLnBrk="0" hangingPunct="1">
+              <a:defRPr sz="1800" kern="1200">
+                <a:solidFill>
+                  <a:schemeClr val="tx1"/>
+                </a:solidFill>
+                <a:latin typeface="+mn-lt"/>
+                <a:ea typeface="+mn-ea"/>
+                <a:cs typeface="+mn-cs"/>
+              </a:defRPr>
+            </a:lvl6pPr>
+            <a:lvl7pPr marL="2743200" algn="l" defTabSz="914400" rtl="0" eaLnBrk="1" latinLnBrk="0" hangingPunct="1">
+              <a:defRPr sz="1800" kern="1200">
+                <a:solidFill>
+                  <a:schemeClr val="tx1"/>
+                </a:solidFill>
+                <a:latin typeface="+mn-lt"/>
+                <a:ea typeface="+mn-ea"/>
+                <a:cs typeface="+mn-cs"/>
+              </a:defRPr>
+            </a:lvl7pPr>
+            <a:lvl8pPr marL="3200400" algn="l" defTabSz="914400" rtl="0" eaLnBrk="1" latinLnBrk="0" hangingPunct="1">
+              <a:defRPr sz="1800" kern="1200">
+                <a:solidFill>
+                  <a:schemeClr val="tx1"/>
+                </a:solidFill>
+                <a:latin typeface="+mn-lt"/>
+                <a:ea typeface="+mn-ea"/>
+                <a:cs typeface="+mn-cs"/>
+              </a:defRPr>
+            </a:lvl8pPr>
+            <a:lvl9pPr marL="3657600" algn="l" defTabSz="914400" rtl="0" eaLnBrk="1" latinLnBrk="0" hangingPunct="1">
+              <a:defRPr sz="1800" kern="1200">
+                <a:solidFill>
+                  <a:schemeClr val="tx1"/>
+                </a:solidFill>
+                <a:latin typeface="+mn-lt"/>
+                <a:ea typeface="+mn-ea"/>
+                <a:cs typeface="+mn-cs"/>
+              </a:defRPr>
+            </a:lvl9pPr>
+          </a:lstStyle>
+          <a:p>
+            <a:r>
+              <a:rPr lang="en-US" sz="1600" dirty="0" smtClean="0">
+                <a:latin typeface="Times New Roman" panose="02020603050405020304" pitchFamily="18" charset="0"/>
+                <a:cs typeface="Times New Roman" panose="02020603050405020304" pitchFamily="18" charset="0"/>
+              </a:rPr>
+              <a:t>12/2017</a:t>
+            </a:r>
+            <a:endParaRPr lang="en-US" sz="1600" dirty="0">
+              <a:latin typeface="Times New Roman" panose="02020603050405020304" pitchFamily="18" charset="0"/>
+              <a:cs typeface="Times New Roman" panose="02020603050405020304" pitchFamily="18" charset="0"/>
             </a:endParaRPr>
           </a:p>
         </p:txBody>
@@ -5004,28 +5270,6 @@
       </p:sp>
       <p:sp>
         <p:nvSpPr>
-          <p:cNvPr id="3" name="Date Placeholder 2"/>
-          <p:cNvSpPr>
-            <a:spLocks noGrp="1"/>
-          </p:cNvSpPr>
-          <p:nvPr>
-            <p:ph type="dt" sz="half" idx="10"/>
-          </p:nvPr>
-        </p:nvSpPr>
-        <p:spPr/>
-        <p:txBody>
-          <a:bodyPr/>
-          <a:lstStyle/>
-          <a:p>
-            <a:r>
-              <a:rPr lang="en-US"/>
-              <a:t>10/13/2017</a:t>
-            </a:r>
-          </a:p>
-        </p:txBody>
-      </p:sp>
-      <p:sp>
-        <p:nvSpPr>
           <p:cNvPr id="4" name="Footer Placeholder 3"/>
           <p:cNvSpPr>
             <a:spLocks noGrp="1"/>
@@ -5162,7 +5406,7 @@
           <p:cNvPr id="11" name="Title 1">
             <a:extLst>
               <a:ext uri="{FF2B5EF4-FFF2-40B4-BE49-F238E27FC236}">
-                <a16:creationId xmlns:a16="http://schemas.microsoft.com/office/drawing/2014/main" xmlns="" id="{68CE6783-9C0D-46BA-8D98-4A95830915D5}"/>
+                <a16:creationId xmlns="" xmlns:a16="http://schemas.microsoft.com/office/drawing/2014/main" id="{68CE6783-9C0D-46BA-8D98-4A95830915D5}"/>
               </a:ext>
             </a:extLst>
           </p:cNvPr>
@@ -5241,6 +5485,137 @@
               </a:solidFill>
               <a:latin typeface="Arial" panose="020B0604020202020204" pitchFamily="34" charset="0"/>
               <a:cs typeface="Arial" panose="020B0604020202020204" pitchFamily="34" charset="0"/>
+            </a:endParaRPr>
+          </a:p>
+        </p:txBody>
+      </p:sp>
+      <p:sp>
+        <p:nvSpPr>
+          <p:cNvPr id="9" name="Footer Placeholder 2"/>
+          <p:cNvSpPr txBox="1">
+            <a:spLocks/>
+          </p:cNvSpPr>
+          <p:nvPr/>
+        </p:nvSpPr>
+        <p:spPr>
+          <a:xfrm>
+            <a:off x="0" y="6340475"/>
+            <a:ext cx="2632364" cy="365125"/>
+          </a:xfrm>
+          <a:prstGeom prst="rect">
+            <a:avLst/>
+          </a:prstGeom>
+        </p:spPr>
+        <p:txBody>
+          <a:bodyPr vert="horz" lIns="91440" tIns="45720" rIns="91440" bIns="45720" rtlCol="0" anchor="ctr"/>
+          <a:lstStyle>
+            <a:defPPr>
+              <a:defRPr lang="en-US"/>
+            </a:defPPr>
+            <a:lvl1pPr marL="0" algn="ctr" defTabSz="914400" rtl="0" eaLnBrk="1" latinLnBrk="0" hangingPunct="1">
+              <a:defRPr sz="1200" kern="1200">
+                <a:solidFill>
+                  <a:schemeClr val="tx1">
+                    <a:tint val="75000"/>
+                  </a:schemeClr>
+                </a:solidFill>
+                <a:latin typeface="+mn-lt"/>
+                <a:ea typeface="+mn-ea"/>
+                <a:cs typeface="+mn-cs"/>
+              </a:defRPr>
+            </a:lvl1pPr>
+            <a:lvl2pPr marL="457200" algn="l" defTabSz="914400" rtl="0" eaLnBrk="1" latinLnBrk="0" hangingPunct="1">
+              <a:defRPr sz="1800" kern="1200">
+                <a:solidFill>
+                  <a:schemeClr val="tx1"/>
+                </a:solidFill>
+                <a:latin typeface="+mn-lt"/>
+                <a:ea typeface="+mn-ea"/>
+                <a:cs typeface="+mn-cs"/>
+              </a:defRPr>
+            </a:lvl2pPr>
+            <a:lvl3pPr marL="914400" algn="l" defTabSz="914400" rtl="0" eaLnBrk="1" latinLnBrk="0" hangingPunct="1">
+              <a:defRPr sz="1800" kern="1200">
+                <a:solidFill>
+                  <a:schemeClr val="tx1"/>
+                </a:solidFill>
+                <a:latin typeface="+mn-lt"/>
+                <a:ea typeface="+mn-ea"/>
+                <a:cs typeface="+mn-cs"/>
+              </a:defRPr>
+            </a:lvl3pPr>
+            <a:lvl4pPr marL="1371600" algn="l" defTabSz="914400" rtl="0" eaLnBrk="1" latinLnBrk="0" hangingPunct="1">
+              <a:defRPr sz="1800" kern="1200">
+                <a:solidFill>
+                  <a:schemeClr val="tx1"/>
+                </a:solidFill>
+                <a:latin typeface="+mn-lt"/>
+                <a:ea typeface="+mn-ea"/>
+                <a:cs typeface="+mn-cs"/>
+              </a:defRPr>
+            </a:lvl4pPr>
+            <a:lvl5pPr marL="1828800" algn="l" defTabSz="914400" rtl="0" eaLnBrk="1" latinLnBrk="0" hangingPunct="1">
+              <a:defRPr sz="1800" kern="1200">
+                <a:solidFill>
+                  <a:schemeClr val="tx1"/>
+                </a:solidFill>
+                <a:latin typeface="+mn-lt"/>
+                <a:ea typeface="+mn-ea"/>
+                <a:cs typeface="+mn-cs"/>
+              </a:defRPr>
+            </a:lvl5pPr>
+            <a:lvl6pPr marL="2286000" algn="l" defTabSz="914400" rtl="0" eaLnBrk="1" latinLnBrk="0" hangingPunct="1">
+              <a:defRPr sz="1800" kern="1200">
+                <a:solidFill>
+                  <a:schemeClr val="tx1"/>
+                </a:solidFill>
+                <a:latin typeface="+mn-lt"/>
+                <a:ea typeface="+mn-ea"/>
+                <a:cs typeface="+mn-cs"/>
+              </a:defRPr>
+            </a:lvl6pPr>
+            <a:lvl7pPr marL="2743200" algn="l" defTabSz="914400" rtl="0" eaLnBrk="1" latinLnBrk="0" hangingPunct="1">
+              <a:defRPr sz="1800" kern="1200">
+                <a:solidFill>
+                  <a:schemeClr val="tx1"/>
+                </a:solidFill>
+                <a:latin typeface="+mn-lt"/>
+                <a:ea typeface="+mn-ea"/>
+                <a:cs typeface="+mn-cs"/>
+              </a:defRPr>
+            </a:lvl7pPr>
+            <a:lvl8pPr marL="3200400" algn="l" defTabSz="914400" rtl="0" eaLnBrk="1" latinLnBrk="0" hangingPunct="1">
+              <a:defRPr sz="1800" kern="1200">
+                <a:solidFill>
+                  <a:schemeClr val="tx1"/>
+                </a:solidFill>
+                <a:latin typeface="+mn-lt"/>
+                <a:ea typeface="+mn-ea"/>
+                <a:cs typeface="+mn-cs"/>
+              </a:defRPr>
+            </a:lvl8pPr>
+            <a:lvl9pPr marL="3657600" algn="l" defTabSz="914400" rtl="0" eaLnBrk="1" latinLnBrk="0" hangingPunct="1">
+              <a:defRPr sz="1800" kern="1200">
+                <a:solidFill>
+                  <a:schemeClr val="tx1"/>
+                </a:solidFill>
+                <a:latin typeface="+mn-lt"/>
+                <a:ea typeface="+mn-ea"/>
+                <a:cs typeface="+mn-cs"/>
+              </a:defRPr>
+            </a:lvl9pPr>
+          </a:lstStyle>
+          <a:p>
+            <a:r>
+              <a:rPr lang="en-US" sz="1600" dirty="0" smtClean="0">
+                <a:latin typeface="Times New Roman" panose="02020603050405020304" pitchFamily="18" charset="0"/>
+                <a:cs typeface="Times New Roman" panose="02020603050405020304" pitchFamily="18" charset="0"/>
+              </a:rPr>
+              <a:t>12/2017</a:t>
+            </a:r>
+            <a:endParaRPr lang="en-US" sz="1600" dirty="0">
+              <a:latin typeface="Times New Roman" panose="02020603050405020304" pitchFamily="18" charset="0"/>
+              <a:cs typeface="Times New Roman" panose="02020603050405020304" pitchFamily="18" charset="0"/>
             </a:endParaRPr>
           </a:p>
         </p:txBody>
@@ -5486,28 +5861,6 @@
       </p:sp>
       <p:sp>
         <p:nvSpPr>
-          <p:cNvPr id="3" name="Date Placeholder 2"/>
-          <p:cNvSpPr>
-            <a:spLocks noGrp="1"/>
-          </p:cNvSpPr>
-          <p:nvPr>
-            <p:ph type="dt" sz="half" idx="10"/>
-          </p:nvPr>
-        </p:nvSpPr>
-        <p:spPr/>
-        <p:txBody>
-          <a:bodyPr/>
-          <a:lstStyle/>
-          <a:p>
-            <a:r>
-              <a:rPr lang="en-US"/>
-              <a:t>10/13/2017</a:t>
-            </a:r>
-          </a:p>
-        </p:txBody>
-      </p:sp>
-      <p:sp>
-        <p:nvSpPr>
           <p:cNvPr id="4" name="Footer Placeholder 3"/>
           <p:cNvSpPr>
             <a:spLocks noGrp="1"/>
@@ -5611,7 +5964,7 @@
           <p:cNvPr id="10" name="Title 1">
             <a:extLst>
               <a:ext uri="{FF2B5EF4-FFF2-40B4-BE49-F238E27FC236}">
-                <a16:creationId xmlns:a16="http://schemas.microsoft.com/office/drawing/2014/main" xmlns="" id="{68CE6783-9C0D-46BA-8D98-4A95830915D5}"/>
+                <a16:creationId xmlns="" xmlns:a16="http://schemas.microsoft.com/office/drawing/2014/main" id="{68CE6783-9C0D-46BA-8D98-4A95830915D5}"/>
               </a:ext>
             </a:extLst>
           </p:cNvPr>
@@ -5690,6 +6043,137 @@
               </a:solidFill>
               <a:latin typeface="Arial" panose="020B0604020202020204" pitchFamily="34" charset="0"/>
               <a:cs typeface="Arial" panose="020B0604020202020204" pitchFamily="34" charset="0"/>
+            </a:endParaRPr>
+          </a:p>
+        </p:txBody>
+      </p:sp>
+      <p:sp>
+        <p:nvSpPr>
+          <p:cNvPr id="9" name="Footer Placeholder 2"/>
+          <p:cNvSpPr txBox="1">
+            <a:spLocks/>
+          </p:cNvSpPr>
+          <p:nvPr/>
+        </p:nvSpPr>
+        <p:spPr>
+          <a:xfrm>
+            <a:off x="0" y="6340475"/>
+            <a:ext cx="2632364" cy="365125"/>
+          </a:xfrm>
+          <a:prstGeom prst="rect">
+            <a:avLst/>
+          </a:prstGeom>
+        </p:spPr>
+        <p:txBody>
+          <a:bodyPr vert="horz" lIns="91440" tIns="45720" rIns="91440" bIns="45720" rtlCol="0" anchor="ctr"/>
+          <a:lstStyle>
+            <a:defPPr>
+              <a:defRPr lang="en-US"/>
+            </a:defPPr>
+            <a:lvl1pPr marL="0" algn="ctr" defTabSz="914400" rtl="0" eaLnBrk="1" latinLnBrk="0" hangingPunct="1">
+              <a:defRPr sz="1200" kern="1200">
+                <a:solidFill>
+                  <a:schemeClr val="tx1">
+                    <a:tint val="75000"/>
+                  </a:schemeClr>
+                </a:solidFill>
+                <a:latin typeface="+mn-lt"/>
+                <a:ea typeface="+mn-ea"/>
+                <a:cs typeface="+mn-cs"/>
+              </a:defRPr>
+            </a:lvl1pPr>
+            <a:lvl2pPr marL="457200" algn="l" defTabSz="914400" rtl="0" eaLnBrk="1" latinLnBrk="0" hangingPunct="1">
+              <a:defRPr sz="1800" kern="1200">
+                <a:solidFill>
+                  <a:schemeClr val="tx1"/>
+                </a:solidFill>
+                <a:latin typeface="+mn-lt"/>
+                <a:ea typeface="+mn-ea"/>
+                <a:cs typeface="+mn-cs"/>
+              </a:defRPr>
+            </a:lvl2pPr>
+            <a:lvl3pPr marL="914400" algn="l" defTabSz="914400" rtl="0" eaLnBrk="1" latinLnBrk="0" hangingPunct="1">
+              <a:defRPr sz="1800" kern="1200">
+                <a:solidFill>
+                  <a:schemeClr val="tx1"/>
+                </a:solidFill>
+                <a:latin typeface="+mn-lt"/>
+                <a:ea typeface="+mn-ea"/>
+                <a:cs typeface="+mn-cs"/>
+              </a:defRPr>
+            </a:lvl3pPr>
+            <a:lvl4pPr marL="1371600" algn="l" defTabSz="914400" rtl="0" eaLnBrk="1" latinLnBrk="0" hangingPunct="1">
+              <a:defRPr sz="1800" kern="1200">
+                <a:solidFill>
+                  <a:schemeClr val="tx1"/>
+                </a:solidFill>
+                <a:latin typeface="+mn-lt"/>
+                <a:ea typeface="+mn-ea"/>
+                <a:cs typeface="+mn-cs"/>
+              </a:defRPr>
+            </a:lvl4pPr>
+            <a:lvl5pPr marL="1828800" algn="l" defTabSz="914400" rtl="0" eaLnBrk="1" latinLnBrk="0" hangingPunct="1">
+              <a:defRPr sz="1800" kern="1200">
+                <a:solidFill>
+                  <a:schemeClr val="tx1"/>
+                </a:solidFill>
+                <a:latin typeface="+mn-lt"/>
+                <a:ea typeface="+mn-ea"/>
+                <a:cs typeface="+mn-cs"/>
+              </a:defRPr>
+            </a:lvl5pPr>
+            <a:lvl6pPr marL="2286000" algn="l" defTabSz="914400" rtl="0" eaLnBrk="1" latinLnBrk="0" hangingPunct="1">
+              <a:defRPr sz="1800" kern="1200">
+                <a:solidFill>
+                  <a:schemeClr val="tx1"/>
+                </a:solidFill>
+                <a:latin typeface="+mn-lt"/>
+                <a:ea typeface="+mn-ea"/>
+                <a:cs typeface="+mn-cs"/>
+              </a:defRPr>
+            </a:lvl6pPr>
+            <a:lvl7pPr marL="2743200" algn="l" defTabSz="914400" rtl="0" eaLnBrk="1" latinLnBrk="0" hangingPunct="1">
+              <a:defRPr sz="1800" kern="1200">
+                <a:solidFill>
+                  <a:schemeClr val="tx1"/>
+                </a:solidFill>
+                <a:latin typeface="+mn-lt"/>
+                <a:ea typeface="+mn-ea"/>
+                <a:cs typeface="+mn-cs"/>
+              </a:defRPr>
+            </a:lvl7pPr>
+            <a:lvl8pPr marL="3200400" algn="l" defTabSz="914400" rtl="0" eaLnBrk="1" latinLnBrk="0" hangingPunct="1">
+              <a:defRPr sz="1800" kern="1200">
+                <a:solidFill>
+                  <a:schemeClr val="tx1"/>
+                </a:solidFill>
+                <a:latin typeface="+mn-lt"/>
+                <a:ea typeface="+mn-ea"/>
+                <a:cs typeface="+mn-cs"/>
+              </a:defRPr>
+            </a:lvl8pPr>
+            <a:lvl9pPr marL="3657600" algn="l" defTabSz="914400" rtl="0" eaLnBrk="1" latinLnBrk="0" hangingPunct="1">
+              <a:defRPr sz="1800" kern="1200">
+                <a:solidFill>
+                  <a:schemeClr val="tx1"/>
+                </a:solidFill>
+                <a:latin typeface="+mn-lt"/>
+                <a:ea typeface="+mn-ea"/>
+                <a:cs typeface="+mn-cs"/>
+              </a:defRPr>
+            </a:lvl9pPr>
+          </a:lstStyle>
+          <a:p>
+            <a:r>
+              <a:rPr lang="en-US" sz="1600" dirty="0" smtClean="0">
+                <a:latin typeface="Times New Roman" panose="02020603050405020304" pitchFamily="18" charset="0"/>
+                <a:cs typeface="Times New Roman" panose="02020603050405020304" pitchFamily="18" charset="0"/>
+              </a:rPr>
+              <a:t>12/2017</a:t>
+            </a:r>
+            <a:endParaRPr lang="en-US" sz="1600" dirty="0">
+              <a:latin typeface="Times New Roman" panose="02020603050405020304" pitchFamily="18" charset="0"/>
+              <a:cs typeface="Times New Roman" panose="02020603050405020304" pitchFamily="18" charset="0"/>
             </a:endParaRPr>
           </a:p>
         </p:txBody>
@@ -5768,7 +6252,7 @@
           <a:p>
             <a:pPr marL="800100" lvl="1" indent="-342900" algn="l">
               <a:buFont typeface="Wingdings" panose="05000000000000000000" pitchFamily="2" charset="2"/>
-              <a:buChar char="v"/>
+              <a:buChar char="Ø"/>
             </a:pPr>
             <a:r>
               <a:rPr lang="en-US" sz="2400" dirty="0" smtClean="0">
@@ -5783,22 +6267,6 @@
           </a:p>
           <a:p>
             <a:pPr marL="800100" lvl="1" indent="-342900" algn="l">
-              <a:buFont typeface="Wingdings" panose="05000000000000000000" pitchFamily="2" charset="2"/>
-              <a:buChar char="v"/>
-            </a:pPr>
-            <a:r>
-              <a:rPr lang="en-US" sz="2400" dirty="0" smtClean="0">
-                <a:solidFill>
-                  <a:schemeClr val="tx1"/>
-                </a:solidFill>
-                <a:latin typeface="Arial" panose="020B0604020202020204" pitchFamily="34" charset="0"/>
-                <a:cs typeface="Arial" panose="020B0604020202020204" pitchFamily="34" charset="0"/>
-              </a:rPr>
-              <a:t>Xây dựng cơ sở dữ liệu của ứng dụng</a:t>
-            </a:r>
-          </a:p>
-          <a:p>
-            <a:pPr marL="1714500" lvl="3" indent="-342900" algn="l">
               <a:buFont typeface="Wingdings" panose="05000000000000000000" pitchFamily="2" charset="2"/>
               <a:buChar char="Ø"/>
             </a:pPr>
@@ -5810,13 +6278,13 @@
                 <a:latin typeface="Arial" panose="020B0604020202020204" pitchFamily="34" charset="0"/>
                 <a:cs typeface="Arial" panose="020B0604020202020204" pitchFamily="34" charset="0"/>
               </a:rPr>
-              <a:t>Nội dung các bài học</a:t>
+              <a:t>Xây dựng cơ sở dữ liệu của ứng dụng</a:t>
             </a:r>
           </a:p>
           <a:p>
             <a:pPr marL="1714500" lvl="3" indent="-342900" algn="l">
-              <a:buFont typeface="Wingdings" panose="05000000000000000000" pitchFamily="2" charset="2"/>
-              <a:buChar char="Ø"/>
+              <a:buFont typeface="Arial" panose="020B0604020202020204" pitchFamily="34" charset="0"/>
+              <a:buChar char="•"/>
             </a:pPr>
             <a:r>
               <a:rPr lang="en-US" sz="2400" dirty="0" smtClean="0">
@@ -5826,13 +6294,13 @@
                 <a:latin typeface="Arial" panose="020B0604020202020204" pitchFamily="34" charset="0"/>
                 <a:cs typeface="Arial" panose="020B0604020202020204" pitchFamily="34" charset="0"/>
               </a:rPr>
-              <a:t>Âm thanh</a:t>
+              <a:t>Nội dung các bài học</a:t>
             </a:r>
           </a:p>
           <a:p>
             <a:pPr marL="1714500" lvl="3" indent="-342900" algn="l">
-              <a:buFont typeface="Wingdings" panose="05000000000000000000" pitchFamily="2" charset="2"/>
-              <a:buChar char="Ø"/>
+              <a:buFont typeface="Arial" panose="020B0604020202020204" pitchFamily="34" charset="0"/>
+              <a:buChar char="•"/>
             </a:pPr>
             <a:r>
               <a:rPr lang="en-US" sz="2400" dirty="0" smtClean="0">
@@ -5842,29 +6310,23 @@
                 <a:latin typeface="Arial" panose="020B0604020202020204" pitchFamily="34" charset="0"/>
                 <a:cs typeface="Arial" panose="020B0604020202020204" pitchFamily="34" charset="0"/>
               </a:rPr>
+              <a:t>Âm thanh</a:t>
+            </a:r>
+          </a:p>
+          <a:p>
+            <a:pPr marL="1714500" lvl="3" indent="-342900" algn="l">
+              <a:buFont typeface="Arial" panose="020B0604020202020204" pitchFamily="34" charset="0"/>
+              <a:buChar char="•"/>
+            </a:pPr>
+            <a:r>
+              <a:rPr lang="en-US" sz="2400" dirty="0" smtClean="0">
+                <a:solidFill>
+                  <a:schemeClr val="tx1"/>
+                </a:solidFill>
+                <a:latin typeface="Arial" panose="020B0604020202020204" pitchFamily="34" charset="0"/>
+                <a:cs typeface="Arial" panose="020B0604020202020204" pitchFamily="34" charset="0"/>
+              </a:rPr>
               <a:t>Hình ảnh</a:t>
-            </a:r>
-          </a:p>
-        </p:txBody>
-      </p:sp>
-      <p:sp>
-        <p:nvSpPr>
-          <p:cNvPr id="3" name="Date Placeholder 2"/>
-          <p:cNvSpPr>
-            <a:spLocks noGrp="1"/>
-          </p:cNvSpPr>
-          <p:nvPr>
-            <p:ph type="dt" sz="half" idx="10"/>
-          </p:nvPr>
-        </p:nvSpPr>
-        <p:spPr/>
-        <p:txBody>
-          <a:bodyPr/>
-          <a:lstStyle/>
-          <a:p>
-            <a:r>
-              <a:rPr lang="en-US"/>
-              <a:t>10/13/2017</a:t>
             </a:r>
           </a:p>
         </p:txBody>
@@ -5974,7 +6436,7 @@
           <p:cNvPr id="9" name="Title 1">
             <a:extLst>
               <a:ext uri="{FF2B5EF4-FFF2-40B4-BE49-F238E27FC236}">
-                <a16:creationId xmlns:a16="http://schemas.microsoft.com/office/drawing/2014/main" xmlns="" id="{68CE6783-9C0D-46BA-8D98-4A95830915D5}"/>
+                <a16:creationId xmlns="" xmlns:a16="http://schemas.microsoft.com/office/drawing/2014/main" id="{68CE6783-9C0D-46BA-8D98-4A95830915D5}"/>
               </a:ext>
             </a:extLst>
           </p:cNvPr>
@@ -6053,6 +6515,137 @@
               </a:solidFill>
               <a:latin typeface="Arial" panose="020B0604020202020204" pitchFamily="34" charset="0"/>
               <a:cs typeface="Arial" panose="020B0604020202020204" pitchFamily="34" charset="0"/>
+            </a:endParaRPr>
+          </a:p>
+        </p:txBody>
+      </p:sp>
+      <p:sp>
+        <p:nvSpPr>
+          <p:cNvPr id="10" name="Footer Placeholder 2"/>
+          <p:cNvSpPr txBox="1">
+            <a:spLocks/>
+          </p:cNvSpPr>
+          <p:nvPr/>
+        </p:nvSpPr>
+        <p:spPr>
+          <a:xfrm>
+            <a:off x="0" y="6340475"/>
+            <a:ext cx="2632364" cy="365125"/>
+          </a:xfrm>
+          <a:prstGeom prst="rect">
+            <a:avLst/>
+          </a:prstGeom>
+        </p:spPr>
+        <p:txBody>
+          <a:bodyPr vert="horz" lIns="91440" tIns="45720" rIns="91440" bIns="45720" rtlCol="0" anchor="ctr"/>
+          <a:lstStyle>
+            <a:defPPr>
+              <a:defRPr lang="en-US"/>
+            </a:defPPr>
+            <a:lvl1pPr marL="0" algn="ctr" defTabSz="914400" rtl="0" eaLnBrk="1" latinLnBrk="0" hangingPunct="1">
+              <a:defRPr sz="1200" kern="1200">
+                <a:solidFill>
+                  <a:schemeClr val="tx1">
+                    <a:tint val="75000"/>
+                  </a:schemeClr>
+                </a:solidFill>
+                <a:latin typeface="+mn-lt"/>
+                <a:ea typeface="+mn-ea"/>
+                <a:cs typeface="+mn-cs"/>
+              </a:defRPr>
+            </a:lvl1pPr>
+            <a:lvl2pPr marL="457200" algn="l" defTabSz="914400" rtl="0" eaLnBrk="1" latinLnBrk="0" hangingPunct="1">
+              <a:defRPr sz="1800" kern="1200">
+                <a:solidFill>
+                  <a:schemeClr val="tx1"/>
+                </a:solidFill>
+                <a:latin typeface="+mn-lt"/>
+                <a:ea typeface="+mn-ea"/>
+                <a:cs typeface="+mn-cs"/>
+              </a:defRPr>
+            </a:lvl2pPr>
+            <a:lvl3pPr marL="914400" algn="l" defTabSz="914400" rtl="0" eaLnBrk="1" latinLnBrk="0" hangingPunct="1">
+              <a:defRPr sz="1800" kern="1200">
+                <a:solidFill>
+                  <a:schemeClr val="tx1"/>
+                </a:solidFill>
+                <a:latin typeface="+mn-lt"/>
+                <a:ea typeface="+mn-ea"/>
+                <a:cs typeface="+mn-cs"/>
+              </a:defRPr>
+            </a:lvl3pPr>
+            <a:lvl4pPr marL="1371600" algn="l" defTabSz="914400" rtl="0" eaLnBrk="1" latinLnBrk="0" hangingPunct="1">
+              <a:defRPr sz="1800" kern="1200">
+                <a:solidFill>
+                  <a:schemeClr val="tx1"/>
+                </a:solidFill>
+                <a:latin typeface="+mn-lt"/>
+                <a:ea typeface="+mn-ea"/>
+                <a:cs typeface="+mn-cs"/>
+              </a:defRPr>
+            </a:lvl4pPr>
+            <a:lvl5pPr marL="1828800" algn="l" defTabSz="914400" rtl="0" eaLnBrk="1" latinLnBrk="0" hangingPunct="1">
+              <a:defRPr sz="1800" kern="1200">
+                <a:solidFill>
+                  <a:schemeClr val="tx1"/>
+                </a:solidFill>
+                <a:latin typeface="+mn-lt"/>
+                <a:ea typeface="+mn-ea"/>
+                <a:cs typeface="+mn-cs"/>
+              </a:defRPr>
+            </a:lvl5pPr>
+            <a:lvl6pPr marL="2286000" algn="l" defTabSz="914400" rtl="0" eaLnBrk="1" latinLnBrk="0" hangingPunct="1">
+              <a:defRPr sz="1800" kern="1200">
+                <a:solidFill>
+                  <a:schemeClr val="tx1"/>
+                </a:solidFill>
+                <a:latin typeface="+mn-lt"/>
+                <a:ea typeface="+mn-ea"/>
+                <a:cs typeface="+mn-cs"/>
+              </a:defRPr>
+            </a:lvl6pPr>
+            <a:lvl7pPr marL="2743200" algn="l" defTabSz="914400" rtl="0" eaLnBrk="1" latinLnBrk="0" hangingPunct="1">
+              <a:defRPr sz="1800" kern="1200">
+                <a:solidFill>
+                  <a:schemeClr val="tx1"/>
+                </a:solidFill>
+                <a:latin typeface="+mn-lt"/>
+                <a:ea typeface="+mn-ea"/>
+                <a:cs typeface="+mn-cs"/>
+              </a:defRPr>
+            </a:lvl7pPr>
+            <a:lvl8pPr marL="3200400" algn="l" defTabSz="914400" rtl="0" eaLnBrk="1" latinLnBrk="0" hangingPunct="1">
+              <a:defRPr sz="1800" kern="1200">
+                <a:solidFill>
+                  <a:schemeClr val="tx1"/>
+                </a:solidFill>
+                <a:latin typeface="+mn-lt"/>
+                <a:ea typeface="+mn-ea"/>
+                <a:cs typeface="+mn-cs"/>
+              </a:defRPr>
+            </a:lvl8pPr>
+            <a:lvl9pPr marL="3657600" algn="l" defTabSz="914400" rtl="0" eaLnBrk="1" latinLnBrk="0" hangingPunct="1">
+              <a:defRPr sz="1800" kern="1200">
+                <a:solidFill>
+                  <a:schemeClr val="tx1"/>
+                </a:solidFill>
+                <a:latin typeface="+mn-lt"/>
+                <a:ea typeface="+mn-ea"/>
+                <a:cs typeface="+mn-cs"/>
+              </a:defRPr>
+            </a:lvl9pPr>
+          </a:lstStyle>
+          <a:p>
+            <a:r>
+              <a:rPr lang="en-US" sz="1600" dirty="0" smtClean="0">
+                <a:latin typeface="Times New Roman" panose="02020603050405020304" pitchFamily="18" charset="0"/>
+                <a:cs typeface="Times New Roman" panose="02020603050405020304" pitchFamily="18" charset="0"/>
+              </a:rPr>
+              <a:t>12/2017</a:t>
+            </a:r>
+            <a:endParaRPr lang="en-US" sz="1600" dirty="0">
+              <a:latin typeface="Times New Roman" panose="02020603050405020304" pitchFamily="18" charset="0"/>
+              <a:cs typeface="Times New Roman" panose="02020603050405020304" pitchFamily="18" charset="0"/>
             </a:endParaRPr>
           </a:p>
         </p:txBody>
@@ -6096,28 +6689,6 @@
       </p:grpSpPr>
       <p:sp>
         <p:nvSpPr>
-          <p:cNvPr id="3" name="Date Placeholder 2"/>
-          <p:cNvSpPr>
-            <a:spLocks noGrp="1"/>
-          </p:cNvSpPr>
-          <p:nvPr>
-            <p:ph type="dt" sz="half" idx="10"/>
-          </p:nvPr>
-        </p:nvSpPr>
-        <p:spPr/>
-        <p:txBody>
-          <a:bodyPr/>
-          <a:lstStyle/>
-          <a:p>
-            <a:r>
-              <a:rPr lang="en-US"/>
-              <a:t>10/13/2017</a:t>
-            </a:r>
-          </a:p>
-        </p:txBody>
-      </p:sp>
-      <p:sp>
-        <p:nvSpPr>
           <p:cNvPr id="4" name="Footer Placeholder 3"/>
           <p:cNvSpPr>
             <a:spLocks noGrp="1"/>
@@ -6221,7 +6792,7 @@
           <p:cNvPr id="9" name="Title 1">
             <a:extLst>
               <a:ext uri="{FF2B5EF4-FFF2-40B4-BE49-F238E27FC236}">
-                <a16:creationId xmlns:a16="http://schemas.microsoft.com/office/drawing/2014/main" xmlns="" id="{68CE6783-9C0D-46BA-8D98-4A95830915D5}"/>
+                <a16:creationId xmlns="" xmlns:a16="http://schemas.microsoft.com/office/drawing/2014/main" id="{68CE6783-9C0D-46BA-8D98-4A95830915D5}"/>
               </a:ext>
             </a:extLst>
           </p:cNvPr>
@@ -6529,6 +7100,137 @@
           </a:prstGeom>
         </p:spPr>
       </p:pic>
+      <p:sp>
+        <p:nvSpPr>
+          <p:cNvPr id="10" name="Footer Placeholder 2"/>
+          <p:cNvSpPr txBox="1">
+            <a:spLocks/>
+          </p:cNvSpPr>
+          <p:nvPr/>
+        </p:nvSpPr>
+        <p:spPr>
+          <a:xfrm>
+            <a:off x="0" y="6340475"/>
+            <a:ext cx="2632364" cy="365125"/>
+          </a:xfrm>
+          <a:prstGeom prst="rect">
+            <a:avLst/>
+          </a:prstGeom>
+        </p:spPr>
+        <p:txBody>
+          <a:bodyPr vert="horz" lIns="91440" tIns="45720" rIns="91440" bIns="45720" rtlCol="0" anchor="ctr"/>
+          <a:lstStyle>
+            <a:defPPr>
+              <a:defRPr lang="en-US"/>
+            </a:defPPr>
+            <a:lvl1pPr marL="0" algn="ctr" defTabSz="914400" rtl="0" eaLnBrk="1" latinLnBrk="0" hangingPunct="1">
+              <a:defRPr sz="1200" kern="1200">
+                <a:solidFill>
+                  <a:schemeClr val="tx1">
+                    <a:tint val="75000"/>
+                  </a:schemeClr>
+                </a:solidFill>
+                <a:latin typeface="+mn-lt"/>
+                <a:ea typeface="+mn-ea"/>
+                <a:cs typeface="+mn-cs"/>
+              </a:defRPr>
+            </a:lvl1pPr>
+            <a:lvl2pPr marL="457200" algn="l" defTabSz="914400" rtl="0" eaLnBrk="1" latinLnBrk="0" hangingPunct="1">
+              <a:defRPr sz="1800" kern="1200">
+                <a:solidFill>
+                  <a:schemeClr val="tx1"/>
+                </a:solidFill>
+                <a:latin typeface="+mn-lt"/>
+                <a:ea typeface="+mn-ea"/>
+                <a:cs typeface="+mn-cs"/>
+              </a:defRPr>
+            </a:lvl2pPr>
+            <a:lvl3pPr marL="914400" algn="l" defTabSz="914400" rtl="0" eaLnBrk="1" latinLnBrk="0" hangingPunct="1">
+              <a:defRPr sz="1800" kern="1200">
+                <a:solidFill>
+                  <a:schemeClr val="tx1"/>
+                </a:solidFill>
+                <a:latin typeface="+mn-lt"/>
+                <a:ea typeface="+mn-ea"/>
+                <a:cs typeface="+mn-cs"/>
+              </a:defRPr>
+            </a:lvl3pPr>
+            <a:lvl4pPr marL="1371600" algn="l" defTabSz="914400" rtl="0" eaLnBrk="1" latinLnBrk="0" hangingPunct="1">
+              <a:defRPr sz="1800" kern="1200">
+                <a:solidFill>
+                  <a:schemeClr val="tx1"/>
+                </a:solidFill>
+                <a:latin typeface="+mn-lt"/>
+                <a:ea typeface="+mn-ea"/>
+                <a:cs typeface="+mn-cs"/>
+              </a:defRPr>
+            </a:lvl4pPr>
+            <a:lvl5pPr marL="1828800" algn="l" defTabSz="914400" rtl="0" eaLnBrk="1" latinLnBrk="0" hangingPunct="1">
+              <a:defRPr sz="1800" kern="1200">
+                <a:solidFill>
+                  <a:schemeClr val="tx1"/>
+                </a:solidFill>
+                <a:latin typeface="+mn-lt"/>
+                <a:ea typeface="+mn-ea"/>
+                <a:cs typeface="+mn-cs"/>
+              </a:defRPr>
+            </a:lvl5pPr>
+            <a:lvl6pPr marL="2286000" algn="l" defTabSz="914400" rtl="0" eaLnBrk="1" latinLnBrk="0" hangingPunct="1">
+              <a:defRPr sz="1800" kern="1200">
+                <a:solidFill>
+                  <a:schemeClr val="tx1"/>
+                </a:solidFill>
+                <a:latin typeface="+mn-lt"/>
+                <a:ea typeface="+mn-ea"/>
+                <a:cs typeface="+mn-cs"/>
+              </a:defRPr>
+            </a:lvl6pPr>
+            <a:lvl7pPr marL="2743200" algn="l" defTabSz="914400" rtl="0" eaLnBrk="1" latinLnBrk="0" hangingPunct="1">
+              <a:defRPr sz="1800" kern="1200">
+                <a:solidFill>
+                  <a:schemeClr val="tx1"/>
+                </a:solidFill>
+                <a:latin typeface="+mn-lt"/>
+                <a:ea typeface="+mn-ea"/>
+                <a:cs typeface="+mn-cs"/>
+              </a:defRPr>
+            </a:lvl7pPr>
+            <a:lvl8pPr marL="3200400" algn="l" defTabSz="914400" rtl="0" eaLnBrk="1" latinLnBrk="0" hangingPunct="1">
+              <a:defRPr sz="1800" kern="1200">
+                <a:solidFill>
+                  <a:schemeClr val="tx1"/>
+                </a:solidFill>
+                <a:latin typeface="+mn-lt"/>
+                <a:ea typeface="+mn-ea"/>
+                <a:cs typeface="+mn-cs"/>
+              </a:defRPr>
+            </a:lvl8pPr>
+            <a:lvl9pPr marL="3657600" algn="l" defTabSz="914400" rtl="0" eaLnBrk="1" latinLnBrk="0" hangingPunct="1">
+              <a:defRPr sz="1800" kern="1200">
+                <a:solidFill>
+                  <a:schemeClr val="tx1"/>
+                </a:solidFill>
+                <a:latin typeface="+mn-lt"/>
+                <a:ea typeface="+mn-ea"/>
+                <a:cs typeface="+mn-cs"/>
+              </a:defRPr>
+            </a:lvl9pPr>
+          </a:lstStyle>
+          <a:p>
+            <a:r>
+              <a:rPr lang="en-US" sz="1600" dirty="0" smtClean="0">
+                <a:latin typeface="Times New Roman" panose="02020603050405020304" pitchFamily="18" charset="0"/>
+                <a:cs typeface="Times New Roman" panose="02020603050405020304" pitchFamily="18" charset="0"/>
+              </a:rPr>
+              <a:t>12/2017</a:t>
+            </a:r>
+            <a:endParaRPr lang="en-US" sz="1600" dirty="0">
+              <a:latin typeface="Times New Roman" panose="02020603050405020304" pitchFamily="18" charset="0"/>
+              <a:cs typeface="Times New Roman" panose="02020603050405020304" pitchFamily="18" charset="0"/>
+            </a:endParaRPr>
+          </a:p>
+        </p:txBody>
+      </p:sp>
     </p:spTree>
     <p:extLst>
       <p:ext uri="{BB962C8B-B14F-4D97-AF65-F5344CB8AC3E}">
@@ -6568,28 +7270,6 @@
       </p:grpSpPr>
       <p:sp>
         <p:nvSpPr>
-          <p:cNvPr id="3" name="Date Placeholder 2"/>
-          <p:cNvSpPr>
-            <a:spLocks noGrp="1"/>
-          </p:cNvSpPr>
-          <p:nvPr>
-            <p:ph type="dt" sz="half" idx="10"/>
-          </p:nvPr>
-        </p:nvSpPr>
-        <p:spPr/>
-        <p:txBody>
-          <a:bodyPr/>
-          <a:lstStyle/>
-          <a:p>
-            <a:r>
-              <a:rPr lang="en-US"/>
-              <a:t>10/13/2017</a:t>
-            </a:r>
-          </a:p>
-        </p:txBody>
-      </p:sp>
-      <p:sp>
-        <p:nvSpPr>
           <p:cNvPr id="4" name="Footer Placeholder 3"/>
           <p:cNvSpPr>
             <a:spLocks noGrp="1"/>
@@ -6693,7 +7373,7 @@
           <p:cNvPr id="9" name="Title 1">
             <a:extLst>
               <a:ext uri="{FF2B5EF4-FFF2-40B4-BE49-F238E27FC236}">
-                <a16:creationId xmlns:a16="http://schemas.microsoft.com/office/drawing/2014/main" xmlns="" id="{68CE6783-9C0D-46BA-8D98-4A95830915D5}"/>
+                <a16:creationId xmlns="" xmlns:a16="http://schemas.microsoft.com/office/drawing/2014/main" id="{68CE6783-9C0D-46BA-8D98-4A95830915D5}"/>
               </a:ext>
             </a:extLst>
           </p:cNvPr>
@@ -6995,6 +7675,137 @@
           </a:prstGeom>
         </p:spPr>
       </p:pic>
+      <p:sp>
+        <p:nvSpPr>
+          <p:cNvPr id="12" name="Footer Placeholder 2"/>
+          <p:cNvSpPr txBox="1">
+            <a:spLocks/>
+          </p:cNvSpPr>
+          <p:nvPr/>
+        </p:nvSpPr>
+        <p:spPr>
+          <a:xfrm>
+            <a:off x="0" y="6340475"/>
+            <a:ext cx="2632364" cy="365125"/>
+          </a:xfrm>
+          <a:prstGeom prst="rect">
+            <a:avLst/>
+          </a:prstGeom>
+        </p:spPr>
+        <p:txBody>
+          <a:bodyPr vert="horz" lIns="91440" tIns="45720" rIns="91440" bIns="45720" rtlCol="0" anchor="ctr"/>
+          <a:lstStyle>
+            <a:defPPr>
+              <a:defRPr lang="en-US"/>
+            </a:defPPr>
+            <a:lvl1pPr marL="0" algn="ctr" defTabSz="914400" rtl="0" eaLnBrk="1" latinLnBrk="0" hangingPunct="1">
+              <a:defRPr sz="1200" kern="1200">
+                <a:solidFill>
+                  <a:schemeClr val="tx1">
+                    <a:tint val="75000"/>
+                  </a:schemeClr>
+                </a:solidFill>
+                <a:latin typeface="+mn-lt"/>
+                <a:ea typeface="+mn-ea"/>
+                <a:cs typeface="+mn-cs"/>
+              </a:defRPr>
+            </a:lvl1pPr>
+            <a:lvl2pPr marL="457200" algn="l" defTabSz="914400" rtl="0" eaLnBrk="1" latinLnBrk="0" hangingPunct="1">
+              <a:defRPr sz="1800" kern="1200">
+                <a:solidFill>
+                  <a:schemeClr val="tx1"/>
+                </a:solidFill>
+                <a:latin typeface="+mn-lt"/>
+                <a:ea typeface="+mn-ea"/>
+                <a:cs typeface="+mn-cs"/>
+              </a:defRPr>
+            </a:lvl2pPr>
+            <a:lvl3pPr marL="914400" algn="l" defTabSz="914400" rtl="0" eaLnBrk="1" latinLnBrk="0" hangingPunct="1">
+              <a:defRPr sz="1800" kern="1200">
+                <a:solidFill>
+                  <a:schemeClr val="tx1"/>
+                </a:solidFill>
+                <a:latin typeface="+mn-lt"/>
+                <a:ea typeface="+mn-ea"/>
+                <a:cs typeface="+mn-cs"/>
+              </a:defRPr>
+            </a:lvl3pPr>
+            <a:lvl4pPr marL="1371600" algn="l" defTabSz="914400" rtl="0" eaLnBrk="1" latinLnBrk="0" hangingPunct="1">
+              <a:defRPr sz="1800" kern="1200">
+                <a:solidFill>
+                  <a:schemeClr val="tx1"/>
+                </a:solidFill>
+                <a:latin typeface="+mn-lt"/>
+                <a:ea typeface="+mn-ea"/>
+                <a:cs typeface="+mn-cs"/>
+              </a:defRPr>
+            </a:lvl4pPr>
+            <a:lvl5pPr marL="1828800" algn="l" defTabSz="914400" rtl="0" eaLnBrk="1" latinLnBrk="0" hangingPunct="1">
+              <a:defRPr sz="1800" kern="1200">
+                <a:solidFill>
+                  <a:schemeClr val="tx1"/>
+                </a:solidFill>
+                <a:latin typeface="+mn-lt"/>
+                <a:ea typeface="+mn-ea"/>
+                <a:cs typeface="+mn-cs"/>
+              </a:defRPr>
+            </a:lvl5pPr>
+            <a:lvl6pPr marL="2286000" algn="l" defTabSz="914400" rtl="0" eaLnBrk="1" latinLnBrk="0" hangingPunct="1">
+              <a:defRPr sz="1800" kern="1200">
+                <a:solidFill>
+                  <a:schemeClr val="tx1"/>
+                </a:solidFill>
+                <a:latin typeface="+mn-lt"/>
+                <a:ea typeface="+mn-ea"/>
+                <a:cs typeface="+mn-cs"/>
+              </a:defRPr>
+            </a:lvl6pPr>
+            <a:lvl7pPr marL="2743200" algn="l" defTabSz="914400" rtl="0" eaLnBrk="1" latinLnBrk="0" hangingPunct="1">
+              <a:defRPr sz="1800" kern="1200">
+                <a:solidFill>
+                  <a:schemeClr val="tx1"/>
+                </a:solidFill>
+                <a:latin typeface="+mn-lt"/>
+                <a:ea typeface="+mn-ea"/>
+                <a:cs typeface="+mn-cs"/>
+              </a:defRPr>
+            </a:lvl7pPr>
+            <a:lvl8pPr marL="3200400" algn="l" defTabSz="914400" rtl="0" eaLnBrk="1" latinLnBrk="0" hangingPunct="1">
+              <a:defRPr sz="1800" kern="1200">
+                <a:solidFill>
+                  <a:schemeClr val="tx1"/>
+                </a:solidFill>
+                <a:latin typeface="+mn-lt"/>
+                <a:ea typeface="+mn-ea"/>
+                <a:cs typeface="+mn-cs"/>
+              </a:defRPr>
+            </a:lvl8pPr>
+            <a:lvl9pPr marL="3657600" algn="l" defTabSz="914400" rtl="0" eaLnBrk="1" latinLnBrk="0" hangingPunct="1">
+              <a:defRPr sz="1800" kern="1200">
+                <a:solidFill>
+                  <a:schemeClr val="tx1"/>
+                </a:solidFill>
+                <a:latin typeface="+mn-lt"/>
+                <a:ea typeface="+mn-ea"/>
+                <a:cs typeface="+mn-cs"/>
+              </a:defRPr>
+            </a:lvl9pPr>
+          </a:lstStyle>
+          <a:p>
+            <a:r>
+              <a:rPr lang="en-US" sz="1600" dirty="0" smtClean="0">
+                <a:latin typeface="Times New Roman" panose="02020603050405020304" pitchFamily="18" charset="0"/>
+                <a:cs typeface="Times New Roman" panose="02020603050405020304" pitchFamily="18" charset="0"/>
+              </a:rPr>
+              <a:t>12/2017</a:t>
+            </a:r>
+            <a:endParaRPr lang="en-US" sz="1600" dirty="0">
+              <a:latin typeface="Times New Roman" panose="02020603050405020304" pitchFamily="18" charset="0"/>
+              <a:cs typeface="Times New Roman" panose="02020603050405020304" pitchFamily="18" charset="0"/>
+            </a:endParaRPr>
+          </a:p>
+        </p:txBody>
+      </p:sp>
     </p:spTree>
     <p:extLst>
       <p:ext uri="{BB962C8B-B14F-4D97-AF65-F5344CB8AC3E}">
@@ -7034,28 +7845,6 @@
       </p:grpSpPr>
       <p:sp>
         <p:nvSpPr>
-          <p:cNvPr id="3" name="Date Placeholder 2"/>
-          <p:cNvSpPr>
-            <a:spLocks noGrp="1"/>
-          </p:cNvSpPr>
-          <p:nvPr>
-            <p:ph type="dt" sz="half" idx="10"/>
-          </p:nvPr>
-        </p:nvSpPr>
-        <p:spPr/>
-        <p:txBody>
-          <a:bodyPr/>
-          <a:lstStyle/>
-          <a:p>
-            <a:r>
-              <a:rPr lang="en-US"/>
-              <a:t>10/13/2017</a:t>
-            </a:r>
-          </a:p>
-        </p:txBody>
-      </p:sp>
-      <p:sp>
-        <p:nvSpPr>
           <p:cNvPr id="4" name="Footer Placeholder 3"/>
           <p:cNvSpPr>
             <a:spLocks noGrp="1"/>
@@ -7159,7 +7948,7 @@
           <p:cNvPr id="9" name="Title 1">
             <a:extLst>
               <a:ext uri="{FF2B5EF4-FFF2-40B4-BE49-F238E27FC236}">
-                <a16:creationId xmlns:a16="http://schemas.microsoft.com/office/drawing/2014/main" xmlns="" id="{68CE6783-9C0D-46BA-8D98-4A95830915D5}"/>
+                <a16:creationId xmlns="" xmlns:a16="http://schemas.microsoft.com/office/drawing/2014/main" id="{68CE6783-9C0D-46BA-8D98-4A95830915D5}"/>
               </a:ext>
             </a:extLst>
           </p:cNvPr>
@@ -7461,6 +8250,137 @@
           </a:prstGeom>
         </p:spPr>
       </p:pic>
+      <p:sp>
+        <p:nvSpPr>
+          <p:cNvPr id="10" name="Footer Placeholder 2"/>
+          <p:cNvSpPr txBox="1">
+            <a:spLocks/>
+          </p:cNvSpPr>
+          <p:nvPr/>
+        </p:nvSpPr>
+        <p:spPr>
+          <a:xfrm>
+            <a:off x="0" y="6340475"/>
+            <a:ext cx="2632364" cy="365125"/>
+          </a:xfrm>
+          <a:prstGeom prst="rect">
+            <a:avLst/>
+          </a:prstGeom>
+        </p:spPr>
+        <p:txBody>
+          <a:bodyPr vert="horz" lIns="91440" tIns="45720" rIns="91440" bIns="45720" rtlCol="0" anchor="ctr"/>
+          <a:lstStyle>
+            <a:defPPr>
+              <a:defRPr lang="en-US"/>
+            </a:defPPr>
+            <a:lvl1pPr marL="0" algn="ctr" defTabSz="914400" rtl="0" eaLnBrk="1" latinLnBrk="0" hangingPunct="1">
+              <a:defRPr sz="1200" kern="1200">
+                <a:solidFill>
+                  <a:schemeClr val="tx1">
+                    <a:tint val="75000"/>
+                  </a:schemeClr>
+                </a:solidFill>
+                <a:latin typeface="+mn-lt"/>
+                <a:ea typeface="+mn-ea"/>
+                <a:cs typeface="+mn-cs"/>
+              </a:defRPr>
+            </a:lvl1pPr>
+            <a:lvl2pPr marL="457200" algn="l" defTabSz="914400" rtl="0" eaLnBrk="1" latinLnBrk="0" hangingPunct="1">
+              <a:defRPr sz="1800" kern="1200">
+                <a:solidFill>
+                  <a:schemeClr val="tx1"/>
+                </a:solidFill>
+                <a:latin typeface="+mn-lt"/>
+                <a:ea typeface="+mn-ea"/>
+                <a:cs typeface="+mn-cs"/>
+              </a:defRPr>
+            </a:lvl2pPr>
+            <a:lvl3pPr marL="914400" algn="l" defTabSz="914400" rtl="0" eaLnBrk="1" latinLnBrk="0" hangingPunct="1">
+              <a:defRPr sz="1800" kern="1200">
+                <a:solidFill>
+                  <a:schemeClr val="tx1"/>
+                </a:solidFill>
+                <a:latin typeface="+mn-lt"/>
+                <a:ea typeface="+mn-ea"/>
+                <a:cs typeface="+mn-cs"/>
+              </a:defRPr>
+            </a:lvl3pPr>
+            <a:lvl4pPr marL="1371600" algn="l" defTabSz="914400" rtl="0" eaLnBrk="1" latinLnBrk="0" hangingPunct="1">
+              <a:defRPr sz="1800" kern="1200">
+                <a:solidFill>
+                  <a:schemeClr val="tx1"/>
+                </a:solidFill>
+                <a:latin typeface="+mn-lt"/>
+                <a:ea typeface="+mn-ea"/>
+                <a:cs typeface="+mn-cs"/>
+              </a:defRPr>
+            </a:lvl4pPr>
+            <a:lvl5pPr marL="1828800" algn="l" defTabSz="914400" rtl="0" eaLnBrk="1" latinLnBrk="0" hangingPunct="1">
+              <a:defRPr sz="1800" kern="1200">
+                <a:solidFill>
+                  <a:schemeClr val="tx1"/>
+                </a:solidFill>
+                <a:latin typeface="+mn-lt"/>
+                <a:ea typeface="+mn-ea"/>
+                <a:cs typeface="+mn-cs"/>
+              </a:defRPr>
+            </a:lvl5pPr>
+            <a:lvl6pPr marL="2286000" algn="l" defTabSz="914400" rtl="0" eaLnBrk="1" latinLnBrk="0" hangingPunct="1">
+              <a:defRPr sz="1800" kern="1200">
+                <a:solidFill>
+                  <a:schemeClr val="tx1"/>
+                </a:solidFill>
+                <a:latin typeface="+mn-lt"/>
+                <a:ea typeface="+mn-ea"/>
+                <a:cs typeface="+mn-cs"/>
+              </a:defRPr>
+            </a:lvl6pPr>
+            <a:lvl7pPr marL="2743200" algn="l" defTabSz="914400" rtl="0" eaLnBrk="1" latinLnBrk="0" hangingPunct="1">
+              <a:defRPr sz="1800" kern="1200">
+                <a:solidFill>
+                  <a:schemeClr val="tx1"/>
+                </a:solidFill>
+                <a:latin typeface="+mn-lt"/>
+                <a:ea typeface="+mn-ea"/>
+                <a:cs typeface="+mn-cs"/>
+              </a:defRPr>
+            </a:lvl7pPr>
+            <a:lvl8pPr marL="3200400" algn="l" defTabSz="914400" rtl="0" eaLnBrk="1" latinLnBrk="0" hangingPunct="1">
+              <a:defRPr sz="1800" kern="1200">
+                <a:solidFill>
+                  <a:schemeClr val="tx1"/>
+                </a:solidFill>
+                <a:latin typeface="+mn-lt"/>
+                <a:ea typeface="+mn-ea"/>
+                <a:cs typeface="+mn-cs"/>
+              </a:defRPr>
+            </a:lvl8pPr>
+            <a:lvl9pPr marL="3657600" algn="l" defTabSz="914400" rtl="0" eaLnBrk="1" latinLnBrk="0" hangingPunct="1">
+              <a:defRPr sz="1800" kern="1200">
+                <a:solidFill>
+                  <a:schemeClr val="tx1"/>
+                </a:solidFill>
+                <a:latin typeface="+mn-lt"/>
+                <a:ea typeface="+mn-ea"/>
+                <a:cs typeface="+mn-cs"/>
+              </a:defRPr>
+            </a:lvl9pPr>
+          </a:lstStyle>
+          <a:p>
+            <a:r>
+              <a:rPr lang="en-US" sz="1600" dirty="0" smtClean="0">
+                <a:latin typeface="Times New Roman" panose="02020603050405020304" pitchFamily="18" charset="0"/>
+                <a:cs typeface="Times New Roman" panose="02020603050405020304" pitchFamily="18" charset="0"/>
+              </a:rPr>
+              <a:t>12/2017</a:t>
+            </a:r>
+            <a:endParaRPr lang="en-US" sz="1600" dirty="0">
+              <a:latin typeface="Times New Roman" panose="02020603050405020304" pitchFamily="18" charset="0"/>
+              <a:cs typeface="Times New Roman" panose="02020603050405020304" pitchFamily="18" charset="0"/>
+            </a:endParaRPr>
+          </a:p>
+        </p:txBody>
+      </p:sp>
     </p:spTree>
     <p:extLst>
       <p:ext uri="{BB962C8B-B14F-4D97-AF65-F5344CB8AC3E}">
@@ -7500,28 +8420,6 @@
       </p:grpSpPr>
       <p:sp>
         <p:nvSpPr>
-          <p:cNvPr id="3" name="Date Placeholder 2"/>
-          <p:cNvSpPr>
-            <a:spLocks noGrp="1"/>
-          </p:cNvSpPr>
-          <p:nvPr>
-            <p:ph type="dt" sz="half" idx="10"/>
-          </p:nvPr>
-        </p:nvSpPr>
-        <p:spPr/>
-        <p:txBody>
-          <a:bodyPr/>
-          <a:lstStyle/>
-          <a:p>
-            <a:r>
-              <a:rPr lang="en-US"/>
-              <a:t>10/13/2017</a:t>
-            </a:r>
-          </a:p>
-        </p:txBody>
-      </p:sp>
-      <p:sp>
-        <p:nvSpPr>
           <p:cNvPr id="4" name="Footer Placeholder 3"/>
           <p:cNvSpPr>
             <a:spLocks noGrp="1"/>
@@ -7625,7 +8523,7 @@
           <p:cNvPr id="9" name="Title 1">
             <a:extLst>
               <a:ext uri="{FF2B5EF4-FFF2-40B4-BE49-F238E27FC236}">
-                <a16:creationId xmlns:a16="http://schemas.microsoft.com/office/drawing/2014/main" xmlns="" id="{68CE6783-9C0D-46BA-8D98-4A95830915D5}"/>
+                <a16:creationId xmlns="" xmlns:a16="http://schemas.microsoft.com/office/drawing/2014/main" id="{68CE6783-9C0D-46BA-8D98-4A95830915D5}"/>
               </a:ext>
             </a:extLst>
           </p:cNvPr>
@@ -7927,6 +8825,137 @@
           </a:prstGeom>
         </p:spPr>
       </p:pic>
+      <p:sp>
+        <p:nvSpPr>
+          <p:cNvPr id="12" name="Footer Placeholder 2"/>
+          <p:cNvSpPr txBox="1">
+            <a:spLocks/>
+          </p:cNvSpPr>
+          <p:nvPr/>
+        </p:nvSpPr>
+        <p:spPr>
+          <a:xfrm>
+            <a:off x="0" y="6340475"/>
+            <a:ext cx="2632364" cy="365125"/>
+          </a:xfrm>
+          <a:prstGeom prst="rect">
+            <a:avLst/>
+          </a:prstGeom>
+        </p:spPr>
+        <p:txBody>
+          <a:bodyPr vert="horz" lIns="91440" tIns="45720" rIns="91440" bIns="45720" rtlCol="0" anchor="ctr"/>
+          <a:lstStyle>
+            <a:defPPr>
+              <a:defRPr lang="en-US"/>
+            </a:defPPr>
+            <a:lvl1pPr marL="0" algn="ctr" defTabSz="914400" rtl="0" eaLnBrk="1" latinLnBrk="0" hangingPunct="1">
+              <a:defRPr sz="1200" kern="1200">
+                <a:solidFill>
+                  <a:schemeClr val="tx1">
+                    <a:tint val="75000"/>
+                  </a:schemeClr>
+                </a:solidFill>
+                <a:latin typeface="+mn-lt"/>
+                <a:ea typeface="+mn-ea"/>
+                <a:cs typeface="+mn-cs"/>
+              </a:defRPr>
+            </a:lvl1pPr>
+            <a:lvl2pPr marL="457200" algn="l" defTabSz="914400" rtl="0" eaLnBrk="1" latinLnBrk="0" hangingPunct="1">
+              <a:defRPr sz="1800" kern="1200">
+                <a:solidFill>
+                  <a:schemeClr val="tx1"/>
+                </a:solidFill>
+                <a:latin typeface="+mn-lt"/>
+                <a:ea typeface="+mn-ea"/>
+                <a:cs typeface="+mn-cs"/>
+              </a:defRPr>
+            </a:lvl2pPr>
+            <a:lvl3pPr marL="914400" algn="l" defTabSz="914400" rtl="0" eaLnBrk="1" latinLnBrk="0" hangingPunct="1">
+              <a:defRPr sz="1800" kern="1200">
+                <a:solidFill>
+                  <a:schemeClr val="tx1"/>
+                </a:solidFill>
+                <a:latin typeface="+mn-lt"/>
+                <a:ea typeface="+mn-ea"/>
+                <a:cs typeface="+mn-cs"/>
+              </a:defRPr>
+            </a:lvl3pPr>
+            <a:lvl4pPr marL="1371600" algn="l" defTabSz="914400" rtl="0" eaLnBrk="1" latinLnBrk="0" hangingPunct="1">
+              <a:defRPr sz="1800" kern="1200">
+                <a:solidFill>
+                  <a:schemeClr val="tx1"/>
+                </a:solidFill>
+                <a:latin typeface="+mn-lt"/>
+                <a:ea typeface="+mn-ea"/>
+                <a:cs typeface="+mn-cs"/>
+              </a:defRPr>
+            </a:lvl4pPr>
+            <a:lvl5pPr marL="1828800" algn="l" defTabSz="914400" rtl="0" eaLnBrk="1" latinLnBrk="0" hangingPunct="1">
+              <a:defRPr sz="1800" kern="1200">
+                <a:solidFill>
+                  <a:schemeClr val="tx1"/>
+                </a:solidFill>
+                <a:latin typeface="+mn-lt"/>
+                <a:ea typeface="+mn-ea"/>
+                <a:cs typeface="+mn-cs"/>
+              </a:defRPr>
+            </a:lvl5pPr>
+            <a:lvl6pPr marL="2286000" algn="l" defTabSz="914400" rtl="0" eaLnBrk="1" latinLnBrk="0" hangingPunct="1">
+              <a:defRPr sz="1800" kern="1200">
+                <a:solidFill>
+                  <a:schemeClr val="tx1"/>
+                </a:solidFill>
+                <a:latin typeface="+mn-lt"/>
+                <a:ea typeface="+mn-ea"/>
+                <a:cs typeface="+mn-cs"/>
+              </a:defRPr>
+            </a:lvl6pPr>
+            <a:lvl7pPr marL="2743200" algn="l" defTabSz="914400" rtl="0" eaLnBrk="1" latinLnBrk="0" hangingPunct="1">
+              <a:defRPr sz="1800" kern="1200">
+                <a:solidFill>
+                  <a:schemeClr val="tx1"/>
+                </a:solidFill>
+                <a:latin typeface="+mn-lt"/>
+                <a:ea typeface="+mn-ea"/>
+                <a:cs typeface="+mn-cs"/>
+              </a:defRPr>
+            </a:lvl7pPr>
+            <a:lvl8pPr marL="3200400" algn="l" defTabSz="914400" rtl="0" eaLnBrk="1" latinLnBrk="0" hangingPunct="1">
+              <a:defRPr sz="1800" kern="1200">
+                <a:solidFill>
+                  <a:schemeClr val="tx1"/>
+                </a:solidFill>
+                <a:latin typeface="+mn-lt"/>
+                <a:ea typeface="+mn-ea"/>
+                <a:cs typeface="+mn-cs"/>
+              </a:defRPr>
+            </a:lvl8pPr>
+            <a:lvl9pPr marL="3657600" algn="l" defTabSz="914400" rtl="0" eaLnBrk="1" latinLnBrk="0" hangingPunct="1">
+              <a:defRPr sz="1800" kern="1200">
+                <a:solidFill>
+                  <a:schemeClr val="tx1"/>
+                </a:solidFill>
+                <a:latin typeface="+mn-lt"/>
+                <a:ea typeface="+mn-ea"/>
+                <a:cs typeface="+mn-cs"/>
+              </a:defRPr>
+            </a:lvl9pPr>
+          </a:lstStyle>
+          <a:p>
+            <a:r>
+              <a:rPr lang="en-US" sz="1600" dirty="0" smtClean="0">
+                <a:latin typeface="Times New Roman" panose="02020603050405020304" pitchFamily="18" charset="0"/>
+                <a:cs typeface="Times New Roman" panose="02020603050405020304" pitchFamily="18" charset="0"/>
+              </a:rPr>
+              <a:t>12/2017</a:t>
+            </a:r>
+            <a:endParaRPr lang="en-US" sz="1600" dirty="0">
+              <a:latin typeface="Times New Roman" panose="02020603050405020304" pitchFamily="18" charset="0"/>
+              <a:cs typeface="Times New Roman" panose="02020603050405020304" pitchFamily="18" charset="0"/>
+            </a:endParaRPr>
+          </a:p>
+        </p:txBody>
+      </p:sp>
     </p:spTree>
     <p:extLst>
       <p:ext uri="{BB962C8B-B14F-4D97-AF65-F5344CB8AC3E}">
@@ -7966,28 +8995,6 @@
       </p:grpSpPr>
       <p:sp>
         <p:nvSpPr>
-          <p:cNvPr id="3" name="Date Placeholder 2"/>
-          <p:cNvSpPr>
-            <a:spLocks noGrp="1"/>
-          </p:cNvSpPr>
-          <p:nvPr>
-            <p:ph type="dt" sz="half" idx="10"/>
-          </p:nvPr>
-        </p:nvSpPr>
-        <p:spPr/>
-        <p:txBody>
-          <a:bodyPr/>
-          <a:lstStyle/>
-          <a:p>
-            <a:r>
-              <a:rPr lang="en-US"/>
-              <a:t>10/13/2017</a:t>
-            </a:r>
-          </a:p>
-        </p:txBody>
-      </p:sp>
-      <p:sp>
-        <p:nvSpPr>
           <p:cNvPr id="4" name="Footer Placeholder 3"/>
           <p:cNvSpPr>
             <a:spLocks noGrp="1"/>
@@ -8091,7 +9098,7 @@
           <p:cNvPr id="9" name="Title 1">
             <a:extLst>
               <a:ext uri="{FF2B5EF4-FFF2-40B4-BE49-F238E27FC236}">
-                <a16:creationId xmlns:a16="http://schemas.microsoft.com/office/drawing/2014/main" xmlns="" id="{68CE6783-9C0D-46BA-8D98-4A95830915D5}"/>
+                <a16:creationId xmlns="" xmlns:a16="http://schemas.microsoft.com/office/drawing/2014/main" id="{68CE6783-9C0D-46BA-8D98-4A95830915D5}"/>
               </a:ext>
             </a:extLst>
           </p:cNvPr>
@@ -8393,6 +9400,137 @@
           </a:prstGeom>
         </p:spPr>
       </p:pic>
+      <p:sp>
+        <p:nvSpPr>
+          <p:cNvPr id="10" name="Footer Placeholder 2"/>
+          <p:cNvSpPr txBox="1">
+            <a:spLocks/>
+          </p:cNvSpPr>
+          <p:nvPr/>
+        </p:nvSpPr>
+        <p:spPr>
+          <a:xfrm>
+            <a:off x="0" y="6340475"/>
+            <a:ext cx="2632364" cy="365125"/>
+          </a:xfrm>
+          <a:prstGeom prst="rect">
+            <a:avLst/>
+          </a:prstGeom>
+        </p:spPr>
+        <p:txBody>
+          <a:bodyPr vert="horz" lIns="91440" tIns="45720" rIns="91440" bIns="45720" rtlCol="0" anchor="ctr"/>
+          <a:lstStyle>
+            <a:defPPr>
+              <a:defRPr lang="en-US"/>
+            </a:defPPr>
+            <a:lvl1pPr marL="0" algn="ctr" defTabSz="914400" rtl="0" eaLnBrk="1" latinLnBrk="0" hangingPunct="1">
+              <a:defRPr sz="1200" kern="1200">
+                <a:solidFill>
+                  <a:schemeClr val="tx1">
+                    <a:tint val="75000"/>
+                  </a:schemeClr>
+                </a:solidFill>
+                <a:latin typeface="+mn-lt"/>
+                <a:ea typeface="+mn-ea"/>
+                <a:cs typeface="+mn-cs"/>
+              </a:defRPr>
+            </a:lvl1pPr>
+            <a:lvl2pPr marL="457200" algn="l" defTabSz="914400" rtl="0" eaLnBrk="1" latinLnBrk="0" hangingPunct="1">
+              <a:defRPr sz="1800" kern="1200">
+                <a:solidFill>
+                  <a:schemeClr val="tx1"/>
+                </a:solidFill>
+                <a:latin typeface="+mn-lt"/>
+                <a:ea typeface="+mn-ea"/>
+                <a:cs typeface="+mn-cs"/>
+              </a:defRPr>
+            </a:lvl2pPr>
+            <a:lvl3pPr marL="914400" algn="l" defTabSz="914400" rtl="0" eaLnBrk="1" latinLnBrk="0" hangingPunct="1">
+              <a:defRPr sz="1800" kern="1200">
+                <a:solidFill>
+                  <a:schemeClr val="tx1"/>
+                </a:solidFill>
+                <a:latin typeface="+mn-lt"/>
+                <a:ea typeface="+mn-ea"/>
+                <a:cs typeface="+mn-cs"/>
+              </a:defRPr>
+            </a:lvl3pPr>
+            <a:lvl4pPr marL="1371600" algn="l" defTabSz="914400" rtl="0" eaLnBrk="1" latinLnBrk="0" hangingPunct="1">
+              <a:defRPr sz="1800" kern="1200">
+                <a:solidFill>
+                  <a:schemeClr val="tx1"/>
+                </a:solidFill>
+                <a:latin typeface="+mn-lt"/>
+                <a:ea typeface="+mn-ea"/>
+                <a:cs typeface="+mn-cs"/>
+              </a:defRPr>
+            </a:lvl4pPr>
+            <a:lvl5pPr marL="1828800" algn="l" defTabSz="914400" rtl="0" eaLnBrk="1" latinLnBrk="0" hangingPunct="1">
+              <a:defRPr sz="1800" kern="1200">
+                <a:solidFill>
+                  <a:schemeClr val="tx1"/>
+                </a:solidFill>
+                <a:latin typeface="+mn-lt"/>
+                <a:ea typeface="+mn-ea"/>
+                <a:cs typeface="+mn-cs"/>
+              </a:defRPr>
+            </a:lvl5pPr>
+            <a:lvl6pPr marL="2286000" algn="l" defTabSz="914400" rtl="0" eaLnBrk="1" latinLnBrk="0" hangingPunct="1">
+              <a:defRPr sz="1800" kern="1200">
+                <a:solidFill>
+                  <a:schemeClr val="tx1"/>
+                </a:solidFill>
+                <a:latin typeface="+mn-lt"/>
+                <a:ea typeface="+mn-ea"/>
+                <a:cs typeface="+mn-cs"/>
+              </a:defRPr>
+            </a:lvl6pPr>
+            <a:lvl7pPr marL="2743200" algn="l" defTabSz="914400" rtl="0" eaLnBrk="1" latinLnBrk="0" hangingPunct="1">
+              <a:defRPr sz="1800" kern="1200">
+                <a:solidFill>
+                  <a:schemeClr val="tx1"/>
+                </a:solidFill>
+                <a:latin typeface="+mn-lt"/>
+                <a:ea typeface="+mn-ea"/>
+                <a:cs typeface="+mn-cs"/>
+              </a:defRPr>
+            </a:lvl7pPr>
+            <a:lvl8pPr marL="3200400" algn="l" defTabSz="914400" rtl="0" eaLnBrk="1" latinLnBrk="0" hangingPunct="1">
+              <a:defRPr sz="1800" kern="1200">
+                <a:solidFill>
+                  <a:schemeClr val="tx1"/>
+                </a:solidFill>
+                <a:latin typeface="+mn-lt"/>
+                <a:ea typeface="+mn-ea"/>
+                <a:cs typeface="+mn-cs"/>
+              </a:defRPr>
+            </a:lvl8pPr>
+            <a:lvl9pPr marL="3657600" algn="l" defTabSz="914400" rtl="0" eaLnBrk="1" latinLnBrk="0" hangingPunct="1">
+              <a:defRPr sz="1800" kern="1200">
+                <a:solidFill>
+                  <a:schemeClr val="tx1"/>
+                </a:solidFill>
+                <a:latin typeface="+mn-lt"/>
+                <a:ea typeface="+mn-ea"/>
+                <a:cs typeface="+mn-cs"/>
+              </a:defRPr>
+            </a:lvl9pPr>
+          </a:lstStyle>
+          <a:p>
+            <a:r>
+              <a:rPr lang="en-US" sz="1600" dirty="0" smtClean="0">
+                <a:latin typeface="Times New Roman" panose="02020603050405020304" pitchFamily="18" charset="0"/>
+                <a:cs typeface="Times New Roman" panose="02020603050405020304" pitchFamily="18" charset="0"/>
+              </a:rPr>
+              <a:t>12/2017</a:t>
+            </a:r>
+            <a:endParaRPr lang="en-US" sz="1600" dirty="0">
+              <a:latin typeface="Times New Roman" panose="02020603050405020304" pitchFamily="18" charset="0"/>
+              <a:cs typeface="Times New Roman" panose="02020603050405020304" pitchFamily="18" charset="0"/>
+            </a:endParaRPr>
+          </a:p>
+        </p:txBody>
+      </p:sp>
     </p:spTree>
     <p:extLst>
       <p:ext uri="{BB962C8B-B14F-4D97-AF65-F5344CB8AC3E}">
@@ -8482,28 +9620,6 @@
       </p:sp>
       <p:sp>
         <p:nvSpPr>
-          <p:cNvPr id="3" name="Date Placeholder 2"/>
-          <p:cNvSpPr>
-            <a:spLocks noGrp="1"/>
-          </p:cNvSpPr>
-          <p:nvPr>
-            <p:ph type="dt" sz="half" idx="10"/>
-          </p:nvPr>
-        </p:nvSpPr>
-        <p:spPr/>
-        <p:txBody>
-          <a:bodyPr/>
-          <a:lstStyle/>
-          <a:p>
-            <a:r>
-              <a:rPr lang="en-US"/>
-              <a:t>10/13/2017</a:t>
-            </a:r>
-          </a:p>
-        </p:txBody>
-      </p:sp>
-      <p:sp>
-        <p:nvSpPr>
           <p:cNvPr id="4" name="Footer Placeholder 3"/>
           <p:cNvSpPr>
             <a:spLocks noGrp="1"/>
@@ -8772,6 +9888,137 @@
               <a:solidFill>
                 <a:schemeClr val="tx1"/>
               </a:solidFill>
+              <a:latin typeface="Times New Roman" panose="02020603050405020304" pitchFamily="18" charset="0"/>
+              <a:cs typeface="Times New Roman" panose="02020603050405020304" pitchFamily="18" charset="0"/>
+            </a:endParaRPr>
+          </a:p>
+        </p:txBody>
+      </p:sp>
+      <p:sp>
+        <p:nvSpPr>
+          <p:cNvPr id="8" name="Footer Placeholder 2"/>
+          <p:cNvSpPr txBox="1">
+            <a:spLocks/>
+          </p:cNvSpPr>
+          <p:nvPr/>
+        </p:nvSpPr>
+        <p:spPr>
+          <a:xfrm>
+            <a:off x="0" y="6340475"/>
+            <a:ext cx="2632364" cy="365125"/>
+          </a:xfrm>
+          <a:prstGeom prst="rect">
+            <a:avLst/>
+          </a:prstGeom>
+        </p:spPr>
+        <p:txBody>
+          <a:bodyPr vert="horz" lIns="91440" tIns="45720" rIns="91440" bIns="45720" rtlCol="0" anchor="ctr"/>
+          <a:lstStyle>
+            <a:defPPr>
+              <a:defRPr lang="en-US"/>
+            </a:defPPr>
+            <a:lvl1pPr marL="0" algn="ctr" defTabSz="914400" rtl="0" eaLnBrk="1" latinLnBrk="0" hangingPunct="1">
+              <a:defRPr sz="1200" kern="1200">
+                <a:solidFill>
+                  <a:schemeClr val="tx1">
+                    <a:tint val="75000"/>
+                  </a:schemeClr>
+                </a:solidFill>
+                <a:latin typeface="+mn-lt"/>
+                <a:ea typeface="+mn-ea"/>
+                <a:cs typeface="+mn-cs"/>
+              </a:defRPr>
+            </a:lvl1pPr>
+            <a:lvl2pPr marL="457200" algn="l" defTabSz="914400" rtl="0" eaLnBrk="1" latinLnBrk="0" hangingPunct="1">
+              <a:defRPr sz="1800" kern="1200">
+                <a:solidFill>
+                  <a:schemeClr val="tx1"/>
+                </a:solidFill>
+                <a:latin typeface="+mn-lt"/>
+                <a:ea typeface="+mn-ea"/>
+                <a:cs typeface="+mn-cs"/>
+              </a:defRPr>
+            </a:lvl2pPr>
+            <a:lvl3pPr marL="914400" algn="l" defTabSz="914400" rtl="0" eaLnBrk="1" latinLnBrk="0" hangingPunct="1">
+              <a:defRPr sz="1800" kern="1200">
+                <a:solidFill>
+                  <a:schemeClr val="tx1"/>
+                </a:solidFill>
+                <a:latin typeface="+mn-lt"/>
+                <a:ea typeface="+mn-ea"/>
+                <a:cs typeface="+mn-cs"/>
+              </a:defRPr>
+            </a:lvl3pPr>
+            <a:lvl4pPr marL="1371600" algn="l" defTabSz="914400" rtl="0" eaLnBrk="1" latinLnBrk="0" hangingPunct="1">
+              <a:defRPr sz="1800" kern="1200">
+                <a:solidFill>
+                  <a:schemeClr val="tx1"/>
+                </a:solidFill>
+                <a:latin typeface="+mn-lt"/>
+                <a:ea typeface="+mn-ea"/>
+                <a:cs typeface="+mn-cs"/>
+              </a:defRPr>
+            </a:lvl4pPr>
+            <a:lvl5pPr marL="1828800" algn="l" defTabSz="914400" rtl="0" eaLnBrk="1" latinLnBrk="0" hangingPunct="1">
+              <a:defRPr sz="1800" kern="1200">
+                <a:solidFill>
+                  <a:schemeClr val="tx1"/>
+                </a:solidFill>
+                <a:latin typeface="+mn-lt"/>
+                <a:ea typeface="+mn-ea"/>
+                <a:cs typeface="+mn-cs"/>
+              </a:defRPr>
+            </a:lvl5pPr>
+            <a:lvl6pPr marL="2286000" algn="l" defTabSz="914400" rtl="0" eaLnBrk="1" latinLnBrk="0" hangingPunct="1">
+              <a:defRPr sz="1800" kern="1200">
+                <a:solidFill>
+                  <a:schemeClr val="tx1"/>
+                </a:solidFill>
+                <a:latin typeface="+mn-lt"/>
+                <a:ea typeface="+mn-ea"/>
+                <a:cs typeface="+mn-cs"/>
+              </a:defRPr>
+            </a:lvl6pPr>
+            <a:lvl7pPr marL="2743200" algn="l" defTabSz="914400" rtl="0" eaLnBrk="1" latinLnBrk="0" hangingPunct="1">
+              <a:defRPr sz="1800" kern="1200">
+                <a:solidFill>
+                  <a:schemeClr val="tx1"/>
+                </a:solidFill>
+                <a:latin typeface="+mn-lt"/>
+                <a:ea typeface="+mn-ea"/>
+                <a:cs typeface="+mn-cs"/>
+              </a:defRPr>
+            </a:lvl7pPr>
+            <a:lvl8pPr marL="3200400" algn="l" defTabSz="914400" rtl="0" eaLnBrk="1" latinLnBrk="0" hangingPunct="1">
+              <a:defRPr sz="1800" kern="1200">
+                <a:solidFill>
+                  <a:schemeClr val="tx1"/>
+                </a:solidFill>
+                <a:latin typeface="+mn-lt"/>
+                <a:ea typeface="+mn-ea"/>
+                <a:cs typeface="+mn-cs"/>
+              </a:defRPr>
+            </a:lvl8pPr>
+            <a:lvl9pPr marL="3657600" algn="l" defTabSz="914400" rtl="0" eaLnBrk="1" latinLnBrk="0" hangingPunct="1">
+              <a:defRPr sz="1800" kern="1200">
+                <a:solidFill>
+                  <a:schemeClr val="tx1"/>
+                </a:solidFill>
+                <a:latin typeface="+mn-lt"/>
+                <a:ea typeface="+mn-ea"/>
+                <a:cs typeface="+mn-cs"/>
+              </a:defRPr>
+            </a:lvl9pPr>
+          </a:lstStyle>
+          <a:p>
+            <a:r>
+              <a:rPr lang="en-US" sz="1600" dirty="0" smtClean="0">
+                <a:latin typeface="Times New Roman" panose="02020603050405020304" pitchFamily="18" charset="0"/>
+                <a:cs typeface="Times New Roman" panose="02020603050405020304" pitchFamily="18" charset="0"/>
+              </a:rPr>
+              <a:t>12/2017</a:t>
+            </a:r>
+            <a:endParaRPr lang="en-US" sz="1600" dirty="0">
               <a:latin typeface="Times New Roman" panose="02020603050405020304" pitchFamily="18" charset="0"/>
               <a:cs typeface="Times New Roman" panose="02020603050405020304" pitchFamily="18" charset="0"/>
             </a:endParaRPr>
@@ -8817,28 +10064,6 @@
       </p:grpSpPr>
       <p:sp>
         <p:nvSpPr>
-          <p:cNvPr id="3" name="Date Placeholder 2"/>
-          <p:cNvSpPr>
-            <a:spLocks noGrp="1"/>
-          </p:cNvSpPr>
-          <p:nvPr>
-            <p:ph type="dt" sz="half" idx="10"/>
-          </p:nvPr>
-        </p:nvSpPr>
-        <p:spPr/>
-        <p:txBody>
-          <a:bodyPr/>
-          <a:lstStyle/>
-          <a:p>
-            <a:r>
-              <a:rPr lang="en-US"/>
-              <a:t>10/13/2017</a:t>
-            </a:r>
-          </a:p>
-        </p:txBody>
-      </p:sp>
-      <p:sp>
-        <p:nvSpPr>
           <p:cNvPr id="4" name="Footer Placeholder 3"/>
           <p:cNvSpPr>
             <a:spLocks noGrp="1"/>
@@ -8942,7 +10167,7 @@
           <p:cNvPr id="9" name="Title 1">
             <a:extLst>
               <a:ext uri="{FF2B5EF4-FFF2-40B4-BE49-F238E27FC236}">
-                <a16:creationId xmlns:a16="http://schemas.microsoft.com/office/drawing/2014/main" xmlns="" id="{68CE6783-9C0D-46BA-8D98-4A95830915D5}"/>
+                <a16:creationId xmlns="" xmlns:a16="http://schemas.microsoft.com/office/drawing/2014/main" id="{68CE6783-9C0D-46BA-8D98-4A95830915D5}"/>
               </a:ext>
             </a:extLst>
           </p:cNvPr>
@@ -9463,6 +10688,137 @@
           </a:prstGeom>
         </p:spPr>
       </p:pic>
+      <p:sp>
+        <p:nvSpPr>
+          <p:cNvPr id="12" name="Footer Placeholder 2"/>
+          <p:cNvSpPr txBox="1">
+            <a:spLocks/>
+          </p:cNvSpPr>
+          <p:nvPr/>
+        </p:nvSpPr>
+        <p:spPr>
+          <a:xfrm>
+            <a:off x="0" y="6340475"/>
+            <a:ext cx="2632364" cy="365125"/>
+          </a:xfrm>
+          <a:prstGeom prst="rect">
+            <a:avLst/>
+          </a:prstGeom>
+        </p:spPr>
+        <p:txBody>
+          <a:bodyPr vert="horz" lIns="91440" tIns="45720" rIns="91440" bIns="45720" rtlCol="0" anchor="ctr"/>
+          <a:lstStyle>
+            <a:defPPr>
+              <a:defRPr lang="en-US"/>
+            </a:defPPr>
+            <a:lvl1pPr marL="0" algn="ctr" defTabSz="914400" rtl="0" eaLnBrk="1" latinLnBrk="0" hangingPunct="1">
+              <a:defRPr sz="1200" kern="1200">
+                <a:solidFill>
+                  <a:schemeClr val="tx1">
+                    <a:tint val="75000"/>
+                  </a:schemeClr>
+                </a:solidFill>
+                <a:latin typeface="+mn-lt"/>
+                <a:ea typeface="+mn-ea"/>
+                <a:cs typeface="+mn-cs"/>
+              </a:defRPr>
+            </a:lvl1pPr>
+            <a:lvl2pPr marL="457200" algn="l" defTabSz="914400" rtl="0" eaLnBrk="1" latinLnBrk="0" hangingPunct="1">
+              <a:defRPr sz="1800" kern="1200">
+                <a:solidFill>
+                  <a:schemeClr val="tx1"/>
+                </a:solidFill>
+                <a:latin typeface="+mn-lt"/>
+                <a:ea typeface="+mn-ea"/>
+                <a:cs typeface="+mn-cs"/>
+              </a:defRPr>
+            </a:lvl2pPr>
+            <a:lvl3pPr marL="914400" algn="l" defTabSz="914400" rtl="0" eaLnBrk="1" latinLnBrk="0" hangingPunct="1">
+              <a:defRPr sz="1800" kern="1200">
+                <a:solidFill>
+                  <a:schemeClr val="tx1"/>
+                </a:solidFill>
+                <a:latin typeface="+mn-lt"/>
+                <a:ea typeface="+mn-ea"/>
+                <a:cs typeface="+mn-cs"/>
+              </a:defRPr>
+            </a:lvl3pPr>
+            <a:lvl4pPr marL="1371600" algn="l" defTabSz="914400" rtl="0" eaLnBrk="1" latinLnBrk="0" hangingPunct="1">
+              <a:defRPr sz="1800" kern="1200">
+                <a:solidFill>
+                  <a:schemeClr val="tx1"/>
+                </a:solidFill>
+                <a:latin typeface="+mn-lt"/>
+                <a:ea typeface="+mn-ea"/>
+                <a:cs typeface="+mn-cs"/>
+              </a:defRPr>
+            </a:lvl4pPr>
+            <a:lvl5pPr marL="1828800" algn="l" defTabSz="914400" rtl="0" eaLnBrk="1" latinLnBrk="0" hangingPunct="1">
+              <a:defRPr sz="1800" kern="1200">
+                <a:solidFill>
+                  <a:schemeClr val="tx1"/>
+                </a:solidFill>
+                <a:latin typeface="+mn-lt"/>
+                <a:ea typeface="+mn-ea"/>
+                <a:cs typeface="+mn-cs"/>
+              </a:defRPr>
+            </a:lvl5pPr>
+            <a:lvl6pPr marL="2286000" algn="l" defTabSz="914400" rtl="0" eaLnBrk="1" latinLnBrk="0" hangingPunct="1">
+              <a:defRPr sz="1800" kern="1200">
+                <a:solidFill>
+                  <a:schemeClr val="tx1"/>
+                </a:solidFill>
+                <a:latin typeface="+mn-lt"/>
+                <a:ea typeface="+mn-ea"/>
+                <a:cs typeface="+mn-cs"/>
+              </a:defRPr>
+            </a:lvl6pPr>
+            <a:lvl7pPr marL="2743200" algn="l" defTabSz="914400" rtl="0" eaLnBrk="1" latinLnBrk="0" hangingPunct="1">
+              <a:defRPr sz="1800" kern="1200">
+                <a:solidFill>
+                  <a:schemeClr val="tx1"/>
+                </a:solidFill>
+                <a:latin typeface="+mn-lt"/>
+                <a:ea typeface="+mn-ea"/>
+                <a:cs typeface="+mn-cs"/>
+              </a:defRPr>
+            </a:lvl7pPr>
+            <a:lvl8pPr marL="3200400" algn="l" defTabSz="914400" rtl="0" eaLnBrk="1" latinLnBrk="0" hangingPunct="1">
+              <a:defRPr sz="1800" kern="1200">
+                <a:solidFill>
+                  <a:schemeClr val="tx1"/>
+                </a:solidFill>
+                <a:latin typeface="+mn-lt"/>
+                <a:ea typeface="+mn-ea"/>
+                <a:cs typeface="+mn-cs"/>
+              </a:defRPr>
+            </a:lvl8pPr>
+            <a:lvl9pPr marL="3657600" algn="l" defTabSz="914400" rtl="0" eaLnBrk="1" latinLnBrk="0" hangingPunct="1">
+              <a:defRPr sz="1800" kern="1200">
+                <a:solidFill>
+                  <a:schemeClr val="tx1"/>
+                </a:solidFill>
+                <a:latin typeface="+mn-lt"/>
+                <a:ea typeface="+mn-ea"/>
+                <a:cs typeface="+mn-cs"/>
+              </a:defRPr>
+            </a:lvl9pPr>
+          </a:lstStyle>
+          <a:p>
+            <a:r>
+              <a:rPr lang="en-US" sz="1600" dirty="0" smtClean="0">
+                <a:latin typeface="Times New Roman" panose="02020603050405020304" pitchFamily="18" charset="0"/>
+                <a:cs typeface="Times New Roman" panose="02020603050405020304" pitchFamily="18" charset="0"/>
+              </a:rPr>
+              <a:t>12/2017</a:t>
+            </a:r>
+            <a:endParaRPr lang="en-US" sz="1600" dirty="0">
+              <a:latin typeface="Times New Roman" panose="02020603050405020304" pitchFamily="18" charset="0"/>
+              <a:cs typeface="Times New Roman" panose="02020603050405020304" pitchFamily="18" charset="0"/>
+            </a:endParaRPr>
+          </a:p>
+        </p:txBody>
+      </p:sp>
     </p:spTree>
     <p:extLst>
       <p:ext uri="{BB962C8B-B14F-4D97-AF65-F5344CB8AC3E}">
@@ -9502,28 +10858,6 @@
       </p:grpSpPr>
       <p:sp>
         <p:nvSpPr>
-          <p:cNvPr id="3" name="Date Placeholder 2"/>
-          <p:cNvSpPr>
-            <a:spLocks noGrp="1"/>
-          </p:cNvSpPr>
-          <p:nvPr>
-            <p:ph type="dt" sz="half" idx="10"/>
-          </p:nvPr>
-        </p:nvSpPr>
-        <p:spPr/>
-        <p:txBody>
-          <a:bodyPr/>
-          <a:lstStyle/>
-          <a:p>
-            <a:r>
-              <a:rPr lang="en-US"/>
-              <a:t>10/13/2017</a:t>
-            </a:r>
-          </a:p>
-        </p:txBody>
-      </p:sp>
-      <p:sp>
-        <p:nvSpPr>
           <p:cNvPr id="4" name="Footer Placeholder 3"/>
           <p:cNvSpPr>
             <a:spLocks noGrp="1"/>
@@ -9627,7 +10961,7 @@
           <p:cNvPr id="9" name="Title 1">
             <a:extLst>
               <a:ext uri="{FF2B5EF4-FFF2-40B4-BE49-F238E27FC236}">
-                <a16:creationId xmlns:a16="http://schemas.microsoft.com/office/drawing/2014/main" xmlns="" id="{68CE6783-9C0D-46BA-8D98-4A95830915D5}"/>
+                <a16:creationId xmlns="" xmlns:a16="http://schemas.microsoft.com/office/drawing/2014/main" id="{68CE6783-9C0D-46BA-8D98-4A95830915D5}"/>
               </a:ext>
             </a:extLst>
           </p:cNvPr>
@@ -9929,6 +11263,137 @@
           </a:prstGeom>
         </p:spPr>
       </p:pic>
+      <p:sp>
+        <p:nvSpPr>
+          <p:cNvPr id="12" name="Footer Placeholder 2"/>
+          <p:cNvSpPr txBox="1">
+            <a:spLocks/>
+          </p:cNvSpPr>
+          <p:nvPr/>
+        </p:nvSpPr>
+        <p:spPr>
+          <a:xfrm>
+            <a:off x="0" y="6340475"/>
+            <a:ext cx="2632364" cy="365125"/>
+          </a:xfrm>
+          <a:prstGeom prst="rect">
+            <a:avLst/>
+          </a:prstGeom>
+        </p:spPr>
+        <p:txBody>
+          <a:bodyPr vert="horz" lIns="91440" tIns="45720" rIns="91440" bIns="45720" rtlCol="0" anchor="ctr"/>
+          <a:lstStyle>
+            <a:defPPr>
+              <a:defRPr lang="en-US"/>
+            </a:defPPr>
+            <a:lvl1pPr marL="0" algn="ctr" defTabSz="914400" rtl="0" eaLnBrk="1" latinLnBrk="0" hangingPunct="1">
+              <a:defRPr sz="1200" kern="1200">
+                <a:solidFill>
+                  <a:schemeClr val="tx1">
+                    <a:tint val="75000"/>
+                  </a:schemeClr>
+                </a:solidFill>
+                <a:latin typeface="+mn-lt"/>
+                <a:ea typeface="+mn-ea"/>
+                <a:cs typeface="+mn-cs"/>
+              </a:defRPr>
+            </a:lvl1pPr>
+            <a:lvl2pPr marL="457200" algn="l" defTabSz="914400" rtl="0" eaLnBrk="1" latinLnBrk="0" hangingPunct="1">
+              <a:defRPr sz="1800" kern="1200">
+                <a:solidFill>
+                  <a:schemeClr val="tx1"/>
+                </a:solidFill>
+                <a:latin typeface="+mn-lt"/>
+                <a:ea typeface="+mn-ea"/>
+                <a:cs typeface="+mn-cs"/>
+              </a:defRPr>
+            </a:lvl2pPr>
+            <a:lvl3pPr marL="914400" algn="l" defTabSz="914400" rtl="0" eaLnBrk="1" latinLnBrk="0" hangingPunct="1">
+              <a:defRPr sz="1800" kern="1200">
+                <a:solidFill>
+                  <a:schemeClr val="tx1"/>
+                </a:solidFill>
+                <a:latin typeface="+mn-lt"/>
+                <a:ea typeface="+mn-ea"/>
+                <a:cs typeface="+mn-cs"/>
+              </a:defRPr>
+            </a:lvl3pPr>
+            <a:lvl4pPr marL="1371600" algn="l" defTabSz="914400" rtl="0" eaLnBrk="1" latinLnBrk="0" hangingPunct="1">
+              <a:defRPr sz="1800" kern="1200">
+                <a:solidFill>
+                  <a:schemeClr val="tx1"/>
+                </a:solidFill>
+                <a:latin typeface="+mn-lt"/>
+                <a:ea typeface="+mn-ea"/>
+                <a:cs typeface="+mn-cs"/>
+              </a:defRPr>
+            </a:lvl4pPr>
+            <a:lvl5pPr marL="1828800" algn="l" defTabSz="914400" rtl="0" eaLnBrk="1" latinLnBrk="0" hangingPunct="1">
+              <a:defRPr sz="1800" kern="1200">
+                <a:solidFill>
+                  <a:schemeClr val="tx1"/>
+                </a:solidFill>
+                <a:latin typeface="+mn-lt"/>
+                <a:ea typeface="+mn-ea"/>
+                <a:cs typeface="+mn-cs"/>
+              </a:defRPr>
+            </a:lvl5pPr>
+            <a:lvl6pPr marL="2286000" algn="l" defTabSz="914400" rtl="0" eaLnBrk="1" latinLnBrk="0" hangingPunct="1">
+              <a:defRPr sz="1800" kern="1200">
+                <a:solidFill>
+                  <a:schemeClr val="tx1"/>
+                </a:solidFill>
+                <a:latin typeface="+mn-lt"/>
+                <a:ea typeface="+mn-ea"/>
+                <a:cs typeface="+mn-cs"/>
+              </a:defRPr>
+            </a:lvl6pPr>
+            <a:lvl7pPr marL="2743200" algn="l" defTabSz="914400" rtl="0" eaLnBrk="1" latinLnBrk="0" hangingPunct="1">
+              <a:defRPr sz="1800" kern="1200">
+                <a:solidFill>
+                  <a:schemeClr val="tx1"/>
+                </a:solidFill>
+                <a:latin typeface="+mn-lt"/>
+                <a:ea typeface="+mn-ea"/>
+                <a:cs typeface="+mn-cs"/>
+              </a:defRPr>
+            </a:lvl7pPr>
+            <a:lvl8pPr marL="3200400" algn="l" defTabSz="914400" rtl="0" eaLnBrk="1" latinLnBrk="0" hangingPunct="1">
+              <a:defRPr sz="1800" kern="1200">
+                <a:solidFill>
+                  <a:schemeClr val="tx1"/>
+                </a:solidFill>
+                <a:latin typeface="+mn-lt"/>
+                <a:ea typeface="+mn-ea"/>
+                <a:cs typeface="+mn-cs"/>
+              </a:defRPr>
+            </a:lvl8pPr>
+            <a:lvl9pPr marL="3657600" algn="l" defTabSz="914400" rtl="0" eaLnBrk="1" latinLnBrk="0" hangingPunct="1">
+              <a:defRPr sz="1800" kern="1200">
+                <a:solidFill>
+                  <a:schemeClr val="tx1"/>
+                </a:solidFill>
+                <a:latin typeface="+mn-lt"/>
+                <a:ea typeface="+mn-ea"/>
+                <a:cs typeface="+mn-cs"/>
+              </a:defRPr>
+            </a:lvl9pPr>
+          </a:lstStyle>
+          <a:p>
+            <a:r>
+              <a:rPr lang="en-US" sz="1600" dirty="0" smtClean="0">
+                <a:latin typeface="Times New Roman" panose="02020603050405020304" pitchFamily="18" charset="0"/>
+                <a:cs typeface="Times New Roman" panose="02020603050405020304" pitchFamily="18" charset="0"/>
+              </a:rPr>
+              <a:t>12/2017</a:t>
+            </a:r>
+            <a:endParaRPr lang="en-US" sz="1600" dirty="0">
+              <a:latin typeface="Times New Roman" panose="02020603050405020304" pitchFamily="18" charset="0"/>
+              <a:cs typeface="Times New Roman" panose="02020603050405020304" pitchFamily="18" charset="0"/>
+            </a:endParaRPr>
+          </a:p>
+        </p:txBody>
+      </p:sp>
     </p:spTree>
     <p:extLst>
       <p:ext uri="{BB962C8B-B14F-4D97-AF65-F5344CB8AC3E}">
@@ -10129,28 +11594,6 @@
       </p:sp>
       <p:sp>
         <p:nvSpPr>
-          <p:cNvPr id="3" name="Date Placeholder 2"/>
-          <p:cNvSpPr>
-            <a:spLocks noGrp="1"/>
-          </p:cNvSpPr>
-          <p:nvPr>
-            <p:ph type="dt" sz="half" idx="10"/>
-          </p:nvPr>
-        </p:nvSpPr>
-        <p:spPr/>
-        <p:txBody>
-          <a:bodyPr/>
-          <a:lstStyle/>
-          <a:p>
-            <a:r>
-              <a:rPr lang="en-US"/>
-              <a:t>10/13/2017</a:t>
-            </a:r>
-          </a:p>
-        </p:txBody>
-      </p:sp>
-      <p:sp>
-        <p:nvSpPr>
           <p:cNvPr id="4" name="Footer Placeholder 3"/>
           <p:cNvSpPr>
             <a:spLocks noGrp="1"/>
@@ -10254,7 +11697,7 @@
           <p:cNvPr id="7" name="Title 1">
             <a:extLst>
               <a:ext uri="{FF2B5EF4-FFF2-40B4-BE49-F238E27FC236}">
-                <a16:creationId xmlns:a16="http://schemas.microsoft.com/office/drawing/2014/main" xmlns="" id="{A26F03AE-A5EF-4A37-AD0A-4A124D961228}"/>
+                <a16:creationId xmlns="" xmlns:a16="http://schemas.microsoft.com/office/drawing/2014/main" id="{A26F03AE-A5EF-4A37-AD0A-4A124D961228}"/>
               </a:ext>
             </a:extLst>
           </p:cNvPr>
@@ -10352,6 +11795,137 @@
               </a:solidFill>
               <a:latin typeface="Arial" panose="020B0604020202020204" pitchFamily="34" charset="0"/>
               <a:cs typeface="Arial" panose="020B0604020202020204" pitchFamily="34" charset="0"/>
+            </a:endParaRPr>
+          </a:p>
+        </p:txBody>
+      </p:sp>
+      <p:sp>
+        <p:nvSpPr>
+          <p:cNvPr id="9" name="Footer Placeholder 2"/>
+          <p:cNvSpPr txBox="1">
+            <a:spLocks/>
+          </p:cNvSpPr>
+          <p:nvPr/>
+        </p:nvSpPr>
+        <p:spPr>
+          <a:xfrm>
+            <a:off x="0" y="6324600"/>
+            <a:ext cx="2632364" cy="365125"/>
+          </a:xfrm>
+          <a:prstGeom prst="rect">
+            <a:avLst/>
+          </a:prstGeom>
+        </p:spPr>
+        <p:txBody>
+          <a:bodyPr vert="horz" lIns="91440" tIns="45720" rIns="91440" bIns="45720" rtlCol="0" anchor="ctr"/>
+          <a:lstStyle>
+            <a:defPPr>
+              <a:defRPr lang="en-US"/>
+            </a:defPPr>
+            <a:lvl1pPr marL="0" algn="ctr" defTabSz="914400" rtl="0" eaLnBrk="1" latinLnBrk="0" hangingPunct="1">
+              <a:defRPr sz="1200" kern="1200">
+                <a:solidFill>
+                  <a:schemeClr val="tx1">
+                    <a:tint val="75000"/>
+                  </a:schemeClr>
+                </a:solidFill>
+                <a:latin typeface="+mn-lt"/>
+                <a:ea typeface="+mn-ea"/>
+                <a:cs typeface="+mn-cs"/>
+              </a:defRPr>
+            </a:lvl1pPr>
+            <a:lvl2pPr marL="457200" algn="l" defTabSz="914400" rtl="0" eaLnBrk="1" latinLnBrk="0" hangingPunct="1">
+              <a:defRPr sz="1800" kern="1200">
+                <a:solidFill>
+                  <a:schemeClr val="tx1"/>
+                </a:solidFill>
+                <a:latin typeface="+mn-lt"/>
+                <a:ea typeface="+mn-ea"/>
+                <a:cs typeface="+mn-cs"/>
+              </a:defRPr>
+            </a:lvl2pPr>
+            <a:lvl3pPr marL="914400" algn="l" defTabSz="914400" rtl="0" eaLnBrk="1" latinLnBrk="0" hangingPunct="1">
+              <a:defRPr sz="1800" kern="1200">
+                <a:solidFill>
+                  <a:schemeClr val="tx1"/>
+                </a:solidFill>
+                <a:latin typeface="+mn-lt"/>
+                <a:ea typeface="+mn-ea"/>
+                <a:cs typeface="+mn-cs"/>
+              </a:defRPr>
+            </a:lvl3pPr>
+            <a:lvl4pPr marL="1371600" algn="l" defTabSz="914400" rtl="0" eaLnBrk="1" latinLnBrk="0" hangingPunct="1">
+              <a:defRPr sz="1800" kern="1200">
+                <a:solidFill>
+                  <a:schemeClr val="tx1"/>
+                </a:solidFill>
+                <a:latin typeface="+mn-lt"/>
+                <a:ea typeface="+mn-ea"/>
+                <a:cs typeface="+mn-cs"/>
+              </a:defRPr>
+            </a:lvl4pPr>
+            <a:lvl5pPr marL="1828800" algn="l" defTabSz="914400" rtl="0" eaLnBrk="1" latinLnBrk="0" hangingPunct="1">
+              <a:defRPr sz="1800" kern="1200">
+                <a:solidFill>
+                  <a:schemeClr val="tx1"/>
+                </a:solidFill>
+                <a:latin typeface="+mn-lt"/>
+                <a:ea typeface="+mn-ea"/>
+                <a:cs typeface="+mn-cs"/>
+              </a:defRPr>
+            </a:lvl5pPr>
+            <a:lvl6pPr marL="2286000" algn="l" defTabSz="914400" rtl="0" eaLnBrk="1" latinLnBrk="0" hangingPunct="1">
+              <a:defRPr sz="1800" kern="1200">
+                <a:solidFill>
+                  <a:schemeClr val="tx1"/>
+                </a:solidFill>
+                <a:latin typeface="+mn-lt"/>
+                <a:ea typeface="+mn-ea"/>
+                <a:cs typeface="+mn-cs"/>
+              </a:defRPr>
+            </a:lvl6pPr>
+            <a:lvl7pPr marL="2743200" algn="l" defTabSz="914400" rtl="0" eaLnBrk="1" latinLnBrk="0" hangingPunct="1">
+              <a:defRPr sz="1800" kern="1200">
+                <a:solidFill>
+                  <a:schemeClr val="tx1"/>
+                </a:solidFill>
+                <a:latin typeface="+mn-lt"/>
+                <a:ea typeface="+mn-ea"/>
+                <a:cs typeface="+mn-cs"/>
+              </a:defRPr>
+            </a:lvl7pPr>
+            <a:lvl8pPr marL="3200400" algn="l" defTabSz="914400" rtl="0" eaLnBrk="1" latinLnBrk="0" hangingPunct="1">
+              <a:defRPr sz="1800" kern="1200">
+                <a:solidFill>
+                  <a:schemeClr val="tx1"/>
+                </a:solidFill>
+                <a:latin typeface="+mn-lt"/>
+                <a:ea typeface="+mn-ea"/>
+                <a:cs typeface="+mn-cs"/>
+              </a:defRPr>
+            </a:lvl8pPr>
+            <a:lvl9pPr marL="3657600" algn="l" defTabSz="914400" rtl="0" eaLnBrk="1" latinLnBrk="0" hangingPunct="1">
+              <a:defRPr sz="1800" kern="1200">
+                <a:solidFill>
+                  <a:schemeClr val="tx1"/>
+                </a:solidFill>
+                <a:latin typeface="+mn-lt"/>
+                <a:ea typeface="+mn-ea"/>
+                <a:cs typeface="+mn-cs"/>
+              </a:defRPr>
+            </a:lvl9pPr>
+          </a:lstStyle>
+          <a:p>
+            <a:r>
+              <a:rPr lang="en-US" sz="1600" dirty="0" smtClean="0">
+                <a:latin typeface="Times New Roman" panose="02020603050405020304" pitchFamily="18" charset="0"/>
+                <a:cs typeface="Times New Roman" panose="02020603050405020304" pitchFamily="18" charset="0"/>
+              </a:rPr>
+              <a:t>12/2017</a:t>
+            </a:r>
+            <a:endParaRPr lang="en-US" sz="1600" dirty="0">
+              <a:latin typeface="Times New Roman" panose="02020603050405020304" pitchFamily="18" charset="0"/>
+              <a:cs typeface="Times New Roman" panose="02020603050405020304" pitchFamily="18" charset="0"/>
             </a:endParaRPr>
           </a:p>
         </p:txBody>
@@ -10395,28 +11969,6 @@
       </p:grpSpPr>
       <p:sp>
         <p:nvSpPr>
-          <p:cNvPr id="3" name="Date Placeholder 2"/>
-          <p:cNvSpPr>
-            <a:spLocks noGrp="1"/>
-          </p:cNvSpPr>
-          <p:nvPr>
-            <p:ph type="dt" sz="half" idx="10"/>
-          </p:nvPr>
-        </p:nvSpPr>
-        <p:spPr/>
-        <p:txBody>
-          <a:bodyPr/>
-          <a:lstStyle/>
-          <a:p>
-            <a:r>
-              <a:rPr lang="en-US"/>
-              <a:t>10/13/2017</a:t>
-            </a:r>
-          </a:p>
-        </p:txBody>
-      </p:sp>
-      <p:sp>
-        <p:nvSpPr>
           <p:cNvPr id="4" name="Footer Placeholder 3"/>
           <p:cNvSpPr>
             <a:spLocks noGrp="1"/>
@@ -10501,7 +12053,7 @@
           <p:cNvPr id="10" name="Title 1">
             <a:extLst>
               <a:ext uri="{FF2B5EF4-FFF2-40B4-BE49-F238E27FC236}">
-                <a16:creationId xmlns:a16="http://schemas.microsoft.com/office/drawing/2014/main" xmlns="" id="{7368D8FC-019C-4E0A-9E64-2A1D10A99CC1}"/>
+                <a16:creationId xmlns="" xmlns:a16="http://schemas.microsoft.com/office/drawing/2014/main" id="{7368D8FC-019C-4E0A-9E64-2A1D10A99CC1}"/>
               </a:ext>
             </a:extLst>
           </p:cNvPr>
@@ -10627,6 +12179,137 @@
           </a:prstGeom>
         </p:spPr>
       </p:pic>
+      <p:sp>
+        <p:nvSpPr>
+          <p:cNvPr id="8" name="Footer Placeholder 2"/>
+          <p:cNvSpPr txBox="1">
+            <a:spLocks/>
+          </p:cNvSpPr>
+          <p:nvPr/>
+        </p:nvSpPr>
+        <p:spPr>
+          <a:xfrm>
+            <a:off x="0" y="6340475"/>
+            <a:ext cx="2632364" cy="365125"/>
+          </a:xfrm>
+          <a:prstGeom prst="rect">
+            <a:avLst/>
+          </a:prstGeom>
+        </p:spPr>
+        <p:txBody>
+          <a:bodyPr vert="horz" lIns="91440" tIns="45720" rIns="91440" bIns="45720" rtlCol="0" anchor="ctr"/>
+          <a:lstStyle>
+            <a:defPPr>
+              <a:defRPr lang="en-US"/>
+            </a:defPPr>
+            <a:lvl1pPr marL="0" algn="ctr" defTabSz="914400" rtl="0" eaLnBrk="1" latinLnBrk="0" hangingPunct="1">
+              <a:defRPr sz="1200" kern="1200">
+                <a:solidFill>
+                  <a:schemeClr val="tx1">
+                    <a:tint val="75000"/>
+                  </a:schemeClr>
+                </a:solidFill>
+                <a:latin typeface="+mn-lt"/>
+                <a:ea typeface="+mn-ea"/>
+                <a:cs typeface="+mn-cs"/>
+              </a:defRPr>
+            </a:lvl1pPr>
+            <a:lvl2pPr marL="457200" algn="l" defTabSz="914400" rtl="0" eaLnBrk="1" latinLnBrk="0" hangingPunct="1">
+              <a:defRPr sz="1800" kern="1200">
+                <a:solidFill>
+                  <a:schemeClr val="tx1"/>
+                </a:solidFill>
+                <a:latin typeface="+mn-lt"/>
+                <a:ea typeface="+mn-ea"/>
+                <a:cs typeface="+mn-cs"/>
+              </a:defRPr>
+            </a:lvl2pPr>
+            <a:lvl3pPr marL="914400" algn="l" defTabSz="914400" rtl="0" eaLnBrk="1" latinLnBrk="0" hangingPunct="1">
+              <a:defRPr sz="1800" kern="1200">
+                <a:solidFill>
+                  <a:schemeClr val="tx1"/>
+                </a:solidFill>
+                <a:latin typeface="+mn-lt"/>
+                <a:ea typeface="+mn-ea"/>
+                <a:cs typeface="+mn-cs"/>
+              </a:defRPr>
+            </a:lvl3pPr>
+            <a:lvl4pPr marL="1371600" algn="l" defTabSz="914400" rtl="0" eaLnBrk="1" latinLnBrk="0" hangingPunct="1">
+              <a:defRPr sz="1800" kern="1200">
+                <a:solidFill>
+                  <a:schemeClr val="tx1"/>
+                </a:solidFill>
+                <a:latin typeface="+mn-lt"/>
+                <a:ea typeface="+mn-ea"/>
+                <a:cs typeface="+mn-cs"/>
+              </a:defRPr>
+            </a:lvl4pPr>
+            <a:lvl5pPr marL="1828800" algn="l" defTabSz="914400" rtl="0" eaLnBrk="1" latinLnBrk="0" hangingPunct="1">
+              <a:defRPr sz="1800" kern="1200">
+                <a:solidFill>
+                  <a:schemeClr val="tx1"/>
+                </a:solidFill>
+                <a:latin typeface="+mn-lt"/>
+                <a:ea typeface="+mn-ea"/>
+                <a:cs typeface="+mn-cs"/>
+              </a:defRPr>
+            </a:lvl5pPr>
+            <a:lvl6pPr marL="2286000" algn="l" defTabSz="914400" rtl="0" eaLnBrk="1" latinLnBrk="0" hangingPunct="1">
+              <a:defRPr sz="1800" kern="1200">
+                <a:solidFill>
+                  <a:schemeClr val="tx1"/>
+                </a:solidFill>
+                <a:latin typeface="+mn-lt"/>
+                <a:ea typeface="+mn-ea"/>
+                <a:cs typeface="+mn-cs"/>
+              </a:defRPr>
+            </a:lvl6pPr>
+            <a:lvl7pPr marL="2743200" algn="l" defTabSz="914400" rtl="0" eaLnBrk="1" latinLnBrk="0" hangingPunct="1">
+              <a:defRPr sz="1800" kern="1200">
+                <a:solidFill>
+                  <a:schemeClr val="tx1"/>
+                </a:solidFill>
+                <a:latin typeface="+mn-lt"/>
+                <a:ea typeface="+mn-ea"/>
+                <a:cs typeface="+mn-cs"/>
+              </a:defRPr>
+            </a:lvl7pPr>
+            <a:lvl8pPr marL="3200400" algn="l" defTabSz="914400" rtl="0" eaLnBrk="1" latinLnBrk="0" hangingPunct="1">
+              <a:defRPr sz="1800" kern="1200">
+                <a:solidFill>
+                  <a:schemeClr val="tx1"/>
+                </a:solidFill>
+                <a:latin typeface="+mn-lt"/>
+                <a:ea typeface="+mn-ea"/>
+                <a:cs typeface="+mn-cs"/>
+              </a:defRPr>
+            </a:lvl8pPr>
+            <a:lvl9pPr marL="3657600" algn="l" defTabSz="914400" rtl="0" eaLnBrk="1" latinLnBrk="0" hangingPunct="1">
+              <a:defRPr sz="1800" kern="1200">
+                <a:solidFill>
+                  <a:schemeClr val="tx1"/>
+                </a:solidFill>
+                <a:latin typeface="+mn-lt"/>
+                <a:ea typeface="+mn-ea"/>
+                <a:cs typeface="+mn-cs"/>
+              </a:defRPr>
+            </a:lvl9pPr>
+          </a:lstStyle>
+          <a:p>
+            <a:r>
+              <a:rPr lang="en-US" sz="1600" dirty="0" smtClean="0">
+                <a:latin typeface="Times New Roman" panose="02020603050405020304" pitchFamily="18" charset="0"/>
+                <a:cs typeface="Times New Roman" panose="02020603050405020304" pitchFamily="18" charset="0"/>
+              </a:rPr>
+              <a:t>12/2017</a:t>
+            </a:r>
+            <a:endParaRPr lang="en-US" sz="1600" dirty="0">
+              <a:latin typeface="Times New Roman" panose="02020603050405020304" pitchFamily="18" charset="0"/>
+              <a:cs typeface="Times New Roman" panose="02020603050405020304" pitchFamily="18" charset="0"/>
+            </a:endParaRPr>
+          </a:p>
+        </p:txBody>
+      </p:sp>
     </p:spTree>
     <p:extLst>
       <p:ext uri="{BB962C8B-B14F-4D97-AF65-F5344CB8AC3E}">
@@ -10666,28 +12349,6 @@
       </p:grpSpPr>
       <p:sp>
         <p:nvSpPr>
-          <p:cNvPr id="3" name="Date Placeholder 2"/>
-          <p:cNvSpPr>
-            <a:spLocks noGrp="1"/>
-          </p:cNvSpPr>
-          <p:nvPr>
-            <p:ph type="dt" sz="half" idx="10"/>
-          </p:nvPr>
-        </p:nvSpPr>
-        <p:spPr/>
-        <p:txBody>
-          <a:bodyPr/>
-          <a:lstStyle/>
-          <a:p>
-            <a:r>
-              <a:rPr lang="en-US"/>
-              <a:t>10/13/2017</a:t>
-            </a:r>
-          </a:p>
-        </p:txBody>
-      </p:sp>
-      <p:sp>
-        <p:nvSpPr>
           <p:cNvPr id="4" name="Footer Placeholder 3"/>
           <p:cNvSpPr>
             <a:spLocks noGrp="1"/>
@@ -10789,6 +12450,137 @@
           </a:prstGeom>
         </p:spPr>
       </p:pic>
+      <p:sp>
+        <p:nvSpPr>
+          <p:cNvPr id="8" name="Footer Placeholder 2"/>
+          <p:cNvSpPr txBox="1">
+            <a:spLocks/>
+          </p:cNvSpPr>
+          <p:nvPr/>
+        </p:nvSpPr>
+        <p:spPr>
+          <a:xfrm>
+            <a:off x="0" y="6340475"/>
+            <a:ext cx="2632364" cy="365125"/>
+          </a:xfrm>
+          <a:prstGeom prst="rect">
+            <a:avLst/>
+          </a:prstGeom>
+        </p:spPr>
+        <p:txBody>
+          <a:bodyPr vert="horz" lIns="91440" tIns="45720" rIns="91440" bIns="45720" rtlCol="0" anchor="ctr"/>
+          <a:lstStyle>
+            <a:defPPr>
+              <a:defRPr lang="en-US"/>
+            </a:defPPr>
+            <a:lvl1pPr marL="0" algn="ctr" defTabSz="914400" rtl="0" eaLnBrk="1" latinLnBrk="0" hangingPunct="1">
+              <a:defRPr sz="1200" kern="1200">
+                <a:solidFill>
+                  <a:schemeClr val="tx1">
+                    <a:tint val="75000"/>
+                  </a:schemeClr>
+                </a:solidFill>
+                <a:latin typeface="+mn-lt"/>
+                <a:ea typeface="+mn-ea"/>
+                <a:cs typeface="+mn-cs"/>
+              </a:defRPr>
+            </a:lvl1pPr>
+            <a:lvl2pPr marL="457200" algn="l" defTabSz="914400" rtl="0" eaLnBrk="1" latinLnBrk="0" hangingPunct="1">
+              <a:defRPr sz="1800" kern="1200">
+                <a:solidFill>
+                  <a:schemeClr val="tx1"/>
+                </a:solidFill>
+                <a:latin typeface="+mn-lt"/>
+                <a:ea typeface="+mn-ea"/>
+                <a:cs typeface="+mn-cs"/>
+              </a:defRPr>
+            </a:lvl2pPr>
+            <a:lvl3pPr marL="914400" algn="l" defTabSz="914400" rtl="0" eaLnBrk="1" latinLnBrk="0" hangingPunct="1">
+              <a:defRPr sz="1800" kern="1200">
+                <a:solidFill>
+                  <a:schemeClr val="tx1"/>
+                </a:solidFill>
+                <a:latin typeface="+mn-lt"/>
+                <a:ea typeface="+mn-ea"/>
+                <a:cs typeface="+mn-cs"/>
+              </a:defRPr>
+            </a:lvl3pPr>
+            <a:lvl4pPr marL="1371600" algn="l" defTabSz="914400" rtl="0" eaLnBrk="1" latinLnBrk="0" hangingPunct="1">
+              <a:defRPr sz="1800" kern="1200">
+                <a:solidFill>
+                  <a:schemeClr val="tx1"/>
+                </a:solidFill>
+                <a:latin typeface="+mn-lt"/>
+                <a:ea typeface="+mn-ea"/>
+                <a:cs typeface="+mn-cs"/>
+              </a:defRPr>
+            </a:lvl4pPr>
+            <a:lvl5pPr marL="1828800" algn="l" defTabSz="914400" rtl="0" eaLnBrk="1" latinLnBrk="0" hangingPunct="1">
+              <a:defRPr sz="1800" kern="1200">
+                <a:solidFill>
+                  <a:schemeClr val="tx1"/>
+                </a:solidFill>
+                <a:latin typeface="+mn-lt"/>
+                <a:ea typeface="+mn-ea"/>
+                <a:cs typeface="+mn-cs"/>
+              </a:defRPr>
+            </a:lvl5pPr>
+            <a:lvl6pPr marL="2286000" algn="l" defTabSz="914400" rtl="0" eaLnBrk="1" latinLnBrk="0" hangingPunct="1">
+              <a:defRPr sz="1800" kern="1200">
+                <a:solidFill>
+                  <a:schemeClr val="tx1"/>
+                </a:solidFill>
+                <a:latin typeface="+mn-lt"/>
+                <a:ea typeface="+mn-ea"/>
+                <a:cs typeface="+mn-cs"/>
+              </a:defRPr>
+            </a:lvl6pPr>
+            <a:lvl7pPr marL="2743200" algn="l" defTabSz="914400" rtl="0" eaLnBrk="1" latinLnBrk="0" hangingPunct="1">
+              <a:defRPr sz="1800" kern="1200">
+                <a:solidFill>
+                  <a:schemeClr val="tx1"/>
+                </a:solidFill>
+                <a:latin typeface="+mn-lt"/>
+                <a:ea typeface="+mn-ea"/>
+                <a:cs typeface="+mn-cs"/>
+              </a:defRPr>
+            </a:lvl7pPr>
+            <a:lvl8pPr marL="3200400" algn="l" defTabSz="914400" rtl="0" eaLnBrk="1" latinLnBrk="0" hangingPunct="1">
+              <a:defRPr sz="1800" kern="1200">
+                <a:solidFill>
+                  <a:schemeClr val="tx1"/>
+                </a:solidFill>
+                <a:latin typeface="+mn-lt"/>
+                <a:ea typeface="+mn-ea"/>
+                <a:cs typeface="+mn-cs"/>
+              </a:defRPr>
+            </a:lvl8pPr>
+            <a:lvl9pPr marL="3657600" algn="l" defTabSz="914400" rtl="0" eaLnBrk="1" latinLnBrk="0" hangingPunct="1">
+              <a:defRPr sz="1800" kern="1200">
+                <a:solidFill>
+                  <a:schemeClr val="tx1"/>
+                </a:solidFill>
+                <a:latin typeface="+mn-lt"/>
+                <a:ea typeface="+mn-ea"/>
+                <a:cs typeface="+mn-cs"/>
+              </a:defRPr>
+            </a:lvl9pPr>
+          </a:lstStyle>
+          <a:p>
+            <a:r>
+              <a:rPr lang="en-US" sz="1600" dirty="0" smtClean="0">
+                <a:latin typeface="Times New Roman" panose="02020603050405020304" pitchFamily="18" charset="0"/>
+                <a:cs typeface="Times New Roman" panose="02020603050405020304" pitchFamily="18" charset="0"/>
+              </a:rPr>
+              <a:t>12/2017</a:t>
+            </a:r>
+            <a:endParaRPr lang="en-US" sz="1600" dirty="0">
+              <a:latin typeface="Times New Roman" panose="02020603050405020304" pitchFamily="18" charset="0"/>
+              <a:cs typeface="Times New Roman" panose="02020603050405020304" pitchFamily="18" charset="0"/>
+            </a:endParaRPr>
+          </a:p>
+        </p:txBody>
+      </p:sp>
     </p:spTree>
     <p:extLst>
       <p:ext uri="{BB962C8B-B14F-4D97-AF65-F5344CB8AC3E}">
@@ -10828,28 +12620,6 @@
       </p:grpSpPr>
       <p:sp>
         <p:nvSpPr>
-          <p:cNvPr id="3" name="Date Placeholder 2"/>
-          <p:cNvSpPr>
-            <a:spLocks noGrp="1"/>
-          </p:cNvSpPr>
-          <p:nvPr>
-            <p:ph type="dt" sz="half" idx="10"/>
-          </p:nvPr>
-        </p:nvSpPr>
-        <p:spPr/>
-        <p:txBody>
-          <a:bodyPr/>
-          <a:lstStyle/>
-          <a:p>
-            <a:r>
-              <a:rPr lang="en-US"/>
-              <a:t>10/13/2017</a:t>
-            </a:r>
-          </a:p>
-        </p:txBody>
-      </p:sp>
-      <p:sp>
-        <p:nvSpPr>
           <p:cNvPr id="4" name="Footer Placeholder 3"/>
           <p:cNvSpPr>
             <a:spLocks noGrp="1"/>
@@ -10929,9 +12699,140 @@
           </a:p>
         </p:txBody>
       </p:sp>
+      <p:sp>
+        <p:nvSpPr>
+          <p:cNvPr id="8" name="Footer Placeholder 2"/>
+          <p:cNvSpPr txBox="1">
+            <a:spLocks/>
+          </p:cNvSpPr>
+          <p:nvPr/>
+        </p:nvSpPr>
+        <p:spPr>
+          <a:xfrm>
+            <a:off x="0" y="6340475"/>
+            <a:ext cx="2632364" cy="365125"/>
+          </a:xfrm>
+          <a:prstGeom prst="rect">
+            <a:avLst/>
+          </a:prstGeom>
+        </p:spPr>
+        <p:txBody>
+          <a:bodyPr vert="horz" lIns="91440" tIns="45720" rIns="91440" bIns="45720" rtlCol="0" anchor="ctr"/>
+          <a:lstStyle>
+            <a:defPPr>
+              <a:defRPr lang="en-US"/>
+            </a:defPPr>
+            <a:lvl1pPr marL="0" algn="ctr" defTabSz="914400" rtl="0" eaLnBrk="1" latinLnBrk="0" hangingPunct="1">
+              <a:defRPr sz="1200" kern="1200">
+                <a:solidFill>
+                  <a:schemeClr val="tx1">
+                    <a:tint val="75000"/>
+                  </a:schemeClr>
+                </a:solidFill>
+                <a:latin typeface="+mn-lt"/>
+                <a:ea typeface="+mn-ea"/>
+                <a:cs typeface="+mn-cs"/>
+              </a:defRPr>
+            </a:lvl1pPr>
+            <a:lvl2pPr marL="457200" algn="l" defTabSz="914400" rtl="0" eaLnBrk="1" latinLnBrk="0" hangingPunct="1">
+              <a:defRPr sz="1800" kern="1200">
+                <a:solidFill>
+                  <a:schemeClr val="tx1"/>
+                </a:solidFill>
+                <a:latin typeface="+mn-lt"/>
+                <a:ea typeface="+mn-ea"/>
+                <a:cs typeface="+mn-cs"/>
+              </a:defRPr>
+            </a:lvl2pPr>
+            <a:lvl3pPr marL="914400" algn="l" defTabSz="914400" rtl="0" eaLnBrk="1" latinLnBrk="0" hangingPunct="1">
+              <a:defRPr sz="1800" kern="1200">
+                <a:solidFill>
+                  <a:schemeClr val="tx1"/>
+                </a:solidFill>
+                <a:latin typeface="+mn-lt"/>
+                <a:ea typeface="+mn-ea"/>
+                <a:cs typeface="+mn-cs"/>
+              </a:defRPr>
+            </a:lvl3pPr>
+            <a:lvl4pPr marL="1371600" algn="l" defTabSz="914400" rtl="0" eaLnBrk="1" latinLnBrk="0" hangingPunct="1">
+              <a:defRPr sz="1800" kern="1200">
+                <a:solidFill>
+                  <a:schemeClr val="tx1"/>
+                </a:solidFill>
+                <a:latin typeface="+mn-lt"/>
+                <a:ea typeface="+mn-ea"/>
+                <a:cs typeface="+mn-cs"/>
+              </a:defRPr>
+            </a:lvl4pPr>
+            <a:lvl5pPr marL="1828800" algn="l" defTabSz="914400" rtl="0" eaLnBrk="1" latinLnBrk="0" hangingPunct="1">
+              <a:defRPr sz="1800" kern="1200">
+                <a:solidFill>
+                  <a:schemeClr val="tx1"/>
+                </a:solidFill>
+                <a:latin typeface="+mn-lt"/>
+                <a:ea typeface="+mn-ea"/>
+                <a:cs typeface="+mn-cs"/>
+              </a:defRPr>
+            </a:lvl5pPr>
+            <a:lvl6pPr marL="2286000" algn="l" defTabSz="914400" rtl="0" eaLnBrk="1" latinLnBrk="0" hangingPunct="1">
+              <a:defRPr sz="1800" kern="1200">
+                <a:solidFill>
+                  <a:schemeClr val="tx1"/>
+                </a:solidFill>
+                <a:latin typeface="+mn-lt"/>
+                <a:ea typeface="+mn-ea"/>
+                <a:cs typeface="+mn-cs"/>
+              </a:defRPr>
+            </a:lvl6pPr>
+            <a:lvl7pPr marL="2743200" algn="l" defTabSz="914400" rtl="0" eaLnBrk="1" latinLnBrk="0" hangingPunct="1">
+              <a:defRPr sz="1800" kern="1200">
+                <a:solidFill>
+                  <a:schemeClr val="tx1"/>
+                </a:solidFill>
+                <a:latin typeface="+mn-lt"/>
+                <a:ea typeface="+mn-ea"/>
+                <a:cs typeface="+mn-cs"/>
+              </a:defRPr>
+            </a:lvl7pPr>
+            <a:lvl8pPr marL="3200400" algn="l" defTabSz="914400" rtl="0" eaLnBrk="1" latinLnBrk="0" hangingPunct="1">
+              <a:defRPr sz="1800" kern="1200">
+                <a:solidFill>
+                  <a:schemeClr val="tx1"/>
+                </a:solidFill>
+                <a:latin typeface="+mn-lt"/>
+                <a:ea typeface="+mn-ea"/>
+                <a:cs typeface="+mn-cs"/>
+              </a:defRPr>
+            </a:lvl8pPr>
+            <a:lvl9pPr marL="3657600" algn="l" defTabSz="914400" rtl="0" eaLnBrk="1" latinLnBrk="0" hangingPunct="1">
+              <a:defRPr sz="1800" kern="1200">
+                <a:solidFill>
+                  <a:schemeClr val="tx1"/>
+                </a:solidFill>
+                <a:latin typeface="+mn-lt"/>
+                <a:ea typeface="+mn-ea"/>
+                <a:cs typeface="+mn-cs"/>
+              </a:defRPr>
+            </a:lvl9pPr>
+          </a:lstStyle>
+          <a:p>
+            <a:r>
+              <a:rPr lang="en-US" sz="1600" dirty="0" smtClean="0">
+                <a:latin typeface="Times New Roman" panose="02020603050405020304" pitchFamily="18" charset="0"/>
+                <a:cs typeface="Times New Roman" panose="02020603050405020304" pitchFamily="18" charset="0"/>
+              </a:rPr>
+              <a:t>12/2017</a:t>
+            </a:r>
+            <a:endParaRPr lang="en-US" sz="1600" dirty="0">
+              <a:latin typeface="Times New Roman" panose="02020603050405020304" pitchFamily="18" charset="0"/>
+              <a:cs typeface="Times New Roman" panose="02020603050405020304" pitchFamily="18" charset="0"/>
+            </a:endParaRPr>
+          </a:p>
+        </p:txBody>
+      </p:sp>
       <p:pic>
         <p:nvPicPr>
-          <p:cNvPr id="2" name="Picture 1"/>
+          <p:cNvPr id="6" name="Picture 5"/>
           <p:cNvPicPr>
             <a:picLocks noChangeAspect="1"/>
           </p:cNvPicPr>
@@ -10945,8 +12846,8 @@
         </p:blipFill>
         <p:spPr>
           <a:xfrm>
-            <a:off x="632790" y="1107447"/>
-            <a:ext cx="8054010" cy="4953342"/>
+            <a:off x="304800" y="1066800"/>
+            <a:ext cx="8458200" cy="4661365"/>
           </a:xfrm>
           <a:prstGeom prst="rect">
             <a:avLst/>
@@ -10992,28 +12893,6 @@
       </p:grpSpPr>
       <p:sp>
         <p:nvSpPr>
-          <p:cNvPr id="3" name="Date Placeholder 2"/>
-          <p:cNvSpPr>
-            <a:spLocks noGrp="1"/>
-          </p:cNvSpPr>
-          <p:nvPr>
-            <p:ph type="dt" sz="half" idx="10"/>
-          </p:nvPr>
-        </p:nvSpPr>
-        <p:spPr/>
-        <p:txBody>
-          <a:bodyPr/>
-          <a:lstStyle/>
-          <a:p>
-            <a:r>
-              <a:rPr lang="en-US"/>
-              <a:t>10/13/2017</a:t>
-            </a:r>
-          </a:p>
-        </p:txBody>
-      </p:sp>
-      <p:sp>
-        <p:nvSpPr>
           <p:cNvPr id="4" name="Footer Placeholder 3"/>
           <p:cNvSpPr>
             <a:spLocks noGrp="1"/>
@@ -11117,6 +12996,137 @@
           </a:prstGeom>
         </p:spPr>
       </p:pic>
+      <p:sp>
+        <p:nvSpPr>
+          <p:cNvPr id="7" name="Footer Placeholder 2"/>
+          <p:cNvSpPr txBox="1">
+            <a:spLocks/>
+          </p:cNvSpPr>
+          <p:nvPr/>
+        </p:nvSpPr>
+        <p:spPr>
+          <a:xfrm>
+            <a:off x="0" y="6340475"/>
+            <a:ext cx="2632364" cy="365125"/>
+          </a:xfrm>
+          <a:prstGeom prst="rect">
+            <a:avLst/>
+          </a:prstGeom>
+        </p:spPr>
+        <p:txBody>
+          <a:bodyPr vert="horz" lIns="91440" tIns="45720" rIns="91440" bIns="45720" rtlCol="0" anchor="ctr"/>
+          <a:lstStyle>
+            <a:defPPr>
+              <a:defRPr lang="en-US"/>
+            </a:defPPr>
+            <a:lvl1pPr marL="0" algn="ctr" defTabSz="914400" rtl="0" eaLnBrk="1" latinLnBrk="0" hangingPunct="1">
+              <a:defRPr sz="1200" kern="1200">
+                <a:solidFill>
+                  <a:schemeClr val="tx1">
+                    <a:tint val="75000"/>
+                  </a:schemeClr>
+                </a:solidFill>
+                <a:latin typeface="+mn-lt"/>
+                <a:ea typeface="+mn-ea"/>
+                <a:cs typeface="+mn-cs"/>
+              </a:defRPr>
+            </a:lvl1pPr>
+            <a:lvl2pPr marL="457200" algn="l" defTabSz="914400" rtl="0" eaLnBrk="1" latinLnBrk="0" hangingPunct="1">
+              <a:defRPr sz="1800" kern="1200">
+                <a:solidFill>
+                  <a:schemeClr val="tx1"/>
+                </a:solidFill>
+                <a:latin typeface="+mn-lt"/>
+                <a:ea typeface="+mn-ea"/>
+                <a:cs typeface="+mn-cs"/>
+              </a:defRPr>
+            </a:lvl2pPr>
+            <a:lvl3pPr marL="914400" algn="l" defTabSz="914400" rtl="0" eaLnBrk="1" latinLnBrk="0" hangingPunct="1">
+              <a:defRPr sz="1800" kern="1200">
+                <a:solidFill>
+                  <a:schemeClr val="tx1"/>
+                </a:solidFill>
+                <a:latin typeface="+mn-lt"/>
+                <a:ea typeface="+mn-ea"/>
+                <a:cs typeface="+mn-cs"/>
+              </a:defRPr>
+            </a:lvl3pPr>
+            <a:lvl4pPr marL="1371600" algn="l" defTabSz="914400" rtl="0" eaLnBrk="1" latinLnBrk="0" hangingPunct="1">
+              <a:defRPr sz="1800" kern="1200">
+                <a:solidFill>
+                  <a:schemeClr val="tx1"/>
+                </a:solidFill>
+                <a:latin typeface="+mn-lt"/>
+                <a:ea typeface="+mn-ea"/>
+                <a:cs typeface="+mn-cs"/>
+              </a:defRPr>
+            </a:lvl4pPr>
+            <a:lvl5pPr marL="1828800" algn="l" defTabSz="914400" rtl="0" eaLnBrk="1" latinLnBrk="0" hangingPunct="1">
+              <a:defRPr sz="1800" kern="1200">
+                <a:solidFill>
+                  <a:schemeClr val="tx1"/>
+                </a:solidFill>
+                <a:latin typeface="+mn-lt"/>
+                <a:ea typeface="+mn-ea"/>
+                <a:cs typeface="+mn-cs"/>
+              </a:defRPr>
+            </a:lvl5pPr>
+            <a:lvl6pPr marL="2286000" algn="l" defTabSz="914400" rtl="0" eaLnBrk="1" latinLnBrk="0" hangingPunct="1">
+              <a:defRPr sz="1800" kern="1200">
+                <a:solidFill>
+                  <a:schemeClr val="tx1"/>
+                </a:solidFill>
+                <a:latin typeface="+mn-lt"/>
+                <a:ea typeface="+mn-ea"/>
+                <a:cs typeface="+mn-cs"/>
+              </a:defRPr>
+            </a:lvl6pPr>
+            <a:lvl7pPr marL="2743200" algn="l" defTabSz="914400" rtl="0" eaLnBrk="1" latinLnBrk="0" hangingPunct="1">
+              <a:defRPr sz="1800" kern="1200">
+                <a:solidFill>
+                  <a:schemeClr val="tx1"/>
+                </a:solidFill>
+                <a:latin typeface="+mn-lt"/>
+                <a:ea typeface="+mn-ea"/>
+                <a:cs typeface="+mn-cs"/>
+              </a:defRPr>
+            </a:lvl7pPr>
+            <a:lvl8pPr marL="3200400" algn="l" defTabSz="914400" rtl="0" eaLnBrk="1" latinLnBrk="0" hangingPunct="1">
+              <a:defRPr sz="1800" kern="1200">
+                <a:solidFill>
+                  <a:schemeClr val="tx1"/>
+                </a:solidFill>
+                <a:latin typeface="+mn-lt"/>
+                <a:ea typeface="+mn-ea"/>
+                <a:cs typeface="+mn-cs"/>
+              </a:defRPr>
+            </a:lvl8pPr>
+            <a:lvl9pPr marL="3657600" algn="l" defTabSz="914400" rtl="0" eaLnBrk="1" latinLnBrk="0" hangingPunct="1">
+              <a:defRPr sz="1800" kern="1200">
+                <a:solidFill>
+                  <a:schemeClr val="tx1"/>
+                </a:solidFill>
+                <a:latin typeface="+mn-lt"/>
+                <a:ea typeface="+mn-ea"/>
+                <a:cs typeface="+mn-cs"/>
+              </a:defRPr>
+            </a:lvl9pPr>
+          </a:lstStyle>
+          <a:p>
+            <a:r>
+              <a:rPr lang="en-US" sz="1600" dirty="0" smtClean="0">
+                <a:latin typeface="Times New Roman" panose="02020603050405020304" pitchFamily="18" charset="0"/>
+                <a:cs typeface="Times New Roman" panose="02020603050405020304" pitchFamily="18" charset="0"/>
+              </a:rPr>
+              <a:t>12/2017</a:t>
+            </a:r>
+            <a:endParaRPr lang="en-US" sz="1600" dirty="0">
+              <a:latin typeface="Times New Roman" panose="02020603050405020304" pitchFamily="18" charset="0"/>
+              <a:cs typeface="Times New Roman" panose="02020603050405020304" pitchFamily="18" charset="0"/>
+            </a:endParaRPr>
+          </a:p>
+        </p:txBody>
+      </p:sp>
     </p:spTree>
     <p:extLst>
       <p:ext uri="{BB962C8B-B14F-4D97-AF65-F5344CB8AC3E}">
@@ -11156,28 +13166,6 @@
       </p:grpSpPr>
       <p:sp>
         <p:nvSpPr>
-          <p:cNvPr id="3" name="Date Placeholder 2"/>
-          <p:cNvSpPr>
-            <a:spLocks noGrp="1"/>
-          </p:cNvSpPr>
-          <p:nvPr>
-            <p:ph type="dt" sz="half" idx="10"/>
-          </p:nvPr>
-        </p:nvSpPr>
-        <p:spPr/>
-        <p:txBody>
-          <a:bodyPr/>
-          <a:lstStyle/>
-          <a:p>
-            <a:r>
-              <a:rPr lang="en-US"/>
-              <a:t>10/13/2017</a:t>
-            </a:r>
-          </a:p>
-        </p:txBody>
-      </p:sp>
-      <p:sp>
-        <p:nvSpPr>
           <p:cNvPr id="4" name="Footer Placeholder 3"/>
           <p:cNvSpPr>
             <a:spLocks noGrp="1"/>
@@ -11281,6 +13269,137 @@
           </a:prstGeom>
         </p:spPr>
       </p:pic>
+      <p:sp>
+        <p:nvSpPr>
+          <p:cNvPr id="7" name="Footer Placeholder 2"/>
+          <p:cNvSpPr txBox="1">
+            <a:spLocks/>
+          </p:cNvSpPr>
+          <p:nvPr/>
+        </p:nvSpPr>
+        <p:spPr>
+          <a:xfrm>
+            <a:off x="0" y="6340475"/>
+            <a:ext cx="2632364" cy="365125"/>
+          </a:xfrm>
+          <a:prstGeom prst="rect">
+            <a:avLst/>
+          </a:prstGeom>
+        </p:spPr>
+        <p:txBody>
+          <a:bodyPr vert="horz" lIns="91440" tIns="45720" rIns="91440" bIns="45720" rtlCol="0" anchor="ctr"/>
+          <a:lstStyle>
+            <a:defPPr>
+              <a:defRPr lang="en-US"/>
+            </a:defPPr>
+            <a:lvl1pPr marL="0" algn="ctr" defTabSz="914400" rtl="0" eaLnBrk="1" latinLnBrk="0" hangingPunct="1">
+              <a:defRPr sz="1200" kern="1200">
+                <a:solidFill>
+                  <a:schemeClr val="tx1">
+                    <a:tint val="75000"/>
+                  </a:schemeClr>
+                </a:solidFill>
+                <a:latin typeface="+mn-lt"/>
+                <a:ea typeface="+mn-ea"/>
+                <a:cs typeface="+mn-cs"/>
+              </a:defRPr>
+            </a:lvl1pPr>
+            <a:lvl2pPr marL="457200" algn="l" defTabSz="914400" rtl="0" eaLnBrk="1" latinLnBrk="0" hangingPunct="1">
+              <a:defRPr sz="1800" kern="1200">
+                <a:solidFill>
+                  <a:schemeClr val="tx1"/>
+                </a:solidFill>
+                <a:latin typeface="+mn-lt"/>
+                <a:ea typeface="+mn-ea"/>
+                <a:cs typeface="+mn-cs"/>
+              </a:defRPr>
+            </a:lvl2pPr>
+            <a:lvl3pPr marL="914400" algn="l" defTabSz="914400" rtl="0" eaLnBrk="1" latinLnBrk="0" hangingPunct="1">
+              <a:defRPr sz="1800" kern="1200">
+                <a:solidFill>
+                  <a:schemeClr val="tx1"/>
+                </a:solidFill>
+                <a:latin typeface="+mn-lt"/>
+                <a:ea typeface="+mn-ea"/>
+                <a:cs typeface="+mn-cs"/>
+              </a:defRPr>
+            </a:lvl3pPr>
+            <a:lvl4pPr marL="1371600" algn="l" defTabSz="914400" rtl="0" eaLnBrk="1" latinLnBrk="0" hangingPunct="1">
+              <a:defRPr sz="1800" kern="1200">
+                <a:solidFill>
+                  <a:schemeClr val="tx1"/>
+                </a:solidFill>
+                <a:latin typeface="+mn-lt"/>
+                <a:ea typeface="+mn-ea"/>
+                <a:cs typeface="+mn-cs"/>
+              </a:defRPr>
+            </a:lvl4pPr>
+            <a:lvl5pPr marL="1828800" algn="l" defTabSz="914400" rtl="0" eaLnBrk="1" latinLnBrk="0" hangingPunct="1">
+              <a:defRPr sz="1800" kern="1200">
+                <a:solidFill>
+                  <a:schemeClr val="tx1"/>
+                </a:solidFill>
+                <a:latin typeface="+mn-lt"/>
+                <a:ea typeface="+mn-ea"/>
+                <a:cs typeface="+mn-cs"/>
+              </a:defRPr>
+            </a:lvl5pPr>
+            <a:lvl6pPr marL="2286000" algn="l" defTabSz="914400" rtl="0" eaLnBrk="1" latinLnBrk="0" hangingPunct="1">
+              <a:defRPr sz="1800" kern="1200">
+                <a:solidFill>
+                  <a:schemeClr val="tx1"/>
+                </a:solidFill>
+                <a:latin typeface="+mn-lt"/>
+                <a:ea typeface="+mn-ea"/>
+                <a:cs typeface="+mn-cs"/>
+              </a:defRPr>
+            </a:lvl6pPr>
+            <a:lvl7pPr marL="2743200" algn="l" defTabSz="914400" rtl="0" eaLnBrk="1" latinLnBrk="0" hangingPunct="1">
+              <a:defRPr sz="1800" kern="1200">
+                <a:solidFill>
+                  <a:schemeClr val="tx1"/>
+                </a:solidFill>
+                <a:latin typeface="+mn-lt"/>
+                <a:ea typeface="+mn-ea"/>
+                <a:cs typeface="+mn-cs"/>
+              </a:defRPr>
+            </a:lvl7pPr>
+            <a:lvl8pPr marL="3200400" algn="l" defTabSz="914400" rtl="0" eaLnBrk="1" latinLnBrk="0" hangingPunct="1">
+              <a:defRPr sz="1800" kern="1200">
+                <a:solidFill>
+                  <a:schemeClr val="tx1"/>
+                </a:solidFill>
+                <a:latin typeface="+mn-lt"/>
+                <a:ea typeface="+mn-ea"/>
+                <a:cs typeface="+mn-cs"/>
+              </a:defRPr>
+            </a:lvl8pPr>
+            <a:lvl9pPr marL="3657600" algn="l" defTabSz="914400" rtl="0" eaLnBrk="1" latinLnBrk="0" hangingPunct="1">
+              <a:defRPr sz="1800" kern="1200">
+                <a:solidFill>
+                  <a:schemeClr val="tx1"/>
+                </a:solidFill>
+                <a:latin typeface="+mn-lt"/>
+                <a:ea typeface="+mn-ea"/>
+                <a:cs typeface="+mn-cs"/>
+              </a:defRPr>
+            </a:lvl9pPr>
+          </a:lstStyle>
+          <a:p>
+            <a:r>
+              <a:rPr lang="en-US" sz="1600" dirty="0" smtClean="0">
+                <a:latin typeface="Times New Roman" panose="02020603050405020304" pitchFamily="18" charset="0"/>
+                <a:cs typeface="Times New Roman" panose="02020603050405020304" pitchFamily="18" charset="0"/>
+              </a:rPr>
+              <a:t>12/2017</a:t>
+            </a:r>
+            <a:endParaRPr lang="en-US" sz="1600" dirty="0">
+              <a:latin typeface="Times New Roman" panose="02020603050405020304" pitchFamily="18" charset="0"/>
+              <a:cs typeface="Times New Roman" panose="02020603050405020304" pitchFamily="18" charset="0"/>
+            </a:endParaRPr>
+          </a:p>
+        </p:txBody>
+      </p:sp>
     </p:spTree>
     <p:extLst>
       <p:ext uri="{BB962C8B-B14F-4D97-AF65-F5344CB8AC3E}">
@@ -11320,28 +13439,6 @@
       </p:grpSpPr>
       <p:sp>
         <p:nvSpPr>
-          <p:cNvPr id="3" name="Date Placeholder 2"/>
-          <p:cNvSpPr>
-            <a:spLocks noGrp="1"/>
-          </p:cNvSpPr>
-          <p:nvPr>
-            <p:ph type="dt" sz="half" idx="10"/>
-          </p:nvPr>
-        </p:nvSpPr>
-        <p:spPr/>
-        <p:txBody>
-          <a:bodyPr/>
-          <a:lstStyle/>
-          <a:p>
-            <a:r>
-              <a:rPr lang="en-US"/>
-              <a:t>10/13/2017</a:t>
-            </a:r>
-          </a:p>
-        </p:txBody>
-      </p:sp>
-      <p:sp>
-        <p:nvSpPr>
           <p:cNvPr id="4" name="Footer Placeholder 3"/>
           <p:cNvSpPr>
             <a:spLocks noGrp="1"/>
@@ -11445,6 +13542,137 @@
           </a:prstGeom>
         </p:spPr>
       </p:pic>
+      <p:sp>
+        <p:nvSpPr>
+          <p:cNvPr id="7" name="Footer Placeholder 2"/>
+          <p:cNvSpPr txBox="1">
+            <a:spLocks/>
+          </p:cNvSpPr>
+          <p:nvPr/>
+        </p:nvSpPr>
+        <p:spPr>
+          <a:xfrm>
+            <a:off x="0" y="6340475"/>
+            <a:ext cx="2632364" cy="365125"/>
+          </a:xfrm>
+          <a:prstGeom prst="rect">
+            <a:avLst/>
+          </a:prstGeom>
+        </p:spPr>
+        <p:txBody>
+          <a:bodyPr vert="horz" lIns="91440" tIns="45720" rIns="91440" bIns="45720" rtlCol="0" anchor="ctr"/>
+          <a:lstStyle>
+            <a:defPPr>
+              <a:defRPr lang="en-US"/>
+            </a:defPPr>
+            <a:lvl1pPr marL="0" algn="ctr" defTabSz="914400" rtl="0" eaLnBrk="1" latinLnBrk="0" hangingPunct="1">
+              <a:defRPr sz="1200" kern="1200">
+                <a:solidFill>
+                  <a:schemeClr val="tx1">
+                    <a:tint val="75000"/>
+                  </a:schemeClr>
+                </a:solidFill>
+                <a:latin typeface="+mn-lt"/>
+                <a:ea typeface="+mn-ea"/>
+                <a:cs typeface="+mn-cs"/>
+              </a:defRPr>
+            </a:lvl1pPr>
+            <a:lvl2pPr marL="457200" algn="l" defTabSz="914400" rtl="0" eaLnBrk="1" latinLnBrk="0" hangingPunct="1">
+              <a:defRPr sz="1800" kern="1200">
+                <a:solidFill>
+                  <a:schemeClr val="tx1"/>
+                </a:solidFill>
+                <a:latin typeface="+mn-lt"/>
+                <a:ea typeface="+mn-ea"/>
+                <a:cs typeface="+mn-cs"/>
+              </a:defRPr>
+            </a:lvl2pPr>
+            <a:lvl3pPr marL="914400" algn="l" defTabSz="914400" rtl="0" eaLnBrk="1" latinLnBrk="0" hangingPunct="1">
+              <a:defRPr sz="1800" kern="1200">
+                <a:solidFill>
+                  <a:schemeClr val="tx1"/>
+                </a:solidFill>
+                <a:latin typeface="+mn-lt"/>
+                <a:ea typeface="+mn-ea"/>
+                <a:cs typeface="+mn-cs"/>
+              </a:defRPr>
+            </a:lvl3pPr>
+            <a:lvl4pPr marL="1371600" algn="l" defTabSz="914400" rtl="0" eaLnBrk="1" latinLnBrk="0" hangingPunct="1">
+              <a:defRPr sz="1800" kern="1200">
+                <a:solidFill>
+                  <a:schemeClr val="tx1"/>
+                </a:solidFill>
+                <a:latin typeface="+mn-lt"/>
+                <a:ea typeface="+mn-ea"/>
+                <a:cs typeface="+mn-cs"/>
+              </a:defRPr>
+            </a:lvl4pPr>
+            <a:lvl5pPr marL="1828800" algn="l" defTabSz="914400" rtl="0" eaLnBrk="1" latinLnBrk="0" hangingPunct="1">
+              <a:defRPr sz="1800" kern="1200">
+                <a:solidFill>
+                  <a:schemeClr val="tx1"/>
+                </a:solidFill>
+                <a:latin typeface="+mn-lt"/>
+                <a:ea typeface="+mn-ea"/>
+                <a:cs typeface="+mn-cs"/>
+              </a:defRPr>
+            </a:lvl5pPr>
+            <a:lvl6pPr marL="2286000" algn="l" defTabSz="914400" rtl="0" eaLnBrk="1" latinLnBrk="0" hangingPunct="1">
+              <a:defRPr sz="1800" kern="1200">
+                <a:solidFill>
+                  <a:schemeClr val="tx1"/>
+                </a:solidFill>
+                <a:latin typeface="+mn-lt"/>
+                <a:ea typeface="+mn-ea"/>
+                <a:cs typeface="+mn-cs"/>
+              </a:defRPr>
+            </a:lvl6pPr>
+            <a:lvl7pPr marL="2743200" algn="l" defTabSz="914400" rtl="0" eaLnBrk="1" latinLnBrk="0" hangingPunct="1">
+              <a:defRPr sz="1800" kern="1200">
+                <a:solidFill>
+                  <a:schemeClr val="tx1"/>
+                </a:solidFill>
+                <a:latin typeface="+mn-lt"/>
+                <a:ea typeface="+mn-ea"/>
+                <a:cs typeface="+mn-cs"/>
+              </a:defRPr>
+            </a:lvl7pPr>
+            <a:lvl8pPr marL="3200400" algn="l" defTabSz="914400" rtl="0" eaLnBrk="1" latinLnBrk="0" hangingPunct="1">
+              <a:defRPr sz="1800" kern="1200">
+                <a:solidFill>
+                  <a:schemeClr val="tx1"/>
+                </a:solidFill>
+                <a:latin typeface="+mn-lt"/>
+                <a:ea typeface="+mn-ea"/>
+                <a:cs typeface="+mn-cs"/>
+              </a:defRPr>
+            </a:lvl8pPr>
+            <a:lvl9pPr marL="3657600" algn="l" defTabSz="914400" rtl="0" eaLnBrk="1" latinLnBrk="0" hangingPunct="1">
+              <a:defRPr sz="1800" kern="1200">
+                <a:solidFill>
+                  <a:schemeClr val="tx1"/>
+                </a:solidFill>
+                <a:latin typeface="+mn-lt"/>
+                <a:ea typeface="+mn-ea"/>
+                <a:cs typeface="+mn-cs"/>
+              </a:defRPr>
+            </a:lvl9pPr>
+          </a:lstStyle>
+          <a:p>
+            <a:r>
+              <a:rPr lang="en-US" sz="1600" dirty="0" smtClean="0">
+                <a:latin typeface="Times New Roman" panose="02020603050405020304" pitchFamily="18" charset="0"/>
+                <a:cs typeface="Times New Roman" panose="02020603050405020304" pitchFamily="18" charset="0"/>
+              </a:rPr>
+              <a:t>12/2017</a:t>
+            </a:r>
+            <a:endParaRPr lang="en-US" sz="1600" dirty="0">
+              <a:latin typeface="Times New Roman" panose="02020603050405020304" pitchFamily="18" charset="0"/>
+              <a:cs typeface="Times New Roman" panose="02020603050405020304" pitchFamily="18" charset="0"/>
+            </a:endParaRPr>
+          </a:p>
+        </p:txBody>
+      </p:sp>
     </p:spTree>
     <p:extLst>
       <p:ext uri="{BB962C8B-B14F-4D97-AF65-F5344CB8AC3E}">
@@ -11484,29 +13712,6 @@
       </p:grpSpPr>
       <p:sp>
         <p:nvSpPr>
-          <p:cNvPr id="4" name="Date Placeholder 3"/>
-          <p:cNvSpPr>
-            <a:spLocks noGrp="1"/>
-          </p:cNvSpPr>
-          <p:nvPr>
-            <p:ph type="dt" sz="half" idx="10"/>
-          </p:nvPr>
-        </p:nvSpPr>
-        <p:spPr/>
-        <p:txBody>
-          <a:bodyPr/>
-          <a:lstStyle/>
-          <a:p>
-            <a:r>
-              <a:rPr lang="en-US" smtClean="0"/>
-              <a:t>10/13/2017</a:t>
-            </a:r>
-            <a:endParaRPr lang="en-US"/>
-          </a:p>
-        </p:txBody>
-      </p:sp>
-      <p:sp>
-        <p:nvSpPr>
           <p:cNvPr id="5" name="Footer Placeholder 4"/>
           <p:cNvSpPr>
             <a:spLocks noGrp="1"/>
@@ -11552,7 +13757,7 @@
           <p:cNvPr id="7" name="Title 1">
             <a:extLst>
               <a:ext uri="{FF2B5EF4-FFF2-40B4-BE49-F238E27FC236}">
-                <a16:creationId xmlns:a16="http://schemas.microsoft.com/office/drawing/2014/main" xmlns="" id="{A26F03AE-A5EF-4A37-AD0A-4A124D961228}"/>
+                <a16:creationId xmlns="" xmlns:a16="http://schemas.microsoft.com/office/drawing/2014/main" id="{A26F03AE-A5EF-4A37-AD0A-4A124D961228}"/>
               </a:ext>
             </a:extLst>
           </p:cNvPr>
@@ -11650,6 +13855,137 @@
               </a:solidFill>
               <a:latin typeface="Arial" panose="020B0604020202020204" pitchFamily="34" charset="0"/>
               <a:cs typeface="Arial" panose="020B0604020202020204" pitchFamily="34" charset="0"/>
+            </a:endParaRPr>
+          </a:p>
+        </p:txBody>
+      </p:sp>
+      <p:sp>
+        <p:nvSpPr>
+          <p:cNvPr id="9" name="Footer Placeholder 2"/>
+          <p:cNvSpPr txBox="1">
+            <a:spLocks/>
+          </p:cNvSpPr>
+          <p:nvPr/>
+        </p:nvSpPr>
+        <p:spPr>
+          <a:xfrm>
+            <a:off x="0" y="6340475"/>
+            <a:ext cx="2632364" cy="365125"/>
+          </a:xfrm>
+          <a:prstGeom prst="rect">
+            <a:avLst/>
+          </a:prstGeom>
+        </p:spPr>
+        <p:txBody>
+          <a:bodyPr vert="horz" lIns="91440" tIns="45720" rIns="91440" bIns="45720" rtlCol="0" anchor="ctr"/>
+          <a:lstStyle>
+            <a:defPPr>
+              <a:defRPr lang="en-US"/>
+            </a:defPPr>
+            <a:lvl1pPr marL="0" algn="ctr" defTabSz="914400" rtl="0" eaLnBrk="1" latinLnBrk="0" hangingPunct="1">
+              <a:defRPr sz="1200" kern="1200">
+                <a:solidFill>
+                  <a:schemeClr val="tx1">
+                    <a:tint val="75000"/>
+                  </a:schemeClr>
+                </a:solidFill>
+                <a:latin typeface="+mn-lt"/>
+                <a:ea typeface="+mn-ea"/>
+                <a:cs typeface="+mn-cs"/>
+              </a:defRPr>
+            </a:lvl1pPr>
+            <a:lvl2pPr marL="457200" algn="l" defTabSz="914400" rtl="0" eaLnBrk="1" latinLnBrk="0" hangingPunct="1">
+              <a:defRPr sz="1800" kern="1200">
+                <a:solidFill>
+                  <a:schemeClr val="tx1"/>
+                </a:solidFill>
+                <a:latin typeface="+mn-lt"/>
+                <a:ea typeface="+mn-ea"/>
+                <a:cs typeface="+mn-cs"/>
+              </a:defRPr>
+            </a:lvl2pPr>
+            <a:lvl3pPr marL="914400" algn="l" defTabSz="914400" rtl="0" eaLnBrk="1" latinLnBrk="0" hangingPunct="1">
+              <a:defRPr sz="1800" kern="1200">
+                <a:solidFill>
+                  <a:schemeClr val="tx1"/>
+                </a:solidFill>
+                <a:latin typeface="+mn-lt"/>
+                <a:ea typeface="+mn-ea"/>
+                <a:cs typeface="+mn-cs"/>
+              </a:defRPr>
+            </a:lvl3pPr>
+            <a:lvl4pPr marL="1371600" algn="l" defTabSz="914400" rtl="0" eaLnBrk="1" latinLnBrk="0" hangingPunct="1">
+              <a:defRPr sz="1800" kern="1200">
+                <a:solidFill>
+                  <a:schemeClr val="tx1"/>
+                </a:solidFill>
+                <a:latin typeface="+mn-lt"/>
+                <a:ea typeface="+mn-ea"/>
+                <a:cs typeface="+mn-cs"/>
+              </a:defRPr>
+            </a:lvl4pPr>
+            <a:lvl5pPr marL="1828800" algn="l" defTabSz="914400" rtl="0" eaLnBrk="1" latinLnBrk="0" hangingPunct="1">
+              <a:defRPr sz="1800" kern="1200">
+                <a:solidFill>
+                  <a:schemeClr val="tx1"/>
+                </a:solidFill>
+                <a:latin typeface="+mn-lt"/>
+                <a:ea typeface="+mn-ea"/>
+                <a:cs typeface="+mn-cs"/>
+              </a:defRPr>
+            </a:lvl5pPr>
+            <a:lvl6pPr marL="2286000" algn="l" defTabSz="914400" rtl="0" eaLnBrk="1" latinLnBrk="0" hangingPunct="1">
+              <a:defRPr sz="1800" kern="1200">
+                <a:solidFill>
+                  <a:schemeClr val="tx1"/>
+                </a:solidFill>
+                <a:latin typeface="+mn-lt"/>
+                <a:ea typeface="+mn-ea"/>
+                <a:cs typeface="+mn-cs"/>
+              </a:defRPr>
+            </a:lvl6pPr>
+            <a:lvl7pPr marL="2743200" algn="l" defTabSz="914400" rtl="0" eaLnBrk="1" latinLnBrk="0" hangingPunct="1">
+              <a:defRPr sz="1800" kern="1200">
+                <a:solidFill>
+                  <a:schemeClr val="tx1"/>
+                </a:solidFill>
+                <a:latin typeface="+mn-lt"/>
+                <a:ea typeface="+mn-ea"/>
+                <a:cs typeface="+mn-cs"/>
+              </a:defRPr>
+            </a:lvl7pPr>
+            <a:lvl8pPr marL="3200400" algn="l" defTabSz="914400" rtl="0" eaLnBrk="1" latinLnBrk="0" hangingPunct="1">
+              <a:defRPr sz="1800" kern="1200">
+                <a:solidFill>
+                  <a:schemeClr val="tx1"/>
+                </a:solidFill>
+                <a:latin typeface="+mn-lt"/>
+                <a:ea typeface="+mn-ea"/>
+                <a:cs typeface="+mn-cs"/>
+              </a:defRPr>
+            </a:lvl8pPr>
+            <a:lvl9pPr marL="3657600" algn="l" defTabSz="914400" rtl="0" eaLnBrk="1" latinLnBrk="0" hangingPunct="1">
+              <a:defRPr sz="1800" kern="1200">
+                <a:solidFill>
+                  <a:schemeClr val="tx1"/>
+                </a:solidFill>
+                <a:latin typeface="+mn-lt"/>
+                <a:ea typeface="+mn-ea"/>
+                <a:cs typeface="+mn-cs"/>
+              </a:defRPr>
+            </a:lvl9pPr>
+          </a:lstStyle>
+          <a:p>
+            <a:r>
+              <a:rPr lang="en-US" sz="1600" dirty="0" smtClean="0">
+                <a:latin typeface="Times New Roman" panose="02020603050405020304" pitchFamily="18" charset="0"/>
+                <a:cs typeface="Times New Roman" panose="02020603050405020304" pitchFamily="18" charset="0"/>
+              </a:rPr>
+              <a:t>12/2017</a:t>
+            </a:r>
+            <a:endParaRPr lang="en-US" sz="1600" dirty="0">
+              <a:latin typeface="Times New Roman" panose="02020603050405020304" pitchFamily="18" charset="0"/>
+              <a:cs typeface="Times New Roman" panose="02020603050405020304" pitchFamily="18" charset="0"/>
             </a:endParaRPr>
           </a:p>
         </p:txBody>
@@ -11693,28 +14029,6 @@
       </p:grpSpPr>
       <p:sp>
         <p:nvSpPr>
-          <p:cNvPr id="3" name="Date Placeholder 2"/>
-          <p:cNvSpPr>
-            <a:spLocks noGrp="1"/>
-          </p:cNvSpPr>
-          <p:nvPr>
-            <p:ph type="dt" sz="half" idx="10"/>
-          </p:nvPr>
-        </p:nvSpPr>
-        <p:spPr/>
-        <p:txBody>
-          <a:bodyPr/>
-          <a:lstStyle/>
-          <a:p>
-            <a:r>
-              <a:rPr lang="en-US"/>
-              <a:t>10/13/2017</a:t>
-            </a:r>
-          </a:p>
-        </p:txBody>
-      </p:sp>
-      <p:sp>
-        <p:nvSpPr>
           <p:cNvPr id="4" name="Footer Placeholder 3"/>
           <p:cNvSpPr>
             <a:spLocks noGrp="1"/>
@@ -11818,7 +14132,7 @@
           <p:cNvPr id="7" name="Title 1">
             <a:extLst>
               <a:ext uri="{FF2B5EF4-FFF2-40B4-BE49-F238E27FC236}">
-                <a16:creationId xmlns:a16="http://schemas.microsoft.com/office/drawing/2014/main" xmlns="" id="{A26F03AE-A5EF-4A37-AD0A-4A124D961228}"/>
+                <a16:creationId xmlns="" xmlns:a16="http://schemas.microsoft.com/office/drawing/2014/main" id="{A26F03AE-A5EF-4A37-AD0A-4A124D961228}"/>
               </a:ext>
             </a:extLst>
           </p:cNvPr>
@@ -12143,6 +14457,137 @@
               </a:rPr>
               <a:t>Hiện nay, việc giao tiếp với người K’Ho còn hạn chế, việc áp dụng khoa học công nghệ vào nghiên cứu ngôn ngữ của đồng bào thiểu số cũng như việc dạy và học ngôn ngữ các dân tộc thiểu số nói chung và dân tộc K’Ho nói riêng chưa được phổ biến.</a:t>
             </a:r>
+          </a:p>
+        </p:txBody>
+      </p:sp>
+      <p:sp>
+        <p:nvSpPr>
+          <p:cNvPr id="9" name="Footer Placeholder 2"/>
+          <p:cNvSpPr txBox="1">
+            <a:spLocks/>
+          </p:cNvSpPr>
+          <p:nvPr/>
+        </p:nvSpPr>
+        <p:spPr>
+          <a:xfrm>
+            <a:off x="0" y="6340475"/>
+            <a:ext cx="2632364" cy="365125"/>
+          </a:xfrm>
+          <a:prstGeom prst="rect">
+            <a:avLst/>
+          </a:prstGeom>
+        </p:spPr>
+        <p:txBody>
+          <a:bodyPr vert="horz" lIns="91440" tIns="45720" rIns="91440" bIns="45720" rtlCol="0" anchor="ctr"/>
+          <a:lstStyle>
+            <a:defPPr>
+              <a:defRPr lang="en-US"/>
+            </a:defPPr>
+            <a:lvl1pPr marL="0" algn="ctr" defTabSz="914400" rtl="0" eaLnBrk="1" latinLnBrk="0" hangingPunct="1">
+              <a:defRPr sz="1200" kern="1200">
+                <a:solidFill>
+                  <a:schemeClr val="tx1">
+                    <a:tint val="75000"/>
+                  </a:schemeClr>
+                </a:solidFill>
+                <a:latin typeface="+mn-lt"/>
+                <a:ea typeface="+mn-ea"/>
+                <a:cs typeface="+mn-cs"/>
+              </a:defRPr>
+            </a:lvl1pPr>
+            <a:lvl2pPr marL="457200" algn="l" defTabSz="914400" rtl="0" eaLnBrk="1" latinLnBrk="0" hangingPunct="1">
+              <a:defRPr sz="1800" kern="1200">
+                <a:solidFill>
+                  <a:schemeClr val="tx1"/>
+                </a:solidFill>
+                <a:latin typeface="+mn-lt"/>
+                <a:ea typeface="+mn-ea"/>
+                <a:cs typeface="+mn-cs"/>
+              </a:defRPr>
+            </a:lvl2pPr>
+            <a:lvl3pPr marL="914400" algn="l" defTabSz="914400" rtl="0" eaLnBrk="1" latinLnBrk="0" hangingPunct="1">
+              <a:defRPr sz="1800" kern="1200">
+                <a:solidFill>
+                  <a:schemeClr val="tx1"/>
+                </a:solidFill>
+                <a:latin typeface="+mn-lt"/>
+                <a:ea typeface="+mn-ea"/>
+                <a:cs typeface="+mn-cs"/>
+              </a:defRPr>
+            </a:lvl3pPr>
+            <a:lvl4pPr marL="1371600" algn="l" defTabSz="914400" rtl="0" eaLnBrk="1" latinLnBrk="0" hangingPunct="1">
+              <a:defRPr sz="1800" kern="1200">
+                <a:solidFill>
+                  <a:schemeClr val="tx1"/>
+                </a:solidFill>
+                <a:latin typeface="+mn-lt"/>
+                <a:ea typeface="+mn-ea"/>
+                <a:cs typeface="+mn-cs"/>
+              </a:defRPr>
+            </a:lvl4pPr>
+            <a:lvl5pPr marL="1828800" algn="l" defTabSz="914400" rtl="0" eaLnBrk="1" latinLnBrk="0" hangingPunct="1">
+              <a:defRPr sz="1800" kern="1200">
+                <a:solidFill>
+                  <a:schemeClr val="tx1"/>
+                </a:solidFill>
+                <a:latin typeface="+mn-lt"/>
+                <a:ea typeface="+mn-ea"/>
+                <a:cs typeface="+mn-cs"/>
+              </a:defRPr>
+            </a:lvl5pPr>
+            <a:lvl6pPr marL="2286000" algn="l" defTabSz="914400" rtl="0" eaLnBrk="1" latinLnBrk="0" hangingPunct="1">
+              <a:defRPr sz="1800" kern="1200">
+                <a:solidFill>
+                  <a:schemeClr val="tx1"/>
+                </a:solidFill>
+                <a:latin typeface="+mn-lt"/>
+                <a:ea typeface="+mn-ea"/>
+                <a:cs typeface="+mn-cs"/>
+              </a:defRPr>
+            </a:lvl6pPr>
+            <a:lvl7pPr marL="2743200" algn="l" defTabSz="914400" rtl="0" eaLnBrk="1" latinLnBrk="0" hangingPunct="1">
+              <a:defRPr sz="1800" kern="1200">
+                <a:solidFill>
+                  <a:schemeClr val="tx1"/>
+                </a:solidFill>
+                <a:latin typeface="+mn-lt"/>
+                <a:ea typeface="+mn-ea"/>
+                <a:cs typeface="+mn-cs"/>
+              </a:defRPr>
+            </a:lvl7pPr>
+            <a:lvl8pPr marL="3200400" algn="l" defTabSz="914400" rtl="0" eaLnBrk="1" latinLnBrk="0" hangingPunct="1">
+              <a:defRPr sz="1800" kern="1200">
+                <a:solidFill>
+                  <a:schemeClr val="tx1"/>
+                </a:solidFill>
+                <a:latin typeface="+mn-lt"/>
+                <a:ea typeface="+mn-ea"/>
+                <a:cs typeface="+mn-cs"/>
+              </a:defRPr>
+            </a:lvl8pPr>
+            <a:lvl9pPr marL="3657600" algn="l" defTabSz="914400" rtl="0" eaLnBrk="1" latinLnBrk="0" hangingPunct="1">
+              <a:defRPr sz="1800" kern="1200">
+                <a:solidFill>
+                  <a:schemeClr val="tx1"/>
+                </a:solidFill>
+                <a:latin typeface="+mn-lt"/>
+                <a:ea typeface="+mn-ea"/>
+                <a:cs typeface="+mn-cs"/>
+              </a:defRPr>
+            </a:lvl9pPr>
+          </a:lstStyle>
+          <a:p>
+            <a:r>
+              <a:rPr lang="en-US" sz="1600" dirty="0" smtClean="0">
+                <a:latin typeface="Times New Roman" panose="02020603050405020304" pitchFamily="18" charset="0"/>
+                <a:cs typeface="Times New Roman" panose="02020603050405020304" pitchFamily="18" charset="0"/>
+              </a:rPr>
+              <a:t>12/2017</a:t>
+            </a:r>
+            <a:endParaRPr lang="en-US" sz="1600" dirty="0">
+              <a:latin typeface="Times New Roman" panose="02020603050405020304" pitchFamily="18" charset="0"/>
+              <a:cs typeface="Times New Roman" panose="02020603050405020304" pitchFamily="18" charset="0"/>
+            </a:endParaRPr>
           </a:p>
         </p:txBody>
       </p:sp>
@@ -12206,8 +14651,8 @@
           <a:lstStyle/>
           <a:p>
             <a:pPr marL="342900" indent="-342900" algn="l">
-              <a:buFont typeface="Wingdings" panose="05000000000000000000" pitchFamily="2" charset="2"/>
-              <a:buChar char="§"/>
+              <a:buFont typeface="Arial" panose="020B0604020202020204" pitchFamily="34" charset="0"/>
+              <a:buChar char="•"/>
             </a:pPr>
             <a:r>
               <a:rPr lang="en-US" sz="2000" dirty="0" smtClean="0">
@@ -12262,8 +14707,8 @@
           </a:p>
           <a:p>
             <a:pPr marL="342900" indent="-342900" algn="l">
-              <a:buFont typeface="Wingdings" panose="05000000000000000000" pitchFamily="2" charset="2"/>
-              <a:buChar char="§"/>
+              <a:buFont typeface="Arial" panose="020B0604020202020204" pitchFamily="34" charset="0"/>
+              <a:buChar char="•"/>
             </a:pPr>
             <a:r>
               <a:rPr lang="en-US" sz="2000" dirty="0" smtClean="0">
@@ -12315,8 +14760,8 @@
           </a:p>
           <a:p>
             <a:pPr marL="342900" indent="-342900" algn="l">
-              <a:buFont typeface="Wingdings" panose="05000000000000000000" pitchFamily="2" charset="2"/>
-              <a:buChar char="§"/>
+              <a:buFont typeface="Arial" panose="020B0604020202020204" pitchFamily="34" charset="0"/>
+              <a:buChar char="•"/>
             </a:pPr>
             <a:r>
               <a:rPr lang="en-US" sz="2000" dirty="0" smtClean="0">
@@ -12391,8 +14836,8 @@
           </a:p>
           <a:p>
             <a:pPr marL="342900" indent="-342900" algn="l">
-              <a:buFont typeface="Wingdings" panose="05000000000000000000" pitchFamily="2" charset="2"/>
-              <a:buChar char="§"/>
+              <a:buFont typeface="Arial" panose="020B0604020202020204" pitchFamily="34" charset="0"/>
+              <a:buChar char="•"/>
             </a:pPr>
             <a:r>
               <a:rPr lang="en-US" sz="2000" dirty="0" smtClean="0">
@@ -12438,7 +14883,7 @@
           <a:p>
             <a:pPr marL="800100" lvl="1" indent="-342900" algn="just">
               <a:buFont typeface="Wingdings" panose="05000000000000000000" pitchFamily="2" charset="2"/>
-              <a:buChar char="Ø"/>
+              <a:buChar char="v"/>
             </a:pPr>
             <a:r>
               <a:rPr lang="en-US" sz="2000" dirty="0">
@@ -12454,7 +14899,7 @@
           <a:p>
             <a:pPr marL="800100" lvl="1" indent="-342900" algn="just">
               <a:buFont typeface="Wingdings" panose="05000000000000000000" pitchFamily="2" charset="2"/>
-              <a:buChar char="Ø"/>
+              <a:buChar char="v"/>
             </a:pPr>
             <a:r>
               <a:rPr lang="en-US" sz="2000" dirty="0">
@@ -12470,7 +14915,7 @@
           <a:p>
             <a:pPr marL="800100" lvl="1" indent="-342900" algn="just">
               <a:buFont typeface="Wingdings" panose="05000000000000000000" pitchFamily="2" charset="2"/>
-              <a:buChar char="Ø"/>
+              <a:buChar char="v"/>
             </a:pPr>
             <a:r>
               <a:rPr lang="en-US" sz="2000" dirty="0">
@@ -12601,28 +15046,6 @@
               <a:latin typeface="Arial" panose="020B0604020202020204" pitchFamily="34" charset="0"/>
               <a:cs typeface="Arial" panose="020B0604020202020204" pitchFamily="34" charset="0"/>
             </a:endParaRPr>
-          </a:p>
-        </p:txBody>
-      </p:sp>
-      <p:sp>
-        <p:nvSpPr>
-          <p:cNvPr id="3" name="Date Placeholder 2"/>
-          <p:cNvSpPr>
-            <a:spLocks noGrp="1"/>
-          </p:cNvSpPr>
-          <p:nvPr>
-            <p:ph type="dt" sz="half" idx="10"/>
-          </p:nvPr>
-        </p:nvSpPr>
-        <p:spPr/>
-        <p:txBody>
-          <a:bodyPr/>
-          <a:lstStyle/>
-          <a:p>
-            <a:r>
-              <a:rPr lang="en-US" dirty="0"/>
-              <a:t>10/13/2017</a:t>
-            </a:r>
           </a:p>
         </p:txBody>
       </p:sp>
@@ -12731,7 +15154,7 @@
           <p:cNvPr id="7" name="Title 1">
             <a:extLst>
               <a:ext uri="{FF2B5EF4-FFF2-40B4-BE49-F238E27FC236}">
-                <a16:creationId xmlns:a16="http://schemas.microsoft.com/office/drawing/2014/main" xmlns="" id="{A26F03AE-A5EF-4A37-AD0A-4A124D961228}"/>
+                <a16:creationId xmlns="" xmlns:a16="http://schemas.microsoft.com/office/drawing/2014/main" id="{A26F03AE-A5EF-4A37-AD0A-4A124D961228}"/>
               </a:ext>
             </a:extLst>
           </p:cNvPr>
@@ -12810,6 +15233,137 @@
               </a:solidFill>
               <a:latin typeface="Arial" panose="020B0604020202020204" pitchFamily="34" charset="0"/>
               <a:cs typeface="Arial" panose="020B0604020202020204" pitchFamily="34" charset="0"/>
+            </a:endParaRPr>
+          </a:p>
+        </p:txBody>
+      </p:sp>
+      <p:sp>
+        <p:nvSpPr>
+          <p:cNvPr id="9" name="Footer Placeholder 2"/>
+          <p:cNvSpPr txBox="1">
+            <a:spLocks/>
+          </p:cNvSpPr>
+          <p:nvPr/>
+        </p:nvSpPr>
+        <p:spPr>
+          <a:xfrm>
+            <a:off x="0" y="6340475"/>
+            <a:ext cx="2632364" cy="365125"/>
+          </a:xfrm>
+          <a:prstGeom prst="rect">
+            <a:avLst/>
+          </a:prstGeom>
+        </p:spPr>
+        <p:txBody>
+          <a:bodyPr vert="horz" lIns="91440" tIns="45720" rIns="91440" bIns="45720" rtlCol="0" anchor="ctr"/>
+          <a:lstStyle>
+            <a:defPPr>
+              <a:defRPr lang="en-US"/>
+            </a:defPPr>
+            <a:lvl1pPr marL="0" algn="ctr" defTabSz="914400" rtl="0" eaLnBrk="1" latinLnBrk="0" hangingPunct="1">
+              <a:defRPr sz="1200" kern="1200">
+                <a:solidFill>
+                  <a:schemeClr val="tx1">
+                    <a:tint val="75000"/>
+                  </a:schemeClr>
+                </a:solidFill>
+                <a:latin typeface="+mn-lt"/>
+                <a:ea typeface="+mn-ea"/>
+                <a:cs typeface="+mn-cs"/>
+              </a:defRPr>
+            </a:lvl1pPr>
+            <a:lvl2pPr marL="457200" algn="l" defTabSz="914400" rtl="0" eaLnBrk="1" latinLnBrk="0" hangingPunct="1">
+              <a:defRPr sz="1800" kern="1200">
+                <a:solidFill>
+                  <a:schemeClr val="tx1"/>
+                </a:solidFill>
+                <a:latin typeface="+mn-lt"/>
+                <a:ea typeface="+mn-ea"/>
+                <a:cs typeface="+mn-cs"/>
+              </a:defRPr>
+            </a:lvl2pPr>
+            <a:lvl3pPr marL="914400" algn="l" defTabSz="914400" rtl="0" eaLnBrk="1" latinLnBrk="0" hangingPunct="1">
+              <a:defRPr sz="1800" kern="1200">
+                <a:solidFill>
+                  <a:schemeClr val="tx1"/>
+                </a:solidFill>
+                <a:latin typeface="+mn-lt"/>
+                <a:ea typeface="+mn-ea"/>
+                <a:cs typeface="+mn-cs"/>
+              </a:defRPr>
+            </a:lvl3pPr>
+            <a:lvl4pPr marL="1371600" algn="l" defTabSz="914400" rtl="0" eaLnBrk="1" latinLnBrk="0" hangingPunct="1">
+              <a:defRPr sz="1800" kern="1200">
+                <a:solidFill>
+                  <a:schemeClr val="tx1"/>
+                </a:solidFill>
+                <a:latin typeface="+mn-lt"/>
+                <a:ea typeface="+mn-ea"/>
+                <a:cs typeface="+mn-cs"/>
+              </a:defRPr>
+            </a:lvl4pPr>
+            <a:lvl5pPr marL="1828800" algn="l" defTabSz="914400" rtl="0" eaLnBrk="1" latinLnBrk="0" hangingPunct="1">
+              <a:defRPr sz="1800" kern="1200">
+                <a:solidFill>
+                  <a:schemeClr val="tx1"/>
+                </a:solidFill>
+                <a:latin typeface="+mn-lt"/>
+                <a:ea typeface="+mn-ea"/>
+                <a:cs typeface="+mn-cs"/>
+              </a:defRPr>
+            </a:lvl5pPr>
+            <a:lvl6pPr marL="2286000" algn="l" defTabSz="914400" rtl="0" eaLnBrk="1" latinLnBrk="0" hangingPunct="1">
+              <a:defRPr sz="1800" kern="1200">
+                <a:solidFill>
+                  <a:schemeClr val="tx1"/>
+                </a:solidFill>
+                <a:latin typeface="+mn-lt"/>
+                <a:ea typeface="+mn-ea"/>
+                <a:cs typeface="+mn-cs"/>
+              </a:defRPr>
+            </a:lvl6pPr>
+            <a:lvl7pPr marL="2743200" algn="l" defTabSz="914400" rtl="0" eaLnBrk="1" latinLnBrk="0" hangingPunct="1">
+              <a:defRPr sz="1800" kern="1200">
+                <a:solidFill>
+                  <a:schemeClr val="tx1"/>
+                </a:solidFill>
+                <a:latin typeface="+mn-lt"/>
+                <a:ea typeface="+mn-ea"/>
+                <a:cs typeface="+mn-cs"/>
+              </a:defRPr>
+            </a:lvl7pPr>
+            <a:lvl8pPr marL="3200400" algn="l" defTabSz="914400" rtl="0" eaLnBrk="1" latinLnBrk="0" hangingPunct="1">
+              <a:defRPr sz="1800" kern="1200">
+                <a:solidFill>
+                  <a:schemeClr val="tx1"/>
+                </a:solidFill>
+                <a:latin typeface="+mn-lt"/>
+                <a:ea typeface="+mn-ea"/>
+                <a:cs typeface="+mn-cs"/>
+              </a:defRPr>
+            </a:lvl8pPr>
+            <a:lvl9pPr marL="3657600" algn="l" defTabSz="914400" rtl="0" eaLnBrk="1" latinLnBrk="0" hangingPunct="1">
+              <a:defRPr sz="1800" kern="1200">
+                <a:solidFill>
+                  <a:schemeClr val="tx1"/>
+                </a:solidFill>
+                <a:latin typeface="+mn-lt"/>
+                <a:ea typeface="+mn-ea"/>
+                <a:cs typeface="+mn-cs"/>
+              </a:defRPr>
+            </a:lvl9pPr>
+          </a:lstStyle>
+          <a:p>
+            <a:r>
+              <a:rPr lang="en-US" sz="1600" dirty="0" smtClean="0">
+                <a:latin typeface="Times New Roman" panose="02020603050405020304" pitchFamily="18" charset="0"/>
+                <a:cs typeface="Times New Roman" panose="02020603050405020304" pitchFamily="18" charset="0"/>
+              </a:rPr>
+              <a:t>12/2017</a:t>
+            </a:r>
+            <a:endParaRPr lang="en-US" sz="1600" dirty="0">
+              <a:latin typeface="Times New Roman" panose="02020603050405020304" pitchFamily="18" charset="0"/>
+              <a:cs typeface="Times New Roman" panose="02020603050405020304" pitchFamily="18" charset="0"/>
             </a:endParaRPr>
           </a:p>
         </p:txBody>
@@ -12853,28 +15407,6 @@
       </p:grpSpPr>
       <p:sp>
         <p:nvSpPr>
-          <p:cNvPr id="3" name="Date Placeholder 2"/>
-          <p:cNvSpPr>
-            <a:spLocks noGrp="1"/>
-          </p:cNvSpPr>
-          <p:nvPr>
-            <p:ph type="dt" sz="half" idx="10"/>
-          </p:nvPr>
-        </p:nvSpPr>
-        <p:spPr/>
-        <p:txBody>
-          <a:bodyPr/>
-          <a:lstStyle/>
-          <a:p>
-            <a:r>
-              <a:rPr lang="en-US"/>
-              <a:t>10/13/2017</a:t>
-            </a:r>
-          </a:p>
-        </p:txBody>
-      </p:sp>
-      <p:sp>
-        <p:nvSpPr>
           <p:cNvPr id="4" name="Footer Placeholder 3"/>
           <p:cNvSpPr>
             <a:spLocks noGrp="1"/>
@@ -12994,6 +15526,137 @@
             <a:endParaRPr lang="en-US" sz="2600" b="1" dirty="0">
               <a:latin typeface="Arial" panose="020B0604020202020204" pitchFamily="34" charset="0"/>
               <a:cs typeface="Arial" panose="020B0604020202020204" pitchFamily="34" charset="0"/>
+            </a:endParaRPr>
+          </a:p>
+        </p:txBody>
+      </p:sp>
+      <p:sp>
+        <p:nvSpPr>
+          <p:cNvPr id="7" name="Footer Placeholder 2"/>
+          <p:cNvSpPr txBox="1">
+            <a:spLocks/>
+          </p:cNvSpPr>
+          <p:nvPr/>
+        </p:nvSpPr>
+        <p:spPr>
+          <a:xfrm>
+            <a:off x="0" y="6340475"/>
+            <a:ext cx="2632364" cy="365125"/>
+          </a:xfrm>
+          <a:prstGeom prst="rect">
+            <a:avLst/>
+          </a:prstGeom>
+        </p:spPr>
+        <p:txBody>
+          <a:bodyPr vert="horz" lIns="91440" tIns="45720" rIns="91440" bIns="45720" rtlCol="0" anchor="ctr"/>
+          <a:lstStyle>
+            <a:defPPr>
+              <a:defRPr lang="en-US"/>
+            </a:defPPr>
+            <a:lvl1pPr marL="0" algn="ctr" defTabSz="914400" rtl="0" eaLnBrk="1" latinLnBrk="0" hangingPunct="1">
+              <a:defRPr sz="1200" kern="1200">
+                <a:solidFill>
+                  <a:schemeClr val="tx1">
+                    <a:tint val="75000"/>
+                  </a:schemeClr>
+                </a:solidFill>
+                <a:latin typeface="+mn-lt"/>
+                <a:ea typeface="+mn-ea"/>
+                <a:cs typeface="+mn-cs"/>
+              </a:defRPr>
+            </a:lvl1pPr>
+            <a:lvl2pPr marL="457200" algn="l" defTabSz="914400" rtl="0" eaLnBrk="1" latinLnBrk="0" hangingPunct="1">
+              <a:defRPr sz="1800" kern="1200">
+                <a:solidFill>
+                  <a:schemeClr val="tx1"/>
+                </a:solidFill>
+                <a:latin typeface="+mn-lt"/>
+                <a:ea typeface="+mn-ea"/>
+                <a:cs typeface="+mn-cs"/>
+              </a:defRPr>
+            </a:lvl2pPr>
+            <a:lvl3pPr marL="914400" algn="l" defTabSz="914400" rtl="0" eaLnBrk="1" latinLnBrk="0" hangingPunct="1">
+              <a:defRPr sz="1800" kern="1200">
+                <a:solidFill>
+                  <a:schemeClr val="tx1"/>
+                </a:solidFill>
+                <a:latin typeface="+mn-lt"/>
+                <a:ea typeface="+mn-ea"/>
+                <a:cs typeface="+mn-cs"/>
+              </a:defRPr>
+            </a:lvl3pPr>
+            <a:lvl4pPr marL="1371600" algn="l" defTabSz="914400" rtl="0" eaLnBrk="1" latinLnBrk="0" hangingPunct="1">
+              <a:defRPr sz="1800" kern="1200">
+                <a:solidFill>
+                  <a:schemeClr val="tx1"/>
+                </a:solidFill>
+                <a:latin typeface="+mn-lt"/>
+                <a:ea typeface="+mn-ea"/>
+                <a:cs typeface="+mn-cs"/>
+              </a:defRPr>
+            </a:lvl4pPr>
+            <a:lvl5pPr marL="1828800" algn="l" defTabSz="914400" rtl="0" eaLnBrk="1" latinLnBrk="0" hangingPunct="1">
+              <a:defRPr sz="1800" kern="1200">
+                <a:solidFill>
+                  <a:schemeClr val="tx1"/>
+                </a:solidFill>
+                <a:latin typeface="+mn-lt"/>
+                <a:ea typeface="+mn-ea"/>
+                <a:cs typeface="+mn-cs"/>
+              </a:defRPr>
+            </a:lvl5pPr>
+            <a:lvl6pPr marL="2286000" algn="l" defTabSz="914400" rtl="0" eaLnBrk="1" latinLnBrk="0" hangingPunct="1">
+              <a:defRPr sz="1800" kern="1200">
+                <a:solidFill>
+                  <a:schemeClr val="tx1"/>
+                </a:solidFill>
+                <a:latin typeface="+mn-lt"/>
+                <a:ea typeface="+mn-ea"/>
+                <a:cs typeface="+mn-cs"/>
+              </a:defRPr>
+            </a:lvl6pPr>
+            <a:lvl7pPr marL="2743200" algn="l" defTabSz="914400" rtl="0" eaLnBrk="1" latinLnBrk="0" hangingPunct="1">
+              <a:defRPr sz="1800" kern="1200">
+                <a:solidFill>
+                  <a:schemeClr val="tx1"/>
+                </a:solidFill>
+                <a:latin typeface="+mn-lt"/>
+                <a:ea typeface="+mn-ea"/>
+                <a:cs typeface="+mn-cs"/>
+              </a:defRPr>
+            </a:lvl7pPr>
+            <a:lvl8pPr marL="3200400" algn="l" defTabSz="914400" rtl="0" eaLnBrk="1" latinLnBrk="0" hangingPunct="1">
+              <a:defRPr sz="1800" kern="1200">
+                <a:solidFill>
+                  <a:schemeClr val="tx1"/>
+                </a:solidFill>
+                <a:latin typeface="+mn-lt"/>
+                <a:ea typeface="+mn-ea"/>
+                <a:cs typeface="+mn-cs"/>
+              </a:defRPr>
+            </a:lvl8pPr>
+            <a:lvl9pPr marL="3657600" algn="l" defTabSz="914400" rtl="0" eaLnBrk="1" latinLnBrk="0" hangingPunct="1">
+              <a:defRPr sz="1800" kern="1200">
+                <a:solidFill>
+                  <a:schemeClr val="tx1"/>
+                </a:solidFill>
+                <a:latin typeface="+mn-lt"/>
+                <a:ea typeface="+mn-ea"/>
+                <a:cs typeface="+mn-cs"/>
+              </a:defRPr>
+            </a:lvl9pPr>
+          </a:lstStyle>
+          <a:p>
+            <a:r>
+              <a:rPr lang="en-US" sz="1600" dirty="0" smtClean="0">
+                <a:latin typeface="Times New Roman" panose="02020603050405020304" pitchFamily="18" charset="0"/>
+                <a:cs typeface="Times New Roman" panose="02020603050405020304" pitchFamily="18" charset="0"/>
+              </a:rPr>
+              <a:t>12/2017</a:t>
+            </a:r>
+            <a:endParaRPr lang="en-US" sz="1600" dirty="0">
+              <a:latin typeface="Times New Roman" panose="02020603050405020304" pitchFamily="18" charset="0"/>
+              <a:cs typeface="Times New Roman" panose="02020603050405020304" pitchFamily="18" charset="0"/>
             </a:endParaRPr>
           </a:p>
         </p:txBody>
@@ -13037,28 +15700,6 @@
       </p:grpSpPr>
       <p:sp>
         <p:nvSpPr>
-          <p:cNvPr id="3" name="Date Placeholder 2"/>
-          <p:cNvSpPr>
-            <a:spLocks noGrp="1"/>
-          </p:cNvSpPr>
-          <p:nvPr>
-            <p:ph type="dt" sz="half" idx="10"/>
-          </p:nvPr>
-        </p:nvSpPr>
-        <p:spPr/>
-        <p:txBody>
-          <a:bodyPr/>
-          <a:lstStyle/>
-          <a:p>
-            <a:r>
-              <a:rPr lang="en-US"/>
-              <a:t>10/13/2017</a:t>
-            </a:r>
-          </a:p>
-        </p:txBody>
-      </p:sp>
-      <p:sp>
-        <p:nvSpPr>
           <p:cNvPr id="4" name="Footer Placeholder 3"/>
           <p:cNvSpPr>
             <a:spLocks noGrp="1"/>
@@ -13247,6 +15888,137 @@
           </a:prstGeom>
         </p:spPr>
       </p:pic>
+      <p:sp>
+        <p:nvSpPr>
+          <p:cNvPr id="7" name="Footer Placeholder 2"/>
+          <p:cNvSpPr txBox="1">
+            <a:spLocks/>
+          </p:cNvSpPr>
+          <p:nvPr/>
+        </p:nvSpPr>
+        <p:spPr>
+          <a:xfrm>
+            <a:off x="0" y="6340475"/>
+            <a:ext cx="2632364" cy="365125"/>
+          </a:xfrm>
+          <a:prstGeom prst="rect">
+            <a:avLst/>
+          </a:prstGeom>
+        </p:spPr>
+        <p:txBody>
+          <a:bodyPr vert="horz" lIns="91440" tIns="45720" rIns="91440" bIns="45720" rtlCol="0" anchor="ctr"/>
+          <a:lstStyle>
+            <a:defPPr>
+              <a:defRPr lang="en-US"/>
+            </a:defPPr>
+            <a:lvl1pPr marL="0" algn="ctr" defTabSz="914400" rtl="0" eaLnBrk="1" latinLnBrk="0" hangingPunct="1">
+              <a:defRPr sz="1200" kern="1200">
+                <a:solidFill>
+                  <a:schemeClr val="tx1">
+                    <a:tint val="75000"/>
+                  </a:schemeClr>
+                </a:solidFill>
+                <a:latin typeface="+mn-lt"/>
+                <a:ea typeface="+mn-ea"/>
+                <a:cs typeface="+mn-cs"/>
+              </a:defRPr>
+            </a:lvl1pPr>
+            <a:lvl2pPr marL="457200" algn="l" defTabSz="914400" rtl="0" eaLnBrk="1" latinLnBrk="0" hangingPunct="1">
+              <a:defRPr sz="1800" kern="1200">
+                <a:solidFill>
+                  <a:schemeClr val="tx1"/>
+                </a:solidFill>
+                <a:latin typeface="+mn-lt"/>
+                <a:ea typeface="+mn-ea"/>
+                <a:cs typeface="+mn-cs"/>
+              </a:defRPr>
+            </a:lvl2pPr>
+            <a:lvl3pPr marL="914400" algn="l" defTabSz="914400" rtl="0" eaLnBrk="1" latinLnBrk="0" hangingPunct="1">
+              <a:defRPr sz="1800" kern="1200">
+                <a:solidFill>
+                  <a:schemeClr val="tx1"/>
+                </a:solidFill>
+                <a:latin typeface="+mn-lt"/>
+                <a:ea typeface="+mn-ea"/>
+                <a:cs typeface="+mn-cs"/>
+              </a:defRPr>
+            </a:lvl3pPr>
+            <a:lvl4pPr marL="1371600" algn="l" defTabSz="914400" rtl="0" eaLnBrk="1" latinLnBrk="0" hangingPunct="1">
+              <a:defRPr sz="1800" kern="1200">
+                <a:solidFill>
+                  <a:schemeClr val="tx1"/>
+                </a:solidFill>
+                <a:latin typeface="+mn-lt"/>
+                <a:ea typeface="+mn-ea"/>
+                <a:cs typeface="+mn-cs"/>
+              </a:defRPr>
+            </a:lvl4pPr>
+            <a:lvl5pPr marL="1828800" algn="l" defTabSz="914400" rtl="0" eaLnBrk="1" latinLnBrk="0" hangingPunct="1">
+              <a:defRPr sz="1800" kern="1200">
+                <a:solidFill>
+                  <a:schemeClr val="tx1"/>
+                </a:solidFill>
+                <a:latin typeface="+mn-lt"/>
+                <a:ea typeface="+mn-ea"/>
+                <a:cs typeface="+mn-cs"/>
+              </a:defRPr>
+            </a:lvl5pPr>
+            <a:lvl6pPr marL="2286000" algn="l" defTabSz="914400" rtl="0" eaLnBrk="1" latinLnBrk="0" hangingPunct="1">
+              <a:defRPr sz="1800" kern="1200">
+                <a:solidFill>
+                  <a:schemeClr val="tx1"/>
+                </a:solidFill>
+                <a:latin typeface="+mn-lt"/>
+                <a:ea typeface="+mn-ea"/>
+                <a:cs typeface="+mn-cs"/>
+              </a:defRPr>
+            </a:lvl6pPr>
+            <a:lvl7pPr marL="2743200" algn="l" defTabSz="914400" rtl="0" eaLnBrk="1" latinLnBrk="0" hangingPunct="1">
+              <a:defRPr sz="1800" kern="1200">
+                <a:solidFill>
+                  <a:schemeClr val="tx1"/>
+                </a:solidFill>
+                <a:latin typeface="+mn-lt"/>
+                <a:ea typeface="+mn-ea"/>
+                <a:cs typeface="+mn-cs"/>
+              </a:defRPr>
+            </a:lvl7pPr>
+            <a:lvl8pPr marL="3200400" algn="l" defTabSz="914400" rtl="0" eaLnBrk="1" latinLnBrk="0" hangingPunct="1">
+              <a:defRPr sz="1800" kern="1200">
+                <a:solidFill>
+                  <a:schemeClr val="tx1"/>
+                </a:solidFill>
+                <a:latin typeface="+mn-lt"/>
+                <a:ea typeface="+mn-ea"/>
+                <a:cs typeface="+mn-cs"/>
+              </a:defRPr>
+            </a:lvl8pPr>
+            <a:lvl9pPr marL="3657600" algn="l" defTabSz="914400" rtl="0" eaLnBrk="1" latinLnBrk="0" hangingPunct="1">
+              <a:defRPr sz="1800" kern="1200">
+                <a:solidFill>
+                  <a:schemeClr val="tx1"/>
+                </a:solidFill>
+                <a:latin typeface="+mn-lt"/>
+                <a:ea typeface="+mn-ea"/>
+                <a:cs typeface="+mn-cs"/>
+              </a:defRPr>
+            </a:lvl9pPr>
+          </a:lstStyle>
+          <a:p>
+            <a:r>
+              <a:rPr lang="en-US" sz="1600" dirty="0" smtClean="0">
+                <a:latin typeface="Times New Roman" panose="02020603050405020304" pitchFamily="18" charset="0"/>
+                <a:cs typeface="Times New Roman" panose="02020603050405020304" pitchFamily="18" charset="0"/>
+              </a:rPr>
+              <a:t>12/2017</a:t>
+            </a:r>
+            <a:endParaRPr lang="en-US" sz="1600" dirty="0">
+              <a:latin typeface="Times New Roman" panose="02020603050405020304" pitchFamily="18" charset="0"/>
+              <a:cs typeface="Times New Roman" panose="02020603050405020304" pitchFamily="18" charset="0"/>
+            </a:endParaRPr>
+          </a:p>
+        </p:txBody>
+      </p:sp>
     </p:spTree>
     <p:extLst>
       <p:ext uri="{BB962C8B-B14F-4D97-AF65-F5344CB8AC3E}">
@@ -13286,28 +16058,6 @@
       </p:grpSpPr>
       <p:sp>
         <p:nvSpPr>
-          <p:cNvPr id="3" name="Date Placeholder 2"/>
-          <p:cNvSpPr>
-            <a:spLocks noGrp="1"/>
-          </p:cNvSpPr>
-          <p:nvPr>
-            <p:ph type="dt" sz="half" idx="10"/>
-          </p:nvPr>
-        </p:nvSpPr>
-        <p:spPr/>
-        <p:txBody>
-          <a:bodyPr/>
-          <a:lstStyle/>
-          <a:p>
-            <a:r>
-              <a:rPr lang="en-US"/>
-              <a:t>10/13/2017</a:t>
-            </a:r>
-          </a:p>
-        </p:txBody>
-      </p:sp>
-      <p:sp>
-        <p:nvSpPr>
           <p:cNvPr id="4" name="Footer Placeholder 3"/>
           <p:cNvSpPr>
             <a:spLocks noGrp="1"/>
@@ -13519,7 +16269,7 @@
           <p:cNvPr id="8" name="Title 1">
             <a:extLst>
               <a:ext uri="{FF2B5EF4-FFF2-40B4-BE49-F238E27FC236}">
-                <a16:creationId xmlns:a16="http://schemas.microsoft.com/office/drawing/2014/main" xmlns="" id="{6678819E-8E04-460E-A82B-ECE3893CFFD4}"/>
+                <a16:creationId xmlns="" xmlns:a16="http://schemas.microsoft.com/office/drawing/2014/main" id="{6678819E-8E04-460E-A82B-ECE3893CFFD4}"/>
               </a:ext>
             </a:extLst>
           </p:cNvPr>
@@ -13602,6 +16352,137 @@
               </a:rPr>
               <a:t>Mục tiêu đề tài</a:t>
             </a:r>
+          </a:p>
+        </p:txBody>
+      </p:sp>
+      <p:sp>
+        <p:nvSpPr>
+          <p:cNvPr id="7" name="Footer Placeholder 2"/>
+          <p:cNvSpPr txBox="1">
+            <a:spLocks/>
+          </p:cNvSpPr>
+          <p:nvPr/>
+        </p:nvSpPr>
+        <p:spPr>
+          <a:xfrm>
+            <a:off x="0" y="6340475"/>
+            <a:ext cx="2632364" cy="365125"/>
+          </a:xfrm>
+          <a:prstGeom prst="rect">
+            <a:avLst/>
+          </a:prstGeom>
+        </p:spPr>
+        <p:txBody>
+          <a:bodyPr vert="horz" lIns="91440" tIns="45720" rIns="91440" bIns="45720" rtlCol="0" anchor="ctr"/>
+          <a:lstStyle>
+            <a:defPPr>
+              <a:defRPr lang="en-US"/>
+            </a:defPPr>
+            <a:lvl1pPr marL="0" algn="ctr" defTabSz="914400" rtl="0" eaLnBrk="1" latinLnBrk="0" hangingPunct="1">
+              <a:defRPr sz="1200" kern="1200">
+                <a:solidFill>
+                  <a:schemeClr val="tx1">
+                    <a:tint val="75000"/>
+                  </a:schemeClr>
+                </a:solidFill>
+                <a:latin typeface="+mn-lt"/>
+                <a:ea typeface="+mn-ea"/>
+                <a:cs typeface="+mn-cs"/>
+              </a:defRPr>
+            </a:lvl1pPr>
+            <a:lvl2pPr marL="457200" algn="l" defTabSz="914400" rtl="0" eaLnBrk="1" latinLnBrk="0" hangingPunct="1">
+              <a:defRPr sz="1800" kern="1200">
+                <a:solidFill>
+                  <a:schemeClr val="tx1"/>
+                </a:solidFill>
+                <a:latin typeface="+mn-lt"/>
+                <a:ea typeface="+mn-ea"/>
+                <a:cs typeface="+mn-cs"/>
+              </a:defRPr>
+            </a:lvl2pPr>
+            <a:lvl3pPr marL="914400" algn="l" defTabSz="914400" rtl="0" eaLnBrk="1" latinLnBrk="0" hangingPunct="1">
+              <a:defRPr sz="1800" kern="1200">
+                <a:solidFill>
+                  <a:schemeClr val="tx1"/>
+                </a:solidFill>
+                <a:latin typeface="+mn-lt"/>
+                <a:ea typeface="+mn-ea"/>
+                <a:cs typeface="+mn-cs"/>
+              </a:defRPr>
+            </a:lvl3pPr>
+            <a:lvl4pPr marL="1371600" algn="l" defTabSz="914400" rtl="0" eaLnBrk="1" latinLnBrk="0" hangingPunct="1">
+              <a:defRPr sz="1800" kern="1200">
+                <a:solidFill>
+                  <a:schemeClr val="tx1"/>
+                </a:solidFill>
+                <a:latin typeface="+mn-lt"/>
+                <a:ea typeface="+mn-ea"/>
+                <a:cs typeface="+mn-cs"/>
+              </a:defRPr>
+            </a:lvl4pPr>
+            <a:lvl5pPr marL="1828800" algn="l" defTabSz="914400" rtl="0" eaLnBrk="1" latinLnBrk="0" hangingPunct="1">
+              <a:defRPr sz="1800" kern="1200">
+                <a:solidFill>
+                  <a:schemeClr val="tx1"/>
+                </a:solidFill>
+                <a:latin typeface="+mn-lt"/>
+                <a:ea typeface="+mn-ea"/>
+                <a:cs typeface="+mn-cs"/>
+              </a:defRPr>
+            </a:lvl5pPr>
+            <a:lvl6pPr marL="2286000" algn="l" defTabSz="914400" rtl="0" eaLnBrk="1" latinLnBrk="0" hangingPunct="1">
+              <a:defRPr sz="1800" kern="1200">
+                <a:solidFill>
+                  <a:schemeClr val="tx1"/>
+                </a:solidFill>
+                <a:latin typeface="+mn-lt"/>
+                <a:ea typeface="+mn-ea"/>
+                <a:cs typeface="+mn-cs"/>
+              </a:defRPr>
+            </a:lvl6pPr>
+            <a:lvl7pPr marL="2743200" algn="l" defTabSz="914400" rtl="0" eaLnBrk="1" latinLnBrk="0" hangingPunct="1">
+              <a:defRPr sz="1800" kern="1200">
+                <a:solidFill>
+                  <a:schemeClr val="tx1"/>
+                </a:solidFill>
+                <a:latin typeface="+mn-lt"/>
+                <a:ea typeface="+mn-ea"/>
+                <a:cs typeface="+mn-cs"/>
+              </a:defRPr>
+            </a:lvl7pPr>
+            <a:lvl8pPr marL="3200400" algn="l" defTabSz="914400" rtl="0" eaLnBrk="1" latinLnBrk="0" hangingPunct="1">
+              <a:defRPr sz="1800" kern="1200">
+                <a:solidFill>
+                  <a:schemeClr val="tx1"/>
+                </a:solidFill>
+                <a:latin typeface="+mn-lt"/>
+                <a:ea typeface="+mn-ea"/>
+                <a:cs typeface="+mn-cs"/>
+              </a:defRPr>
+            </a:lvl8pPr>
+            <a:lvl9pPr marL="3657600" algn="l" defTabSz="914400" rtl="0" eaLnBrk="1" latinLnBrk="0" hangingPunct="1">
+              <a:defRPr sz="1800" kern="1200">
+                <a:solidFill>
+                  <a:schemeClr val="tx1"/>
+                </a:solidFill>
+                <a:latin typeface="+mn-lt"/>
+                <a:ea typeface="+mn-ea"/>
+                <a:cs typeface="+mn-cs"/>
+              </a:defRPr>
+            </a:lvl9pPr>
+          </a:lstStyle>
+          <a:p>
+            <a:r>
+              <a:rPr lang="en-US" sz="1600" dirty="0" smtClean="0">
+                <a:latin typeface="Times New Roman" panose="02020603050405020304" pitchFamily="18" charset="0"/>
+                <a:cs typeface="Times New Roman" panose="02020603050405020304" pitchFamily="18" charset="0"/>
+              </a:rPr>
+              <a:t>12/2017</a:t>
+            </a:r>
+            <a:endParaRPr lang="en-US" sz="1600" dirty="0">
+              <a:latin typeface="Times New Roman" panose="02020603050405020304" pitchFamily="18" charset="0"/>
+              <a:cs typeface="Times New Roman" panose="02020603050405020304" pitchFamily="18" charset="0"/>
+            </a:endParaRPr>
           </a:p>
         </p:txBody>
       </p:sp>
@@ -15534,7 +18415,7 @@
           <p:cNvPr id="7" name="Title 1">
             <a:extLst>
               <a:ext uri="{FF2B5EF4-FFF2-40B4-BE49-F238E27FC236}">
-                <a16:creationId xmlns:a16="http://schemas.microsoft.com/office/drawing/2014/main" xmlns="" id="{6678819E-8E04-460E-A82B-ECE3893CFFD4}"/>
+                <a16:creationId xmlns="" xmlns:a16="http://schemas.microsoft.com/office/drawing/2014/main" id="{6678819E-8E04-460E-A82B-ECE3893CFFD4}"/>
               </a:ext>
             </a:extLst>
           </p:cNvPr>
@@ -15815,28 +18696,6 @@
       </p:sp>
       <p:sp>
         <p:nvSpPr>
-          <p:cNvPr id="3" name="Date Placeholder 2"/>
-          <p:cNvSpPr>
-            <a:spLocks noGrp="1"/>
-          </p:cNvSpPr>
-          <p:nvPr>
-            <p:ph type="dt" sz="half" idx="10"/>
-          </p:nvPr>
-        </p:nvSpPr>
-        <p:spPr/>
-        <p:txBody>
-          <a:bodyPr/>
-          <a:lstStyle/>
-          <a:p>
-            <a:r>
-              <a:rPr lang="en-US"/>
-              <a:t>10/13/2017</a:t>
-            </a:r>
-          </a:p>
-        </p:txBody>
-      </p:sp>
-      <p:sp>
-        <p:nvSpPr>
           <p:cNvPr id="4" name="Footer Placeholder 3"/>
           <p:cNvSpPr>
             <a:spLocks noGrp="1"/>
@@ -15940,7 +18799,7 @@
           <p:cNvPr id="7" name="Title 1">
             <a:extLst>
               <a:ext uri="{FF2B5EF4-FFF2-40B4-BE49-F238E27FC236}">
-                <a16:creationId xmlns:a16="http://schemas.microsoft.com/office/drawing/2014/main" xmlns="" id="{A26F03AE-A5EF-4A37-AD0A-4A124D961228}"/>
+                <a16:creationId xmlns="" xmlns:a16="http://schemas.microsoft.com/office/drawing/2014/main" id="{A26F03AE-A5EF-4A37-AD0A-4A124D961228}"/>
               </a:ext>
             </a:extLst>
           </p:cNvPr>
@@ -16038,6 +18897,137 @@
               </a:solidFill>
               <a:latin typeface="Arial" panose="020B0604020202020204" pitchFamily="34" charset="0"/>
               <a:cs typeface="Arial" panose="020B0604020202020204" pitchFamily="34" charset="0"/>
+            </a:endParaRPr>
+          </a:p>
+        </p:txBody>
+      </p:sp>
+      <p:sp>
+        <p:nvSpPr>
+          <p:cNvPr id="9" name="Footer Placeholder 2"/>
+          <p:cNvSpPr txBox="1">
+            <a:spLocks/>
+          </p:cNvSpPr>
+          <p:nvPr/>
+        </p:nvSpPr>
+        <p:spPr>
+          <a:xfrm>
+            <a:off x="0" y="6340475"/>
+            <a:ext cx="2632364" cy="365125"/>
+          </a:xfrm>
+          <a:prstGeom prst="rect">
+            <a:avLst/>
+          </a:prstGeom>
+        </p:spPr>
+        <p:txBody>
+          <a:bodyPr vert="horz" lIns="91440" tIns="45720" rIns="91440" bIns="45720" rtlCol="0" anchor="ctr"/>
+          <a:lstStyle>
+            <a:defPPr>
+              <a:defRPr lang="en-US"/>
+            </a:defPPr>
+            <a:lvl1pPr marL="0" algn="ctr" defTabSz="914400" rtl="0" eaLnBrk="1" latinLnBrk="0" hangingPunct="1">
+              <a:defRPr sz="1200" kern="1200">
+                <a:solidFill>
+                  <a:schemeClr val="tx1">
+                    <a:tint val="75000"/>
+                  </a:schemeClr>
+                </a:solidFill>
+                <a:latin typeface="+mn-lt"/>
+                <a:ea typeface="+mn-ea"/>
+                <a:cs typeface="+mn-cs"/>
+              </a:defRPr>
+            </a:lvl1pPr>
+            <a:lvl2pPr marL="457200" algn="l" defTabSz="914400" rtl="0" eaLnBrk="1" latinLnBrk="0" hangingPunct="1">
+              <a:defRPr sz="1800" kern="1200">
+                <a:solidFill>
+                  <a:schemeClr val="tx1"/>
+                </a:solidFill>
+                <a:latin typeface="+mn-lt"/>
+                <a:ea typeface="+mn-ea"/>
+                <a:cs typeface="+mn-cs"/>
+              </a:defRPr>
+            </a:lvl2pPr>
+            <a:lvl3pPr marL="914400" algn="l" defTabSz="914400" rtl="0" eaLnBrk="1" latinLnBrk="0" hangingPunct="1">
+              <a:defRPr sz="1800" kern="1200">
+                <a:solidFill>
+                  <a:schemeClr val="tx1"/>
+                </a:solidFill>
+                <a:latin typeface="+mn-lt"/>
+                <a:ea typeface="+mn-ea"/>
+                <a:cs typeface="+mn-cs"/>
+              </a:defRPr>
+            </a:lvl3pPr>
+            <a:lvl4pPr marL="1371600" algn="l" defTabSz="914400" rtl="0" eaLnBrk="1" latinLnBrk="0" hangingPunct="1">
+              <a:defRPr sz="1800" kern="1200">
+                <a:solidFill>
+                  <a:schemeClr val="tx1"/>
+                </a:solidFill>
+                <a:latin typeface="+mn-lt"/>
+                <a:ea typeface="+mn-ea"/>
+                <a:cs typeface="+mn-cs"/>
+              </a:defRPr>
+            </a:lvl4pPr>
+            <a:lvl5pPr marL="1828800" algn="l" defTabSz="914400" rtl="0" eaLnBrk="1" latinLnBrk="0" hangingPunct="1">
+              <a:defRPr sz="1800" kern="1200">
+                <a:solidFill>
+                  <a:schemeClr val="tx1"/>
+                </a:solidFill>
+                <a:latin typeface="+mn-lt"/>
+                <a:ea typeface="+mn-ea"/>
+                <a:cs typeface="+mn-cs"/>
+              </a:defRPr>
+            </a:lvl5pPr>
+            <a:lvl6pPr marL="2286000" algn="l" defTabSz="914400" rtl="0" eaLnBrk="1" latinLnBrk="0" hangingPunct="1">
+              <a:defRPr sz="1800" kern="1200">
+                <a:solidFill>
+                  <a:schemeClr val="tx1"/>
+                </a:solidFill>
+                <a:latin typeface="+mn-lt"/>
+                <a:ea typeface="+mn-ea"/>
+                <a:cs typeface="+mn-cs"/>
+              </a:defRPr>
+            </a:lvl6pPr>
+            <a:lvl7pPr marL="2743200" algn="l" defTabSz="914400" rtl="0" eaLnBrk="1" latinLnBrk="0" hangingPunct="1">
+              <a:defRPr sz="1800" kern="1200">
+                <a:solidFill>
+                  <a:schemeClr val="tx1"/>
+                </a:solidFill>
+                <a:latin typeface="+mn-lt"/>
+                <a:ea typeface="+mn-ea"/>
+                <a:cs typeface="+mn-cs"/>
+              </a:defRPr>
+            </a:lvl7pPr>
+            <a:lvl8pPr marL="3200400" algn="l" defTabSz="914400" rtl="0" eaLnBrk="1" latinLnBrk="0" hangingPunct="1">
+              <a:defRPr sz="1800" kern="1200">
+                <a:solidFill>
+                  <a:schemeClr val="tx1"/>
+                </a:solidFill>
+                <a:latin typeface="+mn-lt"/>
+                <a:ea typeface="+mn-ea"/>
+                <a:cs typeface="+mn-cs"/>
+              </a:defRPr>
+            </a:lvl8pPr>
+            <a:lvl9pPr marL="3657600" algn="l" defTabSz="914400" rtl="0" eaLnBrk="1" latinLnBrk="0" hangingPunct="1">
+              <a:defRPr sz="1800" kern="1200">
+                <a:solidFill>
+                  <a:schemeClr val="tx1"/>
+                </a:solidFill>
+                <a:latin typeface="+mn-lt"/>
+                <a:ea typeface="+mn-ea"/>
+                <a:cs typeface="+mn-cs"/>
+              </a:defRPr>
+            </a:lvl9pPr>
+          </a:lstStyle>
+          <a:p>
+            <a:r>
+              <a:rPr lang="en-US" sz="1600" dirty="0" smtClean="0">
+                <a:latin typeface="Times New Roman" panose="02020603050405020304" pitchFamily="18" charset="0"/>
+                <a:cs typeface="Times New Roman" panose="02020603050405020304" pitchFamily="18" charset="0"/>
+              </a:rPr>
+              <a:t>12/2017</a:t>
+            </a:r>
+            <a:endParaRPr lang="en-US" sz="1600" dirty="0">
+              <a:latin typeface="Times New Roman" panose="02020603050405020304" pitchFamily="18" charset="0"/>
+              <a:cs typeface="Times New Roman" panose="02020603050405020304" pitchFamily="18" charset="0"/>
             </a:endParaRPr>
           </a:p>
         </p:txBody>
@@ -16081,28 +19071,6 @@
       </p:grpSpPr>
       <p:sp>
         <p:nvSpPr>
-          <p:cNvPr id="3" name="Date Placeholder 2"/>
-          <p:cNvSpPr>
-            <a:spLocks noGrp="1"/>
-          </p:cNvSpPr>
-          <p:nvPr>
-            <p:ph type="dt" sz="half" idx="10"/>
-          </p:nvPr>
-        </p:nvSpPr>
-        <p:spPr/>
-        <p:txBody>
-          <a:bodyPr/>
-          <a:lstStyle/>
-          <a:p>
-            <a:r>
-              <a:rPr lang="en-US"/>
-              <a:t>10/13/2017</a:t>
-            </a:r>
-          </a:p>
-        </p:txBody>
-      </p:sp>
-      <p:sp>
-        <p:nvSpPr>
           <p:cNvPr id="4" name="Footer Placeholder 3"/>
           <p:cNvSpPr>
             <a:spLocks noGrp="1"/>
@@ -16286,7 +19254,7 @@
           <p:cNvPr id="7" name="Title 1">
             <a:extLst>
               <a:ext uri="{FF2B5EF4-FFF2-40B4-BE49-F238E27FC236}">
-                <a16:creationId xmlns:a16="http://schemas.microsoft.com/office/drawing/2014/main" xmlns="" id="{68CE6783-9C0D-46BA-8D98-4A95830915D5}"/>
+                <a16:creationId xmlns="" xmlns:a16="http://schemas.microsoft.com/office/drawing/2014/main" id="{68CE6783-9C0D-46BA-8D98-4A95830915D5}"/>
               </a:ext>
             </a:extLst>
           </p:cNvPr>
@@ -16365,6 +19333,137 @@
               </a:solidFill>
               <a:latin typeface="Arial" panose="020B0604020202020204" pitchFamily="34" charset="0"/>
               <a:cs typeface="Arial" panose="020B0604020202020204" pitchFamily="34" charset="0"/>
+            </a:endParaRPr>
+          </a:p>
+        </p:txBody>
+      </p:sp>
+      <p:sp>
+        <p:nvSpPr>
+          <p:cNvPr id="8" name="Footer Placeholder 2"/>
+          <p:cNvSpPr txBox="1">
+            <a:spLocks/>
+          </p:cNvSpPr>
+          <p:nvPr/>
+        </p:nvSpPr>
+        <p:spPr>
+          <a:xfrm>
+            <a:off x="0" y="6340475"/>
+            <a:ext cx="2632364" cy="365125"/>
+          </a:xfrm>
+          <a:prstGeom prst="rect">
+            <a:avLst/>
+          </a:prstGeom>
+        </p:spPr>
+        <p:txBody>
+          <a:bodyPr vert="horz" lIns="91440" tIns="45720" rIns="91440" bIns="45720" rtlCol="0" anchor="ctr"/>
+          <a:lstStyle>
+            <a:defPPr>
+              <a:defRPr lang="en-US"/>
+            </a:defPPr>
+            <a:lvl1pPr marL="0" algn="ctr" defTabSz="914400" rtl="0" eaLnBrk="1" latinLnBrk="0" hangingPunct="1">
+              <a:defRPr sz="1200" kern="1200">
+                <a:solidFill>
+                  <a:schemeClr val="tx1">
+                    <a:tint val="75000"/>
+                  </a:schemeClr>
+                </a:solidFill>
+                <a:latin typeface="+mn-lt"/>
+                <a:ea typeface="+mn-ea"/>
+                <a:cs typeface="+mn-cs"/>
+              </a:defRPr>
+            </a:lvl1pPr>
+            <a:lvl2pPr marL="457200" algn="l" defTabSz="914400" rtl="0" eaLnBrk="1" latinLnBrk="0" hangingPunct="1">
+              <a:defRPr sz="1800" kern="1200">
+                <a:solidFill>
+                  <a:schemeClr val="tx1"/>
+                </a:solidFill>
+                <a:latin typeface="+mn-lt"/>
+                <a:ea typeface="+mn-ea"/>
+                <a:cs typeface="+mn-cs"/>
+              </a:defRPr>
+            </a:lvl2pPr>
+            <a:lvl3pPr marL="914400" algn="l" defTabSz="914400" rtl="0" eaLnBrk="1" latinLnBrk="0" hangingPunct="1">
+              <a:defRPr sz="1800" kern="1200">
+                <a:solidFill>
+                  <a:schemeClr val="tx1"/>
+                </a:solidFill>
+                <a:latin typeface="+mn-lt"/>
+                <a:ea typeface="+mn-ea"/>
+                <a:cs typeface="+mn-cs"/>
+              </a:defRPr>
+            </a:lvl3pPr>
+            <a:lvl4pPr marL="1371600" algn="l" defTabSz="914400" rtl="0" eaLnBrk="1" latinLnBrk="0" hangingPunct="1">
+              <a:defRPr sz="1800" kern="1200">
+                <a:solidFill>
+                  <a:schemeClr val="tx1"/>
+                </a:solidFill>
+                <a:latin typeface="+mn-lt"/>
+                <a:ea typeface="+mn-ea"/>
+                <a:cs typeface="+mn-cs"/>
+              </a:defRPr>
+            </a:lvl4pPr>
+            <a:lvl5pPr marL="1828800" algn="l" defTabSz="914400" rtl="0" eaLnBrk="1" latinLnBrk="0" hangingPunct="1">
+              <a:defRPr sz="1800" kern="1200">
+                <a:solidFill>
+                  <a:schemeClr val="tx1"/>
+                </a:solidFill>
+                <a:latin typeface="+mn-lt"/>
+                <a:ea typeface="+mn-ea"/>
+                <a:cs typeface="+mn-cs"/>
+              </a:defRPr>
+            </a:lvl5pPr>
+            <a:lvl6pPr marL="2286000" algn="l" defTabSz="914400" rtl="0" eaLnBrk="1" latinLnBrk="0" hangingPunct="1">
+              <a:defRPr sz="1800" kern="1200">
+                <a:solidFill>
+                  <a:schemeClr val="tx1"/>
+                </a:solidFill>
+                <a:latin typeface="+mn-lt"/>
+                <a:ea typeface="+mn-ea"/>
+                <a:cs typeface="+mn-cs"/>
+              </a:defRPr>
+            </a:lvl6pPr>
+            <a:lvl7pPr marL="2743200" algn="l" defTabSz="914400" rtl="0" eaLnBrk="1" latinLnBrk="0" hangingPunct="1">
+              <a:defRPr sz="1800" kern="1200">
+                <a:solidFill>
+                  <a:schemeClr val="tx1"/>
+                </a:solidFill>
+                <a:latin typeface="+mn-lt"/>
+                <a:ea typeface="+mn-ea"/>
+                <a:cs typeface="+mn-cs"/>
+              </a:defRPr>
+            </a:lvl7pPr>
+            <a:lvl8pPr marL="3200400" algn="l" defTabSz="914400" rtl="0" eaLnBrk="1" latinLnBrk="0" hangingPunct="1">
+              <a:defRPr sz="1800" kern="1200">
+                <a:solidFill>
+                  <a:schemeClr val="tx1"/>
+                </a:solidFill>
+                <a:latin typeface="+mn-lt"/>
+                <a:ea typeface="+mn-ea"/>
+                <a:cs typeface="+mn-cs"/>
+              </a:defRPr>
+            </a:lvl8pPr>
+            <a:lvl9pPr marL="3657600" algn="l" defTabSz="914400" rtl="0" eaLnBrk="1" latinLnBrk="0" hangingPunct="1">
+              <a:defRPr sz="1800" kern="1200">
+                <a:solidFill>
+                  <a:schemeClr val="tx1"/>
+                </a:solidFill>
+                <a:latin typeface="+mn-lt"/>
+                <a:ea typeface="+mn-ea"/>
+                <a:cs typeface="+mn-cs"/>
+              </a:defRPr>
+            </a:lvl9pPr>
+          </a:lstStyle>
+          <a:p>
+            <a:r>
+              <a:rPr lang="en-US" sz="1600" dirty="0" smtClean="0">
+                <a:latin typeface="Times New Roman" panose="02020603050405020304" pitchFamily="18" charset="0"/>
+                <a:cs typeface="Times New Roman" panose="02020603050405020304" pitchFamily="18" charset="0"/>
+              </a:rPr>
+              <a:t>12/2017</a:t>
+            </a:r>
+            <a:endParaRPr lang="en-US" sz="1600" dirty="0">
+              <a:latin typeface="Times New Roman" panose="02020603050405020304" pitchFamily="18" charset="0"/>
+              <a:cs typeface="Times New Roman" panose="02020603050405020304" pitchFamily="18" charset="0"/>
             </a:endParaRPr>
           </a:p>
         </p:txBody>
@@ -16741,28 +19840,6 @@
       </p:sp>
       <p:sp>
         <p:nvSpPr>
-          <p:cNvPr id="3" name="Date Placeholder 2"/>
-          <p:cNvSpPr>
-            <a:spLocks noGrp="1"/>
-          </p:cNvSpPr>
-          <p:nvPr>
-            <p:ph type="dt" sz="half" idx="10"/>
-          </p:nvPr>
-        </p:nvSpPr>
-        <p:spPr/>
-        <p:txBody>
-          <a:bodyPr/>
-          <a:lstStyle/>
-          <a:p>
-            <a:r>
-              <a:rPr lang="en-US" dirty="0"/>
-              <a:t>10/13/2017</a:t>
-            </a:r>
-          </a:p>
-        </p:txBody>
-      </p:sp>
-      <p:sp>
-        <p:nvSpPr>
           <p:cNvPr id="4" name="Footer Placeholder 3"/>
           <p:cNvSpPr>
             <a:spLocks noGrp="1"/>
@@ -16864,7 +19941,7 @@
           <p:cNvPr id="7" name="Title 1">
             <a:extLst>
               <a:ext uri="{FF2B5EF4-FFF2-40B4-BE49-F238E27FC236}">
-                <a16:creationId xmlns:a16="http://schemas.microsoft.com/office/drawing/2014/main" xmlns="" id="{68CE6783-9C0D-46BA-8D98-4A95830915D5}"/>
+                <a16:creationId xmlns="" xmlns:a16="http://schemas.microsoft.com/office/drawing/2014/main" id="{68CE6783-9C0D-46BA-8D98-4A95830915D5}"/>
               </a:ext>
             </a:extLst>
           </p:cNvPr>
@@ -16943,6 +20020,137 @@
               </a:solidFill>
               <a:latin typeface="Arial" panose="020B0604020202020204" pitchFamily="34" charset="0"/>
               <a:cs typeface="Arial" panose="020B0604020202020204" pitchFamily="34" charset="0"/>
+            </a:endParaRPr>
+          </a:p>
+        </p:txBody>
+      </p:sp>
+      <p:sp>
+        <p:nvSpPr>
+          <p:cNvPr id="9" name="Footer Placeholder 2"/>
+          <p:cNvSpPr txBox="1">
+            <a:spLocks/>
+          </p:cNvSpPr>
+          <p:nvPr/>
+        </p:nvSpPr>
+        <p:spPr>
+          <a:xfrm>
+            <a:off x="0" y="6340475"/>
+            <a:ext cx="2632364" cy="365125"/>
+          </a:xfrm>
+          <a:prstGeom prst="rect">
+            <a:avLst/>
+          </a:prstGeom>
+        </p:spPr>
+        <p:txBody>
+          <a:bodyPr vert="horz" lIns="91440" tIns="45720" rIns="91440" bIns="45720" rtlCol="0" anchor="ctr"/>
+          <a:lstStyle>
+            <a:defPPr>
+              <a:defRPr lang="en-US"/>
+            </a:defPPr>
+            <a:lvl1pPr marL="0" algn="ctr" defTabSz="914400" rtl="0" eaLnBrk="1" latinLnBrk="0" hangingPunct="1">
+              <a:defRPr sz="1200" kern="1200">
+                <a:solidFill>
+                  <a:schemeClr val="tx1">
+                    <a:tint val="75000"/>
+                  </a:schemeClr>
+                </a:solidFill>
+                <a:latin typeface="+mn-lt"/>
+                <a:ea typeface="+mn-ea"/>
+                <a:cs typeface="+mn-cs"/>
+              </a:defRPr>
+            </a:lvl1pPr>
+            <a:lvl2pPr marL="457200" algn="l" defTabSz="914400" rtl="0" eaLnBrk="1" latinLnBrk="0" hangingPunct="1">
+              <a:defRPr sz="1800" kern="1200">
+                <a:solidFill>
+                  <a:schemeClr val="tx1"/>
+                </a:solidFill>
+                <a:latin typeface="+mn-lt"/>
+                <a:ea typeface="+mn-ea"/>
+                <a:cs typeface="+mn-cs"/>
+              </a:defRPr>
+            </a:lvl2pPr>
+            <a:lvl3pPr marL="914400" algn="l" defTabSz="914400" rtl="0" eaLnBrk="1" latinLnBrk="0" hangingPunct="1">
+              <a:defRPr sz="1800" kern="1200">
+                <a:solidFill>
+                  <a:schemeClr val="tx1"/>
+                </a:solidFill>
+                <a:latin typeface="+mn-lt"/>
+                <a:ea typeface="+mn-ea"/>
+                <a:cs typeface="+mn-cs"/>
+              </a:defRPr>
+            </a:lvl3pPr>
+            <a:lvl4pPr marL="1371600" algn="l" defTabSz="914400" rtl="0" eaLnBrk="1" latinLnBrk="0" hangingPunct="1">
+              <a:defRPr sz="1800" kern="1200">
+                <a:solidFill>
+                  <a:schemeClr val="tx1"/>
+                </a:solidFill>
+                <a:latin typeface="+mn-lt"/>
+                <a:ea typeface="+mn-ea"/>
+                <a:cs typeface="+mn-cs"/>
+              </a:defRPr>
+            </a:lvl4pPr>
+            <a:lvl5pPr marL="1828800" algn="l" defTabSz="914400" rtl="0" eaLnBrk="1" latinLnBrk="0" hangingPunct="1">
+              <a:defRPr sz="1800" kern="1200">
+                <a:solidFill>
+                  <a:schemeClr val="tx1"/>
+                </a:solidFill>
+                <a:latin typeface="+mn-lt"/>
+                <a:ea typeface="+mn-ea"/>
+                <a:cs typeface="+mn-cs"/>
+              </a:defRPr>
+            </a:lvl5pPr>
+            <a:lvl6pPr marL="2286000" algn="l" defTabSz="914400" rtl="0" eaLnBrk="1" latinLnBrk="0" hangingPunct="1">
+              <a:defRPr sz="1800" kern="1200">
+                <a:solidFill>
+                  <a:schemeClr val="tx1"/>
+                </a:solidFill>
+                <a:latin typeface="+mn-lt"/>
+                <a:ea typeface="+mn-ea"/>
+                <a:cs typeface="+mn-cs"/>
+              </a:defRPr>
+            </a:lvl6pPr>
+            <a:lvl7pPr marL="2743200" algn="l" defTabSz="914400" rtl="0" eaLnBrk="1" latinLnBrk="0" hangingPunct="1">
+              <a:defRPr sz="1800" kern="1200">
+                <a:solidFill>
+                  <a:schemeClr val="tx1"/>
+                </a:solidFill>
+                <a:latin typeface="+mn-lt"/>
+                <a:ea typeface="+mn-ea"/>
+                <a:cs typeface="+mn-cs"/>
+              </a:defRPr>
+            </a:lvl7pPr>
+            <a:lvl8pPr marL="3200400" algn="l" defTabSz="914400" rtl="0" eaLnBrk="1" latinLnBrk="0" hangingPunct="1">
+              <a:defRPr sz="1800" kern="1200">
+                <a:solidFill>
+                  <a:schemeClr val="tx1"/>
+                </a:solidFill>
+                <a:latin typeface="+mn-lt"/>
+                <a:ea typeface="+mn-ea"/>
+                <a:cs typeface="+mn-cs"/>
+              </a:defRPr>
+            </a:lvl8pPr>
+            <a:lvl9pPr marL="3657600" algn="l" defTabSz="914400" rtl="0" eaLnBrk="1" latinLnBrk="0" hangingPunct="1">
+              <a:defRPr sz="1800" kern="1200">
+                <a:solidFill>
+                  <a:schemeClr val="tx1"/>
+                </a:solidFill>
+                <a:latin typeface="+mn-lt"/>
+                <a:ea typeface="+mn-ea"/>
+                <a:cs typeface="+mn-cs"/>
+              </a:defRPr>
+            </a:lvl9pPr>
+          </a:lstStyle>
+          <a:p>
+            <a:r>
+              <a:rPr lang="en-US" sz="1600" dirty="0" smtClean="0">
+                <a:latin typeface="Times New Roman" panose="02020603050405020304" pitchFamily="18" charset="0"/>
+                <a:cs typeface="Times New Roman" panose="02020603050405020304" pitchFamily="18" charset="0"/>
+              </a:rPr>
+              <a:t>12/2017</a:t>
+            </a:r>
+            <a:endParaRPr lang="en-US" sz="1600" dirty="0">
+              <a:latin typeface="Times New Roman" panose="02020603050405020304" pitchFamily="18" charset="0"/>
+              <a:cs typeface="Times New Roman" panose="02020603050405020304" pitchFamily="18" charset="0"/>
             </a:endParaRPr>
           </a:p>
         </p:txBody>

--- a/THESIS/DACN_UD_Hoc_KHo_CTK37_BaoCao_D3.pptx
+++ b/THESIS/DACN_UD_Hoc_KHo_CTK37_BaoCao_D3.pptx
@@ -242,7 +242,7 @@
           <a:p>
             <a:fld id="{5F3C816B-6264-4CFF-B007-776089C8006A}" type="datetimeFigureOut">
               <a:rPr lang="en-US" smtClean="0"/>
-              <a:t>12/7/2017</a:t>
+              <a:t>12/12/2017</a:t>
             </a:fld>
             <a:endParaRPr lang="en-US"/>
           </a:p>
@@ -584,6 +584,232 @@
     <p:extLst>
       <p:ext uri="{BB962C8B-B14F-4D97-AF65-F5344CB8AC3E}">
         <p14:creationId xmlns:p14="http://schemas.microsoft.com/office/powerpoint/2010/main" val="289245174"/>
+      </p:ext>
+    </p:extLst>
+  </p:cSld>
+  <p:clrMapOvr>
+    <a:masterClrMapping/>
+  </p:clrMapOvr>
+</p:notes>
+</file>
+
+<file path=ppt/notesSlides/notesSlide2.xml><?xml version="1.0" encoding="utf-8"?>
+<p:notes xmlns:a="http://schemas.openxmlformats.org/drawingml/2006/main" xmlns:r="http://schemas.openxmlformats.org/officeDocument/2006/relationships" xmlns:p="http://schemas.openxmlformats.org/presentationml/2006/main">
+  <p:cSld>
+    <p:spTree>
+      <p:nvGrpSpPr>
+        <p:cNvPr id="1" name=""/>
+        <p:cNvGrpSpPr/>
+        <p:nvPr/>
+      </p:nvGrpSpPr>
+      <p:grpSpPr>
+        <a:xfrm>
+          <a:off x="0" y="0"/>
+          <a:ext cx="0" cy="0"/>
+          <a:chOff x="0" y="0"/>
+          <a:chExt cx="0" cy="0"/>
+        </a:xfrm>
+      </p:grpSpPr>
+      <p:sp>
+        <p:nvSpPr>
+          <p:cNvPr id="2" name="Slide Image Placeholder 1"/>
+          <p:cNvSpPr>
+            <a:spLocks noGrp="1" noRot="1" noChangeAspect="1"/>
+          </p:cNvSpPr>
+          <p:nvPr>
+            <p:ph type="sldImg"/>
+          </p:nvPr>
+        </p:nvSpPr>
+        <p:spPr/>
+      </p:sp>
+      <p:sp>
+        <p:nvSpPr>
+          <p:cNvPr id="3" name="Notes Placeholder 2"/>
+          <p:cNvSpPr>
+            <a:spLocks noGrp="1"/>
+          </p:cNvSpPr>
+          <p:nvPr>
+            <p:ph type="body" idx="1"/>
+          </p:nvPr>
+        </p:nvSpPr>
+        <p:spPr/>
+        <p:txBody>
+          <a:bodyPr/>
+          <a:lstStyle/>
+          <a:p>
+            <a:endParaRPr lang="en-US" dirty="0"/>
+          </a:p>
+        </p:txBody>
+      </p:sp>
+      <p:sp>
+        <p:nvSpPr>
+          <p:cNvPr id="4" name="Slide Number Placeholder 3"/>
+          <p:cNvSpPr>
+            <a:spLocks noGrp="1"/>
+          </p:cNvSpPr>
+          <p:nvPr>
+            <p:ph type="sldNum" sz="quarter" idx="10"/>
+          </p:nvPr>
+        </p:nvSpPr>
+        <p:spPr/>
+        <p:txBody>
+          <a:bodyPr/>
+          <a:lstStyle/>
+          <a:p>
+            <a:fld id="{417960D5-2F1C-4A8E-99EB-9A13506EF23D}" type="slidenum">
+              <a:rPr lang="en-US" smtClean="0"/>
+              <a:t>3</a:t>
+            </a:fld>
+            <a:endParaRPr lang="en-US"/>
+          </a:p>
+        </p:txBody>
+      </p:sp>
+    </p:spTree>
+    <p:extLst>
+      <p:ext uri="{BB962C8B-B14F-4D97-AF65-F5344CB8AC3E}">
+        <p14:creationId xmlns:p14="http://schemas.microsoft.com/office/powerpoint/2010/main" val="3857697810"/>
+      </p:ext>
+    </p:extLst>
+  </p:cSld>
+  <p:clrMapOvr>
+    <a:masterClrMapping/>
+  </p:clrMapOvr>
+</p:notes>
+</file>
+
+<file path=ppt/notesSlides/notesSlide3.xml><?xml version="1.0" encoding="utf-8"?>
+<p:notes xmlns:a="http://schemas.openxmlformats.org/drawingml/2006/main" xmlns:r="http://schemas.openxmlformats.org/officeDocument/2006/relationships" xmlns:p="http://schemas.openxmlformats.org/presentationml/2006/main">
+  <p:cSld>
+    <p:spTree>
+      <p:nvGrpSpPr>
+        <p:cNvPr id="1" name=""/>
+        <p:cNvGrpSpPr/>
+        <p:nvPr/>
+      </p:nvGrpSpPr>
+      <p:grpSpPr>
+        <a:xfrm>
+          <a:off x="0" y="0"/>
+          <a:ext cx="0" cy="0"/>
+          <a:chOff x="0" y="0"/>
+          <a:chExt cx="0" cy="0"/>
+        </a:xfrm>
+      </p:grpSpPr>
+      <p:sp>
+        <p:nvSpPr>
+          <p:cNvPr id="2" name="Slide Image Placeholder 1"/>
+          <p:cNvSpPr>
+            <a:spLocks noGrp="1" noRot="1" noChangeAspect="1"/>
+          </p:cNvSpPr>
+          <p:nvPr>
+            <p:ph type="sldImg"/>
+          </p:nvPr>
+        </p:nvSpPr>
+        <p:spPr/>
+      </p:sp>
+      <p:sp>
+        <p:nvSpPr>
+          <p:cNvPr id="3" name="Notes Placeholder 2"/>
+          <p:cNvSpPr>
+            <a:spLocks noGrp="1"/>
+          </p:cNvSpPr>
+          <p:nvPr>
+            <p:ph type="body" idx="1"/>
+          </p:nvPr>
+        </p:nvSpPr>
+        <p:spPr/>
+        <p:txBody>
+          <a:bodyPr/>
+          <a:lstStyle/>
+          <a:p>
+            <a:pPr marL="0" marR="0" indent="0" algn="l" defTabSz="914400" rtl="0" eaLnBrk="1" fontAlgn="auto" latinLnBrk="0" hangingPunct="1">
+              <a:lnSpc>
+                <a:spcPct val="100000"/>
+              </a:lnSpc>
+              <a:spcBef>
+                <a:spcPts val="0"/>
+              </a:spcBef>
+              <a:spcAft>
+                <a:spcPts val="0"/>
+              </a:spcAft>
+              <a:buClrTx/>
+              <a:buSzTx/>
+              <a:buFontTx/>
+              <a:buNone/>
+              <a:tabLst/>
+              <a:defRPr/>
+            </a:pPr>
+            <a:r>
+              <a:rPr lang="en-US" sz="1200" dirty="0" smtClean="0">
+                <a:solidFill>
+                  <a:schemeClr val="tx1"/>
+                </a:solidFill>
+                <a:latin typeface="Arial" panose="020B0604020202020204" pitchFamily="34" charset="0"/>
+                <a:cs typeface="Arial" panose="020B0604020202020204" pitchFamily="34" charset="0"/>
+              </a:rPr>
+              <a:t>Kết quả đã đạt như sau: Củng cố lại kiến thức đã được học, tìm hiểu một số công nghệ mới, xây dựng được ứng dụng.</a:t>
+            </a:r>
+          </a:p>
+          <a:p>
+            <a:pPr marL="0" marR="0" indent="0" algn="l" defTabSz="914400" rtl="0" eaLnBrk="1" fontAlgn="auto" latinLnBrk="0" hangingPunct="1">
+              <a:lnSpc>
+                <a:spcPct val="100000"/>
+              </a:lnSpc>
+              <a:spcBef>
+                <a:spcPts val="0"/>
+              </a:spcBef>
+              <a:spcAft>
+                <a:spcPts val="0"/>
+              </a:spcAft>
+              <a:buClrTx/>
+              <a:buSzTx/>
+              <a:buFontTx/>
+              <a:buNone/>
+              <a:tabLst/>
+              <a:defRPr/>
+            </a:pPr>
+            <a:r>
+              <a:rPr lang="en-US" sz="1200" dirty="0" smtClean="0">
+                <a:solidFill>
+                  <a:schemeClr val="tx1"/>
+                </a:solidFill>
+                <a:latin typeface="Arial" panose="020B0604020202020204" pitchFamily="34" charset="0"/>
+                <a:cs typeface="Arial" panose="020B0604020202020204" pitchFamily="34" charset="0"/>
+              </a:rPr>
+              <a:t>Do việc ứng dụng khoa học công nghệ vào nghiên cứu ngôn ngữ của đồng bào thiểu số chưa được phổ biến, nên </a:t>
+            </a:r>
+          </a:p>
+          <a:p>
+            <a:endParaRPr lang="en-US" dirty="0"/>
+          </a:p>
+        </p:txBody>
+      </p:sp>
+      <p:sp>
+        <p:nvSpPr>
+          <p:cNvPr id="4" name="Slide Number Placeholder 3"/>
+          <p:cNvSpPr>
+            <a:spLocks noGrp="1"/>
+          </p:cNvSpPr>
+          <p:nvPr>
+            <p:ph type="sldNum" sz="quarter" idx="10"/>
+          </p:nvPr>
+        </p:nvSpPr>
+        <p:spPr/>
+        <p:txBody>
+          <a:bodyPr/>
+          <a:lstStyle/>
+          <a:p>
+            <a:fld id="{417960D5-2F1C-4A8E-99EB-9A13506EF23D}" type="slidenum">
+              <a:rPr lang="en-US" smtClean="0"/>
+              <a:t>30</a:t>
+            </a:fld>
+            <a:endParaRPr lang="en-US"/>
+          </a:p>
+        </p:txBody>
+      </p:sp>
+    </p:spTree>
+    <p:extLst>
+      <p:ext uri="{BB962C8B-B14F-4D97-AF65-F5344CB8AC3E}">
+        <p14:creationId xmlns:p14="http://schemas.microsoft.com/office/powerpoint/2010/main" val="3045050621"/>
       </p:ext>
     </p:extLst>
   </p:cSld>
@@ -3935,7 +4161,7 @@
           <p:cNvPr id="10" name="Picture 9">
             <a:extLst>
               <a:ext uri="{FF2B5EF4-FFF2-40B4-BE49-F238E27FC236}">
-                <a16:creationId xmlns="" xmlns:a16="http://schemas.microsoft.com/office/drawing/2014/main" id="{8D2D12AD-440E-467D-AB43-0C3F2A1664D6}"/>
+                <a16:creationId xmlns:a16="http://schemas.microsoft.com/office/drawing/2014/main" xmlns="" id="{8D2D12AD-440E-467D-AB43-0C3F2A1664D6}"/>
               </a:ext>
             </a:extLst>
           </p:cNvPr>
@@ -4440,7 +4666,7 @@
           <p:cNvPr id="9" name="Title 1">
             <a:extLst>
               <a:ext uri="{FF2B5EF4-FFF2-40B4-BE49-F238E27FC236}">
-                <a16:creationId xmlns="" xmlns:a16="http://schemas.microsoft.com/office/drawing/2014/main" id="{68CE6783-9C0D-46BA-8D98-4A95830915D5}"/>
+                <a16:creationId xmlns:a16="http://schemas.microsoft.com/office/drawing/2014/main" xmlns="" id="{68CE6783-9C0D-46BA-8D98-4A95830915D5}"/>
               </a:ext>
             </a:extLst>
           </p:cNvPr>
@@ -4899,7 +5125,7 @@
           <p:cNvPr id="10" name="Title 1">
             <a:extLst>
               <a:ext uri="{FF2B5EF4-FFF2-40B4-BE49-F238E27FC236}">
-                <a16:creationId xmlns="" xmlns:a16="http://schemas.microsoft.com/office/drawing/2014/main" id="{68CE6783-9C0D-46BA-8D98-4A95830915D5}"/>
+                <a16:creationId xmlns:a16="http://schemas.microsoft.com/office/drawing/2014/main" xmlns="" id="{68CE6783-9C0D-46BA-8D98-4A95830915D5}"/>
               </a:ext>
             </a:extLst>
           </p:cNvPr>
@@ -5406,7 +5632,7 @@
           <p:cNvPr id="11" name="Title 1">
             <a:extLst>
               <a:ext uri="{FF2B5EF4-FFF2-40B4-BE49-F238E27FC236}">
-                <a16:creationId xmlns="" xmlns:a16="http://schemas.microsoft.com/office/drawing/2014/main" id="{68CE6783-9C0D-46BA-8D98-4A95830915D5}"/>
+                <a16:creationId xmlns:a16="http://schemas.microsoft.com/office/drawing/2014/main" xmlns="" id="{68CE6783-9C0D-46BA-8D98-4A95830915D5}"/>
               </a:ext>
             </a:extLst>
           </p:cNvPr>
@@ -5964,7 +6190,7 @@
           <p:cNvPr id="10" name="Title 1">
             <a:extLst>
               <a:ext uri="{FF2B5EF4-FFF2-40B4-BE49-F238E27FC236}">
-                <a16:creationId xmlns="" xmlns:a16="http://schemas.microsoft.com/office/drawing/2014/main" id="{68CE6783-9C0D-46BA-8D98-4A95830915D5}"/>
+                <a16:creationId xmlns:a16="http://schemas.microsoft.com/office/drawing/2014/main" xmlns="" id="{68CE6783-9C0D-46BA-8D98-4A95830915D5}"/>
               </a:ext>
             </a:extLst>
           </p:cNvPr>
@@ -6436,7 +6662,7 @@
           <p:cNvPr id="9" name="Title 1">
             <a:extLst>
               <a:ext uri="{FF2B5EF4-FFF2-40B4-BE49-F238E27FC236}">
-                <a16:creationId xmlns="" xmlns:a16="http://schemas.microsoft.com/office/drawing/2014/main" id="{68CE6783-9C0D-46BA-8D98-4A95830915D5}"/>
+                <a16:creationId xmlns:a16="http://schemas.microsoft.com/office/drawing/2014/main" xmlns="" id="{68CE6783-9C0D-46BA-8D98-4A95830915D5}"/>
               </a:ext>
             </a:extLst>
           </p:cNvPr>
@@ -6792,7 +7018,7 @@
           <p:cNvPr id="9" name="Title 1">
             <a:extLst>
               <a:ext uri="{FF2B5EF4-FFF2-40B4-BE49-F238E27FC236}">
-                <a16:creationId xmlns="" xmlns:a16="http://schemas.microsoft.com/office/drawing/2014/main" id="{68CE6783-9C0D-46BA-8D98-4A95830915D5}"/>
+                <a16:creationId xmlns:a16="http://schemas.microsoft.com/office/drawing/2014/main" xmlns="" id="{68CE6783-9C0D-46BA-8D98-4A95830915D5}"/>
               </a:ext>
             </a:extLst>
           </p:cNvPr>
@@ -7373,7 +7599,7 @@
           <p:cNvPr id="9" name="Title 1">
             <a:extLst>
               <a:ext uri="{FF2B5EF4-FFF2-40B4-BE49-F238E27FC236}">
-                <a16:creationId xmlns="" xmlns:a16="http://schemas.microsoft.com/office/drawing/2014/main" id="{68CE6783-9C0D-46BA-8D98-4A95830915D5}"/>
+                <a16:creationId xmlns:a16="http://schemas.microsoft.com/office/drawing/2014/main" xmlns="" id="{68CE6783-9C0D-46BA-8D98-4A95830915D5}"/>
               </a:ext>
             </a:extLst>
           </p:cNvPr>
@@ -7948,7 +8174,7 @@
           <p:cNvPr id="9" name="Title 1">
             <a:extLst>
               <a:ext uri="{FF2B5EF4-FFF2-40B4-BE49-F238E27FC236}">
-                <a16:creationId xmlns="" xmlns:a16="http://schemas.microsoft.com/office/drawing/2014/main" id="{68CE6783-9C0D-46BA-8D98-4A95830915D5}"/>
+                <a16:creationId xmlns:a16="http://schemas.microsoft.com/office/drawing/2014/main" xmlns="" id="{68CE6783-9C0D-46BA-8D98-4A95830915D5}"/>
               </a:ext>
             </a:extLst>
           </p:cNvPr>
@@ -8523,7 +8749,7 @@
           <p:cNvPr id="9" name="Title 1">
             <a:extLst>
               <a:ext uri="{FF2B5EF4-FFF2-40B4-BE49-F238E27FC236}">
-                <a16:creationId xmlns="" xmlns:a16="http://schemas.microsoft.com/office/drawing/2014/main" id="{68CE6783-9C0D-46BA-8D98-4A95830915D5}"/>
+                <a16:creationId xmlns:a16="http://schemas.microsoft.com/office/drawing/2014/main" xmlns="" id="{68CE6783-9C0D-46BA-8D98-4A95830915D5}"/>
               </a:ext>
             </a:extLst>
           </p:cNvPr>
@@ -9098,7 +9324,7 @@
           <p:cNvPr id="9" name="Title 1">
             <a:extLst>
               <a:ext uri="{FF2B5EF4-FFF2-40B4-BE49-F238E27FC236}">
-                <a16:creationId xmlns="" xmlns:a16="http://schemas.microsoft.com/office/drawing/2014/main" id="{68CE6783-9C0D-46BA-8D98-4A95830915D5}"/>
+                <a16:creationId xmlns:a16="http://schemas.microsoft.com/office/drawing/2014/main" xmlns="" id="{68CE6783-9C0D-46BA-8D98-4A95830915D5}"/>
               </a:ext>
             </a:extLst>
           </p:cNvPr>
@@ -10167,7 +10393,7 @@
           <p:cNvPr id="9" name="Title 1">
             <a:extLst>
               <a:ext uri="{FF2B5EF4-FFF2-40B4-BE49-F238E27FC236}">
-                <a16:creationId xmlns="" xmlns:a16="http://schemas.microsoft.com/office/drawing/2014/main" id="{68CE6783-9C0D-46BA-8D98-4A95830915D5}"/>
+                <a16:creationId xmlns:a16="http://schemas.microsoft.com/office/drawing/2014/main" xmlns="" id="{68CE6783-9C0D-46BA-8D98-4A95830915D5}"/>
               </a:ext>
             </a:extLst>
           </p:cNvPr>
@@ -10961,7 +11187,7 @@
           <p:cNvPr id="9" name="Title 1">
             <a:extLst>
               <a:ext uri="{FF2B5EF4-FFF2-40B4-BE49-F238E27FC236}">
-                <a16:creationId xmlns="" xmlns:a16="http://schemas.microsoft.com/office/drawing/2014/main" id="{68CE6783-9C0D-46BA-8D98-4A95830915D5}"/>
+                <a16:creationId xmlns:a16="http://schemas.microsoft.com/office/drawing/2014/main" xmlns="" id="{68CE6783-9C0D-46BA-8D98-4A95830915D5}"/>
               </a:ext>
             </a:extLst>
           </p:cNvPr>
@@ -11697,7 +11923,7 @@
           <p:cNvPr id="7" name="Title 1">
             <a:extLst>
               <a:ext uri="{FF2B5EF4-FFF2-40B4-BE49-F238E27FC236}">
-                <a16:creationId xmlns="" xmlns:a16="http://schemas.microsoft.com/office/drawing/2014/main" id="{A26F03AE-A5EF-4A37-AD0A-4A124D961228}"/>
+                <a16:creationId xmlns:a16="http://schemas.microsoft.com/office/drawing/2014/main" xmlns="" id="{A26F03AE-A5EF-4A37-AD0A-4A124D961228}"/>
               </a:ext>
             </a:extLst>
           </p:cNvPr>
@@ -12053,7 +12279,7 @@
           <p:cNvPr id="10" name="Title 1">
             <a:extLst>
               <a:ext uri="{FF2B5EF4-FFF2-40B4-BE49-F238E27FC236}">
-                <a16:creationId xmlns="" xmlns:a16="http://schemas.microsoft.com/office/drawing/2014/main" id="{7368D8FC-019C-4E0A-9E64-2A1D10A99CC1}"/>
+                <a16:creationId xmlns:a16="http://schemas.microsoft.com/office/drawing/2014/main" xmlns="" id="{7368D8FC-019C-4E0A-9E64-2A1D10A99CC1}"/>
               </a:ext>
             </a:extLst>
           </p:cNvPr>
@@ -13757,7 +13983,7 @@
           <p:cNvPr id="7" name="Title 1">
             <a:extLst>
               <a:ext uri="{FF2B5EF4-FFF2-40B4-BE49-F238E27FC236}">
-                <a16:creationId xmlns="" xmlns:a16="http://schemas.microsoft.com/office/drawing/2014/main" id="{A26F03AE-A5EF-4A37-AD0A-4A124D961228}"/>
+                <a16:creationId xmlns:a16="http://schemas.microsoft.com/office/drawing/2014/main" xmlns="" id="{A26F03AE-A5EF-4A37-AD0A-4A124D961228}"/>
               </a:ext>
             </a:extLst>
           </p:cNvPr>
@@ -14132,7 +14358,7 @@
           <p:cNvPr id="7" name="Title 1">
             <a:extLst>
               <a:ext uri="{FF2B5EF4-FFF2-40B4-BE49-F238E27FC236}">
-                <a16:creationId xmlns="" xmlns:a16="http://schemas.microsoft.com/office/drawing/2014/main" id="{A26F03AE-A5EF-4A37-AD0A-4A124D961228}"/>
+                <a16:creationId xmlns:a16="http://schemas.microsoft.com/office/drawing/2014/main" xmlns="" id="{A26F03AE-A5EF-4A37-AD0A-4A124D961228}"/>
               </a:ext>
             </a:extLst>
           </p:cNvPr>
@@ -14655,102 +14881,56 @@
               <a:buChar char="•"/>
             </a:pPr>
             <a:r>
-              <a:rPr lang="en-US" sz="2000" dirty="0" smtClean="0">
+              <a:rPr lang="en-US" sz="2400" dirty="0" smtClean="0">
                 <a:solidFill>
                   <a:schemeClr val="tx1"/>
                 </a:solidFill>
                 <a:latin typeface="Arial" panose="020B0604020202020204" pitchFamily="34" charset="0"/>
                 <a:cs typeface="Arial" panose="020B0604020202020204" pitchFamily="34" charset="0"/>
               </a:rPr>
-              <a:t>Kết </a:t>
-            </a:r>
-            <a:r>
-              <a:rPr lang="en-US" sz="2000" dirty="0">
+              <a:t>Ứng </a:t>
+            </a:r>
+            <a:r>
+              <a:rPr lang="en-US" sz="2400" dirty="0" smtClean="0">
                 <a:solidFill>
                   <a:schemeClr val="tx1"/>
                 </a:solidFill>
                 <a:latin typeface="Arial" panose="020B0604020202020204" pitchFamily="34" charset="0"/>
                 <a:cs typeface="Arial" panose="020B0604020202020204" pitchFamily="34" charset="0"/>
               </a:rPr>
-              <a:t>quả </a:t>
-            </a:r>
-            <a:r>
-              <a:rPr lang="en-US" sz="2000" dirty="0" smtClean="0">
+              <a:t>dụng </a:t>
+            </a:r>
+            <a:r>
+              <a:rPr lang="en-US" sz="2400" dirty="0">
                 <a:solidFill>
                   <a:schemeClr val="tx1"/>
                 </a:solidFill>
                 <a:latin typeface="Arial" panose="020B0604020202020204" pitchFamily="34" charset="0"/>
                 <a:cs typeface="Arial" panose="020B0604020202020204" pitchFamily="34" charset="0"/>
               </a:rPr>
-              <a:t>đã đạt như </a:t>
-            </a:r>
-            <a:r>
-              <a:rPr lang="en-US" sz="2000" dirty="0">
+              <a:t>học </a:t>
+            </a:r>
+            <a:r>
+              <a:rPr lang="en-US" sz="2400" dirty="0" smtClean="0">
                 <a:solidFill>
                   <a:schemeClr val="tx1"/>
                 </a:solidFill>
                 <a:latin typeface="Arial" panose="020B0604020202020204" pitchFamily="34" charset="0"/>
                 <a:cs typeface="Arial" panose="020B0604020202020204" pitchFamily="34" charset="0"/>
               </a:rPr>
-              <a:t>sau: Củng cố lại kiến thức đã được học, tìm hiểu một số công nghệ mới, xây dựng được ứng dụng</a:t>
-            </a:r>
-            <a:r>
-              <a:rPr lang="en-US" sz="2000" dirty="0" smtClean="0">
+              <a:t>K’Ho đã được xây dựng thành công, có </a:t>
+            </a:r>
+            <a:r>
+              <a:rPr lang="en-US" sz="2400" dirty="0">
                 <a:solidFill>
                   <a:schemeClr val="tx1"/>
                 </a:solidFill>
                 <a:latin typeface="Arial" panose="020B0604020202020204" pitchFamily="34" charset="0"/>
                 <a:cs typeface="Arial" panose="020B0604020202020204" pitchFamily="34" charset="0"/>
               </a:rPr>
-              <a:t>.</a:t>
-            </a:r>
-          </a:p>
-          <a:p>
-            <a:pPr marL="342900" indent="-342900" algn="l">
-              <a:buFont typeface="Arial" panose="020B0604020202020204" pitchFamily="34" charset="0"/>
-              <a:buChar char="•"/>
-            </a:pPr>
-            <a:r>
-              <a:rPr lang="en-US" sz="2000" dirty="0" smtClean="0">
-                <a:solidFill>
-                  <a:schemeClr val="tx1"/>
-                </a:solidFill>
-                <a:latin typeface="Arial" panose="020B0604020202020204" pitchFamily="34" charset="0"/>
-                <a:cs typeface="Arial" panose="020B0604020202020204" pitchFamily="34" charset="0"/>
-              </a:rPr>
-              <a:t>Ứng dụng </a:t>
-            </a:r>
-            <a:r>
-              <a:rPr lang="en-US" sz="2000" dirty="0">
-                <a:solidFill>
-                  <a:schemeClr val="tx1"/>
-                </a:solidFill>
-                <a:latin typeface="Arial" panose="020B0604020202020204" pitchFamily="34" charset="0"/>
-                <a:cs typeface="Arial" panose="020B0604020202020204" pitchFamily="34" charset="0"/>
-              </a:rPr>
-              <a:t>học </a:t>
-            </a:r>
-            <a:r>
-              <a:rPr lang="en-US" sz="2000" dirty="0" smtClean="0">
-                <a:solidFill>
-                  <a:schemeClr val="tx1"/>
-                </a:solidFill>
-                <a:latin typeface="Arial" panose="020B0604020202020204" pitchFamily="34" charset="0"/>
-                <a:cs typeface="Arial" panose="020B0604020202020204" pitchFamily="34" charset="0"/>
-              </a:rPr>
-              <a:t>K’Ho đã được xây dựng thành công, có </a:t>
-            </a:r>
-            <a:r>
-              <a:rPr lang="en-US" sz="2000" dirty="0">
-                <a:solidFill>
-                  <a:schemeClr val="tx1"/>
-                </a:solidFill>
-                <a:latin typeface="Arial" panose="020B0604020202020204" pitchFamily="34" charset="0"/>
-                <a:cs typeface="Arial" panose="020B0604020202020204" pitchFamily="34" charset="0"/>
-              </a:rPr>
               <a:t>các chức năng cơ bản của ứng dụng học ngôn ngữ.</a:t>
             </a:r>
-            <a:endParaRPr lang="en-US" sz="2000" dirty="0" smtClean="0">
+            <a:endParaRPr lang="en-US" sz="2400" dirty="0" smtClean="0">
               <a:solidFill>
                 <a:schemeClr val="tx1"/>
               </a:solidFill>
@@ -14764,7 +14944,7 @@
               <a:buChar char="•"/>
             </a:pPr>
             <a:r>
-              <a:rPr lang="en-US" sz="2000" dirty="0" smtClean="0">
+              <a:rPr lang="en-US" sz="2400" dirty="0" smtClean="0">
                 <a:solidFill>
                   <a:schemeClr val="tx1"/>
                 </a:solidFill>
@@ -14774,7 +14954,7 @@
               <a:t>Hy vọng ứng </a:t>
             </a:r>
             <a:r>
-              <a:rPr lang="en-US" sz="2000" dirty="0">
+              <a:rPr lang="en-US" sz="2400" dirty="0">
                 <a:solidFill>
                   <a:schemeClr val="tx1"/>
                 </a:solidFill>
@@ -14784,7 +14964,7 @@
               <a:t>dụng học K’Ho </a:t>
             </a:r>
             <a:r>
-              <a:rPr lang="en-US" sz="2000" dirty="0" smtClean="0">
+              <a:rPr lang="en-US" sz="2400" dirty="0" smtClean="0">
                 <a:solidFill>
                   <a:schemeClr val="tx1"/>
                 </a:solidFill>
@@ -14794,7 +14974,7 @@
               <a:t>sẽ là </a:t>
             </a:r>
             <a:r>
-              <a:rPr lang="en-US" sz="2000" dirty="0">
+              <a:rPr lang="en-US" sz="2400" dirty="0">
                 <a:solidFill>
                   <a:schemeClr val="tx1"/>
                 </a:solidFill>
@@ -14803,7 +14983,7 @@
               </a:rPr>
               <a:t>ứng dụng hữu ích phục vụ cho việc phục vụ cho việc dạy, học tập và tìm hiểu về dân tộc K’Ho. </a:t>
             </a:r>
-            <a:endParaRPr lang="en-US" sz="2000" dirty="0" smtClean="0">
+            <a:endParaRPr lang="en-US" sz="2400" dirty="0" smtClean="0">
               <a:solidFill>
                 <a:schemeClr val="tx1"/>
               </a:solidFill>
@@ -14817,7 +14997,7 @@
               <a:buChar char="Ø"/>
             </a:pPr>
             <a:r>
-              <a:rPr lang="en-US" sz="2000" dirty="0" smtClean="0">
+              <a:rPr lang="en-US" sz="2400" dirty="0" smtClean="0">
                 <a:solidFill>
                   <a:schemeClr val="tx1"/>
                 </a:solidFill>
@@ -14826,7 +15006,7 @@
               </a:rPr>
               <a:t>Hướng phát triển:</a:t>
             </a:r>
-            <a:endParaRPr lang="en-US" sz="2000" dirty="0">
+            <a:endParaRPr lang="en-US" sz="2400" dirty="0">
               <a:solidFill>
                 <a:schemeClr val="tx1"/>
               </a:solidFill>
@@ -14840,7 +15020,7 @@
               <a:buChar char="•"/>
             </a:pPr>
             <a:r>
-              <a:rPr lang="en-US" sz="2000" dirty="0" smtClean="0">
+              <a:rPr lang="en-US" sz="2400" dirty="0" smtClean="0">
                 <a:solidFill>
                   <a:schemeClr val="tx1"/>
                 </a:solidFill>
@@ -14850,7 +15030,7 @@
               <a:t>Ứng </a:t>
             </a:r>
             <a:r>
-              <a:rPr lang="en-US" sz="2000" dirty="0">
+              <a:rPr lang="en-US" sz="2400" dirty="0">
                 <a:solidFill>
                   <a:schemeClr val="tx1"/>
                 </a:solidFill>
@@ -14860,7 +15040,7 @@
               <a:t>dụng </a:t>
             </a:r>
             <a:r>
-              <a:rPr lang="en-US" sz="2000" dirty="0" smtClean="0">
+              <a:rPr lang="en-US" sz="2400" dirty="0" smtClean="0">
                 <a:solidFill>
                   <a:schemeClr val="tx1"/>
                 </a:solidFill>
@@ -14870,7 +15050,7 @@
               <a:t>cần </a:t>
             </a:r>
             <a:r>
-              <a:rPr lang="en-US" sz="2000" dirty="0">
+              <a:rPr lang="en-US" sz="2400" dirty="0">
                 <a:solidFill>
                   <a:schemeClr val="tx1"/>
                 </a:solidFill>
@@ -14886,7 +15066,7 @@
               <a:buChar char="v"/>
             </a:pPr>
             <a:r>
-              <a:rPr lang="en-US" sz="2000" dirty="0">
+              <a:rPr lang="en-US" sz="2400" dirty="0">
                 <a:solidFill>
                   <a:schemeClr val="tx1"/>
                 </a:solidFill>
@@ -14902,7 +15082,7 @@
               <a:buChar char="v"/>
             </a:pPr>
             <a:r>
-              <a:rPr lang="en-US" sz="2000" dirty="0">
+              <a:rPr lang="en-US" sz="2400" dirty="0">
                 <a:solidFill>
                   <a:schemeClr val="tx1"/>
                 </a:solidFill>
@@ -14918,7 +15098,7 @@
               <a:buChar char="v"/>
             </a:pPr>
             <a:r>
-              <a:rPr lang="en-US" sz="2000" dirty="0">
+              <a:rPr lang="en-US" sz="2400" dirty="0">
                 <a:solidFill>
                   <a:schemeClr val="tx1"/>
                 </a:solidFill>
@@ -14934,86 +15114,76 @@
               <a:buChar char="•"/>
             </a:pPr>
             <a:r>
-              <a:rPr lang="en-US" sz="2000" dirty="0">
+              <a:rPr lang="en-US" sz="2400" dirty="0" smtClean="0">
                 <a:solidFill>
                   <a:schemeClr val="tx1"/>
                 </a:solidFill>
                 <a:latin typeface="Arial" panose="020B0604020202020204" pitchFamily="34" charset="0"/>
                 <a:cs typeface="Arial" panose="020B0604020202020204" pitchFamily="34" charset="0"/>
               </a:rPr>
-              <a:t>Do việc ứng dụng khoa học công nghệ vào nghiên cứu ngôn ngữ của đồng bào thiểu số </a:t>
-            </a:r>
-            <a:r>
-              <a:rPr lang="en-US" sz="2000" dirty="0" smtClean="0">
+              <a:t>Hướng </a:t>
+            </a:r>
+            <a:r>
+              <a:rPr lang="en-US" sz="2400" dirty="0">
                 <a:solidFill>
                   <a:schemeClr val="tx1"/>
                 </a:solidFill>
                 <a:latin typeface="Arial" panose="020B0604020202020204" pitchFamily="34" charset="0"/>
                 <a:cs typeface="Arial" panose="020B0604020202020204" pitchFamily="34" charset="0"/>
               </a:rPr>
-              <a:t>chưa </a:t>
-            </a:r>
-            <a:r>
-              <a:rPr lang="en-US" sz="2000" dirty="0">
+              <a:t>phát triển của đề tài còn rộng như: </a:t>
+            </a:r>
+            <a:r>
+              <a:rPr lang="en-US" sz="2400" dirty="0" smtClean="0">
                 <a:solidFill>
                   <a:schemeClr val="tx1"/>
                 </a:solidFill>
                 <a:latin typeface="Arial" panose="020B0604020202020204" pitchFamily="34" charset="0"/>
                 <a:cs typeface="Arial" panose="020B0604020202020204" pitchFamily="34" charset="0"/>
               </a:rPr>
-              <a:t>được phổ biến, nên hướng phát triển của đề tài còn rộng như: </a:t>
-            </a:r>
-            <a:r>
-              <a:rPr lang="en-US" sz="2000" dirty="0" smtClean="0">
+              <a:t>dịch </a:t>
+            </a:r>
+            <a:r>
+              <a:rPr lang="en-US" sz="2400" dirty="0">
                 <a:solidFill>
                   <a:schemeClr val="tx1"/>
                 </a:solidFill>
                 <a:latin typeface="Arial" panose="020B0604020202020204" pitchFamily="34" charset="0"/>
                 <a:cs typeface="Arial" panose="020B0604020202020204" pitchFamily="34" charset="0"/>
               </a:rPr>
-              <a:t>dịch </a:t>
-            </a:r>
-            <a:r>
-              <a:rPr lang="en-US" sz="2000" dirty="0">
+              <a:t>tự động giữa tiếng </a:t>
+            </a:r>
+            <a:r>
+              <a:rPr lang="en-US" sz="2400" dirty="0" smtClean="0">
                 <a:solidFill>
                   <a:schemeClr val="tx1"/>
                 </a:solidFill>
                 <a:latin typeface="Arial" panose="020B0604020202020204" pitchFamily="34" charset="0"/>
                 <a:cs typeface="Arial" panose="020B0604020202020204" pitchFamily="34" charset="0"/>
               </a:rPr>
-              <a:t>tự động giữa tiếng </a:t>
-            </a:r>
-            <a:r>
-              <a:rPr lang="en-US" sz="2000" dirty="0" smtClean="0">
+              <a:t>K’Ho-Việt, </a:t>
+            </a:r>
+            <a:r>
+              <a:rPr lang="en-US" sz="2400" dirty="0">
                 <a:solidFill>
                   <a:schemeClr val="tx1"/>
                 </a:solidFill>
                 <a:latin typeface="Arial" panose="020B0604020202020204" pitchFamily="34" charset="0"/>
                 <a:cs typeface="Arial" panose="020B0604020202020204" pitchFamily="34" charset="0"/>
               </a:rPr>
-              <a:t>K’Ho-Việt, </a:t>
-            </a:r>
-            <a:r>
-              <a:rPr lang="en-US" sz="2000" dirty="0">
+              <a:t>nhận dạng và tổng hợp tiếng K’Ho</a:t>
+            </a:r>
+            <a:r>
+              <a:rPr lang="en-US" sz="2400" dirty="0" smtClean="0">
                 <a:solidFill>
                   <a:schemeClr val="tx1"/>
                 </a:solidFill>
                 <a:latin typeface="Arial" panose="020B0604020202020204" pitchFamily="34" charset="0"/>
                 <a:cs typeface="Arial" panose="020B0604020202020204" pitchFamily="34" charset="0"/>
               </a:rPr>
-              <a:t>nhận dạng và tổng hợp tiếng K’Ho</a:t>
-            </a:r>
-            <a:r>
-              <a:rPr lang="en-US" sz="2000" dirty="0" smtClean="0">
-                <a:solidFill>
-                  <a:schemeClr val="tx1"/>
-                </a:solidFill>
-                <a:latin typeface="Arial" panose="020B0604020202020204" pitchFamily="34" charset="0"/>
-                <a:cs typeface="Arial" panose="020B0604020202020204" pitchFamily="34" charset="0"/>
-              </a:rPr>
               <a:t>,…</a:t>
             </a:r>
-            <a:endParaRPr lang="en-US" sz="2000" dirty="0">
+            <a:endParaRPr lang="en-US" sz="2400" dirty="0">
               <a:solidFill>
                 <a:schemeClr val="tx1"/>
               </a:solidFill>
@@ -15026,7 +15196,7 @@
               <a:buFont typeface="Wingdings" panose="05000000000000000000" pitchFamily="2" charset="2"/>
               <a:buChar char="§"/>
             </a:pPr>
-            <a:endParaRPr lang="en-US" sz="2000" dirty="0">
+            <a:endParaRPr lang="en-US" sz="2400" dirty="0">
               <a:solidFill>
                 <a:schemeClr val="tx1"/>
               </a:solidFill>
@@ -15039,7 +15209,7 @@
               <a:buFont typeface="Wingdings" panose="05000000000000000000" pitchFamily="2" charset="2"/>
               <a:buChar char="Ø"/>
             </a:pPr>
-            <a:endParaRPr lang="en-US" sz="2000" dirty="0" smtClean="0">
+            <a:endParaRPr lang="en-US" sz="2400" dirty="0" smtClean="0">
               <a:solidFill>
                 <a:schemeClr val="tx1"/>
               </a:solidFill>
@@ -15154,7 +15324,7 @@
           <p:cNvPr id="7" name="Title 1">
             <a:extLst>
               <a:ext uri="{FF2B5EF4-FFF2-40B4-BE49-F238E27FC236}">
-                <a16:creationId xmlns="" xmlns:a16="http://schemas.microsoft.com/office/drawing/2014/main" id="{A26F03AE-A5EF-4A37-AD0A-4A124D961228}"/>
+                <a16:creationId xmlns:a16="http://schemas.microsoft.com/office/drawing/2014/main" xmlns="" id="{A26F03AE-A5EF-4A37-AD0A-4A124D961228}"/>
               </a:ext>
             </a:extLst>
           </p:cNvPr>
@@ -16269,7 +16439,7 @@
           <p:cNvPr id="8" name="Title 1">
             <a:extLst>
               <a:ext uri="{FF2B5EF4-FFF2-40B4-BE49-F238E27FC236}">
-                <a16:creationId xmlns="" xmlns:a16="http://schemas.microsoft.com/office/drawing/2014/main" id="{6678819E-8E04-460E-A82B-ECE3893CFFD4}"/>
+                <a16:creationId xmlns:a16="http://schemas.microsoft.com/office/drawing/2014/main" xmlns="" id="{6678819E-8E04-460E-A82B-ECE3893CFFD4}"/>
               </a:ext>
             </a:extLst>
           </p:cNvPr>
@@ -18415,7 +18585,7 @@
           <p:cNvPr id="7" name="Title 1">
             <a:extLst>
               <a:ext uri="{FF2B5EF4-FFF2-40B4-BE49-F238E27FC236}">
-                <a16:creationId xmlns="" xmlns:a16="http://schemas.microsoft.com/office/drawing/2014/main" id="{6678819E-8E04-460E-A82B-ECE3893CFFD4}"/>
+                <a16:creationId xmlns:a16="http://schemas.microsoft.com/office/drawing/2014/main" xmlns="" id="{6678819E-8E04-460E-A82B-ECE3893CFFD4}"/>
               </a:ext>
             </a:extLst>
           </p:cNvPr>
@@ -18799,7 +18969,7 @@
           <p:cNvPr id="7" name="Title 1">
             <a:extLst>
               <a:ext uri="{FF2B5EF4-FFF2-40B4-BE49-F238E27FC236}">
-                <a16:creationId xmlns="" xmlns:a16="http://schemas.microsoft.com/office/drawing/2014/main" id="{A26F03AE-A5EF-4A37-AD0A-4A124D961228}"/>
+                <a16:creationId xmlns:a16="http://schemas.microsoft.com/office/drawing/2014/main" xmlns="" id="{A26F03AE-A5EF-4A37-AD0A-4A124D961228}"/>
               </a:ext>
             </a:extLst>
           </p:cNvPr>
@@ -19254,7 +19424,7 @@
           <p:cNvPr id="7" name="Title 1">
             <a:extLst>
               <a:ext uri="{FF2B5EF4-FFF2-40B4-BE49-F238E27FC236}">
-                <a16:creationId xmlns="" xmlns:a16="http://schemas.microsoft.com/office/drawing/2014/main" id="{68CE6783-9C0D-46BA-8D98-4A95830915D5}"/>
+                <a16:creationId xmlns:a16="http://schemas.microsoft.com/office/drawing/2014/main" xmlns="" id="{68CE6783-9C0D-46BA-8D98-4A95830915D5}"/>
               </a:ext>
             </a:extLst>
           </p:cNvPr>
@@ -19941,7 +20111,7 @@
           <p:cNvPr id="7" name="Title 1">
             <a:extLst>
               <a:ext uri="{FF2B5EF4-FFF2-40B4-BE49-F238E27FC236}">
-                <a16:creationId xmlns="" xmlns:a16="http://schemas.microsoft.com/office/drawing/2014/main" id="{68CE6783-9C0D-46BA-8D98-4A95830915D5}"/>
+                <a16:creationId xmlns:a16="http://schemas.microsoft.com/office/drawing/2014/main" xmlns="" id="{68CE6783-9C0D-46BA-8D98-4A95830915D5}"/>
               </a:ext>
             </a:extLst>
           </p:cNvPr>
